--- a/Vue/vue.pptx
+++ b/Vue/vue.pptx
@@ -10,10 +10,11 @@
     <p:sldId id="262" r:id="rId4"/>
     <p:sldId id="263" r:id="rId5"/>
     <p:sldId id="264" r:id="rId6"/>
-    <p:sldId id="257" r:id="rId7"/>
-    <p:sldId id="258" r:id="rId8"/>
-    <p:sldId id="259" r:id="rId9"/>
-    <p:sldId id="260" r:id="rId10"/>
+    <p:sldId id="265" r:id="rId7"/>
+    <p:sldId id="257" r:id="rId8"/>
+    <p:sldId id="258" r:id="rId9"/>
+    <p:sldId id="259" r:id="rId10"/>
+    <p:sldId id="260" r:id="rId11"/>
   </p:sldIdLst>
   <p:sldSz cx="12192000" cy="6858000"/>
   <p:notesSz cx="6858000" cy="9144000"/>
@@ -251,7 +252,7 @@
           <a:p>
             <a:fld id="{4C0C5696-0E3B-44BA-8AF1-B2819B000127}" type="datetimeFigureOut">
               <a:rPr lang="zh-CN" altLang="en-US" smtClean="0"/>
-              <a:t>2018/8/12</a:t>
+              <a:t>2018/8/13</a:t>
             </a:fld>
             <a:endParaRPr lang="zh-CN" altLang="en-US"/>
           </a:p>
@@ -421,7 +422,7 @@
           <a:p>
             <a:fld id="{4C0C5696-0E3B-44BA-8AF1-B2819B000127}" type="datetimeFigureOut">
               <a:rPr lang="zh-CN" altLang="en-US" smtClean="0"/>
-              <a:t>2018/8/12</a:t>
+              <a:t>2018/8/13</a:t>
             </a:fld>
             <a:endParaRPr lang="zh-CN" altLang="en-US"/>
           </a:p>
@@ -601,7 +602,7 @@
           <a:p>
             <a:fld id="{4C0C5696-0E3B-44BA-8AF1-B2819B000127}" type="datetimeFigureOut">
               <a:rPr lang="zh-CN" altLang="en-US" smtClean="0"/>
-              <a:t>2018/8/12</a:t>
+              <a:t>2018/8/13</a:t>
             </a:fld>
             <a:endParaRPr lang="zh-CN" altLang="en-US"/>
           </a:p>
@@ -771,7 +772,7 @@
           <a:p>
             <a:fld id="{4C0C5696-0E3B-44BA-8AF1-B2819B000127}" type="datetimeFigureOut">
               <a:rPr lang="zh-CN" altLang="en-US" smtClean="0"/>
-              <a:t>2018/8/12</a:t>
+              <a:t>2018/8/13</a:t>
             </a:fld>
             <a:endParaRPr lang="zh-CN" altLang="en-US"/>
           </a:p>
@@ -1017,7 +1018,7 @@
           <a:p>
             <a:fld id="{4C0C5696-0E3B-44BA-8AF1-B2819B000127}" type="datetimeFigureOut">
               <a:rPr lang="zh-CN" altLang="en-US" smtClean="0"/>
-              <a:t>2018/8/12</a:t>
+              <a:t>2018/8/13</a:t>
             </a:fld>
             <a:endParaRPr lang="zh-CN" altLang="en-US"/>
           </a:p>
@@ -1249,7 +1250,7 @@
           <a:p>
             <a:fld id="{4C0C5696-0E3B-44BA-8AF1-B2819B000127}" type="datetimeFigureOut">
               <a:rPr lang="zh-CN" altLang="en-US" smtClean="0"/>
-              <a:t>2018/8/12</a:t>
+              <a:t>2018/8/13</a:t>
             </a:fld>
             <a:endParaRPr lang="zh-CN" altLang="en-US"/>
           </a:p>
@@ -1616,7 +1617,7 @@
           <a:p>
             <a:fld id="{4C0C5696-0E3B-44BA-8AF1-B2819B000127}" type="datetimeFigureOut">
               <a:rPr lang="zh-CN" altLang="en-US" smtClean="0"/>
-              <a:t>2018/8/12</a:t>
+              <a:t>2018/8/13</a:t>
             </a:fld>
             <a:endParaRPr lang="zh-CN" altLang="en-US"/>
           </a:p>
@@ -1734,7 +1735,7 @@
           <a:p>
             <a:fld id="{4C0C5696-0E3B-44BA-8AF1-B2819B000127}" type="datetimeFigureOut">
               <a:rPr lang="zh-CN" altLang="en-US" smtClean="0"/>
-              <a:t>2018/8/12</a:t>
+              <a:t>2018/8/13</a:t>
             </a:fld>
             <a:endParaRPr lang="zh-CN" altLang="en-US"/>
           </a:p>
@@ -1829,7 +1830,7 @@
           <a:p>
             <a:fld id="{4C0C5696-0E3B-44BA-8AF1-B2819B000127}" type="datetimeFigureOut">
               <a:rPr lang="zh-CN" altLang="en-US" smtClean="0"/>
-              <a:t>2018/8/12</a:t>
+              <a:t>2018/8/13</a:t>
             </a:fld>
             <a:endParaRPr lang="zh-CN" altLang="en-US"/>
           </a:p>
@@ -2106,7 +2107,7 @@
           <a:p>
             <a:fld id="{4C0C5696-0E3B-44BA-8AF1-B2819B000127}" type="datetimeFigureOut">
               <a:rPr lang="zh-CN" altLang="en-US" smtClean="0"/>
-              <a:t>2018/8/12</a:t>
+              <a:t>2018/8/13</a:t>
             </a:fld>
             <a:endParaRPr lang="zh-CN" altLang="en-US"/>
           </a:p>
@@ -2359,7 +2360,7 @@
           <a:p>
             <a:fld id="{4C0C5696-0E3B-44BA-8AF1-B2819B000127}" type="datetimeFigureOut">
               <a:rPr lang="zh-CN" altLang="en-US" smtClean="0"/>
-              <a:t>2018/8/12</a:t>
+              <a:t>2018/8/13</a:t>
             </a:fld>
             <a:endParaRPr lang="zh-CN" altLang="en-US"/>
           </a:p>
@@ -2572,7 +2573,7 @@
           <a:p>
             <a:fld id="{4C0C5696-0E3B-44BA-8AF1-B2819B000127}" type="datetimeFigureOut">
               <a:rPr lang="zh-CN" altLang="en-US" smtClean="0"/>
-              <a:t>2018/8/12</a:t>
+              <a:t>2018/8/13</a:t>
             </a:fld>
             <a:endParaRPr lang="zh-CN" altLang="en-US"/>
           </a:p>
@@ -3035,6 +3036,356 @@
 </p:sld>
 </file>
 
+<file path=ppt/slides/slide10.xml><?xml version="1.0" encoding="utf-8"?>
+<p:sld xmlns:a="http://schemas.openxmlformats.org/drawingml/2006/main" xmlns:r="http://schemas.openxmlformats.org/officeDocument/2006/relationships" xmlns:p="http://schemas.openxmlformats.org/presentationml/2006/main">
+  <p:cSld>
+    <p:spTree>
+      <p:nvGrpSpPr>
+        <p:cNvPr id="1" name=""/>
+        <p:cNvGrpSpPr/>
+        <p:nvPr/>
+      </p:nvGrpSpPr>
+      <p:grpSpPr>
+        <a:xfrm>
+          <a:off x="0" y="0"/>
+          <a:ext cx="0" cy="0"/>
+          <a:chOff x="0" y="0"/>
+          <a:chExt cx="0" cy="0"/>
+        </a:xfrm>
+      </p:grpSpPr>
+      <p:sp>
+        <p:nvSpPr>
+          <p:cNvPr id="5" name="矩形 4"/>
+          <p:cNvSpPr/>
+          <p:nvPr/>
+        </p:nvSpPr>
+        <p:spPr>
+          <a:xfrm>
+            <a:off x="782472" y="649238"/>
+            <a:ext cx="6096000" cy="2031325"/>
+          </a:xfrm>
+          <a:prstGeom prst="rect">
+            <a:avLst/>
+          </a:prstGeom>
+        </p:spPr>
+        <p:txBody>
+          <a:bodyPr>
+            <a:spAutoFit/>
+          </a:bodyPr>
+          <a:lstStyle/>
+          <a:p>
+            <a:r>
+              <a:rPr lang="en-US" altLang="zh-CN" b="0" i="0" dirty="0" smtClean="0">
+                <a:solidFill>
+                  <a:srgbClr val="34495E"/>
+                </a:solidFill>
+                <a:effectLst/>
+                <a:latin typeface="Source Sans Pro"/>
+              </a:rPr>
+              <a:t>V-bind</a:t>
+            </a:r>
+            <a:r>
+              <a:rPr lang="zh-CN" altLang="en-US" b="0" i="0" dirty="0" smtClean="0">
+                <a:solidFill>
+                  <a:srgbClr val="34495E"/>
+                </a:solidFill>
+                <a:effectLst/>
+                <a:latin typeface="Source Sans Pro"/>
+              </a:rPr>
+              <a:t>：</a:t>
+            </a:r>
+            <a:r>
+              <a:rPr lang="en-US" altLang="zh-CN" b="0" i="0" dirty="0" smtClean="0">
+                <a:solidFill>
+                  <a:srgbClr val="34495E"/>
+                </a:solidFill>
+                <a:effectLst/>
+                <a:latin typeface="Source Sans Pro"/>
+              </a:rPr>
+              <a:t>Mustache (</a:t>
+            </a:r>
+            <a:r>
+              <a:rPr lang="zh-CN" altLang="en-US" b="0" i="0" dirty="0" smtClean="0">
+                <a:solidFill>
+                  <a:srgbClr val="34495E"/>
+                </a:solidFill>
+                <a:effectLst/>
+                <a:latin typeface="Source Sans Pro"/>
+              </a:rPr>
+              <a:t>双大括号写法</a:t>
+            </a:r>
+            <a:r>
+              <a:rPr lang="en-US" altLang="zh-CN" b="0" i="0" dirty="0" smtClean="0">
+                <a:solidFill>
+                  <a:srgbClr val="34495E"/>
+                </a:solidFill>
+                <a:effectLst/>
+                <a:latin typeface="Source Sans Pro"/>
+              </a:rPr>
+              <a:t>)</a:t>
+            </a:r>
+            <a:r>
+              <a:rPr lang="zh-CN" altLang="en-US" b="0" i="0" dirty="0" smtClean="0">
+                <a:solidFill>
+                  <a:srgbClr val="34495E"/>
+                </a:solidFill>
+                <a:effectLst/>
+                <a:latin typeface="Source Sans Pro"/>
+              </a:rPr>
+              <a:t>不能在 </a:t>
+            </a:r>
+            <a:r>
+              <a:rPr lang="en-US" altLang="zh-CN" b="0" i="0" dirty="0" smtClean="0">
+                <a:solidFill>
+                  <a:srgbClr val="34495E"/>
+                </a:solidFill>
+                <a:effectLst/>
+                <a:latin typeface="Source Sans Pro"/>
+              </a:rPr>
+              <a:t>HTML </a:t>
+            </a:r>
+            <a:r>
+              <a:rPr lang="zh-CN" altLang="en-US" b="0" i="0" dirty="0" smtClean="0">
+                <a:solidFill>
+                  <a:srgbClr val="34495E"/>
+                </a:solidFill>
+                <a:effectLst/>
+                <a:latin typeface="Source Sans Pro"/>
+              </a:rPr>
+              <a:t>属性中使用，即不能使用</a:t>
+            </a:r>
+            <a:r>
+              <a:rPr lang="en-US" altLang="zh-CN" b="0" i="0" dirty="0" smtClean="0">
+                <a:solidFill>
+                  <a:srgbClr val="34495E"/>
+                </a:solidFill>
+                <a:effectLst/>
+                <a:latin typeface="Source Sans Pro"/>
+              </a:rPr>
+              <a:t>id=“{{name}}”</a:t>
+            </a:r>
+            <a:r>
+              <a:rPr lang="zh-CN" altLang="en-US" b="0" i="0" dirty="0" smtClean="0">
+                <a:solidFill>
+                  <a:srgbClr val="34495E"/>
+                </a:solidFill>
+                <a:effectLst/>
+                <a:latin typeface="Source Sans Pro"/>
+              </a:rPr>
+              <a:t>，应使用 </a:t>
+            </a:r>
+            <a:r>
+              <a:rPr lang="en-US" altLang="zh-CN" b="0" i="0" u="none" strike="noStrike" dirty="0" smtClean="0">
+                <a:solidFill>
+                  <a:srgbClr val="42B983"/>
+                </a:solidFill>
+                <a:effectLst/>
+                <a:latin typeface="Source Sans Pro"/>
+                <a:hlinkClick r:id="rId2"/>
+              </a:rPr>
+              <a:t>v-bind </a:t>
+            </a:r>
+            <a:r>
+              <a:rPr lang="zh-CN" altLang="en-US" b="0" i="0" u="none" strike="noStrike" dirty="0" smtClean="0">
+                <a:solidFill>
+                  <a:srgbClr val="42B983"/>
+                </a:solidFill>
+                <a:effectLst/>
+                <a:latin typeface="Source Sans Pro"/>
+                <a:hlinkClick r:id="rId2"/>
+              </a:rPr>
+              <a:t>指令</a:t>
+            </a:r>
+            <a:r>
+              <a:rPr lang="en-US" altLang="zh-CN" b="0" i="0" u="none" strike="noStrike" dirty="0" smtClean="0">
+                <a:solidFill>
+                  <a:srgbClr val="42B983"/>
+                </a:solidFill>
+                <a:effectLst/>
+                <a:latin typeface="Source Sans Pro"/>
+              </a:rPr>
+              <a:t>,</a:t>
+            </a:r>
+            <a:r>
+              <a:rPr lang="en-US" altLang="zh-CN" b="0" i="0" u="none" strike="noStrike" dirty="0" err="1" smtClean="0">
+                <a:solidFill>
+                  <a:srgbClr val="42B983"/>
+                </a:solidFill>
+                <a:effectLst/>
+                <a:latin typeface="Source Sans Pro"/>
+              </a:rPr>
+              <a:t>v-bind:name</a:t>
+            </a:r>
+            <a:r>
+              <a:rPr lang="en-US" altLang="zh-CN" b="0" i="0" u="none" strike="noStrike" dirty="0" smtClean="0">
+                <a:solidFill>
+                  <a:srgbClr val="42B983"/>
+                </a:solidFill>
+                <a:effectLst/>
+                <a:latin typeface="Source Sans Pro"/>
+              </a:rPr>
+              <a:t>=“name”</a:t>
+            </a:r>
+            <a:r>
+              <a:rPr lang="zh-CN" altLang="en-US" dirty="0" smtClean="0">
+                <a:solidFill>
+                  <a:srgbClr val="34495E"/>
+                </a:solidFill>
+                <a:latin typeface="Source Sans Pro"/>
+              </a:rPr>
+              <a:t>。它是用来绑定控件属性值的</a:t>
+            </a:r>
+            <a:endParaRPr lang="en-US" altLang="zh-CN" dirty="0" smtClean="0">
+              <a:solidFill>
+                <a:srgbClr val="34495E"/>
+              </a:solidFill>
+              <a:latin typeface="Source Sans Pro"/>
+            </a:endParaRPr>
+          </a:p>
+          <a:p>
+            <a:r>
+              <a:rPr lang="en-US" altLang="zh-CN" dirty="0" smtClean="0">
+                <a:solidFill>
+                  <a:srgbClr val="34495E"/>
+                </a:solidFill>
+                <a:latin typeface="Source Sans Pro"/>
+              </a:rPr>
+              <a:t>V-model</a:t>
+            </a:r>
+            <a:r>
+              <a:rPr lang="zh-CN" altLang="en-US" dirty="0" smtClean="0">
+                <a:solidFill>
+                  <a:srgbClr val="34495E"/>
+                </a:solidFill>
+                <a:latin typeface="Source Sans Pro"/>
+              </a:rPr>
+              <a:t>：用于实现数据双向绑定，即将</a:t>
+            </a:r>
+            <a:r>
+              <a:rPr lang="en-US" altLang="zh-CN" dirty="0" err="1" smtClean="0">
+                <a:solidFill>
+                  <a:srgbClr val="34495E"/>
+                </a:solidFill>
+                <a:latin typeface="Source Sans Pro"/>
+              </a:rPr>
+              <a:t>js</a:t>
+            </a:r>
+            <a:r>
+              <a:rPr lang="zh-CN" altLang="en-US" dirty="0" smtClean="0">
+                <a:solidFill>
+                  <a:srgbClr val="34495E"/>
+                </a:solidFill>
+                <a:latin typeface="Source Sans Pro"/>
+              </a:rPr>
+              <a:t>中</a:t>
+            </a:r>
+            <a:r>
+              <a:rPr lang="en-US" altLang="zh-CN" dirty="0" err="1" smtClean="0">
+                <a:solidFill>
+                  <a:srgbClr val="34495E"/>
+                </a:solidFill>
+                <a:latin typeface="Source Sans Pro"/>
+              </a:rPr>
+              <a:t>vue</a:t>
+            </a:r>
+            <a:r>
+              <a:rPr lang="zh-CN" altLang="en-US" dirty="0" smtClean="0">
+                <a:solidFill>
+                  <a:srgbClr val="34495E"/>
+                </a:solidFill>
+                <a:latin typeface="Source Sans Pro"/>
+              </a:rPr>
+              <a:t>实例中的</a:t>
+            </a:r>
+            <a:r>
+              <a:rPr lang="en-US" altLang="zh-CN" dirty="0" smtClean="0">
+                <a:solidFill>
+                  <a:srgbClr val="34495E"/>
+                </a:solidFill>
+                <a:latin typeface="Source Sans Pro"/>
+              </a:rPr>
+              <a:t>data</a:t>
+            </a:r>
+            <a:r>
+              <a:rPr lang="zh-CN" altLang="en-US" dirty="0" smtClean="0">
+                <a:solidFill>
+                  <a:srgbClr val="34495E"/>
+                </a:solidFill>
+                <a:latin typeface="Source Sans Pro"/>
+              </a:rPr>
+              <a:t>数据与其渲染的</a:t>
+            </a:r>
+            <a:r>
+              <a:rPr lang="en-US" altLang="zh-CN" dirty="0" err="1" smtClean="0">
+                <a:solidFill>
+                  <a:srgbClr val="34495E"/>
+                </a:solidFill>
+                <a:latin typeface="Source Sans Pro"/>
+              </a:rPr>
+              <a:t>dom</a:t>
+            </a:r>
+            <a:r>
+              <a:rPr lang="zh-CN" altLang="en-US" dirty="0" smtClean="0">
+                <a:solidFill>
+                  <a:srgbClr val="34495E"/>
+                </a:solidFill>
+                <a:latin typeface="Source Sans Pro"/>
+              </a:rPr>
+              <a:t>元素的</a:t>
+            </a:r>
+            <a:r>
+              <a:rPr lang="en-US" altLang="zh-CN" dirty="0" smtClean="0">
+                <a:solidFill>
+                  <a:srgbClr val="34495E"/>
+                </a:solidFill>
+                <a:latin typeface="Source Sans Pro"/>
+              </a:rPr>
+              <a:t>value</a:t>
+            </a:r>
+            <a:r>
+              <a:rPr lang="zh-CN" altLang="en-US" dirty="0" smtClean="0">
+                <a:solidFill>
+                  <a:srgbClr val="34495E"/>
+                </a:solidFill>
+                <a:latin typeface="Source Sans Pro"/>
+              </a:rPr>
+              <a:t>（可以说只针对</a:t>
+            </a:r>
+            <a:r>
+              <a:rPr lang="en-US" altLang="zh-CN" dirty="0" smtClean="0">
+                <a:solidFill>
+                  <a:srgbClr val="34495E"/>
+                </a:solidFill>
+                <a:latin typeface="Source Sans Pro"/>
+              </a:rPr>
+              <a:t>value</a:t>
+            </a:r>
+            <a:r>
+              <a:rPr lang="zh-CN" altLang="en-US" smtClean="0">
+                <a:solidFill>
+                  <a:srgbClr val="34495E"/>
+                </a:solidFill>
+                <a:latin typeface="Source Sans Pro"/>
+              </a:rPr>
+              <a:t>属性进行数据绑定，而且是双向绑定）内容保持一致，两者无论谁被改变，另一方也会相应更新数据</a:t>
+            </a:r>
+            <a:endParaRPr lang="zh-CN" altLang="en-US" dirty="0"/>
+          </a:p>
+        </p:txBody>
+      </p:sp>
+    </p:spTree>
+    <p:extLst>
+      <p:ext uri="{BB962C8B-B14F-4D97-AF65-F5344CB8AC3E}">
+        <p14:creationId xmlns:p14="http://schemas.microsoft.com/office/powerpoint/2010/main" val="764039077"/>
+      </p:ext>
+    </p:extLst>
+  </p:cSld>
+  <p:clrMapOvr>
+    <a:masterClrMapping/>
+  </p:clrMapOvr>
+</p:sld>
+</file>
+
 <file path=ppt/slides/slide2.xml><?xml version="1.0" encoding="utf-8"?>
 <p:sld xmlns:a="http://schemas.openxmlformats.org/drawingml/2006/main" xmlns:r="http://schemas.openxmlformats.org/officeDocument/2006/relationships" xmlns:p="http://schemas.openxmlformats.org/presentationml/2006/main">
   <p:cSld>
@@ -3291,13 +3642,7 @@
               <a:rPr lang="zh-CN" altLang="en-US" dirty="0" smtClean="0">
                 <a:latin typeface="+mn-ea"/>
               </a:rPr>
-              <a:t>浏览器显示。信息流只能从服务器单向流通到浏览器</a:t>
-            </a:r>
-            <a:r>
-              <a:rPr lang="zh-CN" altLang="en-US" dirty="0" smtClean="0">
-                <a:latin typeface="+mn-ea"/>
-              </a:rPr>
-              <a:t>。</a:t>
+              <a:t>浏览器显示。信息流只能从服务器单向流通到浏览器。</a:t>
             </a:r>
             <a:endParaRPr lang="en-US" altLang="zh-CN" dirty="0" smtClean="0">
               <a:latin typeface="+mn-ea"/>
@@ -4519,13 +4864,7 @@
               <a:rPr lang="zh-CN" altLang="en-US" dirty="0" smtClean="0">
                 <a:latin typeface="+mn-ea"/>
               </a:rPr>
-              <a:t>在解决网页的动态性问题上</a:t>
-            </a:r>
-            <a:r>
-              <a:rPr lang="zh-CN" altLang="en-US" dirty="0" smtClean="0">
-                <a:latin typeface="+mn-ea"/>
-              </a:rPr>
-              <a:t>，</a:t>
+              <a:t>在解决网页的动态性问题上，</a:t>
             </a:r>
             <a:r>
               <a:rPr lang="en-US" altLang="zh-CN" dirty="0" err="1" smtClean="0">
@@ -6491,8 +6830,8 @@
         </p:nvSpPr>
         <p:spPr>
           <a:xfrm>
-            <a:off x="186293" y="2446751"/>
-            <a:ext cx="992579" cy="369332"/>
+            <a:off x="4667534" y="3707158"/>
+            <a:ext cx="7398179" cy="1200329"/>
           </a:xfrm>
           <a:prstGeom prst="rect">
             <a:avLst/>
@@ -6508,13 +6847,160 @@
               <a:rPr lang="en-US" altLang="zh-CN" dirty="0" smtClean="0">
                 <a:latin typeface="+mn-ea"/>
               </a:rPr>
-              <a:t>MVP</a:t>
-            </a:r>
-            <a:r>
-              <a:rPr lang="zh-CN" altLang="en-US" dirty="0" smtClean="0">
-                <a:latin typeface="+mn-ea"/>
-              </a:rPr>
-              <a:t>框架</a:t>
+              <a:t>MVC</a:t>
+            </a:r>
+            <a:r>
+              <a:rPr lang="zh-CN" altLang="en-US" dirty="0" smtClean="0">
+                <a:latin typeface="+mn-ea"/>
+              </a:rPr>
+              <a:t>缺点</a:t>
+            </a:r>
+            <a:endParaRPr lang="en-US" altLang="zh-CN" dirty="0" smtClean="0">
+              <a:latin typeface="+mn-ea"/>
+            </a:endParaRPr>
+          </a:p>
+          <a:p>
+            <a:pPr marL="285750" indent="-285750">
+              <a:buFont typeface="Arial" panose="020B0604020202020204" pitchFamily="34" charset="0"/>
+              <a:buChar char="•"/>
+            </a:pPr>
+            <a:r>
+              <a:rPr lang="zh-CN" altLang="en-US" dirty="0">
+                <a:latin typeface="+mn-ea"/>
+              </a:rPr>
+              <a:t>每次</a:t>
+            </a:r>
+            <a:r>
+              <a:rPr lang="zh-CN" altLang="en-US" dirty="0" smtClean="0">
+                <a:latin typeface="+mn-ea"/>
+              </a:rPr>
+              <a:t>请求都必须经过“控制器</a:t>
+            </a:r>
+            <a:r>
+              <a:rPr lang="en-US" altLang="zh-CN" dirty="0" smtClean="0">
+                <a:latin typeface="+mn-ea"/>
+              </a:rPr>
+              <a:t>-</a:t>
+            </a:r>
+            <a:r>
+              <a:rPr lang="zh-CN" altLang="en-US" dirty="0" smtClean="0">
+                <a:latin typeface="+mn-ea"/>
+              </a:rPr>
+              <a:t>模型</a:t>
+            </a:r>
+            <a:r>
+              <a:rPr lang="en-US" altLang="zh-CN" dirty="0" smtClean="0">
+                <a:latin typeface="+mn-ea"/>
+              </a:rPr>
+              <a:t>-</a:t>
+            </a:r>
+            <a:r>
+              <a:rPr lang="zh-CN" altLang="en-US" dirty="0">
+                <a:latin typeface="+mn-ea"/>
+              </a:rPr>
+              <a:t>视图</a:t>
+            </a:r>
+            <a:r>
+              <a:rPr lang="zh-CN" altLang="en-US" dirty="0" smtClean="0">
+                <a:latin typeface="+mn-ea"/>
+              </a:rPr>
+              <a:t>”，对于小型应用过于冗长</a:t>
+            </a:r>
+            <a:endParaRPr lang="en-US" altLang="zh-CN" dirty="0" smtClean="0">
+              <a:latin typeface="+mn-ea"/>
+            </a:endParaRPr>
+          </a:p>
+          <a:p>
+            <a:pPr marL="285750" indent="-285750">
+              <a:buFont typeface="Arial" panose="020B0604020202020204" pitchFamily="34" charset="0"/>
+              <a:buChar char="•"/>
+            </a:pPr>
+            <a:r>
+              <a:rPr lang="en-US" altLang="zh-CN" dirty="0">
+                <a:latin typeface="+mn-ea"/>
+              </a:rPr>
+              <a:t>View</a:t>
+            </a:r>
+            <a:r>
+              <a:rPr lang="zh-CN" altLang="en-US" dirty="0" smtClean="0">
+                <a:latin typeface="+mn-ea"/>
+              </a:rPr>
+              <a:t>对于</a:t>
+            </a:r>
+            <a:r>
+              <a:rPr lang="en-US" altLang="zh-CN" dirty="0" smtClean="0">
+                <a:latin typeface="+mn-ea"/>
+              </a:rPr>
+              <a:t>Model</a:t>
+            </a:r>
+            <a:r>
+              <a:rPr lang="zh-CN" altLang="en-US" dirty="0" smtClean="0">
+                <a:latin typeface="+mn-ea"/>
+              </a:rPr>
+              <a:t>过于依赖，导致</a:t>
+            </a:r>
+            <a:r>
+              <a:rPr lang="en-US" altLang="zh-CN" dirty="0" smtClean="0">
+                <a:latin typeface="+mn-ea"/>
+              </a:rPr>
+              <a:t>View</a:t>
+            </a:r>
+            <a:r>
+              <a:rPr lang="zh-CN" altLang="en-US" dirty="0" smtClean="0">
+                <a:latin typeface="+mn-ea"/>
+              </a:rPr>
+              <a:t>和</a:t>
+            </a:r>
+            <a:r>
+              <a:rPr lang="en-US" altLang="zh-CN" dirty="0" smtClean="0">
+                <a:latin typeface="+mn-ea"/>
+              </a:rPr>
+              <a:t>Model</a:t>
+            </a:r>
+            <a:r>
+              <a:rPr lang="zh-CN" altLang="en-US" dirty="0" smtClean="0">
+                <a:latin typeface="+mn-ea"/>
+              </a:rPr>
+              <a:t>耦合度过高</a:t>
+            </a:r>
+            <a:endParaRPr lang="en-US" altLang="zh-CN" dirty="0" smtClean="0">
+              <a:latin typeface="+mn-ea"/>
+            </a:endParaRPr>
+          </a:p>
+          <a:p>
+            <a:pPr marL="285750" indent="-285750">
+              <a:buFont typeface="Arial" panose="020B0604020202020204" pitchFamily="34" charset="0"/>
+              <a:buChar char="•"/>
+            </a:pPr>
+            <a:r>
+              <a:rPr lang="zh-CN" altLang="en-US" dirty="0" smtClean="0">
+                <a:latin typeface="+mn-ea"/>
+              </a:rPr>
+              <a:t>所有逻辑都在</a:t>
+            </a:r>
+            <a:r>
+              <a:rPr lang="en-US" altLang="zh-CN" dirty="0" smtClean="0">
+                <a:latin typeface="+mn-ea"/>
+              </a:rPr>
+              <a:t>Controller</a:t>
+            </a:r>
+            <a:r>
+              <a:rPr lang="zh-CN" altLang="en-US" dirty="0" smtClean="0">
+                <a:latin typeface="+mn-ea"/>
+              </a:rPr>
+              <a:t>，导致</a:t>
+            </a:r>
+            <a:r>
+              <a:rPr lang="en-US" altLang="zh-CN" dirty="0" smtClean="0">
+                <a:latin typeface="+mn-ea"/>
+              </a:rPr>
+              <a:t>Controller</a:t>
+            </a:r>
+            <a:r>
+              <a:rPr lang="zh-CN" altLang="en-US" dirty="0" smtClean="0">
+                <a:latin typeface="+mn-ea"/>
+              </a:rPr>
+              <a:t>过于臃肿</a:t>
             </a:r>
             <a:endParaRPr lang="zh-CN" altLang="en-US" dirty="0">
               <a:latin typeface="+mn-ea"/>
@@ -6522,21 +7008,45 @@
           </a:p>
         </p:txBody>
       </p:sp>
-      <p:sp>
-        <p:nvSpPr>
-          <p:cNvPr id="22" name="矩形 21"/>
-          <p:cNvSpPr/>
+      <p:pic>
+        <p:nvPicPr>
+          <p:cNvPr id="3" name="图片 2"/>
+          <p:cNvPicPr>
+            <a:picLocks noChangeAspect="1"/>
+          </p:cNvPicPr>
           <p:nvPr/>
-        </p:nvSpPr>
+        </p:nvPicPr>
+        <p:blipFill>
+          <a:blip r:embed="rId2"/>
+          <a:stretch>
+            <a:fillRect/>
+          </a:stretch>
+        </p:blipFill>
         <p:spPr>
           <a:xfrm>
-            <a:off x="203651" y="2992799"/>
-            <a:ext cx="1107996" cy="369332"/>
+            <a:off x="186294" y="2479418"/>
+            <a:ext cx="4481240" cy="3703279"/>
           </a:xfrm>
           <a:prstGeom prst="rect">
             <a:avLst/>
           </a:prstGeom>
         </p:spPr>
+      </p:pic>
+      <p:sp>
+        <p:nvSpPr>
+          <p:cNvPr id="10" name="矩形 9"/>
+          <p:cNvSpPr/>
+          <p:nvPr/>
+        </p:nvSpPr>
+        <p:spPr>
+          <a:xfrm>
+            <a:off x="4700162" y="2271463"/>
+            <a:ext cx="6013185" cy="1200329"/>
+          </a:xfrm>
+          <a:prstGeom prst="rect">
+            <a:avLst/>
+          </a:prstGeom>
+        </p:spPr>
         <p:txBody>
           <a:bodyPr wrap="none">
             <a:spAutoFit/>
@@ -6547,13 +7057,100 @@
               <a:rPr lang="en-US" altLang="zh-CN" dirty="0" smtClean="0">
                 <a:latin typeface="+mn-ea"/>
               </a:rPr>
-              <a:t>MVVM</a:t>
-            </a:r>
-            <a:r>
-              <a:rPr lang="zh-CN" altLang="en-US" dirty="0" smtClean="0">
-                <a:latin typeface="+mn-ea"/>
-              </a:rPr>
-              <a:t>框架</a:t>
+              <a:t>MVC</a:t>
+            </a:r>
+          </a:p>
+          <a:p>
+            <a:pPr marL="285750" indent="-285750">
+              <a:buFont typeface="Arial" panose="020B0604020202020204" pitchFamily="34" charset="0"/>
+              <a:buChar char="•"/>
+            </a:pPr>
+            <a:r>
+              <a:rPr lang="en-US" altLang="zh-CN" dirty="0" smtClean="0">
+                <a:latin typeface="+mn-ea"/>
+              </a:rPr>
+              <a:t>View</a:t>
+            </a:r>
+            <a:r>
+              <a:rPr lang="zh-CN" altLang="en-US" dirty="0" smtClean="0">
+                <a:latin typeface="+mn-ea"/>
+              </a:rPr>
+              <a:t>：</a:t>
+            </a:r>
+            <a:r>
+              <a:rPr lang="en-US" altLang="zh-CN" dirty="0" smtClean="0">
+                <a:latin typeface="+mn-ea"/>
+              </a:rPr>
+              <a:t>html</a:t>
+            </a:r>
+            <a:r>
+              <a:rPr lang="zh-CN" altLang="en-US" dirty="0" smtClean="0">
+                <a:latin typeface="+mn-ea"/>
+              </a:rPr>
+              <a:t>代码</a:t>
+            </a:r>
+            <a:endParaRPr lang="en-US" altLang="zh-CN" dirty="0" smtClean="0">
+              <a:latin typeface="+mn-ea"/>
+            </a:endParaRPr>
+          </a:p>
+          <a:p>
+            <a:pPr marL="285750" indent="-285750">
+              <a:buFont typeface="Arial" panose="020B0604020202020204" pitchFamily="34" charset="0"/>
+              <a:buChar char="•"/>
+            </a:pPr>
+            <a:r>
+              <a:rPr lang="en-US" altLang="zh-CN" dirty="0" smtClean="0">
+                <a:latin typeface="+mn-ea"/>
+              </a:rPr>
+              <a:t>Model</a:t>
+            </a:r>
+            <a:r>
+              <a:rPr lang="zh-CN" altLang="en-US" dirty="0" smtClean="0">
+                <a:latin typeface="+mn-ea"/>
+              </a:rPr>
+              <a:t>：</a:t>
+            </a:r>
+            <a:r>
+              <a:rPr lang="en-US" altLang="zh-CN" dirty="0" err="1" smtClean="0">
+                <a:latin typeface="+mn-ea"/>
+              </a:rPr>
+              <a:t>var</a:t>
+            </a:r>
+            <a:r>
+              <a:rPr lang="en-US" altLang="zh-CN" dirty="0" smtClean="0">
+                <a:latin typeface="+mn-ea"/>
+              </a:rPr>
+              <a:t> data = { title : “hello”}</a:t>
+            </a:r>
+          </a:p>
+          <a:p>
+            <a:pPr marL="285750" indent="-285750">
+              <a:buFont typeface="Arial" panose="020B0604020202020204" pitchFamily="34" charset="0"/>
+              <a:buChar char="•"/>
+            </a:pPr>
+            <a:r>
+              <a:rPr lang="en-US" altLang="zh-CN" dirty="0" smtClean="0">
+                <a:latin typeface="+mn-ea"/>
+              </a:rPr>
+              <a:t>Controller</a:t>
+            </a:r>
+            <a:r>
+              <a:rPr lang="zh-CN" altLang="en-US" dirty="0" smtClean="0">
+                <a:latin typeface="+mn-ea"/>
+              </a:rPr>
+              <a:t>：</a:t>
+            </a:r>
+            <a:r>
+              <a:rPr lang="en-US" altLang="zh-CN" dirty="0" err="1" smtClean="0">
+                <a:latin typeface="+mn-ea"/>
+              </a:rPr>
+              <a:t>angular.controller</a:t>
+            </a:r>
+            <a:r>
+              <a:rPr lang="en-US" altLang="zh-CN" dirty="0" smtClean="0">
+                <a:latin typeface="+mn-ea"/>
+              </a:rPr>
+              <a:t>(function(){……})</a:t>
             </a:r>
             <a:endParaRPr lang="zh-CN" altLang="en-US" dirty="0">
               <a:latin typeface="+mn-ea"/>
@@ -6600,6 +7197,150 @@
       </p:grpSpPr>
       <p:sp>
         <p:nvSpPr>
+          <p:cNvPr id="19" name="矩形 18"/>
+          <p:cNvSpPr/>
+          <p:nvPr/>
+        </p:nvSpPr>
+        <p:spPr>
+          <a:xfrm>
+            <a:off x="99205" y="101007"/>
+            <a:ext cx="2194051" cy="536596"/>
+          </a:xfrm>
+          <a:prstGeom prst="rect">
+            <a:avLst/>
+          </a:prstGeom>
+        </p:spPr>
+        <p:style>
+          <a:lnRef idx="2">
+            <a:schemeClr val="accent1">
+              <a:shade val="50000"/>
+            </a:schemeClr>
+          </a:lnRef>
+          <a:fillRef idx="1">
+            <a:schemeClr val="accent1"/>
+          </a:fillRef>
+          <a:effectRef idx="0">
+            <a:schemeClr val="accent1"/>
+          </a:effectRef>
+          <a:fontRef idx="minor">
+            <a:schemeClr val="lt1"/>
+          </a:fontRef>
+        </p:style>
+        <p:txBody>
+          <a:bodyPr rtlCol="0" anchor="ctr"/>
+          <a:lstStyle/>
+          <a:p>
+            <a:pPr algn="ctr"/>
+            <a:r>
+              <a:rPr lang="zh-CN" altLang="en-US" dirty="0" smtClean="0"/>
+              <a:t>前端框架模式变迁</a:t>
+            </a:r>
+            <a:endParaRPr lang="en-US" altLang="zh-CN" dirty="0" smtClean="0"/>
+          </a:p>
+        </p:txBody>
+      </p:sp>
+      <p:sp>
+        <p:nvSpPr>
+          <p:cNvPr id="22" name="矩形 21"/>
+          <p:cNvSpPr/>
+          <p:nvPr/>
+        </p:nvSpPr>
+        <p:spPr>
+          <a:xfrm>
+            <a:off x="181484" y="972930"/>
+            <a:ext cx="992579" cy="369332"/>
+          </a:xfrm>
+          <a:prstGeom prst="rect">
+            <a:avLst/>
+          </a:prstGeom>
+        </p:spPr>
+        <p:txBody>
+          <a:bodyPr wrap="none">
+            <a:spAutoFit/>
+          </a:bodyPr>
+          <a:lstStyle/>
+          <a:p>
+            <a:r>
+              <a:rPr lang="en-US" altLang="zh-CN" dirty="0" smtClean="0">
+                <a:latin typeface="+mn-ea"/>
+              </a:rPr>
+              <a:t>MVP</a:t>
+            </a:r>
+            <a:r>
+              <a:rPr lang="zh-CN" altLang="en-US" dirty="0" smtClean="0">
+                <a:latin typeface="+mn-ea"/>
+              </a:rPr>
+              <a:t>框架</a:t>
+            </a:r>
+            <a:endParaRPr lang="zh-CN" altLang="en-US" dirty="0">
+              <a:latin typeface="+mn-ea"/>
+            </a:endParaRPr>
+          </a:p>
+        </p:txBody>
+      </p:sp>
+      <p:pic>
+        <p:nvPicPr>
+          <p:cNvPr id="4" name="图片 3"/>
+          <p:cNvPicPr>
+            <a:picLocks noChangeAspect="1"/>
+          </p:cNvPicPr>
+          <p:nvPr/>
+        </p:nvPicPr>
+        <p:blipFill>
+          <a:blip r:embed="rId2"/>
+          <a:stretch>
+            <a:fillRect/>
+          </a:stretch>
+        </p:blipFill>
+        <p:spPr>
+          <a:xfrm>
+            <a:off x="957247" y="1872144"/>
+            <a:ext cx="8402659" cy="857407"/>
+          </a:xfrm>
+          <a:prstGeom prst="rect">
+            <a:avLst/>
+          </a:prstGeom>
+        </p:spPr>
+      </p:pic>
+    </p:spTree>
+    <p:extLst>
+      <p:ext uri="{BB962C8B-B14F-4D97-AF65-F5344CB8AC3E}">
+        <p14:creationId xmlns:p14="http://schemas.microsoft.com/office/powerpoint/2010/main" val="3423052000"/>
+      </p:ext>
+    </p:extLst>
+  </p:cSld>
+  <p:clrMapOvr>
+    <a:masterClrMapping/>
+  </p:clrMapOvr>
+  <p:timing>
+    <p:tnLst>
+      <p:par>
+        <p:cTn id="1" dur="indefinite" restart="never" nodeType="tmRoot"/>
+      </p:par>
+    </p:tnLst>
+  </p:timing>
+</p:sld>
+</file>
+
+<file path=ppt/slides/slide7.xml><?xml version="1.0" encoding="utf-8"?>
+<p:sld xmlns:a="http://schemas.openxmlformats.org/drawingml/2006/main" xmlns:r="http://schemas.openxmlformats.org/officeDocument/2006/relationships" xmlns:p="http://schemas.openxmlformats.org/presentationml/2006/main">
+  <p:cSld>
+    <p:spTree>
+      <p:nvGrpSpPr>
+        <p:cNvPr id="1" name=""/>
+        <p:cNvGrpSpPr/>
+        <p:nvPr/>
+      </p:nvGrpSpPr>
+      <p:grpSpPr>
+        <a:xfrm>
+          <a:off x="0" y="0"/>
+          <a:ext cx="0" cy="0"/>
+          <a:chOff x="0" y="0"/>
+          <a:chExt cx="0" cy="0"/>
+        </a:xfrm>
+      </p:grpSpPr>
+      <p:sp>
+        <p:nvSpPr>
           <p:cNvPr id="4" name="矩形 3"/>
           <p:cNvSpPr/>
           <p:nvPr/>
@@ -6803,136 +7544,6 @@
     <p:extLst>
       <p:ext uri="{BB962C8B-B14F-4D97-AF65-F5344CB8AC3E}">
         <p14:creationId xmlns:p14="http://schemas.microsoft.com/office/powerpoint/2010/main" val="991376594"/>
-      </p:ext>
-    </p:extLst>
-  </p:cSld>
-  <p:clrMapOvr>
-    <a:masterClrMapping/>
-  </p:clrMapOvr>
-</p:sld>
-</file>
-
-<file path=ppt/slides/slide7.xml><?xml version="1.0" encoding="utf-8"?>
-<p:sld xmlns:a="http://schemas.openxmlformats.org/drawingml/2006/main" xmlns:r="http://schemas.openxmlformats.org/officeDocument/2006/relationships" xmlns:p="http://schemas.openxmlformats.org/presentationml/2006/main">
-  <p:cSld>
-    <p:spTree>
-      <p:nvGrpSpPr>
-        <p:cNvPr id="1" name=""/>
-        <p:cNvGrpSpPr/>
-        <p:nvPr/>
-      </p:nvGrpSpPr>
-      <p:grpSpPr>
-        <a:xfrm>
-          <a:off x="0" y="0"/>
-          <a:ext cx="0" cy="0"/>
-          <a:chOff x="0" y="0"/>
-          <a:chExt cx="0" cy="0"/>
-        </a:xfrm>
-      </p:grpSpPr>
-      <p:sp>
-        <p:nvSpPr>
-          <p:cNvPr id="4" name="矩形 3"/>
-          <p:cNvSpPr/>
-          <p:nvPr/>
-        </p:nvSpPr>
-        <p:spPr>
-          <a:xfrm>
-            <a:off x="723331" y="450376"/>
-            <a:ext cx="5254388" cy="1228299"/>
-          </a:xfrm>
-          <a:prstGeom prst="rect">
-            <a:avLst/>
-          </a:prstGeom>
-        </p:spPr>
-        <p:style>
-          <a:lnRef idx="2">
-            <a:schemeClr val="accent1">
-              <a:shade val="50000"/>
-            </a:schemeClr>
-          </a:lnRef>
-          <a:fillRef idx="1">
-            <a:schemeClr val="accent1"/>
-          </a:fillRef>
-          <a:effectRef idx="0">
-            <a:schemeClr val="accent1"/>
-          </a:effectRef>
-          <a:fontRef idx="minor">
-            <a:schemeClr val="lt1"/>
-          </a:fontRef>
-        </p:style>
-        <p:txBody>
-          <a:bodyPr rtlCol="0" anchor="ctr"/>
-          <a:lstStyle/>
-          <a:p>
-            <a:pPr algn="ctr"/>
-            <a:r>
-              <a:rPr lang="zh-CN" altLang="en-US" dirty="0" smtClean="0"/>
-              <a:t>为什么用</a:t>
-            </a:r>
-            <a:r>
-              <a:rPr lang="en-US" altLang="zh-CN" dirty="0" err="1" smtClean="0"/>
-              <a:t>vue</a:t>
-            </a:r>
-            <a:endParaRPr lang="en-US" altLang="zh-CN" dirty="0" smtClean="0"/>
-          </a:p>
-          <a:p>
-            <a:pPr algn="ctr"/>
-            <a:r>
-              <a:rPr lang="en-US" altLang="zh-CN" dirty="0" smtClean="0"/>
-              <a:t>1</a:t>
-            </a:r>
-            <a:r>
-              <a:rPr lang="zh-CN" altLang="en-US" dirty="0" smtClean="0"/>
-              <a:t>、</a:t>
-            </a:r>
-            <a:r>
-              <a:rPr lang="en-US" altLang="zh-CN" dirty="0" err="1" smtClean="0"/>
-              <a:t>vue</a:t>
-            </a:r>
-            <a:r>
-              <a:rPr lang="zh-CN" altLang="en-US" dirty="0" smtClean="0"/>
-              <a:t>的优缺点</a:t>
-            </a:r>
-            <a:endParaRPr lang="en-US" altLang="zh-CN" dirty="0" smtClean="0"/>
-          </a:p>
-          <a:p>
-            <a:pPr algn="ctr"/>
-            <a:r>
-              <a:rPr lang="en-US" altLang="zh-CN" dirty="0" smtClean="0"/>
-              <a:t>2</a:t>
-            </a:r>
-            <a:r>
-              <a:rPr lang="zh-CN" altLang="en-US" dirty="0" smtClean="0"/>
-              <a:t>、前端开发现状</a:t>
-            </a:r>
-            <a:endParaRPr lang="en-US" altLang="zh-CN" dirty="0" smtClean="0"/>
-          </a:p>
-          <a:p>
-            <a:pPr algn="ctr"/>
-            <a:r>
-              <a:rPr lang="en-US" altLang="zh-CN" dirty="0" smtClean="0"/>
-              <a:t>3</a:t>
-            </a:r>
-            <a:r>
-              <a:rPr lang="zh-CN" altLang="en-US" dirty="0" smtClean="0"/>
-              <a:t>、</a:t>
-            </a:r>
-            <a:r>
-              <a:rPr lang="en-US" altLang="zh-CN" dirty="0" err="1" smtClean="0"/>
-              <a:t>vue</a:t>
-            </a:r>
-            <a:r>
-              <a:rPr lang="zh-CN" altLang="en-US" dirty="0" smtClean="0"/>
-              <a:t>解决的问题</a:t>
-            </a:r>
-            <a:endParaRPr lang="zh-CN" altLang="en-US" dirty="0"/>
-          </a:p>
-        </p:txBody>
-      </p:sp>
-    </p:spTree>
-    <p:extLst>
-      <p:ext uri="{BB962C8B-B14F-4D97-AF65-F5344CB8AC3E}">
-        <p14:creationId xmlns:p14="http://schemas.microsoft.com/office/powerpoint/2010/main" val="237013988"/>
       </p:ext>
     </p:extLst>
   </p:cSld>
@@ -6967,8 +7578,8 @@
         </p:nvSpPr>
         <p:spPr>
           <a:xfrm>
-            <a:off x="6819331" y="218364"/>
-            <a:ext cx="5254388" cy="5688950"/>
+            <a:off x="723331" y="450376"/>
+            <a:ext cx="5254388" cy="1228299"/>
           </a:xfrm>
           <a:prstGeom prst="rect">
             <a:avLst/>
@@ -6994,9 +7605,10 @@
           <a:bodyPr rtlCol="0" anchor="ctr"/>
           <a:lstStyle/>
           <a:p>
+            <a:pPr algn="ctr"/>
             <a:r>
               <a:rPr lang="zh-CN" altLang="en-US" dirty="0" smtClean="0"/>
-              <a:t>如何使用</a:t>
+              <a:t>为什么用</a:t>
             </a:r>
             <a:r>
               <a:rPr lang="en-US" altLang="zh-CN" dirty="0" err="1" smtClean="0"/>
@@ -7005,67 +7617,45 @@
             <a:endParaRPr lang="en-US" altLang="zh-CN" dirty="0" smtClean="0"/>
           </a:p>
           <a:p>
+            <a:pPr algn="ctr"/>
             <a:r>
               <a:rPr lang="en-US" altLang="zh-CN" dirty="0" smtClean="0"/>
               <a:t>1</a:t>
             </a:r>
             <a:r>
               <a:rPr lang="zh-CN" altLang="en-US" dirty="0" smtClean="0"/>
-              <a:t>、概念</a:t>
+              <a:t>、</a:t>
+            </a:r>
+            <a:r>
+              <a:rPr lang="en-US" altLang="zh-CN" dirty="0" err="1" smtClean="0"/>
+              <a:t>vue</a:t>
+            </a:r>
+            <a:r>
+              <a:rPr lang="zh-CN" altLang="en-US" dirty="0" smtClean="0"/>
+              <a:t>的优缺点</a:t>
             </a:r>
             <a:endParaRPr lang="en-US" altLang="zh-CN" dirty="0" smtClean="0"/>
           </a:p>
           <a:p>
-            <a:r>
-              <a:rPr lang="en-US" altLang="zh-CN" dirty="0" smtClean="0"/>
-              <a:t>1</a:t>
-            </a:r>
-            <a:r>
-              <a:rPr lang="zh-CN" altLang="en-US" dirty="0" smtClean="0"/>
-              <a:t>）什么是声明式渲染和命令式渲染</a:t>
-            </a:r>
-            <a:endParaRPr lang="en-US" altLang="zh-CN" dirty="0"/>
-          </a:p>
-          <a:p>
+            <a:pPr algn="ctr"/>
             <a:r>
               <a:rPr lang="en-US" altLang="zh-CN" dirty="0" smtClean="0"/>
               <a:t>2</a:t>
             </a:r>
             <a:r>
               <a:rPr lang="zh-CN" altLang="en-US" dirty="0" smtClean="0"/>
-              <a:t>）什么是渐进式框架</a:t>
+              <a:t>、前端开发现状</a:t>
             </a:r>
             <a:endParaRPr lang="en-US" altLang="zh-CN" dirty="0" smtClean="0"/>
           </a:p>
           <a:p>
+            <a:pPr algn="ctr"/>
             <a:r>
               <a:rPr lang="en-US" altLang="zh-CN" dirty="0" smtClean="0"/>
               <a:t>3</a:t>
             </a:r>
             <a:r>
               <a:rPr lang="zh-CN" altLang="en-US" dirty="0" smtClean="0"/>
-              <a:t>）什么是生命周期</a:t>
-            </a:r>
-            <a:endParaRPr lang="en-US" altLang="zh-CN" dirty="0" smtClean="0"/>
-          </a:p>
-          <a:p>
-            <a:r>
-              <a:rPr lang="en-US" altLang="zh-CN" dirty="0" smtClean="0"/>
-              <a:t>4</a:t>
-            </a:r>
-            <a:r>
-              <a:rPr lang="zh-CN" altLang="en-US" dirty="0" smtClean="0"/>
-              <a:t>）什么是自底向上</a:t>
-            </a:r>
-            <a:endParaRPr lang="en-US" altLang="zh-CN" dirty="0" smtClean="0"/>
-          </a:p>
-          <a:p>
-            <a:r>
-              <a:rPr lang="en-US" altLang="zh-CN" dirty="0" smtClean="0"/>
-              <a:t>2</a:t>
-            </a:r>
-            <a:r>
-              <a:rPr lang="zh-CN" altLang="en-US" dirty="0" smtClean="0"/>
               <a:t>、</a:t>
             </a:r>
             <a:r>
@@ -7074,489 +7664,7 @@
             </a:r>
             <a:r>
               <a:rPr lang="zh-CN" altLang="en-US" dirty="0" smtClean="0"/>
-              <a:t>基础</a:t>
-            </a:r>
-            <a:endParaRPr lang="en-US" altLang="zh-CN" dirty="0" smtClean="0"/>
-          </a:p>
-          <a:p>
-            <a:r>
-              <a:rPr lang="en-US" altLang="zh-CN" dirty="0" smtClean="0"/>
-              <a:t>1</a:t>
-            </a:r>
-            <a:r>
-              <a:rPr lang="zh-CN" altLang="en-US" dirty="0" smtClean="0"/>
-              <a:t>）安装</a:t>
-            </a:r>
-            <a:r>
-              <a:rPr lang="en-US" altLang="zh-CN" dirty="0" err="1" smtClean="0"/>
-              <a:t>vue</a:t>
-            </a:r>
-            <a:endParaRPr lang="en-US" altLang="zh-CN" dirty="0" smtClean="0"/>
-          </a:p>
-          <a:p>
-            <a:r>
-              <a:rPr lang="en-US" altLang="zh-CN" dirty="0" smtClean="0"/>
-              <a:t>2</a:t>
-            </a:r>
-            <a:r>
-              <a:rPr lang="zh-CN" altLang="en-US" dirty="0" smtClean="0"/>
-              <a:t>）</a:t>
-            </a:r>
-            <a:r>
-              <a:rPr lang="en-US" altLang="zh-CN" dirty="0" err="1" smtClean="0"/>
-              <a:t>vue</a:t>
-            </a:r>
-            <a:r>
-              <a:rPr lang="zh-CN" altLang="en-US" dirty="0" smtClean="0"/>
-              <a:t>语法</a:t>
-            </a:r>
-            <a:endParaRPr lang="en-US" altLang="zh-CN" dirty="0" smtClean="0"/>
-          </a:p>
-          <a:p>
-            <a:r>
-              <a:rPr lang="en-US" altLang="zh-CN" dirty="0"/>
-              <a:t>3</a:t>
-            </a:r>
-            <a:r>
-              <a:rPr lang="zh-CN" altLang="en-US" dirty="0" smtClean="0"/>
-              <a:t>）创建</a:t>
-            </a:r>
-            <a:r>
-              <a:rPr lang="en-US" altLang="zh-CN" dirty="0" err="1" smtClean="0"/>
-              <a:t>vue</a:t>
-            </a:r>
-            <a:r>
-              <a:rPr lang="zh-CN" altLang="en-US" dirty="0" smtClean="0"/>
-              <a:t>实例，</a:t>
-            </a:r>
-            <a:r>
-              <a:rPr lang="en-US" altLang="zh-CN" dirty="0" smtClean="0"/>
-              <a:t>el</a:t>
-            </a:r>
-            <a:r>
-              <a:rPr lang="zh-CN" altLang="en-US" dirty="0" smtClean="0"/>
-              <a:t>、</a:t>
-            </a:r>
-            <a:r>
-              <a:rPr lang="en-US" altLang="zh-CN" dirty="0" smtClean="0"/>
-              <a:t>data</a:t>
-            </a:r>
-            <a:r>
-              <a:rPr lang="zh-CN" altLang="en-US" dirty="0" smtClean="0"/>
-              <a:t>、</a:t>
-            </a:r>
-            <a:r>
-              <a:rPr lang="en-US" altLang="zh-CN" dirty="0" smtClean="0"/>
-              <a:t>computed</a:t>
-            </a:r>
-            <a:r>
-              <a:rPr lang="zh-CN" altLang="en-US" dirty="0" smtClean="0"/>
-              <a:t>、</a:t>
-            </a:r>
-            <a:r>
-              <a:rPr lang="en-US" altLang="zh-CN" dirty="0" smtClean="0"/>
-              <a:t>methods</a:t>
-            </a:r>
-            <a:r>
-              <a:rPr lang="zh-CN" altLang="en-US" dirty="0" smtClean="0"/>
-              <a:t>、</a:t>
-            </a:r>
-            <a:r>
-              <a:rPr lang="en-US" altLang="zh-CN" dirty="0" smtClean="0"/>
-              <a:t>watch</a:t>
-            </a:r>
-          </a:p>
-          <a:p>
-            <a:r>
-              <a:rPr lang="en-US" altLang="zh-CN" dirty="0"/>
-              <a:t>4</a:t>
-            </a:r>
-            <a:r>
-              <a:rPr lang="zh-CN" altLang="en-US" dirty="0" smtClean="0"/>
-              <a:t>）</a:t>
-            </a:r>
-            <a:r>
-              <a:rPr lang="en-US" altLang="zh-CN" dirty="0" err="1" smtClean="0"/>
-              <a:t>vue</a:t>
-            </a:r>
-            <a:r>
-              <a:rPr lang="zh-CN" altLang="en-US" dirty="0" smtClean="0"/>
-              <a:t>指令</a:t>
-            </a:r>
-            <a:endParaRPr lang="en-US" altLang="zh-CN" dirty="0" smtClean="0"/>
-          </a:p>
-          <a:p>
-            <a:r>
-              <a:rPr lang="en-US" altLang="zh-CN" dirty="0"/>
-              <a:t>5</a:t>
-            </a:r>
-            <a:r>
-              <a:rPr lang="zh-CN" altLang="en-US" dirty="0" smtClean="0"/>
-              <a:t>）</a:t>
-            </a:r>
-            <a:r>
-              <a:rPr lang="en-US" altLang="zh-CN" dirty="0" err="1" smtClean="0"/>
-              <a:t>vue</a:t>
-            </a:r>
-            <a:r>
-              <a:rPr lang="zh-CN" altLang="en-US" dirty="0" smtClean="0"/>
-              <a:t>特殊特性</a:t>
-            </a:r>
-            <a:endParaRPr lang="en-US" altLang="zh-CN" dirty="0" smtClean="0"/>
-          </a:p>
-          <a:p>
-            <a:r>
-              <a:rPr lang="en-US" altLang="zh-CN" dirty="0" smtClean="0"/>
-              <a:t>3</a:t>
-            </a:r>
-            <a:r>
-              <a:rPr lang="zh-CN" altLang="en-US" dirty="0" smtClean="0"/>
-              <a:t>、</a:t>
-            </a:r>
-            <a:r>
-              <a:rPr lang="en-US" altLang="zh-CN" dirty="0" err="1" smtClean="0"/>
-              <a:t>vue</a:t>
-            </a:r>
-            <a:r>
-              <a:rPr lang="zh-CN" altLang="en-US" dirty="0" smtClean="0"/>
-              <a:t>高级</a:t>
-            </a:r>
-            <a:endParaRPr lang="en-US" altLang="zh-CN" dirty="0" smtClean="0"/>
-          </a:p>
-          <a:p>
-            <a:r>
-              <a:rPr lang="en-US" altLang="zh-CN" dirty="0" smtClean="0"/>
-              <a:t>1</a:t>
-            </a:r>
-            <a:r>
-              <a:rPr lang="zh-CN" altLang="en-US" dirty="0" smtClean="0"/>
-              <a:t>）全局配置</a:t>
-            </a:r>
-            <a:endParaRPr lang="en-US" altLang="zh-CN" dirty="0" smtClean="0"/>
-          </a:p>
-          <a:p>
-            <a:r>
-              <a:rPr lang="en-US" altLang="zh-CN" dirty="0" smtClean="0"/>
-              <a:t>2</a:t>
-            </a:r>
-            <a:r>
-              <a:rPr lang="zh-CN" altLang="en-US" dirty="0" smtClean="0"/>
-              <a:t>）全局</a:t>
-            </a:r>
-            <a:r>
-              <a:rPr lang="en-US" altLang="zh-CN" dirty="0" smtClean="0"/>
-              <a:t>API</a:t>
-            </a:r>
-          </a:p>
-          <a:p>
-            <a:r>
-              <a:rPr lang="en-US" altLang="zh-CN" dirty="0" smtClean="0"/>
-              <a:t>3</a:t>
-            </a:r>
-            <a:r>
-              <a:rPr lang="zh-CN" altLang="en-US" dirty="0" smtClean="0"/>
-              <a:t>）实例属性</a:t>
-            </a:r>
-            <a:endParaRPr lang="en-US" altLang="zh-CN" dirty="0" smtClean="0"/>
-          </a:p>
-          <a:p>
-            <a:r>
-              <a:rPr lang="en-US" altLang="zh-CN" dirty="0" smtClean="0"/>
-              <a:t>4</a:t>
-            </a:r>
-            <a:r>
-              <a:rPr lang="zh-CN" altLang="en-US" dirty="0" smtClean="0"/>
-              <a:t>）实例方法：数据</a:t>
-            </a:r>
-            <a:r>
-              <a:rPr lang="en-US" altLang="zh-CN" dirty="0" smtClean="0"/>
-              <a:t>/</a:t>
-            </a:r>
-            <a:r>
-              <a:rPr lang="zh-CN" altLang="en-US" dirty="0" smtClean="0"/>
-              <a:t>事件</a:t>
-            </a:r>
-            <a:r>
-              <a:rPr lang="en-US" altLang="zh-CN" dirty="0" smtClean="0"/>
-              <a:t>/</a:t>
-            </a:r>
-            <a:r>
-              <a:rPr lang="zh-CN" altLang="en-US" dirty="0" smtClean="0"/>
-              <a:t>生命周期</a:t>
-            </a:r>
-            <a:endParaRPr lang="en-US" altLang="zh-CN" dirty="0" smtClean="0"/>
-          </a:p>
-          <a:p>
-            <a:r>
-              <a:rPr lang="en-US" altLang="zh-CN" dirty="0" smtClean="0"/>
-              <a:t>5</a:t>
-            </a:r>
-            <a:r>
-              <a:rPr lang="zh-CN" altLang="en-US" dirty="0" smtClean="0"/>
-              <a:t>）自定义过滤器</a:t>
-            </a:r>
-            <a:endParaRPr lang="zh-CN" altLang="en-US" dirty="0"/>
-          </a:p>
-        </p:txBody>
-      </p:sp>
-      <p:sp>
-        <p:nvSpPr>
-          <p:cNvPr id="2" name="矩形 1"/>
-          <p:cNvSpPr/>
-          <p:nvPr/>
-        </p:nvSpPr>
-        <p:spPr>
-          <a:xfrm>
-            <a:off x="723331" y="2037265"/>
-            <a:ext cx="6096000" cy="1200329"/>
-          </a:xfrm>
-          <a:prstGeom prst="rect">
-            <a:avLst/>
-          </a:prstGeom>
-        </p:spPr>
-        <p:txBody>
-          <a:bodyPr>
-            <a:spAutoFit/>
-          </a:bodyPr>
-          <a:lstStyle/>
-          <a:p>
-            <a:pPr>
-              <a:buFont typeface="Arial" panose="020B0604020202020204" pitchFamily="34" charset="0"/>
-              <a:buChar char="•"/>
-            </a:pPr>
-            <a:r>
-              <a:rPr lang="zh-CN" altLang="en-US" b="0" i="0" dirty="0" smtClean="0">
-                <a:solidFill>
-                  <a:srgbClr val="333333"/>
-                </a:solidFill>
-                <a:effectLst/>
-                <a:latin typeface="-apple-system,BlinkMacSystemFont,Helvetica Neue,PingFang SC,Microsoft YaHei,Source Han Sans SC,Noto Sans CJK SC,WenQuanYi Micro Hei,sans-serif"/>
-              </a:rPr>
-              <a:t>命令式渲染 ： 命令我们的程序去做什么，程序就会跟着你的命令去一步一步执行</a:t>
-            </a:r>
-          </a:p>
-          <a:p>
-            <a:pPr>
-              <a:buFont typeface="Arial" panose="020B0604020202020204" pitchFamily="34" charset="0"/>
-              <a:buChar char="•"/>
-            </a:pPr>
-            <a:r>
-              <a:rPr lang="zh-CN" altLang="en-US" b="0" i="0" dirty="0" smtClean="0">
-                <a:solidFill>
-                  <a:srgbClr val="333333"/>
-                </a:solidFill>
-                <a:effectLst/>
-                <a:latin typeface="-apple-system,BlinkMacSystemFont,Helvetica Neue,PingFang SC,Microsoft YaHei,Source Han Sans SC,Noto Sans CJK SC,WenQuanYi Micro Hei,sans-serif"/>
-              </a:rPr>
-              <a:t>声明式渲染 ： 我们只需要告诉程序我们想要什么效果，其他的交给程序来做。</a:t>
-            </a:r>
-            <a:endParaRPr lang="zh-CN" altLang="en-US" b="0" i="0" dirty="0">
-              <a:solidFill>
-                <a:srgbClr val="333333"/>
-              </a:solidFill>
-              <a:effectLst/>
-              <a:latin typeface="-apple-system,BlinkMacSystemFont,Helvetica Neue,PingFang SC,Microsoft YaHei,Source Han Sans SC,Noto Sans CJK SC,WenQuanYi Micro Hei,sans-serif"/>
-            </a:endParaRPr>
-          </a:p>
-        </p:txBody>
-      </p:sp>
-      <p:sp>
-        <p:nvSpPr>
-          <p:cNvPr id="3" name="矩形 2"/>
-          <p:cNvSpPr/>
-          <p:nvPr/>
-        </p:nvSpPr>
-        <p:spPr>
-          <a:xfrm>
-            <a:off x="723331" y="3596184"/>
-            <a:ext cx="6096000" cy="2862322"/>
-          </a:xfrm>
-          <a:prstGeom prst="rect">
-            <a:avLst/>
-          </a:prstGeom>
-        </p:spPr>
-        <p:txBody>
-          <a:bodyPr>
-            <a:spAutoFit/>
-          </a:bodyPr>
-          <a:lstStyle/>
-          <a:p>
-            <a:r>
-              <a:rPr lang="zh-CN" altLang="en-US" b="0" i="0" dirty="0" smtClean="0">
-                <a:solidFill>
-                  <a:srgbClr val="333333"/>
-                </a:solidFill>
-                <a:effectLst/>
-                <a:latin typeface="微软雅黑" panose="020B0503020204020204" pitchFamily="34" charset="-122"/>
-                <a:ea typeface="微软雅黑" panose="020B0503020204020204" pitchFamily="34" charset="-122"/>
-              </a:rPr>
-              <a:t>渐进式框架：</a:t>
-            </a:r>
-            <a:endParaRPr lang="en-US" altLang="zh-CN" b="0" i="0" dirty="0" smtClean="0">
-              <a:solidFill>
-                <a:srgbClr val="333333"/>
-              </a:solidFill>
-              <a:effectLst/>
-              <a:latin typeface="微软雅黑" panose="020B0503020204020204" pitchFamily="34" charset="-122"/>
-              <a:ea typeface="微软雅黑" panose="020B0503020204020204" pitchFamily="34" charset="-122"/>
-            </a:endParaRPr>
-          </a:p>
-          <a:p>
-            <a:r>
-              <a:rPr lang="zh-CN" altLang="en-US" b="0" i="0" dirty="0" smtClean="0">
-                <a:solidFill>
-                  <a:srgbClr val="333333"/>
-                </a:solidFill>
-                <a:effectLst/>
-                <a:latin typeface="微软雅黑" panose="020B0503020204020204" pitchFamily="34" charset="-122"/>
-                <a:ea typeface="微软雅黑" panose="020B0503020204020204" pitchFamily="34" charset="-122"/>
-              </a:rPr>
-              <a:t>每个框架都不可避免会有自己的一些特点，从而会对使用者有一定的要求，这些要求就是主张，主张有强有弱，它的强势程度会影响在业务开发中的使用方式。</a:t>
-            </a:r>
-            <a:br>
-              <a:rPr lang="zh-CN" altLang="en-US" b="0" i="0" dirty="0" smtClean="0">
-                <a:solidFill>
-                  <a:srgbClr val="333333"/>
-                </a:solidFill>
-                <a:effectLst/>
-                <a:latin typeface="微软雅黑" panose="020B0503020204020204" pitchFamily="34" charset="-122"/>
-                <a:ea typeface="微软雅黑" panose="020B0503020204020204" pitchFamily="34" charset="-122"/>
-              </a:rPr>
-            </a:br>
-            <a:r>
-              <a:rPr lang="zh-CN" altLang="en-US" b="0" i="0" dirty="0" smtClean="0">
-                <a:solidFill>
-                  <a:srgbClr val="333333"/>
-                </a:solidFill>
-                <a:effectLst/>
-                <a:latin typeface="微软雅黑" panose="020B0503020204020204" pitchFamily="34" charset="-122"/>
-                <a:ea typeface="微软雅黑" panose="020B0503020204020204" pitchFamily="34" charset="-122"/>
-              </a:rPr>
-              <a:t>使用</a:t>
-            </a:r>
-            <a:r>
-              <a:rPr lang="en-US" altLang="zh-CN" b="0" i="0" dirty="0" err="1" smtClean="0">
-                <a:solidFill>
-                  <a:srgbClr val="333333"/>
-                </a:solidFill>
-                <a:effectLst/>
-                <a:latin typeface="微软雅黑" panose="020B0503020204020204" pitchFamily="34" charset="-122"/>
-                <a:ea typeface="微软雅黑" panose="020B0503020204020204" pitchFamily="34" charset="-122"/>
-              </a:rPr>
-              <a:t>vue</a:t>
-            </a:r>
-            <a:r>
-              <a:rPr lang="zh-CN" altLang="en-US" b="0" i="0" dirty="0" smtClean="0">
-                <a:solidFill>
-                  <a:srgbClr val="333333"/>
-                </a:solidFill>
-                <a:effectLst/>
-                <a:latin typeface="微软雅黑" panose="020B0503020204020204" pitchFamily="34" charset="-122"/>
-                <a:ea typeface="微软雅黑" panose="020B0503020204020204" pitchFamily="34" charset="-122"/>
-              </a:rPr>
-              <a:t>，你可以在原有大系统的上面，把一两个组件改用它实现，当</a:t>
-            </a:r>
-            <a:r>
-              <a:rPr lang="en-US" altLang="zh-CN" b="0" i="0" dirty="0" err="1" smtClean="0">
-                <a:solidFill>
-                  <a:srgbClr val="333333"/>
-                </a:solidFill>
-                <a:effectLst/>
-                <a:latin typeface="微软雅黑" panose="020B0503020204020204" pitchFamily="34" charset="-122"/>
-                <a:ea typeface="微软雅黑" panose="020B0503020204020204" pitchFamily="34" charset="-122"/>
-              </a:rPr>
-              <a:t>jQuery</a:t>
-            </a:r>
-            <a:r>
-              <a:rPr lang="zh-CN" altLang="en-US" b="0" i="0" dirty="0" smtClean="0">
-                <a:solidFill>
-                  <a:srgbClr val="333333"/>
-                </a:solidFill>
-                <a:effectLst/>
-                <a:latin typeface="微软雅黑" panose="020B0503020204020204" pitchFamily="34" charset="-122"/>
-                <a:ea typeface="微软雅黑" panose="020B0503020204020204" pitchFamily="34" charset="-122"/>
-              </a:rPr>
-              <a:t>用；也可以整个用它全家桶开发，当</a:t>
-            </a:r>
-            <a:r>
-              <a:rPr lang="en-US" altLang="zh-CN" b="0" i="0" dirty="0" smtClean="0">
-                <a:solidFill>
-                  <a:srgbClr val="333333"/>
-                </a:solidFill>
-                <a:effectLst/>
-                <a:latin typeface="微软雅黑" panose="020B0503020204020204" pitchFamily="34" charset="-122"/>
-                <a:ea typeface="微软雅黑" panose="020B0503020204020204" pitchFamily="34" charset="-122"/>
-              </a:rPr>
-              <a:t>Angular</a:t>
-            </a:r>
-            <a:r>
-              <a:rPr lang="zh-CN" altLang="en-US" b="0" i="0" dirty="0" smtClean="0">
-                <a:solidFill>
-                  <a:srgbClr val="333333"/>
-                </a:solidFill>
-                <a:effectLst/>
-                <a:latin typeface="微软雅黑" panose="020B0503020204020204" pitchFamily="34" charset="-122"/>
-                <a:ea typeface="微软雅黑" panose="020B0503020204020204" pitchFamily="34" charset="-122"/>
-              </a:rPr>
-              <a:t>用；</a:t>
-            </a:r>
-            <a:r>
-              <a:rPr lang="zh-CN" altLang="en-US" dirty="0" smtClean="0"/>
-              <a:t/>
-            </a:r>
-            <a:br>
-              <a:rPr lang="zh-CN" altLang="en-US" dirty="0" smtClean="0"/>
-            </a:br>
-            <a:r>
-              <a:rPr lang="zh-CN" altLang="en-US" b="0" i="0" dirty="0" smtClean="0">
-                <a:solidFill>
-                  <a:srgbClr val="333333"/>
-                </a:solidFill>
-                <a:effectLst/>
-                <a:latin typeface="微软雅黑" panose="020B0503020204020204" pitchFamily="34" charset="-122"/>
-                <a:ea typeface="微软雅黑" panose="020B0503020204020204" pitchFamily="34" charset="-122"/>
-              </a:rPr>
-              <a:t>还可以用它的视图，搭配你自己设计的整个下层用。你可以在底层数据逻辑的地方用</a:t>
-            </a:r>
-            <a:r>
-              <a:rPr lang="en-US" altLang="zh-CN" b="0" i="0" dirty="0" smtClean="0">
-                <a:solidFill>
-                  <a:srgbClr val="333333"/>
-                </a:solidFill>
-                <a:effectLst/>
-                <a:latin typeface="微软雅黑" panose="020B0503020204020204" pitchFamily="34" charset="-122"/>
-                <a:ea typeface="微软雅黑" panose="020B0503020204020204" pitchFamily="34" charset="-122"/>
-              </a:rPr>
-              <a:t>OO</a:t>
-            </a:r>
-            <a:r>
-              <a:rPr lang="zh-CN" altLang="en-US" b="0" i="0" dirty="0" smtClean="0">
-                <a:solidFill>
-                  <a:srgbClr val="333333"/>
-                </a:solidFill>
-                <a:effectLst/>
-                <a:latin typeface="微软雅黑" panose="020B0503020204020204" pitchFamily="34" charset="-122"/>
-                <a:ea typeface="微软雅黑" panose="020B0503020204020204" pitchFamily="34" charset="-122"/>
-              </a:rPr>
-              <a:t>和设计模式的那套理念。</a:t>
-            </a:r>
-            <a:r>
-              <a:rPr lang="zh-CN" altLang="en-US" dirty="0" smtClean="0"/>
-              <a:t/>
-            </a:r>
-            <a:br>
-              <a:rPr lang="zh-CN" altLang="en-US" dirty="0" smtClean="0"/>
-            </a:br>
-            <a:r>
-              <a:rPr lang="zh-CN" altLang="en-US" b="0" i="0" dirty="0" smtClean="0">
-                <a:solidFill>
-                  <a:srgbClr val="333333"/>
-                </a:solidFill>
-                <a:effectLst/>
-                <a:latin typeface="微软雅黑" panose="020B0503020204020204" pitchFamily="34" charset="-122"/>
-                <a:ea typeface="微软雅黑" panose="020B0503020204020204" pitchFamily="34" charset="-122"/>
-              </a:rPr>
-              <a:t>也可以函数式，都可以。渐进式可以理解为自由度的表现</a:t>
+              <a:t>解决的问题</a:t>
             </a:r>
             <a:endParaRPr lang="zh-CN" altLang="en-US" dirty="0"/>
           </a:p>
@@ -7565,7 +7673,7 @@
     </p:spTree>
     <p:extLst>
       <p:ext uri="{BB962C8B-B14F-4D97-AF65-F5344CB8AC3E}">
-        <p14:creationId xmlns:p14="http://schemas.microsoft.com/office/powerpoint/2010/main" val="3137779150"/>
+        <p14:creationId xmlns:p14="http://schemas.microsoft.com/office/powerpoint/2010/main" val="237013988"/>
       </p:ext>
     </p:extLst>
   </p:cSld>
@@ -7594,319 +7702,602 @@
       </p:grpSpPr>
       <p:sp>
         <p:nvSpPr>
-          <p:cNvPr id="5" name="矩形 4"/>
+          <p:cNvPr id="4" name="矩形 3"/>
           <p:cNvSpPr/>
           <p:nvPr/>
         </p:nvSpPr>
         <p:spPr>
           <a:xfrm>
-            <a:off x="782472" y="649238"/>
-            <a:ext cx="6096000" cy="2031325"/>
+            <a:off x="6819331" y="218364"/>
+            <a:ext cx="5254388" cy="5688950"/>
           </a:xfrm>
           <a:prstGeom prst="rect">
             <a:avLst/>
           </a:prstGeom>
         </p:spPr>
+        <p:style>
+          <a:lnRef idx="2">
+            <a:schemeClr val="accent1">
+              <a:shade val="50000"/>
+            </a:schemeClr>
+          </a:lnRef>
+          <a:fillRef idx="1">
+            <a:schemeClr val="accent1"/>
+          </a:fillRef>
+          <a:effectRef idx="0">
+            <a:schemeClr val="accent1"/>
+          </a:effectRef>
+          <a:fontRef idx="minor">
+            <a:schemeClr val="lt1"/>
+          </a:fontRef>
+        </p:style>
+        <p:txBody>
+          <a:bodyPr rtlCol="0" anchor="ctr"/>
+          <a:lstStyle/>
+          <a:p>
+            <a:r>
+              <a:rPr lang="zh-CN" altLang="en-US" dirty="0" smtClean="0"/>
+              <a:t>如何使用</a:t>
+            </a:r>
+            <a:r>
+              <a:rPr lang="en-US" altLang="zh-CN" dirty="0" err="1" smtClean="0"/>
+              <a:t>vue</a:t>
+            </a:r>
+            <a:endParaRPr lang="en-US" altLang="zh-CN" dirty="0" smtClean="0"/>
+          </a:p>
+          <a:p>
+            <a:r>
+              <a:rPr lang="en-US" altLang="zh-CN" dirty="0" smtClean="0"/>
+              <a:t>1</a:t>
+            </a:r>
+            <a:r>
+              <a:rPr lang="zh-CN" altLang="en-US" dirty="0" smtClean="0"/>
+              <a:t>、概念</a:t>
+            </a:r>
+            <a:endParaRPr lang="en-US" altLang="zh-CN" dirty="0" smtClean="0"/>
+          </a:p>
+          <a:p>
+            <a:r>
+              <a:rPr lang="en-US" altLang="zh-CN" dirty="0" smtClean="0"/>
+              <a:t>1</a:t>
+            </a:r>
+            <a:r>
+              <a:rPr lang="zh-CN" altLang="en-US" dirty="0" smtClean="0"/>
+              <a:t>）什么是声明式渲染和命令式渲染</a:t>
+            </a:r>
+            <a:endParaRPr lang="en-US" altLang="zh-CN" dirty="0"/>
+          </a:p>
+          <a:p>
+            <a:r>
+              <a:rPr lang="en-US" altLang="zh-CN" dirty="0" smtClean="0"/>
+              <a:t>2</a:t>
+            </a:r>
+            <a:r>
+              <a:rPr lang="zh-CN" altLang="en-US" dirty="0" smtClean="0"/>
+              <a:t>）什么是渐进式框架</a:t>
+            </a:r>
+            <a:endParaRPr lang="en-US" altLang="zh-CN" dirty="0" smtClean="0"/>
+          </a:p>
+          <a:p>
+            <a:r>
+              <a:rPr lang="en-US" altLang="zh-CN" dirty="0" smtClean="0"/>
+              <a:t>3</a:t>
+            </a:r>
+            <a:r>
+              <a:rPr lang="zh-CN" altLang="en-US" dirty="0" smtClean="0"/>
+              <a:t>）什么是生命周期</a:t>
+            </a:r>
+            <a:endParaRPr lang="en-US" altLang="zh-CN" dirty="0" smtClean="0"/>
+          </a:p>
+          <a:p>
+            <a:r>
+              <a:rPr lang="en-US" altLang="zh-CN" dirty="0" smtClean="0"/>
+              <a:t>4</a:t>
+            </a:r>
+            <a:r>
+              <a:rPr lang="zh-CN" altLang="en-US" dirty="0" smtClean="0"/>
+              <a:t>）什么是自底向上</a:t>
+            </a:r>
+            <a:endParaRPr lang="en-US" altLang="zh-CN" dirty="0" smtClean="0"/>
+          </a:p>
+          <a:p>
+            <a:r>
+              <a:rPr lang="en-US" altLang="zh-CN" dirty="0" smtClean="0"/>
+              <a:t>2</a:t>
+            </a:r>
+            <a:r>
+              <a:rPr lang="zh-CN" altLang="en-US" dirty="0" smtClean="0"/>
+              <a:t>、</a:t>
+            </a:r>
+            <a:r>
+              <a:rPr lang="en-US" altLang="zh-CN" dirty="0" err="1" smtClean="0"/>
+              <a:t>vue</a:t>
+            </a:r>
+            <a:r>
+              <a:rPr lang="zh-CN" altLang="en-US" dirty="0" smtClean="0"/>
+              <a:t>基础</a:t>
+            </a:r>
+            <a:endParaRPr lang="en-US" altLang="zh-CN" dirty="0" smtClean="0"/>
+          </a:p>
+          <a:p>
+            <a:r>
+              <a:rPr lang="en-US" altLang="zh-CN" dirty="0" smtClean="0"/>
+              <a:t>1</a:t>
+            </a:r>
+            <a:r>
+              <a:rPr lang="zh-CN" altLang="en-US" dirty="0" smtClean="0"/>
+              <a:t>）安装</a:t>
+            </a:r>
+            <a:r>
+              <a:rPr lang="en-US" altLang="zh-CN" dirty="0" err="1" smtClean="0"/>
+              <a:t>vue</a:t>
+            </a:r>
+            <a:endParaRPr lang="en-US" altLang="zh-CN" dirty="0" smtClean="0"/>
+          </a:p>
+          <a:p>
+            <a:r>
+              <a:rPr lang="en-US" altLang="zh-CN" dirty="0" smtClean="0"/>
+              <a:t>2</a:t>
+            </a:r>
+            <a:r>
+              <a:rPr lang="zh-CN" altLang="en-US" dirty="0" smtClean="0"/>
+              <a:t>）</a:t>
+            </a:r>
+            <a:r>
+              <a:rPr lang="en-US" altLang="zh-CN" dirty="0" err="1" smtClean="0"/>
+              <a:t>vue</a:t>
+            </a:r>
+            <a:r>
+              <a:rPr lang="zh-CN" altLang="en-US" dirty="0" smtClean="0"/>
+              <a:t>语法</a:t>
+            </a:r>
+            <a:endParaRPr lang="en-US" altLang="zh-CN" dirty="0" smtClean="0"/>
+          </a:p>
+          <a:p>
+            <a:r>
+              <a:rPr lang="en-US" altLang="zh-CN" dirty="0"/>
+              <a:t>3</a:t>
+            </a:r>
+            <a:r>
+              <a:rPr lang="zh-CN" altLang="en-US" dirty="0" smtClean="0"/>
+              <a:t>）创建</a:t>
+            </a:r>
+            <a:r>
+              <a:rPr lang="en-US" altLang="zh-CN" dirty="0" err="1" smtClean="0"/>
+              <a:t>vue</a:t>
+            </a:r>
+            <a:r>
+              <a:rPr lang="zh-CN" altLang="en-US" dirty="0" smtClean="0"/>
+              <a:t>实例，</a:t>
+            </a:r>
+            <a:r>
+              <a:rPr lang="en-US" altLang="zh-CN" dirty="0" smtClean="0"/>
+              <a:t>el</a:t>
+            </a:r>
+            <a:r>
+              <a:rPr lang="zh-CN" altLang="en-US" dirty="0" smtClean="0"/>
+              <a:t>、</a:t>
+            </a:r>
+            <a:r>
+              <a:rPr lang="en-US" altLang="zh-CN" dirty="0" smtClean="0"/>
+              <a:t>data</a:t>
+            </a:r>
+            <a:r>
+              <a:rPr lang="zh-CN" altLang="en-US" dirty="0" smtClean="0"/>
+              <a:t>、</a:t>
+            </a:r>
+            <a:r>
+              <a:rPr lang="en-US" altLang="zh-CN" dirty="0" smtClean="0"/>
+              <a:t>computed</a:t>
+            </a:r>
+            <a:r>
+              <a:rPr lang="zh-CN" altLang="en-US" dirty="0" smtClean="0"/>
+              <a:t>、</a:t>
+            </a:r>
+            <a:r>
+              <a:rPr lang="en-US" altLang="zh-CN" dirty="0" smtClean="0"/>
+              <a:t>methods</a:t>
+            </a:r>
+            <a:r>
+              <a:rPr lang="zh-CN" altLang="en-US" dirty="0" smtClean="0"/>
+              <a:t>、</a:t>
+            </a:r>
+            <a:r>
+              <a:rPr lang="en-US" altLang="zh-CN" dirty="0" smtClean="0"/>
+              <a:t>watch</a:t>
+            </a:r>
+          </a:p>
+          <a:p>
+            <a:r>
+              <a:rPr lang="en-US" altLang="zh-CN" dirty="0"/>
+              <a:t>4</a:t>
+            </a:r>
+            <a:r>
+              <a:rPr lang="zh-CN" altLang="en-US" dirty="0" smtClean="0"/>
+              <a:t>）</a:t>
+            </a:r>
+            <a:r>
+              <a:rPr lang="en-US" altLang="zh-CN" dirty="0" err="1" smtClean="0"/>
+              <a:t>vue</a:t>
+            </a:r>
+            <a:r>
+              <a:rPr lang="zh-CN" altLang="en-US" dirty="0" smtClean="0"/>
+              <a:t>指令</a:t>
+            </a:r>
+            <a:endParaRPr lang="en-US" altLang="zh-CN" dirty="0" smtClean="0"/>
+          </a:p>
+          <a:p>
+            <a:r>
+              <a:rPr lang="en-US" altLang="zh-CN" dirty="0"/>
+              <a:t>5</a:t>
+            </a:r>
+            <a:r>
+              <a:rPr lang="zh-CN" altLang="en-US" dirty="0" smtClean="0"/>
+              <a:t>）</a:t>
+            </a:r>
+            <a:r>
+              <a:rPr lang="en-US" altLang="zh-CN" dirty="0" err="1" smtClean="0"/>
+              <a:t>vue</a:t>
+            </a:r>
+            <a:r>
+              <a:rPr lang="zh-CN" altLang="en-US" dirty="0" smtClean="0"/>
+              <a:t>特殊特性</a:t>
+            </a:r>
+            <a:endParaRPr lang="en-US" altLang="zh-CN" dirty="0" smtClean="0"/>
+          </a:p>
+          <a:p>
+            <a:r>
+              <a:rPr lang="en-US" altLang="zh-CN" dirty="0" smtClean="0"/>
+              <a:t>3</a:t>
+            </a:r>
+            <a:r>
+              <a:rPr lang="zh-CN" altLang="en-US" dirty="0" smtClean="0"/>
+              <a:t>、</a:t>
+            </a:r>
+            <a:r>
+              <a:rPr lang="en-US" altLang="zh-CN" dirty="0" err="1" smtClean="0"/>
+              <a:t>vue</a:t>
+            </a:r>
+            <a:r>
+              <a:rPr lang="zh-CN" altLang="en-US" dirty="0" smtClean="0"/>
+              <a:t>高级</a:t>
+            </a:r>
+            <a:endParaRPr lang="en-US" altLang="zh-CN" dirty="0" smtClean="0"/>
+          </a:p>
+          <a:p>
+            <a:r>
+              <a:rPr lang="en-US" altLang="zh-CN" dirty="0" smtClean="0"/>
+              <a:t>1</a:t>
+            </a:r>
+            <a:r>
+              <a:rPr lang="zh-CN" altLang="en-US" dirty="0" smtClean="0"/>
+              <a:t>）全局配置</a:t>
+            </a:r>
+            <a:endParaRPr lang="en-US" altLang="zh-CN" dirty="0" smtClean="0"/>
+          </a:p>
+          <a:p>
+            <a:r>
+              <a:rPr lang="en-US" altLang="zh-CN" dirty="0" smtClean="0"/>
+              <a:t>2</a:t>
+            </a:r>
+            <a:r>
+              <a:rPr lang="zh-CN" altLang="en-US" dirty="0" smtClean="0"/>
+              <a:t>）全局</a:t>
+            </a:r>
+            <a:r>
+              <a:rPr lang="en-US" altLang="zh-CN" dirty="0" smtClean="0"/>
+              <a:t>API</a:t>
+            </a:r>
+          </a:p>
+          <a:p>
+            <a:r>
+              <a:rPr lang="en-US" altLang="zh-CN" dirty="0" smtClean="0"/>
+              <a:t>3</a:t>
+            </a:r>
+            <a:r>
+              <a:rPr lang="zh-CN" altLang="en-US" dirty="0" smtClean="0"/>
+              <a:t>）实例属性</a:t>
+            </a:r>
+            <a:endParaRPr lang="en-US" altLang="zh-CN" dirty="0" smtClean="0"/>
+          </a:p>
+          <a:p>
+            <a:r>
+              <a:rPr lang="en-US" altLang="zh-CN" dirty="0" smtClean="0"/>
+              <a:t>4</a:t>
+            </a:r>
+            <a:r>
+              <a:rPr lang="zh-CN" altLang="en-US" dirty="0" smtClean="0"/>
+              <a:t>）实例方法：数据</a:t>
+            </a:r>
+            <a:r>
+              <a:rPr lang="en-US" altLang="zh-CN" dirty="0" smtClean="0"/>
+              <a:t>/</a:t>
+            </a:r>
+            <a:r>
+              <a:rPr lang="zh-CN" altLang="en-US" dirty="0" smtClean="0"/>
+              <a:t>事件</a:t>
+            </a:r>
+            <a:r>
+              <a:rPr lang="en-US" altLang="zh-CN" dirty="0" smtClean="0"/>
+              <a:t>/</a:t>
+            </a:r>
+            <a:r>
+              <a:rPr lang="zh-CN" altLang="en-US" dirty="0" smtClean="0"/>
+              <a:t>生命周期</a:t>
+            </a:r>
+            <a:endParaRPr lang="en-US" altLang="zh-CN" dirty="0" smtClean="0"/>
+          </a:p>
+          <a:p>
+            <a:r>
+              <a:rPr lang="en-US" altLang="zh-CN" dirty="0" smtClean="0"/>
+              <a:t>5</a:t>
+            </a:r>
+            <a:r>
+              <a:rPr lang="zh-CN" altLang="en-US" dirty="0" smtClean="0"/>
+              <a:t>）自定义过滤器</a:t>
+            </a:r>
+            <a:endParaRPr lang="zh-CN" altLang="en-US" dirty="0"/>
+          </a:p>
+        </p:txBody>
+      </p:sp>
+      <p:sp>
+        <p:nvSpPr>
+          <p:cNvPr id="2" name="矩形 1"/>
+          <p:cNvSpPr/>
+          <p:nvPr/>
+        </p:nvSpPr>
+        <p:spPr>
+          <a:xfrm>
+            <a:off x="723331" y="2037265"/>
+            <a:ext cx="6096000" cy="1200329"/>
+          </a:xfrm>
+          <a:prstGeom prst="rect">
+            <a:avLst/>
+          </a:prstGeom>
+        </p:spPr>
         <p:txBody>
           <a:bodyPr>
             <a:spAutoFit/>
           </a:bodyPr>
           <a:lstStyle/>
           <a:p>
+            <a:pPr>
+              <a:buFont typeface="Arial" panose="020B0604020202020204" pitchFamily="34" charset="0"/>
+              <a:buChar char="•"/>
+            </a:pPr>
+            <a:r>
+              <a:rPr lang="zh-CN" altLang="en-US" b="0" i="0" dirty="0" smtClean="0">
+                <a:solidFill>
+                  <a:srgbClr val="333333"/>
+                </a:solidFill>
+                <a:effectLst/>
+                <a:latin typeface="-apple-system,BlinkMacSystemFont,Helvetica Neue,PingFang SC,Microsoft YaHei,Source Han Sans SC,Noto Sans CJK SC,WenQuanYi Micro Hei,sans-serif"/>
+              </a:rPr>
+              <a:t>命令式渲染 ： 命令我们的程序去做什么，程序就会跟着你的命令去一步一步执行</a:t>
+            </a:r>
+          </a:p>
+          <a:p>
+            <a:pPr>
+              <a:buFont typeface="Arial" panose="020B0604020202020204" pitchFamily="34" charset="0"/>
+              <a:buChar char="•"/>
+            </a:pPr>
+            <a:r>
+              <a:rPr lang="zh-CN" altLang="en-US" b="0" i="0" dirty="0" smtClean="0">
+                <a:solidFill>
+                  <a:srgbClr val="333333"/>
+                </a:solidFill>
+                <a:effectLst/>
+                <a:latin typeface="-apple-system,BlinkMacSystemFont,Helvetica Neue,PingFang SC,Microsoft YaHei,Source Han Sans SC,Noto Sans CJK SC,WenQuanYi Micro Hei,sans-serif"/>
+              </a:rPr>
+              <a:t>声明式渲染 ： 我们只需要告诉程序我们想要什么效果，其他的交给程序来做。</a:t>
+            </a:r>
+            <a:endParaRPr lang="zh-CN" altLang="en-US" b="0" i="0" dirty="0">
+              <a:solidFill>
+                <a:srgbClr val="333333"/>
+              </a:solidFill>
+              <a:effectLst/>
+              <a:latin typeface="-apple-system,BlinkMacSystemFont,Helvetica Neue,PingFang SC,Microsoft YaHei,Source Han Sans SC,Noto Sans CJK SC,WenQuanYi Micro Hei,sans-serif"/>
+            </a:endParaRPr>
+          </a:p>
+        </p:txBody>
+      </p:sp>
+      <p:sp>
+        <p:nvSpPr>
+          <p:cNvPr id="3" name="矩形 2"/>
+          <p:cNvSpPr/>
+          <p:nvPr/>
+        </p:nvSpPr>
+        <p:spPr>
+          <a:xfrm>
+            <a:off x="723331" y="3596184"/>
+            <a:ext cx="6096000" cy="2862322"/>
+          </a:xfrm>
+          <a:prstGeom prst="rect">
+            <a:avLst/>
+          </a:prstGeom>
+        </p:spPr>
+        <p:txBody>
+          <a:bodyPr>
+            <a:spAutoFit/>
+          </a:bodyPr>
+          <a:lstStyle/>
+          <a:p>
+            <a:r>
+              <a:rPr lang="zh-CN" altLang="en-US" b="0" i="0" dirty="0" smtClean="0">
+                <a:solidFill>
+                  <a:srgbClr val="333333"/>
+                </a:solidFill>
+                <a:effectLst/>
+                <a:latin typeface="微软雅黑" panose="020B0503020204020204" pitchFamily="34" charset="-122"/>
+                <a:ea typeface="微软雅黑" panose="020B0503020204020204" pitchFamily="34" charset="-122"/>
+              </a:rPr>
+              <a:t>渐进式框架：</a:t>
+            </a:r>
+            <a:endParaRPr lang="en-US" altLang="zh-CN" b="0" i="0" dirty="0" smtClean="0">
+              <a:solidFill>
+                <a:srgbClr val="333333"/>
+              </a:solidFill>
+              <a:effectLst/>
+              <a:latin typeface="微软雅黑" panose="020B0503020204020204" pitchFamily="34" charset="-122"/>
+              <a:ea typeface="微软雅黑" panose="020B0503020204020204" pitchFamily="34" charset="-122"/>
+            </a:endParaRPr>
+          </a:p>
+          <a:p>
+            <a:r>
+              <a:rPr lang="zh-CN" altLang="en-US" b="0" i="0" dirty="0" smtClean="0">
+                <a:solidFill>
+                  <a:srgbClr val="333333"/>
+                </a:solidFill>
+                <a:effectLst/>
+                <a:latin typeface="微软雅黑" panose="020B0503020204020204" pitchFamily="34" charset="-122"/>
+                <a:ea typeface="微软雅黑" panose="020B0503020204020204" pitchFamily="34" charset="-122"/>
+              </a:rPr>
+              <a:t>每个框架都不可避免会有自己的一些特点，从而会对使用者有一定的要求，这些要求就是主张，主张有强有弱，它的强势程度会影响在业务开发中的使用方式。</a:t>
+            </a:r>
+            <a:br>
+              <a:rPr lang="zh-CN" altLang="en-US" b="0" i="0" dirty="0" smtClean="0">
+                <a:solidFill>
+                  <a:srgbClr val="333333"/>
+                </a:solidFill>
+                <a:effectLst/>
+                <a:latin typeface="微软雅黑" panose="020B0503020204020204" pitchFamily="34" charset="-122"/>
+                <a:ea typeface="微软雅黑" panose="020B0503020204020204" pitchFamily="34" charset="-122"/>
+              </a:rPr>
+            </a:br>
+            <a:r>
+              <a:rPr lang="zh-CN" altLang="en-US" b="0" i="0" dirty="0" smtClean="0">
+                <a:solidFill>
+                  <a:srgbClr val="333333"/>
+                </a:solidFill>
+                <a:effectLst/>
+                <a:latin typeface="微软雅黑" panose="020B0503020204020204" pitchFamily="34" charset="-122"/>
+                <a:ea typeface="微软雅黑" panose="020B0503020204020204" pitchFamily="34" charset="-122"/>
+              </a:rPr>
+              <a:t>使用</a:t>
+            </a:r>
+            <a:r>
+              <a:rPr lang="en-US" altLang="zh-CN" b="0" i="0" dirty="0" err="1" smtClean="0">
+                <a:solidFill>
+                  <a:srgbClr val="333333"/>
+                </a:solidFill>
+                <a:effectLst/>
+                <a:latin typeface="微软雅黑" panose="020B0503020204020204" pitchFamily="34" charset="-122"/>
+                <a:ea typeface="微软雅黑" panose="020B0503020204020204" pitchFamily="34" charset="-122"/>
+              </a:rPr>
+              <a:t>vue</a:t>
+            </a:r>
+            <a:r>
+              <a:rPr lang="zh-CN" altLang="en-US" b="0" i="0" dirty="0" smtClean="0">
+                <a:solidFill>
+                  <a:srgbClr val="333333"/>
+                </a:solidFill>
+                <a:effectLst/>
+                <a:latin typeface="微软雅黑" panose="020B0503020204020204" pitchFamily="34" charset="-122"/>
+                <a:ea typeface="微软雅黑" panose="020B0503020204020204" pitchFamily="34" charset="-122"/>
+              </a:rPr>
+              <a:t>，你可以在原有大系统的上面，把一两个组件改用它实现，当</a:t>
+            </a:r>
+            <a:r>
+              <a:rPr lang="en-US" altLang="zh-CN" b="0" i="0" dirty="0" err="1" smtClean="0">
+                <a:solidFill>
+                  <a:srgbClr val="333333"/>
+                </a:solidFill>
+                <a:effectLst/>
+                <a:latin typeface="微软雅黑" panose="020B0503020204020204" pitchFamily="34" charset="-122"/>
+                <a:ea typeface="微软雅黑" panose="020B0503020204020204" pitchFamily="34" charset="-122"/>
+              </a:rPr>
+              <a:t>jQuery</a:t>
+            </a:r>
+            <a:r>
+              <a:rPr lang="zh-CN" altLang="en-US" b="0" i="0" dirty="0" smtClean="0">
+                <a:solidFill>
+                  <a:srgbClr val="333333"/>
+                </a:solidFill>
+                <a:effectLst/>
+                <a:latin typeface="微软雅黑" panose="020B0503020204020204" pitchFamily="34" charset="-122"/>
+                <a:ea typeface="微软雅黑" panose="020B0503020204020204" pitchFamily="34" charset="-122"/>
+              </a:rPr>
+              <a:t>用；也可以整个用它全家桶开发，当</a:t>
+            </a:r>
             <a:r>
               <a:rPr lang="en-US" altLang="zh-CN" b="0" i="0" dirty="0" smtClean="0">
                 <a:solidFill>
-                  <a:srgbClr val="34495E"/>
+                  <a:srgbClr val="333333"/>
                 </a:solidFill>
                 <a:effectLst/>
-                <a:latin typeface="Source Sans Pro"/>
-              </a:rPr>
-              <a:t>V-bind</a:t>
+                <a:latin typeface="微软雅黑" panose="020B0503020204020204" pitchFamily="34" charset="-122"/>
+                <a:ea typeface="微软雅黑" panose="020B0503020204020204" pitchFamily="34" charset="-122"/>
+              </a:rPr>
+              <a:t>Angular</a:t>
             </a:r>
             <a:r>
               <a:rPr lang="zh-CN" altLang="en-US" b="0" i="0" dirty="0" smtClean="0">
                 <a:solidFill>
-                  <a:srgbClr val="34495E"/>
+                  <a:srgbClr val="333333"/>
                 </a:solidFill>
                 <a:effectLst/>
-                <a:latin typeface="Source Sans Pro"/>
-              </a:rPr>
-              <a:t>：</a:t>
+                <a:latin typeface="微软雅黑" panose="020B0503020204020204" pitchFamily="34" charset="-122"/>
+                <a:ea typeface="微软雅黑" panose="020B0503020204020204" pitchFamily="34" charset="-122"/>
+              </a:rPr>
+              <a:t>用；</a:t>
+            </a:r>
+            <a:r>
+              <a:rPr lang="zh-CN" altLang="en-US" dirty="0" smtClean="0"/>
+              <a:t/>
+            </a:r>
+            <a:br>
+              <a:rPr lang="zh-CN" altLang="en-US" dirty="0" smtClean="0"/>
+            </a:br>
+            <a:r>
+              <a:rPr lang="zh-CN" altLang="en-US" b="0" i="0" dirty="0" smtClean="0">
+                <a:solidFill>
+                  <a:srgbClr val="333333"/>
+                </a:solidFill>
+                <a:effectLst/>
+                <a:latin typeface="微软雅黑" panose="020B0503020204020204" pitchFamily="34" charset="-122"/>
+                <a:ea typeface="微软雅黑" panose="020B0503020204020204" pitchFamily="34" charset="-122"/>
+              </a:rPr>
+              <a:t>还可以用它的视图，搭配你自己设计的整个下层用。你可以在底层数据逻辑的地方用</a:t>
             </a:r>
             <a:r>
               <a:rPr lang="en-US" altLang="zh-CN" b="0" i="0" dirty="0" smtClean="0">
                 <a:solidFill>
-                  <a:srgbClr val="34495E"/>
+                  <a:srgbClr val="333333"/>
                 </a:solidFill>
                 <a:effectLst/>
-                <a:latin typeface="Source Sans Pro"/>
-              </a:rPr>
-              <a:t>Mustache (</a:t>
+                <a:latin typeface="微软雅黑" panose="020B0503020204020204" pitchFamily="34" charset="-122"/>
+                <a:ea typeface="微软雅黑" panose="020B0503020204020204" pitchFamily="34" charset="-122"/>
+              </a:rPr>
+              <a:t>OO</a:t>
             </a:r>
             <a:r>
               <a:rPr lang="zh-CN" altLang="en-US" b="0" i="0" dirty="0" smtClean="0">
                 <a:solidFill>
-                  <a:srgbClr val="34495E"/>
+                  <a:srgbClr val="333333"/>
                 </a:solidFill>
                 <a:effectLst/>
-                <a:latin typeface="Source Sans Pro"/>
-              </a:rPr>
-              <a:t>双大括号写法</a:t>
-            </a:r>
-            <a:r>
-              <a:rPr lang="en-US" altLang="zh-CN" b="0" i="0" dirty="0" smtClean="0">
-                <a:solidFill>
-                  <a:srgbClr val="34495E"/>
+                <a:latin typeface="微软雅黑" panose="020B0503020204020204" pitchFamily="34" charset="-122"/>
+                <a:ea typeface="微软雅黑" panose="020B0503020204020204" pitchFamily="34" charset="-122"/>
+              </a:rPr>
+              <a:t>和设计模式的那套理念。</a:t>
+            </a:r>
+            <a:r>
+              <a:rPr lang="zh-CN" altLang="en-US" dirty="0" smtClean="0"/>
+              <a:t/>
+            </a:r>
+            <a:br>
+              <a:rPr lang="zh-CN" altLang="en-US" dirty="0" smtClean="0"/>
+            </a:br>
+            <a:r>
+              <a:rPr lang="zh-CN" altLang="en-US" b="0" i="0" dirty="0" smtClean="0">
+                <a:solidFill>
+                  <a:srgbClr val="333333"/>
                 </a:solidFill>
                 <a:effectLst/>
-                <a:latin typeface="Source Sans Pro"/>
-              </a:rPr>
-              <a:t>)</a:t>
-            </a:r>
-            <a:r>
-              <a:rPr lang="zh-CN" altLang="en-US" b="0" i="0" dirty="0" smtClean="0">
-                <a:solidFill>
-                  <a:srgbClr val="34495E"/>
-                </a:solidFill>
-                <a:effectLst/>
-                <a:latin typeface="Source Sans Pro"/>
-              </a:rPr>
-              <a:t>不能在 </a:t>
-            </a:r>
-            <a:r>
-              <a:rPr lang="en-US" altLang="zh-CN" b="0" i="0" dirty="0" smtClean="0">
-                <a:solidFill>
-                  <a:srgbClr val="34495E"/>
-                </a:solidFill>
-                <a:effectLst/>
-                <a:latin typeface="Source Sans Pro"/>
-              </a:rPr>
-              <a:t>HTML </a:t>
-            </a:r>
-            <a:r>
-              <a:rPr lang="zh-CN" altLang="en-US" b="0" i="0" dirty="0" smtClean="0">
-                <a:solidFill>
-                  <a:srgbClr val="34495E"/>
-                </a:solidFill>
-                <a:effectLst/>
-                <a:latin typeface="Source Sans Pro"/>
-              </a:rPr>
-              <a:t>属性中使用，即不能使用</a:t>
-            </a:r>
-            <a:r>
-              <a:rPr lang="en-US" altLang="zh-CN" b="0" i="0" dirty="0" smtClean="0">
-                <a:solidFill>
-                  <a:srgbClr val="34495E"/>
-                </a:solidFill>
-                <a:effectLst/>
-                <a:latin typeface="Source Sans Pro"/>
-              </a:rPr>
-              <a:t>id=“{{name}}”</a:t>
-            </a:r>
-            <a:r>
-              <a:rPr lang="zh-CN" altLang="en-US" b="0" i="0" dirty="0" smtClean="0">
-                <a:solidFill>
-                  <a:srgbClr val="34495E"/>
-                </a:solidFill>
-                <a:effectLst/>
-                <a:latin typeface="Source Sans Pro"/>
-              </a:rPr>
-              <a:t>，应使用 </a:t>
-            </a:r>
-            <a:r>
-              <a:rPr lang="en-US" altLang="zh-CN" b="0" i="0" u="none" strike="noStrike" dirty="0" smtClean="0">
-                <a:solidFill>
-                  <a:srgbClr val="42B983"/>
-                </a:solidFill>
-                <a:effectLst/>
-                <a:latin typeface="Source Sans Pro"/>
-                <a:hlinkClick r:id="rId2"/>
-              </a:rPr>
-              <a:t>v-bind </a:t>
-            </a:r>
-            <a:r>
-              <a:rPr lang="zh-CN" altLang="en-US" b="0" i="0" u="none" strike="noStrike" dirty="0" smtClean="0">
-                <a:solidFill>
-                  <a:srgbClr val="42B983"/>
-                </a:solidFill>
-                <a:effectLst/>
-                <a:latin typeface="Source Sans Pro"/>
-                <a:hlinkClick r:id="rId2"/>
-              </a:rPr>
-              <a:t>指令</a:t>
-            </a:r>
-            <a:r>
-              <a:rPr lang="en-US" altLang="zh-CN" b="0" i="0" u="none" strike="noStrike" dirty="0" smtClean="0">
-                <a:solidFill>
-                  <a:srgbClr val="42B983"/>
-                </a:solidFill>
-                <a:effectLst/>
-                <a:latin typeface="Source Sans Pro"/>
-              </a:rPr>
-              <a:t>,</a:t>
-            </a:r>
-            <a:r>
-              <a:rPr lang="en-US" altLang="zh-CN" b="0" i="0" u="none" strike="noStrike" dirty="0" err="1" smtClean="0">
-                <a:solidFill>
-                  <a:srgbClr val="42B983"/>
-                </a:solidFill>
-                <a:effectLst/>
-                <a:latin typeface="Source Sans Pro"/>
-              </a:rPr>
-              <a:t>v-bind:name</a:t>
-            </a:r>
-            <a:r>
-              <a:rPr lang="en-US" altLang="zh-CN" b="0" i="0" u="none" strike="noStrike" dirty="0" smtClean="0">
-                <a:solidFill>
-                  <a:srgbClr val="42B983"/>
-                </a:solidFill>
-                <a:effectLst/>
-                <a:latin typeface="Source Sans Pro"/>
-              </a:rPr>
-              <a:t>=“name”</a:t>
-            </a:r>
-            <a:r>
-              <a:rPr lang="zh-CN" altLang="en-US" dirty="0" smtClean="0">
-                <a:solidFill>
-                  <a:srgbClr val="34495E"/>
-                </a:solidFill>
-                <a:latin typeface="Source Sans Pro"/>
-              </a:rPr>
-              <a:t>。它是用来绑定控件属性值的</a:t>
-            </a:r>
-            <a:endParaRPr lang="en-US" altLang="zh-CN" dirty="0" smtClean="0">
-              <a:solidFill>
-                <a:srgbClr val="34495E"/>
-              </a:solidFill>
-              <a:latin typeface="Source Sans Pro"/>
-            </a:endParaRPr>
-          </a:p>
-          <a:p>
-            <a:r>
-              <a:rPr lang="en-US" altLang="zh-CN" dirty="0" smtClean="0">
-                <a:solidFill>
-                  <a:srgbClr val="34495E"/>
-                </a:solidFill>
-                <a:latin typeface="Source Sans Pro"/>
-              </a:rPr>
-              <a:t>V-model</a:t>
-            </a:r>
-            <a:r>
-              <a:rPr lang="zh-CN" altLang="en-US" dirty="0" smtClean="0">
-                <a:solidFill>
-                  <a:srgbClr val="34495E"/>
-                </a:solidFill>
-                <a:latin typeface="Source Sans Pro"/>
-              </a:rPr>
-              <a:t>：用于实现数据双向绑定，即将</a:t>
-            </a:r>
-            <a:r>
-              <a:rPr lang="en-US" altLang="zh-CN" dirty="0" err="1" smtClean="0">
-                <a:solidFill>
-                  <a:srgbClr val="34495E"/>
-                </a:solidFill>
-                <a:latin typeface="Source Sans Pro"/>
-              </a:rPr>
-              <a:t>js</a:t>
-            </a:r>
-            <a:r>
-              <a:rPr lang="zh-CN" altLang="en-US" dirty="0" smtClean="0">
-                <a:solidFill>
-                  <a:srgbClr val="34495E"/>
-                </a:solidFill>
-                <a:latin typeface="Source Sans Pro"/>
-              </a:rPr>
-              <a:t>中</a:t>
-            </a:r>
-            <a:r>
-              <a:rPr lang="en-US" altLang="zh-CN" dirty="0" err="1" smtClean="0">
-                <a:solidFill>
-                  <a:srgbClr val="34495E"/>
-                </a:solidFill>
-                <a:latin typeface="Source Sans Pro"/>
-              </a:rPr>
-              <a:t>vue</a:t>
-            </a:r>
-            <a:r>
-              <a:rPr lang="zh-CN" altLang="en-US" dirty="0" smtClean="0">
-                <a:solidFill>
-                  <a:srgbClr val="34495E"/>
-                </a:solidFill>
-                <a:latin typeface="Source Sans Pro"/>
-              </a:rPr>
-              <a:t>实例中的</a:t>
-            </a:r>
-            <a:r>
-              <a:rPr lang="en-US" altLang="zh-CN" dirty="0" smtClean="0">
-                <a:solidFill>
-                  <a:srgbClr val="34495E"/>
-                </a:solidFill>
-                <a:latin typeface="Source Sans Pro"/>
-              </a:rPr>
-              <a:t>data</a:t>
-            </a:r>
-            <a:r>
-              <a:rPr lang="zh-CN" altLang="en-US" dirty="0" smtClean="0">
-                <a:solidFill>
-                  <a:srgbClr val="34495E"/>
-                </a:solidFill>
-                <a:latin typeface="Source Sans Pro"/>
-              </a:rPr>
-              <a:t>数据与其渲染的</a:t>
-            </a:r>
-            <a:r>
-              <a:rPr lang="en-US" altLang="zh-CN" dirty="0" err="1" smtClean="0">
-                <a:solidFill>
-                  <a:srgbClr val="34495E"/>
-                </a:solidFill>
-                <a:latin typeface="Source Sans Pro"/>
-              </a:rPr>
-              <a:t>dom</a:t>
-            </a:r>
-            <a:r>
-              <a:rPr lang="zh-CN" altLang="en-US" dirty="0" smtClean="0">
-                <a:solidFill>
-                  <a:srgbClr val="34495E"/>
-                </a:solidFill>
-                <a:latin typeface="Source Sans Pro"/>
-              </a:rPr>
-              <a:t>元素的</a:t>
-            </a:r>
-            <a:r>
-              <a:rPr lang="en-US" altLang="zh-CN" dirty="0" smtClean="0">
-                <a:solidFill>
-                  <a:srgbClr val="34495E"/>
-                </a:solidFill>
-                <a:latin typeface="Source Sans Pro"/>
-              </a:rPr>
-              <a:t>value</a:t>
-            </a:r>
-            <a:r>
-              <a:rPr lang="zh-CN" altLang="en-US" dirty="0" smtClean="0">
-                <a:solidFill>
-                  <a:srgbClr val="34495E"/>
-                </a:solidFill>
-                <a:latin typeface="Source Sans Pro"/>
-              </a:rPr>
-              <a:t>（可以说只针对</a:t>
-            </a:r>
-            <a:r>
-              <a:rPr lang="en-US" altLang="zh-CN" dirty="0" smtClean="0">
-                <a:solidFill>
-                  <a:srgbClr val="34495E"/>
-                </a:solidFill>
-                <a:latin typeface="Source Sans Pro"/>
-              </a:rPr>
-              <a:t>value</a:t>
-            </a:r>
-            <a:r>
-              <a:rPr lang="zh-CN" altLang="en-US" smtClean="0">
-                <a:solidFill>
-                  <a:srgbClr val="34495E"/>
-                </a:solidFill>
-                <a:latin typeface="Source Sans Pro"/>
-              </a:rPr>
-              <a:t>属性进行数据绑定，而且是双向绑定）内容保持一致，两者无论谁被改变，另一方也会相应更新数据</a:t>
+                <a:latin typeface="微软雅黑" panose="020B0503020204020204" pitchFamily="34" charset="-122"/>
+                <a:ea typeface="微软雅黑" panose="020B0503020204020204" pitchFamily="34" charset="-122"/>
+              </a:rPr>
+              <a:t>也可以函数式，都可以。渐进式可以理解为自由度的表现</a:t>
             </a:r>
             <a:endParaRPr lang="zh-CN" altLang="en-US" dirty="0"/>
           </a:p>
@@ -7915,7 +8306,7 @@
     </p:spTree>
     <p:extLst>
       <p:ext uri="{BB962C8B-B14F-4D97-AF65-F5344CB8AC3E}">
-        <p14:creationId xmlns:p14="http://schemas.microsoft.com/office/powerpoint/2010/main" val="764039077"/>
+        <p14:creationId xmlns:p14="http://schemas.microsoft.com/office/powerpoint/2010/main" val="3137779150"/>
       </p:ext>
     </p:extLst>
   </p:cSld>

--- a/Vue/vue.pptx
+++ b/Vue/vue.pptx
@@ -15,6 +15,11 @@
     <p:sldId id="258" r:id="rId9"/>
     <p:sldId id="259" r:id="rId10"/>
     <p:sldId id="260" r:id="rId11"/>
+    <p:sldId id="266" r:id="rId12"/>
+    <p:sldId id="267" r:id="rId13"/>
+    <p:sldId id="268" r:id="rId14"/>
+    <p:sldId id="269" r:id="rId15"/>
+    <p:sldId id="270" r:id="rId16"/>
   </p:sldIdLst>
   <p:sldSz cx="12192000" cy="6858000"/>
   <p:notesSz cx="6858000" cy="9144000"/>
@@ -252,7 +257,7 @@
           <a:p>
             <a:fld id="{4C0C5696-0E3B-44BA-8AF1-B2819B000127}" type="datetimeFigureOut">
               <a:rPr lang="zh-CN" altLang="en-US" smtClean="0"/>
-              <a:t>2018/8/13</a:t>
+              <a:t>2018/8/14</a:t>
             </a:fld>
             <a:endParaRPr lang="zh-CN" altLang="en-US"/>
           </a:p>
@@ -422,7 +427,7 @@
           <a:p>
             <a:fld id="{4C0C5696-0E3B-44BA-8AF1-B2819B000127}" type="datetimeFigureOut">
               <a:rPr lang="zh-CN" altLang="en-US" smtClean="0"/>
-              <a:t>2018/8/13</a:t>
+              <a:t>2018/8/14</a:t>
             </a:fld>
             <a:endParaRPr lang="zh-CN" altLang="en-US"/>
           </a:p>
@@ -602,7 +607,7 @@
           <a:p>
             <a:fld id="{4C0C5696-0E3B-44BA-8AF1-B2819B000127}" type="datetimeFigureOut">
               <a:rPr lang="zh-CN" altLang="en-US" smtClean="0"/>
-              <a:t>2018/8/13</a:t>
+              <a:t>2018/8/14</a:t>
             </a:fld>
             <a:endParaRPr lang="zh-CN" altLang="en-US"/>
           </a:p>
@@ -772,7 +777,7 @@
           <a:p>
             <a:fld id="{4C0C5696-0E3B-44BA-8AF1-B2819B000127}" type="datetimeFigureOut">
               <a:rPr lang="zh-CN" altLang="en-US" smtClean="0"/>
-              <a:t>2018/8/13</a:t>
+              <a:t>2018/8/14</a:t>
             </a:fld>
             <a:endParaRPr lang="zh-CN" altLang="en-US"/>
           </a:p>
@@ -1018,7 +1023,7 @@
           <a:p>
             <a:fld id="{4C0C5696-0E3B-44BA-8AF1-B2819B000127}" type="datetimeFigureOut">
               <a:rPr lang="zh-CN" altLang="en-US" smtClean="0"/>
-              <a:t>2018/8/13</a:t>
+              <a:t>2018/8/14</a:t>
             </a:fld>
             <a:endParaRPr lang="zh-CN" altLang="en-US"/>
           </a:p>
@@ -1250,7 +1255,7 @@
           <a:p>
             <a:fld id="{4C0C5696-0E3B-44BA-8AF1-B2819B000127}" type="datetimeFigureOut">
               <a:rPr lang="zh-CN" altLang="en-US" smtClean="0"/>
-              <a:t>2018/8/13</a:t>
+              <a:t>2018/8/14</a:t>
             </a:fld>
             <a:endParaRPr lang="zh-CN" altLang="en-US"/>
           </a:p>
@@ -1617,7 +1622,7 @@
           <a:p>
             <a:fld id="{4C0C5696-0E3B-44BA-8AF1-B2819B000127}" type="datetimeFigureOut">
               <a:rPr lang="zh-CN" altLang="en-US" smtClean="0"/>
-              <a:t>2018/8/13</a:t>
+              <a:t>2018/8/14</a:t>
             </a:fld>
             <a:endParaRPr lang="zh-CN" altLang="en-US"/>
           </a:p>
@@ -1735,7 +1740,7 @@
           <a:p>
             <a:fld id="{4C0C5696-0E3B-44BA-8AF1-B2819B000127}" type="datetimeFigureOut">
               <a:rPr lang="zh-CN" altLang="en-US" smtClean="0"/>
-              <a:t>2018/8/13</a:t>
+              <a:t>2018/8/14</a:t>
             </a:fld>
             <a:endParaRPr lang="zh-CN" altLang="en-US"/>
           </a:p>
@@ -1830,7 +1835,7 @@
           <a:p>
             <a:fld id="{4C0C5696-0E3B-44BA-8AF1-B2819B000127}" type="datetimeFigureOut">
               <a:rPr lang="zh-CN" altLang="en-US" smtClean="0"/>
-              <a:t>2018/8/13</a:t>
+              <a:t>2018/8/14</a:t>
             </a:fld>
             <a:endParaRPr lang="zh-CN" altLang="en-US"/>
           </a:p>
@@ -2107,7 +2112,7 @@
           <a:p>
             <a:fld id="{4C0C5696-0E3B-44BA-8AF1-B2819B000127}" type="datetimeFigureOut">
               <a:rPr lang="zh-CN" altLang="en-US" smtClean="0"/>
-              <a:t>2018/8/13</a:t>
+              <a:t>2018/8/14</a:t>
             </a:fld>
             <a:endParaRPr lang="zh-CN" altLang="en-US"/>
           </a:p>
@@ -2360,7 +2365,7 @@
           <a:p>
             <a:fld id="{4C0C5696-0E3B-44BA-8AF1-B2819B000127}" type="datetimeFigureOut">
               <a:rPr lang="zh-CN" altLang="en-US" smtClean="0"/>
-              <a:t>2018/8/13</a:t>
+              <a:t>2018/8/14</a:t>
             </a:fld>
             <a:endParaRPr lang="zh-CN" altLang="en-US"/>
           </a:p>
@@ -2573,7 +2578,7 @@
           <a:p>
             <a:fld id="{4C0C5696-0E3B-44BA-8AF1-B2819B000127}" type="datetimeFigureOut">
               <a:rPr lang="zh-CN" altLang="en-US" smtClean="0"/>
-              <a:t>2018/8/13</a:t>
+              <a:t>2018/8/14</a:t>
             </a:fld>
             <a:endParaRPr lang="zh-CN" altLang="en-US"/>
           </a:p>
@@ -3361,7 +3366,7 @@
               <a:t>value</a:t>
             </a:r>
             <a:r>
-              <a:rPr lang="zh-CN" altLang="en-US" smtClean="0">
+              <a:rPr lang="zh-CN" altLang="en-US" dirty="0" smtClean="0">
                 <a:solidFill>
                   <a:srgbClr val="34495E"/>
                 </a:solidFill>
@@ -3377,6 +3382,1028 @@
     <p:extLst>
       <p:ext uri="{BB962C8B-B14F-4D97-AF65-F5344CB8AC3E}">
         <p14:creationId xmlns:p14="http://schemas.microsoft.com/office/powerpoint/2010/main" val="764039077"/>
+      </p:ext>
+    </p:extLst>
+  </p:cSld>
+  <p:clrMapOvr>
+    <a:masterClrMapping/>
+  </p:clrMapOvr>
+</p:sld>
+</file>
+
+<file path=ppt/slides/slide11.xml><?xml version="1.0" encoding="utf-8"?>
+<p:sld xmlns:a="http://schemas.openxmlformats.org/drawingml/2006/main" xmlns:r="http://schemas.openxmlformats.org/officeDocument/2006/relationships" xmlns:p="http://schemas.openxmlformats.org/presentationml/2006/main">
+  <p:cSld>
+    <p:spTree>
+      <p:nvGrpSpPr>
+        <p:cNvPr id="1" name=""/>
+        <p:cNvGrpSpPr/>
+        <p:nvPr/>
+      </p:nvGrpSpPr>
+      <p:grpSpPr>
+        <a:xfrm>
+          <a:off x="0" y="0"/>
+          <a:ext cx="0" cy="0"/>
+          <a:chOff x="0" y="0"/>
+          <a:chExt cx="0" cy="0"/>
+        </a:xfrm>
+      </p:grpSpPr>
+      <p:sp>
+        <p:nvSpPr>
+          <p:cNvPr id="3" name="矩形 2"/>
+          <p:cNvSpPr/>
+          <p:nvPr/>
+        </p:nvSpPr>
+        <p:spPr>
+          <a:xfrm>
+            <a:off x="250209" y="253453"/>
+            <a:ext cx="6096000" cy="369332"/>
+          </a:xfrm>
+          <a:prstGeom prst="rect">
+            <a:avLst/>
+          </a:prstGeom>
+        </p:spPr>
+        <p:txBody>
+          <a:bodyPr>
+            <a:spAutoFit/>
+          </a:bodyPr>
+          <a:lstStyle/>
+          <a:p>
+            <a:r>
+              <a:rPr lang="zh-CN" altLang="en-US" b="0" i="0" dirty="0" smtClean="0">
+                <a:solidFill>
+                  <a:srgbClr val="34495E"/>
+                </a:solidFill>
+                <a:effectLst/>
+                <a:latin typeface="Source Sans Pro"/>
+              </a:rPr>
+              <a:t>数据绑定</a:t>
+            </a:r>
+            <a:endParaRPr lang="zh-CN" altLang="en-US" dirty="0"/>
+          </a:p>
+        </p:txBody>
+      </p:sp>
+      <p:sp>
+        <p:nvSpPr>
+          <p:cNvPr id="4" name="矩形 3"/>
+          <p:cNvSpPr/>
+          <p:nvPr/>
+        </p:nvSpPr>
+        <p:spPr>
+          <a:xfrm>
+            <a:off x="250209" y="979059"/>
+            <a:ext cx="6096000" cy="369332"/>
+          </a:xfrm>
+          <a:prstGeom prst="rect">
+            <a:avLst/>
+          </a:prstGeom>
+        </p:spPr>
+        <p:txBody>
+          <a:bodyPr>
+            <a:spAutoFit/>
+          </a:bodyPr>
+          <a:lstStyle/>
+          <a:p>
+            <a:r>
+              <a:rPr lang="en-US" altLang="zh-CN" dirty="0" smtClean="0">
+                <a:solidFill>
+                  <a:srgbClr val="34495E"/>
+                </a:solidFill>
+                <a:latin typeface="Source Sans Pro"/>
+              </a:rPr>
+              <a:t>1</a:t>
+            </a:r>
+            <a:r>
+              <a:rPr lang="zh-CN" altLang="en-US" dirty="0" smtClean="0">
+                <a:solidFill>
+                  <a:srgbClr val="34495E"/>
+                </a:solidFill>
+                <a:latin typeface="Source Sans Pro"/>
+              </a:rPr>
+              <a:t>、插值</a:t>
+            </a:r>
+            <a:endParaRPr lang="zh-CN" altLang="en-US" dirty="0"/>
+          </a:p>
+        </p:txBody>
+      </p:sp>
+      <p:sp>
+        <p:nvSpPr>
+          <p:cNvPr id="6" name="矩形 5"/>
+          <p:cNvSpPr/>
+          <p:nvPr/>
+        </p:nvSpPr>
+        <p:spPr>
+          <a:xfrm>
+            <a:off x="250209" y="2660009"/>
+            <a:ext cx="6096000" cy="369332"/>
+          </a:xfrm>
+          <a:prstGeom prst="rect">
+            <a:avLst/>
+          </a:prstGeom>
+        </p:spPr>
+        <p:txBody>
+          <a:bodyPr>
+            <a:spAutoFit/>
+          </a:bodyPr>
+          <a:lstStyle/>
+          <a:p>
+            <a:r>
+              <a:rPr lang="en-US" altLang="zh-CN" dirty="0" smtClean="0">
+                <a:solidFill>
+                  <a:srgbClr val="34495E"/>
+                </a:solidFill>
+                <a:latin typeface="Source Sans Pro"/>
+              </a:rPr>
+              <a:t>2</a:t>
+            </a:r>
+            <a:r>
+              <a:rPr lang="zh-CN" altLang="en-US" dirty="0" smtClean="0">
+                <a:solidFill>
+                  <a:srgbClr val="34495E"/>
+                </a:solidFill>
+                <a:latin typeface="Source Sans Pro"/>
+              </a:rPr>
+              <a:t>、表达式</a:t>
+            </a:r>
+            <a:endParaRPr lang="zh-CN" altLang="en-US" dirty="0"/>
+          </a:p>
+        </p:txBody>
+      </p:sp>
+      <p:sp>
+        <p:nvSpPr>
+          <p:cNvPr id="7" name="矩形 6"/>
+          <p:cNvSpPr/>
+          <p:nvPr/>
+        </p:nvSpPr>
+        <p:spPr>
+          <a:xfrm>
+            <a:off x="250209" y="5132534"/>
+            <a:ext cx="6096000" cy="369332"/>
+          </a:xfrm>
+          <a:prstGeom prst="rect">
+            <a:avLst/>
+          </a:prstGeom>
+        </p:spPr>
+        <p:txBody>
+          <a:bodyPr>
+            <a:spAutoFit/>
+          </a:bodyPr>
+          <a:lstStyle/>
+          <a:p>
+            <a:r>
+              <a:rPr lang="en-US" altLang="zh-CN" dirty="0" smtClean="0">
+                <a:solidFill>
+                  <a:srgbClr val="34495E"/>
+                </a:solidFill>
+                <a:latin typeface="Source Sans Pro"/>
+              </a:rPr>
+              <a:t>3</a:t>
+            </a:r>
+            <a:r>
+              <a:rPr lang="zh-CN" altLang="en-US" dirty="0" smtClean="0">
+                <a:solidFill>
+                  <a:srgbClr val="34495E"/>
+                </a:solidFill>
+                <a:latin typeface="Source Sans Pro"/>
+              </a:rPr>
+              <a:t>、指令</a:t>
+            </a:r>
+            <a:endParaRPr lang="zh-CN" altLang="en-US" dirty="0"/>
+          </a:p>
+        </p:txBody>
+      </p:sp>
+      <p:sp>
+        <p:nvSpPr>
+          <p:cNvPr id="8" name="矩形 7"/>
+          <p:cNvSpPr/>
+          <p:nvPr/>
+        </p:nvSpPr>
+        <p:spPr>
+          <a:xfrm>
+            <a:off x="250208" y="1402857"/>
+            <a:ext cx="11732525" cy="369332"/>
+          </a:xfrm>
+          <a:prstGeom prst="rect">
+            <a:avLst/>
+          </a:prstGeom>
+        </p:spPr>
+        <p:txBody>
+          <a:bodyPr wrap="square">
+            <a:spAutoFit/>
+          </a:bodyPr>
+          <a:lstStyle/>
+          <a:p>
+            <a:r>
+              <a:rPr lang="zh-CN" altLang="en-US" dirty="0" smtClean="0">
+                <a:solidFill>
+                  <a:srgbClr val="34495E"/>
+                </a:solidFill>
+                <a:latin typeface="Source Sans Pro"/>
+              </a:rPr>
+              <a:t>插值方式采用</a:t>
+            </a:r>
+            <a:r>
+              <a:rPr lang="en-US" altLang="zh-CN" dirty="0" smtClean="0">
+                <a:solidFill>
+                  <a:srgbClr val="34495E"/>
+                </a:solidFill>
+                <a:latin typeface="Source Sans Pro"/>
+              </a:rPr>
+              <a:t>Mustache</a:t>
+            </a:r>
+            <a:r>
+              <a:rPr lang="zh-CN" altLang="en-US" dirty="0" smtClean="0">
+                <a:solidFill>
+                  <a:srgbClr val="34495E"/>
+                </a:solidFill>
+                <a:latin typeface="Source Sans Pro"/>
+              </a:rPr>
+              <a:t>方式：</a:t>
+            </a:r>
+            <a:r>
+              <a:rPr lang="en-US" altLang="zh-CN" dirty="0" smtClean="0">
+                <a:solidFill>
+                  <a:srgbClr val="34495E"/>
+                </a:solidFill>
+                <a:latin typeface="Source Sans Pro"/>
+              </a:rPr>
+              <a:t>{{ }}</a:t>
+            </a:r>
+            <a:endParaRPr lang="zh-CN" altLang="en-US" dirty="0"/>
+          </a:p>
+        </p:txBody>
+      </p:sp>
+      <p:sp>
+        <p:nvSpPr>
+          <p:cNvPr id="9" name="矩形 8"/>
+          <p:cNvSpPr/>
+          <p:nvPr/>
+        </p:nvSpPr>
+        <p:spPr>
+          <a:xfrm>
+            <a:off x="250207" y="3042018"/>
+            <a:ext cx="11732525" cy="369332"/>
+          </a:xfrm>
+          <a:prstGeom prst="rect">
+            <a:avLst/>
+          </a:prstGeom>
+        </p:spPr>
+        <p:txBody>
+          <a:bodyPr wrap="square">
+            <a:spAutoFit/>
+          </a:bodyPr>
+          <a:lstStyle/>
+          <a:p>
+            <a:r>
+              <a:rPr lang="zh-CN" altLang="en-US" dirty="0" smtClean="0">
+                <a:solidFill>
+                  <a:srgbClr val="34495E"/>
+                </a:solidFill>
+                <a:latin typeface="Source Sans Pro"/>
+              </a:rPr>
+              <a:t>表达式由</a:t>
+            </a:r>
+            <a:r>
+              <a:rPr lang="en-US" altLang="zh-CN" dirty="0" err="1" smtClean="0">
+                <a:solidFill>
+                  <a:srgbClr val="34495E"/>
+                </a:solidFill>
+                <a:latin typeface="Source Sans Pro"/>
+              </a:rPr>
+              <a:t>javascript</a:t>
+            </a:r>
+            <a:r>
+              <a:rPr lang="zh-CN" altLang="en-US" dirty="0" smtClean="0">
+                <a:solidFill>
+                  <a:srgbClr val="34495E"/>
+                </a:solidFill>
+                <a:latin typeface="Source Sans Pro"/>
+              </a:rPr>
+              <a:t>表达式和过滤器构成，可以没有过滤器，也可以有多个</a:t>
+            </a:r>
+            <a:endParaRPr lang="zh-CN" altLang="en-US" dirty="0"/>
+          </a:p>
+        </p:txBody>
+      </p:sp>
+      <p:sp>
+        <p:nvSpPr>
+          <p:cNvPr id="2" name="矩形 1"/>
+          <p:cNvSpPr/>
+          <p:nvPr/>
+        </p:nvSpPr>
+        <p:spPr>
+          <a:xfrm>
+            <a:off x="250207" y="1771345"/>
+            <a:ext cx="2492990" cy="369332"/>
+          </a:xfrm>
+          <a:prstGeom prst="rect">
+            <a:avLst/>
+          </a:prstGeom>
+        </p:spPr>
+        <p:txBody>
+          <a:bodyPr wrap="none">
+            <a:spAutoFit/>
+          </a:bodyPr>
+          <a:lstStyle/>
+          <a:p>
+            <a:r>
+              <a:rPr lang="zh-CN" altLang="en-US">
+                <a:solidFill>
+                  <a:srgbClr val="34495E"/>
+                </a:solidFill>
+                <a:latin typeface="Source Sans Pro"/>
+              </a:rPr>
+              <a:t>举例：</a:t>
+            </a:r>
+            <a:r>
+              <a:rPr lang="en-US" altLang="zh-CN">
+                <a:solidFill>
+                  <a:srgbClr val="34495E"/>
+                </a:solidFill>
+                <a:latin typeface="Source Sans Pro"/>
+              </a:rPr>
+              <a:t>&lt;span&gt;{{name}}</a:t>
+            </a:r>
+            <a:endParaRPr lang="zh-CN" altLang="en-US" dirty="0"/>
+          </a:p>
+        </p:txBody>
+      </p:sp>
+      <p:sp>
+        <p:nvSpPr>
+          <p:cNvPr id="10" name="矩形 9"/>
+          <p:cNvSpPr/>
+          <p:nvPr/>
+        </p:nvSpPr>
+        <p:spPr>
+          <a:xfrm>
+            <a:off x="250207" y="3485928"/>
+            <a:ext cx="2723823" cy="923330"/>
+          </a:xfrm>
+          <a:prstGeom prst="rect">
+            <a:avLst/>
+          </a:prstGeom>
+        </p:spPr>
+        <p:txBody>
+          <a:bodyPr wrap="none">
+            <a:spAutoFit/>
+          </a:bodyPr>
+          <a:lstStyle/>
+          <a:p>
+            <a:r>
+              <a:rPr lang="zh-CN" altLang="en-US" dirty="0">
+                <a:solidFill>
+                  <a:srgbClr val="34495E"/>
+                </a:solidFill>
+                <a:latin typeface="Source Sans Pro"/>
+              </a:rPr>
+              <a:t>举例</a:t>
+            </a:r>
+            <a:r>
+              <a:rPr lang="zh-CN" altLang="en-US" dirty="0" smtClean="0">
+                <a:solidFill>
+                  <a:srgbClr val="34495E"/>
+                </a:solidFill>
+                <a:latin typeface="Source Sans Pro"/>
+              </a:rPr>
+              <a:t>：</a:t>
+            </a:r>
+            <a:endParaRPr lang="en-US" altLang="zh-CN" dirty="0" smtClean="0">
+              <a:solidFill>
+                <a:srgbClr val="34495E"/>
+              </a:solidFill>
+              <a:latin typeface="Source Sans Pro"/>
+            </a:endParaRPr>
+          </a:p>
+          <a:p>
+            <a:r>
+              <a:rPr lang="en-US" altLang="zh-CN" dirty="0" smtClean="0">
+                <a:solidFill>
+                  <a:srgbClr val="34495E"/>
+                </a:solidFill>
+                <a:latin typeface="Source Sans Pro"/>
+              </a:rPr>
+              <a:t>{{ value / 100 }}</a:t>
+            </a:r>
+          </a:p>
+          <a:p>
+            <a:r>
+              <a:rPr lang="en-US" altLang="zh-CN" dirty="0" smtClean="0">
+                <a:solidFill>
+                  <a:srgbClr val="34495E"/>
+                </a:solidFill>
+                <a:latin typeface="Source Sans Pro"/>
+              </a:rPr>
+              <a:t>{{ </a:t>
+            </a:r>
+            <a:r>
+              <a:rPr lang="en-US" altLang="zh-CN" dirty="0" err="1" smtClean="0">
+                <a:solidFill>
+                  <a:srgbClr val="34495E"/>
+                </a:solidFill>
+                <a:latin typeface="Source Sans Pro"/>
+              </a:rPr>
+              <a:t>str</a:t>
+            </a:r>
+            <a:r>
+              <a:rPr lang="en-US" altLang="zh-CN" dirty="0" smtClean="0">
+                <a:solidFill>
+                  <a:srgbClr val="34495E"/>
+                </a:solidFill>
+                <a:latin typeface="Source Sans Pro"/>
+              </a:rPr>
+              <a:t> | </a:t>
+            </a:r>
+            <a:r>
+              <a:rPr lang="en-US" altLang="zh-CN" dirty="0" err="1" smtClean="0">
+                <a:solidFill>
+                  <a:srgbClr val="34495E"/>
+                </a:solidFill>
+                <a:latin typeface="Source Sans Pro"/>
+              </a:rPr>
+              <a:t>toUpperCase</a:t>
+            </a:r>
+            <a:r>
+              <a:rPr lang="en-US" altLang="zh-CN" dirty="0" smtClean="0">
+                <a:solidFill>
+                  <a:srgbClr val="34495E"/>
+                </a:solidFill>
+                <a:latin typeface="Source Sans Pro"/>
+              </a:rPr>
+              <a:t>}}</a:t>
+            </a:r>
+            <a:endParaRPr lang="zh-CN" altLang="en-US" dirty="0"/>
+          </a:p>
+        </p:txBody>
+      </p:sp>
+      <p:sp>
+        <p:nvSpPr>
+          <p:cNvPr id="11" name="矩形 10"/>
+          <p:cNvSpPr/>
+          <p:nvPr/>
+        </p:nvSpPr>
+        <p:spPr>
+          <a:xfrm>
+            <a:off x="250206" y="5501866"/>
+            <a:ext cx="11732525" cy="369332"/>
+          </a:xfrm>
+          <a:prstGeom prst="rect">
+            <a:avLst/>
+          </a:prstGeom>
+        </p:spPr>
+        <p:txBody>
+          <a:bodyPr wrap="square">
+            <a:spAutoFit/>
+          </a:bodyPr>
+          <a:lstStyle/>
+          <a:p>
+            <a:r>
+              <a:rPr lang="zh-CN" altLang="en-US" dirty="0" smtClean="0">
+                <a:solidFill>
+                  <a:srgbClr val="34495E"/>
+                </a:solidFill>
+                <a:latin typeface="Source Sans Pro"/>
+              </a:rPr>
+              <a:t>指令是带有前缀</a:t>
+            </a:r>
+            <a:r>
+              <a:rPr lang="en-US" altLang="zh-CN" dirty="0" smtClean="0">
+                <a:solidFill>
+                  <a:srgbClr val="34495E"/>
+                </a:solidFill>
+                <a:latin typeface="Source Sans Pro"/>
+              </a:rPr>
+              <a:t>v-</a:t>
+            </a:r>
+            <a:r>
+              <a:rPr lang="zh-CN" altLang="en-US" dirty="0" smtClean="0">
+                <a:solidFill>
+                  <a:srgbClr val="34495E"/>
+                </a:solidFill>
+                <a:latin typeface="Source Sans Pro"/>
+              </a:rPr>
+              <a:t>的特殊特性，其</a:t>
+            </a:r>
+            <a:r>
+              <a:rPr lang="zh-CN" altLang="en-US" dirty="0">
+                <a:solidFill>
+                  <a:srgbClr val="34495E"/>
+                </a:solidFill>
+                <a:latin typeface="Source Sans Pro"/>
+              </a:rPr>
+              <a:t>值限定为绑定表达式</a:t>
+            </a:r>
+            <a:r>
+              <a:rPr lang="zh-CN" altLang="en-US" dirty="0" smtClean="0">
+                <a:solidFill>
+                  <a:srgbClr val="34495E"/>
+                </a:solidFill>
+                <a:latin typeface="Source Sans Pro"/>
+              </a:rPr>
+              <a:t>，作用</a:t>
+            </a:r>
+            <a:r>
+              <a:rPr lang="zh-CN" altLang="en-US" dirty="0">
+                <a:solidFill>
+                  <a:srgbClr val="34495E"/>
+                </a:solidFill>
+                <a:latin typeface="Source Sans Pro"/>
+              </a:rPr>
+              <a:t>是当表达式的值发生变化</a:t>
+            </a:r>
+            <a:r>
+              <a:rPr lang="zh-CN" altLang="en-US" dirty="0" smtClean="0">
+                <a:solidFill>
+                  <a:srgbClr val="34495E"/>
+                </a:solidFill>
+                <a:latin typeface="Source Sans Pro"/>
+              </a:rPr>
+              <a:t>时将</a:t>
+            </a:r>
+            <a:r>
+              <a:rPr lang="zh-CN" altLang="en-US" dirty="0">
+                <a:solidFill>
+                  <a:srgbClr val="34495E"/>
+                </a:solidFill>
+                <a:latin typeface="Source Sans Pro"/>
+              </a:rPr>
+              <a:t>这个变化也反映到</a:t>
+            </a:r>
+            <a:r>
+              <a:rPr lang="en-US" altLang="zh-CN" dirty="0">
+                <a:solidFill>
+                  <a:srgbClr val="34495E"/>
+                </a:solidFill>
+                <a:latin typeface="Source Sans Pro"/>
+              </a:rPr>
+              <a:t>DOM</a:t>
+            </a:r>
+            <a:r>
+              <a:rPr lang="zh-CN" altLang="en-US" dirty="0" smtClean="0">
+                <a:solidFill>
+                  <a:srgbClr val="34495E"/>
+                </a:solidFill>
+                <a:latin typeface="Source Sans Pro"/>
+              </a:rPr>
+              <a:t>上</a:t>
+            </a:r>
+            <a:endParaRPr lang="zh-CN" altLang="en-US" dirty="0"/>
+          </a:p>
+        </p:txBody>
+      </p:sp>
+    </p:spTree>
+    <p:extLst>
+      <p:ext uri="{BB962C8B-B14F-4D97-AF65-F5344CB8AC3E}">
+        <p14:creationId xmlns:p14="http://schemas.microsoft.com/office/powerpoint/2010/main" val="3480441698"/>
+      </p:ext>
+    </p:extLst>
+  </p:cSld>
+  <p:clrMapOvr>
+    <a:masterClrMapping/>
+  </p:clrMapOvr>
+</p:sld>
+</file>
+
+<file path=ppt/slides/slide12.xml><?xml version="1.0" encoding="utf-8"?>
+<p:sld xmlns:a="http://schemas.openxmlformats.org/drawingml/2006/main" xmlns:r="http://schemas.openxmlformats.org/officeDocument/2006/relationships" xmlns:p="http://schemas.openxmlformats.org/presentationml/2006/main">
+  <p:cSld>
+    <p:spTree>
+      <p:nvGrpSpPr>
+        <p:cNvPr id="1" name=""/>
+        <p:cNvGrpSpPr/>
+        <p:nvPr/>
+      </p:nvGrpSpPr>
+      <p:grpSpPr>
+        <a:xfrm>
+          <a:off x="0" y="0"/>
+          <a:ext cx="0" cy="0"/>
+          <a:chOff x="0" y="0"/>
+          <a:chExt cx="0" cy="0"/>
+        </a:xfrm>
+      </p:grpSpPr>
+      <p:sp>
+        <p:nvSpPr>
+          <p:cNvPr id="3" name="矩形 2"/>
+          <p:cNvSpPr/>
+          <p:nvPr/>
+        </p:nvSpPr>
+        <p:spPr>
+          <a:xfrm>
+            <a:off x="250209" y="253453"/>
+            <a:ext cx="6096000" cy="369332"/>
+          </a:xfrm>
+          <a:prstGeom prst="rect">
+            <a:avLst/>
+          </a:prstGeom>
+        </p:spPr>
+        <p:txBody>
+          <a:bodyPr>
+            <a:spAutoFit/>
+          </a:bodyPr>
+          <a:lstStyle/>
+          <a:p>
+            <a:r>
+              <a:rPr lang="zh-CN" altLang="en-US" dirty="0">
+                <a:solidFill>
+                  <a:srgbClr val="34495E"/>
+                </a:solidFill>
+                <a:latin typeface="Source Sans Pro"/>
+              </a:rPr>
+              <a:t>内部指令</a:t>
+            </a:r>
+            <a:endParaRPr lang="zh-CN" altLang="en-US" dirty="0"/>
+          </a:p>
+        </p:txBody>
+      </p:sp>
+      <p:sp>
+        <p:nvSpPr>
+          <p:cNvPr id="4" name="矩形 3"/>
+          <p:cNvSpPr/>
+          <p:nvPr/>
+        </p:nvSpPr>
+        <p:spPr>
+          <a:xfrm>
+            <a:off x="250209" y="622785"/>
+            <a:ext cx="6096000" cy="369332"/>
+          </a:xfrm>
+          <a:prstGeom prst="rect">
+            <a:avLst/>
+          </a:prstGeom>
+        </p:spPr>
+        <p:txBody>
+          <a:bodyPr>
+            <a:spAutoFit/>
+          </a:bodyPr>
+          <a:lstStyle/>
+          <a:p>
+            <a:r>
+              <a:rPr lang="en-US" altLang="zh-CN" dirty="0" smtClean="0">
+                <a:solidFill>
+                  <a:srgbClr val="34495E"/>
+                </a:solidFill>
+                <a:latin typeface="Source Sans Pro"/>
+              </a:rPr>
+              <a:t>1</a:t>
+            </a:r>
+            <a:r>
+              <a:rPr lang="zh-CN" altLang="en-US" dirty="0" smtClean="0">
+                <a:solidFill>
+                  <a:srgbClr val="34495E"/>
+                </a:solidFill>
+                <a:latin typeface="Source Sans Pro"/>
+              </a:rPr>
+              <a:t>、</a:t>
+            </a:r>
+            <a:r>
+              <a:rPr lang="en-US" altLang="zh-CN" dirty="0" smtClean="0">
+                <a:solidFill>
+                  <a:srgbClr val="34495E"/>
+                </a:solidFill>
+                <a:latin typeface="Source Sans Pro"/>
+              </a:rPr>
+              <a:t>v-if</a:t>
+            </a:r>
+            <a:endParaRPr lang="zh-CN" altLang="en-US" dirty="0"/>
+          </a:p>
+        </p:txBody>
+      </p:sp>
+      <p:sp>
+        <p:nvSpPr>
+          <p:cNvPr id="5" name="矩形 4"/>
+          <p:cNvSpPr/>
+          <p:nvPr/>
+        </p:nvSpPr>
+        <p:spPr>
+          <a:xfrm>
+            <a:off x="250209" y="992117"/>
+            <a:ext cx="11800764" cy="646331"/>
+          </a:xfrm>
+          <a:prstGeom prst="rect">
+            <a:avLst/>
+          </a:prstGeom>
+        </p:spPr>
+        <p:txBody>
+          <a:bodyPr wrap="square">
+            <a:spAutoFit/>
+          </a:bodyPr>
+          <a:lstStyle/>
+          <a:p>
+            <a:r>
+              <a:rPr lang="zh-CN" altLang="en-US" dirty="0" smtClean="0">
+                <a:solidFill>
+                  <a:srgbClr val="34495E"/>
+                </a:solidFill>
+                <a:latin typeface="Source Sans Pro"/>
+              </a:rPr>
+              <a:t>根据表达式的值在</a:t>
+            </a:r>
+            <a:r>
+              <a:rPr lang="en-US" altLang="zh-CN" dirty="0" smtClean="0">
+                <a:solidFill>
+                  <a:srgbClr val="34495E"/>
+                </a:solidFill>
+                <a:latin typeface="Source Sans Pro"/>
+              </a:rPr>
+              <a:t>DOM</a:t>
+            </a:r>
+            <a:r>
+              <a:rPr lang="zh-CN" altLang="en-US" dirty="0" smtClean="0">
+                <a:solidFill>
+                  <a:srgbClr val="34495E"/>
+                </a:solidFill>
+                <a:latin typeface="Source Sans Pro"/>
+              </a:rPr>
+              <a:t>中移除或生成一个元素。</a:t>
+            </a:r>
+            <a:r>
+              <a:rPr lang="en-US" altLang="zh-CN" dirty="0" smtClean="0">
+                <a:solidFill>
+                  <a:srgbClr val="34495E"/>
+                </a:solidFill>
+                <a:latin typeface="Source Sans Pro"/>
+              </a:rPr>
+              <a:t>V-if</a:t>
+            </a:r>
+            <a:r>
+              <a:rPr lang="zh-CN" altLang="en-US" dirty="0" smtClean="0">
+                <a:solidFill>
+                  <a:srgbClr val="34495E"/>
+                </a:solidFill>
+                <a:latin typeface="Source Sans Pro"/>
+              </a:rPr>
+              <a:t>表达式的值为</a:t>
+            </a:r>
+            <a:r>
+              <a:rPr lang="en-US" altLang="zh-CN" dirty="0" smtClean="0">
+                <a:solidFill>
+                  <a:srgbClr val="34495E"/>
+                </a:solidFill>
+                <a:latin typeface="Source Sans Pro"/>
+              </a:rPr>
+              <a:t>false</a:t>
+            </a:r>
+            <a:r>
+              <a:rPr lang="zh-CN" altLang="en-US" dirty="0" smtClean="0">
+                <a:solidFill>
+                  <a:srgbClr val="34495E"/>
+                </a:solidFill>
+                <a:latin typeface="Source Sans Pro"/>
+              </a:rPr>
+              <a:t>，则元素被移除，如果表达式值为</a:t>
+            </a:r>
+            <a:r>
+              <a:rPr lang="en-US" altLang="zh-CN" dirty="0" smtClean="0">
+                <a:solidFill>
+                  <a:srgbClr val="34495E"/>
+                </a:solidFill>
+                <a:latin typeface="Source Sans Pro"/>
+              </a:rPr>
+              <a:t>true</a:t>
+            </a:r>
+            <a:r>
+              <a:rPr lang="zh-CN" altLang="en-US" dirty="0" smtClean="0">
+                <a:solidFill>
+                  <a:srgbClr val="34495E"/>
+                </a:solidFill>
+                <a:latin typeface="Source Sans Pro"/>
+              </a:rPr>
+              <a:t>，则对应元素的一个克隆将被插入到</a:t>
+            </a:r>
+            <a:r>
+              <a:rPr lang="en-US" altLang="zh-CN" dirty="0" smtClean="0">
+                <a:solidFill>
+                  <a:srgbClr val="34495E"/>
+                </a:solidFill>
+                <a:latin typeface="Source Sans Pro"/>
+              </a:rPr>
+              <a:t>DOM</a:t>
+            </a:r>
+            <a:r>
+              <a:rPr lang="zh-CN" altLang="en-US" dirty="0" smtClean="0">
+                <a:solidFill>
+                  <a:srgbClr val="34495E"/>
+                </a:solidFill>
+                <a:latin typeface="Source Sans Pro"/>
+              </a:rPr>
+              <a:t>中</a:t>
+            </a:r>
+            <a:endParaRPr lang="zh-CN" altLang="en-US" dirty="0"/>
+          </a:p>
+        </p:txBody>
+      </p:sp>
+    </p:spTree>
+    <p:extLst>
+      <p:ext uri="{BB962C8B-B14F-4D97-AF65-F5344CB8AC3E}">
+        <p14:creationId xmlns:p14="http://schemas.microsoft.com/office/powerpoint/2010/main" val="3226831099"/>
+      </p:ext>
+    </p:extLst>
+  </p:cSld>
+  <p:clrMapOvr>
+    <a:masterClrMapping/>
+  </p:clrMapOvr>
+</p:sld>
+</file>
+
+<file path=ppt/slides/slide13.xml><?xml version="1.0" encoding="utf-8"?>
+<p:sld xmlns:a="http://schemas.openxmlformats.org/drawingml/2006/main" xmlns:r="http://schemas.openxmlformats.org/officeDocument/2006/relationships" xmlns:p="http://schemas.openxmlformats.org/presentationml/2006/main">
+  <p:cSld>
+    <p:spTree>
+      <p:nvGrpSpPr>
+        <p:cNvPr id="1" name=""/>
+        <p:cNvGrpSpPr/>
+        <p:nvPr/>
+      </p:nvGrpSpPr>
+      <p:grpSpPr>
+        <a:xfrm>
+          <a:off x="0" y="0"/>
+          <a:ext cx="0" cy="0"/>
+          <a:chOff x="0" y="0"/>
+          <a:chExt cx="0" cy="0"/>
+        </a:xfrm>
+      </p:grpSpPr>
+      <p:sp>
+        <p:nvSpPr>
+          <p:cNvPr id="3" name="矩形 2"/>
+          <p:cNvSpPr/>
+          <p:nvPr/>
+        </p:nvSpPr>
+        <p:spPr>
+          <a:xfrm>
+            <a:off x="250209" y="253453"/>
+            <a:ext cx="6096000" cy="369332"/>
+          </a:xfrm>
+          <a:prstGeom prst="rect">
+            <a:avLst/>
+          </a:prstGeom>
+        </p:spPr>
+        <p:txBody>
+          <a:bodyPr>
+            <a:spAutoFit/>
+          </a:bodyPr>
+          <a:lstStyle/>
+          <a:p>
+            <a:r>
+              <a:rPr lang="zh-CN" altLang="en-US" dirty="0" smtClean="0">
+                <a:solidFill>
+                  <a:srgbClr val="34495E"/>
+                </a:solidFill>
+                <a:latin typeface="Source Sans Pro"/>
+              </a:rPr>
+              <a:t>计算</a:t>
+            </a:r>
+            <a:r>
+              <a:rPr lang="zh-CN" altLang="en-US" dirty="0">
+                <a:solidFill>
+                  <a:srgbClr val="34495E"/>
+                </a:solidFill>
+                <a:latin typeface="Source Sans Pro"/>
+              </a:rPr>
+              <a:t>属性</a:t>
+            </a:r>
+            <a:endParaRPr lang="zh-CN" altLang="en-US" dirty="0"/>
+          </a:p>
+        </p:txBody>
+      </p:sp>
+    </p:spTree>
+    <p:extLst>
+      <p:ext uri="{BB962C8B-B14F-4D97-AF65-F5344CB8AC3E}">
+        <p14:creationId xmlns:p14="http://schemas.microsoft.com/office/powerpoint/2010/main" val="574281491"/>
+      </p:ext>
+    </p:extLst>
+  </p:cSld>
+  <p:clrMapOvr>
+    <a:masterClrMapping/>
+  </p:clrMapOvr>
+</p:sld>
+</file>
+
+<file path=ppt/slides/slide14.xml><?xml version="1.0" encoding="utf-8"?>
+<p:sld xmlns:a="http://schemas.openxmlformats.org/drawingml/2006/main" xmlns:r="http://schemas.openxmlformats.org/officeDocument/2006/relationships" xmlns:p="http://schemas.openxmlformats.org/presentationml/2006/main">
+  <p:cSld>
+    <p:spTree>
+      <p:nvGrpSpPr>
+        <p:cNvPr id="1" name=""/>
+        <p:cNvGrpSpPr/>
+        <p:nvPr/>
+      </p:nvGrpSpPr>
+      <p:grpSpPr>
+        <a:xfrm>
+          <a:off x="0" y="0"/>
+          <a:ext cx="0" cy="0"/>
+          <a:chOff x="0" y="0"/>
+          <a:chExt cx="0" cy="0"/>
+        </a:xfrm>
+      </p:grpSpPr>
+      <p:sp>
+        <p:nvSpPr>
+          <p:cNvPr id="3" name="矩形 2"/>
+          <p:cNvSpPr/>
+          <p:nvPr/>
+        </p:nvSpPr>
+        <p:spPr>
+          <a:xfrm>
+            <a:off x="250209" y="253453"/>
+            <a:ext cx="6096000" cy="369332"/>
+          </a:xfrm>
+          <a:prstGeom prst="rect">
+            <a:avLst/>
+          </a:prstGeom>
+        </p:spPr>
+        <p:txBody>
+          <a:bodyPr>
+            <a:spAutoFit/>
+          </a:bodyPr>
+          <a:lstStyle/>
+          <a:p>
+            <a:r>
+              <a:rPr lang="zh-CN" altLang="en-US" dirty="0">
+                <a:solidFill>
+                  <a:srgbClr val="34495E"/>
+                </a:solidFill>
+                <a:latin typeface="Source Sans Pro"/>
+              </a:rPr>
+              <a:t>表单</a:t>
+            </a:r>
+            <a:r>
+              <a:rPr lang="zh-CN" altLang="en-US" dirty="0" smtClean="0">
+                <a:solidFill>
+                  <a:srgbClr val="34495E"/>
+                </a:solidFill>
+                <a:latin typeface="Source Sans Pro"/>
+              </a:rPr>
+              <a:t>控件绑定</a:t>
+            </a:r>
+            <a:endParaRPr lang="zh-CN" altLang="en-US" dirty="0"/>
+          </a:p>
+        </p:txBody>
+      </p:sp>
+    </p:spTree>
+    <p:extLst>
+      <p:ext uri="{BB962C8B-B14F-4D97-AF65-F5344CB8AC3E}">
+        <p14:creationId xmlns:p14="http://schemas.microsoft.com/office/powerpoint/2010/main" val="2142607455"/>
+      </p:ext>
+    </p:extLst>
+  </p:cSld>
+  <p:clrMapOvr>
+    <a:masterClrMapping/>
+  </p:clrMapOvr>
+</p:sld>
+</file>
+
+<file path=ppt/slides/slide15.xml><?xml version="1.0" encoding="utf-8"?>
+<p:sld xmlns:a="http://schemas.openxmlformats.org/drawingml/2006/main" xmlns:r="http://schemas.openxmlformats.org/officeDocument/2006/relationships" xmlns:p="http://schemas.openxmlformats.org/presentationml/2006/main">
+  <p:cSld>
+    <p:spTree>
+      <p:nvGrpSpPr>
+        <p:cNvPr id="1" name=""/>
+        <p:cNvGrpSpPr/>
+        <p:nvPr/>
+      </p:nvGrpSpPr>
+      <p:grpSpPr>
+        <a:xfrm>
+          <a:off x="0" y="0"/>
+          <a:ext cx="0" cy="0"/>
+          <a:chOff x="0" y="0"/>
+          <a:chExt cx="0" cy="0"/>
+        </a:xfrm>
+      </p:grpSpPr>
+      <p:sp>
+        <p:nvSpPr>
+          <p:cNvPr id="3" name="矩形 2"/>
+          <p:cNvSpPr/>
+          <p:nvPr/>
+        </p:nvSpPr>
+        <p:spPr>
+          <a:xfrm>
+            <a:off x="250209" y="253453"/>
+            <a:ext cx="6096000" cy="369332"/>
+          </a:xfrm>
+          <a:prstGeom prst="rect">
+            <a:avLst/>
+          </a:prstGeom>
+        </p:spPr>
+        <p:txBody>
+          <a:bodyPr>
+            <a:spAutoFit/>
+          </a:bodyPr>
+          <a:lstStyle/>
+          <a:p>
+            <a:r>
+              <a:rPr lang="zh-CN" altLang="en-US" dirty="0" smtClean="0">
+                <a:solidFill>
+                  <a:srgbClr val="34495E"/>
+                </a:solidFill>
+                <a:latin typeface="Source Sans Pro"/>
+              </a:rPr>
+              <a:t>过滤器</a:t>
+            </a:r>
+            <a:endParaRPr lang="zh-CN" altLang="en-US" dirty="0"/>
+          </a:p>
+        </p:txBody>
+      </p:sp>
+    </p:spTree>
+    <p:extLst>
+      <p:ext uri="{BB962C8B-B14F-4D97-AF65-F5344CB8AC3E}">
+        <p14:creationId xmlns:p14="http://schemas.microsoft.com/office/powerpoint/2010/main" val="2190778081"/>
       </p:ext>
     </p:extLst>
   </p:cSld>

--- a/Vue/vue.pptx
+++ b/Vue/vue.pptx
@@ -16,10 +16,16 @@
     <p:sldId id="259" r:id="rId10"/>
     <p:sldId id="260" r:id="rId11"/>
     <p:sldId id="266" r:id="rId12"/>
-    <p:sldId id="267" r:id="rId13"/>
-    <p:sldId id="268" r:id="rId14"/>
-    <p:sldId id="269" r:id="rId15"/>
-    <p:sldId id="270" r:id="rId16"/>
+    <p:sldId id="271" r:id="rId13"/>
+    <p:sldId id="267" r:id="rId14"/>
+    <p:sldId id="268" r:id="rId15"/>
+    <p:sldId id="273" r:id="rId16"/>
+    <p:sldId id="274" r:id="rId17"/>
+    <p:sldId id="275" r:id="rId18"/>
+    <p:sldId id="272" r:id="rId19"/>
+    <p:sldId id="276" r:id="rId20"/>
+    <p:sldId id="269" r:id="rId21"/>
+    <p:sldId id="270" r:id="rId22"/>
   </p:sldIdLst>
   <p:sldSz cx="12192000" cy="6858000"/>
   <p:notesSz cx="6858000" cy="9144000"/>
@@ -257,7 +263,7 @@
           <a:p>
             <a:fld id="{4C0C5696-0E3B-44BA-8AF1-B2819B000127}" type="datetimeFigureOut">
               <a:rPr lang="zh-CN" altLang="en-US" smtClean="0"/>
-              <a:t>2018/8/14</a:t>
+              <a:t>2018/8/15</a:t>
             </a:fld>
             <a:endParaRPr lang="zh-CN" altLang="en-US"/>
           </a:p>
@@ -427,7 +433,7 @@
           <a:p>
             <a:fld id="{4C0C5696-0E3B-44BA-8AF1-B2819B000127}" type="datetimeFigureOut">
               <a:rPr lang="zh-CN" altLang="en-US" smtClean="0"/>
-              <a:t>2018/8/14</a:t>
+              <a:t>2018/8/15</a:t>
             </a:fld>
             <a:endParaRPr lang="zh-CN" altLang="en-US"/>
           </a:p>
@@ -607,7 +613,7 @@
           <a:p>
             <a:fld id="{4C0C5696-0E3B-44BA-8AF1-B2819B000127}" type="datetimeFigureOut">
               <a:rPr lang="zh-CN" altLang="en-US" smtClean="0"/>
-              <a:t>2018/8/14</a:t>
+              <a:t>2018/8/15</a:t>
             </a:fld>
             <a:endParaRPr lang="zh-CN" altLang="en-US"/>
           </a:p>
@@ -777,7 +783,7 @@
           <a:p>
             <a:fld id="{4C0C5696-0E3B-44BA-8AF1-B2819B000127}" type="datetimeFigureOut">
               <a:rPr lang="zh-CN" altLang="en-US" smtClean="0"/>
-              <a:t>2018/8/14</a:t>
+              <a:t>2018/8/15</a:t>
             </a:fld>
             <a:endParaRPr lang="zh-CN" altLang="en-US"/>
           </a:p>
@@ -1023,7 +1029,7 @@
           <a:p>
             <a:fld id="{4C0C5696-0E3B-44BA-8AF1-B2819B000127}" type="datetimeFigureOut">
               <a:rPr lang="zh-CN" altLang="en-US" smtClean="0"/>
-              <a:t>2018/8/14</a:t>
+              <a:t>2018/8/15</a:t>
             </a:fld>
             <a:endParaRPr lang="zh-CN" altLang="en-US"/>
           </a:p>
@@ -1255,7 +1261,7 @@
           <a:p>
             <a:fld id="{4C0C5696-0E3B-44BA-8AF1-B2819B000127}" type="datetimeFigureOut">
               <a:rPr lang="zh-CN" altLang="en-US" smtClean="0"/>
-              <a:t>2018/8/14</a:t>
+              <a:t>2018/8/15</a:t>
             </a:fld>
             <a:endParaRPr lang="zh-CN" altLang="en-US"/>
           </a:p>
@@ -1622,7 +1628,7 @@
           <a:p>
             <a:fld id="{4C0C5696-0E3B-44BA-8AF1-B2819B000127}" type="datetimeFigureOut">
               <a:rPr lang="zh-CN" altLang="en-US" smtClean="0"/>
-              <a:t>2018/8/14</a:t>
+              <a:t>2018/8/15</a:t>
             </a:fld>
             <a:endParaRPr lang="zh-CN" altLang="en-US"/>
           </a:p>
@@ -1740,7 +1746,7 @@
           <a:p>
             <a:fld id="{4C0C5696-0E3B-44BA-8AF1-B2819B000127}" type="datetimeFigureOut">
               <a:rPr lang="zh-CN" altLang="en-US" smtClean="0"/>
-              <a:t>2018/8/14</a:t>
+              <a:t>2018/8/15</a:t>
             </a:fld>
             <a:endParaRPr lang="zh-CN" altLang="en-US"/>
           </a:p>
@@ -1835,7 +1841,7 @@
           <a:p>
             <a:fld id="{4C0C5696-0E3B-44BA-8AF1-B2819B000127}" type="datetimeFigureOut">
               <a:rPr lang="zh-CN" altLang="en-US" smtClean="0"/>
-              <a:t>2018/8/14</a:t>
+              <a:t>2018/8/15</a:t>
             </a:fld>
             <a:endParaRPr lang="zh-CN" altLang="en-US"/>
           </a:p>
@@ -2112,7 +2118,7 @@
           <a:p>
             <a:fld id="{4C0C5696-0E3B-44BA-8AF1-B2819B000127}" type="datetimeFigureOut">
               <a:rPr lang="zh-CN" altLang="en-US" smtClean="0"/>
-              <a:t>2018/8/14</a:t>
+              <a:t>2018/8/15</a:t>
             </a:fld>
             <a:endParaRPr lang="zh-CN" altLang="en-US"/>
           </a:p>
@@ -2365,7 +2371,7 @@
           <a:p>
             <a:fld id="{4C0C5696-0E3B-44BA-8AF1-B2819B000127}" type="datetimeFigureOut">
               <a:rPr lang="zh-CN" altLang="en-US" smtClean="0"/>
-              <a:t>2018/8/14</a:t>
+              <a:t>2018/8/15</a:t>
             </a:fld>
             <a:endParaRPr lang="zh-CN" altLang="en-US"/>
           </a:p>
@@ -2578,7 +2584,7 @@
           <a:p>
             <a:fld id="{4C0C5696-0E3B-44BA-8AF1-B2819B000127}" type="datetimeFigureOut">
               <a:rPr lang="zh-CN" altLang="en-US" smtClean="0"/>
-              <a:t>2018/8/14</a:t>
+              <a:t>2018/8/15</a:t>
             </a:fld>
             <a:endParaRPr lang="zh-CN" altLang="en-US"/>
           </a:p>
@@ -3417,7 +3423,7 @@
         <p:spPr>
           <a:xfrm>
             <a:off x="250209" y="253453"/>
-            <a:ext cx="6096000" cy="369332"/>
+            <a:ext cx="6096000" cy="461665"/>
           </a:xfrm>
           <a:prstGeom prst="rect">
             <a:avLst/>
@@ -3430,162 +3436,828 @@
           <a:lstStyle/>
           <a:p>
             <a:r>
-              <a:rPr lang="zh-CN" altLang="en-US" b="0" i="0" dirty="0" smtClean="0">
+              <a:rPr lang="en-US" altLang="zh-CN" sz="2400" b="0" i="0" dirty="0" err="1" smtClean="0">
                 <a:solidFill>
                   <a:srgbClr val="34495E"/>
                 </a:solidFill>
                 <a:effectLst/>
-                <a:latin typeface="Source Sans Pro"/>
-              </a:rPr>
-              <a:t>数据绑定</a:t>
-            </a:r>
-            <a:endParaRPr lang="zh-CN" altLang="en-US" dirty="0"/>
-          </a:p>
-        </p:txBody>
-      </p:sp>
-      <p:sp>
-        <p:nvSpPr>
-          <p:cNvPr id="4" name="矩形 3"/>
+                <a:latin typeface="微软雅黑" panose="020B0503020204020204" pitchFamily="34" charset="-122"/>
+                <a:ea typeface="微软雅黑" panose="020B0503020204020204" pitchFamily="34" charset="-122"/>
+              </a:rPr>
+              <a:t>Vue</a:t>
+            </a:r>
+            <a:r>
+              <a:rPr lang="zh-CN" altLang="en-US" sz="2400" b="0" i="0" dirty="0" smtClean="0">
+                <a:solidFill>
+                  <a:srgbClr val="34495E"/>
+                </a:solidFill>
+                <a:effectLst/>
+                <a:latin typeface="微软雅黑" panose="020B0503020204020204" pitchFamily="34" charset="-122"/>
+                <a:ea typeface="微软雅黑" panose="020B0503020204020204" pitchFamily="34" charset="-122"/>
+              </a:rPr>
+              <a:t>使用方式</a:t>
+            </a:r>
+            <a:endParaRPr lang="zh-CN" altLang="en-US" sz="2400" dirty="0">
+              <a:latin typeface="微软雅黑" panose="020B0503020204020204" pitchFamily="34" charset="-122"/>
+              <a:ea typeface="微软雅黑" panose="020B0503020204020204" pitchFamily="34" charset="-122"/>
+            </a:endParaRPr>
+          </a:p>
+        </p:txBody>
+      </p:sp>
+      <p:sp>
+        <p:nvSpPr>
+          <p:cNvPr id="8" name="矩形 7"/>
           <p:cNvSpPr/>
           <p:nvPr/>
         </p:nvSpPr>
         <p:spPr>
           <a:xfrm>
-            <a:off x="250209" y="979059"/>
-            <a:ext cx="6096000" cy="369332"/>
+            <a:off x="714233" y="2361463"/>
+            <a:ext cx="3534209" cy="1200329"/>
           </a:xfrm>
           <a:prstGeom prst="rect">
             <a:avLst/>
           </a:prstGeom>
-        </p:spPr>
-        <p:txBody>
-          <a:bodyPr>
+          <a:solidFill>
+            <a:schemeClr val="bg1">
+              <a:lumMod val="95000"/>
+            </a:schemeClr>
+          </a:solidFill>
+        </p:spPr>
+        <p:txBody>
+          <a:bodyPr wrap="square">
             <a:spAutoFit/>
           </a:bodyPr>
           <a:lstStyle/>
           <a:p>
             <a:r>
-              <a:rPr lang="en-US" altLang="zh-CN" dirty="0" smtClean="0">
-                <a:solidFill>
-                  <a:srgbClr val="34495E"/>
-                </a:solidFill>
-                <a:latin typeface="Source Sans Pro"/>
-              </a:rPr>
-              <a:t>1</a:t>
-            </a:r>
-            <a:r>
-              <a:rPr lang="zh-CN" altLang="en-US" dirty="0" smtClean="0">
-                <a:solidFill>
-                  <a:srgbClr val="34495E"/>
-                </a:solidFill>
-                <a:latin typeface="Source Sans Pro"/>
-              </a:rPr>
-              <a:t>、插值</a:t>
-            </a:r>
-            <a:endParaRPr lang="zh-CN" altLang="en-US" dirty="0"/>
-          </a:p>
-        </p:txBody>
-      </p:sp>
-      <p:sp>
-        <p:nvSpPr>
-          <p:cNvPr id="6" name="矩形 5"/>
+              <a:rPr lang="en-US" altLang="zh-CN" b="1" dirty="0" smtClean="0">
+                <a:solidFill>
+                  <a:srgbClr val="0000FF"/>
+                </a:solidFill>
+                <a:latin typeface="微软雅黑" panose="020B0503020204020204" pitchFamily="34" charset="-122"/>
+                <a:ea typeface="微软雅黑" panose="020B0503020204020204" pitchFamily="34" charset="-122"/>
+              </a:rPr>
+              <a:t>HTML</a:t>
+            </a:r>
+            <a:r>
+              <a:rPr lang="zh-CN" altLang="en-US" b="1" dirty="0" smtClean="0">
+                <a:solidFill>
+                  <a:srgbClr val="0000FF"/>
+                </a:solidFill>
+                <a:latin typeface="微软雅黑" panose="020B0503020204020204" pitchFamily="34" charset="-122"/>
+                <a:ea typeface="微软雅黑" panose="020B0503020204020204" pitchFamily="34" charset="-122"/>
+              </a:rPr>
+              <a:t>代码</a:t>
+            </a:r>
+            <a:endParaRPr lang="en-US" altLang="zh-CN" b="1" dirty="0" smtClean="0">
+              <a:solidFill>
+                <a:srgbClr val="0000FF"/>
+              </a:solidFill>
+              <a:latin typeface="微软雅黑" panose="020B0503020204020204" pitchFamily="34" charset="-122"/>
+              <a:ea typeface="微软雅黑" panose="020B0503020204020204" pitchFamily="34" charset="-122"/>
+            </a:endParaRPr>
+          </a:p>
+          <a:p>
+            <a:r>
+              <a:rPr lang="en-US" altLang="zh-CN" dirty="0" smtClean="0">
+                <a:solidFill>
+                  <a:srgbClr val="34495E"/>
+                </a:solidFill>
+                <a:latin typeface="微软雅黑" panose="020B0503020204020204" pitchFamily="34" charset="-122"/>
+                <a:ea typeface="微软雅黑" panose="020B0503020204020204" pitchFamily="34" charset="-122"/>
+              </a:rPr>
+              <a:t>&lt;</a:t>
+            </a:r>
+            <a:r>
+              <a:rPr lang="en-US" altLang="zh-CN" dirty="0">
+                <a:solidFill>
+                  <a:srgbClr val="34495E"/>
+                </a:solidFill>
+                <a:latin typeface="微软雅黑" panose="020B0503020204020204" pitchFamily="34" charset="-122"/>
+                <a:ea typeface="微软雅黑" panose="020B0503020204020204" pitchFamily="34" charset="-122"/>
+              </a:rPr>
+              <a:t>div </a:t>
+            </a:r>
+            <a:r>
+              <a:rPr lang="en-US" altLang="zh-CN" b="1" dirty="0">
+                <a:solidFill>
+                  <a:srgbClr val="FF0000"/>
+                </a:solidFill>
+                <a:latin typeface="微软雅黑" panose="020B0503020204020204" pitchFamily="34" charset="-122"/>
+                <a:ea typeface="微软雅黑" panose="020B0503020204020204" pitchFamily="34" charset="-122"/>
+              </a:rPr>
+              <a:t>id="app-4"</a:t>
+            </a:r>
+            <a:r>
+              <a:rPr lang="en-US" altLang="zh-CN" dirty="0">
+                <a:latin typeface="微软雅黑" panose="020B0503020204020204" pitchFamily="34" charset="-122"/>
+                <a:ea typeface="微软雅黑" panose="020B0503020204020204" pitchFamily="34" charset="-122"/>
+              </a:rPr>
+              <a:t>&gt;</a:t>
+            </a:r>
+          </a:p>
+          <a:p>
+            <a:r>
+              <a:rPr lang="en-US" altLang="zh-CN" dirty="0" smtClean="0">
+                <a:solidFill>
+                  <a:srgbClr val="34495E"/>
+                </a:solidFill>
+                <a:latin typeface="微软雅黑" panose="020B0503020204020204" pitchFamily="34" charset="-122"/>
+                <a:ea typeface="微软雅黑" panose="020B0503020204020204" pitchFamily="34" charset="-122"/>
+              </a:rPr>
+              <a:t>    {{ </a:t>
+            </a:r>
+            <a:r>
+              <a:rPr lang="en-US" altLang="zh-CN" dirty="0" err="1">
+                <a:solidFill>
+                  <a:srgbClr val="34495E"/>
+                </a:solidFill>
+                <a:latin typeface="微软雅黑" panose="020B0503020204020204" pitchFamily="34" charset="-122"/>
+                <a:ea typeface="微软雅黑" panose="020B0503020204020204" pitchFamily="34" charset="-122"/>
+              </a:rPr>
+              <a:t>todo.text</a:t>
+            </a:r>
+            <a:r>
+              <a:rPr lang="en-US" altLang="zh-CN" dirty="0">
+                <a:solidFill>
+                  <a:srgbClr val="34495E"/>
+                </a:solidFill>
+                <a:latin typeface="微软雅黑" panose="020B0503020204020204" pitchFamily="34" charset="-122"/>
+                <a:ea typeface="微软雅黑" panose="020B0503020204020204" pitchFamily="34" charset="-122"/>
+              </a:rPr>
+              <a:t> }}</a:t>
+            </a:r>
+          </a:p>
+          <a:p>
+            <a:r>
+              <a:rPr lang="en-US" altLang="zh-CN" dirty="0" smtClean="0">
+                <a:solidFill>
+                  <a:srgbClr val="34495E"/>
+                </a:solidFill>
+                <a:latin typeface="微软雅黑" panose="020B0503020204020204" pitchFamily="34" charset="-122"/>
+                <a:ea typeface="微软雅黑" panose="020B0503020204020204" pitchFamily="34" charset="-122"/>
+              </a:rPr>
+              <a:t>&lt;/</a:t>
+            </a:r>
+            <a:r>
+              <a:rPr lang="en-US" altLang="zh-CN" dirty="0">
+                <a:solidFill>
+                  <a:srgbClr val="34495E"/>
+                </a:solidFill>
+                <a:latin typeface="微软雅黑" panose="020B0503020204020204" pitchFamily="34" charset="-122"/>
+                <a:ea typeface="微软雅黑" panose="020B0503020204020204" pitchFamily="34" charset="-122"/>
+              </a:rPr>
+              <a:t>div&gt;</a:t>
+            </a:r>
+            <a:endParaRPr lang="zh-CN" altLang="en-US" dirty="0">
+              <a:latin typeface="微软雅黑" panose="020B0503020204020204" pitchFamily="34" charset="-122"/>
+              <a:ea typeface="微软雅黑" panose="020B0503020204020204" pitchFamily="34" charset="-122"/>
+            </a:endParaRPr>
+          </a:p>
+        </p:txBody>
+      </p:sp>
+      <p:sp>
+        <p:nvSpPr>
+          <p:cNvPr id="5" name="矩形 4"/>
           <p:cNvSpPr/>
           <p:nvPr/>
         </p:nvSpPr>
         <p:spPr>
           <a:xfrm>
-            <a:off x="250209" y="2660009"/>
-            <a:ext cx="6096000" cy="369332"/>
+            <a:off x="714233" y="3762853"/>
+            <a:ext cx="3534210" cy="2585323"/>
           </a:xfrm>
           <a:prstGeom prst="rect">
             <a:avLst/>
           </a:prstGeom>
-        </p:spPr>
-        <p:txBody>
-          <a:bodyPr>
+          <a:solidFill>
+            <a:schemeClr val="bg1">
+              <a:lumMod val="95000"/>
+            </a:schemeClr>
+          </a:solidFill>
+        </p:spPr>
+        <p:txBody>
+          <a:bodyPr wrap="square">
             <a:spAutoFit/>
           </a:bodyPr>
           <a:lstStyle/>
           <a:p>
             <a:r>
-              <a:rPr lang="en-US" altLang="zh-CN" dirty="0" smtClean="0">
-                <a:solidFill>
-                  <a:srgbClr val="34495E"/>
-                </a:solidFill>
-                <a:latin typeface="Source Sans Pro"/>
-              </a:rPr>
-              <a:t>2</a:t>
-            </a:r>
-            <a:r>
-              <a:rPr lang="zh-CN" altLang="en-US" dirty="0" smtClean="0">
-                <a:solidFill>
-                  <a:srgbClr val="34495E"/>
-                </a:solidFill>
-                <a:latin typeface="Source Sans Pro"/>
-              </a:rPr>
-              <a:t>、表达式</a:t>
-            </a:r>
-            <a:endParaRPr lang="zh-CN" altLang="en-US" dirty="0"/>
-          </a:p>
-        </p:txBody>
-      </p:sp>
-      <p:sp>
-        <p:nvSpPr>
-          <p:cNvPr id="7" name="矩形 6"/>
-          <p:cNvSpPr/>
+              <a:rPr lang="en-US" altLang="zh-CN" b="1" dirty="0" smtClean="0">
+                <a:solidFill>
+                  <a:srgbClr val="0000FF"/>
+                </a:solidFill>
+                <a:latin typeface="微软雅黑" panose="020B0503020204020204" pitchFamily="34" charset="-122"/>
+                <a:ea typeface="微软雅黑" panose="020B0503020204020204" pitchFamily="34" charset="-122"/>
+              </a:rPr>
+              <a:t>JavaScript</a:t>
+            </a:r>
+            <a:r>
+              <a:rPr lang="zh-CN" altLang="en-US" b="1" dirty="0" smtClean="0">
+                <a:solidFill>
+                  <a:srgbClr val="0000FF"/>
+                </a:solidFill>
+                <a:latin typeface="微软雅黑" panose="020B0503020204020204" pitchFamily="34" charset="-122"/>
+                <a:ea typeface="微软雅黑" panose="020B0503020204020204" pitchFamily="34" charset="-122"/>
+              </a:rPr>
+              <a:t>代码</a:t>
+            </a:r>
+            <a:endParaRPr lang="en-US" altLang="zh-CN" b="1" dirty="0" smtClean="0">
+              <a:solidFill>
+                <a:srgbClr val="0000FF"/>
+              </a:solidFill>
+              <a:latin typeface="微软雅黑" panose="020B0503020204020204" pitchFamily="34" charset="-122"/>
+              <a:ea typeface="微软雅黑" panose="020B0503020204020204" pitchFamily="34" charset="-122"/>
+            </a:endParaRPr>
+          </a:p>
+          <a:p>
+            <a:r>
+              <a:rPr lang="en-US" altLang="zh-CN" dirty="0" err="1" smtClean="0">
+                <a:latin typeface="微软雅黑" panose="020B0503020204020204" pitchFamily="34" charset="-122"/>
+                <a:ea typeface="微软雅黑" panose="020B0503020204020204" pitchFamily="34" charset="-122"/>
+              </a:rPr>
+              <a:t>var</a:t>
+            </a:r>
+            <a:r>
+              <a:rPr lang="en-US" altLang="zh-CN" dirty="0" smtClean="0">
+                <a:latin typeface="微软雅黑" panose="020B0503020204020204" pitchFamily="34" charset="-122"/>
+                <a:ea typeface="微软雅黑" panose="020B0503020204020204" pitchFamily="34" charset="-122"/>
+              </a:rPr>
+              <a:t> </a:t>
+            </a:r>
+            <a:r>
+              <a:rPr lang="en-US" altLang="zh-CN" dirty="0">
+                <a:latin typeface="微软雅黑" panose="020B0503020204020204" pitchFamily="34" charset="-122"/>
+                <a:ea typeface="微软雅黑" panose="020B0503020204020204" pitchFamily="34" charset="-122"/>
+              </a:rPr>
+              <a:t>app4 = new </a:t>
+            </a:r>
+            <a:r>
+              <a:rPr lang="en-US" altLang="zh-CN" dirty="0" err="1">
+                <a:latin typeface="微软雅黑" panose="020B0503020204020204" pitchFamily="34" charset="-122"/>
+                <a:ea typeface="微软雅黑" panose="020B0503020204020204" pitchFamily="34" charset="-122"/>
+              </a:rPr>
+              <a:t>Vue</a:t>
+            </a:r>
+            <a:r>
+              <a:rPr lang="en-US" altLang="zh-CN" dirty="0">
+                <a:latin typeface="微软雅黑" panose="020B0503020204020204" pitchFamily="34" charset="-122"/>
+                <a:ea typeface="微软雅黑" panose="020B0503020204020204" pitchFamily="34" charset="-122"/>
+              </a:rPr>
+              <a:t>({</a:t>
+            </a:r>
+          </a:p>
+          <a:p>
+            <a:r>
+              <a:rPr lang="en-US" altLang="zh-CN" dirty="0" smtClean="0">
+                <a:latin typeface="微软雅黑" panose="020B0503020204020204" pitchFamily="34" charset="-122"/>
+                <a:ea typeface="微软雅黑" panose="020B0503020204020204" pitchFamily="34" charset="-122"/>
+              </a:rPr>
+              <a:t>    el</a:t>
+            </a:r>
+            <a:r>
+              <a:rPr lang="en-US" altLang="zh-CN" dirty="0">
+                <a:latin typeface="微软雅黑" panose="020B0503020204020204" pitchFamily="34" charset="-122"/>
+                <a:ea typeface="微软雅黑" panose="020B0503020204020204" pitchFamily="34" charset="-122"/>
+              </a:rPr>
+              <a:t>: '</a:t>
+            </a:r>
+            <a:r>
+              <a:rPr lang="en-US" altLang="zh-CN" b="1" dirty="0">
+                <a:solidFill>
+                  <a:srgbClr val="FF0000"/>
+                </a:solidFill>
+                <a:latin typeface="微软雅黑" panose="020B0503020204020204" pitchFamily="34" charset="-122"/>
+                <a:ea typeface="微软雅黑" panose="020B0503020204020204" pitchFamily="34" charset="-122"/>
+              </a:rPr>
+              <a:t>#app-4</a:t>
+            </a:r>
+            <a:r>
+              <a:rPr lang="en-US" altLang="zh-CN" dirty="0">
+                <a:latin typeface="微软雅黑" panose="020B0503020204020204" pitchFamily="34" charset="-122"/>
+                <a:ea typeface="微软雅黑" panose="020B0503020204020204" pitchFamily="34" charset="-122"/>
+              </a:rPr>
+              <a:t>',</a:t>
+            </a:r>
+          </a:p>
+          <a:p>
+            <a:r>
+              <a:rPr lang="en-US" altLang="zh-CN" dirty="0" smtClean="0">
+                <a:latin typeface="微软雅黑" panose="020B0503020204020204" pitchFamily="34" charset="-122"/>
+                <a:ea typeface="微软雅黑" panose="020B0503020204020204" pitchFamily="34" charset="-122"/>
+              </a:rPr>
+              <a:t>    data</a:t>
+            </a:r>
+            <a:r>
+              <a:rPr lang="en-US" altLang="zh-CN" dirty="0">
+                <a:latin typeface="微软雅黑" panose="020B0503020204020204" pitchFamily="34" charset="-122"/>
+                <a:ea typeface="微软雅黑" panose="020B0503020204020204" pitchFamily="34" charset="-122"/>
+              </a:rPr>
+              <a:t>: {</a:t>
+            </a:r>
+          </a:p>
+          <a:p>
+            <a:r>
+              <a:rPr lang="en-US" altLang="zh-CN" dirty="0" smtClean="0">
+                <a:latin typeface="微软雅黑" panose="020B0503020204020204" pitchFamily="34" charset="-122"/>
+                <a:ea typeface="微软雅黑" panose="020B0503020204020204" pitchFamily="34" charset="-122"/>
+              </a:rPr>
+              <a:t>        </a:t>
+            </a:r>
+            <a:r>
+              <a:rPr lang="en-US" altLang="zh-CN" b="1" dirty="0" err="1" smtClean="0">
+                <a:solidFill>
+                  <a:srgbClr val="FF0000"/>
+                </a:solidFill>
+                <a:latin typeface="微软雅黑" panose="020B0503020204020204" pitchFamily="34" charset="-122"/>
+                <a:ea typeface="微软雅黑" panose="020B0503020204020204" pitchFamily="34" charset="-122"/>
+              </a:rPr>
+              <a:t>todos</a:t>
+            </a:r>
+            <a:r>
+              <a:rPr lang="en-US" altLang="zh-CN" dirty="0">
+                <a:latin typeface="微软雅黑" panose="020B0503020204020204" pitchFamily="34" charset="-122"/>
+                <a:ea typeface="微软雅黑" panose="020B0503020204020204" pitchFamily="34" charset="-122"/>
+              </a:rPr>
+              <a:t>: [</a:t>
+            </a:r>
+          </a:p>
+          <a:p>
+            <a:r>
+              <a:rPr lang="en-US" altLang="zh-CN" dirty="0" smtClean="0">
+                <a:latin typeface="微软雅黑" panose="020B0503020204020204" pitchFamily="34" charset="-122"/>
+                <a:ea typeface="微软雅黑" panose="020B0503020204020204" pitchFamily="34" charset="-122"/>
+              </a:rPr>
+              <a:t>            { </a:t>
+            </a:r>
+            <a:r>
+              <a:rPr lang="en-US" altLang="zh-CN" dirty="0">
+                <a:latin typeface="微软雅黑" panose="020B0503020204020204" pitchFamily="34" charset="-122"/>
+                <a:ea typeface="微软雅黑" panose="020B0503020204020204" pitchFamily="34" charset="-122"/>
+              </a:rPr>
+              <a:t>text: '</a:t>
+            </a:r>
+            <a:r>
+              <a:rPr lang="zh-CN" altLang="en-US" dirty="0">
+                <a:latin typeface="微软雅黑" panose="020B0503020204020204" pitchFamily="34" charset="-122"/>
+                <a:ea typeface="微软雅黑" panose="020B0503020204020204" pitchFamily="34" charset="-122"/>
+              </a:rPr>
+              <a:t>学习 </a:t>
+            </a:r>
+            <a:r>
+              <a:rPr lang="en-US" altLang="zh-CN" dirty="0">
+                <a:latin typeface="微软雅黑" panose="020B0503020204020204" pitchFamily="34" charset="-122"/>
+                <a:ea typeface="微软雅黑" panose="020B0503020204020204" pitchFamily="34" charset="-122"/>
+              </a:rPr>
+              <a:t>JavaScript' </a:t>
+            </a:r>
+            <a:r>
+              <a:rPr lang="en-US" altLang="zh-CN" dirty="0" smtClean="0">
+                <a:latin typeface="微软雅黑" panose="020B0503020204020204" pitchFamily="34" charset="-122"/>
+                <a:ea typeface="微软雅黑" panose="020B0503020204020204" pitchFamily="34" charset="-122"/>
+              </a:rPr>
+              <a:t>}</a:t>
+            </a:r>
+          </a:p>
+          <a:p>
+            <a:r>
+              <a:rPr lang="en-US" altLang="zh-CN" dirty="0">
+                <a:latin typeface="微软雅黑" panose="020B0503020204020204" pitchFamily="34" charset="-122"/>
+                <a:ea typeface="微软雅黑" panose="020B0503020204020204" pitchFamily="34" charset="-122"/>
+              </a:rPr>
+              <a:t> </a:t>
+            </a:r>
+            <a:r>
+              <a:rPr lang="en-US" altLang="zh-CN" dirty="0" smtClean="0">
+                <a:latin typeface="微软雅黑" panose="020B0503020204020204" pitchFamily="34" charset="-122"/>
+                <a:ea typeface="微软雅黑" panose="020B0503020204020204" pitchFamily="34" charset="-122"/>
+              </a:rPr>
+              <a:t>       ]</a:t>
+            </a:r>
+            <a:endParaRPr lang="en-US" altLang="zh-CN" dirty="0">
+              <a:latin typeface="微软雅黑" panose="020B0503020204020204" pitchFamily="34" charset="-122"/>
+              <a:ea typeface="微软雅黑" panose="020B0503020204020204" pitchFamily="34" charset="-122"/>
+            </a:endParaRPr>
+          </a:p>
+          <a:p>
+            <a:r>
+              <a:rPr lang="en-US" altLang="zh-CN" dirty="0" smtClean="0">
+                <a:latin typeface="微软雅黑" panose="020B0503020204020204" pitchFamily="34" charset="-122"/>
+                <a:ea typeface="微软雅黑" panose="020B0503020204020204" pitchFamily="34" charset="-122"/>
+              </a:rPr>
+              <a:t>    }</a:t>
+            </a:r>
+            <a:endParaRPr lang="en-US" altLang="zh-CN" dirty="0">
+              <a:latin typeface="微软雅黑" panose="020B0503020204020204" pitchFamily="34" charset="-122"/>
+              <a:ea typeface="微软雅黑" panose="020B0503020204020204" pitchFamily="34" charset="-122"/>
+            </a:endParaRPr>
+          </a:p>
+          <a:p>
+            <a:r>
+              <a:rPr lang="en-US" altLang="zh-CN" dirty="0" smtClean="0">
+                <a:latin typeface="微软雅黑" panose="020B0503020204020204" pitchFamily="34" charset="-122"/>
+                <a:ea typeface="微软雅黑" panose="020B0503020204020204" pitchFamily="34" charset="-122"/>
+              </a:rPr>
+              <a:t>});</a:t>
+            </a:r>
+            <a:endParaRPr lang="zh-CN" altLang="en-US" dirty="0">
+              <a:latin typeface="微软雅黑" panose="020B0503020204020204" pitchFamily="34" charset="-122"/>
+              <a:ea typeface="微软雅黑" panose="020B0503020204020204" pitchFamily="34" charset="-122"/>
+            </a:endParaRPr>
+          </a:p>
+        </p:txBody>
+      </p:sp>
+      <p:sp>
+        <p:nvSpPr>
+          <p:cNvPr id="12" name="Rectangle 1"/>
+          <p:cNvSpPr>
+            <a:spLocks noChangeArrowheads="1"/>
+          </p:cNvSpPr>
           <p:nvPr/>
         </p:nvSpPr>
-        <p:spPr>
-          <a:xfrm>
-            <a:off x="250209" y="5132534"/>
-            <a:ext cx="6096000" cy="369332"/>
+        <p:spPr bwMode="auto">
+          <a:xfrm>
+            <a:off x="714233" y="916581"/>
+            <a:ext cx="6698950" cy="553998"/>
           </a:xfrm>
           <a:prstGeom prst="rect">
             <a:avLst/>
           </a:prstGeom>
-        </p:spPr>
-        <p:txBody>
-          <a:bodyPr>
+          <a:solidFill>
+            <a:schemeClr val="bg1"/>
+          </a:solidFill>
+          <a:ln>
+            <a:noFill/>
+          </a:ln>
+          <a:effectLst/>
+        </p:spPr>
+        <p:txBody>
+          <a:bodyPr vert="horz" wrap="none" lIns="0" tIns="0" rIns="0" bIns="0" numCol="1" anchor="ctr" anchorCtr="0" compatLnSpc="1">
+            <a:prstTxWarp prst="textNoShape">
+              <a:avLst/>
+            </a:prstTxWarp>
             <a:spAutoFit/>
           </a:bodyPr>
           <a:lstStyle/>
           <a:p>
-            <a:r>
-              <a:rPr lang="en-US" altLang="zh-CN" dirty="0" smtClean="0">
-                <a:solidFill>
-                  <a:srgbClr val="34495E"/>
-                </a:solidFill>
-                <a:latin typeface="Source Sans Pro"/>
-              </a:rPr>
-              <a:t>3</a:t>
-            </a:r>
-            <a:r>
-              <a:rPr lang="zh-CN" altLang="en-US" dirty="0" smtClean="0">
-                <a:solidFill>
-                  <a:srgbClr val="34495E"/>
-                </a:solidFill>
-                <a:latin typeface="Source Sans Pro"/>
-              </a:rPr>
-              <a:t>、指令</a:t>
-            </a:r>
-            <a:endParaRPr lang="zh-CN" altLang="en-US" dirty="0"/>
-          </a:p>
-        </p:txBody>
-      </p:sp>
-      <p:sp>
-        <p:nvSpPr>
-          <p:cNvPr id="8" name="矩形 7"/>
-          <p:cNvSpPr/>
+            <a:pPr marL="0" marR="0" lvl="0" indent="0" algn="l" defTabSz="914400" rtl="0" eaLnBrk="0" fontAlgn="base" latinLnBrk="0" hangingPunct="0">
+              <a:lnSpc>
+                <a:spcPct val="100000"/>
+              </a:lnSpc>
+              <a:spcBef>
+                <a:spcPct val="0"/>
+              </a:spcBef>
+              <a:spcAft>
+                <a:spcPct val="0"/>
+              </a:spcAft>
+              <a:buClrTx/>
+              <a:buSzTx/>
+              <a:buFontTx/>
+              <a:buNone/>
+              <a:tabLst/>
+            </a:pPr>
+            <a:r>
+              <a:rPr kumimoji="0" lang="zh-CN" altLang="zh-CN" b="1" i="0" u="none" strike="noStrike" cap="none" normalizeH="0" baseline="0" dirty="0" smtClean="0">
+                <a:ln>
+                  <a:noFill/>
+                </a:ln>
+                <a:solidFill>
+                  <a:srgbClr val="0000FF"/>
+                </a:solidFill>
+                <a:effectLst/>
+                <a:latin typeface="Arial Unicode MS" panose="020B0604020202020204" pitchFamily="34" charset="-122"/>
+                <a:ea typeface="Roboto Mono"/>
+              </a:rPr>
+              <a:t>&lt;!-- </a:t>
+            </a:r>
+            <a:r>
+              <a:rPr kumimoji="0" lang="zh-CN" b="1" i="0" u="none" strike="noStrike" cap="none" normalizeH="0" baseline="0" dirty="0" smtClean="0">
+                <a:ln>
+                  <a:noFill/>
+                </a:ln>
+                <a:solidFill>
+                  <a:srgbClr val="0000FF"/>
+                </a:solidFill>
+                <a:effectLst/>
+                <a:latin typeface="Arial Unicode MS" panose="020B0604020202020204" pitchFamily="34" charset="-122"/>
+                <a:ea typeface="Roboto Mono"/>
+              </a:rPr>
+              <a:t>开发环境版本，包含了有帮助的命令行警告 </a:t>
+            </a:r>
+            <a:r>
+              <a:rPr kumimoji="0" lang="zh-CN" altLang="zh-CN" b="1" i="0" u="none" strike="noStrike" cap="none" normalizeH="0" baseline="0" dirty="0" smtClean="0">
+                <a:ln>
+                  <a:noFill/>
+                </a:ln>
+                <a:solidFill>
+                  <a:srgbClr val="0000FF"/>
+                </a:solidFill>
+                <a:effectLst/>
+                <a:latin typeface="Arial Unicode MS" panose="020B0604020202020204" pitchFamily="34" charset="-122"/>
+                <a:ea typeface="Roboto Mono"/>
+              </a:rPr>
+              <a:t>--&gt;</a:t>
+            </a:r>
+            <a:r>
+              <a:rPr kumimoji="0" lang="zh-CN" altLang="zh-CN" b="0" i="0" u="none" strike="noStrike" cap="none" normalizeH="0" baseline="0" dirty="0" smtClean="0">
+                <a:ln>
+                  <a:noFill/>
+                </a:ln>
+                <a:solidFill>
+                  <a:srgbClr val="525252"/>
+                </a:solidFill>
+                <a:effectLst/>
+                <a:latin typeface="Arial Unicode MS" panose="020B0604020202020204" pitchFamily="34" charset="-122"/>
+                <a:ea typeface="Roboto Mono"/>
+              </a:rPr>
+              <a:t/>
+            </a:r>
+            <a:br>
+              <a:rPr kumimoji="0" lang="zh-CN" altLang="zh-CN" b="0" i="0" u="none" strike="noStrike" cap="none" normalizeH="0" baseline="0" dirty="0" smtClean="0">
+                <a:ln>
+                  <a:noFill/>
+                </a:ln>
+                <a:solidFill>
+                  <a:srgbClr val="525252"/>
+                </a:solidFill>
+                <a:effectLst/>
+                <a:latin typeface="Arial Unicode MS" panose="020B0604020202020204" pitchFamily="34" charset="-122"/>
+                <a:ea typeface="Roboto Mono"/>
+              </a:rPr>
+            </a:br>
+            <a:r>
+              <a:rPr kumimoji="0" lang="zh-CN" altLang="zh-CN" b="0" i="0" u="none" strike="noStrike" cap="none" normalizeH="0" baseline="0" dirty="0" smtClean="0">
+                <a:ln>
+                  <a:noFill/>
+                </a:ln>
+                <a:solidFill>
+                  <a:srgbClr val="2973B7"/>
+                </a:solidFill>
+                <a:effectLst/>
+                <a:latin typeface="Arial Unicode MS" panose="020B0604020202020204" pitchFamily="34" charset="-122"/>
+                <a:ea typeface="Roboto Mono"/>
+              </a:rPr>
+              <a:t>&lt;script src=</a:t>
+            </a:r>
+            <a:r>
+              <a:rPr kumimoji="0" lang="zh-CN" altLang="zh-CN" b="0" i="0" u="none" strike="noStrike" cap="none" normalizeH="0" baseline="0" dirty="0" smtClean="0">
+                <a:ln>
+                  <a:noFill/>
+                </a:ln>
+                <a:solidFill>
+                  <a:srgbClr val="42B983"/>
+                </a:solidFill>
+                <a:effectLst/>
+                <a:latin typeface="Arial Unicode MS" panose="020B0604020202020204" pitchFamily="34" charset="-122"/>
+                <a:ea typeface="Roboto Mono"/>
+              </a:rPr>
+              <a:t>"https://cdn.jsdelivr.net/npm/vue/dist/vue.js"</a:t>
+            </a:r>
+            <a:r>
+              <a:rPr kumimoji="0" lang="zh-CN" altLang="zh-CN" b="0" i="0" u="none" strike="noStrike" cap="none" normalizeH="0" baseline="0" dirty="0" smtClean="0">
+                <a:ln>
+                  <a:noFill/>
+                </a:ln>
+                <a:solidFill>
+                  <a:srgbClr val="2973B7"/>
+                </a:solidFill>
+                <a:effectLst/>
+                <a:latin typeface="Arial Unicode MS" panose="020B0604020202020204" pitchFamily="34" charset="-122"/>
+                <a:ea typeface="Roboto Mono"/>
+              </a:rPr>
+              <a:t>&gt;&lt;/script&gt;</a:t>
+            </a:r>
+            <a:r>
+              <a:rPr kumimoji="0" lang="zh-CN" altLang="zh-CN" b="0" i="0" u="none" strike="noStrike" cap="none" normalizeH="0" baseline="0" dirty="0" smtClean="0">
+                <a:ln>
+                  <a:noFill/>
+                </a:ln>
+                <a:solidFill>
+                  <a:schemeClr val="tx1"/>
+                </a:solidFill>
+                <a:effectLst/>
+              </a:rPr>
+              <a:t> </a:t>
+            </a:r>
+            <a:endParaRPr kumimoji="0" lang="zh-CN" altLang="zh-CN" b="0" i="0" u="none" strike="noStrike" cap="none" normalizeH="0" baseline="0" dirty="0" smtClean="0">
+              <a:ln>
+                <a:noFill/>
+              </a:ln>
+              <a:solidFill>
+                <a:schemeClr val="tx1"/>
+              </a:solidFill>
+              <a:effectLst/>
+              <a:latin typeface="Arial" panose="020B0604020202020204" pitchFamily="34" charset="0"/>
+            </a:endParaRPr>
+          </a:p>
+        </p:txBody>
+      </p:sp>
+      <p:sp>
+        <p:nvSpPr>
+          <p:cNvPr id="13" name="Rectangle 2"/>
+          <p:cNvSpPr>
+            <a:spLocks noChangeArrowheads="1"/>
+          </p:cNvSpPr>
           <p:nvPr/>
         </p:nvSpPr>
-        <p:spPr>
-          <a:xfrm>
-            <a:off x="250208" y="1402857"/>
-            <a:ext cx="11732525" cy="369332"/>
+        <p:spPr bwMode="auto">
+          <a:xfrm>
+            <a:off x="714233" y="1595599"/>
+            <a:ext cx="6698950" cy="553998"/>
           </a:xfrm>
           <a:prstGeom prst="rect">
             <a:avLst/>
           </a:prstGeom>
+          <a:solidFill>
+            <a:schemeClr val="bg1"/>
+          </a:solidFill>
+          <a:ln>
+            <a:noFill/>
+          </a:ln>
+          <a:effectLst/>
+        </p:spPr>
+        <p:txBody>
+          <a:bodyPr vert="horz" wrap="square" lIns="0" tIns="0" rIns="0" bIns="0" numCol="1" anchor="ctr" anchorCtr="0" compatLnSpc="1">
+            <a:prstTxWarp prst="textNoShape">
+              <a:avLst/>
+            </a:prstTxWarp>
+            <a:spAutoFit/>
+          </a:bodyPr>
+          <a:lstStyle/>
+          <a:p>
+            <a:pPr marL="0" marR="0" lvl="0" indent="0" algn="l" defTabSz="914400" rtl="0" eaLnBrk="0" fontAlgn="base" latinLnBrk="0" hangingPunct="0">
+              <a:lnSpc>
+                <a:spcPct val="100000"/>
+              </a:lnSpc>
+              <a:spcBef>
+                <a:spcPct val="0"/>
+              </a:spcBef>
+              <a:spcAft>
+                <a:spcPct val="0"/>
+              </a:spcAft>
+              <a:buClrTx/>
+              <a:buSzTx/>
+              <a:buFontTx/>
+              <a:buNone/>
+              <a:tabLst/>
+            </a:pPr>
+            <a:r>
+              <a:rPr kumimoji="0" lang="zh-CN" altLang="zh-CN" b="1" i="0" u="none" strike="noStrike" cap="none" normalizeH="0" baseline="0" dirty="0" smtClean="0">
+                <a:ln>
+                  <a:noFill/>
+                </a:ln>
+                <a:solidFill>
+                  <a:srgbClr val="0000FF"/>
+                </a:solidFill>
+                <a:effectLst/>
+                <a:latin typeface="Arial Unicode MS" panose="020B0604020202020204" pitchFamily="34" charset="-122"/>
+                <a:ea typeface="Roboto Mono"/>
+              </a:rPr>
+              <a:t>&lt;!-- </a:t>
+            </a:r>
+            <a:r>
+              <a:rPr kumimoji="0" lang="zh-CN" b="1" i="0" u="none" strike="noStrike" cap="none" normalizeH="0" baseline="0" dirty="0" smtClean="0">
+                <a:ln>
+                  <a:noFill/>
+                </a:ln>
+                <a:solidFill>
+                  <a:srgbClr val="0000FF"/>
+                </a:solidFill>
+                <a:effectLst/>
+                <a:latin typeface="Arial Unicode MS" panose="020B0604020202020204" pitchFamily="34" charset="-122"/>
+                <a:ea typeface="Roboto Mono"/>
+              </a:rPr>
+              <a:t>生产环境版本，优化了尺寸和速度 </a:t>
+            </a:r>
+            <a:r>
+              <a:rPr kumimoji="0" lang="zh-CN" altLang="zh-CN" b="1" i="0" u="none" strike="noStrike" cap="none" normalizeH="0" baseline="0" dirty="0" smtClean="0">
+                <a:ln>
+                  <a:noFill/>
+                </a:ln>
+                <a:solidFill>
+                  <a:srgbClr val="0000FF"/>
+                </a:solidFill>
+                <a:effectLst/>
+                <a:latin typeface="Arial Unicode MS" panose="020B0604020202020204" pitchFamily="34" charset="-122"/>
+                <a:ea typeface="Roboto Mono"/>
+              </a:rPr>
+              <a:t>--&gt;</a:t>
+            </a:r>
+            <a:r>
+              <a:rPr kumimoji="0" lang="zh-CN" altLang="zh-CN" b="0" i="0" u="none" strike="noStrike" cap="none" normalizeH="0" baseline="0" dirty="0" smtClean="0">
+                <a:ln>
+                  <a:noFill/>
+                </a:ln>
+                <a:solidFill>
+                  <a:srgbClr val="525252"/>
+                </a:solidFill>
+                <a:effectLst/>
+                <a:latin typeface="Arial Unicode MS" panose="020B0604020202020204" pitchFamily="34" charset="-122"/>
+                <a:ea typeface="Roboto Mono"/>
+              </a:rPr>
+              <a:t/>
+            </a:r>
+            <a:br>
+              <a:rPr kumimoji="0" lang="zh-CN" altLang="zh-CN" b="0" i="0" u="none" strike="noStrike" cap="none" normalizeH="0" baseline="0" dirty="0" smtClean="0">
+                <a:ln>
+                  <a:noFill/>
+                </a:ln>
+                <a:solidFill>
+                  <a:srgbClr val="525252"/>
+                </a:solidFill>
+                <a:effectLst/>
+                <a:latin typeface="Arial Unicode MS" panose="020B0604020202020204" pitchFamily="34" charset="-122"/>
+                <a:ea typeface="Roboto Mono"/>
+              </a:rPr>
+            </a:br>
+            <a:r>
+              <a:rPr kumimoji="0" lang="zh-CN" altLang="zh-CN" b="0" i="0" u="none" strike="noStrike" cap="none" normalizeH="0" baseline="0" dirty="0" smtClean="0">
+                <a:ln>
+                  <a:noFill/>
+                </a:ln>
+                <a:solidFill>
+                  <a:srgbClr val="2973B7"/>
+                </a:solidFill>
+                <a:effectLst/>
+                <a:latin typeface="Arial Unicode MS" panose="020B0604020202020204" pitchFamily="34" charset="-122"/>
+                <a:ea typeface="Roboto Mono"/>
+              </a:rPr>
+              <a:t>&lt;script src=</a:t>
+            </a:r>
+            <a:r>
+              <a:rPr kumimoji="0" lang="zh-CN" altLang="zh-CN" b="0" i="0" u="none" strike="noStrike" cap="none" normalizeH="0" baseline="0" dirty="0" smtClean="0">
+                <a:ln>
+                  <a:noFill/>
+                </a:ln>
+                <a:solidFill>
+                  <a:srgbClr val="42B983"/>
+                </a:solidFill>
+                <a:effectLst/>
+                <a:latin typeface="Arial Unicode MS" panose="020B0604020202020204" pitchFamily="34" charset="-122"/>
+                <a:ea typeface="Roboto Mono"/>
+              </a:rPr>
+              <a:t>"https://cdn.jsdelivr.net/npm/vue"</a:t>
+            </a:r>
+            <a:r>
+              <a:rPr kumimoji="0" lang="zh-CN" altLang="zh-CN" b="0" i="0" u="none" strike="noStrike" cap="none" normalizeH="0" baseline="0" dirty="0" smtClean="0">
+                <a:ln>
+                  <a:noFill/>
+                </a:ln>
+                <a:solidFill>
+                  <a:srgbClr val="2973B7"/>
+                </a:solidFill>
+                <a:effectLst/>
+                <a:latin typeface="Arial Unicode MS" panose="020B0604020202020204" pitchFamily="34" charset="-122"/>
+                <a:ea typeface="Roboto Mono"/>
+              </a:rPr>
+              <a:t>&gt;&lt;/script&gt;</a:t>
+            </a:r>
+            <a:r>
+              <a:rPr kumimoji="0" lang="zh-CN" altLang="zh-CN" b="0" i="0" u="none" strike="noStrike" cap="none" normalizeH="0" baseline="0" dirty="0" smtClean="0">
+                <a:ln>
+                  <a:noFill/>
+                </a:ln>
+                <a:solidFill>
+                  <a:schemeClr val="tx1"/>
+                </a:solidFill>
+                <a:effectLst/>
+              </a:rPr>
+              <a:t> </a:t>
+            </a:r>
+            <a:endParaRPr kumimoji="0" lang="zh-CN" altLang="zh-CN" b="0" i="0" u="none" strike="noStrike" cap="none" normalizeH="0" baseline="0" dirty="0" smtClean="0">
+              <a:ln>
+                <a:noFill/>
+              </a:ln>
+              <a:solidFill>
+                <a:schemeClr val="tx1"/>
+              </a:solidFill>
+              <a:effectLst/>
+              <a:latin typeface="Arial" panose="020B0604020202020204" pitchFamily="34" charset="0"/>
+            </a:endParaRPr>
+          </a:p>
+        </p:txBody>
+      </p:sp>
+      <p:sp>
+        <p:nvSpPr>
+          <p:cNvPr id="14" name="矩形 13"/>
+          <p:cNvSpPr/>
+          <p:nvPr/>
+        </p:nvSpPr>
+        <p:spPr>
+          <a:xfrm>
+            <a:off x="4428698" y="2361462"/>
+            <a:ext cx="3635029" cy="1200329"/>
+          </a:xfrm>
+          <a:prstGeom prst="rect">
+            <a:avLst/>
+          </a:prstGeom>
+          <a:solidFill>
+            <a:schemeClr val="accent2">
+              <a:lumMod val="20000"/>
+              <a:lumOff val="80000"/>
+            </a:schemeClr>
+          </a:solidFill>
         </p:spPr>
         <p:txBody>
           <a:bodyPr wrap="square">
@@ -3594,59 +4266,172 @@
           <a:lstStyle/>
           <a:p>
             <a:r>
-              <a:rPr lang="zh-CN" altLang="en-US" dirty="0" smtClean="0">
-                <a:solidFill>
-                  <a:srgbClr val="34495E"/>
-                </a:solidFill>
-                <a:latin typeface="Source Sans Pro"/>
-              </a:rPr>
-              <a:t>插值方式采用</a:t>
-            </a:r>
-            <a:r>
-              <a:rPr lang="en-US" altLang="zh-CN" dirty="0" smtClean="0">
-                <a:solidFill>
-                  <a:srgbClr val="34495E"/>
-                </a:solidFill>
-                <a:latin typeface="Source Sans Pro"/>
-              </a:rPr>
-              <a:t>Mustache</a:t>
-            </a:r>
-            <a:r>
-              <a:rPr lang="zh-CN" altLang="en-US" dirty="0" smtClean="0">
-                <a:solidFill>
-                  <a:srgbClr val="34495E"/>
-                </a:solidFill>
-                <a:latin typeface="Source Sans Pro"/>
-              </a:rPr>
-              <a:t>方式：</a:t>
-            </a:r>
-            <a:r>
-              <a:rPr lang="en-US" altLang="zh-CN" dirty="0" smtClean="0">
-                <a:solidFill>
-                  <a:srgbClr val="34495E"/>
-                </a:solidFill>
-                <a:latin typeface="Source Sans Pro"/>
-              </a:rPr>
-              <a:t>{{ }}</a:t>
-            </a:r>
-            <a:endParaRPr lang="zh-CN" altLang="en-US" dirty="0"/>
-          </a:p>
-        </p:txBody>
-      </p:sp>
-      <p:sp>
-        <p:nvSpPr>
-          <p:cNvPr id="9" name="矩形 8"/>
+              <a:rPr lang="en-US" altLang="zh-CN" b="1" dirty="0" smtClean="0">
+                <a:solidFill>
+                  <a:srgbClr val="0000FF"/>
+                </a:solidFill>
+                <a:latin typeface="微软雅黑" panose="020B0503020204020204" pitchFamily="34" charset="-122"/>
+                <a:ea typeface="微软雅黑" panose="020B0503020204020204" pitchFamily="34" charset="-122"/>
+              </a:rPr>
+              <a:t>HTML</a:t>
+            </a:r>
+            <a:r>
+              <a:rPr lang="zh-CN" altLang="en-US" b="1" dirty="0" smtClean="0">
+                <a:solidFill>
+                  <a:srgbClr val="0000FF"/>
+                </a:solidFill>
+                <a:latin typeface="微软雅黑" panose="020B0503020204020204" pitchFamily="34" charset="-122"/>
+                <a:ea typeface="微软雅黑" panose="020B0503020204020204" pitchFamily="34" charset="-122"/>
+              </a:rPr>
+              <a:t>代码</a:t>
+            </a:r>
+            <a:endParaRPr lang="en-US" altLang="zh-CN" b="1" dirty="0" smtClean="0">
+              <a:solidFill>
+                <a:srgbClr val="0000FF"/>
+              </a:solidFill>
+              <a:latin typeface="微软雅黑" panose="020B0503020204020204" pitchFamily="34" charset="-122"/>
+              <a:ea typeface="微软雅黑" panose="020B0503020204020204" pitchFamily="34" charset="-122"/>
+            </a:endParaRPr>
+          </a:p>
+          <a:p>
+            <a:r>
+              <a:rPr lang="en-US" altLang="zh-CN" dirty="0" smtClean="0">
+                <a:solidFill>
+                  <a:srgbClr val="34495E"/>
+                </a:solidFill>
+                <a:latin typeface="微软雅黑" panose="020B0503020204020204" pitchFamily="34" charset="-122"/>
+                <a:ea typeface="微软雅黑" panose="020B0503020204020204" pitchFamily="34" charset="-122"/>
+              </a:rPr>
+              <a:t>&lt;</a:t>
+            </a:r>
+            <a:r>
+              <a:rPr lang="en-US" altLang="zh-CN" dirty="0">
+                <a:solidFill>
+                  <a:srgbClr val="34495E"/>
+                </a:solidFill>
+                <a:latin typeface="微软雅黑" panose="020B0503020204020204" pitchFamily="34" charset="-122"/>
+                <a:ea typeface="微软雅黑" panose="020B0503020204020204" pitchFamily="34" charset="-122"/>
+              </a:rPr>
+              <a:t>div </a:t>
+            </a:r>
+            <a:r>
+              <a:rPr lang="en-US" altLang="zh-CN" b="1" dirty="0">
+                <a:solidFill>
+                  <a:srgbClr val="FF0000"/>
+                </a:solidFill>
+                <a:latin typeface="微软雅黑" panose="020B0503020204020204" pitchFamily="34" charset="-122"/>
+                <a:ea typeface="微软雅黑" panose="020B0503020204020204" pitchFamily="34" charset="-122"/>
+              </a:rPr>
+              <a:t>class</a:t>
+            </a:r>
+            <a:r>
+              <a:rPr lang="en-US" altLang="zh-CN" b="1" dirty="0" smtClean="0">
+                <a:solidFill>
+                  <a:srgbClr val="FF0000"/>
+                </a:solidFill>
+                <a:latin typeface="微软雅黑" panose="020B0503020204020204" pitchFamily="34" charset="-122"/>
+                <a:ea typeface="微软雅黑" panose="020B0503020204020204" pitchFamily="34" charset="-122"/>
+              </a:rPr>
+              <a:t>="</a:t>
+            </a:r>
+            <a:r>
+              <a:rPr lang="en-US" altLang="zh-CN" b="1" dirty="0">
+                <a:solidFill>
+                  <a:srgbClr val="FF0000"/>
+                </a:solidFill>
+                <a:latin typeface="微软雅黑" panose="020B0503020204020204" pitchFamily="34" charset="-122"/>
+                <a:ea typeface="微软雅黑" panose="020B0503020204020204" pitchFamily="34" charset="-122"/>
+              </a:rPr>
+              <a:t>app-4"</a:t>
+            </a:r>
+            <a:r>
+              <a:rPr lang="en-US" altLang="zh-CN" dirty="0">
+                <a:latin typeface="微软雅黑" panose="020B0503020204020204" pitchFamily="34" charset="-122"/>
+                <a:ea typeface="微软雅黑" panose="020B0503020204020204" pitchFamily="34" charset="-122"/>
+              </a:rPr>
+              <a:t>&gt;</a:t>
+            </a:r>
+          </a:p>
+          <a:p>
+            <a:r>
+              <a:rPr lang="en-US" altLang="zh-CN" dirty="0" smtClean="0">
+                <a:solidFill>
+                  <a:srgbClr val="34495E"/>
+                </a:solidFill>
+                <a:latin typeface="微软雅黑" panose="020B0503020204020204" pitchFamily="34" charset="-122"/>
+                <a:ea typeface="微软雅黑" panose="020B0503020204020204" pitchFamily="34" charset="-122"/>
+              </a:rPr>
+              <a:t>    {{ </a:t>
+            </a:r>
+            <a:r>
+              <a:rPr lang="en-US" altLang="zh-CN" dirty="0" err="1">
+                <a:solidFill>
+                  <a:srgbClr val="34495E"/>
+                </a:solidFill>
+                <a:latin typeface="微软雅黑" panose="020B0503020204020204" pitchFamily="34" charset="-122"/>
+                <a:ea typeface="微软雅黑" panose="020B0503020204020204" pitchFamily="34" charset="-122"/>
+              </a:rPr>
+              <a:t>todo.text</a:t>
+            </a:r>
+            <a:r>
+              <a:rPr lang="en-US" altLang="zh-CN" dirty="0">
+                <a:solidFill>
+                  <a:srgbClr val="34495E"/>
+                </a:solidFill>
+                <a:latin typeface="微软雅黑" panose="020B0503020204020204" pitchFamily="34" charset="-122"/>
+                <a:ea typeface="微软雅黑" panose="020B0503020204020204" pitchFamily="34" charset="-122"/>
+              </a:rPr>
+              <a:t> }}</a:t>
+            </a:r>
+          </a:p>
+          <a:p>
+            <a:r>
+              <a:rPr lang="en-US" altLang="zh-CN" dirty="0" smtClean="0">
+                <a:solidFill>
+                  <a:srgbClr val="34495E"/>
+                </a:solidFill>
+                <a:latin typeface="微软雅黑" panose="020B0503020204020204" pitchFamily="34" charset="-122"/>
+                <a:ea typeface="微软雅黑" panose="020B0503020204020204" pitchFamily="34" charset="-122"/>
+              </a:rPr>
+              <a:t>&lt;/</a:t>
+            </a:r>
+            <a:r>
+              <a:rPr lang="en-US" altLang="zh-CN" dirty="0">
+                <a:solidFill>
+                  <a:srgbClr val="34495E"/>
+                </a:solidFill>
+                <a:latin typeface="微软雅黑" panose="020B0503020204020204" pitchFamily="34" charset="-122"/>
+                <a:ea typeface="微软雅黑" panose="020B0503020204020204" pitchFamily="34" charset="-122"/>
+              </a:rPr>
+              <a:t>div&gt;</a:t>
+            </a:r>
+            <a:endParaRPr lang="zh-CN" altLang="en-US" dirty="0">
+              <a:latin typeface="微软雅黑" panose="020B0503020204020204" pitchFamily="34" charset="-122"/>
+              <a:ea typeface="微软雅黑" panose="020B0503020204020204" pitchFamily="34" charset="-122"/>
+            </a:endParaRPr>
+          </a:p>
+        </p:txBody>
+      </p:sp>
+      <p:sp>
+        <p:nvSpPr>
+          <p:cNvPr id="15" name="矩形 14"/>
           <p:cNvSpPr/>
           <p:nvPr/>
         </p:nvSpPr>
         <p:spPr>
           <a:xfrm>
-            <a:off x="250207" y="3042018"/>
-            <a:ext cx="11732525" cy="369332"/>
+            <a:off x="4428698" y="3769633"/>
+            <a:ext cx="3635029" cy="2585323"/>
           </a:xfrm>
           <a:prstGeom prst="rect">
             <a:avLst/>
           </a:prstGeom>
+          <a:solidFill>
+            <a:schemeClr val="accent2">
+              <a:lumMod val="20000"/>
+              <a:lumOff val="80000"/>
+            </a:schemeClr>
+          </a:solidFill>
         </p:spPr>
         <p:txBody>
           <a:bodyPr wrap="square">
@@ -3655,200 +4440,513 @@
           <a:lstStyle/>
           <a:p>
             <a:r>
-              <a:rPr lang="zh-CN" altLang="en-US" dirty="0" smtClean="0">
-                <a:solidFill>
-                  <a:srgbClr val="34495E"/>
-                </a:solidFill>
-                <a:latin typeface="Source Sans Pro"/>
-              </a:rPr>
-              <a:t>表达式由</a:t>
-            </a:r>
+              <a:rPr lang="en-US" altLang="zh-CN" b="1" dirty="0" smtClean="0">
+                <a:solidFill>
+                  <a:srgbClr val="0000FF"/>
+                </a:solidFill>
+                <a:latin typeface="微软雅黑" panose="020B0503020204020204" pitchFamily="34" charset="-122"/>
+                <a:ea typeface="微软雅黑" panose="020B0503020204020204" pitchFamily="34" charset="-122"/>
+              </a:rPr>
+              <a:t>JavaScript</a:t>
+            </a:r>
+            <a:r>
+              <a:rPr lang="zh-CN" altLang="en-US" b="1" dirty="0" smtClean="0">
+                <a:solidFill>
+                  <a:srgbClr val="0000FF"/>
+                </a:solidFill>
+                <a:latin typeface="微软雅黑" panose="020B0503020204020204" pitchFamily="34" charset="-122"/>
+                <a:ea typeface="微软雅黑" panose="020B0503020204020204" pitchFamily="34" charset="-122"/>
+              </a:rPr>
+              <a:t>代码</a:t>
+            </a:r>
+            <a:endParaRPr lang="en-US" altLang="zh-CN" b="1" dirty="0" smtClean="0">
+              <a:solidFill>
+                <a:srgbClr val="0000FF"/>
+              </a:solidFill>
+              <a:latin typeface="微软雅黑" panose="020B0503020204020204" pitchFamily="34" charset="-122"/>
+              <a:ea typeface="微软雅黑" panose="020B0503020204020204" pitchFamily="34" charset="-122"/>
+            </a:endParaRPr>
+          </a:p>
+          <a:p>
             <a:r>
               <a:rPr lang="en-US" altLang="zh-CN" dirty="0" err="1" smtClean="0">
-                <a:solidFill>
-                  <a:srgbClr val="34495E"/>
-                </a:solidFill>
-                <a:latin typeface="Source Sans Pro"/>
-              </a:rPr>
-              <a:t>javascript</a:t>
-            </a:r>
-            <a:r>
-              <a:rPr lang="zh-CN" altLang="en-US" dirty="0" smtClean="0">
-                <a:solidFill>
-                  <a:srgbClr val="34495E"/>
-                </a:solidFill>
-                <a:latin typeface="Source Sans Pro"/>
-              </a:rPr>
-              <a:t>表达式和过滤器构成，可以没有过滤器，也可以有多个</a:t>
-            </a:r>
-            <a:endParaRPr lang="zh-CN" altLang="en-US" dirty="0"/>
-          </a:p>
-        </p:txBody>
-      </p:sp>
-      <p:sp>
-        <p:nvSpPr>
-          <p:cNvPr id="2" name="矩形 1"/>
+                <a:latin typeface="微软雅黑" panose="020B0503020204020204" pitchFamily="34" charset="-122"/>
+                <a:ea typeface="微软雅黑" panose="020B0503020204020204" pitchFamily="34" charset="-122"/>
+              </a:rPr>
+              <a:t>var</a:t>
+            </a:r>
+            <a:r>
+              <a:rPr lang="en-US" altLang="zh-CN" dirty="0" smtClean="0">
+                <a:latin typeface="微软雅黑" panose="020B0503020204020204" pitchFamily="34" charset="-122"/>
+                <a:ea typeface="微软雅黑" panose="020B0503020204020204" pitchFamily="34" charset="-122"/>
+              </a:rPr>
+              <a:t> </a:t>
+            </a:r>
+            <a:r>
+              <a:rPr lang="en-US" altLang="zh-CN" dirty="0">
+                <a:latin typeface="微软雅黑" panose="020B0503020204020204" pitchFamily="34" charset="-122"/>
+                <a:ea typeface="微软雅黑" panose="020B0503020204020204" pitchFamily="34" charset="-122"/>
+              </a:rPr>
+              <a:t>app4 = new </a:t>
+            </a:r>
+            <a:r>
+              <a:rPr lang="en-US" altLang="zh-CN" dirty="0" err="1">
+                <a:latin typeface="微软雅黑" panose="020B0503020204020204" pitchFamily="34" charset="-122"/>
+                <a:ea typeface="微软雅黑" panose="020B0503020204020204" pitchFamily="34" charset="-122"/>
+              </a:rPr>
+              <a:t>Vue</a:t>
+            </a:r>
+            <a:r>
+              <a:rPr lang="en-US" altLang="zh-CN" dirty="0">
+                <a:latin typeface="微软雅黑" panose="020B0503020204020204" pitchFamily="34" charset="-122"/>
+                <a:ea typeface="微软雅黑" panose="020B0503020204020204" pitchFamily="34" charset="-122"/>
+              </a:rPr>
+              <a:t>({</a:t>
+            </a:r>
+          </a:p>
+          <a:p>
+            <a:r>
+              <a:rPr lang="en-US" altLang="zh-CN" dirty="0" smtClean="0">
+                <a:latin typeface="微软雅黑" panose="020B0503020204020204" pitchFamily="34" charset="-122"/>
+                <a:ea typeface="微软雅黑" panose="020B0503020204020204" pitchFamily="34" charset="-122"/>
+              </a:rPr>
+              <a:t>    el</a:t>
+            </a:r>
+            <a:r>
+              <a:rPr lang="en-US" altLang="zh-CN" dirty="0">
+                <a:latin typeface="微软雅黑" panose="020B0503020204020204" pitchFamily="34" charset="-122"/>
+                <a:ea typeface="微软雅黑" panose="020B0503020204020204" pitchFamily="34" charset="-122"/>
+              </a:rPr>
+              <a:t>: '</a:t>
+            </a:r>
+            <a:r>
+              <a:rPr lang="en-US" altLang="zh-CN" b="1" dirty="0" smtClean="0">
+                <a:solidFill>
+                  <a:srgbClr val="FF0000"/>
+                </a:solidFill>
+                <a:latin typeface="微软雅黑" panose="020B0503020204020204" pitchFamily="34" charset="-122"/>
+                <a:ea typeface="微软雅黑" panose="020B0503020204020204" pitchFamily="34" charset="-122"/>
+              </a:rPr>
+              <a:t>.app-4</a:t>
+            </a:r>
+            <a:r>
+              <a:rPr lang="en-US" altLang="zh-CN" dirty="0">
+                <a:latin typeface="微软雅黑" panose="020B0503020204020204" pitchFamily="34" charset="-122"/>
+                <a:ea typeface="微软雅黑" panose="020B0503020204020204" pitchFamily="34" charset="-122"/>
+              </a:rPr>
+              <a:t>',</a:t>
+            </a:r>
+          </a:p>
+          <a:p>
+            <a:r>
+              <a:rPr lang="en-US" altLang="zh-CN" dirty="0" smtClean="0">
+                <a:latin typeface="微软雅黑" panose="020B0503020204020204" pitchFamily="34" charset="-122"/>
+                <a:ea typeface="微软雅黑" panose="020B0503020204020204" pitchFamily="34" charset="-122"/>
+              </a:rPr>
+              <a:t>    data</a:t>
+            </a:r>
+            <a:r>
+              <a:rPr lang="en-US" altLang="zh-CN" dirty="0">
+                <a:latin typeface="微软雅黑" panose="020B0503020204020204" pitchFamily="34" charset="-122"/>
+                <a:ea typeface="微软雅黑" panose="020B0503020204020204" pitchFamily="34" charset="-122"/>
+              </a:rPr>
+              <a:t>: {</a:t>
+            </a:r>
+          </a:p>
+          <a:p>
+            <a:r>
+              <a:rPr lang="en-US" altLang="zh-CN" dirty="0" smtClean="0">
+                <a:latin typeface="微软雅黑" panose="020B0503020204020204" pitchFamily="34" charset="-122"/>
+                <a:ea typeface="微软雅黑" panose="020B0503020204020204" pitchFamily="34" charset="-122"/>
+              </a:rPr>
+              <a:t>        </a:t>
+            </a:r>
+            <a:r>
+              <a:rPr lang="en-US" altLang="zh-CN" b="1" dirty="0" err="1" smtClean="0">
+                <a:solidFill>
+                  <a:srgbClr val="FF0000"/>
+                </a:solidFill>
+                <a:latin typeface="微软雅黑" panose="020B0503020204020204" pitchFamily="34" charset="-122"/>
+                <a:ea typeface="微软雅黑" panose="020B0503020204020204" pitchFamily="34" charset="-122"/>
+              </a:rPr>
+              <a:t>todos</a:t>
+            </a:r>
+            <a:r>
+              <a:rPr lang="en-US" altLang="zh-CN" dirty="0">
+                <a:latin typeface="微软雅黑" panose="020B0503020204020204" pitchFamily="34" charset="-122"/>
+                <a:ea typeface="微软雅黑" panose="020B0503020204020204" pitchFamily="34" charset="-122"/>
+              </a:rPr>
+              <a:t>: [</a:t>
+            </a:r>
+          </a:p>
+          <a:p>
+            <a:r>
+              <a:rPr lang="en-US" altLang="zh-CN" dirty="0" smtClean="0">
+                <a:latin typeface="微软雅黑" panose="020B0503020204020204" pitchFamily="34" charset="-122"/>
+                <a:ea typeface="微软雅黑" panose="020B0503020204020204" pitchFamily="34" charset="-122"/>
+              </a:rPr>
+              <a:t>            { </a:t>
+            </a:r>
+            <a:r>
+              <a:rPr lang="en-US" altLang="zh-CN" dirty="0">
+                <a:latin typeface="微软雅黑" panose="020B0503020204020204" pitchFamily="34" charset="-122"/>
+                <a:ea typeface="微软雅黑" panose="020B0503020204020204" pitchFamily="34" charset="-122"/>
+              </a:rPr>
+              <a:t>text: '</a:t>
+            </a:r>
+            <a:r>
+              <a:rPr lang="zh-CN" altLang="en-US" dirty="0">
+                <a:latin typeface="微软雅黑" panose="020B0503020204020204" pitchFamily="34" charset="-122"/>
+                <a:ea typeface="微软雅黑" panose="020B0503020204020204" pitchFamily="34" charset="-122"/>
+              </a:rPr>
+              <a:t>学习 </a:t>
+            </a:r>
+            <a:r>
+              <a:rPr lang="en-US" altLang="zh-CN" dirty="0">
+                <a:latin typeface="微软雅黑" panose="020B0503020204020204" pitchFamily="34" charset="-122"/>
+                <a:ea typeface="微软雅黑" panose="020B0503020204020204" pitchFamily="34" charset="-122"/>
+              </a:rPr>
+              <a:t>JavaScript' </a:t>
+            </a:r>
+            <a:r>
+              <a:rPr lang="en-US" altLang="zh-CN" dirty="0" smtClean="0">
+                <a:latin typeface="微软雅黑" panose="020B0503020204020204" pitchFamily="34" charset="-122"/>
+                <a:ea typeface="微软雅黑" panose="020B0503020204020204" pitchFamily="34" charset="-122"/>
+              </a:rPr>
+              <a:t>}</a:t>
+            </a:r>
+          </a:p>
+          <a:p>
+            <a:r>
+              <a:rPr lang="en-US" altLang="zh-CN" dirty="0">
+                <a:latin typeface="微软雅黑" panose="020B0503020204020204" pitchFamily="34" charset="-122"/>
+                <a:ea typeface="微软雅黑" panose="020B0503020204020204" pitchFamily="34" charset="-122"/>
+              </a:rPr>
+              <a:t> </a:t>
+            </a:r>
+            <a:r>
+              <a:rPr lang="en-US" altLang="zh-CN" dirty="0" smtClean="0">
+                <a:latin typeface="微软雅黑" panose="020B0503020204020204" pitchFamily="34" charset="-122"/>
+                <a:ea typeface="微软雅黑" panose="020B0503020204020204" pitchFamily="34" charset="-122"/>
+              </a:rPr>
+              <a:t>       ]</a:t>
+            </a:r>
+            <a:endParaRPr lang="en-US" altLang="zh-CN" dirty="0">
+              <a:latin typeface="微软雅黑" panose="020B0503020204020204" pitchFamily="34" charset="-122"/>
+              <a:ea typeface="微软雅黑" panose="020B0503020204020204" pitchFamily="34" charset="-122"/>
+            </a:endParaRPr>
+          </a:p>
+          <a:p>
+            <a:r>
+              <a:rPr lang="en-US" altLang="zh-CN" dirty="0" smtClean="0">
+                <a:latin typeface="微软雅黑" panose="020B0503020204020204" pitchFamily="34" charset="-122"/>
+                <a:ea typeface="微软雅黑" panose="020B0503020204020204" pitchFamily="34" charset="-122"/>
+              </a:rPr>
+              <a:t>    }</a:t>
+            </a:r>
+            <a:endParaRPr lang="en-US" altLang="zh-CN" dirty="0">
+              <a:latin typeface="微软雅黑" panose="020B0503020204020204" pitchFamily="34" charset="-122"/>
+              <a:ea typeface="微软雅黑" panose="020B0503020204020204" pitchFamily="34" charset="-122"/>
+            </a:endParaRPr>
+          </a:p>
+          <a:p>
+            <a:r>
+              <a:rPr lang="en-US" altLang="zh-CN" dirty="0" smtClean="0">
+                <a:latin typeface="微软雅黑" panose="020B0503020204020204" pitchFamily="34" charset="-122"/>
+                <a:ea typeface="微软雅黑" panose="020B0503020204020204" pitchFamily="34" charset="-122"/>
+              </a:rPr>
+              <a:t>});</a:t>
+            </a:r>
+            <a:endParaRPr lang="zh-CN" altLang="en-US" dirty="0">
+              <a:latin typeface="微软雅黑" panose="020B0503020204020204" pitchFamily="34" charset="-122"/>
+              <a:ea typeface="微软雅黑" panose="020B0503020204020204" pitchFamily="34" charset="-122"/>
+            </a:endParaRPr>
+          </a:p>
+        </p:txBody>
+      </p:sp>
+      <p:sp>
+        <p:nvSpPr>
+          <p:cNvPr id="16" name="矩形 15"/>
           <p:cNvSpPr/>
           <p:nvPr/>
         </p:nvSpPr>
         <p:spPr>
           <a:xfrm>
-            <a:off x="250207" y="1771345"/>
-            <a:ext cx="2492990" cy="369332"/>
+            <a:off x="8243982" y="3762852"/>
+            <a:ext cx="3595169" cy="2585323"/>
           </a:xfrm>
           <a:prstGeom prst="rect">
             <a:avLst/>
           </a:prstGeom>
-        </p:spPr>
-        <p:txBody>
-          <a:bodyPr wrap="none">
+          <a:solidFill>
+            <a:schemeClr val="accent6">
+              <a:lumMod val="20000"/>
+              <a:lumOff val="80000"/>
+            </a:schemeClr>
+          </a:solidFill>
+        </p:spPr>
+        <p:txBody>
+          <a:bodyPr wrap="square">
             <a:spAutoFit/>
           </a:bodyPr>
           <a:lstStyle/>
           <a:p>
             <a:r>
-              <a:rPr lang="zh-CN" altLang="en-US">
-                <a:solidFill>
-                  <a:srgbClr val="34495E"/>
-                </a:solidFill>
-                <a:latin typeface="Source Sans Pro"/>
-              </a:rPr>
-              <a:t>举例：</a:t>
-            </a:r>
-            <a:r>
-              <a:rPr lang="en-US" altLang="zh-CN">
-                <a:solidFill>
-                  <a:srgbClr val="34495E"/>
-                </a:solidFill>
-                <a:latin typeface="Source Sans Pro"/>
-              </a:rPr>
-              <a:t>&lt;span&gt;{{name}}</a:t>
-            </a:r>
-            <a:endParaRPr lang="zh-CN" altLang="en-US" dirty="0"/>
-          </a:p>
-        </p:txBody>
-      </p:sp>
-      <p:sp>
-        <p:nvSpPr>
-          <p:cNvPr id="10" name="矩形 9"/>
+              <a:rPr lang="en-US" altLang="zh-CN" b="1" dirty="0" smtClean="0">
+                <a:solidFill>
+                  <a:srgbClr val="0000FF"/>
+                </a:solidFill>
+                <a:latin typeface="微软雅黑" panose="020B0503020204020204" pitchFamily="34" charset="-122"/>
+                <a:ea typeface="微软雅黑" panose="020B0503020204020204" pitchFamily="34" charset="-122"/>
+              </a:rPr>
+              <a:t>JavaScript</a:t>
+            </a:r>
+            <a:r>
+              <a:rPr lang="zh-CN" altLang="en-US" b="1" dirty="0" smtClean="0">
+                <a:solidFill>
+                  <a:srgbClr val="0000FF"/>
+                </a:solidFill>
+                <a:latin typeface="微软雅黑" panose="020B0503020204020204" pitchFamily="34" charset="-122"/>
+                <a:ea typeface="微软雅黑" panose="020B0503020204020204" pitchFamily="34" charset="-122"/>
+              </a:rPr>
+              <a:t>代码</a:t>
+            </a:r>
+            <a:endParaRPr lang="en-US" altLang="zh-CN" b="1" dirty="0" smtClean="0">
+              <a:solidFill>
+                <a:srgbClr val="0000FF"/>
+              </a:solidFill>
+              <a:latin typeface="微软雅黑" panose="020B0503020204020204" pitchFamily="34" charset="-122"/>
+              <a:ea typeface="微软雅黑" panose="020B0503020204020204" pitchFamily="34" charset="-122"/>
+            </a:endParaRPr>
+          </a:p>
+          <a:p>
+            <a:r>
+              <a:rPr lang="en-US" altLang="zh-CN" dirty="0" err="1" smtClean="0">
+                <a:latin typeface="微软雅黑" panose="020B0503020204020204" pitchFamily="34" charset="-122"/>
+                <a:ea typeface="微软雅黑" panose="020B0503020204020204" pitchFamily="34" charset="-122"/>
+              </a:rPr>
+              <a:t>var</a:t>
+            </a:r>
+            <a:r>
+              <a:rPr lang="en-US" altLang="zh-CN" dirty="0" smtClean="0">
+                <a:latin typeface="微软雅黑" panose="020B0503020204020204" pitchFamily="34" charset="-122"/>
+                <a:ea typeface="微软雅黑" panose="020B0503020204020204" pitchFamily="34" charset="-122"/>
+              </a:rPr>
+              <a:t> </a:t>
+            </a:r>
+            <a:r>
+              <a:rPr lang="en-US" altLang="zh-CN" dirty="0">
+                <a:latin typeface="微软雅黑" panose="020B0503020204020204" pitchFamily="34" charset="-122"/>
+                <a:ea typeface="微软雅黑" panose="020B0503020204020204" pitchFamily="34" charset="-122"/>
+              </a:rPr>
+              <a:t>app4 = new </a:t>
+            </a:r>
+            <a:r>
+              <a:rPr lang="en-US" altLang="zh-CN" dirty="0" err="1">
+                <a:latin typeface="微软雅黑" panose="020B0503020204020204" pitchFamily="34" charset="-122"/>
+                <a:ea typeface="微软雅黑" panose="020B0503020204020204" pitchFamily="34" charset="-122"/>
+              </a:rPr>
+              <a:t>Vue</a:t>
+            </a:r>
+            <a:r>
+              <a:rPr lang="en-US" altLang="zh-CN" dirty="0">
+                <a:latin typeface="微软雅黑" panose="020B0503020204020204" pitchFamily="34" charset="-122"/>
+                <a:ea typeface="微软雅黑" panose="020B0503020204020204" pitchFamily="34" charset="-122"/>
+              </a:rPr>
+              <a:t>({</a:t>
+            </a:r>
+          </a:p>
+          <a:p>
+            <a:r>
+              <a:rPr lang="en-US" altLang="zh-CN" dirty="0" smtClean="0">
+                <a:latin typeface="微软雅黑" panose="020B0503020204020204" pitchFamily="34" charset="-122"/>
+                <a:ea typeface="微软雅黑" panose="020B0503020204020204" pitchFamily="34" charset="-122"/>
+              </a:rPr>
+              <a:t>    el</a:t>
+            </a:r>
+            <a:r>
+              <a:rPr lang="en-US" altLang="zh-CN" dirty="0">
+                <a:latin typeface="微软雅黑" panose="020B0503020204020204" pitchFamily="34" charset="-122"/>
+                <a:ea typeface="微软雅黑" panose="020B0503020204020204" pitchFamily="34" charset="-122"/>
+              </a:rPr>
+              <a:t>: </a:t>
+            </a:r>
+            <a:r>
+              <a:rPr lang="en-US" altLang="zh-CN" dirty="0" smtClean="0">
+                <a:latin typeface="微软雅黑" panose="020B0503020204020204" pitchFamily="34" charset="-122"/>
+                <a:ea typeface="微软雅黑" panose="020B0503020204020204" pitchFamily="34" charset="-122"/>
+              </a:rPr>
+              <a:t>'</a:t>
+            </a:r>
+            <a:r>
+              <a:rPr lang="en-US" altLang="zh-CN" b="1" dirty="0" smtClean="0">
+                <a:solidFill>
+                  <a:srgbClr val="FF0000"/>
+                </a:solidFill>
+                <a:latin typeface="微软雅黑" panose="020B0503020204020204" pitchFamily="34" charset="-122"/>
+                <a:ea typeface="微软雅黑" panose="020B0503020204020204" pitchFamily="34" charset="-122"/>
+              </a:rPr>
+              <a:t>label</a:t>
+            </a:r>
+            <a:r>
+              <a:rPr lang="en-US" altLang="zh-CN" dirty="0" smtClean="0">
+                <a:latin typeface="微软雅黑" panose="020B0503020204020204" pitchFamily="34" charset="-122"/>
+                <a:ea typeface="微软雅黑" panose="020B0503020204020204" pitchFamily="34" charset="-122"/>
+              </a:rPr>
+              <a:t>',</a:t>
+            </a:r>
+            <a:endParaRPr lang="en-US" altLang="zh-CN" dirty="0">
+              <a:latin typeface="微软雅黑" panose="020B0503020204020204" pitchFamily="34" charset="-122"/>
+              <a:ea typeface="微软雅黑" panose="020B0503020204020204" pitchFamily="34" charset="-122"/>
+            </a:endParaRPr>
+          </a:p>
+          <a:p>
+            <a:r>
+              <a:rPr lang="en-US" altLang="zh-CN" dirty="0" smtClean="0">
+                <a:latin typeface="微软雅黑" panose="020B0503020204020204" pitchFamily="34" charset="-122"/>
+                <a:ea typeface="微软雅黑" panose="020B0503020204020204" pitchFamily="34" charset="-122"/>
+              </a:rPr>
+              <a:t>    data</a:t>
+            </a:r>
+            <a:r>
+              <a:rPr lang="en-US" altLang="zh-CN" dirty="0">
+                <a:latin typeface="微软雅黑" panose="020B0503020204020204" pitchFamily="34" charset="-122"/>
+                <a:ea typeface="微软雅黑" panose="020B0503020204020204" pitchFamily="34" charset="-122"/>
+              </a:rPr>
+              <a:t>: {</a:t>
+            </a:r>
+          </a:p>
+          <a:p>
+            <a:r>
+              <a:rPr lang="en-US" altLang="zh-CN" dirty="0" smtClean="0">
+                <a:latin typeface="微软雅黑" panose="020B0503020204020204" pitchFamily="34" charset="-122"/>
+                <a:ea typeface="微软雅黑" panose="020B0503020204020204" pitchFamily="34" charset="-122"/>
+              </a:rPr>
+              <a:t>        </a:t>
+            </a:r>
+            <a:r>
+              <a:rPr lang="en-US" altLang="zh-CN" b="1" dirty="0" err="1" smtClean="0">
+                <a:solidFill>
+                  <a:srgbClr val="FF0000"/>
+                </a:solidFill>
+                <a:latin typeface="微软雅黑" panose="020B0503020204020204" pitchFamily="34" charset="-122"/>
+                <a:ea typeface="微软雅黑" panose="020B0503020204020204" pitchFamily="34" charset="-122"/>
+              </a:rPr>
+              <a:t>todos</a:t>
+            </a:r>
+            <a:r>
+              <a:rPr lang="en-US" altLang="zh-CN" dirty="0">
+                <a:latin typeface="微软雅黑" panose="020B0503020204020204" pitchFamily="34" charset="-122"/>
+                <a:ea typeface="微软雅黑" panose="020B0503020204020204" pitchFamily="34" charset="-122"/>
+              </a:rPr>
+              <a:t>: [</a:t>
+            </a:r>
+          </a:p>
+          <a:p>
+            <a:r>
+              <a:rPr lang="en-US" altLang="zh-CN" dirty="0" smtClean="0">
+                <a:latin typeface="微软雅黑" panose="020B0503020204020204" pitchFamily="34" charset="-122"/>
+                <a:ea typeface="微软雅黑" panose="020B0503020204020204" pitchFamily="34" charset="-122"/>
+              </a:rPr>
+              <a:t>            { </a:t>
+            </a:r>
+            <a:r>
+              <a:rPr lang="en-US" altLang="zh-CN" dirty="0">
+                <a:latin typeface="微软雅黑" panose="020B0503020204020204" pitchFamily="34" charset="-122"/>
+                <a:ea typeface="微软雅黑" panose="020B0503020204020204" pitchFamily="34" charset="-122"/>
+              </a:rPr>
+              <a:t>text: '</a:t>
+            </a:r>
+            <a:r>
+              <a:rPr lang="zh-CN" altLang="en-US" dirty="0">
+                <a:latin typeface="微软雅黑" panose="020B0503020204020204" pitchFamily="34" charset="-122"/>
+                <a:ea typeface="微软雅黑" panose="020B0503020204020204" pitchFamily="34" charset="-122"/>
+              </a:rPr>
+              <a:t>学习 </a:t>
+            </a:r>
+            <a:r>
+              <a:rPr lang="en-US" altLang="zh-CN" dirty="0">
+                <a:latin typeface="微软雅黑" panose="020B0503020204020204" pitchFamily="34" charset="-122"/>
+                <a:ea typeface="微软雅黑" panose="020B0503020204020204" pitchFamily="34" charset="-122"/>
+              </a:rPr>
+              <a:t>JavaScript' </a:t>
+            </a:r>
+            <a:r>
+              <a:rPr lang="en-US" altLang="zh-CN" dirty="0" smtClean="0">
+                <a:latin typeface="微软雅黑" panose="020B0503020204020204" pitchFamily="34" charset="-122"/>
+                <a:ea typeface="微软雅黑" panose="020B0503020204020204" pitchFamily="34" charset="-122"/>
+              </a:rPr>
+              <a:t>}</a:t>
+            </a:r>
+          </a:p>
+          <a:p>
+            <a:r>
+              <a:rPr lang="en-US" altLang="zh-CN" dirty="0">
+                <a:latin typeface="微软雅黑" panose="020B0503020204020204" pitchFamily="34" charset="-122"/>
+                <a:ea typeface="微软雅黑" panose="020B0503020204020204" pitchFamily="34" charset="-122"/>
+              </a:rPr>
+              <a:t> </a:t>
+            </a:r>
+            <a:r>
+              <a:rPr lang="en-US" altLang="zh-CN" dirty="0" smtClean="0">
+                <a:latin typeface="微软雅黑" panose="020B0503020204020204" pitchFamily="34" charset="-122"/>
+                <a:ea typeface="微软雅黑" panose="020B0503020204020204" pitchFamily="34" charset="-122"/>
+              </a:rPr>
+              <a:t>       ]</a:t>
+            </a:r>
+            <a:endParaRPr lang="en-US" altLang="zh-CN" dirty="0">
+              <a:latin typeface="微软雅黑" panose="020B0503020204020204" pitchFamily="34" charset="-122"/>
+              <a:ea typeface="微软雅黑" panose="020B0503020204020204" pitchFamily="34" charset="-122"/>
+            </a:endParaRPr>
+          </a:p>
+          <a:p>
+            <a:r>
+              <a:rPr lang="en-US" altLang="zh-CN" dirty="0" smtClean="0">
+                <a:latin typeface="微软雅黑" panose="020B0503020204020204" pitchFamily="34" charset="-122"/>
+                <a:ea typeface="微软雅黑" panose="020B0503020204020204" pitchFamily="34" charset="-122"/>
+              </a:rPr>
+              <a:t>    }</a:t>
+            </a:r>
+            <a:endParaRPr lang="en-US" altLang="zh-CN" dirty="0">
+              <a:latin typeface="微软雅黑" panose="020B0503020204020204" pitchFamily="34" charset="-122"/>
+              <a:ea typeface="微软雅黑" panose="020B0503020204020204" pitchFamily="34" charset="-122"/>
+            </a:endParaRPr>
+          </a:p>
+          <a:p>
+            <a:r>
+              <a:rPr lang="en-US" altLang="zh-CN" dirty="0" smtClean="0">
+                <a:latin typeface="微软雅黑" panose="020B0503020204020204" pitchFamily="34" charset="-122"/>
+                <a:ea typeface="微软雅黑" panose="020B0503020204020204" pitchFamily="34" charset="-122"/>
+              </a:rPr>
+              <a:t>});</a:t>
+            </a:r>
+            <a:endParaRPr lang="zh-CN" altLang="en-US" dirty="0">
+              <a:latin typeface="微软雅黑" panose="020B0503020204020204" pitchFamily="34" charset="-122"/>
+              <a:ea typeface="微软雅黑" panose="020B0503020204020204" pitchFamily="34" charset="-122"/>
+            </a:endParaRPr>
+          </a:p>
+        </p:txBody>
+      </p:sp>
+      <p:sp>
+        <p:nvSpPr>
+          <p:cNvPr id="17" name="矩形 16"/>
           <p:cNvSpPr/>
           <p:nvPr/>
         </p:nvSpPr>
         <p:spPr>
           <a:xfrm>
-            <a:off x="250207" y="3485928"/>
-            <a:ext cx="2723823" cy="923330"/>
+            <a:off x="8243981" y="2361462"/>
+            <a:ext cx="3595169" cy="1200329"/>
           </a:xfrm>
           <a:prstGeom prst="rect">
             <a:avLst/>
           </a:prstGeom>
-        </p:spPr>
-        <p:txBody>
-          <a:bodyPr wrap="none">
-            <a:spAutoFit/>
-          </a:bodyPr>
-          <a:lstStyle/>
-          <a:p>
-            <a:r>
-              <a:rPr lang="zh-CN" altLang="en-US" dirty="0">
-                <a:solidFill>
-                  <a:srgbClr val="34495E"/>
-                </a:solidFill>
-                <a:latin typeface="Source Sans Pro"/>
-              </a:rPr>
-              <a:t>举例</a:t>
-            </a:r>
-            <a:r>
-              <a:rPr lang="zh-CN" altLang="en-US" dirty="0" smtClean="0">
-                <a:solidFill>
-                  <a:srgbClr val="34495E"/>
-                </a:solidFill>
-                <a:latin typeface="Source Sans Pro"/>
-              </a:rPr>
-              <a:t>：</a:t>
-            </a:r>
-            <a:endParaRPr lang="en-US" altLang="zh-CN" dirty="0" smtClean="0">
-              <a:solidFill>
-                <a:srgbClr val="34495E"/>
-              </a:solidFill>
-              <a:latin typeface="Source Sans Pro"/>
-            </a:endParaRPr>
-          </a:p>
-          <a:p>
-            <a:r>
-              <a:rPr lang="en-US" altLang="zh-CN" dirty="0" smtClean="0">
-                <a:solidFill>
-                  <a:srgbClr val="34495E"/>
-                </a:solidFill>
-                <a:latin typeface="Source Sans Pro"/>
-              </a:rPr>
-              <a:t>{{ value / 100 }}</a:t>
-            </a:r>
-          </a:p>
-          <a:p>
-            <a:r>
-              <a:rPr lang="en-US" altLang="zh-CN" dirty="0" smtClean="0">
-                <a:solidFill>
-                  <a:srgbClr val="34495E"/>
-                </a:solidFill>
-                <a:latin typeface="Source Sans Pro"/>
-              </a:rPr>
-              <a:t>{{ </a:t>
-            </a:r>
-            <a:r>
-              <a:rPr lang="en-US" altLang="zh-CN" dirty="0" err="1" smtClean="0">
-                <a:solidFill>
-                  <a:srgbClr val="34495E"/>
-                </a:solidFill>
-                <a:latin typeface="Source Sans Pro"/>
-              </a:rPr>
-              <a:t>str</a:t>
-            </a:r>
-            <a:r>
-              <a:rPr lang="en-US" altLang="zh-CN" dirty="0" smtClean="0">
-                <a:solidFill>
-                  <a:srgbClr val="34495E"/>
-                </a:solidFill>
-                <a:latin typeface="Source Sans Pro"/>
-              </a:rPr>
-              <a:t> | </a:t>
-            </a:r>
-            <a:r>
-              <a:rPr lang="en-US" altLang="zh-CN" dirty="0" err="1" smtClean="0">
-                <a:solidFill>
-                  <a:srgbClr val="34495E"/>
-                </a:solidFill>
-                <a:latin typeface="Source Sans Pro"/>
-              </a:rPr>
-              <a:t>toUpperCase</a:t>
-            </a:r>
-            <a:r>
-              <a:rPr lang="en-US" altLang="zh-CN" dirty="0" smtClean="0">
-                <a:solidFill>
-                  <a:srgbClr val="34495E"/>
-                </a:solidFill>
-                <a:latin typeface="Source Sans Pro"/>
-              </a:rPr>
-              <a:t>}}</a:t>
-            </a:r>
-            <a:endParaRPr lang="zh-CN" altLang="en-US" dirty="0"/>
-          </a:p>
-        </p:txBody>
-      </p:sp>
-      <p:sp>
-        <p:nvSpPr>
-          <p:cNvPr id="11" name="矩形 10"/>
-          <p:cNvSpPr/>
-          <p:nvPr/>
-        </p:nvSpPr>
-        <p:spPr>
-          <a:xfrm>
-            <a:off x="250206" y="5501866"/>
-            <a:ext cx="11732525" cy="369332"/>
-          </a:xfrm>
-          <a:prstGeom prst="rect">
-            <a:avLst/>
-          </a:prstGeom>
+          <a:solidFill>
+            <a:schemeClr val="accent6">
+              <a:lumMod val="20000"/>
+              <a:lumOff val="80000"/>
+            </a:schemeClr>
+          </a:solidFill>
         </p:spPr>
         <p:txBody>
           <a:bodyPr wrap="square">
@@ -3857,96 +4955,123 @@
           <a:lstStyle/>
           <a:p>
             <a:r>
-              <a:rPr lang="zh-CN" altLang="en-US" dirty="0" smtClean="0">
-                <a:solidFill>
-                  <a:srgbClr val="34495E"/>
-                </a:solidFill>
-                <a:latin typeface="Source Sans Pro"/>
-              </a:rPr>
-              <a:t>指令是带有前缀</a:t>
-            </a:r>
-            <a:r>
-              <a:rPr lang="en-US" altLang="zh-CN" dirty="0" smtClean="0">
-                <a:solidFill>
-                  <a:srgbClr val="34495E"/>
-                </a:solidFill>
-                <a:latin typeface="Source Sans Pro"/>
-              </a:rPr>
-              <a:t>v-</a:t>
-            </a:r>
-            <a:r>
-              <a:rPr lang="zh-CN" altLang="en-US" dirty="0" smtClean="0">
-                <a:solidFill>
-                  <a:srgbClr val="34495E"/>
-                </a:solidFill>
-                <a:latin typeface="Source Sans Pro"/>
-              </a:rPr>
-              <a:t>的特殊特性，其</a:t>
-            </a:r>
-            <a:r>
-              <a:rPr lang="zh-CN" altLang="en-US" dirty="0">
-                <a:solidFill>
-                  <a:srgbClr val="34495E"/>
-                </a:solidFill>
-                <a:latin typeface="Source Sans Pro"/>
-              </a:rPr>
-              <a:t>值限定为绑定表达式</a:t>
-            </a:r>
-            <a:r>
-              <a:rPr lang="zh-CN" altLang="en-US" dirty="0" smtClean="0">
-                <a:solidFill>
-                  <a:srgbClr val="34495E"/>
-                </a:solidFill>
-                <a:latin typeface="Source Sans Pro"/>
-              </a:rPr>
-              <a:t>，作用</a:t>
-            </a:r>
-            <a:r>
-              <a:rPr lang="zh-CN" altLang="en-US" dirty="0">
-                <a:solidFill>
-                  <a:srgbClr val="34495E"/>
-                </a:solidFill>
-                <a:latin typeface="Source Sans Pro"/>
-              </a:rPr>
-              <a:t>是当表达式的值发生变化</a:t>
-            </a:r>
-            <a:r>
-              <a:rPr lang="zh-CN" altLang="en-US" dirty="0" smtClean="0">
-                <a:solidFill>
-                  <a:srgbClr val="34495E"/>
-                </a:solidFill>
-                <a:latin typeface="Source Sans Pro"/>
-              </a:rPr>
-              <a:t>时将</a:t>
-            </a:r>
-            <a:r>
-              <a:rPr lang="zh-CN" altLang="en-US" dirty="0">
-                <a:solidFill>
-                  <a:srgbClr val="34495E"/>
-                </a:solidFill>
-                <a:latin typeface="Source Sans Pro"/>
-              </a:rPr>
-              <a:t>这个变化也反映到</a:t>
+              <a:rPr lang="en-US" altLang="zh-CN" b="1" dirty="0" smtClean="0">
+                <a:solidFill>
+                  <a:srgbClr val="0000FF"/>
+                </a:solidFill>
+                <a:latin typeface="微软雅黑" panose="020B0503020204020204" pitchFamily="34" charset="-122"/>
+                <a:ea typeface="微软雅黑" panose="020B0503020204020204" pitchFamily="34" charset="-122"/>
+              </a:rPr>
+              <a:t>HTML</a:t>
+            </a:r>
+            <a:r>
+              <a:rPr lang="zh-CN" altLang="en-US" b="1" dirty="0" smtClean="0">
+                <a:solidFill>
+                  <a:srgbClr val="0000FF"/>
+                </a:solidFill>
+                <a:latin typeface="微软雅黑" panose="020B0503020204020204" pitchFamily="34" charset="-122"/>
+                <a:ea typeface="微软雅黑" panose="020B0503020204020204" pitchFamily="34" charset="-122"/>
+              </a:rPr>
+              <a:t>代码</a:t>
+            </a:r>
+            <a:endParaRPr lang="en-US" altLang="zh-CN" b="1" dirty="0" smtClean="0">
+              <a:solidFill>
+                <a:srgbClr val="0000FF"/>
+              </a:solidFill>
+              <a:latin typeface="微软雅黑" panose="020B0503020204020204" pitchFamily="34" charset="-122"/>
+              <a:ea typeface="微软雅黑" panose="020B0503020204020204" pitchFamily="34" charset="-122"/>
+            </a:endParaRPr>
+          </a:p>
+          <a:p>
+            <a:r>
+              <a:rPr lang="en-US" altLang="zh-CN" dirty="0" smtClean="0">
+                <a:solidFill>
+                  <a:srgbClr val="34495E"/>
+                </a:solidFill>
+                <a:latin typeface="微软雅黑" panose="020B0503020204020204" pitchFamily="34" charset="-122"/>
+                <a:ea typeface="微软雅黑" panose="020B0503020204020204" pitchFamily="34" charset="-122"/>
+              </a:rPr>
+              <a:t>&lt;label</a:t>
+            </a:r>
+            <a:r>
+              <a:rPr lang="en-US" altLang="zh-CN" dirty="0" smtClean="0">
+                <a:latin typeface="微软雅黑" panose="020B0503020204020204" pitchFamily="34" charset="-122"/>
+                <a:ea typeface="微软雅黑" panose="020B0503020204020204" pitchFamily="34" charset="-122"/>
+              </a:rPr>
+              <a:t>&gt;</a:t>
+            </a:r>
+            <a:endParaRPr lang="en-US" altLang="zh-CN" dirty="0">
+              <a:latin typeface="微软雅黑" panose="020B0503020204020204" pitchFamily="34" charset="-122"/>
+              <a:ea typeface="微软雅黑" panose="020B0503020204020204" pitchFamily="34" charset="-122"/>
+            </a:endParaRPr>
+          </a:p>
+          <a:p>
+            <a:r>
+              <a:rPr lang="en-US" altLang="zh-CN" dirty="0" smtClean="0">
+                <a:solidFill>
+                  <a:srgbClr val="34495E"/>
+                </a:solidFill>
+                <a:latin typeface="微软雅黑" panose="020B0503020204020204" pitchFamily="34" charset="-122"/>
+                <a:ea typeface="微软雅黑" panose="020B0503020204020204" pitchFamily="34" charset="-122"/>
+              </a:rPr>
+              <a:t>    {{ </a:t>
+            </a:r>
+            <a:r>
+              <a:rPr lang="en-US" altLang="zh-CN" dirty="0" err="1">
+                <a:solidFill>
+                  <a:srgbClr val="34495E"/>
+                </a:solidFill>
+                <a:latin typeface="微软雅黑" panose="020B0503020204020204" pitchFamily="34" charset="-122"/>
+                <a:ea typeface="微软雅黑" panose="020B0503020204020204" pitchFamily="34" charset="-122"/>
+              </a:rPr>
+              <a:t>todo.text</a:t>
             </a:r>
             <a:r>
               <a:rPr lang="en-US" altLang="zh-CN" dirty="0">
                 <a:solidFill>
                   <a:srgbClr val="34495E"/>
                 </a:solidFill>
-                <a:latin typeface="Source Sans Pro"/>
-              </a:rPr>
-              <a:t>DOM</a:t>
-            </a:r>
-            <a:r>
-              <a:rPr lang="zh-CN" altLang="en-US" dirty="0" smtClean="0">
-                <a:solidFill>
-                  <a:srgbClr val="34495E"/>
-                </a:solidFill>
-                <a:latin typeface="Source Sans Pro"/>
-              </a:rPr>
-              <a:t>上</a:t>
-            </a:r>
-            <a:endParaRPr lang="zh-CN" altLang="en-US" dirty="0"/>
+                <a:latin typeface="微软雅黑" panose="020B0503020204020204" pitchFamily="34" charset="-122"/>
+                <a:ea typeface="微软雅黑" panose="020B0503020204020204" pitchFamily="34" charset="-122"/>
+              </a:rPr>
+              <a:t> }}</a:t>
+            </a:r>
+          </a:p>
+          <a:p>
+            <a:r>
+              <a:rPr lang="en-US" altLang="zh-CN" dirty="0" smtClean="0">
+                <a:solidFill>
+                  <a:srgbClr val="34495E"/>
+                </a:solidFill>
+                <a:latin typeface="微软雅黑" panose="020B0503020204020204" pitchFamily="34" charset="-122"/>
+                <a:ea typeface="微软雅黑" panose="020B0503020204020204" pitchFamily="34" charset="-122"/>
+              </a:rPr>
+              <a:t>&lt;/</a:t>
+            </a:r>
+            <a:r>
+              <a:rPr lang="en-US" altLang="zh-CN" dirty="0">
+                <a:solidFill>
+                  <a:srgbClr val="34495E"/>
+                </a:solidFill>
+                <a:latin typeface="微软雅黑" panose="020B0503020204020204" pitchFamily="34" charset="-122"/>
+                <a:ea typeface="微软雅黑" panose="020B0503020204020204" pitchFamily="34" charset="-122"/>
+              </a:rPr>
+              <a:t> label </a:t>
+            </a:r>
+            <a:r>
+              <a:rPr lang="en-US" altLang="zh-CN" dirty="0" smtClean="0">
+                <a:solidFill>
+                  <a:srgbClr val="34495E"/>
+                </a:solidFill>
+                <a:latin typeface="微软雅黑" panose="020B0503020204020204" pitchFamily="34" charset="-122"/>
+                <a:ea typeface="微软雅黑" panose="020B0503020204020204" pitchFamily="34" charset="-122"/>
+              </a:rPr>
+              <a:t>&gt;</a:t>
+            </a:r>
+            <a:endParaRPr lang="zh-CN" altLang="en-US" dirty="0">
+              <a:latin typeface="微软雅黑" panose="020B0503020204020204" pitchFamily="34" charset="-122"/>
+              <a:ea typeface="微软雅黑" panose="020B0503020204020204" pitchFamily="34" charset="-122"/>
+            </a:endParaRPr>
           </a:p>
         </p:txBody>
       </p:sp>
@@ -4002,13 +5127,14 @@
           <a:lstStyle/>
           <a:p>
             <a:r>
-              <a:rPr lang="zh-CN" altLang="en-US" dirty="0">
-                <a:solidFill>
-                  <a:srgbClr val="34495E"/>
-                </a:solidFill>
-                <a:latin typeface="Source Sans Pro"/>
-              </a:rPr>
-              <a:t>内部指令</a:t>
+              <a:rPr lang="zh-CN" altLang="en-US" b="0" i="0" dirty="0" smtClean="0">
+                <a:solidFill>
+                  <a:srgbClr val="34495E"/>
+                </a:solidFill>
+                <a:effectLst/>
+                <a:latin typeface="Source Sans Pro"/>
+              </a:rPr>
+              <a:t>数据绑定</a:t>
             </a:r>
             <a:endParaRPr lang="zh-CN" altLang="en-US" dirty="0"/>
           </a:p>
@@ -4022,7 +5148,7 @@
         </p:nvSpPr>
         <p:spPr>
           <a:xfrm>
-            <a:off x="250209" y="622785"/>
+            <a:off x="250209" y="979059"/>
             <a:ext cx="6096000" cy="369332"/>
           </a:xfrm>
           <a:prstGeom prst="rect">
@@ -4051,16 +5177,7 @@
                 </a:solidFill>
                 <a:latin typeface="Source Sans Pro"/>
               </a:rPr>
-              <a:t>、</a:t>
-            </a:r>
-            <a:r>
-              <a:rPr lang="en-US" altLang="zh-CN" dirty="0" smtClean="0">
-                <a:solidFill>
-                  <a:srgbClr val="34495E"/>
-                </a:solidFill>
-                <a:latin typeface="Source Sans Pro"/>
-              </a:rPr>
-              <a:t>v-if</a:t>
+              <a:t>、插值</a:t>
             </a:r>
             <a:endParaRPr lang="zh-CN" altLang="en-US" dirty="0"/>
           </a:p>
@@ -4068,20 +5185,106 @@
       </p:sp>
       <p:sp>
         <p:nvSpPr>
-          <p:cNvPr id="5" name="矩形 4"/>
+          <p:cNvPr id="6" name="矩形 5"/>
           <p:cNvSpPr/>
           <p:nvPr/>
         </p:nvSpPr>
         <p:spPr>
           <a:xfrm>
-            <a:off x="250209" y="992117"/>
-            <a:ext cx="11800764" cy="646331"/>
+            <a:off x="250209" y="2660009"/>
+            <a:ext cx="6096000" cy="369332"/>
           </a:xfrm>
           <a:prstGeom prst="rect">
             <a:avLst/>
           </a:prstGeom>
         </p:spPr>
         <p:txBody>
+          <a:bodyPr>
+            <a:spAutoFit/>
+          </a:bodyPr>
+          <a:lstStyle/>
+          <a:p>
+            <a:r>
+              <a:rPr lang="en-US" altLang="zh-CN" dirty="0" smtClean="0">
+                <a:solidFill>
+                  <a:srgbClr val="34495E"/>
+                </a:solidFill>
+                <a:latin typeface="Source Sans Pro"/>
+              </a:rPr>
+              <a:t>2</a:t>
+            </a:r>
+            <a:r>
+              <a:rPr lang="zh-CN" altLang="en-US" dirty="0" smtClean="0">
+                <a:solidFill>
+                  <a:srgbClr val="34495E"/>
+                </a:solidFill>
+                <a:latin typeface="Source Sans Pro"/>
+              </a:rPr>
+              <a:t>、表达式</a:t>
+            </a:r>
+            <a:endParaRPr lang="zh-CN" altLang="en-US" dirty="0"/>
+          </a:p>
+        </p:txBody>
+      </p:sp>
+      <p:sp>
+        <p:nvSpPr>
+          <p:cNvPr id="7" name="矩形 6"/>
+          <p:cNvSpPr/>
+          <p:nvPr/>
+        </p:nvSpPr>
+        <p:spPr>
+          <a:xfrm>
+            <a:off x="250209" y="5132534"/>
+            <a:ext cx="6096000" cy="369332"/>
+          </a:xfrm>
+          <a:prstGeom prst="rect">
+            <a:avLst/>
+          </a:prstGeom>
+        </p:spPr>
+        <p:txBody>
+          <a:bodyPr>
+            <a:spAutoFit/>
+          </a:bodyPr>
+          <a:lstStyle/>
+          <a:p>
+            <a:r>
+              <a:rPr lang="en-US" altLang="zh-CN" dirty="0" smtClean="0">
+                <a:solidFill>
+                  <a:srgbClr val="34495E"/>
+                </a:solidFill>
+                <a:latin typeface="Source Sans Pro"/>
+              </a:rPr>
+              <a:t>3</a:t>
+            </a:r>
+            <a:r>
+              <a:rPr lang="zh-CN" altLang="en-US" dirty="0" smtClean="0">
+                <a:solidFill>
+                  <a:srgbClr val="34495E"/>
+                </a:solidFill>
+                <a:latin typeface="Source Sans Pro"/>
+              </a:rPr>
+              <a:t>、指令</a:t>
+            </a:r>
+            <a:endParaRPr lang="zh-CN" altLang="en-US" dirty="0"/>
+          </a:p>
+        </p:txBody>
+      </p:sp>
+      <p:sp>
+        <p:nvSpPr>
+          <p:cNvPr id="8" name="矩形 7"/>
+          <p:cNvSpPr/>
+          <p:nvPr/>
+        </p:nvSpPr>
+        <p:spPr>
+          <a:xfrm>
+            <a:off x="250208" y="1402857"/>
+            <a:ext cx="11732525" cy="369332"/>
+          </a:xfrm>
+          <a:prstGeom prst="rect">
+            <a:avLst/>
+          </a:prstGeom>
+        </p:spPr>
+        <p:txBody>
           <a:bodyPr wrap="square">
             <a:spAutoFit/>
           </a:bodyPr>
@@ -4094,10 +5297,345 @@
                 </a:solidFill>
                 <a:latin typeface="Source Sans Pro"/>
               </a:rPr>
-              <a:t>根据表达式的值在</a:t>
-            </a:r>
-            <a:r>
-              <a:rPr lang="en-US" altLang="zh-CN" dirty="0" smtClean="0">
+              <a:t>插值方式采用</a:t>
+            </a:r>
+            <a:r>
+              <a:rPr lang="en-US" altLang="zh-CN" dirty="0" smtClean="0">
+                <a:solidFill>
+                  <a:srgbClr val="34495E"/>
+                </a:solidFill>
+                <a:latin typeface="Source Sans Pro"/>
+              </a:rPr>
+              <a:t>Mustache</a:t>
+            </a:r>
+            <a:r>
+              <a:rPr lang="zh-CN" altLang="en-US" dirty="0" smtClean="0">
+                <a:solidFill>
+                  <a:srgbClr val="34495E"/>
+                </a:solidFill>
+                <a:latin typeface="Source Sans Pro"/>
+              </a:rPr>
+              <a:t>方式：</a:t>
+            </a:r>
+            <a:r>
+              <a:rPr lang="en-US" altLang="zh-CN" dirty="0" smtClean="0">
+                <a:solidFill>
+                  <a:srgbClr val="34495E"/>
+                </a:solidFill>
+                <a:latin typeface="Source Sans Pro"/>
+              </a:rPr>
+              <a:t>{{ }}</a:t>
+            </a:r>
+            <a:endParaRPr lang="zh-CN" altLang="en-US" dirty="0"/>
+          </a:p>
+        </p:txBody>
+      </p:sp>
+      <p:sp>
+        <p:nvSpPr>
+          <p:cNvPr id="9" name="矩形 8"/>
+          <p:cNvSpPr/>
+          <p:nvPr/>
+        </p:nvSpPr>
+        <p:spPr>
+          <a:xfrm>
+            <a:off x="250207" y="3042018"/>
+            <a:ext cx="11732525" cy="369332"/>
+          </a:xfrm>
+          <a:prstGeom prst="rect">
+            <a:avLst/>
+          </a:prstGeom>
+        </p:spPr>
+        <p:txBody>
+          <a:bodyPr wrap="square">
+            <a:spAutoFit/>
+          </a:bodyPr>
+          <a:lstStyle/>
+          <a:p>
+            <a:r>
+              <a:rPr lang="zh-CN" altLang="en-US" dirty="0" smtClean="0">
+                <a:solidFill>
+                  <a:srgbClr val="34495E"/>
+                </a:solidFill>
+                <a:latin typeface="Source Sans Pro"/>
+              </a:rPr>
+              <a:t>表达式由</a:t>
+            </a:r>
+            <a:r>
+              <a:rPr lang="en-US" altLang="zh-CN" dirty="0" err="1" smtClean="0">
+                <a:solidFill>
+                  <a:srgbClr val="34495E"/>
+                </a:solidFill>
+                <a:latin typeface="Source Sans Pro"/>
+              </a:rPr>
+              <a:t>javascript</a:t>
+            </a:r>
+            <a:r>
+              <a:rPr lang="zh-CN" altLang="en-US" dirty="0" smtClean="0">
+                <a:solidFill>
+                  <a:srgbClr val="34495E"/>
+                </a:solidFill>
+                <a:latin typeface="Source Sans Pro"/>
+              </a:rPr>
+              <a:t>表达式和过滤器构成，可以没有过滤器，也可以有多个</a:t>
+            </a:r>
+            <a:endParaRPr lang="zh-CN" altLang="en-US" dirty="0"/>
+          </a:p>
+        </p:txBody>
+      </p:sp>
+      <p:sp>
+        <p:nvSpPr>
+          <p:cNvPr id="2" name="矩形 1"/>
+          <p:cNvSpPr/>
+          <p:nvPr/>
+        </p:nvSpPr>
+        <p:spPr>
+          <a:xfrm>
+            <a:off x="250207" y="1771345"/>
+            <a:ext cx="3531736" cy="369332"/>
+          </a:xfrm>
+          <a:prstGeom prst="rect">
+            <a:avLst/>
+          </a:prstGeom>
+        </p:spPr>
+        <p:txBody>
+          <a:bodyPr wrap="none">
+            <a:spAutoFit/>
+          </a:bodyPr>
+          <a:lstStyle/>
+          <a:p>
+            <a:r>
+              <a:rPr lang="zh-CN" altLang="en-US" dirty="0">
+                <a:solidFill>
+                  <a:srgbClr val="34495E"/>
+                </a:solidFill>
+                <a:latin typeface="Source Sans Pro"/>
+              </a:rPr>
+              <a:t>举例：</a:t>
+            </a:r>
+            <a:r>
+              <a:rPr lang="en-US" altLang="zh-CN" dirty="0">
+                <a:solidFill>
+                  <a:srgbClr val="34495E"/>
+                </a:solidFill>
+                <a:latin typeface="Source Sans Pro"/>
+              </a:rPr>
+              <a:t>&lt;span</a:t>
+            </a:r>
+            <a:r>
+              <a:rPr lang="en-US" altLang="zh-CN" dirty="0" smtClean="0">
+                <a:solidFill>
+                  <a:srgbClr val="34495E"/>
+                </a:solidFill>
+                <a:latin typeface="Source Sans Pro"/>
+              </a:rPr>
+              <a:t>&gt;{{ name }}&lt;/span&gt;</a:t>
+            </a:r>
+            <a:endParaRPr lang="zh-CN" altLang="en-US" dirty="0"/>
+          </a:p>
+        </p:txBody>
+      </p:sp>
+      <p:sp>
+        <p:nvSpPr>
+          <p:cNvPr id="10" name="矩形 9"/>
+          <p:cNvSpPr/>
+          <p:nvPr/>
+        </p:nvSpPr>
+        <p:spPr>
+          <a:xfrm>
+            <a:off x="250207" y="3485928"/>
+            <a:ext cx="2839239" cy="923330"/>
+          </a:xfrm>
+          <a:prstGeom prst="rect">
+            <a:avLst/>
+          </a:prstGeom>
+        </p:spPr>
+        <p:txBody>
+          <a:bodyPr wrap="none">
+            <a:spAutoFit/>
+          </a:bodyPr>
+          <a:lstStyle/>
+          <a:p>
+            <a:r>
+              <a:rPr lang="zh-CN" altLang="en-US" dirty="0">
+                <a:solidFill>
+                  <a:srgbClr val="34495E"/>
+                </a:solidFill>
+                <a:latin typeface="Source Sans Pro"/>
+              </a:rPr>
+              <a:t>举例</a:t>
+            </a:r>
+            <a:r>
+              <a:rPr lang="zh-CN" altLang="en-US" dirty="0" smtClean="0">
+                <a:solidFill>
+                  <a:srgbClr val="34495E"/>
+                </a:solidFill>
+                <a:latin typeface="Source Sans Pro"/>
+              </a:rPr>
+              <a:t>：</a:t>
+            </a:r>
+            <a:endParaRPr lang="en-US" altLang="zh-CN" dirty="0" smtClean="0">
+              <a:solidFill>
+                <a:srgbClr val="34495E"/>
+              </a:solidFill>
+              <a:latin typeface="Source Sans Pro"/>
+            </a:endParaRPr>
+          </a:p>
+          <a:p>
+            <a:r>
+              <a:rPr lang="en-US" altLang="zh-CN" dirty="0" smtClean="0">
+                <a:solidFill>
+                  <a:srgbClr val="34495E"/>
+                </a:solidFill>
+                <a:latin typeface="Source Sans Pro"/>
+              </a:rPr>
+              <a:t>{{ value / 100 }}</a:t>
+            </a:r>
+          </a:p>
+          <a:p>
+            <a:r>
+              <a:rPr lang="en-US" altLang="zh-CN" dirty="0" smtClean="0">
+                <a:solidFill>
+                  <a:srgbClr val="34495E"/>
+                </a:solidFill>
+                <a:latin typeface="Source Sans Pro"/>
+              </a:rPr>
+              <a:t>{{ </a:t>
+            </a:r>
+            <a:r>
+              <a:rPr lang="en-US" altLang="zh-CN" dirty="0" err="1" smtClean="0">
+                <a:solidFill>
+                  <a:srgbClr val="34495E"/>
+                </a:solidFill>
+                <a:latin typeface="Source Sans Pro"/>
+              </a:rPr>
+              <a:t>str</a:t>
+            </a:r>
+            <a:r>
+              <a:rPr lang="en-US" altLang="zh-CN" dirty="0" smtClean="0">
+                <a:solidFill>
+                  <a:srgbClr val="34495E"/>
+                </a:solidFill>
+                <a:latin typeface="Source Sans Pro"/>
+              </a:rPr>
+              <a:t> | </a:t>
+            </a:r>
+            <a:r>
+              <a:rPr lang="en-US" altLang="zh-CN" dirty="0" err="1" smtClean="0">
+                <a:solidFill>
+                  <a:srgbClr val="34495E"/>
+                </a:solidFill>
+                <a:latin typeface="Source Sans Pro"/>
+              </a:rPr>
+              <a:t>toUpperCase</a:t>
+            </a:r>
+            <a:r>
+              <a:rPr lang="en-US" altLang="zh-CN" dirty="0" smtClean="0">
+                <a:solidFill>
+                  <a:srgbClr val="34495E"/>
+                </a:solidFill>
+                <a:latin typeface="Source Sans Pro"/>
+              </a:rPr>
+              <a:t> }}</a:t>
+            </a:r>
+            <a:endParaRPr lang="zh-CN" altLang="en-US" dirty="0"/>
+          </a:p>
+        </p:txBody>
+      </p:sp>
+      <p:sp>
+        <p:nvSpPr>
+          <p:cNvPr id="11" name="矩形 10"/>
+          <p:cNvSpPr/>
+          <p:nvPr/>
+        </p:nvSpPr>
+        <p:spPr>
+          <a:xfrm>
+            <a:off x="250206" y="5501866"/>
+            <a:ext cx="11732525" cy="369332"/>
+          </a:xfrm>
+          <a:prstGeom prst="rect">
+            <a:avLst/>
+          </a:prstGeom>
+        </p:spPr>
+        <p:txBody>
+          <a:bodyPr wrap="square">
+            <a:spAutoFit/>
+          </a:bodyPr>
+          <a:lstStyle/>
+          <a:p>
+            <a:r>
+              <a:rPr lang="zh-CN" altLang="en-US" dirty="0" smtClean="0">
+                <a:solidFill>
+                  <a:srgbClr val="34495E"/>
+                </a:solidFill>
+                <a:latin typeface="Source Sans Pro"/>
+              </a:rPr>
+              <a:t>指令是带有前缀</a:t>
+            </a:r>
+            <a:r>
+              <a:rPr lang="en-US" altLang="zh-CN" dirty="0" smtClean="0">
+                <a:solidFill>
+                  <a:srgbClr val="34495E"/>
+                </a:solidFill>
+                <a:latin typeface="Source Sans Pro"/>
+              </a:rPr>
+              <a:t>v-</a:t>
+            </a:r>
+            <a:r>
+              <a:rPr lang="zh-CN" altLang="en-US" dirty="0" smtClean="0">
+                <a:solidFill>
+                  <a:srgbClr val="34495E"/>
+                </a:solidFill>
+                <a:latin typeface="Source Sans Pro"/>
+              </a:rPr>
+              <a:t>的特殊特性，其</a:t>
+            </a:r>
+            <a:r>
+              <a:rPr lang="zh-CN" altLang="en-US" dirty="0">
+                <a:solidFill>
+                  <a:srgbClr val="34495E"/>
+                </a:solidFill>
+                <a:latin typeface="Source Sans Pro"/>
+              </a:rPr>
+              <a:t>值限定为绑定表达式</a:t>
+            </a:r>
+            <a:r>
+              <a:rPr lang="zh-CN" altLang="en-US" dirty="0" smtClean="0">
+                <a:solidFill>
+                  <a:srgbClr val="34495E"/>
+                </a:solidFill>
+                <a:latin typeface="Source Sans Pro"/>
+              </a:rPr>
+              <a:t>，作用</a:t>
+            </a:r>
+            <a:r>
+              <a:rPr lang="zh-CN" altLang="en-US" dirty="0">
+                <a:solidFill>
+                  <a:srgbClr val="34495E"/>
+                </a:solidFill>
+                <a:latin typeface="Source Sans Pro"/>
+              </a:rPr>
+              <a:t>是当表达式的值发生变化</a:t>
+            </a:r>
+            <a:r>
+              <a:rPr lang="zh-CN" altLang="en-US" dirty="0" smtClean="0">
+                <a:solidFill>
+                  <a:srgbClr val="34495E"/>
+                </a:solidFill>
+                <a:latin typeface="Source Sans Pro"/>
+              </a:rPr>
+              <a:t>时将</a:t>
+            </a:r>
+            <a:r>
+              <a:rPr lang="zh-CN" altLang="en-US" dirty="0">
+                <a:solidFill>
+                  <a:srgbClr val="34495E"/>
+                </a:solidFill>
+                <a:latin typeface="Source Sans Pro"/>
+              </a:rPr>
+              <a:t>这个变化也反映到</a:t>
+            </a:r>
+            <a:r>
+              <a:rPr lang="en-US" altLang="zh-CN" dirty="0">
                 <a:solidFill>
                   <a:srgbClr val="34495E"/>
                 </a:solidFill>
@@ -4112,79 +5650,7 @@
                 </a:solidFill>
                 <a:latin typeface="Source Sans Pro"/>
               </a:rPr>
-              <a:t>中移除或生成一个元素。</a:t>
-            </a:r>
-            <a:r>
-              <a:rPr lang="en-US" altLang="zh-CN" dirty="0" smtClean="0">
-                <a:solidFill>
-                  <a:srgbClr val="34495E"/>
-                </a:solidFill>
-                <a:latin typeface="Source Sans Pro"/>
-              </a:rPr>
-              <a:t>V-if</a:t>
-            </a:r>
-            <a:r>
-              <a:rPr lang="zh-CN" altLang="en-US" dirty="0" smtClean="0">
-                <a:solidFill>
-                  <a:srgbClr val="34495E"/>
-                </a:solidFill>
-                <a:latin typeface="Source Sans Pro"/>
-              </a:rPr>
-              <a:t>表达式的值为</a:t>
-            </a:r>
-            <a:r>
-              <a:rPr lang="en-US" altLang="zh-CN" dirty="0" smtClean="0">
-                <a:solidFill>
-                  <a:srgbClr val="34495E"/>
-                </a:solidFill>
-                <a:latin typeface="Source Sans Pro"/>
-              </a:rPr>
-              <a:t>false</a:t>
-            </a:r>
-            <a:r>
-              <a:rPr lang="zh-CN" altLang="en-US" dirty="0" smtClean="0">
-                <a:solidFill>
-                  <a:srgbClr val="34495E"/>
-                </a:solidFill>
-                <a:latin typeface="Source Sans Pro"/>
-              </a:rPr>
-              <a:t>，则元素被移除，如果表达式值为</a:t>
-            </a:r>
-            <a:r>
-              <a:rPr lang="en-US" altLang="zh-CN" dirty="0" smtClean="0">
-                <a:solidFill>
-                  <a:srgbClr val="34495E"/>
-                </a:solidFill>
-                <a:latin typeface="Source Sans Pro"/>
-              </a:rPr>
-              <a:t>true</a:t>
-            </a:r>
-            <a:r>
-              <a:rPr lang="zh-CN" altLang="en-US" dirty="0" smtClean="0">
-                <a:solidFill>
-                  <a:srgbClr val="34495E"/>
-                </a:solidFill>
-                <a:latin typeface="Source Sans Pro"/>
-              </a:rPr>
-              <a:t>，则对应元素的一个克隆将被插入到</a:t>
-            </a:r>
-            <a:r>
-              <a:rPr lang="en-US" altLang="zh-CN" dirty="0" smtClean="0">
-                <a:solidFill>
-                  <a:srgbClr val="34495E"/>
-                </a:solidFill>
-                <a:latin typeface="Source Sans Pro"/>
-              </a:rPr>
-              <a:t>DOM</a:t>
-            </a:r>
-            <a:r>
-              <a:rPr lang="zh-CN" altLang="en-US" dirty="0" smtClean="0">
-                <a:solidFill>
-                  <a:srgbClr val="34495E"/>
-                </a:solidFill>
-                <a:latin typeface="Source Sans Pro"/>
-              </a:rPr>
-              <a:t>中</a:t>
+              <a:t>上</a:t>
             </a:r>
             <a:endParaRPr lang="zh-CN" altLang="en-US" dirty="0"/>
           </a:p>
@@ -4193,7 +5659,7 @@
     </p:spTree>
     <p:extLst>
       <p:ext uri="{BB962C8B-B14F-4D97-AF65-F5344CB8AC3E}">
-        <p14:creationId xmlns:p14="http://schemas.microsoft.com/office/powerpoint/2010/main" val="3226831099"/>
+        <p14:creationId xmlns:p14="http://schemas.microsoft.com/office/powerpoint/2010/main" val="1857953246"/>
       </p:ext>
     </p:extLst>
   </p:cSld>
@@ -4242,31 +5708,807 @@
           <a:lstStyle/>
           <a:p>
             <a:r>
-              <a:rPr lang="zh-CN" altLang="en-US" dirty="0" smtClean="0">
-                <a:solidFill>
-                  <a:srgbClr val="34495E"/>
-                </a:solidFill>
-                <a:latin typeface="Source Sans Pro"/>
-              </a:rPr>
-              <a:t>计算</a:t>
-            </a:r>
-            <a:r>
               <a:rPr lang="zh-CN" altLang="en-US" dirty="0">
                 <a:solidFill>
                   <a:srgbClr val="34495E"/>
                 </a:solidFill>
                 <a:latin typeface="Source Sans Pro"/>
               </a:rPr>
-              <a:t>属性</a:t>
+              <a:t>内部指令</a:t>
             </a:r>
             <a:endParaRPr lang="zh-CN" altLang="en-US" dirty="0"/>
           </a:p>
         </p:txBody>
       </p:sp>
+      <p:sp>
+        <p:nvSpPr>
+          <p:cNvPr id="4" name="矩形 3"/>
+          <p:cNvSpPr/>
+          <p:nvPr/>
+        </p:nvSpPr>
+        <p:spPr>
+          <a:xfrm>
+            <a:off x="250209" y="622785"/>
+            <a:ext cx="6096000" cy="369332"/>
+          </a:xfrm>
+          <a:prstGeom prst="rect">
+            <a:avLst/>
+          </a:prstGeom>
+        </p:spPr>
+        <p:txBody>
+          <a:bodyPr>
+            <a:spAutoFit/>
+          </a:bodyPr>
+          <a:lstStyle/>
+          <a:p>
+            <a:r>
+              <a:rPr lang="en-US" altLang="zh-CN" dirty="0" smtClean="0">
+                <a:solidFill>
+                  <a:srgbClr val="34495E"/>
+                </a:solidFill>
+                <a:latin typeface="Source Sans Pro"/>
+              </a:rPr>
+              <a:t>1</a:t>
+            </a:r>
+            <a:r>
+              <a:rPr lang="zh-CN" altLang="en-US" dirty="0" smtClean="0">
+                <a:solidFill>
+                  <a:srgbClr val="34495E"/>
+                </a:solidFill>
+                <a:latin typeface="Source Sans Pro"/>
+              </a:rPr>
+              <a:t>、</a:t>
+            </a:r>
+            <a:r>
+              <a:rPr lang="en-US" altLang="zh-CN" dirty="0" smtClean="0">
+                <a:solidFill>
+                  <a:srgbClr val="34495E"/>
+                </a:solidFill>
+                <a:latin typeface="Source Sans Pro"/>
+              </a:rPr>
+              <a:t>v-if/v-else/v-show</a:t>
+            </a:r>
+            <a:endParaRPr lang="zh-CN" altLang="en-US" dirty="0"/>
+          </a:p>
+        </p:txBody>
+      </p:sp>
+      <p:sp>
+        <p:nvSpPr>
+          <p:cNvPr id="5" name="矩形 4"/>
+          <p:cNvSpPr/>
+          <p:nvPr/>
+        </p:nvSpPr>
+        <p:spPr>
+          <a:xfrm>
+            <a:off x="250209" y="992117"/>
+            <a:ext cx="11800764" cy="646331"/>
+          </a:xfrm>
+          <a:prstGeom prst="rect">
+            <a:avLst/>
+          </a:prstGeom>
+        </p:spPr>
+        <p:txBody>
+          <a:bodyPr wrap="square">
+            <a:spAutoFit/>
+          </a:bodyPr>
+          <a:lstStyle/>
+          <a:p>
+            <a:r>
+              <a:rPr lang="zh-CN" altLang="en-US" dirty="0" smtClean="0">
+                <a:solidFill>
+                  <a:srgbClr val="34495E"/>
+                </a:solidFill>
+                <a:latin typeface="Source Sans Pro"/>
+              </a:rPr>
+              <a:t>根据表达式的值在</a:t>
+            </a:r>
+            <a:r>
+              <a:rPr lang="en-US" altLang="zh-CN" dirty="0" smtClean="0">
+                <a:solidFill>
+                  <a:srgbClr val="34495E"/>
+                </a:solidFill>
+                <a:latin typeface="Source Sans Pro"/>
+              </a:rPr>
+              <a:t>DOM</a:t>
+            </a:r>
+            <a:r>
+              <a:rPr lang="zh-CN" altLang="en-US" dirty="0" smtClean="0">
+                <a:solidFill>
+                  <a:srgbClr val="34495E"/>
+                </a:solidFill>
+                <a:latin typeface="Source Sans Pro"/>
+              </a:rPr>
+              <a:t>中移除或生成一个元素</a:t>
+            </a:r>
+            <a:r>
+              <a:rPr lang="zh-CN" altLang="en-US" dirty="0" smtClean="0">
+                <a:solidFill>
+                  <a:srgbClr val="34495E"/>
+                </a:solidFill>
+                <a:latin typeface="Source Sans Pro"/>
+              </a:rPr>
+              <a:t>。</a:t>
+            </a:r>
+            <a:r>
+              <a:rPr lang="en-US" altLang="zh-CN" dirty="0" smtClean="0">
+                <a:solidFill>
+                  <a:srgbClr val="34495E"/>
+                </a:solidFill>
+                <a:latin typeface="Source Sans Pro"/>
+              </a:rPr>
+              <a:t>v</a:t>
+            </a:r>
+            <a:r>
+              <a:rPr lang="en-US" altLang="zh-CN" dirty="0" smtClean="0">
+                <a:solidFill>
+                  <a:srgbClr val="34495E"/>
+                </a:solidFill>
+                <a:latin typeface="Source Sans Pro"/>
+              </a:rPr>
+              <a:t>-if/v-else</a:t>
+            </a:r>
+            <a:r>
+              <a:rPr lang="zh-CN" altLang="en-US" dirty="0" smtClean="0">
+                <a:solidFill>
+                  <a:srgbClr val="34495E"/>
+                </a:solidFill>
+                <a:latin typeface="Source Sans Pro"/>
+              </a:rPr>
+              <a:t>表达式</a:t>
+            </a:r>
+            <a:r>
+              <a:rPr lang="zh-CN" altLang="en-US" dirty="0" smtClean="0">
+                <a:solidFill>
+                  <a:srgbClr val="34495E"/>
+                </a:solidFill>
+                <a:latin typeface="Source Sans Pro"/>
+              </a:rPr>
+              <a:t>的值为</a:t>
+            </a:r>
+            <a:r>
+              <a:rPr lang="en-US" altLang="zh-CN" dirty="0" smtClean="0">
+                <a:solidFill>
+                  <a:srgbClr val="34495E"/>
+                </a:solidFill>
+                <a:latin typeface="Source Sans Pro"/>
+              </a:rPr>
+              <a:t>false</a:t>
+            </a:r>
+            <a:r>
+              <a:rPr lang="zh-CN" altLang="en-US" dirty="0" smtClean="0">
+                <a:solidFill>
+                  <a:srgbClr val="34495E"/>
+                </a:solidFill>
+                <a:latin typeface="Source Sans Pro"/>
+              </a:rPr>
+              <a:t>，则元素被移除，如果表达式值为</a:t>
+            </a:r>
+            <a:r>
+              <a:rPr lang="en-US" altLang="zh-CN" dirty="0" smtClean="0">
+                <a:solidFill>
+                  <a:srgbClr val="34495E"/>
+                </a:solidFill>
+                <a:latin typeface="Source Sans Pro"/>
+              </a:rPr>
+              <a:t>true</a:t>
+            </a:r>
+            <a:r>
+              <a:rPr lang="zh-CN" altLang="en-US" dirty="0" smtClean="0">
+                <a:solidFill>
+                  <a:srgbClr val="34495E"/>
+                </a:solidFill>
+                <a:latin typeface="Source Sans Pro"/>
+              </a:rPr>
+              <a:t>，则对应元素的一个克隆将被插入到</a:t>
+            </a:r>
+            <a:r>
+              <a:rPr lang="en-US" altLang="zh-CN" dirty="0" smtClean="0">
+                <a:solidFill>
+                  <a:srgbClr val="34495E"/>
+                </a:solidFill>
+                <a:latin typeface="Source Sans Pro"/>
+              </a:rPr>
+              <a:t>DOM</a:t>
+            </a:r>
+            <a:r>
+              <a:rPr lang="zh-CN" altLang="en-US" dirty="0" smtClean="0">
+                <a:solidFill>
+                  <a:srgbClr val="34495E"/>
+                </a:solidFill>
+                <a:latin typeface="Source Sans Pro"/>
+              </a:rPr>
+              <a:t>中</a:t>
+            </a:r>
+            <a:endParaRPr lang="zh-CN" altLang="en-US" dirty="0"/>
+          </a:p>
+        </p:txBody>
+      </p:sp>
+      <p:sp>
+        <p:nvSpPr>
+          <p:cNvPr id="7" name="矩形 6"/>
+          <p:cNvSpPr/>
+          <p:nvPr/>
+        </p:nvSpPr>
+        <p:spPr>
+          <a:xfrm>
+            <a:off x="250209" y="1638448"/>
+            <a:ext cx="11800764" cy="646331"/>
+          </a:xfrm>
+          <a:prstGeom prst="rect">
+            <a:avLst/>
+          </a:prstGeom>
+        </p:spPr>
+        <p:txBody>
+          <a:bodyPr wrap="square">
+            <a:spAutoFit/>
+          </a:bodyPr>
+          <a:lstStyle/>
+          <a:p>
+            <a:r>
+              <a:rPr lang="zh-CN" altLang="en-US" dirty="0" smtClean="0">
+                <a:solidFill>
+                  <a:srgbClr val="34495E"/>
+                </a:solidFill>
+                <a:latin typeface="Source Sans Pro"/>
+              </a:rPr>
+              <a:t>根据表达式的</a:t>
+            </a:r>
+            <a:r>
+              <a:rPr lang="zh-CN" altLang="en-US" dirty="0" smtClean="0">
+                <a:solidFill>
+                  <a:srgbClr val="34495E"/>
+                </a:solidFill>
+                <a:latin typeface="Source Sans Pro"/>
+              </a:rPr>
+              <a:t>值显示或隐藏一</a:t>
+            </a:r>
+            <a:r>
+              <a:rPr lang="zh-CN" altLang="en-US" dirty="0" smtClean="0">
+                <a:solidFill>
+                  <a:srgbClr val="34495E"/>
+                </a:solidFill>
+                <a:latin typeface="Source Sans Pro"/>
+              </a:rPr>
+              <a:t>个元素</a:t>
+            </a:r>
+            <a:r>
+              <a:rPr lang="zh-CN" altLang="en-US" dirty="0" smtClean="0">
+                <a:solidFill>
+                  <a:srgbClr val="34495E"/>
+                </a:solidFill>
+                <a:latin typeface="Source Sans Pro"/>
+              </a:rPr>
+              <a:t>。</a:t>
+            </a:r>
+            <a:r>
+              <a:rPr lang="en-US" altLang="zh-CN" dirty="0" smtClean="0">
+                <a:solidFill>
+                  <a:srgbClr val="34495E"/>
+                </a:solidFill>
+                <a:latin typeface="Source Sans Pro"/>
+              </a:rPr>
+              <a:t>v</a:t>
+            </a:r>
+            <a:r>
+              <a:rPr lang="en-US" altLang="zh-CN" dirty="0" smtClean="0">
+                <a:solidFill>
+                  <a:srgbClr val="34495E"/>
+                </a:solidFill>
+                <a:latin typeface="Source Sans Pro"/>
+              </a:rPr>
+              <a:t>-show</a:t>
+            </a:r>
+            <a:r>
+              <a:rPr lang="zh-CN" altLang="en-US" dirty="0" smtClean="0">
+                <a:solidFill>
+                  <a:srgbClr val="34495E"/>
+                </a:solidFill>
+                <a:latin typeface="Source Sans Pro"/>
+              </a:rPr>
+              <a:t>表达式</a:t>
+            </a:r>
+            <a:r>
+              <a:rPr lang="zh-CN" altLang="en-US" dirty="0" smtClean="0">
+                <a:solidFill>
+                  <a:srgbClr val="34495E"/>
+                </a:solidFill>
+                <a:latin typeface="Source Sans Pro"/>
+              </a:rPr>
+              <a:t>的值为</a:t>
+            </a:r>
+            <a:r>
+              <a:rPr lang="en-US" altLang="zh-CN" dirty="0" smtClean="0">
+                <a:solidFill>
+                  <a:srgbClr val="34495E"/>
+                </a:solidFill>
+                <a:latin typeface="Source Sans Pro"/>
+              </a:rPr>
+              <a:t>false</a:t>
+            </a:r>
+            <a:r>
+              <a:rPr lang="zh-CN" altLang="en-US" dirty="0" smtClean="0">
+                <a:solidFill>
+                  <a:srgbClr val="34495E"/>
+                </a:solidFill>
+                <a:latin typeface="Source Sans Pro"/>
+              </a:rPr>
+              <a:t>，则元素</a:t>
+            </a:r>
+            <a:r>
+              <a:rPr lang="zh-CN" altLang="en-US" dirty="0" smtClean="0">
+                <a:solidFill>
+                  <a:srgbClr val="34495E"/>
+                </a:solidFill>
+                <a:latin typeface="Source Sans Pro"/>
+              </a:rPr>
+              <a:t>被隐藏，</a:t>
+            </a:r>
+            <a:r>
+              <a:rPr lang="en-US" altLang="zh-CN" dirty="0" smtClean="0">
+                <a:solidFill>
+                  <a:srgbClr val="34495E"/>
+                </a:solidFill>
+                <a:latin typeface="Source Sans Pro"/>
+              </a:rPr>
+              <a:t>F12</a:t>
+            </a:r>
+            <a:r>
+              <a:rPr lang="zh-CN" altLang="en-US" dirty="0" smtClean="0">
+                <a:solidFill>
+                  <a:srgbClr val="34495E"/>
+                </a:solidFill>
+                <a:latin typeface="Source Sans Pro"/>
+              </a:rPr>
+              <a:t>查看时会发现该元素上多了</a:t>
+            </a:r>
+            <a:r>
+              <a:rPr lang="en-US" altLang="zh-CN" dirty="0" smtClean="0">
+                <a:solidFill>
+                  <a:srgbClr val="34495E"/>
+                </a:solidFill>
+                <a:latin typeface="Source Sans Pro"/>
+              </a:rPr>
+              <a:t>style=“</a:t>
+            </a:r>
+            <a:r>
+              <a:rPr lang="en-US" altLang="zh-CN" dirty="0" err="1" smtClean="0">
+                <a:solidFill>
+                  <a:srgbClr val="34495E"/>
+                </a:solidFill>
+                <a:latin typeface="Source Sans Pro"/>
+              </a:rPr>
+              <a:t>display:none</a:t>
+            </a:r>
+            <a:r>
+              <a:rPr lang="en-US" altLang="zh-CN" dirty="0" smtClean="0">
+                <a:solidFill>
+                  <a:srgbClr val="34495E"/>
+                </a:solidFill>
+                <a:latin typeface="Source Sans Pro"/>
+              </a:rPr>
+              <a:t>”</a:t>
+            </a:r>
+            <a:r>
+              <a:rPr lang="zh-CN" altLang="en-US" dirty="0" smtClean="0">
+                <a:solidFill>
+                  <a:srgbClr val="34495E"/>
+                </a:solidFill>
+                <a:latin typeface="Source Sans Pro"/>
+              </a:rPr>
+              <a:t>，</a:t>
+            </a:r>
+            <a:r>
+              <a:rPr lang="zh-CN" altLang="en-US" dirty="0" smtClean="0">
+                <a:solidFill>
+                  <a:srgbClr val="34495E"/>
+                </a:solidFill>
+                <a:latin typeface="Source Sans Pro"/>
+              </a:rPr>
+              <a:t>如果表达式值为</a:t>
+            </a:r>
+            <a:r>
+              <a:rPr lang="en-US" altLang="zh-CN" dirty="0" smtClean="0">
+                <a:solidFill>
+                  <a:srgbClr val="34495E"/>
+                </a:solidFill>
+                <a:latin typeface="Source Sans Pro"/>
+              </a:rPr>
+              <a:t>true</a:t>
+            </a:r>
+            <a:r>
+              <a:rPr lang="zh-CN" altLang="en-US" dirty="0" smtClean="0">
+                <a:solidFill>
+                  <a:srgbClr val="34495E"/>
+                </a:solidFill>
+                <a:latin typeface="Source Sans Pro"/>
+              </a:rPr>
+              <a:t>，则对应</a:t>
+            </a:r>
+            <a:r>
+              <a:rPr lang="zh-CN" altLang="en-US" dirty="0" smtClean="0">
+                <a:solidFill>
+                  <a:srgbClr val="34495E"/>
+                </a:solidFill>
+                <a:latin typeface="Source Sans Pro"/>
+              </a:rPr>
+              <a:t>元素被现实。</a:t>
+            </a:r>
+            <a:endParaRPr lang="zh-CN" altLang="en-US" dirty="0"/>
+          </a:p>
+        </p:txBody>
+      </p:sp>
+      <p:pic>
+        <p:nvPicPr>
+          <p:cNvPr id="2" name="图片 1"/>
+          <p:cNvPicPr>
+            <a:picLocks noChangeAspect="1"/>
+          </p:cNvPicPr>
+          <p:nvPr/>
+        </p:nvPicPr>
+        <p:blipFill>
+          <a:blip r:embed="rId2"/>
+          <a:stretch>
+            <a:fillRect/>
+          </a:stretch>
+        </p:blipFill>
+        <p:spPr>
+          <a:xfrm>
+            <a:off x="386497" y="2469204"/>
+            <a:ext cx="3830661" cy="1331807"/>
+          </a:xfrm>
+          <a:prstGeom prst="rect">
+            <a:avLst/>
+          </a:prstGeom>
+        </p:spPr>
+      </p:pic>
+      <p:pic>
+        <p:nvPicPr>
+          <p:cNvPr id="8" name="图片 7"/>
+          <p:cNvPicPr>
+            <a:picLocks noChangeAspect="1"/>
+          </p:cNvPicPr>
+          <p:nvPr/>
+        </p:nvPicPr>
+        <p:blipFill>
+          <a:blip r:embed="rId3"/>
+          <a:stretch>
+            <a:fillRect/>
+          </a:stretch>
+        </p:blipFill>
+        <p:spPr>
+          <a:xfrm>
+            <a:off x="5130813" y="2469203"/>
+            <a:ext cx="4747499" cy="1331807"/>
+          </a:xfrm>
+          <a:prstGeom prst="rect">
+            <a:avLst/>
+          </a:prstGeom>
+        </p:spPr>
+      </p:pic>
+      <p:sp>
+        <p:nvSpPr>
+          <p:cNvPr id="9" name="矩形 8"/>
+          <p:cNvSpPr/>
+          <p:nvPr/>
+        </p:nvSpPr>
+        <p:spPr>
+          <a:xfrm>
+            <a:off x="250209" y="4105239"/>
+            <a:ext cx="6096000" cy="369332"/>
+          </a:xfrm>
+          <a:prstGeom prst="rect">
+            <a:avLst/>
+          </a:prstGeom>
+        </p:spPr>
+        <p:txBody>
+          <a:bodyPr>
+            <a:spAutoFit/>
+          </a:bodyPr>
+          <a:lstStyle/>
+          <a:p>
+            <a:r>
+              <a:rPr lang="en-US" altLang="zh-CN" dirty="0" smtClean="0">
+                <a:solidFill>
+                  <a:srgbClr val="34495E"/>
+                </a:solidFill>
+                <a:latin typeface="Source Sans Pro"/>
+              </a:rPr>
+              <a:t>2</a:t>
+            </a:r>
+            <a:r>
+              <a:rPr lang="zh-CN" altLang="en-US" dirty="0" smtClean="0">
+                <a:solidFill>
+                  <a:srgbClr val="34495E"/>
+                </a:solidFill>
+                <a:latin typeface="Source Sans Pro"/>
+              </a:rPr>
+              <a:t>、</a:t>
+            </a:r>
+            <a:r>
+              <a:rPr lang="en-US" altLang="zh-CN" dirty="0">
+                <a:solidFill>
+                  <a:srgbClr val="34495E"/>
+                </a:solidFill>
+                <a:latin typeface="Source Sans Pro"/>
+              </a:rPr>
+              <a:t>v-model</a:t>
+            </a:r>
+            <a:endParaRPr lang="zh-CN" altLang="en-US" dirty="0"/>
+          </a:p>
+        </p:txBody>
+      </p:sp>
+      <p:sp>
+        <p:nvSpPr>
+          <p:cNvPr id="10" name="矩形 9"/>
+          <p:cNvSpPr/>
+          <p:nvPr/>
+        </p:nvSpPr>
+        <p:spPr>
+          <a:xfrm>
+            <a:off x="250209" y="4509586"/>
+            <a:ext cx="11800764" cy="338554"/>
+          </a:xfrm>
+          <a:prstGeom prst="rect">
+            <a:avLst/>
+          </a:prstGeom>
+        </p:spPr>
+        <p:txBody>
+          <a:bodyPr wrap="square">
+            <a:spAutoFit/>
+          </a:bodyPr>
+          <a:lstStyle/>
+          <a:p>
+            <a:r>
+              <a:rPr lang="zh-CN" altLang="en-US" sz="1600" dirty="0" smtClean="0">
+                <a:solidFill>
+                  <a:srgbClr val="34495E"/>
+                </a:solidFill>
+                <a:latin typeface="Source Sans Pro"/>
+              </a:rPr>
+              <a:t>用于在</a:t>
+            </a:r>
+            <a:r>
+              <a:rPr lang="en-US" altLang="zh-CN" sz="1600" dirty="0" smtClean="0">
+                <a:solidFill>
+                  <a:srgbClr val="34495E"/>
+                </a:solidFill>
+                <a:latin typeface="Source Sans Pro"/>
+              </a:rPr>
+              <a:t>input</a:t>
+            </a:r>
+            <a:r>
+              <a:rPr lang="zh-CN" altLang="en-US" sz="1600" dirty="0" smtClean="0">
+                <a:solidFill>
+                  <a:srgbClr val="34495E"/>
+                </a:solidFill>
+                <a:latin typeface="Source Sans Pro"/>
+              </a:rPr>
+              <a:t>、</a:t>
+            </a:r>
+            <a:r>
+              <a:rPr lang="en-US" altLang="zh-CN" sz="1600" dirty="0" smtClean="0">
+                <a:solidFill>
+                  <a:srgbClr val="34495E"/>
+                </a:solidFill>
+                <a:latin typeface="Source Sans Pro"/>
+              </a:rPr>
+              <a:t>select</a:t>
+            </a:r>
+            <a:r>
+              <a:rPr lang="zh-CN" altLang="en-US" sz="1600" dirty="0" smtClean="0">
+                <a:solidFill>
+                  <a:srgbClr val="34495E"/>
+                </a:solidFill>
+                <a:latin typeface="Source Sans Pro"/>
+              </a:rPr>
+              <a:t>、</a:t>
+            </a:r>
+            <a:r>
+              <a:rPr lang="en-US" altLang="zh-CN" sz="1600" dirty="0" smtClean="0">
+                <a:solidFill>
+                  <a:srgbClr val="34495E"/>
+                </a:solidFill>
+                <a:latin typeface="Source Sans Pro"/>
+              </a:rPr>
+              <a:t>text</a:t>
+            </a:r>
+            <a:r>
+              <a:rPr lang="zh-CN" altLang="en-US" sz="1600" dirty="0" smtClean="0">
+                <a:solidFill>
+                  <a:srgbClr val="34495E"/>
+                </a:solidFill>
+                <a:latin typeface="Source Sans Pro"/>
+              </a:rPr>
+              <a:t>、</a:t>
+            </a:r>
+            <a:r>
+              <a:rPr lang="en-US" altLang="zh-CN" sz="1600" dirty="0" smtClean="0">
+                <a:solidFill>
+                  <a:srgbClr val="34495E"/>
+                </a:solidFill>
+                <a:latin typeface="Source Sans Pro"/>
+              </a:rPr>
+              <a:t>checkbox</a:t>
+            </a:r>
+            <a:r>
+              <a:rPr lang="zh-CN" altLang="en-US" sz="1600" dirty="0" smtClean="0">
+                <a:solidFill>
+                  <a:srgbClr val="34495E"/>
+                </a:solidFill>
+                <a:latin typeface="Source Sans Pro"/>
+              </a:rPr>
+              <a:t>、</a:t>
+            </a:r>
+            <a:r>
+              <a:rPr lang="en-US" altLang="zh-CN" sz="1600" dirty="0" smtClean="0">
+                <a:solidFill>
+                  <a:srgbClr val="34495E"/>
+                </a:solidFill>
+                <a:latin typeface="Source Sans Pro"/>
+              </a:rPr>
+              <a:t>radio</a:t>
+            </a:r>
+            <a:r>
+              <a:rPr lang="zh-CN" altLang="en-US" sz="1600" dirty="0" smtClean="0">
+                <a:solidFill>
+                  <a:srgbClr val="34495E"/>
+                </a:solidFill>
+                <a:latin typeface="Source Sans Pro"/>
+              </a:rPr>
+              <a:t>等表单控件元素上创建双向数据绑定。</a:t>
+            </a:r>
+            <a:endParaRPr lang="zh-CN" altLang="en-US" sz="1600" dirty="0"/>
+          </a:p>
+        </p:txBody>
+      </p:sp>
+      <p:sp>
+        <p:nvSpPr>
+          <p:cNvPr id="11" name="矩形 10"/>
+          <p:cNvSpPr/>
+          <p:nvPr/>
+        </p:nvSpPr>
+        <p:spPr>
+          <a:xfrm>
+            <a:off x="250209" y="5000054"/>
+            <a:ext cx="11800764" cy="584775"/>
+          </a:xfrm>
+          <a:prstGeom prst="rect">
+            <a:avLst/>
+          </a:prstGeom>
+        </p:spPr>
+        <p:txBody>
+          <a:bodyPr wrap="square">
+            <a:spAutoFit/>
+          </a:bodyPr>
+          <a:lstStyle/>
+          <a:p>
+            <a:r>
+              <a:rPr lang="zh-CN" altLang="en-US" sz="1600" dirty="0" smtClean="0">
+                <a:solidFill>
+                  <a:srgbClr val="0000FF"/>
+                </a:solidFill>
+                <a:latin typeface="Source Sans Pro"/>
+              </a:rPr>
+              <a:t>双向数据绑定</a:t>
+            </a:r>
+            <a:r>
+              <a:rPr lang="zh-CN" altLang="en-US" sz="1600" dirty="0" smtClean="0">
+                <a:solidFill>
+                  <a:srgbClr val="34495E"/>
+                </a:solidFill>
+                <a:latin typeface="Source Sans Pro"/>
+              </a:rPr>
+              <a:t>：</a:t>
+            </a:r>
+            <a:endParaRPr lang="en-US" altLang="zh-CN" sz="1600" dirty="0" smtClean="0">
+              <a:solidFill>
+                <a:srgbClr val="34495E"/>
+              </a:solidFill>
+              <a:latin typeface="Source Sans Pro"/>
+            </a:endParaRPr>
+          </a:p>
+          <a:p>
+            <a:r>
+              <a:rPr lang="en-US" altLang="zh-CN" sz="1600" dirty="0" err="1" smtClean="0">
+                <a:solidFill>
+                  <a:srgbClr val="34495E"/>
+                </a:solidFill>
+                <a:latin typeface="Source Sans Pro"/>
+              </a:rPr>
+              <a:t>js</a:t>
+            </a:r>
+            <a:r>
+              <a:rPr lang="zh-CN" altLang="en-US" sz="1600" dirty="0">
+                <a:solidFill>
+                  <a:srgbClr val="34495E"/>
+                </a:solidFill>
+                <a:latin typeface="Source Sans Pro"/>
+              </a:rPr>
+              <a:t>的</a:t>
+            </a:r>
+            <a:r>
+              <a:rPr lang="zh-CN" altLang="en-US" sz="1600" dirty="0" smtClean="0">
+                <a:solidFill>
+                  <a:srgbClr val="34495E"/>
+                </a:solidFill>
+                <a:latin typeface="Source Sans Pro"/>
+              </a:rPr>
+              <a:t>对象发生变化时，自动显示到页面；页面中的内容发生变化时，自动同步到</a:t>
+            </a:r>
+            <a:r>
+              <a:rPr lang="en-US" altLang="zh-CN" sz="1600" dirty="0" err="1" smtClean="0">
+                <a:solidFill>
+                  <a:srgbClr val="34495E"/>
+                </a:solidFill>
+                <a:latin typeface="Source Sans Pro"/>
+              </a:rPr>
+              <a:t>js</a:t>
+            </a:r>
+            <a:r>
+              <a:rPr lang="zh-CN" altLang="en-US" sz="1600" dirty="0" smtClean="0">
+                <a:solidFill>
+                  <a:srgbClr val="34495E"/>
+                </a:solidFill>
+                <a:latin typeface="Source Sans Pro"/>
+              </a:rPr>
+              <a:t>对象。</a:t>
+            </a:r>
+            <a:endParaRPr lang="zh-CN" altLang="en-US" sz="1600" dirty="0"/>
+          </a:p>
+        </p:txBody>
+      </p:sp>
+      <p:pic>
+        <p:nvPicPr>
+          <p:cNvPr id="13" name="图片 12"/>
+          <p:cNvPicPr>
+            <a:picLocks noChangeAspect="1"/>
+          </p:cNvPicPr>
+          <p:nvPr/>
+        </p:nvPicPr>
+        <p:blipFill>
+          <a:blip r:embed="rId4"/>
+          <a:stretch>
+            <a:fillRect/>
+          </a:stretch>
+        </p:blipFill>
+        <p:spPr>
+          <a:xfrm>
+            <a:off x="250209" y="5736743"/>
+            <a:ext cx="8242100" cy="762880"/>
+          </a:xfrm>
+          <a:prstGeom prst="rect">
+            <a:avLst/>
+          </a:prstGeom>
+        </p:spPr>
+      </p:pic>
+      <p:pic>
+        <p:nvPicPr>
+          <p:cNvPr id="15" name="图片 14"/>
+          <p:cNvPicPr>
+            <a:picLocks noChangeAspect="1"/>
+          </p:cNvPicPr>
+          <p:nvPr/>
+        </p:nvPicPr>
+        <p:blipFill>
+          <a:blip r:embed="rId5"/>
+          <a:stretch>
+            <a:fillRect/>
+          </a:stretch>
+        </p:blipFill>
+        <p:spPr>
+          <a:xfrm>
+            <a:off x="8725370" y="4209578"/>
+            <a:ext cx="3066296" cy="2637332"/>
+          </a:xfrm>
+          <a:prstGeom prst="rect">
+            <a:avLst/>
+          </a:prstGeom>
+        </p:spPr>
+      </p:pic>
     </p:spTree>
     <p:extLst>
       <p:ext uri="{BB962C8B-B14F-4D97-AF65-F5344CB8AC3E}">
-        <p14:creationId xmlns:p14="http://schemas.microsoft.com/office/powerpoint/2010/main" val="574281491"/>
+        <p14:creationId xmlns:p14="http://schemas.microsoft.com/office/powerpoint/2010/main" val="3226831099"/>
       </p:ext>
     </p:extLst>
   </p:cSld>
@@ -4295,7 +6537,7 @@
       </p:grpSpPr>
       <p:sp>
         <p:nvSpPr>
-          <p:cNvPr id="3" name="矩形 2"/>
+          <p:cNvPr id="4" name="矩形 3"/>
           <p:cNvSpPr/>
           <p:nvPr/>
         </p:nvSpPr>
@@ -4321,25 +6563,222 @@
                 </a:solidFill>
                 <a:latin typeface="Source Sans Pro"/>
               </a:rPr>
-              <a:t>表单</a:t>
-            </a:r>
-            <a:r>
-              <a:rPr lang="zh-CN" altLang="en-US" dirty="0" smtClean="0">
-                <a:solidFill>
-                  <a:srgbClr val="34495E"/>
-                </a:solidFill>
-                <a:latin typeface="Source Sans Pro"/>
-              </a:rPr>
-              <a:t>控件绑定</a:t>
+              <a:t>内部指令</a:t>
             </a:r>
             <a:endParaRPr lang="zh-CN" altLang="en-US" dirty="0"/>
           </a:p>
         </p:txBody>
       </p:sp>
+      <p:sp>
+        <p:nvSpPr>
+          <p:cNvPr id="5" name="矩形 4"/>
+          <p:cNvSpPr/>
+          <p:nvPr/>
+        </p:nvSpPr>
+        <p:spPr>
+          <a:xfrm>
+            <a:off x="250209" y="622785"/>
+            <a:ext cx="6096000" cy="369332"/>
+          </a:xfrm>
+          <a:prstGeom prst="rect">
+            <a:avLst/>
+          </a:prstGeom>
+        </p:spPr>
+        <p:txBody>
+          <a:bodyPr>
+            <a:spAutoFit/>
+          </a:bodyPr>
+          <a:lstStyle/>
+          <a:p>
+            <a:r>
+              <a:rPr lang="en-US" altLang="zh-CN" dirty="0" smtClean="0">
+                <a:solidFill>
+                  <a:srgbClr val="34495E"/>
+                </a:solidFill>
+                <a:latin typeface="Source Sans Pro"/>
+              </a:rPr>
+              <a:t>3</a:t>
+            </a:r>
+            <a:r>
+              <a:rPr lang="zh-CN" altLang="en-US" dirty="0" smtClean="0">
+                <a:solidFill>
+                  <a:srgbClr val="34495E"/>
+                </a:solidFill>
+                <a:latin typeface="Source Sans Pro"/>
+              </a:rPr>
+              <a:t>、</a:t>
+            </a:r>
+            <a:r>
+              <a:rPr lang="en-US" altLang="zh-CN" dirty="0" smtClean="0">
+                <a:solidFill>
+                  <a:srgbClr val="34495E"/>
+                </a:solidFill>
+                <a:latin typeface="Source Sans Pro"/>
+              </a:rPr>
+              <a:t>v-for</a:t>
+            </a:r>
+            <a:endParaRPr lang="zh-CN" altLang="en-US" dirty="0"/>
+          </a:p>
+        </p:txBody>
+      </p:sp>
+      <p:sp>
+        <p:nvSpPr>
+          <p:cNvPr id="6" name="矩形 5"/>
+          <p:cNvSpPr/>
+          <p:nvPr/>
+        </p:nvSpPr>
+        <p:spPr>
+          <a:xfrm>
+            <a:off x="250209" y="1038283"/>
+            <a:ext cx="11800764" cy="369332"/>
+          </a:xfrm>
+          <a:prstGeom prst="rect">
+            <a:avLst/>
+          </a:prstGeom>
+        </p:spPr>
+        <p:txBody>
+          <a:bodyPr wrap="square">
+            <a:spAutoFit/>
+          </a:bodyPr>
+          <a:lstStyle/>
+          <a:p>
+            <a:r>
+              <a:rPr lang="zh-CN" altLang="en-US" dirty="0" smtClean="0">
+                <a:solidFill>
+                  <a:srgbClr val="34495E"/>
+                </a:solidFill>
+                <a:latin typeface="Source Sans Pro"/>
+              </a:rPr>
+              <a:t>循环遍历元素集合，并进行操作</a:t>
+            </a:r>
+            <a:endParaRPr lang="zh-CN" altLang="en-US" dirty="0"/>
+          </a:p>
+        </p:txBody>
+      </p:sp>
+      <p:pic>
+        <p:nvPicPr>
+          <p:cNvPr id="2" name="图片 1"/>
+          <p:cNvPicPr>
+            <a:picLocks noChangeAspect="1"/>
+          </p:cNvPicPr>
+          <p:nvPr/>
+        </p:nvPicPr>
+        <p:blipFill>
+          <a:blip r:embed="rId2"/>
+          <a:stretch>
+            <a:fillRect/>
+          </a:stretch>
+        </p:blipFill>
+        <p:spPr>
+          <a:xfrm>
+            <a:off x="365581" y="1589606"/>
+            <a:ext cx="3473600" cy="1590322"/>
+          </a:xfrm>
+          <a:prstGeom prst="rect">
+            <a:avLst/>
+          </a:prstGeom>
+        </p:spPr>
+      </p:pic>
+      <p:pic>
+        <p:nvPicPr>
+          <p:cNvPr id="7" name="图片 6"/>
+          <p:cNvPicPr>
+            <a:picLocks noChangeAspect="1"/>
+          </p:cNvPicPr>
+          <p:nvPr/>
+        </p:nvPicPr>
+        <p:blipFill>
+          <a:blip r:embed="rId3"/>
+          <a:stretch>
+            <a:fillRect/>
+          </a:stretch>
+        </p:blipFill>
+        <p:spPr>
+          <a:xfrm>
+            <a:off x="5404512" y="1728460"/>
+            <a:ext cx="4540346" cy="2620056"/>
+          </a:xfrm>
+          <a:prstGeom prst="rect">
+            <a:avLst/>
+          </a:prstGeom>
+        </p:spPr>
+      </p:pic>
+      <p:pic>
+        <p:nvPicPr>
+          <p:cNvPr id="8" name="图片 7"/>
+          <p:cNvPicPr>
+            <a:picLocks noChangeAspect="1"/>
+          </p:cNvPicPr>
+          <p:nvPr/>
+        </p:nvPicPr>
+        <p:blipFill>
+          <a:blip r:embed="rId4"/>
+          <a:stretch>
+            <a:fillRect/>
+          </a:stretch>
+        </p:blipFill>
+        <p:spPr>
+          <a:xfrm>
+            <a:off x="365581" y="3361919"/>
+            <a:ext cx="4416674" cy="1592218"/>
+          </a:xfrm>
+          <a:prstGeom prst="rect">
+            <a:avLst/>
+          </a:prstGeom>
+        </p:spPr>
+      </p:pic>
+      <p:pic>
+        <p:nvPicPr>
+          <p:cNvPr id="9" name="图片 8"/>
+          <p:cNvPicPr>
+            <a:picLocks noChangeAspect="1"/>
+          </p:cNvPicPr>
+          <p:nvPr/>
+        </p:nvPicPr>
+        <p:blipFill>
+          <a:blip r:embed="rId5"/>
+          <a:stretch>
+            <a:fillRect/>
+          </a:stretch>
+        </p:blipFill>
+        <p:spPr>
+          <a:xfrm>
+            <a:off x="345237" y="5134231"/>
+            <a:ext cx="5059275" cy="1604161"/>
+          </a:xfrm>
+          <a:prstGeom prst="rect">
+            <a:avLst/>
+          </a:prstGeom>
+        </p:spPr>
+      </p:pic>
+      <p:pic>
+        <p:nvPicPr>
+          <p:cNvPr id="10" name="图片 9"/>
+          <p:cNvPicPr>
+            <a:picLocks noChangeAspect="1"/>
+          </p:cNvPicPr>
+          <p:nvPr/>
+        </p:nvPicPr>
+        <p:blipFill>
+          <a:blip r:embed="rId6"/>
+          <a:stretch>
+            <a:fillRect/>
+          </a:stretch>
+        </p:blipFill>
+        <p:spPr>
+          <a:xfrm>
+            <a:off x="6005652" y="4348516"/>
+            <a:ext cx="3263106" cy="2447330"/>
+          </a:xfrm>
+          <a:prstGeom prst="rect">
+            <a:avLst/>
+          </a:prstGeom>
+        </p:spPr>
+      </p:pic>
     </p:spTree>
     <p:extLst>
       <p:ext uri="{BB962C8B-B14F-4D97-AF65-F5344CB8AC3E}">
-        <p14:creationId xmlns:p14="http://schemas.microsoft.com/office/powerpoint/2010/main" val="2142607455"/>
+        <p14:creationId xmlns:p14="http://schemas.microsoft.com/office/powerpoint/2010/main" val="574281491"/>
       </p:ext>
     </p:extLst>
   </p:cSld>
@@ -4368,7 +6807,7 @@
       </p:grpSpPr>
       <p:sp>
         <p:nvSpPr>
-          <p:cNvPr id="3" name="矩形 2"/>
+          <p:cNvPr id="4" name="矩形 3"/>
           <p:cNvSpPr/>
           <p:nvPr/>
         </p:nvSpPr>
@@ -4388,28 +6827,2084 @@
           <a:lstStyle/>
           <a:p>
             <a:r>
-              <a:rPr lang="zh-CN" altLang="en-US" dirty="0" smtClean="0">
-                <a:solidFill>
-                  <a:srgbClr val="34495E"/>
-                </a:solidFill>
-                <a:latin typeface="Source Sans Pro"/>
-              </a:rPr>
-              <a:t>过滤器</a:t>
+              <a:rPr lang="zh-CN" altLang="en-US" dirty="0">
+                <a:solidFill>
+                  <a:srgbClr val="34495E"/>
+                </a:solidFill>
+                <a:latin typeface="Source Sans Pro"/>
+              </a:rPr>
+              <a:t>内部指令</a:t>
             </a:r>
             <a:endParaRPr lang="zh-CN" altLang="en-US" dirty="0"/>
           </a:p>
         </p:txBody>
       </p:sp>
+      <p:sp>
+        <p:nvSpPr>
+          <p:cNvPr id="5" name="矩形 4"/>
+          <p:cNvSpPr/>
+          <p:nvPr/>
+        </p:nvSpPr>
+        <p:spPr>
+          <a:xfrm>
+            <a:off x="250209" y="622785"/>
+            <a:ext cx="6096000" cy="369332"/>
+          </a:xfrm>
+          <a:prstGeom prst="rect">
+            <a:avLst/>
+          </a:prstGeom>
+        </p:spPr>
+        <p:txBody>
+          <a:bodyPr>
+            <a:spAutoFit/>
+          </a:bodyPr>
+          <a:lstStyle/>
+          <a:p>
+            <a:r>
+              <a:rPr lang="en-US" altLang="zh-CN" dirty="0" smtClean="0">
+                <a:solidFill>
+                  <a:srgbClr val="34495E"/>
+                </a:solidFill>
+                <a:latin typeface="Source Sans Pro"/>
+              </a:rPr>
+              <a:t>4</a:t>
+            </a:r>
+            <a:r>
+              <a:rPr lang="zh-CN" altLang="en-US" dirty="0" smtClean="0">
+                <a:solidFill>
+                  <a:srgbClr val="34495E"/>
+                </a:solidFill>
+                <a:latin typeface="Source Sans Pro"/>
+              </a:rPr>
+              <a:t>、</a:t>
+            </a:r>
+            <a:r>
+              <a:rPr lang="en-US" altLang="zh-CN" dirty="0" smtClean="0">
+                <a:solidFill>
+                  <a:srgbClr val="34495E"/>
+                </a:solidFill>
+                <a:latin typeface="Source Sans Pro"/>
+              </a:rPr>
+              <a:t>v-text</a:t>
+            </a:r>
+            <a:endParaRPr lang="zh-CN" altLang="en-US" dirty="0"/>
+          </a:p>
+        </p:txBody>
+      </p:sp>
+      <p:sp>
+        <p:nvSpPr>
+          <p:cNvPr id="11" name="矩形 10"/>
+          <p:cNvSpPr/>
+          <p:nvPr/>
+        </p:nvSpPr>
+        <p:spPr>
+          <a:xfrm>
+            <a:off x="250209" y="992117"/>
+            <a:ext cx="6096000" cy="369332"/>
+          </a:xfrm>
+          <a:prstGeom prst="rect">
+            <a:avLst/>
+          </a:prstGeom>
+        </p:spPr>
+        <p:txBody>
+          <a:bodyPr>
+            <a:spAutoFit/>
+          </a:bodyPr>
+          <a:lstStyle/>
+          <a:p>
+            <a:r>
+              <a:rPr lang="zh-CN" altLang="en-US" dirty="0" smtClean="0">
+                <a:solidFill>
+                  <a:srgbClr val="34495E"/>
+                </a:solidFill>
+                <a:latin typeface="Source Sans Pro"/>
+              </a:rPr>
+              <a:t>用于更新元素的</a:t>
+            </a:r>
+            <a:r>
+              <a:rPr lang="en-US" altLang="zh-CN" dirty="0" err="1" smtClean="0">
+                <a:solidFill>
+                  <a:srgbClr val="34495E"/>
+                </a:solidFill>
+                <a:latin typeface="Source Sans Pro"/>
+              </a:rPr>
+              <a:t>textContent</a:t>
+            </a:r>
+            <a:r>
+              <a:rPr lang="zh-CN" altLang="en-US" dirty="0" smtClean="0">
+                <a:solidFill>
+                  <a:srgbClr val="34495E"/>
+                </a:solidFill>
+                <a:latin typeface="Source Sans Pro"/>
+              </a:rPr>
+              <a:t>。</a:t>
+            </a:r>
+            <a:endParaRPr lang="zh-CN" altLang="en-US" dirty="0"/>
+          </a:p>
+        </p:txBody>
+      </p:sp>
+      <p:pic>
+        <p:nvPicPr>
+          <p:cNvPr id="12" name="图片 11"/>
+          <p:cNvPicPr>
+            <a:picLocks noChangeAspect="1"/>
+          </p:cNvPicPr>
+          <p:nvPr/>
+        </p:nvPicPr>
+        <p:blipFill>
+          <a:blip r:embed="rId2"/>
+          <a:stretch>
+            <a:fillRect/>
+          </a:stretch>
+        </p:blipFill>
+        <p:spPr>
+          <a:xfrm>
+            <a:off x="250209" y="1397448"/>
+            <a:ext cx="4990531" cy="608601"/>
+          </a:xfrm>
+          <a:prstGeom prst="rect">
+            <a:avLst/>
+          </a:prstGeom>
+        </p:spPr>
+      </p:pic>
+      <p:pic>
+        <p:nvPicPr>
+          <p:cNvPr id="13" name="图片 12"/>
+          <p:cNvPicPr>
+            <a:picLocks noChangeAspect="1"/>
+          </p:cNvPicPr>
+          <p:nvPr/>
+        </p:nvPicPr>
+        <p:blipFill>
+          <a:blip r:embed="rId3"/>
+          <a:stretch>
+            <a:fillRect/>
+          </a:stretch>
+        </p:blipFill>
+        <p:spPr>
+          <a:xfrm>
+            <a:off x="5368710" y="840123"/>
+            <a:ext cx="6668615" cy="1542301"/>
+          </a:xfrm>
+          <a:prstGeom prst="rect">
+            <a:avLst/>
+          </a:prstGeom>
+        </p:spPr>
+      </p:pic>
+      <p:sp>
+        <p:nvSpPr>
+          <p:cNvPr id="14" name="矩形 13"/>
+          <p:cNvSpPr/>
+          <p:nvPr/>
+        </p:nvSpPr>
+        <p:spPr>
+          <a:xfrm>
+            <a:off x="225187" y="2349752"/>
+            <a:ext cx="6096000" cy="369332"/>
+          </a:xfrm>
+          <a:prstGeom prst="rect">
+            <a:avLst/>
+          </a:prstGeom>
+        </p:spPr>
+        <p:txBody>
+          <a:bodyPr>
+            <a:spAutoFit/>
+          </a:bodyPr>
+          <a:lstStyle/>
+          <a:p>
+            <a:r>
+              <a:rPr lang="en-US" altLang="zh-CN" dirty="0" smtClean="0">
+                <a:solidFill>
+                  <a:srgbClr val="34495E"/>
+                </a:solidFill>
+                <a:latin typeface="Source Sans Pro"/>
+              </a:rPr>
+              <a:t>5</a:t>
+            </a:r>
+            <a:r>
+              <a:rPr lang="zh-CN" altLang="en-US" dirty="0" smtClean="0">
+                <a:solidFill>
+                  <a:srgbClr val="34495E"/>
+                </a:solidFill>
+                <a:latin typeface="Source Sans Pro"/>
+              </a:rPr>
+              <a:t>、</a:t>
+            </a:r>
+            <a:r>
+              <a:rPr lang="en-US" altLang="zh-CN" dirty="0" smtClean="0">
+                <a:solidFill>
+                  <a:srgbClr val="34495E"/>
+                </a:solidFill>
+                <a:latin typeface="Source Sans Pro"/>
+              </a:rPr>
+              <a:t>v-html</a:t>
+            </a:r>
+            <a:endParaRPr lang="zh-CN" altLang="en-US" dirty="0"/>
+          </a:p>
+        </p:txBody>
+      </p:sp>
+      <p:sp>
+        <p:nvSpPr>
+          <p:cNvPr id="15" name="矩形 14"/>
+          <p:cNvSpPr/>
+          <p:nvPr/>
+        </p:nvSpPr>
+        <p:spPr>
+          <a:xfrm>
+            <a:off x="225187" y="2809686"/>
+            <a:ext cx="6096000" cy="369332"/>
+          </a:xfrm>
+          <a:prstGeom prst="rect">
+            <a:avLst/>
+          </a:prstGeom>
+        </p:spPr>
+        <p:txBody>
+          <a:bodyPr>
+            <a:spAutoFit/>
+          </a:bodyPr>
+          <a:lstStyle/>
+          <a:p>
+            <a:r>
+              <a:rPr lang="zh-CN" altLang="en-US" dirty="0" smtClean="0">
+                <a:solidFill>
+                  <a:srgbClr val="34495E"/>
+                </a:solidFill>
+                <a:latin typeface="Source Sans Pro"/>
+              </a:rPr>
+              <a:t>用于更新元素的</a:t>
+            </a:r>
+            <a:r>
+              <a:rPr lang="en-US" altLang="zh-CN" dirty="0" err="1" smtClean="0">
+                <a:solidFill>
+                  <a:srgbClr val="34495E"/>
+                </a:solidFill>
+                <a:latin typeface="Source Sans Pro"/>
+              </a:rPr>
+              <a:t>innerHTML</a:t>
+            </a:r>
+            <a:r>
+              <a:rPr lang="zh-CN" altLang="en-US" dirty="0" smtClean="0">
+                <a:solidFill>
+                  <a:srgbClr val="34495E"/>
+                </a:solidFill>
+                <a:latin typeface="Source Sans Pro"/>
+              </a:rPr>
+              <a:t>。</a:t>
+            </a:r>
+            <a:endParaRPr lang="zh-CN" altLang="en-US" dirty="0"/>
+          </a:p>
+        </p:txBody>
+      </p:sp>
+      <p:pic>
+        <p:nvPicPr>
+          <p:cNvPr id="16" name="图片 15"/>
+          <p:cNvPicPr>
+            <a:picLocks noChangeAspect="1"/>
+          </p:cNvPicPr>
+          <p:nvPr/>
+        </p:nvPicPr>
+        <p:blipFill>
+          <a:blip r:embed="rId4"/>
+          <a:stretch>
+            <a:fillRect/>
+          </a:stretch>
+        </p:blipFill>
+        <p:spPr>
+          <a:xfrm>
+            <a:off x="250209" y="3363683"/>
+            <a:ext cx="6413086" cy="745707"/>
+          </a:xfrm>
+          <a:prstGeom prst="rect">
+            <a:avLst/>
+          </a:prstGeom>
+        </p:spPr>
+      </p:pic>
+      <p:pic>
+        <p:nvPicPr>
+          <p:cNvPr id="17" name="图片 16"/>
+          <p:cNvPicPr>
+            <a:picLocks noChangeAspect="1"/>
+          </p:cNvPicPr>
+          <p:nvPr/>
+        </p:nvPicPr>
+        <p:blipFill>
+          <a:blip r:embed="rId5"/>
+          <a:stretch>
+            <a:fillRect/>
+          </a:stretch>
+        </p:blipFill>
+        <p:spPr>
+          <a:xfrm>
+            <a:off x="7371303" y="2809686"/>
+            <a:ext cx="4352124" cy="1622010"/>
+          </a:xfrm>
+          <a:prstGeom prst="rect">
+            <a:avLst/>
+          </a:prstGeom>
+        </p:spPr>
+      </p:pic>
+      <p:sp>
+        <p:nvSpPr>
+          <p:cNvPr id="18" name="矩形 17"/>
+          <p:cNvSpPr/>
+          <p:nvPr/>
+        </p:nvSpPr>
+        <p:spPr>
+          <a:xfrm>
+            <a:off x="225187" y="4294055"/>
+            <a:ext cx="6096000" cy="369332"/>
+          </a:xfrm>
+          <a:prstGeom prst="rect">
+            <a:avLst/>
+          </a:prstGeom>
+        </p:spPr>
+        <p:txBody>
+          <a:bodyPr>
+            <a:spAutoFit/>
+          </a:bodyPr>
+          <a:lstStyle/>
+          <a:p>
+            <a:r>
+              <a:rPr lang="en-US" altLang="zh-CN" dirty="0">
+                <a:solidFill>
+                  <a:srgbClr val="34495E"/>
+                </a:solidFill>
+                <a:latin typeface="Source Sans Pro"/>
+              </a:rPr>
+              <a:t>6</a:t>
+            </a:r>
+            <a:r>
+              <a:rPr lang="zh-CN" altLang="en-US" dirty="0" smtClean="0">
+                <a:solidFill>
+                  <a:srgbClr val="34495E"/>
+                </a:solidFill>
+                <a:latin typeface="Source Sans Pro"/>
+              </a:rPr>
+              <a:t>、</a:t>
+            </a:r>
+            <a:r>
+              <a:rPr lang="en-US" altLang="zh-CN" dirty="0" smtClean="0">
+                <a:solidFill>
+                  <a:srgbClr val="34495E"/>
+                </a:solidFill>
+                <a:latin typeface="Source Sans Pro"/>
+              </a:rPr>
+              <a:t>v-bind</a:t>
+            </a:r>
+            <a:endParaRPr lang="zh-CN" altLang="en-US" dirty="0"/>
+          </a:p>
+        </p:txBody>
+      </p:sp>
+      <p:sp>
+        <p:nvSpPr>
+          <p:cNvPr id="19" name="矩形 18"/>
+          <p:cNvSpPr/>
+          <p:nvPr/>
+        </p:nvSpPr>
+        <p:spPr>
+          <a:xfrm>
+            <a:off x="225187" y="4753989"/>
+            <a:ext cx="6096000" cy="369332"/>
+          </a:xfrm>
+          <a:prstGeom prst="rect">
+            <a:avLst/>
+          </a:prstGeom>
+        </p:spPr>
+        <p:txBody>
+          <a:bodyPr>
+            <a:spAutoFit/>
+          </a:bodyPr>
+          <a:lstStyle/>
+          <a:p>
+            <a:r>
+              <a:rPr lang="zh-CN" altLang="en-US" dirty="0" smtClean="0">
+                <a:solidFill>
+                  <a:srgbClr val="34495E"/>
+                </a:solidFill>
+                <a:latin typeface="Source Sans Pro"/>
+              </a:rPr>
+              <a:t>用于将</a:t>
+            </a:r>
+            <a:r>
+              <a:rPr lang="zh-CN" altLang="en-US" dirty="0">
+                <a:solidFill>
+                  <a:srgbClr val="34495E"/>
+                </a:solidFill>
+                <a:latin typeface="Source Sans Pro"/>
+              </a:rPr>
+              <a:t>一</a:t>
+            </a:r>
+            <a:r>
+              <a:rPr lang="zh-CN" altLang="en-US" dirty="0" smtClean="0">
+                <a:solidFill>
+                  <a:srgbClr val="34495E"/>
+                </a:solidFill>
+                <a:latin typeface="Source Sans Pro"/>
+              </a:rPr>
+              <a:t>个或多个元素的属性绑定到表达式</a:t>
+            </a:r>
+            <a:r>
+              <a:rPr lang="zh-CN" altLang="en-US" dirty="0" smtClean="0">
+                <a:solidFill>
+                  <a:srgbClr val="34495E"/>
+                </a:solidFill>
+                <a:latin typeface="Source Sans Pro"/>
+              </a:rPr>
+              <a:t>。</a:t>
+            </a:r>
+            <a:endParaRPr lang="zh-CN" altLang="en-US" dirty="0"/>
+          </a:p>
+        </p:txBody>
+      </p:sp>
+      <p:pic>
+        <p:nvPicPr>
+          <p:cNvPr id="21" name="图片 20"/>
+          <p:cNvPicPr>
+            <a:picLocks noChangeAspect="1"/>
+          </p:cNvPicPr>
+          <p:nvPr/>
+        </p:nvPicPr>
+        <p:blipFill>
+          <a:blip r:embed="rId6"/>
+          <a:stretch>
+            <a:fillRect/>
+          </a:stretch>
+        </p:blipFill>
+        <p:spPr>
+          <a:xfrm>
+            <a:off x="199609" y="5213923"/>
+            <a:ext cx="11992392" cy="648711"/>
+          </a:xfrm>
+          <a:prstGeom prst="rect">
+            <a:avLst/>
+          </a:prstGeom>
+        </p:spPr>
+      </p:pic>
     </p:spTree>
     <p:extLst>
       <p:ext uri="{BB962C8B-B14F-4D97-AF65-F5344CB8AC3E}">
-        <p14:creationId xmlns:p14="http://schemas.microsoft.com/office/powerpoint/2010/main" val="2190778081"/>
+        <p14:creationId xmlns:p14="http://schemas.microsoft.com/office/powerpoint/2010/main" val="705490441"/>
       </p:ext>
     </p:extLst>
   </p:cSld>
   <p:clrMapOvr>
     <a:masterClrMapping/>
   </p:clrMapOvr>
+  <p:timing>
+    <p:tnLst>
+      <p:par>
+        <p:cTn id="1" dur="indefinite" restart="never" nodeType="tmRoot"/>
+      </p:par>
+    </p:tnLst>
+  </p:timing>
+</p:sld>
+</file>
+
+<file path=ppt/slides/slide16.xml><?xml version="1.0" encoding="utf-8"?>
+<p:sld xmlns:a="http://schemas.openxmlformats.org/drawingml/2006/main" xmlns:r="http://schemas.openxmlformats.org/officeDocument/2006/relationships" xmlns:p="http://schemas.openxmlformats.org/presentationml/2006/main">
+  <p:cSld>
+    <p:spTree>
+      <p:nvGrpSpPr>
+        <p:cNvPr id="1" name=""/>
+        <p:cNvGrpSpPr/>
+        <p:nvPr/>
+      </p:nvGrpSpPr>
+      <p:grpSpPr>
+        <a:xfrm>
+          <a:off x="0" y="0"/>
+          <a:ext cx="0" cy="0"/>
+          <a:chOff x="0" y="0"/>
+          <a:chExt cx="0" cy="0"/>
+        </a:xfrm>
+      </p:grpSpPr>
+      <p:sp>
+        <p:nvSpPr>
+          <p:cNvPr id="4" name="矩形 3"/>
+          <p:cNvSpPr/>
+          <p:nvPr/>
+        </p:nvSpPr>
+        <p:spPr>
+          <a:xfrm>
+            <a:off x="250209" y="253453"/>
+            <a:ext cx="6096000" cy="369332"/>
+          </a:xfrm>
+          <a:prstGeom prst="rect">
+            <a:avLst/>
+          </a:prstGeom>
+        </p:spPr>
+        <p:txBody>
+          <a:bodyPr>
+            <a:spAutoFit/>
+          </a:bodyPr>
+          <a:lstStyle/>
+          <a:p>
+            <a:r>
+              <a:rPr lang="zh-CN" altLang="en-US" dirty="0">
+                <a:solidFill>
+                  <a:srgbClr val="34495E"/>
+                </a:solidFill>
+                <a:latin typeface="Source Sans Pro"/>
+              </a:rPr>
+              <a:t>内部指令</a:t>
+            </a:r>
+            <a:endParaRPr lang="zh-CN" altLang="en-US" dirty="0"/>
+          </a:p>
+        </p:txBody>
+      </p:sp>
+      <p:sp>
+        <p:nvSpPr>
+          <p:cNvPr id="5" name="矩形 4"/>
+          <p:cNvSpPr/>
+          <p:nvPr/>
+        </p:nvSpPr>
+        <p:spPr>
+          <a:xfrm>
+            <a:off x="250209" y="622785"/>
+            <a:ext cx="6096000" cy="369332"/>
+          </a:xfrm>
+          <a:prstGeom prst="rect">
+            <a:avLst/>
+          </a:prstGeom>
+        </p:spPr>
+        <p:txBody>
+          <a:bodyPr>
+            <a:spAutoFit/>
+          </a:bodyPr>
+          <a:lstStyle/>
+          <a:p>
+            <a:r>
+              <a:rPr lang="en-US" altLang="zh-CN" dirty="0">
+                <a:solidFill>
+                  <a:srgbClr val="34495E"/>
+                </a:solidFill>
+                <a:latin typeface="Source Sans Pro"/>
+              </a:rPr>
+              <a:t>7</a:t>
+            </a:r>
+            <a:r>
+              <a:rPr lang="zh-CN" altLang="en-US" dirty="0" smtClean="0">
+                <a:solidFill>
+                  <a:srgbClr val="34495E"/>
+                </a:solidFill>
+                <a:latin typeface="Source Sans Pro"/>
+              </a:rPr>
+              <a:t>、</a:t>
+            </a:r>
+            <a:r>
+              <a:rPr lang="en-US" altLang="zh-CN" dirty="0" smtClean="0">
+                <a:solidFill>
+                  <a:srgbClr val="34495E"/>
+                </a:solidFill>
+                <a:latin typeface="Source Sans Pro"/>
+              </a:rPr>
+              <a:t>v-on</a:t>
+            </a:r>
+            <a:endParaRPr lang="zh-CN" altLang="en-US" dirty="0"/>
+          </a:p>
+        </p:txBody>
+      </p:sp>
+      <p:sp>
+        <p:nvSpPr>
+          <p:cNvPr id="20" name="矩形 19"/>
+          <p:cNvSpPr/>
+          <p:nvPr/>
+        </p:nvSpPr>
+        <p:spPr>
+          <a:xfrm>
+            <a:off x="250209" y="992117"/>
+            <a:ext cx="11828060" cy="369332"/>
+          </a:xfrm>
+          <a:prstGeom prst="rect">
+            <a:avLst/>
+          </a:prstGeom>
+        </p:spPr>
+        <p:txBody>
+          <a:bodyPr wrap="square">
+            <a:spAutoFit/>
+          </a:bodyPr>
+          <a:lstStyle/>
+          <a:p>
+            <a:r>
+              <a:rPr lang="zh-CN" altLang="en-US" dirty="0" smtClean="0">
+                <a:solidFill>
+                  <a:srgbClr val="34495E"/>
+                </a:solidFill>
+                <a:latin typeface="Source Sans Pro"/>
+              </a:rPr>
+              <a:t>用于绑定事件监听器，事件类型由参数指定，表达式可以是一个方法的名字，也可以是一个</a:t>
+            </a:r>
+            <a:r>
+              <a:rPr lang="en-US" altLang="zh-CN" dirty="0" err="1" smtClean="0">
+                <a:solidFill>
+                  <a:srgbClr val="34495E"/>
+                </a:solidFill>
+                <a:latin typeface="Source Sans Pro"/>
+              </a:rPr>
+              <a:t>js</a:t>
+            </a:r>
+            <a:r>
+              <a:rPr lang="zh-CN" altLang="en-US" dirty="0" smtClean="0">
+                <a:solidFill>
+                  <a:srgbClr val="34495E"/>
+                </a:solidFill>
+                <a:latin typeface="Source Sans Pro"/>
+              </a:rPr>
+              <a:t>语句。</a:t>
+            </a:r>
+            <a:endParaRPr lang="zh-CN" altLang="en-US" dirty="0"/>
+          </a:p>
+        </p:txBody>
+      </p:sp>
+      <p:sp>
+        <p:nvSpPr>
+          <p:cNvPr id="22" name="矩形 21"/>
+          <p:cNvSpPr/>
+          <p:nvPr/>
+        </p:nvSpPr>
+        <p:spPr>
+          <a:xfrm>
+            <a:off x="250209" y="1361449"/>
+            <a:ext cx="11828060" cy="369332"/>
+          </a:xfrm>
+          <a:prstGeom prst="rect">
+            <a:avLst/>
+          </a:prstGeom>
+        </p:spPr>
+        <p:txBody>
+          <a:bodyPr wrap="square">
+            <a:spAutoFit/>
+          </a:bodyPr>
+          <a:lstStyle/>
+          <a:p>
+            <a:r>
+              <a:rPr lang="zh-CN" altLang="en-US" dirty="0" smtClean="0">
+                <a:solidFill>
+                  <a:srgbClr val="34495E"/>
+                </a:solidFill>
+                <a:latin typeface="Source Sans Pro"/>
+              </a:rPr>
+              <a:t>在普通元素上使用</a:t>
+            </a:r>
+            <a:r>
+              <a:rPr lang="en-US" altLang="zh-CN" dirty="0" smtClean="0">
+                <a:solidFill>
+                  <a:srgbClr val="34495E"/>
+                </a:solidFill>
+                <a:latin typeface="Source Sans Pro"/>
+              </a:rPr>
+              <a:t>v-on</a:t>
+            </a:r>
+            <a:r>
+              <a:rPr lang="zh-CN" altLang="en-US" dirty="0" smtClean="0">
+                <a:solidFill>
+                  <a:srgbClr val="34495E"/>
+                </a:solidFill>
+                <a:latin typeface="Source Sans Pro"/>
+              </a:rPr>
+              <a:t>时，只能监听原生</a:t>
+            </a:r>
+            <a:r>
+              <a:rPr lang="en-US" altLang="zh-CN" dirty="0" smtClean="0">
+                <a:solidFill>
+                  <a:srgbClr val="34495E"/>
+                </a:solidFill>
+                <a:latin typeface="Source Sans Pro"/>
+              </a:rPr>
+              <a:t>DOM</a:t>
+            </a:r>
+            <a:r>
+              <a:rPr lang="zh-CN" altLang="en-US" dirty="0" smtClean="0">
+                <a:solidFill>
+                  <a:srgbClr val="34495E"/>
+                </a:solidFill>
+                <a:latin typeface="Source Sans Pro"/>
+              </a:rPr>
+              <a:t>事件，使用自定义组件时可以监听自定义事件。</a:t>
+            </a:r>
+            <a:endParaRPr lang="zh-CN" altLang="en-US" dirty="0"/>
+          </a:p>
+        </p:txBody>
+      </p:sp>
+      <p:sp>
+        <p:nvSpPr>
+          <p:cNvPr id="23" name="矩形 22"/>
+          <p:cNvSpPr/>
+          <p:nvPr/>
+        </p:nvSpPr>
+        <p:spPr>
+          <a:xfrm>
+            <a:off x="250209" y="1730781"/>
+            <a:ext cx="11828060" cy="646331"/>
+          </a:xfrm>
+          <a:prstGeom prst="rect">
+            <a:avLst/>
+          </a:prstGeom>
+        </p:spPr>
+        <p:txBody>
+          <a:bodyPr wrap="square">
+            <a:spAutoFit/>
+          </a:bodyPr>
+          <a:lstStyle/>
+          <a:p>
+            <a:r>
+              <a:rPr lang="zh-CN" altLang="en-US" dirty="0" smtClean="0">
+                <a:solidFill>
+                  <a:srgbClr val="34495E"/>
+                </a:solidFill>
+                <a:latin typeface="Source Sans Pro"/>
+              </a:rPr>
+              <a:t>在监听原生</a:t>
+            </a:r>
+            <a:r>
+              <a:rPr lang="en-US" altLang="zh-CN" dirty="0" smtClean="0">
+                <a:solidFill>
+                  <a:srgbClr val="34495E"/>
+                </a:solidFill>
+                <a:latin typeface="Source Sans Pro"/>
+              </a:rPr>
+              <a:t>DOM</a:t>
+            </a:r>
+            <a:r>
+              <a:rPr lang="zh-CN" altLang="en-US" dirty="0" smtClean="0">
+                <a:solidFill>
+                  <a:srgbClr val="34495E"/>
+                </a:solidFill>
+                <a:latin typeface="Source Sans Pro"/>
+              </a:rPr>
+              <a:t>事件时，如果只定义一个参数，</a:t>
+            </a:r>
+            <a:r>
+              <a:rPr lang="en-US" altLang="zh-CN" dirty="0" smtClean="0">
+                <a:solidFill>
+                  <a:srgbClr val="34495E"/>
+                </a:solidFill>
+                <a:latin typeface="Source Sans Pro"/>
+              </a:rPr>
+              <a:t>DOM event</a:t>
+            </a:r>
+            <a:r>
+              <a:rPr lang="zh-CN" altLang="en-US" dirty="0" smtClean="0">
+                <a:solidFill>
+                  <a:srgbClr val="34495E"/>
+                </a:solidFill>
+                <a:latin typeface="Source Sans Pro"/>
+              </a:rPr>
+              <a:t>为事件的唯一参数；如果在内联</a:t>
+            </a:r>
+            <a:r>
+              <a:rPr lang="en-US" altLang="zh-CN" dirty="0" err="1" smtClean="0">
+                <a:solidFill>
+                  <a:srgbClr val="34495E"/>
+                </a:solidFill>
+                <a:latin typeface="Source Sans Pro"/>
+              </a:rPr>
+              <a:t>js</a:t>
+            </a:r>
+            <a:r>
+              <a:rPr lang="zh-CN" altLang="en-US" dirty="0" smtClean="0">
+                <a:solidFill>
+                  <a:srgbClr val="34495E"/>
+                </a:solidFill>
+                <a:latin typeface="Source Sans Pro"/>
+              </a:rPr>
+              <a:t>语句中访问原生</a:t>
+            </a:r>
+            <a:r>
+              <a:rPr lang="en-US" altLang="zh-CN" dirty="0" smtClean="0">
+                <a:solidFill>
+                  <a:srgbClr val="34495E"/>
+                </a:solidFill>
+                <a:latin typeface="Source Sans Pro"/>
+              </a:rPr>
+              <a:t>DOM</a:t>
+            </a:r>
+            <a:r>
+              <a:rPr lang="zh-CN" altLang="en-US" dirty="0" smtClean="0">
+                <a:solidFill>
+                  <a:srgbClr val="34495E"/>
+                </a:solidFill>
+                <a:latin typeface="Source Sans Pro"/>
+              </a:rPr>
+              <a:t>事件，可以使用</a:t>
+            </a:r>
+            <a:r>
+              <a:rPr lang="en-US" altLang="zh-CN" dirty="0" smtClean="0">
+                <a:solidFill>
+                  <a:srgbClr val="34495E"/>
+                </a:solidFill>
+                <a:latin typeface="Source Sans Pro"/>
+              </a:rPr>
+              <a:t>$event</a:t>
+            </a:r>
+            <a:r>
+              <a:rPr lang="zh-CN" altLang="en-US" dirty="0" smtClean="0">
+                <a:solidFill>
+                  <a:srgbClr val="34495E"/>
+                </a:solidFill>
+                <a:latin typeface="Source Sans Pro"/>
+              </a:rPr>
+              <a:t>传入事件。</a:t>
+            </a:r>
+            <a:endParaRPr lang="zh-CN" altLang="en-US" dirty="0"/>
+          </a:p>
+        </p:txBody>
+      </p:sp>
+      <p:pic>
+        <p:nvPicPr>
+          <p:cNvPr id="2" name="图片 1"/>
+          <p:cNvPicPr>
+            <a:picLocks noChangeAspect="1"/>
+          </p:cNvPicPr>
+          <p:nvPr/>
+        </p:nvPicPr>
+        <p:blipFill>
+          <a:blip r:embed="rId2"/>
+          <a:stretch>
+            <a:fillRect/>
+          </a:stretch>
+        </p:blipFill>
+        <p:spPr>
+          <a:xfrm>
+            <a:off x="250209" y="2427396"/>
+            <a:ext cx="9016621" cy="837883"/>
+          </a:xfrm>
+          <a:prstGeom prst="rect">
+            <a:avLst/>
+          </a:prstGeom>
+        </p:spPr>
+      </p:pic>
+      <p:pic>
+        <p:nvPicPr>
+          <p:cNvPr id="3" name="图片 2"/>
+          <p:cNvPicPr>
+            <a:picLocks noChangeAspect="1"/>
+          </p:cNvPicPr>
+          <p:nvPr/>
+        </p:nvPicPr>
+        <p:blipFill>
+          <a:blip r:embed="rId3"/>
+          <a:stretch>
+            <a:fillRect/>
+          </a:stretch>
+        </p:blipFill>
+        <p:spPr>
+          <a:xfrm>
+            <a:off x="250209" y="3315563"/>
+            <a:ext cx="3175244" cy="1733154"/>
+          </a:xfrm>
+          <a:prstGeom prst="rect">
+            <a:avLst/>
+          </a:prstGeom>
+        </p:spPr>
+      </p:pic>
+      <p:sp>
+        <p:nvSpPr>
+          <p:cNvPr id="24" name="矩形 23"/>
+          <p:cNvSpPr/>
+          <p:nvPr/>
+        </p:nvSpPr>
+        <p:spPr>
+          <a:xfrm>
+            <a:off x="250074" y="5099001"/>
+            <a:ext cx="11828060" cy="646331"/>
+          </a:xfrm>
+          <a:prstGeom prst="rect">
+            <a:avLst/>
+          </a:prstGeom>
+        </p:spPr>
+        <p:txBody>
+          <a:bodyPr wrap="square">
+            <a:spAutoFit/>
+          </a:bodyPr>
+          <a:lstStyle/>
+          <a:p>
+            <a:r>
+              <a:rPr lang="en-US" altLang="zh-CN" dirty="0">
+                <a:solidFill>
+                  <a:srgbClr val="34495E"/>
+                </a:solidFill>
+                <a:latin typeface="Source Sans Pro"/>
+              </a:rPr>
+              <a:t>v</a:t>
+            </a:r>
+            <a:r>
+              <a:rPr lang="en-US" altLang="zh-CN" dirty="0" smtClean="0">
+                <a:solidFill>
+                  <a:srgbClr val="34495E"/>
+                </a:solidFill>
+                <a:latin typeface="Source Sans Pro"/>
+              </a:rPr>
+              <a:t>-on</a:t>
+            </a:r>
+            <a:r>
+              <a:rPr lang="zh-CN" altLang="en-US" dirty="0" smtClean="0">
+                <a:solidFill>
+                  <a:srgbClr val="34495E"/>
+                </a:solidFill>
+                <a:latin typeface="Source Sans Pro"/>
+              </a:rPr>
+              <a:t>可以绑定多个不同的事件，如：</a:t>
+            </a:r>
+            <a:r>
+              <a:rPr lang="en-US" altLang="zh-CN" dirty="0" smtClean="0">
+                <a:solidFill>
+                  <a:srgbClr val="34495E"/>
+                </a:solidFill>
+                <a:latin typeface="Source Sans Pro"/>
+              </a:rPr>
+              <a:t>click</a:t>
+            </a:r>
+            <a:r>
+              <a:rPr lang="zh-CN" altLang="en-US" dirty="0" smtClean="0">
+                <a:solidFill>
+                  <a:srgbClr val="34495E"/>
+                </a:solidFill>
+                <a:latin typeface="Source Sans Pro"/>
+              </a:rPr>
+              <a:t>、</a:t>
+            </a:r>
+            <a:r>
+              <a:rPr lang="en-US" altLang="zh-CN" dirty="0" smtClean="0">
+                <a:solidFill>
+                  <a:srgbClr val="34495E"/>
+                </a:solidFill>
+                <a:latin typeface="Source Sans Pro"/>
+              </a:rPr>
+              <a:t>focus</a:t>
+            </a:r>
+            <a:r>
+              <a:rPr lang="zh-CN" altLang="en-US" dirty="0" smtClean="0">
+                <a:solidFill>
+                  <a:srgbClr val="34495E"/>
+                </a:solidFill>
+                <a:latin typeface="Source Sans Pro"/>
+              </a:rPr>
+              <a:t>、</a:t>
+            </a:r>
+            <a:r>
+              <a:rPr lang="en-US" altLang="zh-CN" dirty="0" smtClean="0">
+                <a:solidFill>
+                  <a:srgbClr val="34495E"/>
+                </a:solidFill>
+                <a:latin typeface="Source Sans Pro"/>
+              </a:rPr>
+              <a:t>change</a:t>
+            </a:r>
+            <a:r>
+              <a:rPr lang="zh-CN" altLang="en-US" dirty="0" smtClean="0">
+                <a:solidFill>
+                  <a:srgbClr val="34495E"/>
+                </a:solidFill>
+                <a:latin typeface="Source Sans Pro"/>
+              </a:rPr>
+              <a:t>，但如果绑定多个相同的事件时，只有第一个有效，其他事件无效。</a:t>
+            </a:r>
+            <a:endParaRPr lang="zh-CN" altLang="en-US" dirty="0"/>
+          </a:p>
+        </p:txBody>
+      </p:sp>
+      <p:pic>
+        <p:nvPicPr>
+          <p:cNvPr id="6" name="图片 5"/>
+          <p:cNvPicPr>
+            <a:picLocks noChangeAspect="1"/>
+          </p:cNvPicPr>
+          <p:nvPr/>
+        </p:nvPicPr>
+        <p:blipFill>
+          <a:blip r:embed="rId4"/>
+          <a:stretch>
+            <a:fillRect/>
+          </a:stretch>
+        </p:blipFill>
+        <p:spPr>
+          <a:xfrm>
+            <a:off x="250075" y="5745332"/>
+            <a:ext cx="11941926" cy="669737"/>
+          </a:xfrm>
+          <a:prstGeom prst="rect">
+            <a:avLst/>
+          </a:prstGeom>
+        </p:spPr>
+      </p:pic>
+    </p:spTree>
+    <p:extLst>
+      <p:ext uri="{BB962C8B-B14F-4D97-AF65-F5344CB8AC3E}">
+        <p14:creationId xmlns:p14="http://schemas.microsoft.com/office/powerpoint/2010/main" val="2269008404"/>
+      </p:ext>
+    </p:extLst>
+  </p:cSld>
+  <p:clrMapOvr>
+    <a:masterClrMapping/>
+  </p:clrMapOvr>
+  <p:timing>
+    <p:tnLst>
+      <p:par>
+        <p:cTn id="1" dur="indefinite" restart="never" nodeType="tmRoot"/>
+      </p:par>
+    </p:tnLst>
+  </p:timing>
+</p:sld>
+</file>
+
+<file path=ppt/slides/slide17.xml><?xml version="1.0" encoding="utf-8"?>
+<p:sld xmlns:a="http://schemas.openxmlformats.org/drawingml/2006/main" xmlns:r="http://schemas.openxmlformats.org/officeDocument/2006/relationships" xmlns:p="http://schemas.openxmlformats.org/presentationml/2006/main">
+  <p:cSld>
+    <p:spTree>
+      <p:nvGrpSpPr>
+        <p:cNvPr id="1" name=""/>
+        <p:cNvGrpSpPr/>
+        <p:nvPr/>
+      </p:nvGrpSpPr>
+      <p:grpSpPr>
+        <a:xfrm>
+          <a:off x="0" y="0"/>
+          <a:ext cx="0" cy="0"/>
+          <a:chOff x="0" y="0"/>
+          <a:chExt cx="0" cy="0"/>
+        </a:xfrm>
+      </p:grpSpPr>
+      <p:sp>
+        <p:nvSpPr>
+          <p:cNvPr id="4" name="矩形 3"/>
+          <p:cNvSpPr/>
+          <p:nvPr/>
+        </p:nvSpPr>
+        <p:spPr>
+          <a:xfrm>
+            <a:off x="250209" y="253453"/>
+            <a:ext cx="6096000" cy="369332"/>
+          </a:xfrm>
+          <a:prstGeom prst="rect">
+            <a:avLst/>
+          </a:prstGeom>
+        </p:spPr>
+        <p:txBody>
+          <a:bodyPr>
+            <a:spAutoFit/>
+          </a:bodyPr>
+          <a:lstStyle/>
+          <a:p>
+            <a:r>
+              <a:rPr lang="zh-CN" altLang="en-US" dirty="0">
+                <a:solidFill>
+                  <a:srgbClr val="34495E"/>
+                </a:solidFill>
+                <a:latin typeface="Source Sans Pro"/>
+              </a:rPr>
+              <a:t>内部指令</a:t>
+            </a:r>
+            <a:endParaRPr lang="zh-CN" altLang="en-US" dirty="0"/>
+          </a:p>
+        </p:txBody>
+      </p:sp>
+      <p:sp>
+        <p:nvSpPr>
+          <p:cNvPr id="5" name="矩形 4"/>
+          <p:cNvSpPr/>
+          <p:nvPr/>
+        </p:nvSpPr>
+        <p:spPr>
+          <a:xfrm>
+            <a:off x="250209" y="622785"/>
+            <a:ext cx="6096000" cy="369332"/>
+          </a:xfrm>
+          <a:prstGeom prst="rect">
+            <a:avLst/>
+          </a:prstGeom>
+        </p:spPr>
+        <p:txBody>
+          <a:bodyPr>
+            <a:spAutoFit/>
+          </a:bodyPr>
+          <a:lstStyle/>
+          <a:p>
+            <a:r>
+              <a:rPr lang="en-US" altLang="zh-CN" dirty="0">
+                <a:solidFill>
+                  <a:srgbClr val="34495E"/>
+                </a:solidFill>
+                <a:latin typeface="Source Sans Pro"/>
+              </a:rPr>
+              <a:t>7</a:t>
+            </a:r>
+            <a:r>
+              <a:rPr lang="zh-CN" altLang="en-US" dirty="0" smtClean="0">
+                <a:solidFill>
+                  <a:srgbClr val="34495E"/>
+                </a:solidFill>
+                <a:latin typeface="Source Sans Pro"/>
+              </a:rPr>
+              <a:t>、</a:t>
+            </a:r>
+            <a:r>
+              <a:rPr lang="en-US" altLang="zh-CN" dirty="0" smtClean="0">
+                <a:solidFill>
+                  <a:srgbClr val="34495E"/>
+                </a:solidFill>
+                <a:latin typeface="Source Sans Pro"/>
+              </a:rPr>
+              <a:t>v-cloak</a:t>
+            </a:r>
+            <a:endParaRPr lang="zh-CN" altLang="en-US" dirty="0"/>
+          </a:p>
+        </p:txBody>
+      </p:sp>
+      <p:sp>
+        <p:nvSpPr>
+          <p:cNvPr id="9" name="矩形 8"/>
+          <p:cNvSpPr/>
+          <p:nvPr/>
+        </p:nvSpPr>
+        <p:spPr>
+          <a:xfrm>
+            <a:off x="250209" y="992117"/>
+            <a:ext cx="11828060" cy="369332"/>
+          </a:xfrm>
+          <a:prstGeom prst="rect">
+            <a:avLst/>
+          </a:prstGeom>
+        </p:spPr>
+        <p:txBody>
+          <a:bodyPr wrap="square">
+            <a:spAutoFit/>
+          </a:bodyPr>
+          <a:lstStyle/>
+          <a:p>
+            <a:r>
+              <a:rPr lang="zh-CN" altLang="en-US" dirty="0" smtClean="0">
+                <a:solidFill>
+                  <a:srgbClr val="34495E"/>
+                </a:solidFill>
+                <a:latin typeface="Source Sans Pro"/>
+              </a:rPr>
+              <a:t>这个指令保持在元素上直到关联实例结束编译。当和</a:t>
+            </a:r>
+            <a:r>
+              <a:rPr lang="en-US" altLang="zh-CN" dirty="0">
+                <a:solidFill>
+                  <a:srgbClr val="34495E"/>
+                </a:solidFill>
+                <a:latin typeface="Source Sans Pro"/>
+              </a:rPr>
+              <a:t>CSS</a:t>
+            </a:r>
+            <a:r>
+              <a:rPr lang="zh-CN" altLang="en-US" dirty="0" smtClean="0">
+                <a:solidFill>
+                  <a:srgbClr val="34495E"/>
+                </a:solidFill>
+                <a:latin typeface="Source Sans Pro"/>
+              </a:rPr>
+              <a:t>规则使用时，</a:t>
+            </a:r>
+            <a:r>
+              <a:rPr lang="zh-CN" altLang="en-US" dirty="0" smtClean="0">
+                <a:solidFill>
+                  <a:srgbClr val="34495E"/>
+                </a:solidFill>
+                <a:latin typeface="Source Sans Pro"/>
+              </a:rPr>
+              <a:t>这个指令可以隐藏未编译的</a:t>
+            </a:r>
+            <a:r>
+              <a:rPr lang="en-US" altLang="zh-CN" dirty="0" smtClean="0">
+                <a:solidFill>
+                  <a:srgbClr val="34495E"/>
+                </a:solidFill>
+                <a:latin typeface="Source Sans Pro"/>
+              </a:rPr>
+              <a:t>Mustache</a:t>
+            </a:r>
+            <a:r>
+              <a:rPr lang="zh-CN" altLang="en-US" dirty="0" smtClean="0">
+                <a:solidFill>
+                  <a:srgbClr val="34495E"/>
+                </a:solidFill>
+                <a:latin typeface="Source Sans Pro"/>
+              </a:rPr>
+              <a:t>标签。</a:t>
+            </a:r>
+            <a:endParaRPr lang="zh-CN" altLang="en-US" dirty="0"/>
+          </a:p>
+        </p:txBody>
+      </p:sp>
+      <p:pic>
+        <p:nvPicPr>
+          <p:cNvPr id="6" name="图片 5"/>
+          <p:cNvPicPr>
+            <a:picLocks noChangeAspect="1"/>
+          </p:cNvPicPr>
+          <p:nvPr/>
+        </p:nvPicPr>
+        <p:blipFill>
+          <a:blip r:embed="rId2"/>
+          <a:stretch>
+            <a:fillRect/>
+          </a:stretch>
+        </p:blipFill>
+        <p:spPr>
+          <a:xfrm>
+            <a:off x="430083" y="1730780"/>
+            <a:ext cx="2913618" cy="1319981"/>
+          </a:xfrm>
+          <a:prstGeom prst="rect">
+            <a:avLst/>
+          </a:prstGeom>
+        </p:spPr>
+      </p:pic>
+      <p:pic>
+        <p:nvPicPr>
+          <p:cNvPr id="7" name="图片 6"/>
+          <p:cNvPicPr>
+            <a:picLocks noChangeAspect="1"/>
+          </p:cNvPicPr>
+          <p:nvPr/>
+        </p:nvPicPr>
+        <p:blipFill>
+          <a:blip r:embed="rId3"/>
+          <a:stretch>
+            <a:fillRect/>
+          </a:stretch>
+        </p:blipFill>
+        <p:spPr>
+          <a:xfrm>
+            <a:off x="430083" y="3420092"/>
+            <a:ext cx="11550189" cy="1042726"/>
+          </a:xfrm>
+          <a:prstGeom prst="rect">
+            <a:avLst/>
+          </a:prstGeom>
+        </p:spPr>
+      </p:pic>
+      <p:sp>
+        <p:nvSpPr>
+          <p:cNvPr id="12" name="矩形 11"/>
+          <p:cNvSpPr/>
+          <p:nvPr/>
+        </p:nvSpPr>
+        <p:spPr>
+          <a:xfrm>
+            <a:off x="250209" y="5013032"/>
+            <a:ext cx="6096000" cy="369332"/>
+          </a:xfrm>
+          <a:prstGeom prst="rect">
+            <a:avLst/>
+          </a:prstGeom>
+        </p:spPr>
+        <p:txBody>
+          <a:bodyPr>
+            <a:spAutoFit/>
+          </a:bodyPr>
+          <a:lstStyle/>
+          <a:p>
+            <a:r>
+              <a:rPr lang="en-US" altLang="zh-CN" dirty="0" smtClean="0">
+                <a:solidFill>
+                  <a:srgbClr val="34495E"/>
+                </a:solidFill>
+                <a:latin typeface="Source Sans Pro"/>
+              </a:rPr>
+              <a:t>8</a:t>
+            </a:r>
+            <a:r>
+              <a:rPr lang="zh-CN" altLang="en-US" dirty="0" smtClean="0">
+                <a:solidFill>
+                  <a:srgbClr val="34495E"/>
+                </a:solidFill>
+                <a:latin typeface="Source Sans Pro"/>
+              </a:rPr>
+              <a:t>、</a:t>
+            </a:r>
+            <a:r>
+              <a:rPr lang="zh-CN" altLang="en-US" dirty="0" smtClean="0">
+                <a:solidFill>
+                  <a:srgbClr val="34495E"/>
+                </a:solidFill>
+                <a:latin typeface="Source Sans Pro"/>
+              </a:rPr>
+              <a:t>自定义指令（略）</a:t>
+            </a:r>
+            <a:endParaRPr lang="zh-CN" altLang="en-US" dirty="0"/>
+          </a:p>
+        </p:txBody>
+      </p:sp>
+    </p:spTree>
+    <p:extLst>
+      <p:ext uri="{BB962C8B-B14F-4D97-AF65-F5344CB8AC3E}">
+        <p14:creationId xmlns:p14="http://schemas.microsoft.com/office/powerpoint/2010/main" val="3650201631"/>
+      </p:ext>
+    </p:extLst>
+  </p:cSld>
+  <p:clrMapOvr>
+    <a:masterClrMapping/>
+  </p:clrMapOvr>
+  <p:timing>
+    <p:tnLst>
+      <p:par>
+        <p:cTn id="1" dur="indefinite" restart="never" nodeType="tmRoot"/>
+      </p:par>
+    </p:tnLst>
+  </p:timing>
+</p:sld>
+</file>
+
+<file path=ppt/slides/slide18.xml><?xml version="1.0" encoding="utf-8"?>
+<p:sld xmlns:a="http://schemas.openxmlformats.org/drawingml/2006/main" xmlns:r="http://schemas.openxmlformats.org/officeDocument/2006/relationships" xmlns:p="http://schemas.openxmlformats.org/presentationml/2006/main">
+  <p:cSld>
+    <p:spTree>
+      <p:nvGrpSpPr>
+        <p:cNvPr id="1" name=""/>
+        <p:cNvGrpSpPr/>
+        <p:nvPr/>
+      </p:nvGrpSpPr>
+      <p:grpSpPr>
+        <a:xfrm>
+          <a:off x="0" y="0"/>
+          <a:ext cx="0" cy="0"/>
+          <a:chOff x="0" y="0"/>
+          <a:chExt cx="0" cy="0"/>
+        </a:xfrm>
+      </p:grpSpPr>
+      <p:sp>
+        <p:nvSpPr>
+          <p:cNvPr id="3" name="矩形 2"/>
+          <p:cNvSpPr/>
+          <p:nvPr/>
+        </p:nvSpPr>
+        <p:spPr>
+          <a:xfrm>
+            <a:off x="250209" y="253453"/>
+            <a:ext cx="6096000" cy="369332"/>
+          </a:xfrm>
+          <a:prstGeom prst="rect">
+            <a:avLst/>
+          </a:prstGeom>
+        </p:spPr>
+        <p:txBody>
+          <a:bodyPr>
+            <a:spAutoFit/>
+          </a:bodyPr>
+          <a:lstStyle/>
+          <a:p>
+            <a:r>
+              <a:rPr lang="zh-CN" altLang="en-US" dirty="0" smtClean="0">
+                <a:solidFill>
+                  <a:srgbClr val="34495E"/>
+                </a:solidFill>
+                <a:latin typeface="Source Sans Pro"/>
+              </a:rPr>
+              <a:t>计算</a:t>
+            </a:r>
+            <a:r>
+              <a:rPr lang="zh-CN" altLang="en-US" dirty="0">
+                <a:solidFill>
+                  <a:srgbClr val="34495E"/>
+                </a:solidFill>
+                <a:latin typeface="Source Sans Pro"/>
+              </a:rPr>
+              <a:t>属性</a:t>
+            </a:r>
+            <a:endParaRPr lang="zh-CN" altLang="en-US" dirty="0"/>
+          </a:p>
+        </p:txBody>
+      </p:sp>
+      <p:sp>
+        <p:nvSpPr>
+          <p:cNvPr id="4" name="矩形 3"/>
+          <p:cNvSpPr/>
+          <p:nvPr/>
+        </p:nvSpPr>
+        <p:spPr>
+          <a:xfrm>
+            <a:off x="250208" y="771613"/>
+            <a:ext cx="11749533" cy="369332"/>
+          </a:xfrm>
+          <a:prstGeom prst="rect">
+            <a:avLst/>
+          </a:prstGeom>
+        </p:spPr>
+        <p:txBody>
+          <a:bodyPr wrap="square">
+            <a:spAutoFit/>
+          </a:bodyPr>
+          <a:lstStyle/>
+          <a:p>
+            <a:r>
+              <a:rPr lang="zh-CN" altLang="en-US" dirty="0" smtClean="0">
+                <a:solidFill>
+                  <a:srgbClr val="34495E"/>
+                </a:solidFill>
+                <a:latin typeface="Source Sans Pro"/>
+              </a:rPr>
+              <a:t>计算</a:t>
+            </a:r>
+            <a:r>
+              <a:rPr lang="zh-CN" altLang="en-US" dirty="0" smtClean="0">
+                <a:solidFill>
+                  <a:srgbClr val="34495E"/>
+                </a:solidFill>
+                <a:latin typeface="Source Sans Pro"/>
+              </a:rPr>
+              <a:t>属性</a:t>
+            </a:r>
+            <a:r>
+              <a:rPr lang="zh-CN" altLang="en-US" dirty="0" smtClean="0">
+                <a:solidFill>
+                  <a:srgbClr val="34495E"/>
+                </a:solidFill>
+                <a:latin typeface="Source Sans Pro"/>
+              </a:rPr>
+              <a:t>就是当其依赖的属性值发生变化时，这个属性的值也自动会跟着变化，与之相关的</a:t>
+            </a:r>
+            <a:r>
+              <a:rPr lang="en-US" altLang="zh-CN" dirty="0" smtClean="0">
+                <a:solidFill>
+                  <a:srgbClr val="34495E"/>
+                </a:solidFill>
+                <a:latin typeface="Source Sans Pro"/>
+              </a:rPr>
+              <a:t>DOM</a:t>
+            </a:r>
+            <a:r>
+              <a:rPr lang="zh-CN" altLang="en-US" dirty="0" smtClean="0">
+                <a:solidFill>
+                  <a:srgbClr val="34495E"/>
+                </a:solidFill>
+                <a:latin typeface="Source Sans Pro"/>
+              </a:rPr>
+              <a:t>部分也会自动更新</a:t>
+            </a:r>
+            <a:endParaRPr lang="zh-CN" altLang="en-US" dirty="0"/>
+          </a:p>
+        </p:txBody>
+      </p:sp>
+      <p:pic>
+        <p:nvPicPr>
+          <p:cNvPr id="2" name="图片 1"/>
+          <p:cNvPicPr>
+            <a:picLocks noChangeAspect="1"/>
+          </p:cNvPicPr>
+          <p:nvPr/>
+        </p:nvPicPr>
+        <p:blipFill>
+          <a:blip r:embed="rId2"/>
+          <a:stretch>
+            <a:fillRect/>
+          </a:stretch>
+        </p:blipFill>
+        <p:spPr>
+          <a:xfrm>
+            <a:off x="250208" y="1289773"/>
+            <a:ext cx="7801971" cy="1405761"/>
+          </a:xfrm>
+          <a:prstGeom prst="rect">
+            <a:avLst/>
+          </a:prstGeom>
+        </p:spPr>
+      </p:pic>
+      <p:pic>
+        <p:nvPicPr>
+          <p:cNvPr id="6" name="图片 5"/>
+          <p:cNvPicPr>
+            <a:picLocks noChangeAspect="1"/>
+          </p:cNvPicPr>
+          <p:nvPr/>
+        </p:nvPicPr>
+        <p:blipFill>
+          <a:blip r:embed="rId3"/>
+          <a:stretch>
+            <a:fillRect/>
+          </a:stretch>
+        </p:blipFill>
+        <p:spPr>
+          <a:xfrm>
+            <a:off x="250208" y="3328128"/>
+            <a:ext cx="5376869" cy="3081555"/>
+          </a:xfrm>
+          <a:prstGeom prst="rect">
+            <a:avLst/>
+          </a:prstGeom>
+        </p:spPr>
+      </p:pic>
+      <p:pic>
+        <p:nvPicPr>
+          <p:cNvPr id="7" name="图片 6"/>
+          <p:cNvPicPr>
+            <a:picLocks noChangeAspect="1"/>
+          </p:cNvPicPr>
+          <p:nvPr/>
+        </p:nvPicPr>
+        <p:blipFill>
+          <a:blip r:embed="rId4"/>
+          <a:stretch>
+            <a:fillRect/>
+          </a:stretch>
+        </p:blipFill>
+        <p:spPr>
+          <a:xfrm>
+            <a:off x="5612137" y="3328128"/>
+            <a:ext cx="6382911" cy="3044519"/>
+          </a:xfrm>
+          <a:prstGeom prst="rect">
+            <a:avLst/>
+          </a:prstGeom>
+        </p:spPr>
+      </p:pic>
+      <p:sp>
+        <p:nvSpPr>
+          <p:cNvPr id="8" name="矩形 7"/>
+          <p:cNvSpPr/>
+          <p:nvPr/>
+        </p:nvSpPr>
+        <p:spPr>
+          <a:xfrm>
+            <a:off x="245515" y="2936580"/>
+            <a:ext cx="11749533" cy="369332"/>
+          </a:xfrm>
+          <a:prstGeom prst="rect">
+            <a:avLst/>
+          </a:prstGeom>
+        </p:spPr>
+        <p:txBody>
+          <a:bodyPr wrap="square">
+            <a:spAutoFit/>
+          </a:bodyPr>
+          <a:lstStyle/>
+          <a:p>
+            <a:r>
+              <a:rPr lang="zh-CN" altLang="en-US" b="1" dirty="0" smtClean="0">
+                <a:solidFill>
+                  <a:srgbClr val="0000FF"/>
+                </a:solidFill>
+                <a:latin typeface="Source Sans Pro"/>
+              </a:rPr>
+              <a:t>两种写法：</a:t>
+            </a:r>
+            <a:endParaRPr lang="zh-CN" altLang="en-US" b="1" dirty="0">
+              <a:solidFill>
+                <a:srgbClr val="0000FF"/>
+              </a:solidFill>
+            </a:endParaRPr>
+          </a:p>
+        </p:txBody>
+      </p:sp>
+      <p:sp>
+        <p:nvSpPr>
+          <p:cNvPr id="9" name="矩形 8"/>
+          <p:cNvSpPr/>
+          <p:nvPr/>
+        </p:nvSpPr>
+        <p:spPr>
+          <a:xfrm>
+            <a:off x="8394804" y="1320257"/>
+            <a:ext cx="3797196" cy="1477328"/>
+          </a:xfrm>
+          <a:prstGeom prst="rect">
+            <a:avLst/>
+          </a:prstGeom>
+          <a:solidFill>
+            <a:schemeClr val="accent5">
+              <a:lumMod val="20000"/>
+              <a:lumOff val="80000"/>
+            </a:schemeClr>
+          </a:solidFill>
+        </p:spPr>
+        <p:txBody>
+          <a:bodyPr wrap="square">
+            <a:spAutoFit/>
+          </a:bodyPr>
+          <a:lstStyle/>
+          <a:p>
+            <a:r>
+              <a:rPr lang="zh-CN" altLang="en-US" b="1" dirty="0" smtClean="0">
+                <a:solidFill>
+                  <a:srgbClr val="0000FF"/>
+                </a:solidFill>
+                <a:latin typeface="Source Sans Pro"/>
+              </a:rPr>
+              <a:t>计算</a:t>
+            </a:r>
+            <a:r>
+              <a:rPr lang="zh-CN" altLang="en-US" b="1" dirty="0" smtClean="0">
+                <a:solidFill>
+                  <a:srgbClr val="0000FF"/>
+                </a:solidFill>
+                <a:latin typeface="Source Sans Pro"/>
+              </a:rPr>
+              <a:t>属性</a:t>
+            </a:r>
+            <a:r>
+              <a:rPr lang="zh-CN" altLang="en-US" b="1" dirty="0" smtClean="0">
+                <a:solidFill>
+                  <a:srgbClr val="0000FF"/>
+                </a:solidFill>
+                <a:latin typeface="Source Sans Pro"/>
+              </a:rPr>
+              <a:t>的</a:t>
+            </a:r>
+            <a:r>
+              <a:rPr lang="en-US" altLang="zh-CN" b="1" dirty="0" smtClean="0">
+                <a:solidFill>
+                  <a:srgbClr val="0000FF"/>
+                </a:solidFill>
+                <a:latin typeface="Source Sans Pro"/>
+              </a:rPr>
+              <a:t>get</a:t>
+            </a:r>
+            <a:r>
+              <a:rPr lang="zh-CN" altLang="en-US" b="1" dirty="0" smtClean="0">
+                <a:solidFill>
+                  <a:srgbClr val="0000FF"/>
+                </a:solidFill>
+                <a:latin typeface="Source Sans Pro"/>
+              </a:rPr>
+              <a:t>函数不执行的场景</a:t>
+            </a:r>
+            <a:r>
+              <a:rPr lang="zh-CN" altLang="en-US" dirty="0" smtClean="0">
+                <a:solidFill>
+                  <a:srgbClr val="34495E"/>
+                </a:solidFill>
+                <a:latin typeface="Source Sans Pro"/>
+              </a:rPr>
+              <a:t>：</a:t>
+            </a:r>
+            <a:endParaRPr lang="en-US" altLang="zh-CN" dirty="0" smtClean="0">
+              <a:solidFill>
+                <a:srgbClr val="34495E"/>
+              </a:solidFill>
+              <a:latin typeface="Source Sans Pro"/>
+            </a:endParaRPr>
+          </a:p>
+          <a:p>
+            <a:r>
+              <a:rPr lang="zh-CN" altLang="en-US" dirty="0" smtClean="0">
+                <a:solidFill>
+                  <a:srgbClr val="34495E"/>
+                </a:solidFill>
+                <a:latin typeface="Source Sans Pro"/>
+              </a:rPr>
+              <a:t>当包含计算属性的节点被移除，并且其他地方没有再引用该属性时，当该计算属性依赖的属性发生变化时，不会执行其对应的</a:t>
+            </a:r>
+            <a:r>
+              <a:rPr lang="en-US" altLang="zh-CN" dirty="0" smtClean="0">
+                <a:solidFill>
+                  <a:srgbClr val="34495E"/>
+                </a:solidFill>
+                <a:latin typeface="Source Sans Pro"/>
+              </a:rPr>
+              <a:t>get</a:t>
+            </a:r>
+            <a:r>
+              <a:rPr lang="zh-CN" altLang="en-US" dirty="0" smtClean="0">
+                <a:solidFill>
+                  <a:srgbClr val="34495E"/>
+                </a:solidFill>
+                <a:latin typeface="Source Sans Pro"/>
+              </a:rPr>
+              <a:t>函数</a:t>
+            </a:r>
+            <a:endParaRPr lang="zh-CN" altLang="en-US" dirty="0"/>
+          </a:p>
+        </p:txBody>
+      </p:sp>
+    </p:spTree>
+    <p:extLst>
+      <p:ext uri="{BB962C8B-B14F-4D97-AF65-F5344CB8AC3E}">
+        <p14:creationId xmlns:p14="http://schemas.microsoft.com/office/powerpoint/2010/main" val="2408381565"/>
+      </p:ext>
+    </p:extLst>
+  </p:cSld>
+  <p:clrMapOvr>
+    <a:masterClrMapping/>
+  </p:clrMapOvr>
+  <p:timing>
+    <p:tnLst>
+      <p:par>
+        <p:cTn id="1" dur="indefinite" restart="never" nodeType="tmRoot"/>
+      </p:par>
+    </p:tnLst>
+  </p:timing>
+</p:sld>
+</file>
+
+<file path=ppt/slides/slide19.xml><?xml version="1.0" encoding="utf-8"?>
+<p:sld xmlns:a="http://schemas.openxmlformats.org/drawingml/2006/main" xmlns:r="http://schemas.openxmlformats.org/officeDocument/2006/relationships" xmlns:p="http://schemas.openxmlformats.org/presentationml/2006/main">
+  <p:cSld>
+    <p:spTree>
+      <p:nvGrpSpPr>
+        <p:cNvPr id="1" name=""/>
+        <p:cNvGrpSpPr/>
+        <p:nvPr/>
+      </p:nvGrpSpPr>
+      <p:grpSpPr>
+        <a:xfrm>
+          <a:off x="0" y="0"/>
+          <a:ext cx="0" cy="0"/>
+          <a:chOff x="0" y="0"/>
+          <a:chExt cx="0" cy="0"/>
+        </a:xfrm>
+      </p:grpSpPr>
+      <p:sp>
+        <p:nvSpPr>
+          <p:cNvPr id="3" name="矩形 2"/>
+          <p:cNvSpPr/>
+          <p:nvPr/>
+        </p:nvSpPr>
+        <p:spPr>
+          <a:xfrm>
+            <a:off x="250209" y="253453"/>
+            <a:ext cx="6096000" cy="369332"/>
+          </a:xfrm>
+          <a:prstGeom prst="rect">
+            <a:avLst/>
+          </a:prstGeom>
+        </p:spPr>
+        <p:txBody>
+          <a:bodyPr>
+            <a:spAutoFit/>
+          </a:bodyPr>
+          <a:lstStyle/>
+          <a:p>
+            <a:r>
+              <a:rPr lang="zh-CN" altLang="en-US" dirty="0" smtClean="0">
+                <a:solidFill>
+                  <a:srgbClr val="34495E"/>
+                </a:solidFill>
+                <a:latin typeface="Source Sans Pro"/>
+              </a:rPr>
+              <a:t>计算</a:t>
+            </a:r>
+            <a:r>
+              <a:rPr lang="zh-CN" altLang="en-US" dirty="0" smtClean="0">
+                <a:solidFill>
+                  <a:srgbClr val="34495E"/>
+                </a:solidFill>
+                <a:latin typeface="Source Sans Pro"/>
+              </a:rPr>
+              <a:t>属性的缓存</a:t>
+            </a:r>
+            <a:endParaRPr lang="zh-CN" altLang="en-US" dirty="0"/>
+          </a:p>
+        </p:txBody>
+      </p:sp>
+      <p:sp>
+        <p:nvSpPr>
+          <p:cNvPr id="4" name="矩形 3"/>
+          <p:cNvSpPr/>
+          <p:nvPr/>
+        </p:nvSpPr>
+        <p:spPr>
+          <a:xfrm>
+            <a:off x="250208" y="771613"/>
+            <a:ext cx="11749533" cy="369332"/>
+          </a:xfrm>
+          <a:prstGeom prst="rect">
+            <a:avLst/>
+          </a:prstGeom>
+        </p:spPr>
+        <p:txBody>
+          <a:bodyPr wrap="square">
+            <a:spAutoFit/>
+          </a:bodyPr>
+          <a:lstStyle/>
+          <a:p>
+            <a:r>
+              <a:rPr lang="zh-CN" altLang="en-US" dirty="0" smtClean="0">
+                <a:solidFill>
+                  <a:srgbClr val="34495E"/>
+                </a:solidFill>
+                <a:latin typeface="Source Sans Pro"/>
+              </a:rPr>
+              <a:t>当</a:t>
+            </a:r>
+            <a:r>
+              <a:rPr lang="zh-CN" altLang="en-US" dirty="0">
+                <a:solidFill>
+                  <a:srgbClr val="34495E"/>
+                </a:solidFill>
+                <a:latin typeface="Source Sans Pro"/>
+              </a:rPr>
+              <a:t>计算属性</a:t>
+            </a:r>
+            <a:r>
+              <a:rPr lang="zh-CN" altLang="en-US" dirty="0" smtClean="0">
+                <a:solidFill>
+                  <a:srgbClr val="34495E"/>
+                </a:solidFill>
+                <a:latin typeface="Source Sans Pro"/>
+              </a:rPr>
+              <a:t>依赖的属性值发生变化时，这个属性的值也自动会跟着变化，其实就是会执行</a:t>
+            </a:r>
+            <a:r>
+              <a:rPr lang="en-US" altLang="zh-CN" dirty="0" smtClean="0">
+                <a:solidFill>
+                  <a:srgbClr val="34495E"/>
+                </a:solidFill>
+                <a:latin typeface="Source Sans Pro"/>
+              </a:rPr>
+              <a:t>get</a:t>
+            </a:r>
+            <a:r>
+              <a:rPr lang="zh-CN" altLang="en-US" dirty="0" smtClean="0">
+                <a:solidFill>
+                  <a:srgbClr val="34495E"/>
+                </a:solidFill>
+                <a:latin typeface="Source Sans Pro"/>
+              </a:rPr>
+              <a:t>对应的函数。</a:t>
+            </a:r>
+            <a:endParaRPr lang="zh-CN" altLang="en-US" dirty="0"/>
+          </a:p>
+        </p:txBody>
+      </p:sp>
+      <p:sp>
+        <p:nvSpPr>
+          <p:cNvPr id="7" name="矩形 6"/>
+          <p:cNvSpPr/>
+          <p:nvPr/>
+        </p:nvSpPr>
+        <p:spPr>
+          <a:xfrm>
+            <a:off x="250207" y="1140945"/>
+            <a:ext cx="11941793" cy="646331"/>
+          </a:xfrm>
+          <a:prstGeom prst="rect">
+            <a:avLst/>
+          </a:prstGeom>
+        </p:spPr>
+        <p:txBody>
+          <a:bodyPr wrap="square">
+            <a:spAutoFit/>
+          </a:bodyPr>
+          <a:lstStyle/>
+          <a:p>
+            <a:r>
+              <a:rPr lang="zh-CN" altLang="en-US" dirty="0" smtClean="0">
+                <a:solidFill>
+                  <a:srgbClr val="34495E"/>
+                </a:solidFill>
+                <a:latin typeface="Source Sans Pro"/>
+              </a:rPr>
+              <a:t>这样存在的问题：只有当</a:t>
+            </a:r>
+            <a:r>
+              <a:rPr lang="en-US" altLang="zh-CN" dirty="0" err="1" smtClean="0">
+                <a:solidFill>
+                  <a:srgbClr val="34495E"/>
+                </a:solidFill>
+                <a:latin typeface="Source Sans Pro"/>
+              </a:rPr>
+              <a:t>Vue</a:t>
+            </a:r>
+            <a:r>
+              <a:rPr lang="zh-CN" altLang="en-US" dirty="0" smtClean="0">
+                <a:solidFill>
+                  <a:srgbClr val="34495E"/>
+                </a:solidFill>
+                <a:latin typeface="Source Sans Pro"/>
+              </a:rPr>
+              <a:t>实例中</a:t>
+            </a:r>
+            <a:r>
+              <a:rPr lang="zh-CN" altLang="en-US" b="1" dirty="0" smtClean="0">
+                <a:solidFill>
+                  <a:srgbClr val="FF0000"/>
+                </a:solidFill>
+                <a:latin typeface="Source Sans Pro"/>
+              </a:rPr>
+              <a:t>被观察的数据</a:t>
+            </a:r>
+            <a:r>
+              <a:rPr lang="zh-CN" altLang="en-US" dirty="0" smtClean="0">
+                <a:solidFill>
+                  <a:srgbClr val="34495E"/>
+                </a:solidFill>
+                <a:latin typeface="Source Sans Pro"/>
+              </a:rPr>
+              <a:t>发生变化时才会执行</a:t>
+            </a:r>
+            <a:r>
+              <a:rPr lang="en-US" altLang="zh-CN" dirty="0" smtClean="0">
+                <a:solidFill>
+                  <a:srgbClr val="34495E"/>
+                </a:solidFill>
+                <a:latin typeface="Source Sans Pro"/>
+              </a:rPr>
+              <a:t>get</a:t>
+            </a:r>
+            <a:r>
+              <a:rPr lang="zh-CN" altLang="en-US" dirty="0" smtClean="0">
+                <a:solidFill>
+                  <a:srgbClr val="34495E"/>
+                </a:solidFill>
+                <a:latin typeface="Source Sans Pro"/>
+              </a:rPr>
+              <a:t>函数，而当计算属性依赖</a:t>
+            </a:r>
+            <a:r>
+              <a:rPr lang="zh-CN" altLang="en-US" b="1" dirty="0" smtClean="0">
+                <a:solidFill>
+                  <a:srgbClr val="FF0000"/>
+                </a:solidFill>
+                <a:latin typeface="Source Sans Pro"/>
+              </a:rPr>
+              <a:t>实时的非观察数据</a:t>
+            </a:r>
+            <a:r>
+              <a:rPr lang="zh-CN" altLang="en-US" dirty="0" smtClean="0">
+                <a:solidFill>
+                  <a:srgbClr val="34495E"/>
+                </a:solidFill>
+                <a:latin typeface="Source Sans Pro"/>
+              </a:rPr>
+              <a:t>属性时，在访问该计算属性时其值并没有实时变化，是因为</a:t>
+            </a:r>
+            <a:r>
+              <a:rPr lang="en-US" altLang="zh-CN" dirty="0" err="1" smtClean="0">
+                <a:solidFill>
+                  <a:srgbClr val="34495E"/>
+                </a:solidFill>
+                <a:latin typeface="Source Sans Pro"/>
+              </a:rPr>
+              <a:t>Vue</a:t>
+            </a:r>
+            <a:r>
+              <a:rPr lang="zh-CN" altLang="en-US" dirty="0" smtClean="0">
+                <a:solidFill>
+                  <a:srgbClr val="34495E"/>
+                </a:solidFill>
+                <a:latin typeface="Source Sans Pro"/>
+              </a:rPr>
+              <a:t>使用了缓存。可以</a:t>
+            </a:r>
+            <a:r>
+              <a:rPr lang="zh-CN" altLang="en-US" b="1" dirty="0" smtClean="0">
+                <a:solidFill>
+                  <a:srgbClr val="0000FF"/>
+                </a:solidFill>
+                <a:latin typeface="Source Sans Pro"/>
+              </a:rPr>
+              <a:t>将缓存关闭</a:t>
+            </a:r>
+            <a:r>
+              <a:rPr lang="zh-CN" altLang="en-US" dirty="0" smtClean="0">
+                <a:solidFill>
+                  <a:srgbClr val="34495E"/>
+                </a:solidFill>
+                <a:latin typeface="Source Sans Pro"/>
+              </a:rPr>
+              <a:t>。</a:t>
+            </a:r>
+            <a:endParaRPr lang="zh-CN" altLang="en-US" dirty="0"/>
+          </a:p>
+        </p:txBody>
+      </p:sp>
+      <p:pic>
+        <p:nvPicPr>
+          <p:cNvPr id="8" name="图片 7"/>
+          <p:cNvPicPr>
+            <a:picLocks noChangeAspect="1"/>
+          </p:cNvPicPr>
+          <p:nvPr/>
+        </p:nvPicPr>
+        <p:blipFill>
+          <a:blip r:embed="rId2"/>
+          <a:stretch>
+            <a:fillRect/>
+          </a:stretch>
+        </p:blipFill>
+        <p:spPr>
+          <a:xfrm>
+            <a:off x="250206" y="1746332"/>
+            <a:ext cx="6096003" cy="1267704"/>
+          </a:xfrm>
+          <a:prstGeom prst="rect">
+            <a:avLst/>
+          </a:prstGeom>
+          <a:ln>
+            <a:solidFill>
+              <a:srgbClr val="FF0000"/>
+            </a:solidFill>
+          </a:ln>
+        </p:spPr>
+      </p:pic>
+      <p:pic>
+        <p:nvPicPr>
+          <p:cNvPr id="10" name="图片 9"/>
+          <p:cNvPicPr>
+            <a:picLocks noChangeAspect="1"/>
+          </p:cNvPicPr>
+          <p:nvPr/>
+        </p:nvPicPr>
+        <p:blipFill>
+          <a:blip r:embed="rId3"/>
+          <a:stretch>
+            <a:fillRect/>
+          </a:stretch>
+        </p:blipFill>
+        <p:spPr>
+          <a:xfrm>
+            <a:off x="250204" y="3054980"/>
+            <a:ext cx="5531617" cy="3765559"/>
+          </a:xfrm>
+          <a:prstGeom prst="rect">
+            <a:avLst/>
+          </a:prstGeom>
+          <a:ln>
+            <a:solidFill>
+              <a:srgbClr val="0000FF"/>
+            </a:solidFill>
+          </a:ln>
+        </p:spPr>
+      </p:pic>
+      <p:pic>
+        <p:nvPicPr>
+          <p:cNvPr id="11" name="图片 10"/>
+          <p:cNvPicPr>
+            <a:picLocks noChangeAspect="1"/>
+          </p:cNvPicPr>
+          <p:nvPr/>
+        </p:nvPicPr>
+        <p:blipFill>
+          <a:blip r:embed="rId4"/>
+          <a:stretch>
+            <a:fillRect/>
+          </a:stretch>
+        </p:blipFill>
+        <p:spPr>
+          <a:xfrm>
+            <a:off x="6147583" y="3054980"/>
+            <a:ext cx="5572215" cy="3765559"/>
+          </a:xfrm>
+          <a:prstGeom prst="rect">
+            <a:avLst/>
+          </a:prstGeom>
+          <a:ln>
+            <a:solidFill>
+              <a:srgbClr val="0000FF"/>
+            </a:solidFill>
+          </a:ln>
+        </p:spPr>
+      </p:pic>
+    </p:spTree>
+    <p:extLst>
+      <p:ext uri="{BB962C8B-B14F-4D97-AF65-F5344CB8AC3E}">
+        <p14:creationId xmlns:p14="http://schemas.microsoft.com/office/powerpoint/2010/main" val="2340528050"/>
+      </p:ext>
+    </p:extLst>
+  </p:cSld>
+  <p:clrMapOvr>
+    <a:masterClrMapping/>
+  </p:clrMapOvr>
+  <p:timing>
+    <p:tnLst>
+      <p:par>
+        <p:cTn id="1" dur="indefinite" restart="never" nodeType="tmRoot"/>
+      </p:par>
+    </p:tnLst>
+  </p:timing>
 </p:sld>
 </file>
 
@@ -5544,6 +10039,207 @@
       </p:par>
     </p:tnLst>
   </p:timing>
+</p:sld>
+</file>
+
+<file path=ppt/slides/slide20.xml><?xml version="1.0" encoding="utf-8"?>
+<p:sld xmlns:a="http://schemas.openxmlformats.org/drawingml/2006/main" xmlns:r="http://schemas.openxmlformats.org/officeDocument/2006/relationships" xmlns:p="http://schemas.openxmlformats.org/presentationml/2006/main">
+  <p:cSld>
+    <p:spTree>
+      <p:nvGrpSpPr>
+        <p:cNvPr id="1" name=""/>
+        <p:cNvGrpSpPr/>
+        <p:nvPr/>
+      </p:nvGrpSpPr>
+      <p:grpSpPr>
+        <a:xfrm>
+          <a:off x="0" y="0"/>
+          <a:ext cx="0" cy="0"/>
+          <a:chOff x="0" y="0"/>
+          <a:chExt cx="0" cy="0"/>
+        </a:xfrm>
+      </p:grpSpPr>
+      <p:sp>
+        <p:nvSpPr>
+          <p:cNvPr id="3" name="矩形 2"/>
+          <p:cNvSpPr/>
+          <p:nvPr/>
+        </p:nvSpPr>
+        <p:spPr>
+          <a:xfrm>
+            <a:off x="250209" y="253453"/>
+            <a:ext cx="6096000" cy="369332"/>
+          </a:xfrm>
+          <a:prstGeom prst="rect">
+            <a:avLst/>
+          </a:prstGeom>
+        </p:spPr>
+        <p:txBody>
+          <a:bodyPr>
+            <a:spAutoFit/>
+          </a:bodyPr>
+          <a:lstStyle/>
+          <a:p>
+            <a:r>
+              <a:rPr lang="zh-CN" altLang="en-US" dirty="0">
+                <a:solidFill>
+                  <a:srgbClr val="34495E"/>
+                </a:solidFill>
+                <a:latin typeface="Source Sans Pro"/>
+              </a:rPr>
+              <a:t>表单</a:t>
+            </a:r>
+            <a:r>
+              <a:rPr lang="zh-CN" altLang="en-US" dirty="0" smtClean="0">
+                <a:solidFill>
+                  <a:srgbClr val="34495E"/>
+                </a:solidFill>
+                <a:latin typeface="Source Sans Pro"/>
+              </a:rPr>
+              <a:t>控件</a:t>
+            </a:r>
+            <a:r>
+              <a:rPr lang="zh-CN" altLang="en-US" dirty="0" smtClean="0">
+                <a:solidFill>
+                  <a:srgbClr val="34495E"/>
+                </a:solidFill>
+                <a:latin typeface="Source Sans Pro"/>
+              </a:rPr>
+              <a:t>绑定详解</a:t>
+            </a:r>
+            <a:endParaRPr lang="zh-CN" altLang="en-US" dirty="0"/>
+          </a:p>
+        </p:txBody>
+      </p:sp>
+      <p:pic>
+        <p:nvPicPr>
+          <p:cNvPr id="5" name="图片 4"/>
+          <p:cNvPicPr>
+            <a:picLocks noChangeAspect="1"/>
+          </p:cNvPicPr>
+          <p:nvPr/>
+        </p:nvPicPr>
+        <p:blipFill>
+          <a:blip r:embed="rId2"/>
+          <a:stretch>
+            <a:fillRect/>
+          </a:stretch>
+        </p:blipFill>
+        <p:spPr>
+          <a:xfrm>
+            <a:off x="250209" y="1045867"/>
+            <a:ext cx="7011575" cy="3567078"/>
+          </a:xfrm>
+          <a:prstGeom prst="rect">
+            <a:avLst/>
+          </a:prstGeom>
+        </p:spPr>
+      </p:pic>
+      <p:pic>
+        <p:nvPicPr>
+          <p:cNvPr id="6" name="图片 5"/>
+          <p:cNvPicPr>
+            <a:picLocks noChangeAspect="1"/>
+          </p:cNvPicPr>
+          <p:nvPr/>
+        </p:nvPicPr>
+        <p:blipFill>
+          <a:blip r:embed="rId3"/>
+          <a:stretch>
+            <a:fillRect/>
+          </a:stretch>
+        </p:blipFill>
+        <p:spPr>
+          <a:xfrm>
+            <a:off x="7411912" y="1045868"/>
+            <a:ext cx="4598120" cy="3573396"/>
+          </a:xfrm>
+          <a:prstGeom prst="rect">
+            <a:avLst/>
+          </a:prstGeom>
+        </p:spPr>
+      </p:pic>
+    </p:spTree>
+    <p:extLst>
+      <p:ext uri="{BB962C8B-B14F-4D97-AF65-F5344CB8AC3E}">
+        <p14:creationId xmlns:p14="http://schemas.microsoft.com/office/powerpoint/2010/main" val="2142607455"/>
+      </p:ext>
+    </p:extLst>
+  </p:cSld>
+  <p:clrMapOvr>
+    <a:masterClrMapping/>
+  </p:clrMapOvr>
+  <p:timing>
+    <p:tnLst>
+      <p:par>
+        <p:cTn id="1" dur="indefinite" restart="never" nodeType="tmRoot"/>
+      </p:par>
+    </p:tnLst>
+  </p:timing>
+</p:sld>
+</file>
+
+<file path=ppt/slides/slide21.xml><?xml version="1.0" encoding="utf-8"?>
+<p:sld xmlns:a="http://schemas.openxmlformats.org/drawingml/2006/main" xmlns:r="http://schemas.openxmlformats.org/officeDocument/2006/relationships" xmlns:p="http://schemas.openxmlformats.org/presentationml/2006/main">
+  <p:cSld>
+    <p:spTree>
+      <p:nvGrpSpPr>
+        <p:cNvPr id="1" name=""/>
+        <p:cNvGrpSpPr/>
+        <p:nvPr/>
+      </p:nvGrpSpPr>
+      <p:grpSpPr>
+        <a:xfrm>
+          <a:off x="0" y="0"/>
+          <a:ext cx="0" cy="0"/>
+          <a:chOff x="0" y="0"/>
+          <a:chExt cx="0" cy="0"/>
+        </a:xfrm>
+      </p:grpSpPr>
+      <p:sp>
+        <p:nvSpPr>
+          <p:cNvPr id="3" name="矩形 2"/>
+          <p:cNvSpPr/>
+          <p:nvPr/>
+        </p:nvSpPr>
+        <p:spPr>
+          <a:xfrm>
+            <a:off x="250209" y="253453"/>
+            <a:ext cx="6096000" cy="369332"/>
+          </a:xfrm>
+          <a:prstGeom prst="rect">
+            <a:avLst/>
+          </a:prstGeom>
+        </p:spPr>
+        <p:txBody>
+          <a:bodyPr>
+            <a:spAutoFit/>
+          </a:bodyPr>
+          <a:lstStyle/>
+          <a:p>
+            <a:r>
+              <a:rPr lang="zh-CN" altLang="en-US" dirty="0" smtClean="0">
+                <a:solidFill>
+                  <a:srgbClr val="34495E"/>
+                </a:solidFill>
+                <a:latin typeface="Source Sans Pro"/>
+              </a:rPr>
+              <a:t>过滤器</a:t>
+            </a:r>
+            <a:endParaRPr lang="zh-CN" altLang="en-US" dirty="0"/>
+          </a:p>
+        </p:txBody>
+      </p:sp>
+    </p:spTree>
+    <p:extLst>
+      <p:ext uri="{BB962C8B-B14F-4D97-AF65-F5344CB8AC3E}">
+        <p14:creationId xmlns:p14="http://schemas.microsoft.com/office/powerpoint/2010/main" val="2190778081"/>
+      </p:ext>
+    </p:extLst>
+  </p:cSld>
+  <p:clrMapOvr>
+    <a:masterClrMapping/>
+  </p:clrMapOvr>
 </p:sld>
 </file>
 

--- a/Vue/vue.pptx
+++ b/Vue/vue.pptx
@@ -5818,52 +5818,25 @@
                 </a:solidFill>
                 <a:latin typeface="Source Sans Pro"/>
               </a:rPr>
-              <a:t>中移除或生成一个元素</a:t>
-            </a:r>
-            <a:r>
-              <a:rPr lang="zh-CN" altLang="en-US" dirty="0" smtClean="0">
-                <a:solidFill>
-                  <a:srgbClr val="34495E"/>
-                </a:solidFill>
-                <a:latin typeface="Source Sans Pro"/>
-              </a:rPr>
-              <a:t>。</a:t>
-            </a:r>
-            <a:r>
-              <a:rPr lang="en-US" altLang="zh-CN" dirty="0" smtClean="0">
-                <a:solidFill>
-                  <a:srgbClr val="34495E"/>
-                </a:solidFill>
-                <a:latin typeface="Source Sans Pro"/>
-              </a:rPr>
-              <a:t>v</a:t>
-            </a:r>
-            <a:r>
-              <a:rPr lang="en-US" altLang="zh-CN" dirty="0" smtClean="0">
-                <a:solidFill>
-                  <a:srgbClr val="34495E"/>
-                </a:solidFill>
-                <a:latin typeface="Source Sans Pro"/>
-              </a:rPr>
-              <a:t>-if/v-else</a:t>
-            </a:r>
-            <a:r>
-              <a:rPr lang="zh-CN" altLang="en-US" dirty="0" smtClean="0">
-                <a:solidFill>
-                  <a:srgbClr val="34495E"/>
-                </a:solidFill>
-                <a:latin typeface="Source Sans Pro"/>
-              </a:rPr>
-              <a:t>表达式</a:t>
-            </a:r>
-            <a:r>
-              <a:rPr lang="zh-CN" altLang="en-US" dirty="0" smtClean="0">
-                <a:solidFill>
-                  <a:srgbClr val="34495E"/>
-                </a:solidFill>
-                <a:latin typeface="Source Sans Pro"/>
-              </a:rPr>
-              <a:t>的值为</a:t>
+              <a:t>中移除或生成一个元素。</a:t>
+            </a:r>
+            <a:r>
+              <a:rPr lang="en-US" altLang="zh-CN" dirty="0" smtClean="0">
+                <a:solidFill>
+                  <a:srgbClr val="34495E"/>
+                </a:solidFill>
+                <a:latin typeface="Source Sans Pro"/>
+              </a:rPr>
+              <a:t>v-if/v-else</a:t>
+            </a:r>
+            <a:r>
+              <a:rPr lang="zh-CN" altLang="en-US" dirty="0" smtClean="0">
+                <a:solidFill>
+                  <a:srgbClr val="34495E"/>
+                </a:solidFill>
+                <a:latin typeface="Source Sans Pro"/>
+              </a:rPr>
+              <a:t>表达式的值为</a:t>
             </a:r>
             <a:r>
               <a:rPr lang="en-US" altLang="zh-CN" dirty="0" smtClean="0">
@@ -5951,70 +5924,25 @@
                 </a:solidFill>
                 <a:latin typeface="Source Sans Pro"/>
               </a:rPr>
-              <a:t>根据表达式的</a:t>
-            </a:r>
-            <a:r>
-              <a:rPr lang="zh-CN" altLang="en-US" dirty="0" smtClean="0">
-                <a:solidFill>
-                  <a:srgbClr val="34495E"/>
-                </a:solidFill>
-                <a:latin typeface="Source Sans Pro"/>
-              </a:rPr>
-              <a:t>值显示或隐藏一</a:t>
-            </a:r>
-            <a:r>
-              <a:rPr lang="zh-CN" altLang="en-US" dirty="0" smtClean="0">
-                <a:solidFill>
-                  <a:srgbClr val="34495E"/>
-                </a:solidFill>
-                <a:latin typeface="Source Sans Pro"/>
-              </a:rPr>
-              <a:t>个元素</a:t>
-            </a:r>
-            <a:r>
-              <a:rPr lang="zh-CN" altLang="en-US" dirty="0" smtClean="0">
-                <a:solidFill>
-                  <a:srgbClr val="34495E"/>
-                </a:solidFill>
-                <a:latin typeface="Source Sans Pro"/>
-              </a:rPr>
-              <a:t>。</a:t>
-            </a:r>
-            <a:r>
-              <a:rPr lang="en-US" altLang="zh-CN" dirty="0" smtClean="0">
-                <a:solidFill>
-                  <a:srgbClr val="34495E"/>
-                </a:solidFill>
-                <a:latin typeface="Source Sans Pro"/>
-              </a:rPr>
-              <a:t>v</a:t>
-            </a:r>
-            <a:r>
-              <a:rPr lang="en-US" altLang="zh-CN" dirty="0" smtClean="0">
-                <a:solidFill>
-                  <a:srgbClr val="34495E"/>
-                </a:solidFill>
-                <a:latin typeface="Source Sans Pro"/>
-              </a:rPr>
-              <a:t>-show</a:t>
-            </a:r>
-            <a:r>
-              <a:rPr lang="zh-CN" altLang="en-US" dirty="0" smtClean="0">
-                <a:solidFill>
-                  <a:srgbClr val="34495E"/>
-                </a:solidFill>
-                <a:latin typeface="Source Sans Pro"/>
-              </a:rPr>
-              <a:t>表达式</a:t>
-            </a:r>
-            <a:r>
-              <a:rPr lang="zh-CN" altLang="en-US" dirty="0" smtClean="0">
-                <a:solidFill>
-                  <a:srgbClr val="34495E"/>
-                </a:solidFill>
-                <a:latin typeface="Source Sans Pro"/>
-              </a:rPr>
-              <a:t>的值为</a:t>
+              <a:t>根据表达式的值显示或隐藏一个元素。</a:t>
+            </a:r>
+            <a:r>
+              <a:rPr lang="en-US" altLang="zh-CN" dirty="0" smtClean="0">
+                <a:solidFill>
+                  <a:srgbClr val="34495E"/>
+                </a:solidFill>
+                <a:latin typeface="Source Sans Pro"/>
+              </a:rPr>
+              <a:t>v-show</a:t>
+            </a:r>
+            <a:r>
+              <a:rPr lang="zh-CN" altLang="en-US" dirty="0" smtClean="0">
+                <a:solidFill>
+                  <a:srgbClr val="34495E"/>
+                </a:solidFill>
+                <a:latin typeface="Source Sans Pro"/>
+              </a:rPr>
+              <a:t>表达式的值为</a:t>
             </a:r>
             <a:r>
               <a:rPr lang="en-US" altLang="zh-CN" dirty="0" smtClean="0">
@@ -6032,16 +5960,7 @@
                 </a:solidFill>
                 <a:latin typeface="Source Sans Pro"/>
               </a:rPr>
-              <a:t>，则元素</a:t>
-            </a:r>
-            <a:r>
-              <a:rPr lang="zh-CN" altLang="en-US" dirty="0" smtClean="0">
-                <a:solidFill>
-                  <a:srgbClr val="34495E"/>
-                </a:solidFill>
-                <a:latin typeface="Source Sans Pro"/>
-              </a:rPr>
-              <a:t>被隐藏，</a:t>
+              <a:t>，则元素被隐藏，</a:t>
             </a:r>
             <a:r>
               <a:rPr lang="en-US" altLang="zh-CN" dirty="0" smtClean="0">
@@ -6095,16 +6014,7 @@
                 </a:solidFill>
                 <a:latin typeface="Source Sans Pro"/>
               </a:rPr>
-              <a:t>，</a:t>
-            </a:r>
-            <a:r>
-              <a:rPr lang="zh-CN" altLang="en-US" dirty="0" smtClean="0">
-                <a:solidFill>
-                  <a:srgbClr val="34495E"/>
-                </a:solidFill>
-                <a:latin typeface="Source Sans Pro"/>
-              </a:rPr>
-              <a:t>如果表达式值为</a:t>
+              <a:t>，如果表达式值为</a:t>
             </a:r>
             <a:r>
               <a:rPr lang="en-US" altLang="zh-CN" dirty="0" smtClean="0">
@@ -6122,16 +6032,7 @@
                 </a:solidFill>
                 <a:latin typeface="Source Sans Pro"/>
               </a:rPr>
-              <a:t>，则对应</a:t>
-            </a:r>
-            <a:r>
-              <a:rPr lang="zh-CN" altLang="en-US" dirty="0" smtClean="0">
-                <a:solidFill>
-                  <a:srgbClr val="34495E"/>
-                </a:solidFill>
-                <a:latin typeface="Source Sans Pro"/>
-              </a:rPr>
-              <a:t>元素被现实。</a:t>
+              <a:t>，则对应元素被现实。</a:t>
             </a:r>
             <a:endParaRPr lang="zh-CN" altLang="en-US" dirty="0"/>
           </a:p>
@@ -7241,16 +7142,7 @@
                 </a:solidFill>
                 <a:latin typeface="Source Sans Pro"/>
               </a:rPr>
-              <a:t>个或多个元素的属性绑定到表达式</a:t>
-            </a:r>
-            <a:r>
-              <a:rPr lang="zh-CN" altLang="en-US" dirty="0" smtClean="0">
-                <a:solidFill>
-                  <a:srgbClr val="34495E"/>
-                </a:solidFill>
-                <a:latin typeface="Source Sans Pro"/>
-              </a:rPr>
-              <a:t>。</a:t>
+              <a:t>个或多个元素的属性绑定到表达式。</a:t>
             </a:r>
             <a:endParaRPr lang="zh-CN" altLang="en-US" dirty="0"/>
           </a:p>
@@ -7996,16 +7888,7 @@
                 </a:solidFill>
                 <a:latin typeface="Source Sans Pro"/>
               </a:rPr>
-              <a:t>规则使用时，</a:t>
-            </a:r>
-            <a:r>
-              <a:rPr lang="zh-CN" altLang="en-US" dirty="0" smtClean="0">
-                <a:solidFill>
-                  <a:srgbClr val="34495E"/>
-                </a:solidFill>
-                <a:latin typeface="Source Sans Pro"/>
-              </a:rPr>
-              <a:t>这个指令可以隐藏未编译的</a:t>
+              <a:t>规则使用时，这个指令可以隐藏未编译的</a:t>
             </a:r>
             <a:r>
               <a:rPr lang="en-US" altLang="zh-CN" dirty="0" smtClean="0">
@@ -8114,16 +7997,7 @@
                 </a:solidFill>
                 <a:latin typeface="Source Sans Pro"/>
               </a:rPr>
-              <a:t>、</a:t>
-            </a:r>
-            <a:r>
-              <a:rPr lang="zh-CN" altLang="en-US" dirty="0" smtClean="0">
-                <a:solidFill>
-                  <a:srgbClr val="34495E"/>
-                </a:solidFill>
-                <a:latin typeface="Source Sans Pro"/>
-              </a:rPr>
-              <a:t>自定义指令（略）</a:t>
+              <a:t>、自定义指令（略）</a:t>
             </a:r>
             <a:endParaRPr lang="zh-CN" altLang="en-US" dirty="0"/>
           </a:p>
@@ -8237,25 +8111,7 @@
                 </a:solidFill>
                 <a:latin typeface="Source Sans Pro"/>
               </a:rPr>
-              <a:t>计算</a:t>
-            </a:r>
-            <a:r>
-              <a:rPr lang="zh-CN" altLang="en-US" dirty="0" smtClean="0">
-                <a:solidFill>
-                  <a:srgbClr val="34495E"/>
-                </a:solidFill>
-                <a:latin typeface="Source Sans Pro"/>
-              </a:rPr>
-              <a:t>属性</a:t>
-            </a:r>
-            <a:r>
-              <a:rPr lang="zh-CN" altLang="en-US" dirty="0" smtClean="0">
-                <a:solidFill>
-                  <a:srgbClr val="34495E"/>
-                </a:solidFill>
-                <a:latin typeface="Source Sans Pro"/>
-              </a:rPr>
-              <a:t>就是当其依赖的属性值发生变化时，这个属性的值也自动会跟着变化，与之相关的</a:t>
+              <a:t>计算属性就是当其依赖的属性值发生变化时，这个属性的值也自动会跟着变化，与之相关的</a:t>
             </a:r>
             <a:r>
               <a:rPr lang="en-US" altLang="zh-CN" dirty="0" smtClean="0">
@@ -8423,25 +8279,7 @@
                 </a:solidFill>
                 <a:latin typeface="Source Sans Pro"/>
               </a:rPr>
-              <a:t>计算</a:t>
-            </a:r>
-            <a:r>
-              <a:rPr lang="zh-CN" altLang="en-US" b="1" dirty="0" smtClean="0">
-                <a:solidFill>
-                  <a:srgbClr val="0000FF"/>
-                </a:solidFill>
-                <a:latin typeface="Source Sans Pro"/>
-              </a:rPr>
-              <a:t>属性</a:t>
-            </a:r>
-            <a:r>
-              <a:rPr lang="zh-CN" altLang="en-US" b="1" dirty="0" smtClean="0">
-                <a:solidFill>
-                  <a:srgbClr val="0000FF"/>
-                </a:solidFill>
-                <a:latin typeface="Source Sans Pro"/>
-              </a:rPr>
-              <a:t>的</a:t>
+              <a:t>计算属性的</a:t>
             </a:r>
             <a:r>
               <a:rPr lang="en-US" altLang="zh-CN" b="1" dirty="0" smtClean="0">
@@ -8574,16 +8412,7 @@
                 </a:solidFill>
                 <a:latin typeface="Source Sans Pro"/>
               </a:rPr>
-              <a:t>计算</a:t>
-            </a:r>
-            <a:r>
-              <a:rPr lang="zh-CN" altLang="en-US" dirty="0" smtClean="0">
-                <a:solidFill>
-                  <a:srgbClr val="34495E"/>
-                </a:solidFill>
-                <a:latin typeface="Source Sans Pro"/>
-              </a:rPr>
-              <a:t>属性的缓存</a:t>
+              <a:t>计算属性的缓存</a:t>
             </a:r>
             <a:endParaRPr lang="zh-CN" altLang="en-US" dirty="0"/>
           </a:p>
@@ -10105,7 +9934,7 @@
                 </a:solidFill>
                 <a:latin typeface="Source Sans Pro"/>
               </a:rPr>
-              <a:t>绑定详解</a:t>
+              <a:t>绑定</a:t>
             </a:r>
             <a:endParaRPr lang="zh-CN" altLang="en-US" dirty="0"/>
           </a:p>
@@ -10230,6 +10059,124 @@
           </a:p>
         </p:txBody>
       </p:sp>
+      <p:sp>
+        <p:nvSpPr>
+          <p:cNvPr id="4" name="矩形 3"/>
+          <p:cNvSpPr/>
+          <p:nvPr/>
+        </p:nvSpPr>
+        <p:spPr>
+          <a:xfrm>
+            <a:off x="250209" y="622785"/>
+            <a:ext cx="6096000" cy="369332"/>
+          </a:xfrm>
+          <a:prstGeom prst="rect">
+            <a:avLst/>
+          </a:prstGeom>
+        </p:spPr>
+        <p:txBody>
+          <a:bodyPr>
+            <a:spAutoFit/>
+          </a:bodyPr>
+          <a:lstStyle/>
+          <a:p>
+            <a:r>
+              <a:rPr lang="zh-CN" altLang="en-US" dirty="0" smtClean="0">
+                <a:solidFill>
+                  <a:srgbClr val="34495E"/>
+                </a:solidFill>
+                <a:latin typeface="Source Sans Pro"/>
+              </a:rPr>
+              <a:t>过滤器可以用在</a:t>
+            </a:r>
+            <a:r>
+              <a:rPr lang="en-US" altLang="zh-CN" dirty="0" smtClean="0">
+                <a:solidFill>
+                  <a:srgbClr val="34495E"/>
+                </a:solidFill>
+                <a:latin typeface="Source Sans Pro"/>
+              </a:rPr>
+              <a:t>Mustache</a:t>
+            </a:r>
+            <a:r>
+              <a:rPr lang="zh-CN" altLang="en-US" dirty="0" smtClean="0">
+                <a:solidFill>
+                  <a:srgbClr val="34495E"/>
+                </a:solidFill>
+                <a:latin typeface="Source Sans Pro"/>
+              </a:rPr>
+              <a:t>表达式和</a:t>
+            </a:r>
+            <a:r>
+              <a:rPr lang="en-US" altLang="zh-CN" dirty="0" smtClean="0">
+                <a:solidFill>
+                  <a:srgbClr val="34495E"/>
+                </a:solidFill>
+                <a:latin typeface="Source Sans Pro"/>
+              </a:rPr>
+              <a:t>v-bind</a:t>
+            </a:r>
+            <a:r>
+              <a:rPr lang="zh-CN" altLang="en-US" dirty="0" smtClean="0">
+                <a:solidFill>
+                  <a:srgbClr val="34495E"/>
+                </a:solidFill>
+                <a:latin typeface="Source Sans Pro"/>
+              </a:rPr>
+              <a:t>表达式中。</a:t>
+            </a:r>
+            <a:endParaRPr lang="zh-CN" altLang="en-US" dirty="0"/>
+          </a:p>
+        </p:txBody>
+      </p:sp>
+      <p:pic>
+        <p:nvPicPr>
+          <p:cNvPr id="7" name="图片 6"/>
+          <p:cNvPicPr>
+            <a:picLocks noChangeAspect="1"/>
+          </p:cNvPicPr>
+          <p:nvPr/>
+        </p:nvPicPr>
+        <p:blipFill>
+          <a:blip r:embed="rId2"/>
+          <a:stretch>
+            <a:fillRect/>
+          </a:stretch>
+        </p:blipFill>
+        <p:spPr>
+          <a:xfrm>
+            <a:off x="250209" y="1198829"/>
+            <a:ext cx="7301709" cy="1036371"/>
+          </a:xfrm>
+          <a:prstGeom prst="rect">
+            <a:avLst/>
+          </a:prstGeom>
+        </p:spPr>
+      </p:pic>
+      <p:pic>
+        <p:nvPicPr>
+          <p:cNvPr id="9" name="图片 8"/>
+          <p:cNvPicPr>
+            <a:picLocks noChangeAspect="1"/>
+          </p:cNvPicPr>
+          <p:nvPr/>
+        </p:nvPicPr>
+        <p:blipFill>
+          <a:blip r:embed="rId3"/>
+          <a:stretch>
+            <a:fillRect/>
+          </a:stretch>
+        </p:blipFill>
+        <p:spPr>
+          <a:xfrm>
+            <a:off x="250209" y="2441912"/>
+            <a:ext cx="6096000" cy="3575691"/>
+          </a:xfrm>
+          <a:prstGeom prst="rect">
+            <a:avLst/>
+          </a:prstGeom>
+        </p:spPr>
+      </p:pic>
     </p:spTree>
     <p:extLst>
       <p:ext uri="{BB962C8B-B14F-4D97-AF65-F5344CB8AC3E}">

--- a/Vue/vue.pptx
+++ b/Vue/vue.pptx
@@ -11,21 +11,24 @@
     <p:sldId id="263" r:id="rId5"/>
     <p:sldId id="264" r:id="rId6"/>
     <p:sldId id="265" r:id="rId7"/>
-    <p:sldId id="257" r:id="rId8"/>
-    <p:sldId id="258" r:id="rId9"/>
-    <p:sldId id="259" r:id="rId10"/>
-    <p:sldId id="260" r:id="rId11"/>
+    <p:sldId id="280" r:id="rId8"/>
+    <p:sldId id="257" r:id="rId9"/>
+    <p:sldId id="258" r:id="rId10"/>
+    <p:sldId id="259" r:id="rId11"/>
     <p:sldId id="266" r:id="rId12"/>
     <p:sldId id="271" r:id="rId13"/>
     <p:sldId id="267" r:id="rId14"/>
     <p:sldId id="268" r:id="rId15"/>
     <p:sldId id="273" r:id="rId16"/>
     <p:sldId id="274" r:id="rId17"/>
-    <p:sldId id="275" r:id="rId18"/>
-    <p:sldId id="272" r:id="rId19"/>
-    <p:sldId id="276" r:id="rId20"/>
-    <p:sldId id="269" r:id="rId21"/>
-    <p:sldId id="270" r:id="rId22"/>
+    <p:sldId id="277" r:id="rId18"/>
+    <p:sldId id="278" r:id="rId19"/>
+    <p:sldId id="275" r:id="rId20"/>
+    <p:sldId id="272" r:id="rId21"/>
+    <p:sldId id="276" r:id="rId22"/>
+    <p:sldId id="269" r:id="rId23"/>
+    <p:sldId id="270" r:id="rId24"/>
+    <p:sldId id="279" r:id="rId25"/>
   </p:sldIdLst>
   <p:sldSz cx="12192000" cy="6858000"/>
   <p:notesSz cx="6858000" cy="9144000"/>
@@ -263,7 +266,7 @@
           <a:p>
             <a:fld id="{4C0C5696-0E3B-44BA-8AF1-B2819B000127}" type="datetimeFigureOut">
               <a:rPr lang="zh-CN" altLang="en-US" smtClean="0"/>
-              <a:t>2018/8/15</a:t>
+              <a:t>2018/8/16</a:t>
             </a:fld>
             <a:endParaRPr lang="zh-CN" altLang="en-US"/>
           </a:p>
@@ -433,7 +436,7 @@
           <a:p>
             <a:fld id="{4C0C5696-0E3B-44BA-8AF1-B2819B000127}" type="datetimeFigureOut">
               <a:rPr lang="zh-CN" altLang="en-US" smtClean="0"/>
-              <a:t>2018/8/15</a:t>
+              <a:t>2018/8/16</a:t>
             </a:fld>
             <a:endParaRPr lang="zh-CN" altLang="en-US"/>
           </a:p>
@@ -613,7 +616,7 @@
           <a:p>
             <a:fld id="{4C0C5696-0E3B-44BA-8AF1-B2819B000127}" type="datetimeFigureOut">
               <a:rPr lang="zh-CN" altLang="en-US" smtClean="0"/>
-              <a:t>2018/8/15</a:t>
+              <a:t>2018/8/16</a:t>
             </a:fld>
             <a:endParaRPr lang="zh-CN" altLang="en-US"/>
           </a:p>
@@ -783,7 +786,7 @@
           <a:p>
             <a:fld id="{4C0C5696-0E3B-44BA-8AF1-B2819B000127}" type="datetimeFigureOut">
               <a:rPr lang="zh-CN" altLang="en-US" smtClean="0"/>
-              <a:t>2018/8/15</a:t>
+              <a:t>2018/8/16</a:t>
             </a:fld>
             <a:endParaRPr lang="zh-CN" altLang="en-US"/>
           </a:p>
@@ -1029,7 +1032,7 @@
           <a:p>
             <a:fld id="{4C0C5696-0E3B-44BA-8AF1-B2819B000127}" type="datetimeFigureOut">
               <a:rPr lang="zh-CN" altLang="en-US" smtClean="0"/>
-              <a:t>2018/8/15</a:t>
+              <a:t>2018/8/16</a:t>
             </a:fld>
             <a:endParaRPr lang="zh-CN" altLang="en-US"/>
           </a:p>
@@ -1261,7 +1264,7 @@
           <a:p>
             <a:fld id="{4C0C5696-0E3B-44BA-8AF1-B2819B000127}" type="datetimeFigureOut">
               <a:rPr lang="zh-CN" altLang="en-US" smtClean="0"/>
-              <a:t>2018/8/15</a:t>
+              <a:t>2018/8/16</a:t>
             </a:fld>
             <a:endParaRPr lang="zh-CN" altLang="en-US"/>
           </a:p>
@@ -1628,7 +1631,7 @@
           <a:p>
             <a:fld id="{4C0C5696-0E3B-44BA-8AF1-B2819B000127}" type="datetimeFigureOut">
               <a:rPr lang="zh-CN" altLang="en-US" smtClean="0"/>
-              <a:t>2018/8/15</a:t>
+              <a:t>2018/8/16</a:t>
             </a:fld>
             <a:endParaRPr lang="zh-CN" altLang="en-US"/>
           </a:p>
@@ -1746,7 +1749,7 @@
           <a:p>
             <a:fld id="{4C0C5696-0E3B-44BA-8AF1-B2819B000127}" type="datetimeFigureOut">
               <a:rPr lang="zh-CN" altLang="en-US" smtClean="0"/>
-              <a:t>2018/8/15</a:t>
+              <a:t>2018/8/16</a:t>
             </a:fld>
             <a:endParaRPr lang="zh-CN" altLang="en-US"/>
           </a:p>
@@ -1841,7 +1844,7 @@
           <a:p>
             <a:fld id="{4C0C5696-0E3B-44BA-8AF1-B2819B000127}" type="datetimeFigureOut">
               <a:rPr lang="zh-CN" altLang="en-US" smtClean="0"/>
-              <a:t>2018/8/15</a:t>
+              <a:t>2018/8/16</a:t>
             </a:fld>
             <a:endParaRPr lang="zh-CN" altLang="en-US"/>
           </a:p>
@@ -2118,7 +2121,7 @@
           <a:p>
             <a:fld id="{4C0C5696-0E3B-44BA-8AF1-B2819B000127}" type="datetimeFigureOut">
               <a:rPr lang="zh-CN" altLang="en-US" smtClean="0"/>
-              <a:t>2018/8/15</a:t>
+              <a:t>2018/8/16</a:t>
             </a:fld>
             <a:endParaRPr lang="zh-CN" altLang="en-US"/>
           </a:p>
@@ -2371,7 +2374,7 @@
           <a:p>
             <a:fld id="{4C0C5696-0E3B-44BA-8AF1-B2819B000127}" type="datetimeFigureOut">
               <a:rPr lang="zh-CN" altLang="en-US" smtClean="0"/>
-              <a:t>2018/8/15</a:t>
+              <a:t>2018/8/16</a:t>
             </a:fld>
             <a:endParaRPr lang="zh-CN" altLang="en-US"/>
           </a:p>
@@ -2584,7 +2587,7 @@
           <a:p>
             <a:fld id="{4C0C5696-0E3B-44BA-8AF1-B2819B000127}" type="datetimeFigureOut">
               <a:rPr lang="zh-CN" altLang="en-US" smtClean="0"/>
-              <a:t>2018/8/15</a:t>
+              <a:t>2018/8/16</a:t>
             </a:fld>
             <a:endParaRPr lang="zh-CN" altLang="en-US"/>
           </a:p>
@@ -3066,328 +3069,348 @@
       </p:grpSpPr>
       <p:sp>
         <p:nvSpPr>
+          <p:cNvPr id="2" name="矩形 1"/>
+          <p:cNvSpPr/>
+          <p:nvPr/>
+        </p:nvSpPr>
+        <p:spPr>
+          <a:xfrm>
+            <a:off x="300249" y="481420"/>
+            <a:ext cx="11655189" cy="923330"/>
+          </a:xfrm>
+          <a:prstGeom prst="rect">
+            <a:avLst/>
+          </a:prstGeom>
+        </p:spPr>
+        <p:txBody>
+          <a:bodyPr wrap="square">
+            <a:spAutoFit/>
+          </a:bodyPr>
+          <a:lstStyle/>
+          <a:p>
+            <a:r>
+              <a:rPr lang="zh-CN" altLang="en-US" b="0" i="0" dirty="0" smtClean="0">
+                <a:solidFill>
+                  <a:srgbClr val="333333"/>
+                </a:solidFill>
+                <a:effectLst/>
+                <a:latin typeface="-apple-system,BlinkMacSystemFont,Helvetica Neue,PingFang SC,Microsoft YaHei,Source Han Sans SC,Noto Sans CJK SC,WenQuanYi Micro Hei,sans-serif"/>
+              </a:rPr>
+              <a:t>渲染方式：</a:t>
+            </a:r>
+            <a:endParaRPr lang="en-US" altLang="zh-CN" b="0" i="0" dirty="0" smtClean="0">
+              <a:solidFill>
+                <a:srgbClr val="333333"/>
+              </a:solidFill>
+              <a:effectLst/>
+              <a:latin typeface="-apple-system,BlinkMacSystemFont,Helvetica Neue,PingFang SC,Microsoft YaHei,Source Han Sans SC,Noto Sans CJK SC,WenQuanYi Micro Hei,sans-serif"/>
+            </a:endParaRPr>
+          </a:p>
+          <a:p>
+            <a:pPr>
+              <a:buFont typeface="Arial" panose="020B0604020202020204" pitchFamily="34" charset="0"/>
+              <a:buChar char="•"/>
+            </a:pPr>
+            <a:r>
+              <a:rPr lang="zh-CN" altLang="en-US" b="0" i="0" dirty="0" smtClean="0">
+                <a:solidFill>
+                  <a:srgbClr val="333333"/>
+                </a:solidFill>
+                <a:effectLst/>
+                <a:latin typeface="-apple-system,BlinkMacSystemFont,Helvetica Neue,PingFang SC,Microsoft YaHei,Source Han Sans SC,Noto Sans CJK SC,WenQuanYi Micro Hei,sans-serif"/>
+              </a:rPr>
+              <a:t>命令式</a:t>
+            </a:r>
+            <a:r>
+              <a:rPr lang="zh-CN" altLang="en-US" b="0" i="0" dirty="0" smtClean="0">
+                <a:solidFill>
+                  <a:srgbClr val="333333"/>
+                </a:solidFill>
+                <a:effectLst/>
+                <a:latin typeface="-apple-system,BlinkMacSystemFont,Helvetica Neue,PingFang SC,Microsoft YaHei,Source Han Sans SC,Noto Sans CJK SC,WenQuanYi Micro Hei,sans-serif"/>
+              </a:rPr>
+              <a:t>渲染 ： 命令我们的程序去做什么，程序就会跟着你的命令去一步一步执行</a:t>
+            </a:r>
+          </a:p>
+          <a:p>
+            <a:pPr>
+              <a:buFont typeface="Arial" panose="020B0604020202020204" pitchFamily="34" charset="0"/>
+              <a:buChar char="•"/>
+            </a:pPr>
+            <a:r>
+              <a:rPr lang="zh-CN" altLang="en-US" b="0" i="0" dirty="0" smtClean="0">
+                <a:solidFill>
+                  <a:srgbClr val="333333"/>
+                </a:solidFill>
+                <a:effectLst/>
+                <a:latin typeface="-apple-system,BlinkMacSystemFont,Helvetica Neue,PingFang SC,Microsoft YaHei,Source Han Sans SC,Noto Sans CJK SC,WenQuanYi Micro Hei,sans-serif"/>
+              </a:rPr>
+              <a:t>声明式渲染 ： 我们只需要告诉程序我们想要什么效果，其他的交给程序来做。</a:t>
+            </a:r>
+            <a:endParaRPr lang="zh-CN" altLang="en-US" b="0" i="0" dirty="0">
+              <a:solidFill>
+                <a:srgbClr val="333333"/>
+              </a:solidFill>
+              <a:effectLst/>
+              <a:latin typeface="-apple-system,BlinkMacSystemFont,Helvetica Neue,PingFang SC,Microsoft YaHei,Source Han Sans SC,Noto Sans CJK SC,WenQuanYi Micro Hei,sans-serif"/>
+            </a:endParaRPr>
+          </a:p>
+        </p:txBody>
+      </p:sp>
+      <p:sp>
+        <p:nvSpPr>
+          <p:cNvPr id="3" name="矩形 2"/>
+          <p:cNvSpPr/>
+          <p:nvPr/>
+        </p:nvSpPr>
+        <p:spPr>
+          <a:xfrm>
+            <a:off x="300249" y="1535372"/>
+            <a:ext cx="11655189" cy="2031325"/>
+          </a:xfrm>
+          <a:prstGeom prst="rect">
+            <a:avLst/>
+          </a:prstGeom>
+        </p:spPr>
+        <p:txBody>
+          <a:bodyPr wrap="square">
+            <a:spAutoFit/>
+          </a:bodyPr>
+          <a:lstStyle/>
+          <a:p>
+            <a:r>
+              <a:rPr lang="zh-CN" altLang="en-US" i="0" dirty="0" smtClean="0">
+                <a:solidFill>
+                  <a:srgbClr val="333333"/>
+                </a:solidFill>
+                <a:effectLst/>
+                <a:latin typeface="+mn-ea"/>
+              </a:rPr>
+              <a:t>渐进式框架：</a:t>
+            </a:r>
+            <a:endParaRPr lang="en-US" altLang="zh-CN" i="0" dirty="0" smtClean="0">
+              <a:solidFill>
+                <a:srgbClr val="333333"/>
+              </a:solidFill>
+              <a:effectLst/>
+              <a:latin typeface="+mn-ea"/>
+            </a:endParaRPr>
+          </a:p>
+          <a:p>
+            <a:r>
+              <a:rPr lang="zh-CN" altLang="en-US" i="0" dirty="0" smtClean="0">
+                <a:solidFill>
+                  <a:srgbClr val="333333"/>
+                </a:solidFill>
+                <a:effectLst/>
+                <a:latin typeface="+mn-ea"/>
+              </a:rPr>
+              <a:t>每个框架都不可避免会有自己的一些特点，从而会对使用者有一定的要求，这些要求就是主张，主张有强有弱，它的强势程度会影响在业务开发中的使用方式。</a:t>
+            </a:r>
+            <a:br>
+              <a:rPr lang="zh-CN" altLang="en-US" i="0" dirty="0" smtClean="0">
+                <a:solidFill>
+                  <a:srgbClr val="333333"/>
+                </a:solidFill>
+                <a:effectLst/>
+                <a:latin typeface="+mn-ea"/>
+              </a:rPr>
+            </a:br>
+            <a:r>
+              <a:rPr lang="zh-CN" altLang="en-US" i="0" dirty="0" smtClean="0">
+                <a:solidFill>
+                  <a:srgbClr val="333333"/>
+                </a:solidFill>
+                <a:effectLst/>
+                <a:latin typeface="+mn-ea"/>
+              </a:rPr>
+              <a:t>使用</a:t>
+            </a:r>
+            <a:r>
+              <a:rPr lang="en-US" altLang="zh-CN" i="0" dirty="0" err="1" smtClean="0">
+                <a:solidFill>
+                  <a:srgbClr val="333333"/>
+                </a:solidFill>
+                <a:effectLst/>
+                <a:latin typeface="+mn-ea"/>
+              </a:rPr>
+              <a:t>vue</a:t>
+            </a:r>
+            <a:r>
+              <a:rPr lang="zh-CN" altLang="en-US" i="0" dirty="0" smtClean="0">
+                <a:solidFill>
+                  <a:srgbClr val="333333"/>
+                </a:solidFill>
+                <a:effectLst/>
+                <a:latin typeface="+mn-ea"/>
+              </a:rPr>
+              <a:t>，你可以在原有大系统的上面，把一两个组件改用它实现，当</a:t>
+            </a:r>
+            <a:r>
+              <a:rPr lang="en-US" altLang="zh-CN" i="0" dirty="0" err="1" smtClean="0">
+                <a:solidFill>
+                  <a:srgbClr val="333333"/>
+                </a:solidFill>
+                <a:effectLst/>
+                <a:latin typeface="+mn-ea"/>
+              </a:rPr>
+              <a:t>jQuery</a:t>
+            </a:r>
+            <a:r>
+              <a:rPr lang="zh-CN" altLang="en-US" i="0" dirty="0" smtClean="0">
+                <a:solidFill>
+                  <a:srgbClr val="333333"/>
+                </a:solidFill>
+                <a:effectLst/>
+                <a:latin typeface="+mn-ea"/>
+              </a:rPr>
+              <a:t>用；也可以整个用它全家桶开发，当</a:t>
+            </a:r>
+            <a:r>
+              <a:rPr lang="en-US" altLang="zh-CN" i="0" dirty="0" smtClean="0">
+                <a:solidFill>
+                  <a:srgbClr val="333333"/>
+                </a:solidFill>
+                <a:effectLst/>
+                <a:latin typeface="+mn-ea"/>
+              </a:rPr>
+              <a:t>Angular</a:t>
+            </a:r>
+            <a:r>
+              <a:rPr lang="zh-CN" altLang="en-US" i="0" dirty="0" smtClean="0">
+                <a:solidFill>
+                  <a:srgbClr val="333333"/>
+                </a:solidFill>
+                <a:effectLst/>
+                <a:latin typeface="+mn-ea"/>
+              </a:rPr>
+              <a:t>用</a:t>
+            </a:r>
+            <a:r>
+              <a:rPr lang="zh-CN" altLang="en-US" i="0" dirty="0" smtClean="0">
+                <a:solidFill>
+                  <a:srgbClr val="333333"/>
+                </a:solidFill>
+                <a:effectLst/>
+                <a:latin typeface="+mn-ea"/>
+              </a:rPr>
+              <a:t>；还</a:t>
+            </a:r>
+            <a:r>
+              <a:rPr lang="zh-CN" altLang="en-US" i="0" dirty="0" smtClean="0">
+                <a:solidFill>
+                  <a:srgbClr val="333333"/>
+                </a:solidFill>
+                <a:effectLst/>
+                <a:latin typeface="+mn-ea"/>
+              </a:rPr>
+              <a:t>可以用它的视图，搭配你自己设计的整个下层用。你可以在底层数据逻辑的地方用</a:t>
+            </a:r>
+            <a:r>
+              <a:rPr lang="en-US" altLang="zh-CN" i="0" dirty="0" smtClean="0">
+                <a:solidFill>
+                  <a:srgbClr val="333333"/>
+                </a:solidFill>
+                <a:effectLst/>
+                <a:latin typeface="+mn-ea"/>
+              </a:rPr>
+              <a:t>OO</a:t>
+            </a:r>
+            <a:r>
+              <a:rPr lang="zh-CN" altLang="en-US" i="0" dirty="0" smtClean="0">
+                <a:solidFill>
+                  <a:srgbClr val="333333"/>
+                </a:solidFill>
+                <a:effectLst/>
+                <a:latin typeface="+mn-ea"/>
+              </a:rPr>
+              <a:t>和设计模式的那套理念。</a:t>
+            </a:r>
+            <a:r>
+              <a:rPr lang="zh-CN" altLang="en-US" dirty="0" smtClean="0">
+                <a:latin typeface="+mn-ea"/>
+              </a:rPr>
+              <a:t/>
+            </a:r>
+            <a:br>
+              <a:rPr lang="zh-CN" altLang="en-US" dirty="0" smtClean="0">
+                <a:latin typeface="+mn-ea"/>
+              </a:rPr>
+            </a:br>
+            <a:r>
+              <a:rPr lang="zh-CN" altLang="en-US" i="0" dirty="0" smtClean="0">
+                <a:solidFill>
+                  <a:srgbClr val="333333"/>
+                </a:solidFill>
+                <a:effectLst/>
+                <a:latin typeface="+mn-ea"/>
+              </a:rPr>
+              <a:t>也可以函数式，都可以。渐进式可以理解为自由度的表现</a:t>
+            </a:r>
+            <a:endParaRPr lang="zh-CN" altLang="en-US" dirty="0">
+              <a:latin typeface="+mn-ea"/>
+            </a:endParaRPr>
+          </a:p>
+        </p:txBody>
+      </p:sp>
+      <p:sp>
+        <p:nvSpPr>
           <p:cNvPr id="5" name="矩形 4"/>
           <p:cNvSpPr/>
           <p:nvPr/>
         </p:nvSpPr>
         <p:spPr>
           <a:xfrm>
-            <a:off x="782472" y="649238"/>
-            <a:ext cx="6096000" cy="2031325"/>
-          </a:xfrm>
-          <a:prstGeom prst="rect">
-            <a:avLst/>
-          </a:prstGeom>
-        </p:spPr>
-        <p:txBody>
-          <a:bodyPr>
+            <a:off x="300249" y="3697319"/>
+            <a:ext cx="11655189" cy="923330"/>
+          </a:xfrm>
+          <a:prstGeom prst="rect">
+            <a:avLst/>
+          </a:prstGeom>
+        </p:spPr>
+        <p:txBody>
+          <a:bodyPr wrap="square">
             <a:spAutoFit/>
           </a:bodyPr>
           <a:lstStyle/>
           <a:p>
             <a:r>
-              <a:rPr lang="en-US" altLang="zh-CN" b="0" i="0" dirty="0" smtClean="0">
-                <a:solidFill>
-                  <a:srgbClr val="34495E"/>
+              <a:rPr lang="zh-CN" altLang="en-US" i="0" dirty="0" smtClean="0">
+                <a:solidFill>
+                  <a:srgbClr val="333333"/>
                 </a:solidFill>
                 <a:effectLst/>
-                <a:latin typeface="Source Sans Pro"/>
-              </a:rPr>
-              <a:t>V-bind</a:t>
-            </a:r>
-            <a:r>
-              <a:rPr lang="zh-CN" altLang="en-US" b="0" i="0" dirty="0" smtClean="0">
-                <a:solidFill>
-                  <a:srgbClr val="34495E"/>
-                </a:solidFill>
-                <a:effectLst/>
-                <a:latin typeface="Source Sans Pro"/>
-              </a:rPr>
-              <a:t>：</a:t>
-            </a:r>
-            <a:r>
-              <a:rPr lang="en-US" altLang="zh-CN" b="0" i="0" dirty="0" smtClean="0">
-                <a:solidFill>
-                  <a:srgbClr val="34495E"/>
-                </a:solidFill>
-                <a:effectLst/>
-                <a:latin typeface="Source Sans Pro"/>
-              </a:rPr>
-              <a:t>Mustache (</a:t>
-            </a:r>
-            <a:r>
-              <a:rPr lang="zh-CN" altLang="en-US" b="0" i="0" dirty="0" smtClean="0">
-                <a:solidFill>
-                  <a:srgbClr val="34495E"/>
-                </a:solidFill>
-                <a:effectLst/>
-                <a:latin typeface="Source Sans Pro"/>
-              </a:rPr>
-              <a:t>双大括号写法</a:t>
-            </a:r>
-            <a:r>
-              <a:rPr lang="en-US" altLang="zh-CN" b="0" i="0" dirty="0" smtClean="0">
-                <a:solidFill>
-                  <a:srgbClr val="34495E"/>
-                </a:solidFill>
-                <a:effectLst/>
-                <a:latin typeface="Source Sans Pro"/>
-              </a:rPr>
-              <a:t>)</a:t>
-            </a:r>
-            <a:r>
-              <a:rPr lang="zh-CN" altLang="en-US" b="0" i="0" dirty="0" smtClean="0">
-                <a:solidFill>
-                  <a:srgbClr val="34495E"/>
-                </a:solidFill>
-                <a:effectLst/>
-                <a:latin typeface="Source Sans Pro"/>
-              </a:rPr>
-              <a:t>不能在 </a:t>
-            </a:r>
-            <a:r>
-              <a:rPr lang="en-US" altLang="zh-CN" b="0" i="0" dirty="0" smtClean="0">
-                <a:solidFill>
-                  <a:srgbClr val="34495E"/>
-                </a:solidFill>
-                <a:effectLst/>
-                <a:latin typeface="Source Sans Pro"/>
-              </a:rPr>
-              <a:t>HTML </a:t>
-            </a:r>
-            <a:r>
-              <a:rPr lang="zh-CN" altLang="en-US" b="0" i="0" dirty="0" smtClean="0">
-                <a:solidFill>
-                  <a:srgbClr val="34495E"/>
-                </a:solidFill>
-                <a:effectLst/>
-                <a:latin typeface="Source Sans Pro"/>
-              </a:rPr>
-              <a:t>属性中使用，即不能使用</a:t>
-            </a:r>
-            <a:r>
-              <a:rPr lang="en-US" altLang="zh-CN" b="0" i="0" dirty="0" smtClean="0">
-                <a:solidFill>
-                  <a:srgbClr val="34495E"/>
-                </a:solidFill>
-                <a:effectLst/>
-                <a:latin typeface="Source Sans Pro"/>
-              </a:rPr>
-              <a:t>id=“{{name}}”</a:t>
-            </a:r>
-            <a:r>
-              <a:rPr lang="zh-CN" altLang="en-US" b="0" i="0" dirty="0" smtClean="0">
-                <a:solidFill>
-                  <a:srgbClr val="34495E"/>
-                </a:solidFill>
-                <a:effectLst/>
-                <a:latin typeface="Source Sans Pro"/>
-              </a:rPr>
-              <a:t>，应使用 </a:t>
-            </a:r>
-            <a:r>
-              <a:rPr lang="en-US" altLang="zh-CN" b="0" i="0" u="none" strike="noStrike" dirty="0" smtClean="0">
-                <a:solidFill>
-                  <a:srgbClr val="42B983"/>
-                </a:solidFill>
-                <a:effectLst/>
-                <a:latin typeface="Source Sans Pro"/>
-                <a:hlinkClick r:id="rId2"/>
-              </a:rPr>
-              <a:t>v-bind </a:t>
-            </a:r>
-            <a:r>
-              <a:rPr lang="zh-CN" altLang="en-US" b="0" i="0" u="none" strike="noStrike" dirty="0" smtClean="0">
-                <a:solidFill>
-                  <a:srgbClr val="42B983"/>
-                </a:solidFill>
-                <a:effectLst/>
-                <a:latin typeface="Source Sans Pro"/>
-                <a:hlinkClick r:id="rId2"/>
-              </a:rPr>
-              <a:t>指令</a:t>
-            </a:r>
-            <a:r>
-              <a:rPr lang="en-US" altLang="zh-CN" b="0" i="0" u="none" strike="noStrike" dirty="0" smtClean="0">
-                <a:solidFill>
-                  <a:srgbClr val="42B983"/>
-                </a:solidFill>
-                <a:effectLst/>
-                <a:latin typeface="Source Sans Pro"/>
-              </a:rPr>
-              <a:t>,</a:t>
-            </a:r>
-            <a:r>
-              <a:rPr lang="en-US" altLang="zh-CN" b="0" i="0" u="none" strike="noStrike" dirty="0" err="1" smtClean="0">
-                <a:solidFill>
-                  <a:srgbClr val="42B983"/>
-                </a:solidFill>
-                <a:effectLst/>
-                <a:latin typeface="Source Sans Pro"/>
-              </a:rPr>
-              <a:t>v-bind:name</a:t>
-            </a:r>
-            <a:r>
-              <a:rPr lang="en-US" altLang="zh-CN" b="0" i="0" u="none" strike="noStrike" dirty="0" smtClean="0">
-                <a:solidFill>
-                  <a:srgbClr val="42B983"/>
-                </a:solidFill>
-                <a:effectLst/>
-                <a:latin typeface="Source Sans Pro"/>
-              </a:rPr>
-              <a:t>=“name”</a:t>
-            </a:r>
-            <a:r>
-              <a:rPr lang="zh-CN" altLang="en-US" dirty="0" smtClean="0">
-                <a:solidFill>
-                  <a:srgbClr val="34495E"/>
-                </a:solidFill>
-                <a:latin typeface="Source Sans Pro"/>
-              </a:rPr>
-              <a:t>。它是用来绑定控件属性值的</a:t>
-            </a:r>
-            <a:endParaRPr lang="en-US" altLang="zh-CN" dirty="0" smtClean="0">
+                <a:latin typeface="+mn-ea"/>
+              </a:rPr>
+              <a:t>自底向上增量开发设计：</a:t>
+            </a:r>
+            <a:endParaRPr lang="en-US" altLang="zh-CN" i="0" dirty="0" smtClean="0">
               <a:solidFill>
-                <a:srgbClr val="34495E"/>
+                <a:srgbClr val="333333"/>
               </a:solidFill>
-              <a:latin typeface="Source Sans Pro"/>
+              <a:effectLst/>
+              <a:latin typeface="+mn-ea"/>
             </a:endParaRPr>
           </a:p>
           <a:p>
             <a:r>
-              <a:rPr lang="en-US" altLang="zh-CN" dirty="0" smtClean="0">
-                <a:solidFill>
-                  <a:srgbClr val="34495E"/>
-                </a:solidFill>
-                <a:latin typeface="Source Sans Pro"/>
-              </a:rPr>
-              <a:t>V-model</a:t>
-            </a:r>
-            <a:r>
-              <a:rPr lang="zh-CN" altLang="en-US" dirty="0" smtClean="0">
-                <a:solidFill>
-                  <a:srgbClr val="34495E"/>
-                </a:solidFill>
-                <a:latin typeface="Source Sans Pro"/>
-              </a:rPr>
-              <a:t>：用于实现数据双向绑定，即将</a:t>
-            </a:r>
-            <a:r>
-              <a:rPr lang="en-US" altLang="zh-CN" dirty="0" err="1" smtClean="0">
-                <a:solidFill>
-                  <a:srgbClr val="34495E"/>
-                </a:solidFill>
-                <a:latin typeface="Source Sans Pro"/>
-              </a:rPr>
-              <a:t>js</a:t>
-            </a:r>
-            <a:r>
-              <a:rPr lang="zh-CN" altLang="en-US" dirty="0" smtClean="0">
-                <a:solidFill>
-                  <a:srgbClr val="34495E"/>
-                </a:solidFill>
-                <a:latin typeface="Source Sans Pro"/>
-              </a:rPr>
-              <a:t>中</a:t>
-            </a:r>
-            <a:r>
-              <a:rPr lang="en-US" altLang="zh-CN" dirty="0" err="1" smtClean="0">
-                <a:solidFill>
-                  <a:srgbClr val="34495E"/>
-                </a:solidFill>
-                <a:latin typeface="Source Sans Pro"/>
-              </a:rPr>
-              <a:t>vue</a:t>
-            </a:r>
-            <a:r>
-              <a:rPr lang="zh-CN" altLang="en-US" dirty="0" smtClean="0">
-                <a:solidFill>
-                  <a:srgbClr val="34495E"/>
-                </a:solidFill>
-                <a:latin typeface="Source Sans Pro"/>
-              </a:rPr>
-              <a:t>实例中的</a:t>
-            </a:r>
-            <a:r>
-              <a:rPr lang="en-US" altLang="zh-CN" dirty="0" smtClean="0">
-                <a:solidFill>
-                  <a:srgbClr val="34495E"/>
-                </a:solidFill>
-                <a:latin typeface="Source Sans Pro"/>
-              </a:rPr>
-              <a:t>data</a:t>
-            </a:r>
-            <a:r>
-              <a:rPr lang="zh-CN" altLang="en-US" dirty="0" smtClean="0">
-                <a:solidFill>
-                  <a:srgbClr val="34495E"/>
-                </a:solidFill>
-                <a:latin typeface="Source Sans Pro"/>
-              </a:rPr>
-              <a:t>数据与其渲染的</a:t>
-            </a:r>
-            <a:r>
-              <a:rPr lang="en-US" altLang="zh-CN" dirty="0" err="1" smtClean="0">
-                <a:solidFill>
-                  <a:srgbClr val="34495E"/>
-                </a:solidFill>
-                <a:latin typeface="Source Sans Pro"/>
-              </a:rPr>
-              <a:t>dom</a:t>
-            </a:r>
-            <a:r>
-              <a:rPr lang="zh-CN" altLang="en-US" dirty="0" smtClean="0">
-                <a:solidFill>
-                  <a:srgbClr val="34495E"/>
-                </a:solidFill>
-                <a:latin typeface="Source Sans Pro"/>
-              </a:rPr>
-              <a:t>元素的</a:t>
-            </a:r>
-            <a:r>
-              <a:rPr lang="en-US" altLang="zh-CN" dirty="0" smtClean="0">
-                <a:solidFill>
-                  <a:srgbClr val="34495E"/>
-                </a:solidFill>
-                <a:latin typeface="Source Sans Pro"/>
-              </a:rPr>
-              <a:t>value</a:t>
-            </a:r>
-            <a:r>
-              <a:rPr lang="zh-CN" altLang="en-US" dirty="0" smtClean="0">
-                <a:solidFill>
-                  <a:srgbClr val="34495E"/>
-                </a:solidFill>
-                <a:latin typeface="Source Sans Pro"/>
-              </a:rPr>
-              <a:t>（可以说只针对</a:t>
-            </a:r>
-            <a:r>
-              <a:rPr lang="en-US" altLang="zh-CN" dirty="0" smtClean="0">
-                <a:solidFill>
-                  <a:srgbClr val="34495E"/>
-                </a:solidFill>
-                <a:latin typeface="Source Sans Pro"/>
-              </a:rPr>
-              <a:t>value</a:t>
-            </a:r>
-            <a:r>
-              <a:rPr lang="zh-CN" altLang="en-US" dirty="0" smtClean="0">
-                <a:solidFill>
-                  <a:srgbClr val="34495E"/>
-                </a:solidFill>
-                <a:latin typeface="Source Sans Pro"/>
-              </a:rPr>
-              <a:t>属性进行数据绑定，而且是双向绑定）内容保持一致，两者无论谁被改变，另一方也会相应更新数据</a:t>
-            </a:r>
-            <a:endParaRPr lang="zh-CN" altLang="en-US" dirty="0"/>
+              <a:rPr lang="zh-CN" altLang="en-US" dirty="0"/>
+              <a:t>是一种设计程序的过程和方法，就是先编写出基础程序段，然后再逐渐扩大规模、补充和升级某些功能，实际上是一种自底向上构造程序的</a:t>
+            </a:r>
+            <a:r>
+              <a:rPr lang="zh-CN" altLang="en-US" dirty="0" smtClean="0"/>
+              <a:t>过程。</a:t>
+            </a:r>
+            <a:endParaRPr lang="zh-CN" altLang="en-US" dirty="0">
+              <a:latin typeface="+mn-ea"/>
+            </a:endParaRPr>
           </a:p>
         </p:txBody>
       </p:sp>
     </p:spTree>
     <p:extLst>
       <p:ext uri="{BB962C8B-B14F-4D97-AF65-F5344CB8AC3E}">
-        <p14:creationId xmlns:p14="http://schemas.microsoft.com/office/powerpoint/2010/main" val="764039077"/>
+        <p14:creationId xmlns:p14="http://schemas.microsoft.com/office/powerpoint/2010/main" val="3137779150"/>
       </p:ext>
     </p:extLst>
   </p:cSld>
@@ -5324,7 +5347,43 @@
                 </a:solidFill>
                 <a:latin typeface="Source Sans Pro"/>
               </a:rPr>
-              <a:t>{{ }}</a:t>
+              <a:t>{{ </a:t>
+            </a:r>
+            <a:r>
+              <a:rPr lang="en-US" altLang="zh-CN" dirty="0" smtClean="0">
+                <a:solidFill>
+                  <a:srgbClr val="34495E"/>
+                </a:solidFill>
+                <a:latin typeface="Source Sans Pro"/>
+              </a:rPr>
+              <a:t>}}</a:t>
+            </a:r>
+            <a:r>
+              <a:rPr lang="zh-CN" altLang="en-US" dirty="0" smtClean="0">
+                <a:solidFill>
+                  <a:srgbClr val="34495E"/>
+                </a:solidFill>
+                <a:latin typeface="Source Sans Pro"/>
+              </a:rPr>
+              <a:t>。</a:t>
+            </a:r>
+            <a:r>
+              <a:rPr lang="zh-CN" altLang="en-US" dirty="0" smtClean="0">
+                <a:solidFill>
+                  <a:srgbClr val="FF0000"/>
+                </a:solidFill>
+                <a:latin typeface="Source Sans Pro"/>
+              </a:rPr>
+              <a:t>一般用在元素标签对之间，不用于元素的属性值和指令的属性值中</a:t>
+            </a:r>
+            <a:r>
+              <a:rPr lang="zh-CN" altLang="en-US" dirty="0" smtClean="0">
+                <a:solidFill>
+                  <a:srgbClr val="34495E"/>
+                </a:solidFill>
+                <a:latin typeface="Source Sans Pro"/>
+              </a:rPr>
+              <a:t>。</a:t>
             </a:r>
             <a:endParaRPr lang="zh-CN" altLang="en-US" dirty="0"/>
           </a:p>
@@ -5352,13 +5411,31 @@
           <a:lstStyle/>
           <a:p>
             <a:r>
-              <a:rPr lang="zh-CN" altLang="en-US" dirty="0" smtClean="0">
-                <a:solidFill>
-                  <a:srgbClr val="34495E"/>
-                </a:solidFill>
-                <a:latin typeface="Source Sans Pro"/>
-              </a:rPr>
-              <a:t>表达式由</a:t>
+              <a:rPr lang="en-US" altLang="zh-CN" dirty="0" smtClean="0">
+                <a:solidFill>
+                  <a:srgbClr val="34495E"/>
+                </a:solidFill>
+                <a:latin typeface="Source Sans Pro"/>
+              </a:rPr>
+              <a:t>Mustache</a:t>
+            </a:r>
+            <a:r>
+              <a:rPr lang="zh-CN" altLang="en-US" dirty="0" smtClean="0">
+                <a:solidFill>
+                  <a:srgbClr val="34495E"/>
+                </a:solidFill>
+                <a:latin typeface="Source Sans Pro"/>
+              </a:rPr>
+              <a:t>标签也接受表达式形式的值，表达式</a:t>
+            </a:r>
+            <a:r>
+              <a:rPr lang="zh-CN" altLang="en-US" dirty="0" smtClean="0">
+                <a:solidFill>
+                  <a:srgbClr val="34495E"/>
+                </a:solidFill>
+                <a:latin typeface="Source Sans Pro"/>
+              </a:rPr>
+              <a:t>由</a:t>
             </a:r>
             <a:r>
               <a:rPr lang="en-US" altLang="zh-CN" dirty="0" err="1" smtClean="0">
@@ -7164,7 +7241,7 @@
         </p:blipFill>
         <p:spPr>
           <a:xfrm>
-            <a:off x="199609" y="5213923"/>
+            <a:off x="199609" y="5637007"/>
             <a:ext cx="11992392" cy="648711"/>
           </a:xfrm>
           <a:prstGeom prst="rect">
@@ -7172,6 +7249,112 @@
           </a:prstGeom>
         </p:spPr>
       </p:pic>
+      <p:sp>
+        <p:nvSpPr>
+          <p:cNvPr id="20" name="矩形 19"/>
+          <p:cNvSpPr/>
+          <p:nvPr/>
+        </p:nvSpPr>
+        <p:spPr>
+          <a:xfrm>
+            <a:off x="225187" y="5177073"/>
+            <a:ext cx="6096000" cy="369332"/>
+          </a:xfrm>
+          <a:prstGeom prst="rect">
+            <a:avLst/>
+          </a:prstGeom>
+        </p:spPr>
+        <p:txBody>
+          <a:bodyPr>
+            <a:spAutoFit/>
+          </a:bodyPr>
+          <a:lstStyle/>
+          <a:p>
+            <a:r>
+              <a:rPr lang="en-US" altLang="zh-CN" dirty="0">
+                <a:solidFill>
+                  <a:srgbClr val="34495E"/>
+                </a:solidFill>
+                <a:latin typeface="Source Sans Pro"/>
+              </a:rPr>
+              <a:t>v</a:t>
+            </a:r>
+            <a:r>
+              <a:rPr lang="en-US" altLang="zh-CN" dirty="0" smtClean="0">
+                <a:solidFill>
+                  <a:srgbClr val="34495E"/>
+                </a:solidFill>
+                <a:latin typeface="Source Sans Pro"/>
+              </a:rPr>
+              <a:t>-bind</a:t>
+            </a:r>
+            <a:r>
+              <a:rPr lang="zh-CN" altLang="en-US" dirty="0" smtClean="0">
+                <a:solidFill>
+                  <a:srgbClr val="34495E"/>
+                </a:solidFill>
+                <a:latin typeface="Source Sans Pro"/>
+              </a:rPr>
+              <a:t>的缩写形式是</a:t>
+            </a:r>
+            <a:r>
+              <a:rPr lang="en-US" altLang="zh-CN" dirty="0" smtClean="0">
+                <a:solidFill>
+                  <a:srgbClr val="34495E"/>
+                </a:solidFill>
+                <a:latin typeface="Source Sans Pro"/>
+              </a:rPr>
+              <a:t>:</a:t>
+            </a:r>
+            <a:r>
+              <a:rPr lang="zh-CN" altLang="en-US" dirty="0" smtClean="0">
+                <a:solidFill>
+                  <a:srgbClr val="34495E"/>
+                </a:solidFill>
+                <a:latin typeface="Source Sans Pro"/>
+              </a:rPr>
+              <a:t>，如</a:t>
+            </a:r>
+            <a:r>
+              <a:rPr lang="en-US" altLang="zh-CN" dirty="0" err="1" smtClean="0">
+                <a:solidFill>
+                  <a:srgbClr val="34495E"/>
+                </a:solidFill>
+                <a:latin typeface="Source Sans Pro"/>
+              </a:rPr>
+              <a:t>v-bind:type</a:t>
+            </a:r>
+            <a:r>
+              <a:rPr lang="zh-CN" altLang="en-US" dirty="0" smtClean="0">
+                <a:solidFill>
+                  <a:srgbClr val="34495E"/>
+                </a:solidFill>
+                <a:latin typeface="Source Sans Pro"/>
+              </a:rPr>
+              <a:t>可缩写为</a:t>
+            </a:r>
+            <a:r>
+              <a:rPr lang="en-US" altLang="zh-CN" dirty="0" smtClean="0">
+                <a:solidFill>
+                  <a:srgbClr val="34495E"/>
+                </a:solidFill>
+                <a:latin typeface="Source Sans Pro"/>
+              </a:rPr>
+              <a:t>:type</a:t>
+            </a:r>
+            <a:r>
+              <a:rPr lang="zh-CN" altLang="en-US" dirty="0" smtClean="0">
+                <a:solidFill>
+                  <a:srgbClr val="34495E"/>
+                </a:solidFill>
+                <a:latin typeface="Source Sans Pro"/>
+              </a:rPr>
+              <a:t>。</a:t>
+            </a:r>
+            <a:endParaRPr lang="zh-CN" altLang="en-US" dirty="0"/>
+          </a:p>
+        </p:txBody>
+      </p:sp>
     </p:spTree>
     <p:extLst>
       <p:ext uri="{BB962C8B-B14F-4D97-AF65-F5344CB8AC3E}">
@@ -7349,14 +7532,14 @@
       </p:sp>
       <p:sp>
         <p:nvSpPr>
-          <p:cNvPr id="22" name="矩形 21"/>
+          <p:cNvPr id="14" name="矩形 13"/>
           <p:cNvSpPr/>
           <p:nvPr/>
         </p:nvSpPr>
         <p:spPr>
           <a:xfrm>
-            <a:off x="250209" y="1361449"/>
-            <a:ext cx="11828060" cy="369332"/>
+            <a:off x="6164240" y="2938120"/>
+            <a:ext cx="5914028" cy="3693319"/>
           </a:xfrm>
           <a:prstGeom prst="rect">
             <a:avLst/>
@@ -7375,71 +7558,149 @@
                 </a:solidFill>
                 <a:latin typeface="Source Sans Pro"/>
               </a:rPr>
+              <a:t>说明：</a:t>
+            </a:r>
+            <a:endParaRPr lang="en-US" altLang="zh-CN" dirty="0" smtClean="0">
+              <a:solidFill>
+                <a:srgbClr val="34495E"/>
+              </a:solidFill>
+              <a:latin typeface="Source Sans Pro"/>
+            </a:endParaRPr>
+          </a:p>
+          <a:p>
+            <a:pPr marL="285750" indent="-285750">
+              <a:buFont typeface="Arial" panose="020B0604020202020204" pitchFamily="34" charset="0"/>
+              <a:buChar char="•"/>
+            </a:pPr>
+            <a:r>
+              <a:rPr lang="en-US" altLang="zh-CN" dirty="0"/>
+              <a:t>m</a:t>
+            </a:r>
+            <a:r>
+              <a:rPr lang="en-US" altLang="zh-CN" dirty="0" smtClean="0"/>
+              <a:t>ethods</a:t>
+            </a:r>
+            <a:r>
+              <a:rPr lang="zh-CN" altLang="en-US" dirty="0" smtClean="0"/>
+              <a:t>中定义的方法内的</a:t>
+            </a:r>
+            <a:r>
+              <a:rPr lang="en-US" altLang="zh-CN" dirty="0" smtClean="0"/>
+              <a:t>this</a:t>
+            </a:r>
+            <a:r>
+              <a:rPr lang="zh-CN" altLang="en-US" dirty="0" smtClean="0"/>
+              <a:t>始终指向</a:t>
+            </a:r>
+            <a:r>
+              <a:rPr lang="en-US" altLang="zh-CN" dirty="0" err="1" smtClean="0"/>
+              <a:t>Vue</a:t>
+            </a:r>
+            <a:r>
+              <a:rPr lang="zh-CN" altLang="en-US" dirty="0" smtClean="0"/>
+              <a:t>实例，可以在方法中通过</a:t>
+            </a:r>
+            <a:r>
+              <a:rPr lang="en-US" altLang="zh-CN" dirty="0" smtClean="0"/>
+              <a:t>this</a:t>
+            </a:r>
+            <a:r>
+              <a:rPr lang="zh-CN" altLang="en-US" dirty="0" smtClean="0"/>
+              <a:t>访问定义的数据，如</a:t>
+            </a:r>
+            <a:r>
+              <a:rPr lang="en-US" altLang="zh-CN" dirty="0" err="1" smtClean="0"/>
+              <a:t>this.value</a:t>
+            </a:r>
+            <a:endParaRPr lang="en-US" altLang="zh-CN" dirty="0" smtClean="0"/>
+          </a:p>
+          <a:p>
+            <a:pPr marL="285750" indent="-285750">
+              <a:buFont typeface="Arial" panose="020B0604020202020204" pitchFamily="34" charset="0"/>
+              <a:buChar char="•"/>
+            </a:pPr>
+            <a:r>
+              <a:rPr lang="zh-CN" altLang="en-US" dirty="0" smtClean="0"/>
+              <a:t>方法中调用的</a:t>
+            </a:r>
+            <a:r>
+              <a:rPr lang="en-US" altLang="zh-CN" dirty="0" smtClean="0"/>
+              <a:t>event</a:t>
+            </a:r>
+            <a:r>
+              <a:rPr lang="zh-CN" altLang="en-US" dirty="0" smtClean="0"/>
+              <a:t>对象是原生</a:t>
+            </a:r>
+            <a:r>
+              <a:rPr lang="en-US" altLang="zh-CN" dirty="0" smtClean="0"/>
+              <a:t>DOM</a:t>
+            </a:r>
+            <a:r>
+              <a:rPr lang="zh-CN" altLang="en-US" dirty="0" smtClean="0"/>
+              <a:t>事件对象，</a:t>
+            </a:r>
+            <a:r>
+              <a:rPr lang="en-US" altLang="zh-CN" dirty="0" smtClean="0"/>
+              <a:t>event</a:t>
+            </a:r>
+            <a:r>
+              <a:rPr lang="zh-CN" altLang="en-US" dirty="0" smtClean="0"/>
+              <a:t>可以在方法中直接使用</a:t>
+            </a:r>
+            <a:endParaRPr lang="en-US" altLang="zh-CN" dirty="0" smtClean="0"/>
+          </a:p>
+          <a:p>
+            <a:pPr marL="285750" indent="-285750">
+              <a:buFont typeface="Arial" panose="020B0604020202020204" pitchFamily="34" charset="0"/>
+              <a:buChar char="•"/>
+            </a:pPr>
+            <a:r>
+              <a:rPr lang="zh-CN" altLang="en-US" dirty="0">
+                <a:latin typeface="Source Sans Pro"/>
+              </a:rPr>
               <a:t>在普通元素上使用</a:t>
             </a:r>
             <a:r>
-              <a:rPr lang="en-US" altLang="zh-CN" dirty="0" smtClean="0">
-                <a:solidFill>
-                  <a:srgbClr val="34495E"/>
-                </a:solidFill>
+              <a:rPr lang="en-US" altLang="zh-CN" dirty="0">
                 <a:latin typeface="Source Sans Pro"/>
               </a:rPr>
               <a:t>v-on</a:t>
             </a:r>
             <a:r>
-              <a:rPr lang="zh-CN" altLang="en-US" dirty="0" smtClean="0">
-                <a:solidFill>
-                  <a:srgbClr val="34495E"/>
-                </a:solidFill>
+              <a:rPr lang="zh-CN" altLang="en-US" dirty="0">
                 <a:latin typeface="Source Sans Pro"/>
               </a:rPr>
               <a:t>时，只能监听原生</a:t>
             </a:r>
             <a:r>
-              <a:rPr lang="en-US" altLang="zh-CN" dirty="0" smtClean="0">
-                <a:solidFill>
-                  <a:srgbClr val="34495E"/>
-                </a:solidFill>
+              <a:rPr lang="en-US" altLang="zh-CN" dirty="0">
                 <a:latin typeface="Source Sans Pro"/>
               </a:rPr>
               <a:t>DOM</a:t>
             </a:r>
             <a:r>
-              <a:rPr lang="zh-CN" altLang="en-US" dirty="0" smtClean="0">
-                <a:solidFill>
-                  <a:srgbClr val="34495E"/>
-                </a:solidFill>
-                <a:latin typeface="Source Sans Pro"/>
-              </a:rPr>
-              <a:t>事件，使用自定义组件时可以监听自定义事件。</a:t>
-            </a:r>
-            <a:endParaRPr lang="zh-CN" altLang="en-US" dirty="0"/>
-          </a:p>
-        </p:txBody>
-      </p:sp>
-      <p:sp>
-        <p:nvSpPr>
-          <p:cNvPr id="23" name="矩形 22"/>
-          <p:cNvSpPr/>
-          <p:nvPr/>
-        </p:nvSpPr>
-        <p:spPr>
-          <a:xfrm>
-            <a:off x="250209" y="1730781"/>
-            <a:ext cx="11828060" cy="646331"/>
-          </a:xfrm>
-          <a:prstGeom prst="rect">
-            <a:avLst/>
-          </a:prstGeom>
-        </p:spPr>
-        <p:txBody>
-          <a:bodyPr wrap="square">
-            <a:spAutoFit/>
-          </a:bodyPr>
-          <a:lstStyle/>
-          <a:p>
-            <a:r>
-              <a:rPr lang="zh-CN" altLang="en-US" dirty="0" smtClean="0">
+              <a:rPr lang="zh-CN" altLang="en-US" dirty="0">
+                <a:latin typeface="Source Sans Pro"/>
+              </a:rPr>
+              <a:t>事件，使用自定义组件时可以监听自定义事件</a:t>
+            </a:r>
+            <a:r>
+              <a:rPr lang="zh-CN" altLang="en-US" dirty="0" smtClean="0">
+                <a:latin typeface="Source Sans Pro"/>
+              </a:rPr>
+              <a:t>。</a:t>
+            </a:r>
+            <a:endParaRPr lang="en-US" altLang="zh-CN" dirty="0" smtClean="0">
+              <a:latin typeface="Source Sans Pro"/>
+            </a:endParaRPr>
+          </a:p>
+          <a:p>
+            <a:pPr marL="285750" indent="-285750">
+              <a:buFont typeface="Arial" panose="020B0604020202020204" pitchFamily="34" charset="0"/>
+              <a:buChar char="•"/>
+            </a:pPr>
+            <a:r>
+              <a:rPr lang="zh-CN" altLang="en-US" dirty="0">
                 <a:solidFill>
                   <a:srgbClr val="34495E"/>
                 </a:solidFill>
@@ -7448,7 +7709,7 @@
               <a:t>在监听原生</a:t>
             </a:r>
             <a:r>
-              <a:rPr lang="en-US" altLang="zh-CN" dirty="0" smtClean="0">
+              <a:rPr lang="en-US" altLang="zh-CN" dirty="0">
                 <a:solidFill>
                   <a:srgbClr val="34495E"/>
                 </a:solidFill>
@@ -7457,7 +7718,7 @@
               <a:t>DOM</a:t>
             </a:r>
             <a:r>
-              <a:rPr lang="zh-CN" altLang="en-US" dirty="0" smtClean="0">
+              <a:rPr lang="zh-CN" altLang="en-US" dirty="0">
                 <a:solidFill>
                   <a:srgbClr val="34495E"/>
                 </a:solidFill>
@@ -7466,7 +7727,7 @@
               <a:t>事件时，如果只定义一个参数，</a:t>
             </a:r>
             <a:r>
-              <a:rPr lang="en-US" altLang="zh-CN" dirty="0" smtClean="0">
+              <a:rPr lang="en-US" altLang="zh-CN" dirty="0">
                 <a:solidFill>
                   <a:srgbClr val="34495E"/>
                 </a:solidFill>
@@ -7475,7 +7736,7 @@
               <a:t>DOM event</a:t>
             </a:r>
             <a:r>
-              <a:rPr lang="zh-CN" altLang="en-US" dirty="0" smtClean="0">
+              <a:rPr lang="zh-CN" altLang="en-US" dirty="0">
                 <a:solidFill>
                   <a:srgbClr val="34495E"/>
                 </a:solidFill>
@@ -7484,7 +7745,7 @@
               <a:t>为事件的唯一参数；如果在内联</a:t>
             </a:r>
             <a:r>
-              <a:rPr lang="en-US" altLang="zh-CN" dirty="0" err="1" smtClean="0">
+              <a:rPr lang="en-US" altLang="zh-CN" dirty="0" err="1">
                 <a:solidFill>
                   <a:srgbClr val="34495E"/>
                 </a:solidFill>
@@ -7493,7 +7754,7 @@
               <a:t>js</a:t>
             </a:r>
             <a:r>
-              <a:rPr lang="zh-CN" altLang="en-US" dirty="0" smtClean="0">
+              <a:rPr lang="zh-CN" altLang="en-US" dirty="0">
                 <a:solidFill>
                   <a:srgbClr val="34495E"/>
                 </a:solidFill>
@@ -7502,7 +7763,7 @@
               <a:t>语句中访问原生</a:t>
             </a:r>
             <a:r>
-              <a:rPr lang="en-US" altLang="zh-CN" dirty="0" smtClean="0">
+              <a:rPr lang="en-US" altLang="zh-CN" dirty="0">
                 <a:solidFill>
                   <a:srgbClr val="34495E"/>
                 </a:solidFill>
@@ -7511,7 +7772,7 @@
               <a:t>DOM</a:t>
             </a:r>
             <a:r>
-              <a:rPr lang="zh-CN" altLang="en-US" dirty="0" smtClean="0">
+              <a:rPr lang="zh-CN" altLang="en-US" dirty="0">
                 <a:solidFill>
                   <a:srgbClr val="34495E"/>
                 </a:solidFill>
@@ -7520,30 +7781,112 @@
               <a:t>事件，可以使用</a:t>
             </a:r>
             <a:r>
-              <a:rPr lang="en-US" altLang="zh-CN" dirty="0" smtClean="0">
-                <a:solidFill>
-                  <a:srgbClr val="34495E"/>
-                </a:solidFill>
-                <a:latin typeface="Source Sans Pro"/>
-              </a:rPr>
-              <a:t>$event</a:t>
-            </a:r>
-            <a:r>
-              <a:rPr lang="zh-CN" altLang="en-US" dirty="0" smtClean="0">
-                <a:solidFill>
-                  <a:srgbClr val="34495E"/>
-                </a:solidFill>
-                <a:latin typeface="Source Sans Pro"/>
-              </a:rPr>
-              <a:t>传入事件。</a:t>
-            </a:r>
+              <a:rPr lang="en-US" altLang="zh-CN" dirty="0">
+                <a:solidFill>
+                  <a:srgbClr val="34495E"/>
+                </a:solidFill>
+                <a:latin typeface="Source Sans Pro"/>
+              </a:rPr>
+              <a:t>event</a:t>
+            </a:r>
+            <a:r>
+              <a:rPr lang="zh-CN" altLang="en-US" dirty="0">
+                <a:solidFill>
+                  <a:srgbClr val="34495E"/>
+                </a:solidFill>
+                <a:latin typeface="Source Sans Pro"/>
+              </a:rPr>
+              <a:t>传入事件</a:t>
+            </a:r>
+            <a:r>
+              <a:rPr lang="zh-CN" altLang="en-US" dirty="0" smtClean="0">
+                <a:solidFill>
+                  <a:srgbClr val="34495E"/>
+                </a:solidFill>
+                <a:latin typeface="Source Sans Pro"/>
+              </a:rPr>
+              <a:t>。</a:t>
+            </a:r>
+            <a:endParaRPr lang="en-US" altLang="zh-CN" dirty="0" smtClean="0">
+              <a:solidFill>
+                <a:srgbClr val="34495E"/>
+              </a:solidFill>
+              <a:latin typeface="Source Sans Pro"/>
+            </a:endParaRPr>
+          </a:p>
+          <a:p>
+            <a:pPr marL="285750" indent="-285750">
+              <a:buFont typeface="Arial" panose="020B0604020202020204" pitchFamily="34" charset="0"/>
+              <a:buChar char="•"/>
+            </a:pPr>
+            <a:r>
+              <a:rPr lang="zh-CN" altLang="en-US" dirty="0" smtClean="0">
+                <a:solidFill>
+                  <a:srgbClr val="34495E"/>
+                </a:solidFill>
+                <a:latin typeface="Source Sans Pro"/>
+              </a:rPr>
+              <a:t>在</a:t>
+            </a:r>
+            <a:r>
+              <a:rPr lang="en-US" altLang="zh-CN" dirty="0" err="1">
+                <a:solidFill>
+                  <a:srgbClr val="34495E"/>
+                </a:solidFill>
+                <a:latin typeface="Source Sans Pro"/>
+              </a:rPr>
+              <a:t>Javascript</a:t>
+            </a:r>
+            <a:r>
+              <a:rPr lang="zh-CN" altLang="en-US" dirty="0">
+                <a:solidFill>
+                  <a:srgbClr val="34495E"/>
+                </a:solidFill>
+                <a:latin typeface="Source Sans Pro"/>
+              </a:rPr>
+              <a:t>中调用该事件可以使用</a:t>
+            </a:r>
+            <a:r>
+              <a:rPr lang="en-US" altLang="zh-CN" dirty="0">
+                <a:solidFill>
+                  <a:srgbClr val="0000FF"/>
+                </a:solidFill>
+                <a:latin typeface="Source Sans Pro"/>
+              </a:rPr>
+              <a:t>app7.doThis(“</a:t>
+            </a:r>
+            <a:r>
+              <a:rPr lang="en-US" altLang="zh-CN" dirty="0" err="1">
+                <a:solidFill>
+                  <a:srgbClr val="0000FF"/>
+                </a:solidFill>
+                <a:latin typeface="Source Sans Pro"/>
+              </a:rPr>
+              <a:t>abc</a:t>
+            </a:r>
+            <a:r>
+              <a:rPr lang="en-US" altLang="zh-CN" dirty="0">
+                <a:solidFill>
+                  <a:srgbClr val="0000FF"/>
+                </a:solidFill>
+                <a:latin typeface="Source Sans Pro"/>
+              </a:rPr>
+              <a:t>”)</a:t>
+            </a:r>
+            <a:endParaRPr lang="zh-CN" altLang="en-US" dirty="0">
+              <a:solidFill>
+                <a:srgbClr val="0000FF"/>
+              </a:solidFill>
+            </a:endParaRPr>
+          </a:p>
+          <a:p>
             <a:endParaRPr lang="zh-CN" altLang="en-US" dirty="0"/>
           </a:p>
         </p:txBody>
       </p:sp>
       <p:pic>
         <p:nvPicPr>
-          <p:cNvPr id="2" name="图片 1"/>
+          <p:cNvPr id="10" name="图片 9"/>
           <p:cNvPicPr>
             <a:picLocks noChangeAspect="1"/>
           </p:cNvPicPr>
@@ -7557,17 +7900,123 @@
         </p:blipFill>
         <p:spPr>
           <a:xfrm>
-            <a:off x="250209" y="2427396"/>
-            <a:ext cx="9016621" cy="837883"/>
+            <a:off x="250208" y="3006506"/>
+            <a:ext cx="5686657" cy="2780143"/>
           </a:xfrm>
           <a:prstGeom prst="rect">
             <a:avLst/>
           </a:prstGeom>
         </p:spPr>
       </p:pic>
+      <p:sp>
+        <p:nvSpPr>
+          <p:cNvPr id="16" name="矩形 15"/>
+          <p:cNvSpPr/>
+          <p:nvPr/>
+        </p:nvSpPr>
+        <p:spPr>
+          <a:xfrm>
+            <a:off x="250208" y="1381729"/>
+            <a:ext cx="11828060" cy="369332"/>
+          </a:xfrm>
+          <a:prstGeom prst="rect">
+            <a:avLst/>
+          </a:prstGeom>
+        </p:spPr>
+        <p:txBody>
+          <a:bodyPr wrap="square">
+            <a:spAutoFit/>
+          </a:bodyPr>
+          <a:lstStyle/>
+          <a:p>
+            <a:r>
+              <a:rPr lang="en-US" altLang="zh-CN" dirty="0">
+                <a:solidFill>
+                  <a:srgbClr val="34495E"/>
+                </a:solidFill>
+                <a:latin typeface="Source Sans Pro"/>
+              </a:rPr>
+              <a:t>v</a:t>
+            </a:r>
+            <a:r>
+              <a:rPr lang="en-US" altLang="zh-CN" dirty="0" smtClean="0">
+                <a:solidFill>
+                  <a:srgbClr val="34495E"/>
+                </a:solidFill>
+                <a:latin typeface="Source Sans Pro"/>
+              </a:rPr>
+              <a:t>-on</a:t>
+            </a:r>
+            <a:r>
+              <a:rPr lang="zh-CN" altLang="en-US" dirty="0" smtClean="0">
+                <a:solidFill>
+                  <a:srgbClr val="34495E"/>
+                </a:solidFill>
+                <a:latin typeface="Source Sans Pro"/>
+              </a:rPr>
+              <a:t>的缩写形式是</a:t>
+            </a:r>
+            <a:r>
+              <a:rPr lang="en-US" altLang="zh-CN" dirty="0" smtClean="0">
+                <a:solidFill>
+                  <a:srgbClr val="34495E"/>
+                </a:solidFill>
+                <a:latin typeface="Source Sans Pro"/>
+              </a:rPr>
+              <a:t>@</a:t>
+            </a:r>
+            <a:r>
+              <a:rPr lang="zh-CN" altLang="en-US" dirty="0" smtClean="0">
+                <a:solidFill>
+                  <a:srgbClr val="34495E"/>
+                </a:solidFill>
+                <a:latin typeface="Source Sans Pro"/>
+              </a:rPr>
+              <a:t>，如</a:t>
+            </a:r>
+            <a:r>
+              <a:rPr lang="en-US" altLang="zh-CN" dirty="0" err="1" smtClean="0">
+                <a:solidFill>
+                  <a:srgbClr val="34495E"/>
+                </a:solidFill>
+                <a:latin typeface="Source Sans Pro"/>
+              </a:rPr>
+              <a:t>v-on:click</a:t>
+            </a:r>
+            <a:r>
+              <a:rPr lang="zh-CN" altLang="en-US" dirty="0" smtClean="0">
+                <a:solidFill>
+                  <a:srgbClr val="34495E"/>
+                </a:solidFill>
+                <a:latin typeface="Source Sans Pro"/>
+              </a:rPr>
+              <a:t>可缩写为</a:t>
+            </a:r>
+            <a:r>
+              <a:rPr lang="en-US" altLang="zh-CN" dirty="0" smtClean="0">
+                <a:solidFill>
+                  <a:srgbClr val="34495E"/>
+                </a:solidFill>
+                <a:latin typeface="Source Sans Pro"/>
+              </a:rPr>
+              <a:t>@click</a:t>
+            </a:r>
+            <a:r>
+              <a:rPr lang="zh-CN" altLang="en-US" dirty="0" smtClean="0">
+                <a:solidFill>
+                  <a:srgbClr val="34495E"/>
+                </a:solidFill>
+                <a:latin typeface="Source Sans Pro"/>
+              </a:rPr>
+              <a:t>。</a:t>
+            </a:r>
+            <a:endParaRPr lang="zh-CN" altLang="en-US" dirty="0"/>
+          </a:p>
+        </p:txBody>
+      </p:sp>
       <p:pic>
         <p:nvPicPr>
-          <p:cNvPr id="3" name="图片 2"/>
+          <p:cNvPr id="13" name="图片 12"/>
           <p:cNvPicPr>
             <a:picLocks noChangeAspect="1"/>
           </p:cNvPicPr>
@@ -7581,138 +8030,8 @@
         </p:blipFill>
         <p:spPr>
           <a:xfrm>
-            <a:off x="250209" y="3315563"/>
-            <a:ext cx="3175244" cy="1733154"/>
-          </a:xfrm>
-          <a:prstGeom prst="rect">
-            <a:avLst/>
-          </a:prstGeom>
-        </p:spPr>
-      </p:pic>
-      <p:sp>
-        <p:nvSpPr>
-          <p:cNvPr id="24" name="矩形 23"/>
-          <p:cNvSpPr/>
-          <p:nvPr/>
-        </p:nvSpPr>
-        <p:spPr>
-          <a:xfrm>
-            <a:off x="250074" y="5099001"/>
-            <a:ext cx="11828060" cy="646331"/>
-          </a:xfrm>
-          <a:prstGeom prst="rect">
-            <a:avLst/>
-          </a:prstGeom>
-        </p:spPr>
-        <p:txBody>
-          <a:bodyPr wrap="square">
-            <a:spAutoFit/>
-          </a:bodyPr>
-          <a:lstStyle/>
-          <a:p>
-            <a:r>
-              <a:rPr lang="en-US" altLang="zh-CN" dirty="0">
-                <a:solidFill>
-                  <a:srgbClr val="34495E"/>
-                </a:solidFill>
-                <a:latin typeface="Source Sans Pro"/>
-              </a:rPr>
-              <a:t>v</a:t>
-            </a:r>
-            <a:r>
-              <a:rPr lang="en-US" altLang="zh-CN" dirty="0" smtClean="0">
-                <a:solidFill>
-                  <a:srgbClr val="34495E"/>
-                </a:solidFill>
-                <a:latin typeface="Source Sans Pro"/>
-              </a:rPr>
-              <a:t>-on</a:t>
-            </a:r>
-            <a:r>
-              <a:rPr lang="zh-CN" altLang="en-US" dirty="0" smtClean="0">
-                <a:solidFill>
-                  <a:srgbClr val="34495E"/>
-                </a:solidFill>
-                <a:latin typeface="Source Sans Pro"/>
-              </a:rPr>
-              <a:t>可以绑定多个不同的事件，如：</a:t>
-            </a:r>
-            <a:r>
-              <a:rPr lang="en-US" altLang="zh-CN" dirty="0" smtClean="0">
-                <a:solidFill>
-                  <a:srgbClr val="34495E"/>
-                </a:solidFill>
-                <a:latin typeface="Source Sans Pro"/>
-              </a:rPr>
-              <a:t>click</a:t>
-            </a:r>
-            <a:r>
-              <a:rPr lang="zh-CN" altLang="en-US" dirty="0" smtClean="0">
-                <a:solidFill>
-                  <a:srgbClr val="34495E"/>
-                </a:solidFill>
-                <a:latin typeface="Source Sans Pro"/>
-              </a:rPr>
-              <a:t>、</a:t>
-            </a:r>
-            <a:r>
-              <a:rPr lang="en-US" altLang="zh-CN" dirty="0" smtClean="0">
-                <a:solidFill>
-                  <a:srgbClr val="34495E"/>
-                </a:solidFill>
-                <a:latin typeface="Source Sans Pro"/>
-              </a:rPr>
-              <a:t>focus</a:t>
-            </a:r>
-            <a:r>
-              <a:rPr lang="zh-CN" altLang="en-US" dirty="0" smtClean="0">
-                <a:solidFill>
-                  <a:srgbClr val="34495E"/>
-                </a:solidFill>
-                <a:latin typeface="Source Sans Pro"/>
-              </a:rPr>
-              <a:t>、</a:t>
-            </a:r>
-            <a:r>
-              <a:rPr lang="en-US" altLang="zh-CN" dirty="0" smtClean="0">
-                <a:solidFill>
-                  <a:srgbClr val="34495E"/>
-                </a:solidFill>
-                <a:latin typeface="Source Sans Pro"/>
-              </a:rPr>
-              <a:t>change</a:t>
-            </a:r>
-            <a:r>
-              <a:rPr lang="zh-CN" altLang="en-US" dirty="0" smtClean="0">
-                <a:solidFill>
-                  <a:srgbClr val="34495E"/>
-                </a:solidFill>
-                <a:latin typeface="Source Sans Pro"/>
-              </a:rPr>
-              <a:t>，但如果绑定多个相同的事件时，只有第一个有效，其他事件无效。</a:t>
-            </a:r>
-            <a:endParaRPr lang="zh-CN" altLang="en-US" dirty="0"/>
-          </a:p>
-        </p:txBody>
-      </p:sp>
-      <p:pic>
-        <p:nvPicPr>
-          <p:cNvPr id="6" name="图片 5"/>
-          <p:cNvPicPr>
-            <a:picLocks noChangeAspect="1"/>
-          </p:cNvPicPr>
-          <p:nvPr/>
-        </p:nvPicPr>
-        <p:blipFill>
-          <a:blip r:embed="rId4"/>
-          <a:stretch>
-            <a:fillRect/>
-          </a:stretch>
-        </p:blipFill>
-        <p:spPr>
-          <a:xfrm>
-            <a:off x="250075" y="5745332"/>
-            <a:ext cx="11941926" cy="669737"/>
+            <a:off x="250208" y="1784989"/>
+            <a:ext cx="11909199" cy="1166779"/>
           </a:xfrm>
           <a:prstGeom prst="rect">
             <a:avLst/>
@@ -7836,7 +8155,7 @@
                 </a:solidFill>
                 <a:latin typeface="Source Sans Pro"/>
               </a:rPr>
-              <a:t>v-cloak</a:t>
+              <a:t>v-on</a:t>
             </a:r>
             <a:endParaRPr lang="zh-CN" altLang="en-US" dirty="0"/>
           </a:p>
@@ -7844,14 +8163,14 @@
       </p:sp>
       <p:sp>
         <p:nvSpPr>
-          <p:cNvPr id="9" name="矩形 8"/>
+          <p:cNvPr id="24" name="矩形 23"/>
           <p:cNvSpPr/>
           <p:nvPr/>
         </p:nvSpPr>
         <p:spPr>
           <a:xfrm>
-            <a:off x="250209" y="992117"/>
-            <a:ext cx="11828060" cy="369332"/>
+            <a:off x="250074" y="1018309"/>
+            <a:ext cx="11828060" cy="646331"/>
           </a:xfrm>
           <a:prstGeom prst="rect">
             <a:avLst/>
@@ -7864,49 +8183,85 @@
           <a:lstStyle/>
           <a:p>
             <a:r>
-              <a:rPr lang="zh-CN" altLang="en-US" dirty="0" smtClean="0">
-                <a:solidFill>
-                  <a:srgbClr val="34495E"/>
-                </a:solidFill>
-                <a:latin typeface="Source Sans Pro"/>
-              </a:rPr>
-              <a:t>这个指令保持在元素上直到关联实例结束编译。当和</a:t>
-            </a:r>
-            <a:r>
               <a:rPr lang="en-US" altLang="zh-CN" dirty="0">
                 <a:solidFill>
                   <a:srgbClr val="34495E"/>
                 </a:solidFill>
                 <a:latin typeface="Source Sans Pro"/>
               </a:rPr>
-              <a:t>CSS</a:t>
-            </a:r>
-            <a:r>
-              <a:rPr lang="zh-CN" altLang="en-US" dirty="0" smtClean="0">
-                <a:solidFill>
-                  <a:srgbClr val="34495E"/>
-                </a:solidFill>
-                <a:latin typeface="Source Sans Pro"/>
-              </a:rPr>
-              <a:t>规则使用时，这个指令可以隐藏未编译的</a:t>
-            </a:r>
-            <a:r>
-              <a:rPr lang="en-US" altLang="zh-CN" dirty="0" smtClean="0">
-                <a:solidFill>
-                  <a:srgbClr val="34495E"/>
-                </a:solidFill>
-                <a:latin typeface="Source Sans Pro"/>
-              </a:rPr>
-              <a:t>Mustache</a:t>
-            </a:r>
-            <a:r>
-              <a:rPr lang="zh-CN" altLang="en-US" dirty="0" smtClean="0">
-                <a:solidFill>
-                  <a:srgbClr val="34495E"/>
-                </a:solidFill>
-                <a:latin typeface="Source Sans Pro"/>
-              </a:rPr>
-              <a:t>标签。</a:t>
+              <a:t>v</a:t>
+            </a:r>
+            <a:r>
+              <a:rPr lang="en-US" altLang="zh-CN" dirty="0" smtClean="0">
+                <a:solidFill>
+                  <a:srgbClr val="34495E"/>
+                </a:solidFill>
+                <a:latin typeface="Source Sans Pro"/>
+              </a:rPr>
+              <a:t>-on</a:t>
+            </a:r>
+            <a:r>
+              <a:rPr lang="zh-CN" altLang="en-US" dirty="0" smtClean="0">
+                <a:solidFill>
+                  <a:srgbClr val="34495E"/>
+                </a:solidFill>
+                <a:latin typeface="Source Sans Pro"/>
+              </a:rPr>
+              <a:t>可以绑定多个不同的事件，如：</a:t>
+            </a:r>
+            <a:r>
+              <a:rPr lang="en-US" altLang="zh-CN" dirty="0" smtClean="0">
+                <a:solidFill>
+                  <a:srgbClr val="34495E"/>
+                </a:solidFill>
+                <a:latin typeface="Source Sans Pro"/>
+              </a:rPr>
+              <a:t>click</a:t>
+            </a:r>
+            <a:r>
+              <a:rPr lang="zh-CN" altLang="en-US" dirty="0" smtClean="0">
+                <a:solidFill>
+                  <a:srgbClr val="34495E"/>
+                </a:solidFill>
+                <a:latin typeface="Source Sans Pro"/>
+              </a:rPr>
+              <a:t>、</a:t>
+            </a:r>
+            <a:r>
+              <a:rPr lang="en-US" altLang="zh-CN" dirty="0" smtClean="0">
+                <a:solidFill>
+                  <a:srgbClr val="34495E"/>
+                </a:solidFill>
+                <a:latin typeface="Source Sans Pro"/>
+              </a:rPr>
+              <a:t>focus</a:t>
+            </a:r>
+            <a:r>
+              <a:rPr lang="zh-CN" altLang="en-US" dirty="0" smtClean="0">
+                <a:solidFill>
+                  <a:srgbClr val="34495E"/>
+                </a:solidFill>
+                <a:latin typeface="Source Sans Pro"/>
+              </a:rPr>
+              <a:t>、</a:t>
+            </a:r>
+            <a:r>
+              <a:rPr lang="en-US" altLang="zh-CN" dirty="0" smtClean="0">
+                <a:solidFill>
+                  <a:srgbClr val="34495E"/>
+                </a:solidFill>
+                <a:latin typeface="Source Sans Pro"/>
+              </a:rPr>
+              <a:t>change</a:t>
+            </a:r>
+            <a:r>
+              <a:rPr lang="zh-CN" altLang="en-US" dirty="0" smtClean="0">
+                <a:solidFill>
+                  <a:srgbClr val="34495E"/>
+                </a:solidFill>
+                <a:latin typeface="Source Sans Pro"/>
+              </a:rPr>
+              <a:t>，但如果绑定多个相同的事件时，只有第一个有效，其他事件无效。</a:t>
             </a:r>
             <a:endParaRPr lang="zh-CN" altLang="en-US" dirty="0"/>
           </a:p>
@@ -7928,14 +8283,143 @@
         </p:blipFill>
         <p:spPr>
           <a:xfrm>
-            <a:off x="430083" y="1730780"/>
-            <a:ext cx="2913618" cy="1319981"/>
+            <a:off x="250075" y="1787467"/>
+            <a:ext cx="11941926" cy="669737"/>
           </a:xfrm>
           <a:prstGeom prst="rect">
             <a:avLst/>
           </a:prstGeom>
         </p:spPr>
       </p:pic>
+      <p:sp>
+        <p:nvSpPr>
+          <p:cNvPr id="11" name="矩形 10"/>
+          <p:cNvSpPr/>
+          <p:nvPr/>
+        </p:nvSpPr>
+        <p:spPr>
+          <a:xfrm>
+            <a:off x="250074" y="2634621"/>
+            <a:ext cx="11828060" cy="369332"/>
+          </a:xfrm>
+          <a:prstGeom prst="rect">
+            <a:avLst/>
+          </a:prstGeom>
+        </p:spPr>
+        <p:txBody>
+          <a:bodyPr wrap="square">
+            <a:spAutoFit/>
+          </a:bodyPr>
+          <a:lstStyle/>
+          <a:p>
+            <a:r>
+              <a:rPr lang="en-US" altLang="zh-CN" dirty="0" smtClean="0">
+                <a:solidFill>
+                  <a:srgbClr val="34495E"/>
+                </a:solidFill>
+                <a:latin typeface="Source Sans Pro"/>
+              </a:rPr>
+              <a:t>7.1 </a:t>
+            </a:r>
+            <a:r>
+              <a:rPr lang="zh-CN" altLang="en-US" dirty="0" smtClean="0">
+                <a:solidFill>
+                  <a:srgbClr val="34495E"/>
+                </a:solidFill>
+                <a:latin typeface="Source Sans Pro"/>
+              </a:rPr>
+              <a:t>事件修饰符</a:t>
+            </a:r>
+            <a:endParaRPr lang="zh-CN" altLang="en-US" dirty="0"/>
+          </a:p>
+        </p:txBody>
+      </p:sp>
+      <p:sp>
+        <p:nvSpPr>
+          <p:cNvPr id="12" name="矩形 11"/>
+          <p:cNvSpPr/>
+          <p:nvPr/>
+        </p:nvSpPr>
+        <p:spPr>
+          <a:xfrm>
+            <a:off x="250074" y="2996704"/>
+            <a:ext cx="11828060" cy="369332"/>
+          </a:xfrm>
+          <a:prstGeom prst="rect">
+            <a:avLst/>
+          </a:prstGeom>
+        </p:spPr>
+        <p:txBody>
+          <a:bodyPr wrap="square">
+            <a:spAutoFit/>
+          </a:bodyPr>
+          <a:lstStyle/>
+          <a:p>
+            <a:r>
+              <a:rPr lang="zh-CN" altLang="en-US" dirty="0" smtClean="0">
+                <a:solidFill>
+                  <a:srgbClr val="34495E"/>
+                </a:solidFill>
+                <a:latin typeface="Source Sans Pro"/>
+              </a:rPr>
+              <a:t>事件修饰符是以圆点</a:t>
+            </a:r>
+            <a:r>
+              <a:rPr lang="en-US" altLang="zh-CN" dirty="0" smtClean="0">
+                <a:solidFill>
+                  <a:srgbClr val="34495E"/>
+                </a:solidFill>
+                <a:latin typeface="Source Sans Pro"/>
+              </a:rPr>
+              <a:t>(.)</a:t>
+            </a:r>
+            <a:r>
+              <a:rPr lang="zh-CN" altLang="en-US" dirty="0" smtClean="0">
+                <a:solidFill>
+                  <a:srgbClr val="34495E"/>
+                </a:solidFill>
+                <a:latin typeface="Source Sans Pro"/>
+              </a:rPr>
+              <a:t>开始的特殊后缀，用于表示指令应以特殊方式绑定。</a:t>
+            </a:r>
+            <a:endParaRPr lang="zh-CN" altLang="en-US" dirty="0"/>
+          </a:p>
+        </p:txBody>
+      </p:sp>
+      <p:sp>
+        <p:nvSpPr>
+          <p:cNvPr id="13" name="矩形 12"/>
+          <p:cNvSpPr/>
+          <p:nvPr/>
+        </p:nvSpPr>
+        <p:spPr>
+          <a:xfrm>
+            <a:off x="250074" y="3420628"/>
+            <a:ext cx="11828060" cy="369332"/>
+          </a:xfrm>
+          <a:prstGeom prst="rect">
+            <a:avLst/>
+          </a:prstGeom>
+        </p:spPr>
+        <p:txBody>
+          <a:bodyPr wrap="square">
+            <a:spAutoFit/>
+          </a:bodyPr>
+          <a:lstStyle/>
+          <a:p>
+            <a:r>
+              <a:rPr lang="zh-CN" altLang="en-US" dirty="0" smtClean="0">
+                <a:solidFill>
+                  <a:srgbClr val="34495E"/>
+                </a:solidFill>
+                <a:latin typeface="Source Sans Pro"/>
+              </a:rPr>
+              <a:t>事件修饰符可以串联：</a:t>
+            </a:r>
+            <a:endParaRPr lang="zh-CN" altLang="en-US" dirty="0"/>
+          </a:p>
+        </p:txBody>
+      </p:sp>
       <p:pic>
         <p:nvPicPr>
           <p:cNvPr id="7" name="图片 6"/>
@@ -7952,8 +8436,8 @@
         </p:blipFill>
         <p:spPr>
           <a:xfrm>
-            <a:off x="430083" y="3420092"/>
-            <a:ext cx="11550189" cy="1042726"/>
+            <a:off x="2750247" y="3354850"/>
+            <a:ext cx="5644922" cy="466522"/>
           </a:xfrm>
           <a:prstGeom prst="rect">
             <a:avLst/>
@@ -7962,51 +8446,282 @@
       </p:pic>
       <p:sp>
         <p:nvSpPr>
-          <p:cNvPr id="12" name="矩形 11"/>
+          <p:cNvPr id="15" name="矩形 14"/>
           <p:cNvSpPr/>
           <p:nvPr/>
         </p:nvSpPr>
         <p:spPr>
           <a:xfrm>
-            <a:off x="250209" y="5013032"/>
-            <a:ext cx="6096000" cy="369332"/>
-          </a:xfrm>
-          <a:prstGeom prst="rect">
-            <a:avLst/>
-          </a:prstGeom>
-        </p:spPr>
-        <p:txBody>
-          <a:bodyPr>
+            <a:off x="250074" y="3875964"/>
+            <a:ext cx="11828060" cy="369332"/>
+          </a:xfrm>
+          <a:prstGeom prst="rect">
+            <a:avLst/>
+          </a:prstGeom>
+        </p:spPr>
+        <p:txBody>
+          <a:bodyPr wrap="square">
             <a:spAutoFit/>
           </a:bodyPr>
           <a:lstStyle/>
           <a:p>
             <a:r>
-              <a:rPr lang="en-US" altLang="zh-CN" dirty="0" smtClean="0">
-                <a:solidFill>
-                  <a:srgbClr val="34495E"/>
-                </a:solidFill>
-                <a:latin typeface="Source Sans Pro"/>
-              </a:rPr>
-              <a:t>8</a:t>
-            </a:r>
-            <a:r>
-              <a:rPr lang="zh-CN" altLang="en-US" dirty="0" smtClean="0">
-                <a:solidFill>
-                  <a:srgbClr val="34495E"/>
-                </a:solidFill>
-                <a:latin typeface="Source Sans Pro"/>
-              </a:rPr>
-              <a:t>、自定义指令（略）</a:t>
+              <a:rPr lang="zh-CN" altLang="en-US" dirty="0" smtClean="0">
+                <a:solidFill>
+                  <a:srgbClr val="34495E"/>
+                </a:solidFill>
+                <a:latin typeface="Source Sans Pro"/>
+              </a:rPr>
+              <a:t>事件修饰符可以不绑定事件：</a:t>
             </a:r>
             <a:endParaRPr lang="zh-CN" altLang="en-US" dirty="0"/>
           </a:p>
         </p:txBody>
       </p:sp>
+      <p:pic>
+        <p:nvPicPr>
+          <p:cNvPr id="8" name="图片 7"/>
+          <p:cNvPicPr>
+            <a:picLocks noChangeAspect="1"/>
+          </p:cNvPicPr>
+          <p:nvPr/>
+        </p:nvPicPr>
+        <p:blipFill>
+          <a:blip r:embed="rId4"/>
+          <a:stretch>
+            <a:fillRect/>
+          </a:stretch>
+        </p:blipFill>
+        <p:spPr>
+          <a:xfrm>
+            <a:off x="3437511" y="3817256"/>
+            <a:ext cx="5324351" cy="453137"/>
+          </a:xfrm>
+          <a:prstGeom prst="rect">
+            <a:avLst/>
+          </a:prstGeom>
+        </p:spPr>
+      </p:pic>
+      <p:sp>
+        <p:nvSpPr>
+          <p:cNvPr id="17" name="矩形 16"/>
+          <p:cNvSpPr/>
+          <p:nvPr/>
+        </p:nvSpPr>
+        <p:spPr>
+          <a:xfrm>
+            <a:off x="250074" y="4356397"/>
+            <a:ext cx="11828060" cy="369332"/>
+          </a:xfrm>
+          <a:prstGeom prst="rect">
+            <a:avLst/>
+          </a:prstGeom>
+        </p:spPr>
+        <p:txBody>
+          <a:bodyPr wrap="square">
+            <a:spAutoFit/>
+          </a:bodyPr>
+          <a:lstStyle/>
+          <a:p>
+            <a:r>
+              <a:rPr lang="en-US" altLang="zh-CN" dirty="0" smtClean="0">
+                <a:solidFill>
+                  <a:srgbClr val="34495E"/>
+                </a:solidFill>
+                <a:latin typeface="Source Sans Pro"/>
+              </a:rPr>
+              <a:t>.stop</a:t>
+            </a:r>
+            <a:r>
+              <a:rPr lang="zh-CN" altLang="en-US" dirty="0" smtClean="0">
+                <a:solidFill>
+                  <a:srgbClr val="34495E"/>
+                </a:solidFill>
+                <a:latin typeface="Source Sans Pro"/>
+              </a:rPr>
+              <a:t>：阻止事件冒泡，在时间上添加</a:t>
+            </a:r>
+            <a:r>
+              <a:rPr lang="en-US" altLang="zh-CN" dirty="0" smtClean="0">
+                <a:solidFill>
+                  <a:srgbClr val="34495E"/>
+                </a:solidFill>
+                <a:latin typeface="Source Sans Pro"/>
+              </a:rPr>
+              <a:t>.stop</a:t>
+            </a:r>
+            <a:r>
+              <a:rPr lang="zh-CN" altLang="en-US" dirty="0" smtClean="0">
+                <a:solidFill>
+                  <a:srgbClr val="34495E"/>
+                </a:solidFill>
+                <a:latin typeface="Source Sans Pro"/>
+              </a:rPr>
+              <a:t>修饰符后，执行完该事件后，后面的事件不再继续执行</a:t>
+            </a:r>
+            <a:endParaRPr lang="zh-CN" altLang="en-US" dirty="0"/>
+          </a:p>
+        </p:txBody>
+      </p:sp>
+      <p:sp>
+        <p:nvSpPr>
+          <p:cNvPr id="14" name="矩形 13"/>
+          <p:cNvSpPr/>
+          <p:nvPr/>
+        </p:nvSpPr>
+        <p:spPr>
+          <a:xfrm>
+            <a:off x="6791362" y="4897828"/>
+            <a:ext cx="5286772" cy="1754326"/>
+          </a:xfrm>
+          <a:prstGeom prst="rect">
+            <a:avLst/>
+          </a:prstGeom>
+        </p:spPr>
+        <p:txBody>
+          <a:bodyPr wrap="square">
+            <a:spAutoFit/>
+          </a:bodyPr>
+          <a:lstStyle/>
+          <a:p>
+            <a:r>
+              <a:rPr lang="zh-CN" altLang="en-US" dirty="0">
+                <a:solidFill>
+                  <a:srgbClr val="34495E"/>
+                </a:solidFill>
+                <a:latin typeface="Source Sans Pro"/>
+              </a:rPr>
+              <a:t>事件冒泡</a:t>
+            </a:r>
+            <a:r>
+              <a:rPr lang="zh-CN" altLang="en-US" dirty="0" smtClean="0">
+                <a:solidFill>
+                  <a:srgbClr val="34495E"/>
+                </a:solidFill>
+                <a:latin typeface="Source Sans Pro"/>
+              </a:rPr>
+              <a:t>：</a:t>
+            </a:r>
+            <a:endParaRPr lang="en-US" altLang="zh-CN" dirty="0" smtClean="0">
+              <a:solidFill>
+                <a:srgbClr val="34495E"/>
+              </a:solidFill>
+              <a:latin typeface="Source Sans Pro"/>
+            </a:endParaRPr>
+          </a:p>
+          <a:p>
+            <a:r>
+              <a:rPr lang="zh-CN" altLang="en-US" dirty="0" smtClean="0">
+                <a:solidFill>
+                  <a:srgbClr val="34495E"/>
+                </a:solidFill>
+                <a:latin typeface="Source Sans Pro"/>
+              </a:rPr>
+              <a:t>如左图，</a:t>
+            </a:r>
+            <a:endParaRPr lang="en-US" altLang="zh-CN" dirty="0" smtClean="0">
+              <a:solidFill>
+                <a:srgbClr val="34495E"/>
+              </a:solidFill>
+              <a:latin typeface="Source Sans Pro"/>
+            </a:endParaRPr>
+          </a:p>
+          <a:p>
+            <a:r>
+              <a:rPr lang="zh-CN" altLang="en-US" dirty="0" smtClean="0">
+                <a:solidFill>
+                  <a:srgbClr val="34495E"/>
+                </a:solidFill>
+                <a:latin typeface="Source Sans Pro"/>
+              </a:rPr>
+              <a:t>点击“测试事件冒泡”时，会先执行</a:t>
+            </a:r>
+            <a:r>
+              <a:rPr lang="en-US" altLang="zh-CN" dirty="0" err="1" smtClean="0">
+                <a:solidFill>
+                  <a:srgbClr val="34495E"/>
+                </a:solidFill>
+                <a:latin typeface="Source Sans Pro"/>
+              </a:rPr>
+              <a:t>doother</a:t>
+            </a:r>
+            <a:r>
+              <a:rPr lang="zh-CN" altLang="en-US" dirty="0" smtClean="0">
+                <a:solidFill>
+                  <a:srgbClr val="34495E"/>
+                </a:solidFill>
+                <a:latin typeface="Source Sans Pro"/>
+              </a:rPr>
+              <a:t>，再执行</a:t>
+            </a:r>
+            <a:r>
+              <a:rPr lang="en-US" altLang="zh-CN" dirty="0" err="1" smtClean="0">
+                <a:solidFill>
+                  <a:srgbClr val="34495E"/>
+                </a:solidFill>
+                <a:latin typeface="Source Sans Pro"/>
+              </a:rPr>
+              <a:t>doThat</a:t>
+            </a:r>
+            <a:r>
+              <a:rPr lang="zh-CN" altLang="en-US" dirty="0" smtClean="0">
+                <a:solidFill>
+                  <a:srgbClr val="34495E"/>
+                </a:solidFill>
+                <a:latin typeface="Source Sans Pro"/>
+              </a:rPr>
+              <a:t>，最后执行</a:t>
+            </a:r>
+            <a:r>
+              <a:rPr lang="en-US" altLang="zh-CN" dirty="0" err="1" smtClean="0">
+                <a:solidFill>
+                  <a:srgbClr val="34495E"/>
+                </a:solidFill>
+                <a:latin typeface="Source Sans Pro"/>
+              </a:rPr>
+              <a:t>doThis</a:t>
+            </a:r>
+            <a:r>
+              <a:rPr lang="zh-CN" altLang="en-US" dirty="0" smtClean="0">
+                <a:solidFill>
+                  <a:srgbClr val="34495E"/>
+                </a:solidFill>
+                <a:latin typeface="Source Sans Pro"/>
+              </a:rPr>
+              <a:t>。这样事件从目标开始，往上执行直到页面的最上一级标签，这称为事件冒泡，也成为事件传播。</a:t>
+            </a:r>
+            <a:endParaRPr lang="zh-CN" altLang="en-US" dirty="0"/>
+          </a:p>
+        </p:txBody>
+      </p:sp>
+      <p:pic>
+        <p:nvPicPr>
+          <p:cNvPr id="16" name="图片 15"/>
+          <p:cNvPicPr>
+            <a:picLocks noChangeAspect="1"/>
+          </p:cNvPicPr>
+          <p:nvPr/>
+        </p:nvPicPr>
+        <p:blipFill>
+          <a:blip r:embed="rId5"/>
+          <a:stretch>
+            <a:fillRect/>
+          </a:stretch>
+        </p:blipFill>
+        <p:spPr>
+          <a:xfrm>
+            <a:off x="250074" y="4836830"/>
+            <a:ext cx="6543322" cy="1318310"/>
+          </a:xfrm>
+          <a:prstGeom prst="rect">
+            <a:avLst/>
+          </a:prstGeom>
+        </p:spPr>
+      </p:pic>
     </p:spTree>
     <p:extLst>
       <p:ext uri="{BB962C8B-B14F-4D97-AF65-F5344CB8AC3E}">
-        <p14:creationId xmlns:p14="http://schemas.microsoft.com/office/powerpoint/2010/main" val="3650201631"/>
+        <p14:creationId xmlns:p14="http://schemas.microsoft.com/office/powerpoint/2010/main" val="2554673640"/>
       </p:ext>
     </p:extLst>
   </p:cSld>
@@ -8042,7 +8757,7 @@
       </p:grpSpPr>
       <p:sp>
         <p:nvSpPr>
-          <p:cNvPr id="3" name="矩形 2"/>
+          <p:cNvPr id="4" name="矩形 3"/>
           <p:cNvSpPr/>
           <p:nvPr/>
         </p:nvSpPr>
@@ -8062,22 +8777,13 @@
           <a:lstStyle/>
           <a:p>
             <a:r>
-              <a:rPr lang="zh-CN" altLang="en-US" dirty="0" smtClean="0">
-                <a:solidFill>
-                  <a:srgbClr val="34495E"/>
-                </a:solidFill>
-                <a:latin typeface="Source Sans Pro"/>
-              </a:rPr>
-              <a:t>计算</a:t>
-            </a:r>
-            <a:r>
               <a:rPr lang="zh-CN" altLang="en-US" dirty="0">
                 <a:solidFill>
                   <a:srgbClr val="34495E"/>
                 </a:solidFill>
                 <a:latin typeface="Source Sans Pro"/>
               </a:rPr>
-              <a:t>属性</a:t>
+              <a:t>内部指令</a:t>
             </a:r>
             <a:endParaRPr lang="zh-CN" altLang="en-US" dirty="0"/>
           </a:p>
@@ -8085,14 +8791,14 @@
       </p:sp>
       <p:sp>
         <p:nvSpPr>
-          <p:cNvPr id="4" name="矩形 3"/>
+          <p:cNvPr id="11" name="矩形 10"/>
           <p:cNvSpPr/>
           <p:nvPr/>
         </p:nvSpPr>
         <p:spPr>
           <a:xfrm>
-            <a:off x="250208" y="771613"/>
-            <a:ext cx="11749533" cy="369332"/>
+            <a:off x="250074" y="601103"/>
+            <a:ext cx="11828060" cy="369332"/>
           </a:xfrm>
           <a:prstGeom prst="rect">
             <a:avLst/>
@@ -8105,31 +8811,137 @@
           <a:lstStyle/>
           <a:p>
             <a:r>
-              <a:rPr lang="zh-CN" altLang="en-US" dirty="0" smtClean="0">
-                <a:solidFill>
-                  <a:srgbClr val="34495E"/>
-                </a:solidFill>
-                <a:latin typeface="Source Sans Pro"/>
-              </a:rPr>
-              <a:t>计算属性就是当其依赖的属性值发生变化时，这个属性的值也自动会跟着变化，与之相关的</a:t>
-            </a:r>
-            <a:r>
-              <a:rPr lang="en-US" altLang="zh-CN" dirty="0" smtClean="0">
-                <a:solidFill>
-                  <a:srgbClr val="34495E"/>
-                </a:solidFill>
-                <a:latin typeface="Source Sans Pro"/>
-              </a:rPr>
-              <a:t>DOM</a:t>
-            </a:r>
-            <a:r>
-              <a:rPr lang="zh-CN" altLang="en-US" dirty="0" smtClean="0">
-                <a:solidFill>
-                  <a:srgbClr val="34495E"/>
-                </a:solidFill>
-                <a:latin typeface="Source Sans Pro"/>
-              </a:rPr>
-              <a:t>部分也会自动更新</a:t>
+              <a:rPr lang="en-US" altLang="zh-CN" dirty="0" smtClean="0">
+                <a:solidFill>
+                  <a:srgbClr val="34495E"/>
+                </a:solidFill>
+                <a:latin typeface="Source Sans Pro"/>
+              </a:rPr>
+              <a:t>7.1 </a:t>
+            </a:r>
+            <a:r>
+              <a:rPr lang="zh-CN" altLang="en-US" dirty="0" smtClean="0">
+                <a:solidFill>
+                  <a:srgbClr val="34495E"/>
+                </a:solidFill>
+                <a:latin typeface="Source Sans Pro"/>
+              </a:rPr>
+              <a:t>事件修饰符</a:t>
+            </a:r>
+            <a:endParaRPr lang="zh-CN" altLang="en-US" dirty="0"/>
+          </a:p>
+        </p:txBody>
+      </p:sp>
+      <p:sp>
+        <p:nvSpPr>
+          <p:cNvPr id="16" name="矩形 15"/>
+          <p:cNvSpPr/>
+          <p:nvPr/>
+        </p:nvSpPr>
+        <p:spPr>
+          <a:xfrm>
+            <a:off x="250074" y="970435"/>
+            <a:ext cx="11828060" cy="646331"/>
+          </a:xfrm>
+          <a:prstGeom prst="rect">
+            <a:avLst/>
+          </a:prstGeom>
+        </p:spPr>
+        <p:txBody>
+          <a:bodyPr wrap="square">
+            <a:spAutoFit/>
+          </a:bodyPr>
+          <a:lstStyle/>
+          <a:p>
+            <a:r>
+              <a:rPr lang="en-US" altLang="zh-CN" dirty="0" smtClean="0">
+                <a:solidFill>
+                  <a:srgbClr val="34495E"/>
+                </a:solidFill>
+                <a:latin typeface="Source Sans Pro"/>
+              </a:rPr>
+              <a:t>.prevent</a:t>
+            </a:r>
+            <a:r>
+              <a:rPr lang="zh-CN" altLang="en-US" dirty="0" smtClean="0">
+                <a:solidFill>
+                  <a:srgbClr val="34495E"/>
+                </a:solidFill>
+                <a:latin typeface="Source Sans Pro"/>
+              </a:rPr>
+              <a:t>：取消事件的默认行为。如</a:t>
+            </a:r>
+            <a:r>
+              <a:rPr lang="en-US" altLang="zh-CN" dirty="0" smtClean="0">
+                <a:solidFill>
+                  <a:srgbClr val="34495E"/>
+                </a:solidFill>
+                <a:latin typeface="Source Sans Pro"/>
+              </a:rPr>
+              <a:t>a</a:t>
+            </a:r>
+            <a:r>
+              <a:rPr lang="zh-CN" altLang="en-US" dirty="0" smtClean="0">
+                <a:solidFill>
+                  <a:srgbClr val="34495E"/>
+                </a:solidFill>
+                <a:latin typeface="Source Sans Pro"/>
+              </a:rPr>
+              <a:t>标签的默认事件行为是当</a:t>
+            </a:r>
+            <a:r>
+              <a:rPr lang="en-US" altLang="zh-CN" dirty="0" smtClean="0">
+                <a:solidFill>
+                  <a:srgbClr val="34495E"/>
+                </a:solidFill>
+                <a:latin typeface="Source Sans Pro"/>
+              </a:rPr>
+              <a:t>click</a:t>
+            </a:r>
+            <a:r>
+              <a:rPr lang="zh-CN" altLang="en-US" dirty="0" smtClean="0">
+                <a:solidFill>
+                  <a:srgbClr val="34495E"/>
+                </a:solidFill>
+                <a:latin typeface="Source Sans Pro"/>
+              </a:rPr>
+              <a:t>时会跳转页面，再如</a:t>
+            </a:r>
+            <a:r>
+              <a:rPr lang="en-US" altLang="zh-CN" dirty="0" smtClean="0">
+                <a:solidFill>
+                  <a:srgbClr val="34495E"/>
+                </a:solidFill>
+                <a:latin typeface="Source Sans Pro"/>
+              </a:rPr>
+              <a:t>submit</a:t>
+            </a:r>
+            <a:r>
+              <a:rPr lang="zh-CN" altLang="en-US" dirty="0" smtClean="0">
+                <a:solidFill>
+                  <a:srgbClr val="34495E"/>
+                </a:solidFill>
+                <a:latin typeface="Source Sans Pro"/>
+              </a:rPr>
+              <a:t>按钮默认事件是</a:t>
+            </a:r>
+            <a:r>
+              <a:rPr lang="en-US" altLang="zh-CN" dirty="0" smtClean="0">
+                <a:solidFill>
+                  <a:srgbClr val="34495E"/>
+                </a:solidFill>
+                <a:latin typeface="Source Sans Pro"/>
+              </a:rPr>
+              <a:t>click</a:t>
+            </a:r>
+            <a:r>
+              <a:rPr lang="zh-CN" altLang="en-US" dirty="0" smtClean="0">
+                <a:solidFill>
+                  <a:srgbClr val="34495E"/>
+                </a:solidFill>
+                <a:latin typeface="Source Sans Pro"/>
+              </a:rPr>
+              <a:t>时提交表单。</a:t>
             </a:r>
             <a:endParaRPr lang="zh-CN" altLang="en-US" dirty="0"/>
           </a:p>
@@ -8151,17 +8963,114 @@
         </p:blipFill>
         <p:spPr>
           <a:xfrm>
-            <a:off x="250208" y="1289773"/>
-            <a:ext cx="7801971" cy="1405761"/>
+            <a:off x="250074" y="1570495"/>
+            <a:ext cx="10209485" cy="299244"/>
           </a:xfrm>
           <a:prstGeom prst="rect">
             <a:avLst/>
           </a:prstGeom>
         </p:spPr>
       </p:pic>
+      <p:sp>
+        <p:nvSpPr>
+          <p:cNvPr id="20" name="矩形 19"/>
+          <p:cNvSpPr/>
+          <p:nvPr/>
+        </p:nvSpPr>
+        <p:spPr>
+          <a:xfrm>
+            <a:off x="250074" y="1896787"/>
+            <a:ext cx="11828060" cy="646331"/>
+          </a:xfrm>
+          <a:prstGeom prst="rect">
+            <a:avLst/>
+          </a:prstGeom>
+        </p:spPr>
+        <p:txBody>
+          <a:bodyPr wrap="square">
+            <a:spAutoFit/>
+          </a:bodyPr>
+          <a:lstStyle/>
+          <a:p>
+            <a:r>
+              <a:rPr lang="en-US" altLang="zh-CN" dirty="0" smtClean="0">
+                <a:solidFill>
+                  <a:srgbClr val="34495E"/>
+                </a:solidFill>
+                <a:latin typeface="Source Sans Pro"/>
+              </a:rPr>
+              <a:t>.once</a:t>
+            </a:r>
+            <a:r>
+              <a:rPr lang="zh-CN" altLang="en-US" dirty="0" smtClean="0">
+                <a:solidFill>
+                  <a:srgbClr val="34495E"/>
+                </a:solidFill>
+                <a:latin typeface="Source Sans Pro"/>
+              </a:rPr>
+              <a:t>：让事件只触发一次。如文本框的</a:t>
+            </a:r>
+            <a:r>
+              <a:rPr lang="en-US" altLang="zh-CN" dirty="0" smtClean="0">
+                <a:solidFill>
+                  <a:srgbClr val="34495E"/>
+                </a:solidFill>
+                <a:latin typeface="Source Sans Pro"/>
+              </a:rPr>
+              <a:t>focus</a:t>
+            </a:r>
+            <a:r>
+              <a:rPr lang="zh-CN" altLang="en-US" dirty="0" smtClean="0">
+                <a:solidFill>
+                  <a:srgbClr val="34495E"/>
+                </a:solidFill>
+                <a:latin typeface="Source Sans Pro"/>
+              </a:rPr>
+              <a:t>事件，当文本框获取焦点时就一直会循环执行</a:t>
+            </a:r>
+            <a:r>
+              <a:rPr lang="en-US" altLang="zh-CN" dirty="0" smtClean="0">
+                <a:solidFill>
+                  <a:srgbClr val="34495E"/>
+                </a:solidFill>
+                <a:latin typeface="Source Sans Pro"/>
+              </a:rPr>
+              <a:t>focus</a:t>
+            </a:r>
+            <a:r>
+              <a:rPr lang="zh-CN" altLang="en-US" dirty="0" smtClean="0">
+                <a:solidFill>
+                  <a:srgbClr val="34495E"/>
+                </a:solidFill>
+                <a:latin typeface="Source Sans Pro"/>
+              </a:rPr>
+              <a:t>事件，此时可以通过</a:t>
+            </a:r>
+            <a:r>
+              <a:rPr lang="en-US" altLang="zh-CN" dirty="0" smtClean="0">
+                <a:solidFill>
+                  <a:srgbClr val="34495E"/>
+                </a:solidFill>
+                <a:latin typeface="Source Sans Pro"/>
+              </a:rPr>
+              <a:t>once</a:t>
+            </a:r>
+            <a:r>
+              <a:rPr lang="zh-CN" altLang="en-US" dirty="0" smtClean="0">
+                <a:solidFill>
+                  <a:srgbClr val="34495E"/>
+                </a:solidFill>
+                <a:latin typeface="Source Sans Pro"/>
+              </a:rPr>
+              <a:t>只让事件执行一次</a:t>
+            </a:r>
+            <a:endParaRPr lang="zh-CN" altLang="en-US" dirty="0"/>
+          </a:p>
+        </p:txBody>
+      </p:sp>
       <p:pic>
         <p:nvPicPr>
-          <p:cNvPr id="6" name="图片 5"/>
+          <p:cNvPr id="3" name="图片 2"/>
           <p:cNvPicPr>
             <a:picLocks noChangeAspect="1"/>
           </p:cNvPicPr>
@@ -8175,48 +9084,24 @@
         </p:blipFill>
         <p:spPr>
           <a:xfrm>
-            <a:off x="250208" y="3328128"/>
-            <a:ext cx="5376869" cy="3081555"/>
+            <a:off x="250073" y="2589338"/>
+            <a:ext cx="11691718" cy="310253"/>
           </a:xfrm>
           <a:prstGeom prst="rect">
             <a:avLst/>
           </a:prstGeom>
         </p:spPr>
       </p:pic>
-      <p:pic>
-        <p:nvPicPr>
-          <p:cNvPr id="7" name="图片 6"/>
-          <p:cNvPicPr>
-            <a:picLocks noChangeAspect="1"/>
-          </p:cNvPicPr>
-          <p:nvPr/>
-        </p:nvPicPr>
-        <p:blipFill>
-          <a:blip r:embed="rId4"/>
-          <a:stretch>
-            <a:fillRect/>
-          </a:stretch>
-        </p:blipFill>
-        <p:spPr>
-          <a:xfrm>
-            <a:off x="5612137" y="3328128"/>
-            <a:ext cx="6382911" cy="3044519"/>
-          </a:xfrm>
-          <a:prstGeom prst="rect">
-            <a:avLst/>
-          </a:prstGeom>
-        </p:spPr>
-      </p:pic>
-      <p:sp>
-        <p:nvSpPr>
-          <p:cNvPr id="8" name="矩形 7"/>
+      <p:sp>
+        <p:nvSpPr>
+          <p:cNvPr id="22" name="矩形 21"/>
           <p:cNvSpPr/>
           <p:nvPr/>
         </p:nvSpPr>
         <p:spPr>
           <a:xfrm>
-            <a:off x="245515" y="2936580"/>
-            <a:ext cx="11749533" cy="369332"/>
+            <a:off x="250073" y="2914893"/>
+            <a:ext cx="11828060" cy="369332"/>
           </a:xfrm>
           <a:prstGeom prst="rect">
             <a:avLst/>
@@ -8229,42 +9114,41 @@
           <a:lstStyle/>
           <a:p>
             <a:r>
-              <a:rPr lang="zh-CN" altLang="en-US" b="1" dirty="0" smtClean="0">
-                <a:solidFill>
-                  <a:srgbClr val="0000FF"/>
-                </a:solidFill>
-                <a:latin typeface="Source Sans Pro"/>
-              </a:rPr>
-              <a:t>两种写法：</a:t>
-            </a:r>
-            <a:endParaRPr lang="zh-CN" altLang="en-US" b="1" dirty="0">
-              <a:solidFill>
-                <a:srgbClr val="0000FF"/>
-              </a:solidFill>
-            </a:endParaRPr>
-          </a:p>
-        </p:txBody>
-      </p:sp>
-      <p:sp>
-        <p:nvSpPr>
-          <p:cNvPr id="9" name="矩形 8"/>
+              <a:rPr lang="en-US" altLang="zh-CN" dirty="0" smtClean="0">
+                <a:solidFill>
+                  <a:srgbClr val="34495E"/>
+                </a:solidFill>
+                <a:latin typeface="Source Sans Pro"/>
+              </a:rPr>
+              <a:t>7.2 </a:t>
+            </a:r>
+            <a:r>
+              <a:rPr lang="zh-CN" altLang="en-US" dirty="0" smtClean="0">
+                <a:solidFill>
+                  <a:srgbClr val="34495E"/>
+                </a:solidFill>
+                <a:latin typeface="Source Sans Pro"/>
+              </a:rPr>
+              <a:t>按键修饰符</a:t>
+            </a:r>
+            <a:endParaRPr lang="zh-CN" altLang="en-US" dirty="0"/>
+          </a:p>
+        </p:txBody>
+      </p:sp>
+      <p:sp>
+        <p:nvSpPr>
+          <p:cNvPr id="25" name="矩形 24"/>
           <p:cNvSpPr/>
           <p:nvPr/>
         </p:nvSpPr>
         <p:spPr>
           <a:xfrm>
-            <a:off x="8394804" y="1320257"/>
-            <a:ext cx="3797196" cy="1477328"/>
-          </a:xfrm>
-          <a:prstGeom prst="rect">
-            <a:avLst/>
-          </a:prstGeom>
-          <a:solidFill>
-            <a:schemeClr val="accent5">
-              <a:lumMod val="20000"/>
-              <a:lumOff val="80000"/>
-            </a:schemeClr>
-          </a:solidFill>
+            <a:off x="250073" y="3262717"/>
+            <a:ext cx="11828060" cy="923330"/>
+          </a:xfrm>
+          <a:prstGeom prst="rect">
+            <a:avLst/>
+          </a:prstGeom>
         </p:spPr>
         <p:txBody>
           <a:bodyPr wrap="square">
@@ -8272,85 +9156,783 @@
           </a:bodyPr>
           <a:lstStyle/>
           <a:p>
-            <a:r>
-              <a:rPr lang="zh-CN" altLang="en-US" b="1" dirty="0" smtClean="0">
-                <a:solidFill>
-                  <a:srgbClr val="0000FF"/>
-                </a:solidFill>
-                <a:latin typeface="Source Sans Pro"/>
-              </a:rPr>
-              <a:t>计算属性的</a:t>
-            </a:r>
-            <a:r>
-              <a:rPr lang="en-US" altLang="zh-CN" b="1" dirty="0" smtClean="0">
-                <a:solidFill>
-                  <a:srgbClr val="0000FF"/>
-                </a:solidFill>
-                <a:latin typeface="Source Sans Pro"/>
-              </a:rPr>
-              <a:t>get</a:t>
-            </a:r>
-            <a:r>
-              <a:rPr lang="zh-CN" altLang="en-US" b="1" dirty="0" smtClean="0">
-                <a:solidFill>
-                  <a:srgbClr val="0000FF"/>
-                </a:solidFill>
-                <a:latin typeface="Source Sans Pro"/>
-              </a:rPr>
-              <a:t>函数不执行的场景</a:t>
-            </a:r>
-            <a:r>
-              <a:rPr lang="zh-CN" altLang="en-US" dirty="0" smtClean="0">
-                <a:solidFill>
-                  <a:srgbClr val="34495E"/>
-                </a:solidFill>
-                <a:latin typeface="Source Sans Pro"/>
-              </a:rPr>
-              <a:t>：</a:t>
+            <a:pPr lvl="0" eaLnBrk="0" fontAlgn="base" hangingPunct="0">
+              <a:spcBef>
+                <a:spcPct val="0"/>
+              </a:spcBef>
+              <a:spcAft>
+                <a:spcPct val="0"/>
+              </a:spcAft>
+            </a:pPr>
+            <a:r>
+              <a:rPr lang="zh-CN" altLang="en-US" dirty="0" smtClean="0">
+                <a:solidFill>
+                  <a:srgbClr val="2973B7"/>
+                </a:solidFill>
+                <a:latin typeface="Arial Unicode MS" panose="020B0604020202020204" pitchFamily="34" charset="-122"/>
+                <a:ea typeface="Roboto Mono"/>
+              </a:rPr>
+              <a:t>只在</a:t>
+            </a:r>
+            <a:r>
+              <a:rPr lang="en-US" altLang="zh-CN" dirty="0" err="1" smtClean="0">
+                <a:solidFill>
+                  <a:srgbClr val="2973B7"/>
+                </a:solidFill>
+                <a:latin typeface="Arial Unicode MS" panose="020B0604020202020204" pitchFamily="34" charset="-122"/>
+                <a:ea typeface="Roboto Mono"/>
+              </a:rPr>
+              <a:t>keyCode</a:t>
+            </a:r>
+            <a:r>
+              <a:rPr lang="en-US" altLang="zh-CN" dirty="0" smtClean="0">
+                <a:solidFill>
+                  <a:srgbClr val="2973B7"/>
+                </a:solidFill>
+                <a:latin typeface="Arial Unicode MS" panose="020B0604020202020204" pitchFamily="34" charset="-122"/>
+                <a:ea typeface="Roboto Mono"/>
+              </a:rPr>
+              <a:t>=13</a:t>
+            </a:r>
+            <a:r>
+              <a:rPr lang="zh-CN" altLang="en-US" dirty="0" smtClean="0">
+                <a:solidFill>
+                  <a:srgbClr val="2973B7"/>
+                </a:solidFill>
+                <a:latin typeface="Arial Unicode MS" panose="020B0604020202020204" pitchFamily="34" charset="-122"/>
+                <a:ea typeface="Roboto Mono"/>
+              </a:rPr>
+              <a:t>时执行</a:t>
+            </a:r>
+            <a:r>
+              <a:rPr lang="en-US" altLang="zh-CN" dirty="0" err="1" smtClean="0">
+                <a:solidFill>
+                  <a:srgbClr val="2973B7"/>
+                </a:solidFill>
+                <a:latin typeface="Arial Unicode MS" panose="020B0604020202020204" pitchFamily="34" charset="-122"/>
+                <a:ea typeface="Roboto Mono"/>
+              </a:rPr>
+              <a:t>vm.submit</a:t>
+            </a:r>
+            <a:r>
+              <a:rPr lang="zh-CN" altLang="en-US" dirty="0" smtClean="0">
+                <a:solidFill>
+                  <a:srgbClr val="2973B7"/>
+                </a:solidFill>
+                <a:latin typeface="Arial Unicode MS" panose="020B0604020202020204" pitchFamily="34" charset="-122"/>
+                <a:ea typeface="Roboto Mono"/>
+              </a:rPr>
+              <a:t>事件</a:t>
             </a:r>
             <a:endParaRPr lang="en-US" altLang="zh-CN" dirty="0" smtClean="0">
               <a:solidFill>
-                <a:srgbClr val="34495E"/>
+                <a:srgbClr val="2973B7"/>
               </a:solidFill>
-              <a:latin typeface="Source Sans Pro"/>
+              <a:latin typeface="Arial Unicode MS" panose="020B0604020202020204" pitchFamily="34" charset="-122"/>
+              <a:ea typeface="Roboto Mono"/>
             </a:endParaRPr>
           </a:p>
           <a:p>
-            <a:r>
-              <a:rPr lang="zh-CN" altLang="en-US" dirty="0" smtClean="0">
-                <a:solidFill>
-                  <a:srgbClr val="34495E"/>
-                </a:solidFill>
-                <a:latin typeface="Source Sans Pro"/>
-              </a:rPr>
-              <a:t>当包含计算属性的节点被移除，并且其他地方没有再引用该属性时，当该计算属性依赖的属性发生变化时，不会执行其对应的</a:t>
-            </a:r>
-            <a:r>
-              <a:rPr lang="en-US" altLang="zh-CN" dirty="0" smtClean="0">
-                <a:solidFill>
-                  <a:srgbClr val="34495E"/>
-                </a:solidFill>
-                <a:latin typeface="Source Sans Pro"/>
-              </a:rPr>
-              <a:t>get</a:t>
-            </a:r>
-            <a:r>
-              <a:rPr lang="zh-CN" altLang="en-US" dirty="0" smtClean="0">
-                <a:solidFill>
-                  <a:srgbClr val="34495E"/>
-                </a:solidFill>
-                <a:latin typeface="Source Sans Pro"/>
-              </a:rPr>
-              <a:t>函数</a:t>
+            <a:pPr lvl="0" eaLnBrk="0" fontAlgn="base" hangingPunct="0">
+              <a:spcBef>
+                <a:spcPct val="0"/>
+              </a:spcBef>
+              <a:spcAft>
+                <a:spcPct val="0"/>
+              </a:spcAft>
+            </a:pPr>
+            <a:r>
+              <a:rPr lang="zh-CN" altLang="zh-CN" dirty="0" smtClean="0">
+                <a:solidFill>
+                  <a:srgbClr val="2973B7"/>
+                </a:solidFill>
+                <a:latin typeface="Arial Unicode MS" panose="020B0604020202020204" pitchFamily="34" charset="-122"/>
+                <a:ea typeface="Roboto Mono"/>
+              </a:rPr>
+              <a:t>&lt;</a:t>
+            </a:r>
+            <a:r>
+              <a:rPr lang="zh-CN" altLang="zh-CN" dirty="0">
+                <a:solidFill>
+                  <a:srgbClr val="2973B7"/>
+                </a:solidFill>
+                <a:latin typeface="Arial Unicode MS" panose="020B0604020202020204" pitchFamily="34" charset="-122"/>
+                <a:ea typeface="Roboto Mono"/>
+              </a:rPr>
+              <a:t>input v-on:keyup.13=</a:t>
+            </a:r>
+            <a:r>
+              <a:rPr lang="zh-CN" altLang="zh-CN" dirty="0">
+                <a:solidFill>
+                  <a:srgbClr val="42B983"/>
+                </a:solidFill>
+                <a:latin typeface="Arial Unicode MS" panose="020B0604020202020204" pitchFamily="34" charset="-122"/>
+                <a:ea typeface="Roboto Mono"/>
+              </a:rPr>
+              <a:t>"submit"</a:t>
+            </a:r>
+            <a:r>
+              <a:rPr lang="zh-CN" altLang="zh-CN" dirty="0">
+                <a:solidFill>
+                  <a:srgbClr val="2973B7"/>
+                </a:solidFill>
+                <a:latin typeface="Arial Unicode MS" panose="020B0604020202020204" pitchFamily="34" charset="-122"/>
+                <a:ea typeface="Roboto Mono"/>
+              </a:rPr>
+              <a:t>&gt;</a:t>
+            </a:r>
+            <a:r>
+              <a:rPr lang="zh-CN" altLang="zh-CN" dirty="0"/>
+              <a:t> </a:t>
+            </a:r>
+            <a:endParaRPr lang="en-US" altLang="zh-CN" dirty="0" smtClean="0"/>
+          </a:p>
+          <a:p>
+            <a:pPr eaLnBrk="0" fontAlgn="base" hangingPunct="0">
+              <a:spcBef>
+                <a:spcPct val="0"/>
+              </a:spcBef>
+              <a:spcAft>
+                <a:spcPct val="0"/>
+              </a:spcAft>
+            </a:pPr>
+            <a:r>
+              <a:rPr lang="zh-CN" altLang="zh-CN" dirty="0">
+                <a:solidFill>
+                  <a:srgbClr val="2973B7"/>
+                </a:solidFill>
+                <a:latin typeface="Arial Unicode MS" panose="020B0604020202020204" pitchFamily="34" charset="-122"/>
+                <a:ea typeface="Roboto Mono"/>
+              </a:rPr>
+              <a:t>&lt;input v-on:keyup</a:t>
+            </a:r>
+            <a:r>
+              <a:rPr lang="zh-CN" altLang="zh-CN" dirty="0" smtClean="0">
+                <a:solidFill>
+                  <a:srgbClr val="2973B7"/>
+                </a:solidFill>
+                <a:latin typeface="Arial Unicode MS" panose="020B0604020202020204" pitchFamily="34" charset="-122"/>
+                <a:ea typeface="Roboto Mono"/>
+              </a:rPr>
+              <a:t>.</a:t>
+            </a:r>
+            <a:r>
+              <a:rPr lang="en-US" altLang="zh-CN" dirty="0" smtClean="0">
+                <a:solidFill>
+                  <a:srgbClr val="2973B7"/>
+                </a:solidFill>
+                <a:latin typeface="Arial Unicode MS" panose="020B0604020202020204" pitchFamily="34" charset="-122"/>
+                <a:ea typeface="Roboto Mono"/>
+              </a:rPr>
+              <a:t>enter</a:t>
+            </a:r>
+            <a:r>
+              <a:rPr lang="zh-CN" altLang="zh-CN" dirty="0" smtClean="0">
+                <a:solidFill>
+                  <a:srgbClr val="2973B7"/>
+                </a:solidFill>
+                <a:latin typeface="Arial Unicode MS" panose="020B0604020202020204" pitchFamily="34" charset="-122"/>
+                <a:ea typeface="Roboto Mono"/>
+              </a:rPr>
+              <a:t>=</a:t>
+            </a:r>
+            <a:r>
+              <a:rPr lang="zh-CN" altLang="zh-CN" dirty="0" smtClean="0">
+                <a:solidFill>
+                  <a:srgbClr val="42B983"/>
+                </a:solidFill>
+                <a:latin typeface="Arial Unicode MS" panose="020B0604020202020204" pitchFamily="34" charset="-122"/>
+                <a:ea typeface="Roboto Mono"/>
+              </a:rPr>
+              <a:t>"</a:t>
+            </a:r>
+            <a:r>
+              <a:rPr lang="zh-CN" altLang="zh-CN" dirty="0">
+                <a:solidFill>
+                  <a:srgbClr val="42B983"/>
+                </a:solidFill>
+                <a:latin typeface="Arial Unicode MS" panose="020B0604020202020204" pitchFamily="34" charset="-122"/>
+                <a:ea typeface="Roboto Mono"/>
+              </a:rPr>
+              <a:t>submit"</a:t>
+            </a:r>
+            <a:r>
+              <a:rPr lang="zh-CN" altLang="zh-CN" dirty="0">
+                <a:solidFill>
+                  <a:srgbClr val="2973B7"/>
+                </a:solidFill>
+                <a:latin typeface="Arial Unicode MS" panose="020B0604020202020204" pitchFamily="34" charset="-122"/>
+                <a:ea typeface="Roboto Mono"/>
+              </a:rPr>
+              <a:t>&gt;</a:t>
+            </a:r>
+            <a:r>
+              <a:rPr lang="zh-CN" altLang="zh-CN" dirty="0"/>
+              <a:t> </a:t>
+            </a:r>
+            <a:endParaRPr lang="en-US" altLang="zh-CN" dirty="0"/>
+          </a:p>
+        </p:txBody>
+      </p:sp>
+      <p:sp>
+        <p:nvSpPr>
+          <p:cNvPr id="26" name="矩形 25"/>
+          <p:cNvSpPr/>
+          <p:nvPr/>
+        </p:nvSpPr>
+        <p:spPr>
+          <a:xfrm>
+            <a:off x="250073" y="4202906"/>
+            <a:ext cx="11828060" cy="369332"/>
+          </a:xfrm>
+          <a:prstGeom prst="rect">
+            <a:avLst/>
+          </a:prstGeom>
+        </p:spPr>
+        <p:txBody>
+          <a:bodyPr wrap="square">
+            <a:spAutoFit/>
+          </a:bodyPr>
+          <a:lstStyle/>
+          <a:p>
+            <a:pPr lvl="0" eaLnBrk="0" fontAlgn="base" hangingPunct="0">
+              <a:spcBef>
+                <a:spcPct val="0"/>
+              </a:spcBef>
+              <a:spcAft>
+                <a:spcPct val="0"/>
+              </a:spcAft>
+            </a:pPr>
+            <a:r>
+              <a:rPr lang="zh-CN" altLang="en-US" dirty="0" smtClean="0">
+                <a:solidFill>
+                  <a:srgbClr val="2973B7"/>
+                </a:solidFill>
+                <a:latin typeface="Arial Unicode MS" panose="020B0604020202020204" pitchFamily="34" charset="-122"/>
+                <a:ea typeface="Roboto Mono"/>
+              </a:rPr>
+              <a:t>按键修饰符有：</a:t>
+            </a:r>
+            <a:r>
+              <a:rPr lang="en-US" altLang="zh-CN" dirty="0" smtClean="0">
+                <a:solidFill>
+                  <a:srgbClr val="2973B7"/>
+                </a:solidFill>
+                <a:latin typeface="Arial Unicode MS" panose="020B0604020202020204" pitchFamily="34" charset="-122"/>
+                <a:ea typeface="Roboto Mono"/>
+              </a:rPr>
+              <a:t>.enter  </a:t>
+            </a:r>
+            <a:r>
+              <a:rPr lang="en-US" altLang="zh-CN" dirty="0" smtClean="0">
+                <a:solidFill>
+                  <a:srgbClr val="FF0000"/>
+                </a:solidFill>
+                <a:latin typeface="Arial Unicode MS" panose="020B0604020202020204" pitchFamily="34" charset="-122"/>
+                <a:ea typeface="Roboto Mono"/>
+              </a:rPr>
+              <a:t>|</a:t>
+            </a:r>
+            <a:r>
+              <a:rPr lang="en-US" altLang="zh-CN" dirty="0" smtClean="0">
+                <a:solidFill>
+                  <a:srgbClr val="2973B7"/>
+                </a:solidFill>
+                <a:latin typeface="Arial Unicode MS" panose="020B0604020202020204" pitchFamily="34" charset="-122"/>
+                <a:ea typeface="Roboto Mono"/>
+              </a:rPr>
+              <a:t>  .tab  </a:t>
+            </a:r>
+            <a:r>
+              <a:rPr lang="en-US" altLang="zh-CN" dirty="0" smtClean="0">
+                <a:solidFill>
+                  <a:srgbClr val="FF0000"/>
+                </a:solidFill>
+                <a:latin typeface="Arial Unicode MS" panose="020B0604020202020204" pitchFamily="34" charset="-122"/>
+                <a:ea typeface="Roboto Mono"/>
+              </a:rPr>
+              <a:t>|</a:t>
+            </a:r>
+            <a:r>
+              <a:rPr lang="en-US" altLang="zh-CN" dirty="0" smtClean="0">
+                <a:solidFill>
+                  <a:srgbClr val="2973B7"/>
+                </a:solidFill>
+                <a:latin typeface="Arial Unicode MS" panose="020B0604020202020204" pitchFamily="34" charset="-122"/>
+                <a:ea typeface="Roboto Mono"/>
+              </a:rPr>
+              <a:t>  .delete  </a:t>
+            </a:r>
+            <a:r>
+              <a:rPr lang="en-US" altLang="zh-CN" dirty="0" smtClean="0">
+                <a:solidFill>
+                  <a:srgbClr val="FF0000"/>
+                </a:solidFill>
+                <a:latin typeface="Arial Unicode MS" panose="020B0604020202020204" pitchFamily="34" charset="-122"/>
+                <a:ea typeface="Roboto Mono"/>
+              </a:rPr>
+              <a:t>|</a:t>
+            </a:r>
+            <a:r>
+              <a:rPr lang="en-US" altLang="zh-CN" dirty="0" smtClean="0">
+                <a:solidFill>
+                  <a:srgbClr val="2973B7"/>
+                </a:solidFill>
+                <a:latin typeface="Arial Unicode MS" panose="020B0604020202020204" pitchFamily="34" charset="-122"/>
+                <a:ea typeface="Roboto Mono"/>
+              </a:rPr>
+              <a:t>  .esc  </a:t>
+            </a:r>
+            <a:r>
+              <a:rPr lang="en-US" altLang="zh-CN" dirty="0" smtClean="0">
+                <a:solidFill>
+                  <a:srgbClr val="FF0000"/>
+                </a:solidFill>
+                <a:latin typeface="Arial Unicode MS" panose="020B0604020202020204" pitchFamily="34" charset="-122"/>
+                <a:ea typeface="Roboto Mono"/>
+              </a:rPr>
+              <a:t>|</a:t>
+            </a:r>
+            <a:r>
+              <a:rPr lang="en-US" altLang="zh-CN" dirty="0" smtClean="0">
+                <a:solidFill>
+                  <a:srgbClr val="2973B7"/>
+                </a:solidFill>
+                <a:latin typeface="Arial Unicode MS" panose="020B0604020202020204" pitchFamily="34" charset="-122"/>
+                <a:ea typeface="Roboto Mono"/>
+              </a:rPr>
+              <a:t>  .space  </a:t>
+            </a:r>
+            <a:r>
+              <a:rPr lang="en-US" altLang="zh-CN" dirty="0" smtClean="0">
+                <a:solidFill>
+                  <a:srgbClr val="FF0000"/>
+                </a:solidFill>
+                <a:latin typeface="Arial Unicode MS" panose="020B0604020202020204" pitchFamily="34" charset="-122"/>
+                <a:ea typeface="Roboto Mono"/>
+              </a:rPr>
+              <a:t>|</a:t>
+            </a:r>
+            <a:r>
+              <a:rPr lang="en-US" altLang="zh-CN" dirty="0" smtClean="0">
+                <a:solidFill>
+                  <a:srgbClr val="2973B7"/>
+                </a:solidFill>
+                <a:latin typeface="Arial Unicode MS" panose="020B0604020202020204" pitchFamily="34" charset="-122"/>
+                <a:ea typeface="Roboto Mono"/>
+              </a:rPr>
+              <a:t>  .up  </a:t>
+            </a:r>
+            <a:r>
+              <a:rPr lang="en-US" altLang="zh-CN" dirty="0" smtClean="0">
+                <a:solidFill>
+                  <a:srgbClr val="FF0000"/>
+                </a:solidFill>
+                <a:latin typeface="Arial Unicode MS" panose="020B0604020202020204" pitchFamily="34" charset="-122"/>
+                <a:ea typeface="Roboto Mono"/>
+              </a:rPr>
+              <a:t>|</a:t>
+            </a:r>
+            <a:r>
+              <a:rPr lang="en-US" altLang="zh-CN" dirty="0" smtClean="0">
+                <a:solidFill>
+                  <a:srgbClr val="2973B7"/>
+                </a:solidFill>
+                <a:latin typeface="Arial Unicode MS" panose="020B0604020202020204" pitchFamily="34" charset="-122"/>
+                <a:ea typeface="Roboto Mono"/>
+              </a:rPr>
+              <a:t>  .down  </a:t>
+            </a:r>
+            <a:r>
+              <a:rPr lang="en-US" altLang="zh-CN" dirty="0" smtClean="0">
+                <a:solidFill>
+                  <a:srgbClr val="FF0000"/>
+                </a:solidFill>
+                <a:latin typeface="Arial Unicode MS" panose="020B0604020202020204" pitchFamily="34" charset="-122"/>
+                <a:ea typeface="Roboto Mono"/>
+              </a:rPr>
+              <a:t>|</a:t>
+            </a:r>
+            <a:r>
+              <a:rPr lang="en-US" altLang="zh-CN" dirty="0" smtClean="0">
+                <a:solidFill>
+                  <a:srgbClr val="2973B7"/>
+                </a:solidFill>
+                <a:latin typeface="Arial Unicode MS" panose="020B0604020202020204" pitchFamily="34" charset="-122"/>
+                <a:ea typeface="Roboto Mono"/>
+              </a:rPr>
+              <a:t>  .left  </a:t>
+            </a:r>
+            <a:r>
+              <a:rPr lang="en-US" altLang="zh-CN" dirty="0" smtClean="0">
+                <a:solidFill>
+                  <a:srgbClr val="FF0000"/>
+                </a:solidFill>
+                <a:latin typeface="Arial Unicode MS" panose="020B0604020202020204" pitchFamily="34" charset="-122"/>
+                <a:ea typeface="Roboto Mono"/>
+              </a:rPr>
+              <a:t>|</a:t>
+            </a:r>
+            <a:r>
+              <a:rPr lang="en-US" altLang="zh-CN" dirty="0" smtClean="0">
+                <a:solidFill>
+                  <a:srgbClr val="2973B7"/>
+                </a:solidFill>
+                <a:latin typeface="Arial Unicode MS" panose="020B0604020202020204" pitchFamily="34" charset="-122"/>
+                <a:ea typeface="Roboto Mono"/>
+              </a:rPr>
+              <a:t>  .right</a:t>
+            </a:r>
+            <a:endParaRPr lang="en-US" altLang="zh-CN" dirty="0"/>
+          </a:p>
+        </p:txBody>
+      </p:sp>
+      <p:sp>
+        <p:nvSpPr>
+          <p:cNvPr id="27" name="矩形 26"/>
+          <p:cNvSpPr/>
+          <p:nvPr/>
+        </p:nvSpPr>
+        <p:spPr>
+          <a:xfrm>
+            <a:off x="250073" y="4681478"/>
+            <a:ext cx="11828060" cy="369332"/>
+          </a:xfrm>
+          <a:prstGeom prst="rect">
+            <a:avLst/>
+          </a:prstGeom>
+        </p:spPr>
+        <p:txBody>
+          <a:bodyPr wrap="square">
+            <a:spAutoFit/>
+          </a:bodyPr>
+          <a:lstStyle/>
+          <a:p>
+            <a:r>
+              <a:rPr lang="en-US" altLang="zh-CN" dirty="0" smtClean="0">
+                <a:solidFill>
+                  <a:srgbClr val="34495E"/>
+                </a:solidFill>
+                <a:latin typeface="Source Sans Pro"/>
+              </a:rPr>
+              <a:t>7.3 </a:t>
+            </a:r>
+            <a:r>
+              <a:rPr lang="zh-CN" altLang="en-US" dirty="0" smtClean="0">
+                <a:solidFill>
+                  <a:srgbClr val="34495E"/>
+                </a:solidFill>
+                <a:latin typeface="Source Sans Pro"/>
+              </a:rPr>
+              <a:t>鼠标按钮修饰符：用于</a:t>
+            </a:r>
+            <a:r>
+              <a:rPr lang="zh-CN" altLang="en-US" dirty="0" smtClean="0"/>
+              <a:t>限制</a:t>
+            </a:r>
+            <a:r>
+              <a:rPr lang="zh-CN" altLang="en-US" dirty="0"/>
+              <a:t>处理函数仅响应特定的鼠标按钮</a:t>
             </a:r>
             <a:endParaRPr lang="zh-CN" altLang="en-US" dirty="0"/>
+          </a:p>
+        </p:txBody>
+      </p:sp>
+      <p:sp>
+        <p:nvSpPr>
+          <p:cNvPr id="28" name="矩形 27"/>
+          <p:cNvSpPr/>
+          <p:nvPr/>
+        </p:nvSpPr>
+        <p:spPr>
+          <a:xfrm>
+            <a:off x="250073" y="5160050"/>
+            <a:ext cx="11828060" cy="369332"/>
+          </a:xfrm>
+          <a:prstGeom prst="rect">
+            <a:avLst/>
+          </a:prstGeom>
+        </p:spPr>
+        <p:txBody>
+          <a:bodyPr wrap="square">
+            <a:spAutoFit/>
+          </a:bodyPr>
+          <a:lstStyle/>
+          <a:p>
+            <a:pPr lvl="0" eaLnBrk="0" fontAlgn="base" hangingPunct="0">
+              <a:spcBef>
+                <a:spcPct val="0"/>
+              </a:spcBef>
+              <a:spcAft>
+                <a:spcPct val="0"/>
+              </a:spcAft>
+            </a:pPr>
+            <a:r>
+              <a:rPr lang="zh-CN" altLang="en-US" dirty="0" smtClean="0">
+                <a:solidFill>
+                  <a:srgbClr val="2973B7"/>
+                </a:solidFill>
+                <a:latin typeface="Arial Unicode MS" panose="020B0604020202020204" pitchFamily="34" charset="-122"/>
+                <a:ea typeface="Roboto Mono"/>
+              </a:rPr>
+              <a:t>鼠标按钮修饰符有：</a:t>
+            </a:r>
+            <a:r>
+              <a:rPr lang="en-US" altLang="zh-CN" dirty="0" smtClean="0">
+                <a:solidFill>
+                  <a:srgbClr val="2973B7"/>
+                </a:solidFill>
+                <a:latin typeface="Arial Unicode MS" panose="020B0604020202020204" pitchFamily="34" charset="-122"/>
+                <a:ea typeface="Roboto Mono"/>
+              </a:rPr>
+              <a:t>.middle  </a:t>
+            </a:r>
+            <a:r>
+              <a:rPr lang="en-US" altLang="zh-CN" dirty="0" smtClean="0">
+                <a:solidFill>
+                  <a:srgbClr val="FF0000"/>
+                </a:solidFill>
+                <a:latin typeface="Arial Unicode MS" panose="020B0604020202020204" pitchFamily="34" charset="-122"/>
+                <a:ea typeface="Roboto Mono"/>
+              </a:rPr>
+              <a:t>|</a:t>
+            </a:r>
+            <a:r>
+              <a:rPr lang="en-US" altLang="zh-CN" dirty="0" smtClean="0">
+                <a:solidFill>
+                  <a:srgbClr val="2973B7"/>
+                </a:solidFill>
+                <a:latin typeface="Arial Unicode MS" panose="020B0604020202020204" pitchFamily="34" charset="-122"/>
+                <a:ea typeface="Roboto Mono"/>
+              </a:rPr>
+              <a:t>  .left  </a:t>
+            </a:r>
+            <a:r>
+              <a:rPr lang="en-US" altLang="zh-CN" dirty="0" smtClean="0">
+                <a:solidFill>
+                  <a:srgbClr val="FF0000"/>
+                </a:solidFill>
+                <a:latin typeface="Arial Unicode MS" panose="020B0604020202020204" pitchFamily="34" charset="-122"/>
+                <a:ea typeface="Roboto Mono"/>
+              </a:rPr>
+              <a:t>|</a:t>
+            </a:r>
+            <a:r>
+              <a:rPr lang="en-US" altLang="zh-CN" dirty="0" smtClean="0">
+                <a:solidFill>
+                  <a:srgbClr val="2973B7"/>
+                </a:solidFill>
+                <a:latin typeface="Arial Unicode MS" panose="020B0604020202020204" pitchFamily="34" charset="-122"/>
+                <a:ea typeface="Roboto Mono"/>
+              </a:rPr>
+              <a:t>  .right</a:t>
+            </a:r>
+            <a:endParaRPr lang="en-US" altLang="zh-CN" dirty="0"/>
+          </a:p>
+        </p:txBody>
+      </p:sp>
+      <p:sp>
+        <p:nvSpPr>
+          <p:cNvPr id="29" name="矩形 28"/>
+          <p:cNvSpPr/>
+          <p:nvPr/>
+        </p:nvSpPr>
+        <p:spPr>
+          <a:xfrm>
+            <a:off x="250073" y="5638622"/>
+            <a:ext cx="11828060" cy="369332"/>
+          </a:xfrm>
+          <a:prstGeom prst="rect">
+            <a:avLst/>
+          </a:prstGeom>
+        </p:spPr>
+        <p:txBody>
+          <a:bodyPr wrap="square">
+            <a:spAutoFit/>
+          </a:bodyPr>
+          <a:lstStyle/>
+          <a:p>
+            <a:r>
+              <a:rPr lang="en-US" altLang="zh-CN" dirty="0" smtClean="0">
+                <a:solidFill>
+                  <a:srgbClr val="34495E"/>
+                </a:solidFill>
+                <a:latin typeface="Source Sans Pro"/>
+              </a:rPr>
+              <a:t>7.4 </a:t>
+            </a:r>
+            <a:r>
+              <a:rPr lang="zh-CN" altLang="en-US" dirty="0" smtClean="0">
+                <a:solidFill>
+                  <a:srgbClr val="34495E"/>
+                </a:solidFill>
+                <a:latin typeface="Source Sans Pro"/>
+              </a:rPr>
+              <a:t>系统修饰符：用</a:t>
+            </a:r>
+            <a:r>
+              <a:rPr lang="zh-CN" altLang="en-US" dirty="0"/>
+              <a:t>于</a:t>
+            </a:r>
+            <a:r>
+              <a:rPr lang="zh-CN" altLang="en-US" dirty="0" smtClean="0"/>
+              <a:t>实现</a:t>
+            </a:r>
+            <a:r>
+              <a:rPr lang="zh-CN" altLang="en-US" dirty="0"/>
+              <a:t>仅在按下相应按键时才触发鼠标或键盘事件的监听器</a:t>
+            </a:r>
+            <a:endParaRPr lang="zh-CN" altLang="en-US" dirty="0"/>
+          </a:p>
+        </p:txBody>
+      </p:sp>
+      <p:sp>
+        <p:nvSpPr>
+          <p:cNvPr id="30" name="矩形 29"/>
+          <p:cNvSpPr/>
+          <p:nvPr/>
+        </p:nvSpPr>
+        <p:spPr>
+          <a:xfrm>
+            <a:off x="250073" y="6117194"/>
+            <a:ext cx="11828060" cy="369332"/>
+          </a:xfrm>
+          <a:prstGeom prst="rect">
+            <a:avLst/>
+          </a:prstGeom>
+        </p:spPr>
+        <p:txBody>
+          <a:bodyPr wrap="square">
+            <a:spAutoFit/>
+          </a:bodyPr>
+          <a:lstStyle/>
+          <a:p>
+            <a:pPr lvl="0" eaLnBrk="0" fontAlgn="base" hangingPunct="0">
+              <a:spcBef>
+                <a:spcPct val="0"/>
+              </a:spcBef>
+              <a:spcAft>
+                <a:spcPct val="0"/>
+              </a:spcAft>
+            </a:pPr>
+            <a:r>
+              <a:rPr lang="zh-CN" altLang="en-US" dirty="0" smtClean="0">
+                <a:solidFill>
+                  <a:srgbClr val="2973B7"/>
+                </a:solidFill>
+                <a:latin typeface="Arial Unicode MS" panose="020B0604020202020204" pitchFamily="34" charset="-122"/>
+                <a:ea typeface="Roboto Mono"/>
+              </a:rPr>
+              <a:t>系统修饰符有：</a:t>
+            </a:r>
+            <a:r>
+              <a:rPr lang="en-US" altLang="zh-CN" dirty="0" smtClean="0">
+                <a:solidFill>
+                  <a:srgbClr val="2973B7"/>
+                </a:solidFill>
+                <a:latin typeface="Arial Unicode MS" panose="020B0604020202020204" pitchFamily="34" charset="-122"/>
+                <a:ea typeface="Roboto Mono"/>
+              </a:rPr>
+              <a:t>.ctrl  </a:t>
+            </a:r>
+            <a:r>
+              <a:rPr lang="en-US" altLang="zh-CN" dirty="0" smtClean="0">
+                <a:solidFill>
+                  <a:srgbClr val="FF0000"/>
+                </a:solidFill>
+                <a:latin typeface="Arial Unicode MS" panose="020B0604020202020204" pitchFamily="34" charset="-122"/>
+                <a:ea typeface="Roboto Mono"/>
+              </a:rPr>
+              <a:t>|</a:t>
+            </a:r>
+            <a:r>
+              <a:rPr lang="en-US" altLang="zh-CN" dirty="0" smtClean="0">
+                <a:solidFill>
+                  <a:srgbClr val="2973B7"/>
+                </a:solidFill>
+                <a:latin typeface="Arial Unicode MS" panose="020B0604020202020204" pitchFamily="34" charset="-122"/>
+                <a:ea typeface="Roboto Mono"/>
+              </a:rPr>
+              <a:t>  .alt  </a:t>
+            </a:r>
+            <a:r>
+              <a:rPr lang="en-US" altLang="zh-CN" dirty="0" smtClean="0">
+                <a:solidFill>
+                  <a:srgbClr val="FF0000"/>
+                </a:solidFill>
+                <a:latin typeface="Arial Unicode MS" panose="020B0604020202020204" pitchFamily="34" charset="-122"/>
+                <a:ea typeface="Roboto Mono"/>
+              </a:rPr>
+              <a:t>|</a:t>
+            </a:r>
+            <a:r>
+              <a:rPr lang="en-US" altLang="zh-CN" dirty="0" smtClean="0">
+                <a:solidFill>
+                  <a:srgbClr val="2973B7"/>
+                </a:solidFill>
+                <a:latin typeface="Arial Unicode MS" panose="020B0604020202020204" pitchFamily="34" charset="-122"/>
+                <a:ea typeface="Roboto Mono"/>
+              </a:rPr>
+              <a:t>  .shift  </a:t>
+            </a:r>
+            <a:r>
+              <a:rPr lang="en-US" altLang="zh-CN" dirty="0" smtClean="0">
+                <a:solidFill>
+                  <a:srgbClr val="FF0000"/>
+                </a:solidFill>
+                <a:latin typeface="Arial Unicode MS" panose="020B0604020202020204" pitchFamily="34" charset="-122"/>
+                <a:ea typeface="Roboto Mono"/>
+              </a:rPr>
+              <a:t>|</a:t>
+            </a:r>
+            <a:r>
+              <a:rPr lang="en-US" altLang="zh-CN" dirty="0" smtClean="0">
+                <a:solidFill>
+                  <a:srgbClr val="2973B7"/>
+                </a:solidFill>
+                <a:latin typeface="Arial Unicode MS" panose="020B0604020202020204" pitchFamily="34" charset="-122"/>
+                <a:ea typeface="Roboto Mono"/>
+              </a:rPr>
+              <a:t>  .meta</a:t>
+            </a:r>
+            <a:r>
+              <a:rPr lang="zh-CN" altLang="en-US" dirty="0" smtClean="0">
+                <a:solidFill>
+                  <a:srgbClr val="2973B7"/>
+                </a:solidFill>
+                <a:latin typeface="Arial Unicode MS" panose="020B0604020202020204" pitchFamily="34" charset="-122"/>
+                <a:ea typeface="Roboto Mono"/>
+              </a:rPr>
+              <a:t>（对应键盘上的</a:t>
+            </a:r>
+            <a:r>
+              <a:rPr lang="en-US" altLang="zh-CN" dirty="0" smtClean="0">
+                <a:solidFill>
+                  <a:srgbClr val="2973B7"/>
+                </a:solidFill>
+                <a:latin typeface="Arial Unicode MS" panose="020B0604020202020204" pitchFamily="34" charset="-122"/>
+                <a:ea typeface="Roboto Mono"/>
+              </a:rPr>
+              <a:t>win</a:t>
+            </a:r>
+            <a:r>
+              <a:rPr lang="zh-CN" altLang="en-US" dirty="0" smtClean="0">
+                <a:solidFill>
+                  <a:srgbClr val="2973B7"/>
+                </a:solidFill>
+                <a:latin typeface="Arial Unicode MS" panose="020B0604020202020204" pitchFamily="34" charset="-122"/>
+                <a:ea typeface="Roboto Mono"/>
+              </a:rPr>
+              <a:t>键）</a:t>
+            </a:r>
+            <a:endParaRPr lang="en-US" altLang="zh-CN" dirty="0"/>
           </a:p>
         </p:txBody>
       </p:sp>
     </p:spTree>
     <p:extLst>
       <p:ext uri="{BB962C8B-B14F-4D97-AF65-F5344CB8AC3E}">
-        <p14:creationId xmlns:p14="http://schemas.microsoft.com/office/powerpoint/2010/main" val="2408381565"/>
+        <p14:creationId xmlns:p14="http://schemas.microsoft.com/office/powerpoint/2010/main" val="2370736750"/>
       </p:ext>
     </p:extLst>
   </p:cSld>
@@ -8386,7 +9968,7 @@
       </p:grpSpPr>
       <p:sp>
         <p:nvSpPr>
-          <p:cNvPr id="3" name="矩形 2"/>
+          <p:cNvPr id="4" name="矩形 3"/>
           <p:cNvSpPr/>
           <p:nvPr/>
         </p:nvSpPr>
@@ -8406,13 +9988,13 @@
           <a:lstStyle/>
           <a:p>
             <a:r>
-              <a:rPr lang="zh-CN" altLang="en-US" dirty="0" smtClean="0">
-                <a:solidFill>
-                  <a:srgbClr val="34495E"/>
-                </a:solidFill>
-                <a:latin typeface="Source Sans Pro"/>
-              </a:rPr>
-              <a:t>计算属性的缓存</a:t>
+              <a:rPr lang="zh-CN" altLang="en-US" dirty="0">
+                <a:solidFill>
+                  <a:srgbClr val="34495E"/>
+                </a:solidFill>
+                <a:latin typeface="Source Sans Pro"/>
+              </a:rPr>
+              <a:t>内部指令</a:t>
             </a:r>
             <a:endParaRPr lang="zh-CN" altLang="en-US" dirty="0"/>
           </a:p>
@@ -8420,14 +10002,66 @@
       </p:sp>
       <p:sp>
         <p:nvSpPr>
-          <p:cNvPr id="4" name="矩形 3"/>
+          <p:cNvPr id="5" name="矩形 4"/>
           <p:cNvSpPr/>
           <p:nvPr/>
         </p:nvSpPr>
         <p:spPr>
           <a:xfrm>
-            <a:off x="250208" y="771613"/>
-            <a:ext cx="11749533" cy="369332"/>
+            <a:off x="250209" y="622785"/>
+            <a:ext cx="6096000" cy="369332"/>
+          </a:xfrm>
+          <a:prstGeom prst="rect">
+            <a:avLst/>
+          </a:prstGeom>
+        </p:spPr>
+        <p:txBody>
+          <a:bodyPr>
+            <a:spAutoFit/>
+          </a:bodyPr>
+          <a:lstStyle/>
+          <a:p>
+            <a:r>
+              <a:rPr lang="en-US" altLang="zh-CN" dirty="0">
+                <a:solidFill>
+                  <a:srgbClr val="34495E"/>
+                </a:solidFill>
+                <a:latin typeface="Source Sans Pro"/>
+              </a:rPr>
+              <a:t>7</a:t>
+            </a:r>
+            <a:r>
+              <a:rPr lang="zh-CN" altLang="en-US" dirty="0" smtClean="0">
+                <a:solidFill>
+                  <a:srgbClr val="34495E"/>
+                </a:solidFill>
+                <a:latin typeface="Source Sans Pro"/>
+              </a:rPr>
+              <a:t>、</a:t>
+            </a:r>
+            <a:r>
+              <a:rPr lang="en-US" altLang="zh-CN" dirty="0" smtClean="0">
+                <a:solidFill>
+                  <a:srgbClr val="34495E"/>
+                </a:solidFill>
+                <a:latin typeface="Source Sans Pro"/>
+              </a:rPr>
+              <a:t>v-cloak</a:t>
+            </a:r>
+            <a:endParaRPr lang="zh-CN" altLang="en-US" dirty="0"/>
+          </a:p>
+        </p:txBody>
+      </p:sp>
+      <p:sp>
+        <p:nvSpPr>
+          <p:cNvPr id="9" name="矩形 8"/>
+          <p:cNvSpPr/>
+          <p:nvPr/>
+        </p:nvSpPr>
+        <p:spPr>
+          <a:xfrm>
+            <a:off x="250209" y="992117"/>
+            <a:ext cx="11828060" cy="369332"/>
           </a:xfrm>
           <a:prstGeom prst="rect">
             <a:avLst/>
@@ -8446,185 +10080,43 @@
                 </a:solidFill>
                 <a:latin typeface="Source Sans Pro"/>
               </a:rPr>
-              <a:t>当</a:t>
-            </a:r>
-            <a:r>
-              <a:rPr lang="zh-CN" altLang="en-US" dirty="0">
-                <a:solidFill>
-                  <a:srgbClr val="34495E"/>
-                </a:solidFill>
-                <a:latin typeface="Source Sans Pro"/>
-              </a:rPr>
-              <a:t>计算属性</a:t>
-            </a:r>
-            <a:r>
-              <a:rPr lang="zh-CN" altLang="en-US" dirty="0" smtClean="0">
-                <a:solidFill>
-                  <a:srgbClr val="34495E"/>
-                </a:solidFill>
-                <a:latin typeface="Source Sans Pro"/>
-              </a:rPr>
-              <a:t>依赖的属性值发生变化时，这个属性的值也自动会跟着变化，其实就是会执行</a:t>
-            </a:r>
-            <a:r>
-              <a:rPr lang="en-US" altLang="zh-CN" dirty="0" smtClean="0">
-                <a:solidFill>
-                  <a:srgbClr val="34495E"/>
-                </a:solidFill>
-                <a:latin typeface="Source Sans Pro"/>
-              </a:rPr>
-              <a:t>get</a:t>
-            </a:r>
-            <a:r>
-              <a:rPr lang="zh-CN" altLang="en-US" dirty="0" smtClean="0">
-                <a:solidFill>
-                  <a:srgbClr val="34495E"/>
-                </a:solidFill>
-                <a:latin typeface="Source Sans Pro"/>
-              </a:rPr>
-              <a:t>对应的函数。</a:t>
-            </a:r>
-            <a:endParaRPr lang="zh-CN" altLang="en-US" dirty="0"/>
-          </a:p>
-        </p:txBody>
-      </p:sp>
-      <p:sp>
-        <p:nvSpPr>
-          <p:cNvPr id="7" name="矩形 6"/>
-          <p:cNvSpPr/>
-          <p:nvPr/>
-        </p:nvSpPr>
-        <p:spPr>
-          <a:xfrm>
-            <a:off x="250207" y="1140945"/>
-            <a:ext cx="11941793" cy="646331"/>
-          </a:xfrm>
-          <a:prstGeom prst="rect">
-            <a:avLst/>
-          </a:prstGeom>
-        </p:spPr>
-        <p:txBody>
-          <a:bodyPr wrap="square">
-            <a:spAutoFit/>
-          </a:bodyPr>
-          <a:lstStyle/>
-          <a:p>
-            <a:r>
-              <a:rPr lang="zh-CN" altLang="en-US" dirty="0" smtClean="0">
-                <a:solidFill>
-                  <a:srgbClr val="34495E"/>
-                </a:solidFill>
-                <a:latin typeface="Source Sans Pro"/>
-              </a:rPr>
-              <a:t>这样存在的问题：只有当</a:t>
-            </a:r>
-            <a:r>
-              <a:rPr lang="en-US" altLang="zh-CN" dirty="0" err="1" smtClean="0">
-                <a:solidFill>
-                  <a:srgbClr val="34495E"/>
-                </a:solidFill>
-                <a:latin typeface="Source Sans Pro"/>
-              </a:rPr>
-              <a:t>Vue</a:t>
-            </a:r>
-            <a:r>
-              <a:rPr lang="zh-CN" altLang="en-US" dirty="0" smtClean="0">
-                <a:solidFill>
-                  <a:srgbClr val="34495E"/>
-                </a:solidFill>
-                <a:latin typeface="Source Sans Pro"/>
-              </a:rPr>
-              <a:t>实例中</a:t>
-            </a:r>
-            <a:r>
-              <a:rPr lang="zh-CN" altLang="en-US" b="1" dirty="0" smtClean="0">
-                <a:solidFill>
-                  <a:srgbClr val="FF0000"/>
-                </a:solidFill>
-                <a:latin typeface="Source Sans Pro"/>
-              </a:rPr>
-              <a:t>被观察的数据</a:t>
-            </a:r>
-            <a:r>
-              <a:rPr lang="zh-CN" altLang="en-US" dirty="0" smtClean="0">
-                <a:solidFill>
-                  <a:srgbClr val="34495E"/>
-                </a:solidFill>
-                <a:latin typeface="Source Sans Pro"/>
-              </a:rPr>
-              <a:t>发生变化时才会执行</a:t>
-            </a:r>
-            <a:r>
-              <a:rPr lang="en-US" altLang="zh-CN" dirty="0" smtClean="0">
-                <a:solidFill>
-                  <a:srgbClr val="34495E"/>
-                </a:solidFill>
-                <a:latin typeface="Source Sans Pro"/>
-              </a:rPr>
-              <a:t>get</a:t>
-            </a:r>
-            <a:r>
-              <a:rPr lang="zh-CN" altLang="en-US" dirty="0" smtClean="0">
-                <a:solidFill>
-                  <a:srgbClr val="34495E"/>
-                </a:solidFill>
-                <a:latin typeface="Source Sans Pro"/>
-              </a:rPr>
-              <a:t>函数，而当计算属性依赖</a:t>
-            </a:r>
-            <a:r>
-              <a:rPr lang="zh-CN" altLang="en-US" b="1" dirty="0" smtClean="0">
-                <a:solidFill>
-                  <a:srgbClr val="FF0000"/>
-                </a:solidFill>
-                <a:latin typeface="Source Sans Pro"/>
-              </a:rPr>
-              <a:t>实时的非观察数据</a:t>
-            </a:r>
-            <a:r>
-              <a:rPr lang="zh-CN" altLang="en-US" dirty="0" smtClean="0">
-                <a:solidFill>
-                  <a:srgbClr val="34495E"/>
-                </a:solidFill>
-                <a:latin typeface="Source Sans Pro"/>
-              </a:rPr>
-              <a:t>属性时，在访问该计算属性时其值并没有实时变化，是因为</a:t>
-            </a:r>
-            <a:r>
-              <a:rPr lang="en-US" altLang="zh-CN" dirty="0" err="1" smtClean="0">
-                <a:solidFill>
-                  <a:srgbClr val="34495E"/>
-                </a:solidFill>
-                <a:latin typeface="Source Sans Pro"/>
-              </a:rPr>
-              <a:t>Vue</a:t>
-            </a:r>
-            <a:r>
-              <a:rPr lang="zh-CN" altLang="en-US" dirty="0" smtClean="0">
-                <a:solidFill>
-                  <a:srgbClr val="34495E"/>
-                </a:solidFill>
-                <a:latin typeface="Source Sans Pro"/>
-              </a:rPr>
-              <a:t>使用了缓存。可以</a:t>
-            </a:r>
-            <a:r>
-              <a:rPr lang="zh-CN" altLang="en-US" b="1" dirty="0" smtClean="0">
-                <a:solidFill>
-                  <a:srgbClr val="0000FF"/>
-                </a:solidFill>
-                <a:latin typeface="Source Sans Pro"/>
-              </a:rPr>
-              <a:t>将缓存关闭</a:t>
-            </a:r>
-            <a:r>
-              <a:rPr lang="zh-CN" altLang="en-US" dirty="0" smtClean="0">
-                <a:solidFill>
-                  <a:srgbClr val="34495E"/>
-                </a:solidFill>
-                <a:latin typeface="Source Sans Pro"/>
-              </a:rPr>
-              <a:t>。</a:t>
+              <a:t>这个指令保持在元素上直到关联实例结束编译。当和</a:t>
+            </a:r>
+            <a:r>
+              <a:rPr lang="en-US" altLang="zh-CN" dirty="0">
+                <a:solidFill>
+                  <a:srgbClr val="34495E"/>
+                </a:solidFill>
+                <a:latin typeface="Source Sans Pro"/>
+              </a:rPr>
+              <a:t>CSS</a:t>
+            </a:r>
+            <a:r>
+              <a:rPr lang="zh-CN" altLang="en-US" dirty="0" smtClean="0">
+                <a:solidFill>
+                  <a:srgbClr val="34495E"/>
+                </a:solidFill>
+                <a:latin typeface="Source Sans Pro"/>
+              </a:rPr>
+              <a:t>规则使用时，这个指令可以隐藏未编译的</a:t>
+            </a:r>
+            <a:r>
+              <a:rPr lang="en-US" altLang="zh-CN" dirty="0" smtClean="0">
+                <a:solidFill>
+                  <a:srgbClr val="34495E"/>
+                </a:solidFill>
+                <a:latin typeface="Source Sans Pro"/>
+              </a:rPr>
+              <a:t>Mustache</a:t>
+            </a:r>
+            <a:r>
+              <a:rPr lang="zh-CN" altLang="en-US" dirty="0" smtClean="0">
+                <a:solidFill>
+                  <a:srgbClr val="34495E"/>
+                </a:solidFill>
+                <a:latin typeface="Source Sans Pro"/>
+              </a:rPr>
+              <a:t>标签。</a:t>
             </a:r>
             <a:endParaRPr lang="zh-CN" altLang="en-US" dirty="0"/>
           </a:p>
@@ -8632,7 +10124,7 @@
       </p:sp>
       <p:pic>
         <p:nvPicPr>
-          <p:cNvPr id="8" name="图片 7"/>
+          <p:cNvPr id="6" name="图片 5"/>
           <p:cNvPicPr>
             <a:picLocks noChangeAspect="1"/>
           </p:cNvPicPr>
@@ -8646,22 +10138,17 @@
         </p:blipFill>
         <p:spPr>
           <a:xfrm>
-            <a:off x="250206" y="1746332"/>
-            <a:ext cx="6096003" cy="1267704"/>
-          </a:xfrm>
-          <a:prstGeom prst="rect">
-            <a:avLst/>
-          </a:prstGeom>
-          <a:ln>
-            <a:solidFill>
-              <a:srgbClr val="FF0000"/>
-            </a:solidFill>
-          </a:ln>
+            <a:off x="430083" y="1403230"/>
+            <a:ext cx="2913618" cy="1319981"/>
+          </a:xfrm>
+          <a:prstGeom prst="rect">
+            <a:avLst/>
+          </a:prstGeom>
         </p:spPr>
       </p:pic>
       <p:pic>
         <p:nvPicPr>
-          <p:cNvPr id="10" name="图片 9"/>
+          <p:cNvPr id="7" name="图片 6"/>
           <p:cNvPicPr>
             <a:picLocks noChangeAspect="1"/>
           </p:cNvPicPr>
@@ -8675,22 +10162,112 @@
         </p:blipFill>
         <p:spPr>
           <a:xfrm>
-            <a:off x="250204" y="3054980"/>
-            <a:ext cx="5531617" cy="3765559"/>
-          </a:xfrm>
-          <a:prstGeom prst="rect">
-            <a:avLst/>
-          </a:prstGeom>
-          <a:ln>
-            <a:solidFill>
-              <a:srgbClr val="0000FF"/>
-            </a:solidFill>
-          </a:ln>
+            <a:off x="430083" y="2778646"/>
+            <a:ext cx="11550189" cy="1042726"/>
+          </a:xfrm>
+          <a:prstGeom prst="rect">
+            <a:avLst/>
+          </a:prstGeom>
         </p:spPr>
       </p:pic>
+      <p:sp>
+        <p:nvSpPr>
+          <p:cNvPr id="12" name="矩形 11"/>
+          <p:cNvSpPr/>
+          <p:nvPr/>
+        </p:nvSpPr>
+        <p:spPr>
+          <a:xfrm>
+            <a:off x="250209" y="3975797"/>
+            <a:ext cx="6096000" cy="369332"/>
+          </a:xfrm>
+          <a:prstGeom prst="rect">
+            <a:avLst/>
+          </a:prstGeom>
+        </p:spPr>
+        <p:txBody>
+          <a:bodyPr>
+            <a:spAutoFit/>
+          </a:bodyPr>
+          <a:lstStyle/>
+          <a:p>
+            <a:r>
+              <a:rPr lang="en-US" altLang="zh-CN" dirty="0" smtClean="0">
+                <a:solidFill>
+                  <a:srgbClr val="34495E"/>
+                </a:solidFill>
+                <a:latin typeface="Source Sans Pro"/>
+              </a:rPr>
+              <a:t>8</a:t>
+            </a:r>
+            <a:r>
+              <a:rPr lang="zh-CN" altLang="en-US" dirty="0" smtClean="0">
+                <a:solidFill>
+                  <a:srgbClr val="34495E"/>
+                </a:solidFill>
+                <a:latin typeface="Source Sans Pro"/>
+              </a:rPr>
+              <a:t>、</a:t>
+            </a:r>
+            <a:r>
+              <a:rPr lang="en-US" altLang="zh-CN" dirty="0" smtClean="0">
+                <a:solidFill>
+                  <a:srgbClr val="34495E"/>
+                </a:solidFill>
+                <a:latin typeface="Source Sans Pro"/>
+              </a:rPr>
+              <a:t>v-once</a:t>
+            </a:r>
+            <a:endParaRPr lang="zh-CN" altLang="en-US" dirty="0"/>
+          </a:p>
+        </p:txBody>
+      </p:sp>
+      <p:sp>
+        <p:nvSpPr>
+          <p:cNvPr id="8" name="矩形 7"/>
+          <p:cNvSpPr/>
+          <p:nvPr/>
+        </p:nvSpPr>
+        <p:spPr>
+          <a:xfrm>
+            <a:off x="250209" y="4345129"/>
+            <a:ext cx="11828060" cy="646331"/>
+          </a:xfrm>
+          <a:prstGeom prst="rect">
+            <a:avLst/>
+          </a:prstGeom>
+        </p:spPr>
+        <p:txBody>
+          <a:bodyPr wrap="square">
+            <a:spAutoFit/>
+          </a:bodyPr>
+          <a:lstStyle/>
+          <a:p>
+            <a:r>
+              <a:rPr lang="zh-CN" altLang="en-US" dirty="0" smtClean="0">
+                <a:solidFill>
+                  <a:srgbClr val="34495E"/>
+                </a:solidFill>
+                <a:latin typeface="Source Sans Pro"/>
+              </a:rPr>
+              <a:t>表明元素是一个静态节点，只对元素进行一次渲染，渲染之后不管值再怎么变化，使用了此指令的元素节点及其所有的子节点，都会当做静态内容跳过，不会进行值的更新</a:t>
+            </a:r>
+            <a:r>
+              <a:rPr lang="zh-CN" altLang="en-US" dirty="0" smtClean="0">
+                <a:solidFill>
+                  <a:srgbClr val="34495E"/>
+                </a:solidFill>
+                <a:latin typeface="Source Sans Pro"/>
+              </a:rPr>
+              <a:t>。</a:t>
+            </a:r>
+            <a:endParaRPr lang="zh-CN" altLang="en-US" dirty="0"/>
+          </a:p>
+        </p:txBody>
+      </p:sp>
       <p:pic>
         <p:nvPicPr>
-          <p:cNvPr id="11" name="图片 10"/>
+          <p:cNvPr id="2" name="图片 1"/>
           <p:cNvPicPr>
             <a:picLocks noChangeAspect="1"/>
           </p:cNvPicPr>
@@ -8704,23 +10281,42 @@
         </p:blipFill>
         <p:spPr>
           <a:xfrm>
-            <a:off x="6147583" y="3054980"/>
-            <a:ext cx="5572215" cy="3765559"/>
-          </a:xfrm>
-          <a:prstGeom prst="rect">
-            <a:avLst/>
-          </a:prstGeom>
-          <a:ln>
-            <a:solidFill>
-              <a:srgbClr val="0000FF"/>
-            </a:solidFill>
-          </a:ln>
+            <a:off x="250208" y="5086995"/>
+            <a:ext cx="7534295" cy="1559467"/>
+          </a:xfrm>
+          <a:prstGeom prst="rect">
+            <a:avLst/>
+          </a:prstGeom>
+        </p:spPr>
+      </p:pic>
+      <p:pic>
+        <p:nvPicPr>
+          <p:cNvPr id="3" name="图片 2"/>
+          <p:cNvPicPr>
+            <a:picLocks noChangeAspect="1"/>
+          </p:cNvPicPr>
+          <p:nvPr/>
+        </p:nvPicPr>
+        <p:blipFill>
+          <a:blip r:embed="rId5"/>
+          <a:stretch>
+            <a:fillRect/>
+          </a:stretch>
+        </p:blipFill>
+        <p:spPr>
+          <a:xfrm>
+            <a:off x="8195020" y="5005107"/>
+            <a:ext cx="3132621" cy="1685486"/>
+          </a:xfrm>
+          <a:prstGeom prst="rect">
+            <a:avLst/>
+          </a:prstGeom>
         </p:spPr>
       </p:pic>
     </p:spTree>
     <p:extLst>
       <p:ext uri="{BB962C8B-B14F-4D97-AF65-F5344CB8AC3E}">
-        <p14:creationId xmlns:p14="http://schemas.microsoft.com/office/powerpoint/2010/main" val="2340528050"/>
+        <p14:creationId xmlns:p14="http://schemas.microsoft.com/office/powerpoint/2010/main" val="3650201631"/>
       </p:ext>
     </p:extLst>
   </p:cSld>
@@ -9910,31 +11506,74 @@
           <a:lstStyle/>
           <a:p>
             <a:r>
+              <a:rPr lang="zh-CN" altLang="en-US" dirty="0" smtClean="0">
+                <a:solidFill>
+                  <a:srgbClr val="34495E"/>
+                </a:solidFill>
+                <a:latin typeface="Source Sans Pro"/>
+              </a:rPr>
+              <a:t>计算</a:t>
+            </a:r>
+            <a:r>
               <a:rPr lang="zh-CN" altLang="en-US" dirty="0">
                 <a:solidFill>
                   <a:srgbClr val="34495E"/>
                 </a:solidFill>
                 <a:latin typeface="Source Sans Pro"/>
               </a:rPr>
-              <a:t>表单</a:t>
-            </a:r>
-            <a:r>
-              <a:rPr lang="zh-CN" altLang="en-US" dirty="0" smtClean="0">
-                <a:solidFill>
-                  <a:srgbClr val="34495E"/>
-                </a:solidFill>
-                <a:latin typeface="Source Sans Pro"/>
-              </a:rPr>
-              <a:t>控件</a:t>
-            </a:r>
-            <a:r>
-              <a:rPr lang="zh-CN" altLang="en-US" dirty="0" smtClean="0">
-                <a:solidFill>
-                  <a:srgbClr val="34495E"/>
-                </a:solidFill>
-                <a:latin typeface="Source Sans Pro"/>
-              </a:rPr>
-              <a:t>绑定</a:t>
+              <a:t>属性</a:t>
+            </a:r>
+            <a:endParaRPr lang="zh-CN" altLang="en-US" dirty="0"/>
+          </a:p>
+        </p:txBody>
+      </p:sp>
+      <p:sp>
+        <p:nvSpPr>
+          <p:cNvPr id="4" name="矩形 3"/>
+          <p:cNvSpPr/>
+          <p:nvPr/>
+        </p:nvSpPr>
+        <p:spPr>
+          <a:xfrm>
+            <a:off x="250208" y="771613"/>
+            <a:ext cx="11749533" cy="369332"/>
+          </a:xfrm>
+          <a:prstGeom prst="rect">
+            <a:avLst/>
+          </a:prstGeom>
+        </p:spPr>
+        <p:txBody>
+          <a:bodyPr wrap="square">
+            <a:spAutoFit/>
+          </a:bodyPr>
+          <a:lstStyle/>
+          <a:p>
+            <a:r>
+              <a:rPr lang="zh-CN" altLang="en-US" dirty="0" smtClean="0">
+                <a:solidFill>
+                  <a:srgbClr val="34495E"/>
+                </a:solidFill>
+                <a:latin typeface="Source Sans Pro"/>
+              </a:rPr>
+              <a:t>计算属性就是当其依赖的属性值发生变化时，这个属性的值也自动会跟着变化，与之相关的</a:t>
+            </a:r>
+            <a:r>
+              <a:rPr lang="en-US" altLang="zh-CN" dirty="0" smtClean="0">
+                <a:solidFill>
+                  <a:srgbClr val="34495E"/>
+                </a:solidFill>
+                <a:latin typeface="Source Sans Pro"/>
+              </a:rPr>
+              <a:t>DOM</a:t>
+            </a:r>
+            <a:r>
+              <a:rPr lang="zh-CN" altLang="en-US" dirty="0" smtClean="0">
+                <a:solidFill>
+                  <a:srgbClr val="34495E"/>
+                </a:solidFill>
+                <a:latin typeface="Source Sans Pro"/>
+              </a:rPr>
+              <a:t>部分也会自动更新</a:t>
             </a:r>
             <a:endParaRPr lang="zh-CN" altLang="en-US" dirty="0"/>
           </a:p>
@@ -9942,7 +11581,7 @@
       </p:sp>
       <p:pic>
         <p:nvPicPr>
-          <p:cNvPr id="5" name="图片 4"/>
+          <p:cNvPr id="2" name="图片 1"/>
           <p:cNvPicPr>
             <a:picLocks noChangeAspect="1"/>
           </p:cNvPicPr>
@@ -9956,8 +11595,8 @@
         </p:blipFill>
         <p:spPr>
           <a:xfrm>
-            <a:off x="250209" y="1045867"/>
-            <a:ext cx="7011575" cy="3567078"/>
+            <a:off x="250208" y="1289773"/>
+            <a:ext cx="7801971" cy="1405761"/>
           </a:xfrm>
           <a:prstGeom prst="rect">
             <a:avLst/>
@@ -9980,18 +11619,182 @@
         </p:blipFill>
         <p:spPr>
           <a:xfrm>
-            <a:off x="7411912" y="1045868"/>
-            <a:ext cx="4598120" cy="3573396"/>
+            <a:off x="250208" y="3328128"/>
+            <a:ext cx="5376869" cy="3081555"/>
           </a:xfrm>
           <a:prstGeom prst="rect">
             <a:avLst/>
           </a:prstGeom>
         </p:spPr>
       </p:pic>
+      <p:pic>
+        <p:nvPicPr>
+          <p:cNvPr id="7" name="图片 6"/>
+          <p:cNvPicPr>
+            <a:picLocks noChangeAspect="1"/>
+          </p:cNvPicPr>
+          <p:nvPr/>
+        </p:nvPicPr>
+        <p:blipFill>
+          <a:blip r:embed="rId4"/>
+          <a:stretch>
+            <a:fillRect/>
+          </a:stretch>
+        </p:blipFill>
+        <p:spPr>
+          <a:xfrm>
+            <a:off x="5612137" y="3328128"/>
+            <a:ext cx="6382911" cy="3044519"/>
+          </a:xfrm>
+          <a:prstGeom prst="rect">
+            <a:avLst/>
+          </a:prstGeom>
+        </p:spPr>
+      </p:pic>
+      <p:sp>
+        <p:nvSpPr>
+          <p:cNvPr id="8" name="矩形 7"/>
+          <p:cNvSpPr/>
+          <p:nvPr/>
+        </p:nvSpPr>
+        <p:spPr>
+          <a:xfrm>
+            <a:off x="245515" y="2936580"/>
+            <a:ext cx="11749533" cy="369332"/>
+          </a:xfrm>
+          <a:prstGeom prst="rect">
+            <a:avLst/>
+          </a:prstGeom>
+        </p:spPr>
+        <p:txBody>
+          <a:bodyPr wrap="square">
+            <a:spAutoFit/>
+          </a:bodyPr>
+          <a:lstStyle/>
+          <a:p>
+            <a:r>
+              <a:rPr lang="zh-CN" altLang="en-US" b="1" dirty="0" smtClean="0">
+                <a:solidFill>
+                  <a:srgbClr val="0000FF"/>
+                </a:solidFill>
+                <a:latin typeface="Source Sans Pro"/>
+              </a:rPr>
+              <a:t>两种写法：</a:t>
+            </a:r>
+            <a:endParaRPr lang="zh-CN" altLang="en-US" b="1" dirty="0">
+              <a:solidFill>
+                <a:srgbClr val="0000FF"/>
+              </a:solidFill>
+            </a:endParaRPr>
+          </a:p>
+        </p:txBody>
+      </p:sp>
+      <p:sp>
+        <p:nvSpPr>
+          <p:cNvPr id="9" name="矩形 8"/>
+          <p:cNvSpPr/>
+          <p:nvPr/>
+        </p:nvSpPr>
+        <p:spPr>
+          <a:xfrm>
+            <a:off x="8394804" y="1320257"/>
+            <a:ext cx="3797196" cy="1477328"/>
+          </a:xfrm>
+          <a:prstGeom prst="rect">
+            <a:avLst/>
+          </a:prstGeom>
+          <a:solidFill>
+            <a:schemeClr val="accent5">
+              <a:lumMod val="20000"/>
+              <a:lumOff val="80000"/>
+            </a:schemeClr>
+          </a:solidFill>
+        </p:spPr>
+        <p:txBody>
+          <a:bodyPr wrap="square">
+            <a:spAutoFit/>
+          </a:bodyPr>
+          <a:lstStyle/>
+          <a:p>
+            <a:r>
+              <a:rPr lang="zh-CN" altLang="en-US" b="1" dirty="0" smtClean="0">
+                <a:solidFill>
+                  <a:srgbClr val="0000FF"/>
+                </a:solidFill>
+                <a:latin typeface="Source Sans Pro"/>
+              </a:rPr>
+              <a:t>计算属性的</a:t>
+            </a:r>
+            <a:r>
+              <a:rPr lang="en-US" altLang="zh-CN" b="1" dirty="0" smtClean="0">
+                <a:solidFill>
+                  <a:srgbClr val="0000FF"/>
+                </a:solidFill>
+                <a:latin typeface="Source Sans Pro"/>
+              </a:rPr>
+              <a:t>get</a:t>
+            </a:r>
+            <a:r>
+              <a:rPr lang="zh-CN" altLang="en-US" b="1" dirty="0" smtClean="0">
+                <a:solidFill>
+                  <a:srgbClr val="0000FF"/>
+                </a:solidFill>
+                <a:latin typeface="Source Sans Pro"/>
+              </a:rPr>
+              <a:t>函数不执行的场景</a:t>
+            </a:r>
+            <a:r>
+              <a:rPr lang="zh-CN" altLang="en-US" dirty="0" smtClean="0">
+                <a:solidFill>
+                  <a:srgbClr val="34495E"/>
+                </a:solidFill>
+                <a:latin typeface="Source Sans Pro"/>
+              </a:rPr>
+              <a:t>：</a:t>
+            </a:r>
+            <a:endParaRPr lang="en-US" altLang="zh-CN" dirty="0" smtClean="0">
+              <a:solidFill>
+                <a:srgbClr val="34495E"/>
+              </a:solidFill>
+              <a:latin typeface="Source Sans Pro"/>
+            </a:endParaRPr>
+          </a:p>
+          <a:p>
+            <a:r>
+              <a:rPr lang="zh-CN" altLang="en-US" dirty="0" smtClean="0">
+                <a:solidFill>
+                  <a:srgbClr val="34495E"/>
+                </a:solidFill>
+                <a:latin typeface="Source Sans Pro"/>
+              </a:rPr>
+              <a:t>当包含计算属性的节点被移除，并且其他地方没有再引用该属性时，当该计算属性依赖的属性发生变化时，不会执行其对应的</a:t>
+            </a:r>
+            <a:r>
+              <a:rPr lang="en-US" altLang="zh-CN" dirty="0" smtClean="0">
+                <a:solidFill>
+                  <a:srgbClr val="34495E"/>
+                </a:solidFill>
+                <a:latin typeface="Source Sans Pro"/>
+              </a:rPr>
+              <a:t>get</a:t>
+            </a:r>
+            <a:r>
+              <a:rPr lang="zh-CN" altLang="en-US" dirty="0" smtClean="0">
+                <a:solidFill>
+                  <a:srgbClr val="34495E"/>
+                </a:solidFill>
+                <a:latin typeface="Source Sans Pro"/>
+              </a:rPr>
+              <a:t>函数</a:t>
+            </a:r>
+            <a:endParaRPr lang="zh-CN" altLang="en-US" dirty="0"/>
+          </a:p>
+        </p:txBody>
+      </p:sp>
     </p:spTree>
     <p:extLst>
       <p:ext uri="{BB962C8B-B14F-4D97-AF65-F5344CB8AC3E}">
-        <p14:creationId xmlns:p14="http://schemas.microsoft.com/office/powerpoint/2010/main" val="2142607455"/>
+        <p14:creationId xmlns:p14="http://schemas.microsoft.com/office/powerpoint/2010/main" val="2408381565"/>
       </p:ext>
     </p:extLst>
   </p:cSld>
@@ -10053,7 +11856,7 @@
                 </a:solidFill>
                 <a:latin typeface="Source Sans Pro"/>
               </a:rPr>
-              <a:t>过滤器</a:t>
+              <a:t>计算属性的缓存</a:t>
             </a:r>
             <a:endParaRPr lang="zh-CN" altLang="en-US" dirty="0"/>
           </a:p>
@@ -10067,15 +11870,15 @@
         </p:nvSpPr>
         <p:spPr>
           <a:xfrm>
-            <a:off x="250209" y="622785"/>
-            <a:ext cx="6096000" cy="369332"/>
-          </a:xfrm>
-          <a:prstGeom prst="rect">
-            <a:avLst/>
-          </a:prstGeom>
-        </p:spPr>
-        <p:txBody>
-          <a:bodyPr>
+            <a:off x="250208" y="771613"/>
+            <a:ext cx="11749533" cy="369332"/>
+          </a:xfrm>
+          <a:prstGeom prst="rect">
+            <a:avLst/>
+          </a:prstGeom>
+        </p:spPr>
+        <p:txBody>
+          <a:bodyPr wrap="square">
             <a:spAutoFit/>
           </a:bodyPr>
           <a:lstStyle/>
@@ -10087,43 +11890,185 @@
                 </a:solidFill>
                 <a:latin typeface="Source Sans Pro"/>
               </a:rPr>
-              <a:t>过滤器可以用在</a:t>
-            </a:r>
-            <a:r>
-              <a:rPr lang="en-US" altLang="zh-CN" dirty="0" smtClean="0">
-                <a:solidFill>
-                  <a:srgbClr val="34495E"/>
-                </a:solidFill>
-                <a:latin typeface="Source Sans Pro"/>
-              </a:rPr>
-              <a:t>Mustache</a:t>
-            </a:r>
-            <a:r>
-              <a:rPr lang="zh-CN" altLang="en-US" dirty="0" smtClean="0">
-                <a:solidFill>
-                  <a:srgbClr val="34495E"/>
-                </a:solidFill>
-                <a:latin typeface="Source Sans Pro"/>
-              </a:rPr>
-              <a:t>表达式和</a:t>
-            </a:r>
-            <a:r>
-              <a:rPr lang="en-US" altLang="zh-CN" dirty="0" smtClean="0">
-                <a:solidFill>
-                  <a:srgbClr val="34495E"/>
-                </a:solidFill>
-                <a:latin typeface="Source Sans Pro"/>
-              </a:rPr>
-              <a:t>v-bind</a:t>
-            </a:r>
-            <a:r>
-              <a:rPr lang="zh-CN" altLang="en-US" dirty="0" smtClean="0">
-                <a:solidFill>
-                  <a:srgbClr val="34495E"/>
-                </a:solidFill>
-                <a:latin typeface="Source Sans Pro"/>
-              </a:rPr>
-              <a:t>表达式中。</a:t>
+              <a:t>当</a:t>
+            </a:r>
+            <a:r>
+              <a:rPr lang="zh-CN" altLang="en-US" dirty="0">
+                <a:solidFill>
+                  <a:srgbClr val="34495E"/>
+                </a:solidFill>
+                <a:latin typeface="Source Sans Pro"/>
+              </a:rPr>
+              <a:t>计算属性</a:t>
+            </a:r>
+            <a:r>
+              <a:rPr lang="zh-CN" altLang="en-US" dirty="0" smtClean="0">
+                <a:solidFill>
+                  <a:srgbClr val="34495E"/>
+                </a:solidFill>
+                <a:latin typeface="Source Sans Pro"/>
+              </a:rPr>
+              <a:t>依赖的属性值发生变化时，这个属性的值也自动会跟着变化，其实就是会执行</a:t>
+            </a:r>
+            <a:r>
+              <a:rPr lang="en-US" altLang="zh-CN" dirty="0" smtClean="0">
+                <a:solidFill>
+                  <a:srgbClr val="34495E"/>
+                </a:solidFill>
+                <a:latin typeface="Source Sans Pro"/>
+              </a:rPr>
+              <a:t>get</a:t>
+            </a:r>
+            <a:r>
+              <a:rPr lang="zh-CN" altLang="en-US" dirty="0" smtClean="0">
+                <a:solidFill>
+                  <a:srgbClr val="34495E"/>
+                </a:solidFill>
+                <a:latin typeface="Source Sans Pro"/>
+              </a:rPr>
+              <a:t>对应的函数。</a:t>
+            </a:r>
+            <a:endParaRPr lang="zh-CN" altLang="en-US" dirty="0"/>
+          </a:p>
+        </p:txBody>
+      </p:sp>
+      <p:sp>
+        <p:nvSpPr>
+          <p:cNvPr id="7" name="矩形 6"/>
+          <p:cNvSpPr/>
+          <p:nvPr/>
+        </p:nvSpPr>
+        <p:spPr>
+          <a:xfrm>
+            <a:off x="250207" y="1140945"/>
+            <a:ext cx="11941793" cy="646331"/>
+          </a:xfrm>
+          <a:prstGeom prst="rect">
+            <a:avLst/>
+          </a:prstGeom>
+        </p:spPr>
+        <p:txBody>
+          <a:bodyPr wrap="square">
+            <a:spAutoFit/>
+          </a:bodyPr>
+          <a:lstStyle/>
+          <a:p>
+            <a:r>
+              <a:rPr lang="zh-CN" altLang="en-US" dirty="0" smtClean="0">
+                <a:solidFill>
+                  <a:srgbClr val="34495E"/>
+                </a:solidFill>
+                <a:latin typeface="Source Sans Pro"/>
+              </a:rPr>
+              <a:t>这样存在的问题：只有当</a:t>
+            </a:r>
+            <a:r>
+              <a:rPr lang="en-US" altLang="zh-CN" dirty="0" err="1" smtClean="0">
+                <a:solidFill>
+                  <a:srgbClr val="34495E"/>
+                </a:solidFill>
+                <a:latin typeface="Source Sans Pro"/>
+              </a:rPr>
+              <a:t>Vue</a:t>
+            </a:r>
+            <a:r>
+              <a:rPr lang="zh-CN" altLang="en-US" dirty="0" smtClean="0">
+                <a:solidFill>
+                  <a:srgbClr val="34495E"/>
+                </a:solidFill>
+                <a:latin typeface="Source Sans Pro"/>
+              </a:rPr>
+              <a:t>实例中</a:t>
+            </a:r>
+            <a:r>
+              <a:rPr lang="zh-CN" altLang="en-US" b="1" dirty="0" smtClean="0">
+                <a:solidFill>
+                  <a:srgbClr val="FF0000"/>
+                </a:solidFill>
+                <a:latin typeface="Source Sans Pro"/>
+              </a:rPr>
+              <a:t>被观察的数据</a:t>
+            </a:r>
+            <a:r>
+              <a:rPr lang="zh-CN" altLang="en-US" dirty="0" smtClean="0">
+                <a:solidFill>
+                  <a:srgbClr val="34495E"/>
+                </a:solidFill>
+                <a:latin typeface="Source Sans Pro"/>
+              </a:rPr>
+              <a:t>发生变化时才会执行</a:t>
+            </a:r>
+            <a:r>
+              <a:rPr lang="en-US" altLang="zh-CN" dirty="0" smtClean="0">
+                <a:solidFill>
+                  <a:srgbClr val="34495E"/>
+                </a:solidFill>
+                <a:latin typeface="Source Sans Pro"/>
+              </a:rPr>
+              <a:t>get</a:t>
+            </a:r>
+            <a:r>
+              <a:rPr lang="zh-CN" altLang="en-US" dirty="0" smtClean="0">
+                <a:solidFill>
+                  <a:srgbClr val="34495E"/>
+                </a:solidFill>
+                <a:latin typeface="Source Sans Pro"/>
+              </a:rPr>
+              <a:t>函数，而当计算属性依赖</a:t>
+            </a:r>
+            <a:r>
+              <a:rPr lang="zh-CN" altLang="en-US" b="1" dirty="0" smtClean="0">
+                <a:solidFill>
+                  <a:srgbClr val="FF0000"/>
+                </a:solidFill>
+                <a:latin typeface="Source Sans Pro"/>
+              </a:rPr>
+              <a:t>实时的非观察数据</a:t>
+            </a:r>
+            <a:r>
+              <a:rPr lang="zh-CN" altLang="en-US" dirty="0" smtClean="0">
+                <a:solidFill>
+                  <a:srgbClr val="34495E"/>
+                </a:solidFill>
+                <a:latin typeface="Source Sans Pro"/>
+              </a:rPr>
+              <a:t>属性时，在访问该计算属性时其值并没有实时变化，是因为</a:t>
+            </a:r>
+            <a:r>
+              <a:rPr lang="en-US" altLang="zh-CN" dirty="0" err="1" smtClean="0">
+                <a:solidFill>
+                  <a:srgbClr val="34495E"/>
+                </a:solidFill>
+                <a:latin typeface="Source Sans Pro"/>
+              </a:rPr>
+              <a:t>Vue</a:t>
+            </a:r>
+            <a:r>
+              <a:rPr lang="zh-CN" altLang="en-US" dirty="0" smtClean="0">
+                <a:solidFill>
+                  <a:srgbClr val="34495E"/>
+                </a:solidFill>
+                <a:latin typeface="Source Sans Pro"/>
+              </a:rPr>
+              <a:t>使用了缓存。可以</a:t>
+            </a:r>
+            <a:r>
+              <a:rPr lang="zh-CN" altLang="en-US" b="1" dirty="0" smtClean="0">
+                <a:solidFill>
+                  <a:srgbClr val="0000FF"/>
+                </a:solidFill>
+                <a:latin typeface="Source Sans Pro"/>
+              </a:rPr>
+              <a:t>将缓存关闭</a:t>
+            </a:r>
+            <a:r>
+              <a:rPr lang="zh-CN" altLang="en-US" dirty="0" smtClean="0">
+                <a:solidFill>
+                  <a:srgbClr val="34495E"/>
+                </a:solidFill>
+                <a:latin typeface="Source Sans Pro"/>
+              </a:rPr>
+              <a:t>。</a:t>
             </a:r>
             <a:endParaRPr lang="zh-CN" altLang="en-US" dirty="0"/>
           </a:p>
@@ -10131,7 +12076,7 @@
       </p:sp>
       <p:pic>
         <p:nvPicPr>
-          <p:cNvPr id="7" name="图片 6"/>
+          <p:cNvPr id="8" name="图片 7"/>
           <p:cNvPicPr>
             <a:picLocks noChangeAspect="1"/>
           </p:cNvPicPr>
@@ -10145,6 +12090,362 @@
         </p:blipFill>
         <p:spPr>
           <a:xfrm>
+            <a:off x="250206" y="1746332"/>
+            <a:ext cx="6096003" cy="1267704"/>
+          </a:xfrm>
+          <a:prstGeom prst="rect">
+            <a:avLst/>
+          </a:prstGeom>
+          <a:ln>
+            <a:solidFill>
+              <a:srgbClr val="FF0000"/>
+            </a:solidFill>
+          </a:ln>
+        </p:spPr>
+      </p:pic>
+      <p:pic>
+        <p:nvPicPr>
+          <p:cNvPr id="10" name="图片 9"/>
+          <p:cNvPicPr>
+            <a:picLocks noChangeAspect="1"/>
+          </p:cNvPicPr>
+          <p:nvPr/>
+        </p:nvPicPr>
+        <p:blipFill>
+          <a:blip r:embed="rId3"/>
+          <a:stretch>
+            <a:fillRect/>
+          </a:stretch>
+        </p:blipFill>
+        <p:spPr>
+          <a:xfrm>
+            <a:off x="250204" y="3054980"/>
+            <a:ext cx="5531617" cy="3765559"/>
+          </a:xfrm>
+          <a:prstGeom prst="rect">
+            <a:avLst/>
+          </a:prstGeom>
+          <a:ln>
+            <a:solidFill>
+              <a:srgbClr val="0000FF"/>
+            </a:solidFill>
+          </a:ln>
+        </p:spPr>
+      </p:pic>
+      <p:pic>
+        <p:nvPicPr>
+          <p:cNvPr id="11" name="图片 10"/>
+          <p:cNvPicPr>
+            <a:picLocks noChangeAspect="1"/>
+          </p:cNvPicPr>
+          <p:nvPr/>
+        </p:nvPicPr>
+        <p:blipFill>
+          <a:blip r:embed="rId4"/>
+          <a:stretch>
+            <a:fillRect/>
+          </a:stretch>
+        </p:blipFill>
+        <p:spPr>
+          <a:xfrm>
+            <a:off x="6147583" y="3054980"/>
+            <a:ext cx="5572215" cy="3765559"/>
+          </a:xfrm>
+          <a:prstGeom prst="rect">
+            <a:avLst/>
+          </a:prstGeom>
+          <a:ln>
+            <a:solidFill>
+              <a:srgbClr val="0000FF"/>
+            </a:solidFill>
+          </a:ln>
+        </p:spPr>
+      </p:pic>
+    </p:spTree>
+    <p:extLst>
+      <p:ext uri="{BB962C8B-B14F-4D97-AF65-F5344CB8AC3E}">
+        <p14:creationId xmlns:p14="http://schemas.microsoft.com/office/powerpoint/2010/main" val="2340528050"/>
+      </p:ext>
+    </p:extLst>
+  </p:cSld>
+  <p:clrMapOvr>
+    <a:masterClrMapping/>
+  </p:clrMapOvr>
+  <p:timing>
+    <p:tnLst>
+      <p:par>
+        <p:cTn id="1" dur="indefinite" restart="never" nodeType="tmRoot"/>
+      </p:par>
+    </p:tnLst>
+  </p:timing>
+</p:sld>
+</file>
+
+<file path=ppt/slides/slide22.xml><?xml version="1.0" encoding="utf-8"?>
+<p:sld xmlns:a="http://schemas.openxmlformats.org/drawingml/2006/main" xmlns:r="http://schemas.openxmlformats.org/officeDocument/2006/relationships" xmlns:p="http://schemas.openxmlformats.org/presentationml/2006/main">
+  <p:cSld>
+    <p:spTree>
+      <p:nvGrpSpPr>
+        <p:cNvPr id="1" name=""/>
+        <p:cNvGrpSpPr/>
+        <p:nvPr/>
+      </p:nvGrpSpPr>
+      <p:grpSpPr>
+        <a:xfrm>
+          <a:off x="0" y="0"/>
+          <a:ext cx="0" cy="0"/>
+          <a:chOff x="0" y="0"/>
+          <a:chExt cx="0" cy="0"/>
+        </a:xfrm>
+      </p:grpSpPr>
+      <p:sp>
+        <p:nvSpPr>
+          <p:cNvPr id="3" name="矩形 2"/>
+          <p:cNvSpPr/>
+          <p:nvPr/>
+        </p:nvSpPr>
+        <p:spPr>
+          <a:xfrm>
+            <a:off x="250209" y="253453"/>
+            <a:ext cx="6096000" cy="369332"/>
+          </a:xfrm>
+          <a:prstGeom prst="rect">
+            <a:avLst/>
+          </a:prstGeom>
+        </p:spPr>
+        <p:txBody>
+          <a:bodyPr>
+            <a:spAutoFit/>
+          </a:bodyPr>
+          <a:lstStyle/>
+          <a:p>
+            <a:r>
+              <a:rPr lang="zh-CN" altLang="en-US" dirty="0">
+                <a:solidFill>
+                  <a:srgbClr val="34495E"/>
+                </a:solidFill>
+                <a:latin typeface="Source Sans Pro"/>
+              </a:rPr>
+              <a:t>表单</a:t>
+            </a:r>
+            <a:r>
+              <a:rPr lang="zh-CN" altLang="en-US" dirty="0" smtClean="0">
+                <a:solidFill>
+                  <a:srgbClr val="34495E"/>
+                </a:solidFill>
+                <a:latin typeface="Source Sans Pro"/>
+              </a:rPr>
+              <a:t>控件绑定</a:t>
+            </a:r>
+            <a:endParaRPr lang="zh-CN" altLang="en-US" dirty="0"/>
+          </a:p>
+        </p:txBody>
+      </p:sp>
+      <p:pic>
+        <p:nvPicPr>
+          <p:cNvPr id="5" name="图片 4"/>
+          <p:cNvPicPr>
+            <a:picLocks noChangeAspect="1"/>
+          </p:cNvPicPr>
+          <p:nvPr/>
+        </p:nvPicPr>
+        <p:blipFill>
+          <a:blip r:embed="rId2"/>
+          <a:stretch>
+            <a:fillRect/>
+          </a:stretch>
+        </p:blipFill>
+        <p:spPr>
+          <a:xfrm>
+            <a:off x="250209" y="1045867"/>
+            <a:ext cx="7011575" cy="3567078"/>
+          </a:xfrm>
+          <a:prstGeom prst="rect">
+            <a:avLst/>
+          </a:prstGeom>
+        </p:spPr>
+      </p:pic>
+      <p:pic>
+        <p:nvPicPr>
+          <p:cNvPr id="6" name="图片 5"/>
+          <p:cNvPicPr>
+            <a:picLocks noChangeAspect="1"/>
+          </p:cNvPicPr>
+          <p:nvPr/>
+        </p:nvPicPr>
+        <p:blipFill>
+          <a:blip r:embed="rId3"/>
+          <a:stretch>
+            <a:fillRect/>
+          </a:stretch>
+        </p:blipFill>
+        <p:spPr>
+          <a:xfrm>
+            <a:off x="7411912" y="1045868"/>
+            <a:ext cx="4598120" cy="3573396"/>
+          </a:xfrm>
+          <a:prstGeom prst="rect">
+            <a:avLst/>
+          </a:prstGeom>
+        </p:spPr>
+      </p:pic>
+    </p:spTree>
+    <p:extLst>
+      <p:ext uri="{BB962C8B-B14F-4D97-AF65-F5344CB8AC3E}">
+        <p14:creationId xmlns:p14="http://schemas.microsoft.com/office/powerpoint/2010/main" val="2142607455"/>
+      </p:ext>
+    </p:extLst>
+  </p:cSld>
+  <p:clrMapOvr>
+    <a:masterClrMapping/>
+  </p:clrMapOvr>
+  <p:timing>
+    <p:tnLst>
+      <p:par>
+        <p:cTn id="1" dur="indefinite" restart="never" nodeType="tmRoot"/>
+      </p:par>
+    </p:tnLst>
+  </p:timing>
+</p:sld>
+</file>
+
+<file path=ppt/slides/slide23.xml><?xml version="1.0" encoding="utf-8"?>
+<p:sld xmlns:a="http://schemas.openxmlformats.org/drawingml/2006/main" xmlns:r="http://schemas.openxmlformats.org/officeDocument/2006/relationships" xmlns:p="http://schemas.openxmlformats.org/presentationml/2006/main">
+  <p:cSld>
+    <p:spTree>
+      <p:nvGrpSpPr>
+        <p:cNvPr id="1" name=""/>
+        <p:cNvGrpSpPr/>
+        <p:nvPr/>
+      </p:nvGrpSpPr>
+      <p:grpSpPr>
+        <a:xfrm>
+          <a:off x="0" y="0"/>
+          <a:ext cx="0" cy="0"/>
+          <a:chOff x="0" y="0"/>
+          <a:chExt cx="0" cy="0"/>
+        </a:xfrm>
+      </p:grpSpPr>
+      <p:sp>
+        <p:nvSpPr>
+          <p:cNvPr id="3" name="矩形 2"/>
+          <p:cNvSpPr/>
+          <p:nvPr/>
+        </p:nvSpPr>
+        <p:spPr>
+          <a:xfrm>
+            <a:off x="250209" y="253453"/>
+            <a:ext cx="6096000" cy="369332"/>
+          </a:xfrm>
+          <a:prstGeom prst="rect">
+            <a:avLst/>
+          </a:prstGeom>
+        </p:spPr>
+        <p:txBody>
+          <a:bodyPr>
+            <a:spAutoFit/>
+          </a:bodyPr>
+          <a:lstStyle/>
+          <a:p>
+            <a:r>
+              <a:rPr lang="zh-CN" altLang="en-US" dirty="0" smtClean="0">
+                <a:solidFill>
+                  <a:srgbClr val="34495E"/>
+                </a:solidFill>
+                <a:latin typeface="Source Sans Pro"/>
+              </a:rPr>
+              <a:t>过滤器</a:t>
+            </a:r>
+            <a:endParaRPr lang="zh-CN" altLang="en-US" dirty="0"/>
+          </a:p>
+        </p:txBody>
+      </p:sp>
+      <p:sp>
+        <p:nvSpPr>
+          <p:cNvPr id="4" name="矩形 3"/>
+          <p:cNvSpPr/>
+          <p:nvPr/>
+        </p:nvSpPr>
+        <p:spPr>
+          <a:xfrm>
+            <a:off x="250209" y="622785"/>
+            <a:ext cx="6096000" cy="369332"/>
+          </a:xfrm>
+          <a:prstGeom prst="rect">
+            <a:avLst/>
+          </a:prstGeom>
+        </p:spPr>
+        <p:txBody>
+          <a:bodyPr>
+            <a:spAutoFit/>
+          </a:bodyPr>
+          <a:lstStyle/>
+          <a:p>
+            <a:r>
+              <a:rPr lang="zh-CN" altLang="en-US" dirty="0" smtClean="0">
+                <a:solidFill>
+                  <a:srgbClr val="34495E"/>
+                </a:solidFill>
+                <a:latin typeface="Source Sans Pro"/>
+              </a:rPr>
+              <a:t>过滤器可以用在</a:t>
+            </a:r>
+            <a:r>
+              <a:rPr lang="en-US" altLang="zh-CN" dirty="0" smtClean="0">
+                <a:solidFill>
+                  <a:srgbClr val="34495E"/>
+                </a:solidFill>
+                <a:latin typeface="Source Sans Pro"/>
+              </a:rPr>
+              <a:t>Mustache</a:t>
+            </a:r>
+            <a:r>
+              <a:rPr lang="zh-CN" altLang="en-US" dirty="0" smtClean="0">
+                <a:solidFill>
+                  <a:srgbClr val="34495E"/>
+                </a:solidFill>
+                <a:latin typeface="Source Sans Pro"/>
+              </a:rPr>
+              <a:t>表达式和</a:t>
+            </a:r>
+            <a:r>
+              <a:rPr lang="en-US" altLang="zh-CN" dirty="0" smtClean="0">
+                <a:solidFill>
+                  <a:srgbClr val="34495E"/>
+                </a:solidFill>
+                <a:latin typeface="Source Sans Pro"/>
+              </a:rPr>
+              <a:t>v-bind</a:t>
+            </a:r>
+            <a:r>
+              <a:rPr lang="zh-CN" altLang="en-US" dirty="0" smtClean="0">
+                <a:solidFill>
+                  <a:srgbClr val="34495E"/>
+                </a:solidFill>
+                <a:latin typeface="Source Sans Pro"/>
+              </a:rPr>
+              <a:t>表达式中。</a:t>
+            </a:r>
+            <a:endParaRPr lang="zh-CN" altLang="en-US" dirty="0"/>
+          </a:p>
+        </p:txBody>
+      </p:sp>
+      <p:pic>
+        <p:nvPicPr>
+          <p:cNvPr id="7" name="图片 6"/>
+          <p:cNvPicPr>
+            <a:picLocks noChangeAspect="1"/>
+          </p:cNvPicPr>
+          <p:nvPr/>
+        </p:nvPicPr>
+        <p:blipFill>
+          <a:blip r:embed="rId2"/>
+          <a:stretch>
+            <a:fillRect/>
+          </a:stretch>
+        </p:blipFill>
+        <p:spPr>
+          <a:xfrm>
             <a:off x="250209" y="1198829"/>
             <a:ext cx="7301709" cy="1036371"/>
           </a:xfrm>
@@ -10181,6 +12482,579 @@
     <p:extLst>
       <p:ext uri="{BB962C8B-B14F-4D97-AF65-F5344CB8AC3E}">
         <p14:creationId xmlns:p14="http://schemas.microsoft.com/office/powerpoint/2010/main" val="2190778081"/>
+      </p:ext>
+    </p:extLst>
+  </p:cSld>
+  <p:clrMapOvr>
+    <a:masterClrMapping/>
+  </p:clrMapOvr>
+</p:sld>
+</file>
+
+<file path=ppt/slides/slide24.xml><?xml version="1.0" encoding="utf-8"?>
+<p:sld xmlns:a="http://schemas.openxmlformats.org/drawingml/2006/main" xmlns:r="http://schemas.openxmlformats.org/officeDocument/2006/relationships" xmlns:p="http://schemas.openxmlformats.org/presentationml/2006/main">
+  <p:cSld>
+    <p:spTree>
+      <p:nvGrpSpPr>
+        <p:cNvPr id="1" name=""/>
+        <p:cNvGrpSpPr/>
+        <p:nvPr/>
+      </p:nvGrpSpPr>
+      <p:grpSpPr>
+        <a:xfrm>
+          <a:off x="0" y="0"/>
+          <a:ext cx="0" cy="0"/>
+          <a:chOff x="0" y="0"/>
+          <a:chExt cx="0" cy="0"/>
+        </a:xfrm>
+      </p:grpSpPr>
+      <p:sp>
+        <p:nvSpPr>
+          <p:cNvPr id="3" name="矩形 2"/>
+          <p:cNvSpPr/>
+          <p:nvPr/>
+        </p:nvSpPr>
+        <p:spPr>
+          <a:xfrm>
+            <a:off x="250209" y="253453"/>
+            <a:ext cx="6096000" cy="369332"/>
+          </a:xfrm>
+          <a:prstGeom prst="rect">
+            <a:avLst/>
+          </a:prstGeom>
+        </p:spPr>
+        <p:txBody>
+          <a:bodyPr>
+            <a:spAutoFit/>
+          </a:bodyPr>
+          <a:lstStyle/>
+          <a:p>
+            <a:r>
+              <a:rPr lang="en-US" altLang="zh-CN" dirty="0" err="1" smtClean="0">
+                <a:solidFill>
+                  <a:srgbClr val="34495E"/>
+                </a:solidFill>
+                <a:latin typeface="Source Sans Pro"/>
+              </a:rPr>
+              <a:t>Vue</a:t>
+            </a:r>
+            <a:r>
+              <a:rPr lang="zh-CN" altLang="en-US" dirty="0" smtClean="0">
+                <a:solidFill>
+                  <a:srgbClr val="34495E"/>
+                </a:solidFill>
+                <a:latin typeface="Source Sans Pro"/>
+              </a:rPr>
+              <a:t>实例</a:t>
+            </a:r>
+            <a:endParaRPr lang="zh-CN" altLang="en-US" dirty="0"/>
+          </a:p>
+        </p:txBody>
+      </p:sp>
+      <p:sp>
+        <p:nvSpPr>
+          <p:cNvPr id="4" name="矩形 3"/>
+          <p:cNvSpPr/>
+          <p:nvPr/>
+        </p:nvSpPr>
+        <p:spPr>
+          <a:xfrm>
+            <a:off x="250209" y="622785"/>
+            <a:ext cx="6096000" cy="369332"/>
+          </a:xfrm>
+          <a:prstGeom prst="rect">
+            <a:avLst/>
+          </a:prstGeom>
+        </p:spPr>
+        <p:txBody>
+          <a:bodyPr>
+            <a:spAutoFit/>
+          </a:bodyPr>
+          <a:lstStyle/>
+          <a:p>
+            <a:r>
+              <a:rPr lang="en-US" altLang="zh-CN" dirty="0" err="1" smtClean="0">
+                <a:solidFill>
+                  <a:srgbClr val="34495E"/>
+                </a:solidFill>
+                <a:latin typeface="Source Sans Pro"/>
+              </a:rPr>
+              <a:t>Vue</a:t>
+            </a:r>
+            <a:r>
+              <a:rPr lang="zh-CN" altLang="en-US" dirty="0" smtClean="0">
+                <a:solidFill>
+                  <a:srgbClr val="34495E"/>
+                </a:solidFill>
+                <a:latin typeface="Source Sans Pro"/>
+              </a:rPr>
+              <a:t>实例属性</a:t>
+            </a:r>
+            <a:endParaRPr lang="zh-CN" altLang="en-US" dirty="0"/>
+          </a:p>
+        </p:txBody>
+      </p:sp>
+      <p:sp>
+        <p:nvSpPr>
+          <p:cNvPr id="6" name="矩形 5"/>
+          <p:cNvSpPr/>
+          <p:nvPr/>
+        </p:nvSpPr>
+        <p:spPr>
+          <a:xfrm>
+            <a:off x="250209" y="992117"/>
+            <a:ext cx="6096000" cy="369332"/>
+          </a:xfrm>
+          <a:prstGeom prst="rect">
+            <a:avLst/>
+          </a:prstGeom>
+        </p:spPr>
+        <p:txBody>
+          <a:bodyPr>
+            <a:spAutoFit/>
+          </a:bodyPr>
+          <a:lstStyle/>
+          <a:p>
+            <a:r>
+              <a:rPr lang="zh-CN" altLang="en-US" dirty="0" smtClean="0">
+                <a:solidFill>
+                  <a:srgbClr val="34495E"/>
+                </a:solidFill>
+                <a:latin typeface="Source Sans Pro"/>
+              </a:rPr>
+              <a:t>组件树访问属性</a:t>
+            </a:r>
+            <a:endParaRPr lang="zh-CN" altLang="en-US" dirty="0"/>
+          </a:p>
+        </p:txBody>
+      </p:sp>
+      <p:sp>
+        <p:nvSpPr>
+          <p:cNvPr id="8" name="矩形 7"/>
+          <p:cNvSpPr/>
+          <p:nvPr/>
+        </p:nvSpPr>
+        <p:spPr>
+          <a:xfrm>
+            <a:off x="250209" y="1361449"/>
+            <a:ext cx="6096000" cy="369332"/>
+          </a:xfrm>
+          <a:prstGeom prst="rect">
+            <a:avLst/>
+          </a:prstGeom>
+        </p:spPr>
+        <p:txBody>
+          <a:bodyPr>
+            <a:spAutoFit/>
+          </a:bodyPr>
+          <a:lstStyle/>
+          <a:p>
+            <a:r>
+              <a:rPr lang="en-US" altLang="zh-CN" dirty="0" smtClean="0">
+                <a:solidFill>
+                  <a:srgbClr val="34495E"/>
+                </a:solidFill>
+                <a:latin typeface="Source Sans Pro"/>
+              </a:rPr>
+              <a:t>$parent:</a:t>
+            </a:r>
+            <a:r>
+              <a:rPr lang="zh-CN" altLang="en-US" dirty="0" smtClean="0">
+                <a:solidFill>
+                  <a:srgbClr val="34495E"/>
+                </a:solidFill>
+                <a:latin typeface="Source Sans Pro"/>
+              </a:rPr>
+              <a:t>用于访问当前组件实例的父实例</a:t>
+            </a:r>
+            <a:endParaRPr lang="zh-CN" altLang="en-US" dirty="0"/>
+          </a:p>
+        </p:txBody>
+      </p:sp>
+      <p:sp>
+        <p:nvSpPr>
+          <p:cNvPr id="10" name="矩形 9"/>
+          <p:cNvSpPr/>
+          <p:nvPr/>
+        </p:nvSpPr>
+        <p:spPr>
+          <a:xfrm>
+            <a:off x="250209" y="1730781"/>
+            <a:ext cx="10422340" cy="369332"/>
+          </a:xfrm>
+          <a:prstGeom prst="rect">
+            <a:avLst/>
+          </a:prstGeom>
+        </p:spPr>
+        <p:txBody>
+          <a:bodyPr wrap="square">
+            <a:spAutoFit/>
+          </a:bodyPr>
+          <a:lstStyle/>
+          <a:p>
+            <a:r>
+              <a:rPr lang="en-US" altLang="zh-CN" dirty="0" smtClean="0">
+                <a:solidFill>
+                  <a:srgbClr val="34495E"/>
+                </a:solidFill>
+                <a:latin typeface="Source Sans Pro"/>
+              </a:rPr>
+              <a:t>$root:</a:t>
+            </a:r>
+            <a:r>
+              <a:rPr lang="zh-CN" altLang="en-US" dirty="0" smtClean="0">
+                <a:solidFill>
+                  <a:srgbClr val="34495E"/>
+                </a:solidFill>
+                <a:latin typeface="Source Sans Pro"/>
+              </a:rPr>
+              <a:t>用于访问当前组件树的根实例，如果当前组件没有父实例，</a:t>
+            </a:r>
+            <a:r>
+              <a:rPr lang="en-US" altLang="zh-CN" dirty="0" smtClean="0">
+                <a:solidFill>
+                  <a:srgbClr val="34495E"/>
+                </a:solidFill>
+                <a:latin typeface="Source Sans Pro"/>
+              </a:rPr>
+              <a:t>$root</a:t>
+            </a:r>
+            <a:r>
+              <a:rPr lang="zh-CN" altLang="en-US" dirty="0" smtClean="0">
+                <a:solidFill>
+                  <a:srgbClr val="34495E"/>
+                </a:solidFill>
+                <a:latin typeface="Source Sans Pro"/>
+              </a:rPr>
+              <a:t>表示当前组件实例本身</a:t>
+            </a:r>
+            <a:endParaRPr lang="zh-CN" altLang="en-US" dirty="0"/>
+          </a:p>
+        </p:txBody>
+      </p:sp>
+      <p:sp>
+        <p:nvSpPr>
+          <p:cNvPr id="11" name="矩形 10"/>
+          <p:cNvSpPr/>
+          <p:nvPr/>
+        </p:nvSpPr>
+        <p:spPr>
+          <a:xfrm>
+            <a:off x="250209" y="2100113"/>
+            <a:ext cx="6096000" cy="369332"/>
+          </a:xfrm>
+          <a:prstGeom prst="rect">
+            <a:avLst/>
+          </a:prstGeom>
+        </p:spPr>
+        <p:txBody>
+          <a:bodyPr>
+            <a:spAutoFit/>
+          </a:bodyPr>
+          <a:lstStyle/>
+          <a:p>
+            <a:r>
+              <a:rPr lang="en-US" altLang="zh-CN" dirty="0" smtClean="0">
+                <a:solidFill>
+                  <a:srgbClr val="34495E"/>
+                </a:solidFill>
+                <a:latin typeface="Source Sans Pro"/>
+              </a:rPr>
+              <a:t>$children:</a:t>
+            </a:r>
+            <a:r>
+              <a:rPr lang="zh-CN" altLang="en-US" dirty="0" smtClean="0">
+                <a:solidFill>
+                  <a:srgbClr val="34495E"/>
+                </a:solidFill>
+                <a:latin typeface="Source Sans Pro"/>
+              </a:rPr>
+              <a:t>用于访问当前组件实例的直接子组件实例</a:t>
+            </a:r>
+            <a:endParaRPr lang="zh-CN" altLang="en-US" dirty="0"/>
+          </a:p>
+        </p:txBody>
+      </p:sp>
+      <p:sp>
+        <p:nvSpPr>
+          <p:cNvPr id="12" name="矩形 11"/>
+          <p:cNvSpPr/>
+          <p:nvPr/>
+        </p:nvSpPr>
+        <p:spPr>
+          <a:xfrm>
+            <a:off x="250209" y="2469445"/>
+            <a:ext cx="6096000" cy="369332"/>
+          </a:xfrm>
+          <a:prstGeom prst="rect">
+            <a:avLst/>
+          </a:prstGeom>
+        </p:spPr>
+        <p:txBody>
+          <a:bodyPr>
+            <a:spAutoFit/>
+          </a:bodyPr>
+          <a:lstStyle/>
+          <a:p>
+            <a:r>
+              <a:rPr lang="en-US" altLang="zh-CN" dirty="0" smtClean="0">
+                <a:solidFill>
+                  <a:srgbClr val="34495E"/>
+                </a:solidFill>
+                <a:latin typeface="Source Sans Pro"/>
+              </a:rPr>
+              <a:t>$refs:</a:t>
+            </a:r>
+            <a:endParaRPr lang="zh-CN" altLang="en-US" dirty="0"/>
+          </a:p>
+        </p:txBody>
+      </p:sp>
+      <p:sp>
+        <p:nvSpPr>
+          <p:cNvPr id="13" name="矩形 12"/>
+          <p:cNvSpPr/>
+          <p:nvPr/>
+        </p:nvSpPr>
+        <p:spPr>
+          <a:xfrm>
+            <a:off x="250209" y="3023443"/>
+            <a:ext cx="6096000" cy="369332"/>
+          </a:xfrm>
+          <a:prstGeom prst="rect">
+            <a:avLst/>
+          </a:prstGeom>
+        </p:spPr>
+        <p:txBody>
+          <a:bodyPr>
+            <a:spAutoFit/>
+          </a:bodyPr>
+          <a:lstStyle/>
+          <a:p>
+            <a:r>
+              <a:rPr lang="en-US" altLang="zh-CN" dirty="0" smtClean="0">
+                <a:solidFill>
+                  <a:srgbClr val="34495E"/>
+                </a:solidFill>
+                <a:latin typeface="Source Sans Pro"/>
+              </a:rPr>
+              <a:t>DOM</a:t>
+            </a:r>
+            <a:r>
+              <a:rPr lang="zh-CN" altLang="en-US" dirty="0" smtClean="0">
+                <a:solidFill>
+                  <a:srgbClr val="34495E"/>
+                </a:solidFill>
+                <a:latin typeface="Source Sans Pro"/>
+              </a:rPr>
+              <a:t>访问属性</a:t>
+            </a:r>
+            <a:endParaRPr lang="zh-CN" altLang="en-US" dirty="0"/>
+          </a:p>
+        </p:txBody>
+      </p:sp>
+      <p:sp>
+        <p:nvSpPr>
+          <p:cNvPr id="14" name="矩形 13"/>
+          <p:cNvSpPr/>
+          <p:nvPr/>
+        </p:nvSpPr>
+        <p:spPr>
+          <a:xfrm>
+            <a:off x="250209" y="3424831"/>
+            <a:ext cx="6096000" cy="369332"/>
+          </a:xfrm>
+          <a:prstGeom prst="rect">
+            <a:avLst/>
+          </a:prstGeom>
+        </p:spPr>
+        <p:txBody>
+          <a:bodyPr>
+            <a:spAutoFit/>
+          </a:bodyPr>
+          <a:lstStyle/>
+          <a:p>
+            <a:r>
+              <a:rPr lang="en-US" altLang="zh-CN" dirty="0" smtClean="0">
+                <a:solidFill>
+                  <a:srgbClr val="34495E"/>
+                </a:solidFill>
+                <a:latin typeface="Source Sans Pro"/>
+              </a:rPr>
+              <a:t>$el:</a:t>
+            </a:r>
+            <a:r>
+              <a:rPr lang="zh-CN" altLang="en-US" dirty="0" smtClean="0">
+                <a:solidFill>
+                  <a:srgbClr val="34495E"/>
+                </a:solidFill>
+                <a:latin typeface="Source Sans Pro"/>
+              </a:rPr>
+              <a:t>用于访问挂在当前组件实例的</a:t>
+            </a:r>
+            <a:r>
+              <a:rPr lang="en-US" altLang="zh-CN" dirty="0" smtClean="0">
+                <a:solidFill>
+                  <a:srgbClr val="34495E"/>
+                </a:solidFill>
+                <a:latin typeface="Source Sans Pro"/>
+              </a:rPr>
+              <a:t>DOM</a:t>
+            </a:r>
+            <a:r>
+              <a:rPr lang="zh-CN" altLang="en-US" dirty="0" smtClean="0">
+                <a:solidFill>
+                  <a:srgbClr val="34495E"/>
+                </a:solidFill>
+                <a:latin typeface="Source Sans Pro"/>
+              </a:rPr>
+              <a:t>元素</a:t>
+            </a:r>
+            <a:endParaRPr lang="zh-CN" altLang="en-US" dirty="0"/>
+          </a:p>
+        </p:txBody>
+      </p:sp>
+      <p:sp>
+        <p:nvSpPr>
+          <p:cNvPr id="16" name="矩形 15"/>
+          <p:cNvSpPr/>
+          <p:nvPr/>
+        </p:nvSpPr>
+        <p:spPr>
+          <a:xfrm>
+            <a:off x="245660" y="4334390"/>
+            <a:ext cx="6096000" cy="369332"/>
+          </a:xfrm>
+          <a:prstGeom prst="rect">
+            <a:avLst/>
+          </a:prstGeom>
+        </p:spPr>
+        <p:txBody>
+          <a:bodyPr>
+            <a:spAutoFit/>
+          </a:bodyPr>
+          <a:lstStyle/>
+          <a:p>
+            <a:r>
+              <a:rPr lang="zh-CN" altLang="en-US" dirty="0" smtClean="0">
+                <a:solidFill>
+                  <a:srgbClr val="34495E"/>
+                </a:solidFill>
+                <a:latin typeface="Source Sans Pro"/>
+              </a:rPr>
+              <a:t>数据访问属性</a:t>
+            </a:r>
+            <a:endParaRPr lang="zh-CN" altLang="en-US" dirty="0"/>
+          </a:p>
+        </p:txBody>
+      </p:sp>
+      <p:sp>
+        <p:nvSpPr>
+          <p:cNvPr id="17" name="矩形 16"/>
+          <p:cNvSpPr/>
+          <p:nvPr/>
+        </p:nvSpPr>
+        <p:spPr>
+          <a:xfrm>
+            <a:off x="245660" y="4703722"/>
+            <a:ext cx="11778018" cy="369332"/>
+          </a:xfrm>
+          <a:prstGeom prst="rect">
+            <a:avLst/>
+          </a:prstGeom>
+        </p:spPr>
+        <p:txBody>
+          <a:bodyPr wrap="square">
+            <a:spAutoFit/>
+          </a:bodyPr>
+          <a:lstStyle/>
+          <a:p>
+            <a:r>
+              <a:rPr lang="en-US" altLang="zh-CN" dirty="0" smtClean="0">
+                <a:solidFill>
+                  <a:srgbClr val="34495E"/>
+                </a:solidFill>
+                <a:latin typeface="Source Sans Pro"/>
+              </a:rPr>
+              <a:t>$data:</a:t>
+            </a:r>
+            <a:r>
+              <a:rPr lang="zh-CN" altLang="en-US" dirty="0" smtClean="0">
+                <a:solidFill>
+                  <a:srgbClr val="34495E"/>
+                </a:solidFill>
+                <a:latin typeface="Source Sans Pro"/>
+              </a:rPr>
+              <a:t>用于访问组件实例观察的数据对象，该对象引用组件实例化时选项中的</a:t>
+            </a:r>
+            <a:r>
+              <a:rPr lang="en-US" altLang="zh-CN" dirty="0" smtClean="0">
+                <a:solidFill>
+                  <a:srgbClr val="34495E"/>
+                </a:solidFill>
+                <a:latin typeface="Source Sans Pro"/>
+              </a:rPr>
+              <a:t>data</a:t>
+            </a:r>
+            <a:r>
+              <a:rPr lang="zh-CN" altLang="en-US" dirty="0" smtClean="0">
+                <a:solidFill>
+                  <a:srgbClr val="34495E"/>
+                </a:solidFill>
+                <a:latin typeface="Source Sans Pro"/>
+              </a:rPr>
+              <a:t>属性</a:t>
+            </a:r>
+            <a:endParaRPr lang="zh-CN" altLang="en-US" dirty="0"/>
+          </a:p>
+        </p:txBody>
+      </p:sp>
+      <p:sp>
+        <p:nvSpPr>
+          <p:cNvPr id="18" name="矩形 17"/>
+          <p:cNvSpPr/>
+          <p:nvPr/>
+        </p:nvSpPr>
+        <p:spPr>
+          <a:xfrm>
+            <a:off x="245660" y="5030383"/>
+            <a:ext cx="6096000" cy="369332"/>
+          </a:xfrm>
+          <a:prstGeom prst="rect">
+            <a:avLst/>
+          </a:prstGeom>
+        </p:spPr>
+        <p:txBody>
+          <a:bodyPr>
+            <a:spAutoFit/>
+          </a:bodyPr>
+          <a:lstStyle/>
+          <a:p>
+            <a:r>
+              <a:rPr lang="en-US" altLang="zh-CN" dirty="0" smtClean="0">
+                <a:solidFill>
+                  <a:srgbClr val="34495E"/>
+                </a:solidFill>
+                <a:latin typeface="Source Sans Pro"/>
+              </a:rPr>
+              <a:t>$options:</a:t>
+            </a:r>
+            <a:r>
+              <a:rPr lang="zh-CN" altLang="en-US" dirty="0" smtClean="0">
+                <a:solidFill>
+                  <a:srgbClr val="34495E"/>
+                </a:solidFill>
+                <a:latin typeface="Source Sans Pro"/>
+              </a:rPr>
+              <a:t>用于访问组件实例化时的初始化选项对象</a:t>
+            </a:r>
+            <a:endParaRPr lang="zh-CN" altLang="en-US" dirty="0"/>
+          </a:p>
+        </p:txBody>
+      </p:sp>
+    </p:spTree>
+    <p:extLst>
+      <p:ext uri="{BB962C8B-B14F-4D97-AF65-F5344CB8AC3E}">
+        <p14:creationId xmlns:p14="http://schemas.microsoft.com/office/powerpoint/2010/main" val="3919732417"/>
       </p:ext>
     </p:extLst>
   </p:cSld>
@@ -12500,15 +15374,15 @@
         </p:nvSpPr>
         <p:spPr>
           <a:xfrm>
-            <a:off x="4667534" y="3707158"/>
-            <a:ext cx="7398179" cy="1200329"/>
-          </a:xfrm>
-          <a:prstGeom prst="rect">
-            <a:avLst/>
-          </a:prstGeom>
-        </p:spPr>
-        <p:txBody>
-          <a:bodyPr wrap="none">
+            <a:off x="4700162" y="3388612"/>
+            <a:ext cx="7430807" cy="1477328"/>
+          </a:xfrm>
+          <a:prstGeom prst="rect">
+            <a:avLst/>
+          </a:prstGeom>
+        </p:spPr>
+        <p:txBody>
+          <a:bodyPr wrap="square">
             <a:spAutoFit/>
           </a:bodyPr>
           <a:lstStyle/>
@@ -12520,10 +15394,16 @@
               <a:t>MVC</a:t>
             </a:r>
             <a:r>
-              <a:rPr lang="zh-CN" altLang="en-US" dirty="0" smtClean="0">
-                <a:latin typeface="+mn-ea"/>
-              </a:rPr>
-              <a:t>缺点</a:t>
+              <a:rPr lang="zh-CN" altLang="en-US" dirty="0">
+                <a:latin typeface="+mn-ea"/>
+              </a:rPr>
+              <a:t>实现</a:t>
+            </a:r>
+            <a:r>
+              <a:rPr lang="zh-CN" altLang="en-US" dirty="0" smtClean="0">
+                <a:latin typeface="+mn-ea"/>
+              </a:rPr>
+              <a:t>过程：</a:t>
             </a:r>
             <a:endParaRPr lang="en-US" altLang="zh-CN" dirty="0" smtClean="0">
               <a:latin typeface="+mn-ea"/>
@@ -12535,46 +15415,28 @@
               <a:buChar char="•"/>
             </a:pPr>
             <a:r>
-              <a:rPr lang="zh-CN" altLang="en-US" dirty="0">
-                <a:latin typeface="+mn-ea"/>
-              </a:rPr>
-              <a:t>每次</a:t>
-            </a:r>
-            <a:r>
-              <a:rPr lang="zh-CN" altLang="en-US" dirty="0" smtClean="0">
-                <a:latin typeface="+mn-ea"/>
-              </a:rPr>
-              <a:t>请求都必须经过“控制器</a:t>
-            </a:r>
-            <a:r>
-              <a:rPr lang="en-US" altLang="zh-CN" dirty="0" smtClean="0">
-                <a:latin typeface="+mn-ea"/>
-              </a:rPr>
-              <a:t>-</a:t>
-            </a:r>
-            <a:r>
-              <a:rPr lang="zh-CN" altLang="en-US" dirty="0" smtClean="0">
-                <a:latin typeface="+mn-ea"/>
-              </a:rPr>
-              <a:t>模型</a:t>
-            </a:r>
-            <a:r>
-              <a:rPr lang="en-US" altLang="zh-CN" dirty="0" smtClean="0">
-                <a:latin typeface="+mn-ea"/>
-              </a:rPr>
-              <a:t>-</a:t>
-            </a:r>
-            <a:r>
-              <a:rPr lang="zh-CN" altLang="en-US" dirty="0">
-                <a:latin typeface="+mn-ea"/>
-              </a:rPr>
-              <a:t>视图</a:t>
-            </a:r>
-            <a:r>
-              <a:rPr lang="zh-CN" altLang="en-US" dirty="0" smtClean="0">
-                <a:latin typeface="+mn-ea"/>
-              </a:rPr>
-              <a:t>”，对于小型应用过于冗长</a:t>
+              <a:rPr lang="en-US" altLang="zh-CN" dirty="0" smtClean="0">
+                <a:latin typeface="+mn-ea"/>
+              </a:rPr>
+              <a:t>View</a:t>
+            </a:r>
+            <a:r>
+              <a:rPr lang="zh-CN" altLang="en-US" dirty="0" smtClean="0">
+                <a:latin typeface="+mn-ea"/>
+              </a:rPr>
+              <a:t>把控制权交给</a:t>
+            </a:r>
+            <a:r>
+              <a:rPr lang="en-US" altLang="zh-CN" dirty="0" smtClean="0">
+                <a:latin typeface="+mn-ea"/>
+              </a:rPr>
+              <a:t>Controller</a:t>
+            </a:r>
+            <a:r>
+              <a:rPr lang="zh-CN" altLang="en-US" dirty="0" smtClean="0">
+                <a:latin typeface="+mn-ea"/>
+              </a:rPr>
+              <a:t>，自己不执行业务逻辑</a:t>
             </a:r>
             <a:endParaRPr lang="en-US" altLang="zh-CN" dirty="0" smtClean="0">
               <a:latin typeface="+mn-ea"/>
@@ -12586,7 +15448,37 @@
               <a:buChar char="•"/>
             </a:pPr>
             <a:r>
-              <a:rPr lang="en-US" altLang="zh-CN" dirty="0">
+              <a:rPr lang="en-US" altLang="zh-CN" dirty="0" smtClean="0">
+                <a:latin typeface="+mn-ea"/>
+              </a:rPr>
+              <a:t>Controller</a:t>
+            </a:r>
+            <a:r>
+              <a:rPr lang="zh-CN" altLang="en-US" dirty="0">
+                <a:latin typeface="+mn-ea"/>
+              </a:rPr>
+              <a:t>执行业务</a:t>
+            </a:r>
+            <a:r>
+              <a:rPr lang="zh-CN" altLang="en-US" dirty="0" smtClean="0">
+                <a:latin typeface="+mn-ea"/>
+              </a:rPr>
+              <a:t>逻辑并操作</a:t>
+            </a:r>
+            <a:r>
+              <a:rPr lang="en-US" altLang="zh-CN" dirty="0" smtClean="0">
+                <a:latin typeface="+mn-ea"/>
+              </a:rPr>
+              <a:t>Model</a:t>
+            </a:r>
+            <a:r>
+              <a:rPr lang="zh-CN" altLang="en-US" dirty="0" smtClean="0">
+                <a:latin typeface="+mn-ea"/>
+              </a:rPr>
+              <a:t>，但不操作</a:t>
+            </a:r>
+            <a:r>
+              <a:rPr lang="en-US" altLang="zh-CN" dirty="0" smtClean="0">
                 <a:latin typeface="+mn-ea"/>
               </a:rPr>
               <a:t>View</a:t>
@@ -12595,19 +15487,7 @@
               <a:rPr lang="zh-CN" altLang="en-US" dirty="0" smtClean="0">
                 <a:latin typeface="+mn-ea"/>
               </a:rPr>
-              <a:t>对于</a:t>
-            </a:r>
-            <a:r>
-              <a:rPr lang="en-US" altLang="zh-CN" dirty="0" smtClean="0">
-                <a:latin typeface="+mn-ea"/>
-              </a:rPr>
-              <a:t>Model</a:t>
-            </a:r>
-            <a:r>
-              <a:rPr lang="zh-CN" altLang="en-US" dirty="0" smtClean="0">
-                <a:latin typeface="+mn-ea"/>
-              </a:rPr>
-              <a:t>过于依赖，导致</a:t>
+              <a:t>，对</a:t>
             </a:r>
             <a:r>
               <a:rPr lang="en-US" altLang="zh-CN" dirty="0" smtClean="0">
@@ -12619,19 +15499,7 @@
               <a:rPr lang="zh-CN" altLang="en-US" dirty="0" smtClean="0">
                 <a:latin typeface="+mn-ea"/>
               </a:rPr>
-              <a:t>和</a:t>
-            </a:r>
-            <a:r>
-              <a:rPr lang="en-US" altLang="zh-CN" dirty="0" smtClean="0">
-                <a:latin typeface="+mn-ea"/>
-              </a:rPr>
-              <a:t>Model</a:t>
-            </a:r>
-            <a:r>
-              <a:rPr lang="zh-CN" altLang="en-US" dirty="0" smtClean="0">
-                <a:latin typeface="+mn-ea"/>
-              </a:rPr>
-              <a:t>耦合度过高</a:t>
+              <a:t>无知</a:t>
             </a:r>
             <a:endParaRPr lang="en-US" altLang="zh-CN" dirty="0" smtClean="0">
               <a:latin typeface="+mn-ea"/>
@@ -12643,34 +15511,52 @@
               <a:buChar char="•"/>
             </a:pPr>
             <a:r>
-              <a:rPr lang="zh-CN" altLang="en-US" dirty="0" smtClean="0">
-                <a:latin typeface="+mn-ea"/>
-              </a:rPr>
-              <a:t>所有逻辑都在</a:t>
-            </a:r>
-            <a:r>
-              <a:rPr lang="en-US" altLang="zh-CN" dirty="0" smtClean="0">
-                <a:latin typeface="+mn-ea"/>
-              </a:rPr>
-              <a:t>Controller</a:t>
-            </a:r>
-            <a:r>
-              <a:rPr lang="zh-CN" altLang="en-US" dirty="0" smtClean="0">
-                <a:latin typeface="+mn-ea"/>
-              </a:rPr>
-              <a:t>，导致</a:t>
-            </a:r>
-            <a:r>
-              <a:rPr lang="en-US" altLang="zh-CN" dirty="0" smtClean="0">
-                <a:latin typeface="+mn-ea"/>
-              </a:rPr>
-              <a:t>Controller</a:t>
-            </a:r>
-            <a:r>
-              <a:rPr lang="zh-CN" altLang="en-US" dirty="0" smtClean="0">
-                <a:latin typeface="+mn-ea"/>
-              </a:rPr>
-              <a:t>过于臃肿</a:t>
+              <a:rPr lang="en-US" altLang="zh-CN" dirty="0" smtClean="0">
+                <a:latin typeface="+mn-ea"/>
+              </a:rPr>
+              <a:t>View</a:t>
+            </a:r>
+            <a:r>
+              <a:rPr lang="zh-CN" altLang="en-US" dirty="0" smtClean="0">
+                <a:latin typeface="+mn-ea"/>
+              </a:rPr>
+              <a:t>和</a:t>
+            </a:r>
+            <a:r>
+              <a:rPr lang="en-US" altLang="zh-CN" dirty="0" smtClean="0">
+                <a:latin typeface="+mn-ea"/>
+              </a:rPr>
+              <a:t>Model</a:t>
+            </a:r>
+            <a:r>
+              <a:rPr lang="zh-CN" altLang="en-US" dirty="0" smtClean="0">
+                <a:latin typeface="+mn-ea"/>
+              </a:rPr>
+              <a:t>通过观察者模式实现消息同步，由</a:t>
+            </a:r>
+            <a:r>
+              <a:rPr lang="en-US" altLang="zh-CN" dirty="0" smtClean="0">
+                <a:latin typeface="+mn-ea"/>
+              </a:rPr>
+              <a:t>View</a:t>
+            </a:r>
+            <a:r>
+              <a:rPr lang="zh-CN" altLang="en-US" dirty="0" smtClean="0">
+                <a:latin typeface="+mn-ea"/>
+              </a:rPr>
+              <a:t>主动向</a:t>
+            </a:r>
+            <a:r>
+              <a:rPr lang="en-US" altLang="zh-CN" dirty="0" smtClean="0">
+                <a:latin typeface="+mn-ea"/>
+              </a:rPr>
+              <a:t>Model</a:t>
+            </a:r>
+            <a:r>
+              <a:rPr lang="zh-CN" altLang="en-US" dirty="0" smtClean="0">
+                <a:latin typeface="+mn-ea"/>
+              </a:rPr>
+              <a:t>请求数据实现视图更新</a:t>
             </a:r>
             <a:endParaRPr lang="zh-CN" altLang="en-US" dirty="0">
               <a:latin typeface="+mn-ea"/>
@@ -12710,7 +15596,7 @@
         </p:nvSpPr>
         <p:spPr>
           <a:xfrm>
-            <a:off x="4700162" y="2271463"/>
+            <a:off x="4700162" y="1957563"/>
             <a:ext cx="6013185" cy="1200329"/>
           </a:xfrm>
           <a:prstGeom prst="rect">
@@ -12821,6 +15707,192 @@
                 <a:latin typeface="+mn-ea"/>
               </a:rPr>
               <a:t>(function(){……})</a:t>
+            </a:r>
+            <a:endParaRPr lang="zh-CN" altLang="en-US" dirty="0">
+              <a:latin typeface="+mn-ea"/>
+            </a:endParaRPr>
+          </a:p>
+        </p:txBody>
+      </p:sp>
+      <p:sp>
+        <p:nvSpPr>
+          <p:cNvPr id="9" name="矩形 8"/>
+          <p:cNvSpPr/>
+          <p:nvPr/>
+        </p:nvSpPr>
+        <p:spPr>
+          <a:xfrm>
+            <a:off x="4700162" y="5102705"/>
+            <a:ext cx="7398179" cy="1200329"/>
+          </a:xfrm>
+          <a:prstGeom prst="rect">
+            <a:avLst/>
+          </a:prstGeom>
+        </p:spPr>
+        <p:txBody>
+          <a:bodyPr wrap="none">
+            <a:spAutoFit/>
+          </a:bodyPr>
+          <a:lstStyle/>
+          <a:p>
+            <a:r>
+              <a:rPr lang="en-US" altLang="zh-CN" dirty="0" smtClean="0">
+                <a:latin typeface="+mn-ea"/>
+              </a:rPr>
+              <a:t>MVC</a:t>
+            </a:r>
+            <a:r>
+              <a:rPr lang="zh-CN" altLang="en-US" dirty="0" smtClean="0">
+                <a:latin typeface="+mn-ea"/>
+              </a:rPr>
+              <a:t>缺点</a:t>
+            </a:r>
+            <a:endParaRPr lang="en-US" altLang="zh-CN" dirty="0" smtClean="0">
+              <a:latin typeface="+mn-ea"/>
+            </a:endParaRPr>
+          </a:p>
+          <a:p>
+            <a:pPr marL="285750" indent="-285750">
+              <a:buFont typeface="Arial" panose="020B0604020202020204" pitchFamily="34" charset="0"/>
+              <a:buChar char="•"/>
+            </a:pPr>
+            <a:r>
+              <a:rPr lang="zh-CN" altLang="en-US" dirty="0">
+                <a:latin typeface="+mn-ea"/>
+              </a:rPr>
+              <a:t>每次</a:t>
+            </a:r>
+            <a:r>
+              <a:rPr lang="zh-CN" altLang="en-US" dirty="0" smtClean="0">
+                <a:latin typeface="+mn-ea"/>
+              </a:rPr>
+              <a:t>请求都必须经过“控制器</a:t>
+            </a:r>
+            <a:r>
+              <a:rPr lang="en-US" altLang="zh-CN" dirty="0" smtClean="0">
+                <a:latin typeface="+mn-ea"/>
+              </a:rPr>
+              <a:t>-</a:t>
+            </a:r>
+            <a:r>
+              <a:rPr lang="zh-CN" altLang="en-US" dirty="0" smtClean="0">
+                <a:latin typeface="+mn-ea"/>
+              </a:rPr>
+              <a:t>模型</a:t>
+            </a:r>
+            <a:r>
+              <a:rPr lang="en-US" altLang="zh-CN" dirty="0" smtClean="0">
+                <a:latin typeface="+mn-ea"/>
+              </a:rPr>
+              <a:t>-</a:t>
+            </a:r>
+            <a:r>
+              <a:rPr lang="zh-CN" altLang="en-US" dirty="0">
+                <a:latin typeface="+mn-ea"/>
+              </a:rPr>
+              <a:t>视图</a:t>
+            </a:r>
+            <a:r>
+              <a:rPr lang="zh-CN" altLang="en-US" dirty="0" smtClean="0">
+                <a:latin typeface="+mn-ea"/>
+              </a:rPr>
+              <a:t>”，对于小型应用过于冗长</a:t>
+            </a:r>
+            <a:endParaRPr lang="en-US" altLang="zh-CN" dirty="0" smtClean="0">
+              <a:latin typeface="+mn-ea"/>
+            </a:endParaRPr>
+          </a:p>
+          <a:p>
+            <a:pPr marL="285750" indent="-285750">
+              <a:buFont typeface="Arial" panose="020B0604020202020204" pitchFamily="34" charset="0"/>
+              <a:buChar char="•"/>
+            </a:pPr>
+            <a:r>
+              <a:rPr lang="en-US" altLang="zh-CN" dirty="0">
+                <a:latin typeface="+mn-ea"/>
+              </a:rPr>
+              <a:t>View</a:t>
+            </a:r>
+            <a:r>
+              <a:rPr lang="zh-CN" altLang="en-US" dirty="0" smtClean="0">
+                <a:latin typeface="+mn-ea"/>
+              </a:rPr>
+              <a:t>对于</a:t>
+            </a:r>
+            <a:r>
+              <a:rPr lang="en-US" altLang="zh-CN" dirty="0" smtClean="0">
+                <a:latin typeface="+mn-ea"/>
+              </a:rPr>
+              <a:t>Model</a:t>
+            </a:r>
+            <a:r>
+              <a:rPr lang="zh-CN" altLang="en-US" dirty="0" smtClean="0">
+                <a:latin typeface="+mn-ea"/>
+              </a:rPr>
+              <a:t>过于依赖，导致</a:t>
+            </a:r>
+            <a:r>
+              <a:rPr lang="en-US" altLang="zh-CN" dirty="0" smtClean="0">
+                <a:latin typeface="+mn-ea"/>
+              </a:rPr>
+              <a:t>View</a:t>
+            </a:r>
+            <a:r>
+              <a:rPr lang="zh-CN" altLang="en-US" dirty="0" smtClean="0">
+                <a:latin typeface="+mn-ea"/>
+              </a:rPr>
+              <a:t>和</a:t>
+            </a:r>
+            <a:r>
+              <a:rPr lang="en-US" altLang="zh-CN" dirty="0" smtClean="0">
+                <a:latin typeface="+mn-ea"/>
+              </a:rPr>
+              <a:t>Model</a:t>
+            </a:r>
+            <a:r>
+              <a:rPr lang="zh-CN" altLang="en-US" dirty="0" smtClean="0">
+                <a:latin typeface="+mn-ea"/>
+              </a:rPr>
+              <a:t>耦合度过高</a:t>
+            </a:r>
+            <a:endParaRPr lang="en-US" altLang="zh-CN" dirty="0" smtClean="0">
+              <a:latin typeface="+mn-ea"/>
+            </a:endParaRPr>
+          </a:p>
+          <a:p>
+            <a:pPr marL="285750" indent="-285750">
+              <a:buFont typeface="Arial" panose="020B0604020202020204" pitchFamily="34" charset="0"/>
+              <a:buChar char="•"/>
+            </a:pPr>
+            <a:r>
+              <a:rPr lang="zh-CN" altLang="en-US" dirty="0" smtClean="0">
+                <a:latin typeface="+mn-ea"/>
+              </a:rPr>
+              <a:t>所有逻辑都在</a:t>
+            </a:r>
+            <a:r>
+              <a:rPr lang="en-US" altLang="zh-CN" dirty="0" smtClean="0">
+                <a:latin typeface="+mn-ea"/>
+              </a:rPr>
+              <a:t>Controller</a:t>
+            </a:r>
+            <a:r>
+              <a:rPr lang="zh-CN" altLang="en-US" dirty="0" smtClean="0">
+                <a:latin typeface="+mn-ea"/>
+              </a:rPr>
+              <a:t>，导致</a:t>
+            </a:r>
+            <a:r>
+              <a:rPr lang="en-US" altLang="zh-CN" dirty="0" smtClean="0">
+                <a:latin typeface="+mn-ea"/>
+              </a:rPr>
+              <a:t>Controller</a:t>
+            </a:r>
+            <a:r>
+              <a:rPr lang="zh-CN" altLang="en-US" dirty="0" smtClean="0">
+                <a:latin typeface="+mn-ea"/>
+              </a:rPr>
+              <a:t>过于臃肿</a:t>
             </a:r>
             <a:endParaRPr lang="zh-CN" altLang="en-US" dirty="0">
               <a:latin typeface="+mn-ea"/>
@@ -12948,9 +16020,462 @@
           </a:p>
         </p:txBody>
       </p:sp>
+      <p:sp>
+        <p:nvSpPr>
+          <p:cNvPr id="5" name="矩形 4"/>
+          <p:cNvSpPr/>
+          <p:nvPr/>
+        </p:nvSpPr>
+        <p:spPr>
+          <a:xfrm>
+            <a:off x="596242" y="3259433"/>
+            <a:ext cx="11195424" cy="646331"/>
+          </a:xfrm>
+          <a:prstGeom prst="rect">
+            <a:avLst/>
+          </a:prstGeom>
+        </p:spPr>
+        <p:txBody>
+          <a:bodyPr wrap="square">
+            <a:spAutoFit/>
+          </a:bodyPr>
+          <a:lstStyle/>
+          <a:p>
+            <a:r>
+              <a:rPr lang="en-US" altLang="zh-CN" dirty="0" smtClean="0">
+                <a:latin typeface="+mn-ea"/>
+              </a:rPr>
+              <a:t>MVP</a:t>
+            </a:r>
+            <a:r>
+              <a:rPr lang="zh-CN" altLang="en-US" dirty="0" smtClean="0">
+                <a:latin typeface="+mn-ea"/>
+              </a:rPr>
+              <a:t>是</a:t>
+            </a:r>
+            <a:r>
+              <a:rPr lang="en-US" altLang="zh-CN" dirty="0" smtClean="0">
+                <a:latin typeface="+mn-ea"/>
+              </a:rPr>
+              <a:t>MVC</a:t>
+            </a:r>
+            <a:r>
+              <a:rPr lang="zh-CN" altLang="en-US" dirty="0" smtClean="0">
+                <a:latin typeface="+mn-ea"/>
+              </a:rPr>
+              <a:t>的变体，由</a:t>
+            </a:r>
+            <a:r>
+              <a:rPr lang="en-US" altLang="zh-CN" dirty="0" smtClean="0">
+                <a:latin typeface="+mn-ea"/>
+              </a:rPr>
+              <a:t>Presenter</a:t>
+            </a:r>
+            <a:r>
+              <a:rPr lang="zh-CN" altLang="en-US" dirty="0" smtClean="0">
+                <a:latin typeface="+mn-ea"/>
+              </a:rPr>
+              <a:t>替代了</a:t>
+            </a:r>
+            <a:r>
+              <a:rPr lang="en-US" altLang="zh-CN" dirty="0" smtClean="0">
+                <a:latin typeface="+mn-ea"/>
+              </a:rPr>
+              <a:t>Controller</a:t>
+            </a:r>
+            <a:r>
+              <a:rPr lang="zh-CN" altLang="en-US" dirty="0" smtClean="0">
+                <a:latin typeface="+mn-ea"/>
+              </a:rPr>
+              <a:t>，而且改变了数据的流向，</a:t>
+            </a:r>
+            <a:r>
+              <a:rPr lang="en-US" altLang="zh-CN" dirty="0" smtClean="0">
+                <a:latin typeface="+mn-ea"/>
+              </a:rPr>
+              <a:t>View</a:t>
+            </a:r>
+            <a:r>
+              <a:rPr lang="zh-CN" altLang="en-US" dirty="0" smtClean="0">
+                <a:latin typeface="+mn-ea"/>
+              </a:rPr>
+              <a:t>和</a:t>
+            </a:r>
+            <a:r>
+              <a:rPr lang="en-US" altLang="zh-CN" dirty="0" smtClean="0">
+                <a:latin typeface="+mn-ea"/>
+              </a:rPr>
+              <a:t>Model</a:t>
+            </a:r>
+            <a:r>
+              <a:rPr lang="zh-CN" altLang="en-US" dirty="0" smtClean="0">
+                <a:latin typeface="+mn-ea"/>
+              </a:rPr>
+              <a:t>之间不再直接交互，而全部通过</a:t>
+            </a:r>
+            <a:r>
+              <a:rPr lang="en-US" altLang="zh-CN" dirty="0" smtClean="0">
+                <a:latin typeface="+mn-ea"/>
+              </a:rPr>
+              <a:t>Presenter</a:t>
+            </a:r>
+            <a:r>
+              <a:rPr lang="zh-CN" altLang="en-US" dirty="0" smtClean="0">
+                <a:latin typeface="+mn-ea"/>
+              </a:rPr>
+              <a:t>进行。</a:t>
+            </a:r>
+            <a:endParaRPr lang="zh-CN" altLang="en-US" dirty="0">
+              <a:latin typeface="+mn-ea"/>
+            </a:endParaRPr>
+          </a:p>
+        </p:txBody>
+      </p:sp>
+      <p:sp>
+        <p:nvSpPr>
+          <p:cNvPr id="6" name="矩形 5"/>
+          <p:cNvSpPr/>
+          <p:nvPr/>
+        </p:nvSpPr>
+        <p:spPr>
+          <a:xfrm>
+            <a:off x="596242" y="3964092"/>
+            <a:ext cx="11195424" cy="923330"/>
+          </a:xfrm>
+          <a:prstGeom prst="rect">
+            <a:avLst/>
+          </a:prstGeom>
+        </p:spPr>
+        <p:txBody>
+          <a:bodyPr wrap="square">
+            <a:spAutoFit/>
+          </a:bodyPr>
+          <a:lstStyle/>
+          <a:p>
+            <a:r>
+              <a:rPr lang="en-US" altLang="zh-CN" dirty="0" smtClean="0">
+                <a:latin typeface="+mn-ea"/>
+              </a:rPr>
+              <a:t>MVP</a:t>
+            </a:r>
+            <a:r>
+              <a:rPr lang="zh-CN" altLang="en-US" dirty="0" smtClean="0">
+                <a:latin typeface="+mn-ea"/>
+              </a:rPr>
+              <a:t>架构中，</a:t>
+            </a:r>
+            <a:r>
+              <a:rPr lang="en-US" altLang="zh-CN" dirty="0" smtClean="0">
+                <a:latin typeface="+mn-ea"/>
+              </a:rPr>
+              <a:t>Presenter</a:t>
+            </a:r>
+            <a:r>
+              <a:rPr lang="zh-CN" altLang="en-US" dirty="0" smtClean="0">
+                <a:latin typeface="+mn-ea"/>
+              </a:rPr>
+              <a:t>中既有</a:t>
+            </a:r>
+            <a:r>
+              <a:rPr lang="en-US" altLang="zh-CN" dirty="0" smtClean="0">
+                <a:latin typeface="+mn-ea"/>
+              </a:rPr>
+              <a:t>View</a:t>
+            </a:r>
+            <a:r>
+              <a:rPr lang="zh-CN" altLang="en-US" dirty="0" smtClean="0">
+                <a:latin typeface="+mn-ea"/>
+              </a:rPr>
+              <a:t>又有</a:t>
+            </a:r>
+            <a:r>
+              <a:rPr lang="en-US" altLang="zh-CN" dirty="0" smtClean="0">
+                <a:latin typeface="+mn-ea"/>
+              </a:rPr>
+              <a:t>Model</a:t>
+            </a:r>
+            <a:r>
+              <a:rPr lang="zh-CN" altLang="en-US" dirty="0" smtClean="0">
+                <a:latin typeface="+mn-ea"/>
+              </a:rPr>
+              <a:t>，</a:t>
+            </a:r>
+            <a:r>
+              <a:rPr lang="en-US" altLang="zh-CN" dirty="0" smtClean="0">
+                <a:latin typeface="+mn-ea"/>
+              </a:rPr>
+              <a:t>View</a:t>
+            </a:r>
+            <a:r>
+              <a:rPr lang="zh-CN" altLang="en-US" dirty="0" smtClean="0">
+                <a:latin typeface="+mn-ea"/>
+              </a:rPr>
+              <a:t>变化时需要通过</a:t>
+            </a:r>
+            <a:r>
+              <a:rPr lang="en-US" altLang="zh-CN" dirty="0" smtClean="0">
+                <a:latin typeface="+mn-ea"/>
+              </a:rPr>
+              <a:t>Presenter</a:t>
+            </a:r>
+            <a:r>
+              <a:rPr lang="zh-CN" altLang="en-US" dirty="0" smtClean="0">
+                <a:latin typeface="+mn-ea"/>
+              </a:rPr>
+              <a:t>通知</a:t>
+            </a:r>
+            <a:r>
+              <a:rPr lang="en-US" altLang="zh-CN" dirty="0" smtClean="0">
+                <a:latin typeface="+mn-ea"/>
+              </a:rPr>
+              <a:t>Model</a:t>
+            </a:r>
+            <a:r>
+              <a:rPr lang="zh-CN" altLang="en-US" dirty="0" smtClean="0">
+                <a:latin typeface="+mn-ea"/>
+              </a:rPr>
+              <a:t>进行数据更新；当</a:t>
+            </a:r>
+            <a:r>
+              <a:rPr lang="en-US" altLang="zh-CN" dirty="0" smtClean="0">
+                <a:latin typeface="+mn-ea"/>
+              </a:rPr>
+              <a:t>Model</a:t>
+            </a:r>
+            <a:r>
+              <a:rPr lang="zh-CN" altLang="en-US" dirty="0" smtClean="0">
+                <a:latin typeface="+mn-ea"/>
+              </a:rPr>
+              <a:t>变化时也通过</a:t>
+            </a:r>
+            <a:r>
+              <a:rPr lang="en-US" altLang="zh-CN" dirty="0" smtClean="0">
+                <a:latin typeface="+mn-ea"/>
+              </a:rPr>
+              <a:t>Presenter</a:t>
+            </a:r>
+            <a:r>
+              <a:rPr lang="zh-CN" altLang="en-US" dirty="0" smtClean="0">
+                <a:latin typeface="+mn-ea"/>
+              </a:rPr>
+              <a:t>通知</a:t>
+            </a:r>
+            <a:r>
+              <a:rPr lang="en-US" altLang="zh-CN" dirty="0" smtClean="0">
+                <a:latin typeface="+mn-ea"/>
+              </a:rPr>
+              <a:t>View</a:t>
+            </a:r>
+            <a:r>
+              <a:rPr lang="zh-CN" altLang="en-US" dirty="0" smtClean="0">
+                <a:latin typeface="+mn-ea"/>
+              </a:rPr>
+              <a:t>进行试图更新，</a:t>
+            </a:r>
+            <a:r>
+              <a:rPr lang="en-US" altLang="zh-CN" dirty="0" smtClean="0">
+                <a:latin typeface="+mn-ea"/>
+              </a:rPr>
+              <a:t>Presenter</a:t>
+            </a:r>
+            <a:r>
+              <a:rPr lang="zh-CN" altLang="en-US" dirty="0" smtClean="0">
+                <a:latin typeface="+mn-ea"/>
+              </a:rPr>
+              <a:t>起到了桥梁的作用，使得</a:t>
+            </a:r>
+            <a:r>
+              <a:rPr lang="en-US" altLang="zh-CN" dirty="0" smtClean="0">
+                <a:latin typeface="+mn-ea"/>
+              </a:rPr>
+              <a:t>View</a:t>
+            </a:r>
+            <a:r>
+              <a:rPr lang="zh-CN" altLang="en-US" dirty="0" smtClean="0">
+                <a:latin typeface="+mn-ea"/>
+              </a:rPr>
+              <a:t>和</a:t>
+            </a:r>
+            <a:r>
+              <a:rPr lang="en-US" altLang="zh-CN" dirty="0" smtClean="0">
+                <a:latin typeface="+mn-ea"/>
+              </a:rPr>
+              <a:t>Model</a:t>
+            </a:r>
+            <a:r>
+              <a:rPr lang="zh-CN" altLang="en-US" dirty="0" smtClean="0">
+                <a:latin typeface="+mn-ea"/>
+              </a:rPr>
+              <a:t>的耦合度降低了。</a:t>
+            </a:r>
+            <a:endParaRPr lang="zh-CN" altLang="en-US" dirty="0">
+              <a:latin typeface="+mn-ea"/>
+            </a:endParaRPr>
+          </a:p>
+        </p:txBody>
+      </p:sp>
+      <p:sp>
+        <p:nvSpPr>
+          <p:cNvPr id="8" name="矩形 7"/>
+          <p:cNvSpPr/>
+          <p:nvPr/>
+        </p:nvSpPr>
+        <p:spPr>
+          <a:xfrm>
+            <a:off x="596242" y="4945750"/>
+            <a:ext cx="11195424" cy="923330"/>
+          </a:xfrm>
+          <a:prstGeom prst="rect">
+            <a:avLst/>
+          </a:prstGeom>
+        </p:spPr>
+        <p:txBody>
+          <a:bodyPr wrap="square">
+            <a:spAutoFit/>
+          </a:bodyPr>
+          <a:lstStyle/>
+          <a:p>
+            <a:r>
+              <a:rPr lang="en-US" altLang="zh-CN" dirty="0" smtClean="0">
+                <a:latin typeface="+mn-ea"/>
+              </a:rPr>
+              <a:t>MVP</a:t>
+            </a:r>
+            <a:r>
+              <a:rPr lang="zh-CN" altLang="en-US" dirty="0" smtClean="0">
+                <a:latin typeface="+mn-ea"/>
+              </a:rPr>
+              <a:t>的缺点：</a:t>
+            </a:r>
+            <a:endParaRPr lang="en-US" altLang="zh-CN" dirty="0" smtClean="0">
+              <a:latin typeface="+mn-ea"/>
+            </a:endParaRPr>
+          </a:p>
+          <a:p>
+            <a:pPr marL="285750" indent="-285750">
+              <a:buFont typeface="Arial" panose="020B0604020202020204" pitchFamily="34" charset="0"/>
+              <a:buChar char="•"/>
+            </a:pPr>
+            <a:r>
+              <a:rPr lang="en-US" altLang="zh-CN" dirty="0" smtClean="0">
+                <a:latin typeface="+mn-ea"/>
+              </a:rPr>
+              <a:t>Presenter</a:t>
+            </a:r>
+            <a:r>
+              <a:rPr lang="zh-CN" altLang="en-US" dirty="0" smtClean="0">
+                <a:latin typeface="+mn-ea"/>
+              </a:rPr>
+              <a:t>的桥梁作用，必然使得</a:t>
+            </a:r>
+            <a:r>
+              <a:rPr lang="en-US" altLang="zh-CN" dirty="0" smtClean="0">
+                <a:latin typeface="+mn-ea"/>
+              </a:rPr>
+              <a:t>Presenter</a:t>
+            </a:r>
+            <a:r>
+              <a:rPr lang="zh-CN" altLang="en-US" dirty="0" smtClean="0">
+                <a:latin typeface="+mn-ea"/>
+              </a:rPr>
+              <a:t>变得比</a:t>
+            </a:r>
+            <a:r>
+              <a:rPr lang="en-US" altLang="zh-CN" dirty="0" smtClean="0">
+                <a:latin typeface="+mn-ea"/>
+              </a:rPr>
+              <a:t>Controller</a:t>
+            </a:r>
+            <a:r>
+              <a:rPr lang="zh-CN" altLang="en-US" dirty="0" smtClean="0">
+                <a:latin typeface="+mn-ea"/>
+              </a:rPr>
+              <a:t>更加臃肿，维护非常不便。</a:t>
+            </a:r>
+            <a:endParaRPr lang="en-US" altLang="zh-CN" dirty="0" smtClean="0">
+              <a:latin typeface="+mn-ea"/>
+            </a:endParaRPr>
+          </a:p>
+          <a:p>
+            <a:pPr marL="285750" indent="-285750">
+              <a:buFont typeface="Arial" panose="020B0604020202020204" pitchFamily="34" charset="0"/>
+              <a:buChar char="•"/>
+            </a:pPr>
+            <a:r>
+              <a:rPr lang="zh-CN" altLang="en-US" dirty="0" smtClean="0">
+                <a:latin typeface="+mn-ea"/>
+              </a:rPr>
+              <a:t>每次</a:t>
+            </a:r>
+            <a:r>
+              <a:rPr lang="en-US" altLang="zh-CN" dirty="0" smtClean="0">
+                <a:latin typeface="+mn-ea"/>
+              </a:rPr>
+              <a:t>View</a:t>
+            </a:r>
+            <a:r>
+              <a:rPr lang="zh-CN" altLang="en-US" dirty="0" smtClean="0">
+                <a:latin typeface="+mn-ea"/>
+              </a:rPr>
+              <a:t>或</a:t>
+            </a:r>
+            <a:r>
+              <a:rPr lang="en-US" altLang="zh-CN" dirty="0" smtClean="0">
+                <a:latin typeface="+mn-ea"/>
+              </a:rPr>
+              <a:t>Model</a:t>
+            </a:r>
+            <a:r>
+              <a:rPr lang="zh-CN" altLang="en-US" dirty="0" smtClean="0">
+                <a:latin typeface="+mn-ea"/>
+              </a:rPr>
+              <a:t>的变化，都要手动调用</a:t>
+            </a:r>
+            <a:r>
+              <a:rPr lang="en-US" altLang="zh-CN" dirty="0" smtClean="0">
+                <a:latin typeface="+mn-ea"/>
+              </a:rPr>
+              <a:t>Presenter</a:t>
+            </a:r>
+            <a:r>
+              <a:rPr lang="zh-CN" altLang="en-US" dirty="0" smtClean="0">
+                <a:latin typeface="+mn-ea"/>
+              </a:rPr>
+              <a:t>接口通知到</a:t>
+            </a:r>
+            <a:r>
+              <a:rPr lang="en-US" altLang="zh-CN" dirty="0" smtClean="0">
+                <a:latin typeface="+mn-ea"/>
+              </a:rPr>
+              <a:t>Model</a:t>
+            </a:r>
+            <a:r>
+              <a:rPr lang="zh-CN" altLang="en-US" dirty="0" smtClean="0">
+                <a:latin typeface="+mn-ea"/>
+              </a:rPr>
+              <a:t>或</a:t>
+            </a:r>
+            <a:r>
+              <a:rPr lang="en-US" altLang="zh-CN" dirty="0" smtClean="0">
+                <a:latin typeface="+mn-ea"/>
+              </a:rPr>
+              <a:t>View</a:t>
+            </a:r>
+            <a:r>
+              <a:rPr lang="zh-CN" altLang="en-US" dirty="0" smtClean="0">
+                <a:latin typeface="+mn-ea"/>
+              </a:rPr>
+              <a:t>，比较繁琐</a:t>
+            </a:r>
+            <a:endParaRPr lang="zh-CN" altLang="en-US" dirty="0">
+              <a:latin typeface="+mn-ea"/>
+            </a:endParaRPr>
+          </a:p>
+        </p:txBody>
+      </p:sp>
       <p:pic>
         <p:nvPicPr>
-          <p:cNvPr id="4" name="图片 3"/>
+          <p:cNvPr id="2" name="图片 1"/>
           <p:cNvPicPr>
             <a:picLocks noChangeAspect="1"/>
           </p:cNvPicPr>
@@ -12964,8 +16489,8 @@
         </p:blipFill>
         <p:spPr>
           <a:xfrm>
-            <a:off x="957247" y="1872144"/>
-            <a:ext cx="8402659" cy="857407"/>
+            <a:off x="1755789" y="1798096"/>
+            <a:ext cx="7415508" cy="756678"/>
           </a:xfrm>
           <a:prstGeom prst="rect">
             <a:avLst/>
@@ -13011,14 +16536,14 @@
       </p:grpSpPr>
       <p:sp>
         <p:nvSpPr>
-          <p:cNvPr id="4" name="矩形 3"/>
+          <p:cNvPr id="19" name="矩形 18"/>
           <p:cNvSpPr/>
           <p:nvPr/>
         </p:nvSpPr>
         <p:spPr>
           <a:xfrm>
-            <a:off x="287903" y="319747"/>
-            <a:ext cx="5254388" cy="1364776"/>
+            <a:off x="99205" y="101007"/>
+            <a:ext cx="2194051" cy="536596"/>
           </a:xfrm>
           <a:prstGeom prst="rect">
             <a:avLst/>
@@ -13046,115 +16571,62 @@
           <a:p>
             <a:pPr algn="ctr"/>
             <a:r>
-              <a:rPr lang="en-US" altLang="zh-CN" dirty="0" err="1" smtClean="0"/>
-              <a:t>Vue</a:t>
-            </a:r>
-            <a:r>
               <a:rPr lang="zh-CN" altLang="en-US" dirty="0" smtClean="0"/>
-              <a:t>是什么</a:t>
+              <a:t>前端框架模式变迁</a:t>
             </a:r>
             <a:endParaRPr lang="en-US" altLang="zh-CN" dirty="0" smtClean="0"/>
           </a:p>
-          <a:p>
-            <a:pPr algn="ctr"/>
-            <a:r>
-              <a:rPr lang="en-US" altLang="zh-CN" dirty="0" smtClean="0"/>
-              <a:t>1</a:t>
-            </a:r>
-            <a:r>
-              <a:rPr lang="zh-CN" altLang="en-US" dirty="0" smtClean="0"/>
-              <a:t>、从</a:t>
-            </a:r>
-            <a:r>
-              <a:rPr lang="en-US" altLang="zh-CN" dirty="0" err="1" smtClean="0"/>
-              <a:t>mvc</a:t>
-            </a:r>
-            <a:r>
-              <a:rPr lang="zh-CN" altLang="en-US" dirty="0"/>
-              <a:t>到</a:t>
-            </a:r>
-            <a:r>
-              <a:rPr lang="en-US" altLang="zh-CN" dirty="0" err="1" smtClean="0"/>
-              <a:t>mvp</a:t>
-            </a:r>
-            <a:r>
-              <a:rPr lang="zh-CN" altLang="en-US" dirty="0"/>
-              <a:t>到</a:t>
-            </a:r>
-            <a:r>
-              <a:rPr lang="en-US" altLang="zh-CN" dirty="0" err="1" smtClean="0"/>
-              <a:t>mvvm</a:t>
-            </a:r>
-            <a:endParaRPr lang="en-US" altLang="zh-CN" dirty="0" smtClean="0"/>
-          </a:p>
-          <a:p>
-            <a:pPr algn="ctr"/>
-            <a:r>
-              <a:rPr lang="en-US" altLang="zh-CN" dirty="0" smtClean="0"/>
-              <a:t>2</a:t>
-            </a:r>
-            <a:r>
-              <a:rPr lang="zh-CN" altLang="en-US" dirty="0" smtClean="0"/>
-              <a:t>、</a:t>
-            </a:r>
-            <a:r>
-              <a:rPr lang="en-US" altLang="zh-CN" dirty="0" err="1" smtClean="0"/>
-              <a:t>vue</a:t>
-            </a:r>
-            <a:r>
-              <a:rPr lang="zh-CN" altLang="en-US" dirty="0" smtClean="0"/>
-              <a:t>与</a:t>
-            </a:r>
-            <a:r>
-              <a:rPr lang="en-US" altLang="zh-CN" dirty="0" smtClean="0"/>
-              <a:t>angular</a:t>
-            </a:r>
-            <a:r>
-              <a:rPr lang="zh-CN" altLang="en-US" dirty="0" smtClean="0"/>
-              <a:t>和</a:t>
-            </a:r>
-            <a:r>
-              <a:rPr lang="en-US" altLang="zh-CN" dirty="0" smtClean="0"/>
-              <a:t>react</a:t>
-            </a:r>
-            <a:r>
-              <a:rPr lang="zh-CN" altLang="en-US" dirty="0" smtClean="0"/>
-              <a:t>的区别</a:t>
-            </a:r>
-            <a:endParaRPr lang="en-US" altLang="zh-CN" dirty="0" smtClean="0"/>
-          </a:p>
-          <a:p>
-            <a:pPr algn="ctr"/>
-            <a:r>
-              <a:rPr lang="en-US" altLang="zh-CN" dirty="0" smtClean="0"/>
-              <a:t>3</a:t>
-            </a:r>
-            <a:r>
-              <a:rPr lang="zh-CN" altLang="en-US" dirty="0" smtClean="0"/>
-              <a:t>、</a:t>
-            </a:r>
-            <a:r>
-              <a:rPr lang="en-US" altLang="zh-CN" dirty="0" err="1" smtClean="0"/>
-              <a:t>vue</a:t>
-            </a:r>
-            <a:r>
-              <a:rPr lang="zh-CN" altLang="en-US" dirty="0" smtClean="0"/>
-              <a:t>产生背景</a:t>
-            </a:r>
-            <a:endParaRPr lang="zh-CN" altLang="en-US" dirty="0"/>
-          </a:p>
-        </p:txBody>
-      </p:sp>
-      <p:sp>
-        <p:nvSpPr>
-          <p:cNvPr id="2" name="矩形 1"/>
+        </p:txBody>
+      </p:sp>
+      <p:sp>
+        <p:nvSpPr>
+          <p:cNvPr id="22" name="矩形 21"/>
           <p:cNvSpPr/>
           <p:nvPr/>
         </p:nvSpPr>
         <p:spPr>
           <a:xfrm>
-            <a:off x="178174" y="1952563"/>
-            <a:ext cx="12013826" cy="369332"/>
+            <a:off x="181484" y="972930"/>
+            <a:ext cx="1107996" cy="369332"/>
+          </a:xfrm>
+          <a:prstGeom prst="rect">
+            <a:avLst/>
+          </a:prstGeom>
+        </p:spPr>
+        <p:txBody>
+          <a:bodyPr wrap="none">
+            <a:spAutoFit/>
+          </a:bodyPr>
+          <a:lstStyle/>
+          <a:p>
+            <a:r>
+              <a:rPr lang="en-US" altLang="zh-CN" dirty="0" smtClean="0">
+                <a:latin typeface="+mn-ea"/>
+              </a:rPr>
+              <a:t>MVVM</a:t>
+            </a:r>
+            <a:r>
+              <a:rPr lang="zh-CN" altLang="en-US" dirty="0" smtClean="0">
+                <a:latin typeface="+mn-ea"/>
+              </a:rPr>
+              <a:t>框架</a:t>
+            </a:r>
+            <a:endParaRPr lang="zh-CN" altLang="en-US" dirty="0">
+              <a:latin typeface="+mn-ea"/>
+            </a:endParaRPr>
+          </a:p>
+        </p:txBody>
+      </p:sp>
+      <p:sp>
+        <p:nvSpPr>
+          <p:cNvPr id="5" name="矩形 4"/>
+          <p:cNvSpPr/>
+          <p:nvPr/>
+        </p:nvSpPr>
+        <p:spPr>
+          <a:xfrm>
+            <a:off x="596242" y="3259433"/>
+            <a:ext cx="11195424" cy="923330"/>
           </a:xfrm>
           <a:prstGeom prst="rect">
             <a:avLst/>
@@ -13167,59 +16639,178 @@
           <a:lstStyle/>
           <a:p>
             <a:r>
-              <a:rPr lang="en-US" altLang="zh-CN" dirty="0" err="1" smtClean="0"/>
-              <a:t>Vue</a:t>
-            </a:r>
-            <a:r>
-              <a:rPr lang="zh-CN" altLang="en-US" dirty="0" smtClean="0"/>
-              <a:t> </a:t>
-            </a:r>
-            <a:r>
-              <a:rPr lang="en-US" altLang="zh-CN" dirty="0" smtClean="0"/>
-              <a:t>– </a:t>
-            </a:r>
-            <a:r>
-              <a:rPr lang="zh-CN" altLang="en-US" dirty="0" smtClean="0"/>
-              <a:t>读音似</a:t>
-            </a:r>
-            <a:r>
-              <a:rPr lang="en-US" altLang="zh-CN" dirty="0" smtClean="0"/>
-              <a:t>view</a:t>
-            </a:r>
-            <a:r>
-              <a:rPr lang="zh-CN" altLang="en-US" dirty="0" smtClean="0"/>
-              <a:t>。它是一套用于构建用户界面的渐进式框架</a:t>
-            </a:r>
-            <a:r>
-              <a:rPr lang="zh-CN" altLang="en-US" dirty="0"/>
-              <a:t>，它只关注视图</a:t>
-            </a:r>
-            <a:r>
-              <a:rPr lang="zh-CN" altLang="en-US" dirty="0" smtClean="0"/>
-              <a:t>层，是一个构建数据驱动的</a:t>
-            </a:r>
-            <a:r>
-              <a:rPr lang="en-US" altLang="zh-CN" dirty="0" smtClean="0"/>
-              <a:t>Web</a:t>
-            </a:r>
-            <a:r>
-              <a:rPr lang="zh-CN" altLang="en-US" dirty="0" smtClean="0"/>
-              <a:t>界面的库</a:t>
-            </a:r>
-            <a:endParaRPr lang="en-US" altLang="zh-CN" dirty="0"/>
-          </a:p>
-        </p:txBody>
-      </p:sp>
+              <a:rPr lang="en-US" altLang="zh-CN" dirty="0" smtClean="0">
+                <a:latin typeface="+mn-ea"/>
+              </a:rPr>
+              <a:t>MVVM</a:t>
+            </a:r>
+            <a:r>
+              <a:rPr lang="zh-CN" altLang="en-US" dirty="0" smtClean="0">
+                <a:latin typeface="+mn-ea"/>
+              </a:rPr>
+              <a:t>是对</a:t>
+            </a:r>
+            <a:r>
+              <a:rPr lang="en-US" altLang="zh-CN" dirty="0" smtClean="0">
+                <a:latin typeface="+mn-ea"/>
+              </a:rPr>
+              <a:t>MVP</a:t>
+            </a:r>
+            <a:r>
+              <a:rPr lang="zh-CN" altLang="en-US" dirty="0" smtClean="0">
+                <a:latin typeface="+mn-ea"/>
+              </a:rPr>
+              <a:t>的改进，它将</a:t>
+            </a:r>
+            <a:r>
+              <a:rPr lang="en-US" altLang="zh-CN" dirty="0" smtClean="0">
+                <a:latin typeface="+mn-ea"/>
+              </a:rPr>
+              <a:t>Presenter</a:t>
+            </a:r>
+            <a:r>
+              <a:rPr lang="zh-CN" altLang="en-US" dirty="0">
+                <a:latin typeface="+mn-ea"/>
+              </a:rPr>
+              <a:t>替换</a:t>
+            </a:r>
+            <a:r>
+              <a:rPr lang="zh-CN" altLang="en-US" dirty="0" smtClean="0">
+                <a:latin typeface="+mn-ea"/>
+              </a:rPr>
+              <a:t>为</a:t>
+            </a:r>
+            <a:r>
+              <a:rPr lang="en-US" altLang="zh-CN" dirty="0" err="1" smtClean="0">
+                <a:latin typeface="+mn-ea"/>
+              </a:rPr>
+              <a:t>ViewModel</a:t>
+            </a:r>
+            <a:r>
+              <a:rPr lang="zh-CN" altLang="en-US" dirty="0" smtClean="0">
+                <a:latin typeface="+mn-ea"/>
+              </a:rPr>
+              <a:t>，并通过双向数据绑定来实现视图和数据的交互，只需要将</a:t>
+            </a:r>
+            <a:r>
+              <a:rPr lang="en-US" altLang="zh-CN" dirty="0" smtClean="0">
+                <a:latin typeface="+mn-ea"/>
+              </a:rPr>
+              <a:t>View</a:t>
+            </a:r>
+            <a:r>
+              <a:rPr lang="zh-CN" altLang="en-US" dirty="0" smtClean="0">
+                <a:latin typeface="+mn-ea"/>
+              </a:rPr>
+              <a:t>和</a:t>
+            </a:r>
+            <a:r>
+              <a:rPr lang="en-US" altLang="zh-CN" dirty="0" smtClean="0">
+                <a:latin typeface="+mn-ea"/>
+              </a:rPr>
+              <a:t>Model</a:t>
+            </a:r>
+            <a:r>
+              <a:rPr lang="zh-CN" altLang="en-US" dirty="0" smtClean="0">
+                <a:latin typeface="+mn-ea"/>
+              </a:rPr>
+              <a:t>绑定一次，以后每次</a:t>
+            </a:r>
+            <a:r>
+              <a:rPr lang="en-US" altLang="zh-CN" dirty="0" smtClean="0">
+                <a:latin typeface="+mn-ea"/>
+              </a:rPr>
+              <a:t>View</a:t>
+            </a:r>
+            <a:r>
+              <a:rPr lang="zh-CN" altLang="en-US" dirty="0" smtClean="0">
+                <a:latin typeface="+mn-ea"/>
+              </a:rPr>
+              <a:t>发生变化时会自动刷新</a:t>
+            </a:r>
+            <a:r>
+              <a:rPr lang="en-US" altLang="zh-CN" dirty="0" smtClean="0">
+                <a:latin typeface="+mn-ea"/>
+              </a:rPr>
+              <a:t>Model</a:t>
+            </a:r>
+            <a:r>
+              <a:rPr lang="zh-CN" altLang="en-US" dirty="0" smtClean="0">
+                <a:latin typeface="+mn-ea"/>
+              </a:rPr>
+              <a:t>的内容，</a:t>
+            </a:r>
+            <a:r>
+              <a:rPr lang="en-US" altLang="zh-CN" dirty="0" smtClean="0">
+                <a:latin typeface="+mn-ea"/>
+              </a:rPr>
+              <a:t>Model</a:t>
+            </a:r>
+            <a:r>
+              <a:rPr lang="zh-CN" altLang="en-US" dirty="0" smtClean="0">
+                <a:latin typeface="+mn-ea"/>
+              </a:rPr>
+              <a:t>变化时会自动刷新</a:t>
+            </a:r>
+            <a:r>
+              <a:rPr lang="en-US" altLang="zh-CN" dirty="0" smtClean="0">
+                <a:latin typeface="+mn-ea"/>
+              </a:rPr>
+              <a:t>View</a:t>
+            </a:r>
+            <a:r>
+              <a:rPr lang="zh-CN" altLang="en-US" dirty="0" smtClean="0">
+                <a:latin typeface="+mn-ea"/>
+              </a:rPr>
+              <a:t>的内容。</a:t>
+            </a:r>
+            <a:endParaRPr lang="zh-CN" altLang="en-US" dirty="0">
+              <a:latin typeface="+mn-ea"/>
+            </a:endParaRPr>
+          </a:p>
+        </p:txBody>
+      </p:sp>
+      <p:pic>
+        <p:nvPicPr>
+          <p:cNvPr id="9" name="图片 8"/>
+          <p:cNvPicPr>
+            <a:picLocks noChangeAspect="1"/>
+          </p:cNvPicPr>
+          <p:nvPr/>
+        </p:nvPicPr>
+        <p:blipFill>
+          <a:blip r:embed="rId2"/>
+          <a:stretch>
+            <a:fillRect/>
+          </a:stretch>
+        </p:blipFill>
+        <p:spPr>
+          <a:xfrm>
+            <a:off x="1755789" y="1798095"/>
+            <a:ext cx="7415508" cy="756679"/>
+          </a:xfrm>
+          <a:prstGeom prst="rect">
+            <a:avLst/>
+          </a:prstGeom>
+        </p:spPr>
+      </p:pic>
     </p:spTree>
     <p:extLst>
       <p:ext uri="{BB962C8B-B14F-4D97-AF65-F5344CB8AC3E}">
-        <p14:creationId xmlns:p14="http://schemas.microsoft.com/office/powerpoint/2010/main" val="991376594"/>
+        <p14:creationId xmlns:p14="http://schemas.microsoft.com/office/powerpoint/2010/main" val="2089536591"/>
       </p:ext>
     </p:extLst>
   </p:cSld>
   <p:clrMapOvr>
     <a:masterClrMapping/>
   </p:clrMapOvr>
+  <p:timing>
+    <p:tnLst>
+      <p:par>
+        <p:cTn id="1" dur="indefinite" restart="never" nodeType="tmRoot"/>
+      </p:par>
+    </p:tnLst>
+  </p:timing>
 </p:sld>
 </file>
 
@@ -13242,108 +16833,149 @@
       </p:grpSpPr>
       <p:sp>
         <p:nvSpPr>
-          <p:cNvPr id="4" name="矩形 3"/>
+          <p:cNvPr id="2" name="矩形 1"/>
           <p:cNvSpPr/>
           <p:nvPr/>
         </p:nvSpPr>
         <p:spPr>
           <a:xfrm>
-            <a:off x="723331" y="450376"/>
-            <a:ext cx="5254388" cy="1228299"/>
-          </a:xfrm>
-          <a:prstGeom prst="rect">
-            <a:avLst/>
-          </a:prstGeom>
-        </p:spPr>
-        <p:style>
-          <a:lnRef idx="2">
-            <a:schemeClr val="accent1">
-              <a:shade val="50000"/>
-            </a:schemeClr>
-          </a:lnRef>
-          <a:fillRef idx="1">
-            <a:schemeClr val="accent1"/>
-          </a:fillRef>
-          <a:effectRef idx="0">
-            <a:schemeClr val="accent1"/>
-          </a:effectRef>
-          <a:fontRef idx="minor">
-            <a:schemeClr val="lt1"/>
-          </a:fontRef>
-        </p:style>
-        <p:txBody>
-          <a:bodyPr rtlCol="0" anchor="ctr"/>
-          <a:lstStyle/>
-          <a:p>
-            <a:pPr algn="ctr"/>
+            <a:off x="178174" y="464955"/>
+            <a:ext cx="12013826" cy="646331"/>
+          </a:xfrm>
+          <a:prstGeom prst="rect">
+            <a:avLst/>
+          </a:prstGeom>
+        </p:spPr>
+        <p:txBody>
+          <a:bodyPr wrap="square">
+            <a:spAutoFit/>
+          </a:bodyPr>
+          <a:lstStyle/>
+          <a:p>
+            <a:pPr lvl="0"/>
+            <a:r>
+              <a:rPr lang="en-US" altLang="zh-CN" dirty="0" err="1" smtClean="0"/>
+              <a:t>Vue</a:t>
+            </a:r>
             <a:r>
               <a:rPr lang="zh-CN" altLang="en-US" dirty="0" smtClean="0"/>
-              <a:t>为什么用</a:t>
-            </a:r>
-            <a:r>
-              <a:rPr lang="en-US" altLang="zh-CN" dirty="0" err="1" smtClean="0"/>
-              <a:t>vue</a:t>
-            </a:r>
-            <a:endParaRPr lang="en-US" altLang="zh-CN" dirty="0" smtClean="0"/>
-          </a:p>
-          <a:p>
-            <a:pPr algn="ctr"/>
+              <a:t> </a:t>
+            </a:r>
             <a:r>
               <a:rPr lang="en-US" altLang="zh-CN" dirty="0" smtClean="0"/>
-              <a:t>1</a:t>
+              <a:t>– </a:t>
             </a:r>
             <a:r>
               <a:rPr lang="zh-CN" altLang="en-US" dirty="0" smtClean="0"/>
-              <a:t>、</a:t>
-            </a:r>
-            <a:r>
-              <a:rPr lang="en-US" altLang="zh-CN" dirty="0" err="1" smtClean="0"/>
-              <a:t>vue</a:t>
+              <a:t>读音似</a:t>
+            </a:r>
+            <a:r>
+              <a:rPr lang="en-US" altLang="zh-CN" dirty="0" smtClean="0"/>
+              <a:t>view</a:t>
             </a:r>
             <a:r>
               <a:rPr lang="zh-CN" altLang="en-US" dirty="0" smtClean="0"/>
-              <a:t>的优缺点</a:t>
-            </a:r>
-            <a:endParaRPr lang="en-US" altLang="zh-CN" dirty="0" smtClean="0"/>
-          </a:p>
-          <a:p>
-            <a:pPr algn="ctr"/>
+              <a:t>。它是一套用于构建用户界面的渐进式框架</a:t>
+            </a:r>
+            <a:r>
+              <a:rPr lang="zh-CN" altLang="en-US" dirty="0"/>
+              <a:t>，它只关注视图</a:t>
+            </a:r>
+            <a:r>
+              <a:rPr lang="zh-CN" altLang="en-US" dirty="0" smtClean="0"/>
+              <a:t>层，是一个构建数据驱动的</a:t>
+            </a:r>
             <a:r>
               <a:rPr lang="en-US" altLang="zh-CN" dirty="0" smtClean="0"/>
-              <a:t>2</a:t>
+              <a:t>Web</a:t>
             </a:r>
             <a:r>
               <a:rPr lang="zh-CN" altLang="en-US" dirty="0" smtClean="0"/>
-              <a:t>、前端开发现状</a:t>
-            </a:r>
-            <a:endParaRPr lang="en-US" altLang="zh-CN" dirty="0" smtClean="0"/>
-          </a:p>
-          <a:p>
-            <a:pPr algn="ctr"/>
+              <a:t>界面的</a:t>
+            </a:r>
+            <a:r>
+              <a:rPr lang="zh-CN" altLang="en-US" dirty="0" smtClean="0"/>
+              <a:t>库，</a:t>
+            </a:r>
+            <a:r>
+              <a:rPr lang="zh-CN" altLang="zh-CN" dirty="0"/>
+              <a:t>非常</a:t>
+            </a:r>
+            <a:r>
+              <a:rPr lang="zh-CN" altLang="zh-CN" dirty="0"/>
+              <a:t>容易与其它库或已有项目整合 </a:t>
+            </a:r>
+          </a:p>
+        </p:txBody>
+      </p:sp>
+      <p:sp>
+        <p:nvSpPr>
+          <p:cNvPr id="5" name="矩形 4"/>
+          <p:cNvSpPr/>
+          <p:nvPr/>
+        </p:nvSpPr>
+        <p:spPr>
+          <a:xfrm>
+            <a:off x="178174" y="1111286"/>
+            <a:ext cx="12013826" cy="369332"/>
+          </a:xfrm>
+          <a:prstGeom prst="rect">
+            <a:avLst/>
+          </a:prstGeom>
+        </p:spPr>
+        <p:txBody>
+          <a:bodyPr wrap="square">
+            <a:spAutoFit/>
+          </a:bodyPr>
+          <a:lstStyle/>
+          <a:p>
+            <a:pPr lvl="0"/>
+            <a:r>
+              <a:rPr lang="zh-CN" altLang="en-US" dirty="0" smtClean="0"/>
+              <a:t>产生的背景</a:t>
+            </a:r>
+            <a:endParaRPr lang="zh-CN" altLang="zh-CN" dirty="0"/>
+          </a:p>
+        </p:txBody>
+      </p:sp>
+      <p:sp>
+        <p:nvSpPr>
+          <p:cNvPr id="6" name="矩形 5"/>
+          <p:cNvSpPr/>
+          <p:nvPr/>
+        </p:nvSpPr>
+        <p:spPr>
+          <a:xfrm>
+            <a:off x="178174" y="1572951"/>
+            <a:ext cx="12013826" cy="369332"/>
+          </a:xfrm>
+          <a:prstGeom prst="rect">
+            <a:avLst/>
+          </a:prstGeom>
+        </p:spPr>
+        <p:txBody>
+          <a:bodyPr wrap="square">
+            <a:spAutoFit/>
+          </a:bodyPr>
+          <a:lstStyle/>
+          <a:p>
+            <a:pPr lvl="0"/>
             <a:r>
               <a:rPr lang="en-US" altLang="zh-CN" dirty="0" smtClean="0"/>
-              <a:t>3</a:t>
+              <a:t>MVVM</a:t>
             </a:r>
             <a:r>
               <a:rPr lang="zh-CN" altLang="en-US" dirty="0" smtClean="0"/>
-              <a:t>、</a:t>
-            </a:r>
-            <a:r>
-              <a:rPr lang="en-US" altLang="zh-CN" dirty="0" err="1" smtClean="0"/>
-              <a:t>vue</a:t>
-            </a:r>
-            <a:r>
-              <a:rPr lang="zh-CN" altLang="en-US" dirty="0" smtClean="0"/>
-              <a:t>解决的问题</a:t>
-            </a:r>
-            <a:endParaRPr lang="zh-CN" altLang="en-US" dirty="0"/>
+              <a:t>模式框架解决的痛点问题</a:t>
+            </a:r>
+            <a:endParaRPr lang="zh-CN" altLang="zh-CN" dirty="0"/>
           </a:p>
         </p:txBody>
       </p:sp>
     </p:spTree>
     <p:extLst>
       <p:ext uri="{BB962C8B-B14F-4D97-AF65-F5344CB8AC3E}">
-        <p14:creationId xmlns:p14="http://schemas.microsoft.com/office/powerpoint/2010/main" val="237013988"/>
+        <p14:creationId xmlns:p14="http://schemas.microsoft.com/office/powerpoint/2010/main" val="991376594"/>
       </p:ext>
     </p:extLst>
   </p:cSld>
@@ -13370,613 +17002,638 @@
           <a:chExt cx="0" cy="0"/>
         </a:xfrm>
       </p:grpSpPr>
-      <p:sp>
-        <p:nvSpPr>
-          <p:cNvPr id="4" name="矩形 3"/>
-          <p:cNvSpPr/>
-          <p:nvPr/>
-        </p:nvSpPr>
-        <p:spPr>
-          <a:xfrm>
-            <a:off x="6819331" y="218364"/>
-            <a:ext cx="5254388" cy="5688950"/>
-          </a:xfrm>
-          <a:prstGeom prst="rect">
-            <a:avLst/>
-          </a:prstGeom>
-        </p:spPr>
-        <p:style>
-          <a:lnRef idx="2">
-            <a:schemeClr val="accent1">
-              <a:shade val="50000"/>
-            </a:schemeClr>
-          </a:lnRef>
-          <a:fillRef idx="1">
-            <a:schemeClr val="accent1"/>
-          </a:fillRef>
-          <a:effectRef idx="0">
-            <a:schemeClr val="accent1"/>
-          </a:effectRef>
-          <a:fontRef idx="minor">
-            <a:schemeClr val="lt1"/>
-          </a:fontRef>
-        </p:style>
-        <p:txBody>
-          <a:bodyPr rtlCol="0" anchor="ctr"/>
-          <a:lstStyle/>
-          <a:p>
-            <a:r>
-              <a:rPr lang="zh-CN" altLang="en-US" dirty="0" smtClean="0"/>
-              <a:t>如何使用</a:t>
-            </a:r>
-            <a:r>
-              <a:rPr lang="en-US" altLang="zh-CN" dirty="0" err="1" smtClean="0"/>
-              <a:t>vue</a:t>
-            </a:r>
-            <a:endParaRPr lang="en-US" altLang="zh-CN" dirty="0" smtClean="0"/>
-          </a:p>
-          <a:p>
-            <a:r>
-              <a:rPr lang="en-US" altLang="zh-CN" dirty="0" smtClean="0"/>
-              <a:t>1</a:t>
-            </a:r>
-            <a:r>
-              <a:rPr lang="zh-CN" altLang="en-US" dirty="0" smtClean="0"/>
-              <a:t>、概念</a:t>
-            </a:r>
-            <a:endParaRPr lang="en-US" altLang="zh-CN" dirty="0" smtClean="0"/>
-          </a:p>
-          <a:p>
-            <a:r>
-              <a:rPr lang="en-US" altLang="zh-CN" dirty="0" smtClean="0"/>
-              <a:t>1</a:t>
-            </a:r>
-            <a:r>
-              <a:rPr lang="zh-CN" altLang="en-US" dirty="0" smtClean="0"/>
-              <a:t>）什么是声明式渲染和命令式渲染</a:t>
-            </a:r>
-            <a:endParaRPr lang="en-US" altLang="zh-CN" dirty="0"/>
-          </a:p>
-          <a:p>
-            <a:r>
-              <a:rPr lang="en-US" altLang="zh-CN" dirty="0" smtClean="0"/>
-              <a:t>2</a:t>
-            </a:r>
-            <a:r>
-              <a:rPr lang="zh-CN" altLang="en-US" dirty="0" smtClean="0"/>
-              <a:t>）什么是渐进式框架</a:t>
-            </a:r>
-            <a:endParaRPr lang="en-US" altLang="zh-CN" dirty="0" smtClean="0"/>
-          </a:p>
-          <a:p>
-            <a:r>
-              <a:rPr lang="en-US" altLang="zh-CN" dirty="0" smtClean="0"/>
-              <a:t>3</a:t>
-            </a:r>
-            <a:r>
-              <a:rPr lang="zh-CN" altLang="en-US" dirty="0" smtClean="0"/>
-              <a:t>）什么是生命周期</a:t>
-            </a:r>
-            <a:endParaRPr lang="en-US" altLang="zh-CN" dirty="0" smtClean="0"/>
-          </a:p>
-          <a:p>
-            <a:r>
-              <a:rPr lang="en-US" altLang="zh-CN" dirty="0" smtClean="0"/>
-              <a:t>4</a:t>
-            </a:r>
-            <a:r>
-              <a:rPr lang="zh-CN" altLang="en-US" dirty="0" smtClean="0"/>
-              <a:t>）什么是自底向上</a:t>
-            </a:r>
-            <a:endParaRPr lang="en-US" altLang="zh-CN" dirty="0" smtClean="0"/>
-          </a:p>
-          <a:p>
-            <a:r>
-              <a:rPr lang="en-US" altLang="zh-CN" dirty="0" smtClean="0"/>
-              <a:t>2</a:t>
-            </a:r>
-            <a:r>
-              <a:rPr lang="zh-CN" altLang="en-US" dirty="0" smtClean="0"/>
-              <a:t>、</a:t>
-            </a:r>
-            <a:r>
-              <a:rPr lang="en-US" altLang="zh-CN" dirty="0" err="1" smtClean="0"/>
-              <a:t>vue</a:t>
-            </a:r>
-            <a:r>
-              <a:rPr lang="zh-CN" altLang="en-US" dirty="0" smtClean="0"/>
-              <a:t>基础</a:t>
-            </a:r>
-            <a:endParaRPr lang="en-US" altLang="zh-CN" dirty="0" smtClean="0"/>
-          </a:p>
-          <a:p>
-            <a:r>
-              <a:rPr lang="en-US" altLang="zh-CN" dirty="0" smtClean="0"/>
-              <a:t>1</a:t>
-            </a:r>
-            <a:r>
-              <a:rPr lang="zh-CN" altLang="en-US" dirty="0" smtClean="0"/>
-              <a:t>）安装</a:t>
-            </a:r>
-            <a:r>
-              <a:rPr lang="en-US" altLang="zh-CN" dirty="0" err="1" smtClean="0"/>
-              <a:t>vue</a:t>
-            </a:r>
-            <a:endParaRPr lang="en-US" altLang="zh-CN" dirty="0" smtClean="0"/>
-          </a:p>
-          <a:p>
-            <a:r>
-              <a:rPr lang="en-US" altLang="zh-CN" dirty="0" smtClean="0"/>
-              <a:t>2</a:t>
-            </a:r>
-            <a:r>
-              <a:rPr lang="zh-CN" altLang="en-US" dirty="0" smtClean="0"/>
-              <a:t>）</a:t>
-            </a:r>
-            <a:r>
-              <a:rPr lang="en-US" altLang="zh-CN" dirty="0" err="1" smtClean="0"/>
-              <a:t>vue</a:t>
-            </a:r>
-            <a:r>
-              <a:rPr lang="zh-CN" altLang="en-US" dirty="0" smtClean="0"/>
-              <a:t>语法</a:t>
-            </a:r>
-            <a:endParaRPr lang="en-US" altLang="zh-CN" dirty="0" smtClean="0"/>
-          </a:p>
-          <a:p>
-            <a:r>
-              <a:rPr lang="en-US" altLang="zh-CN" dirty="0"/>
-              <a:t>3</a:t>
-            </a:r>
-            <a:r>
-              <a:rPr lang="zh-CN" altLang="en-US" dirty="0" smtClean="0"/>
-              <a:t>）创建</a:t>
-            </a:r>
-            <a:r>
-              <a:rPr lang="en-US" altLang="zh-CN" dirty="0" err="1" smtClean="0"/>
-              <a:t>vue</a:t>
-            </a:r>
-            <a:r>
-              <a:rPr lang="zh-CN" altLang="en-US" dirty="0" smtClean="0"/>
-              <a:t>实例，</a:t>
-            </a:r>
-            <a:r>
-              <a:rPr lang="en-US" altLang="zh-CN" dirty="0" smtClean="0"/>
-              <a:t>el</a:t>
-            </a:r>
-            <a:r>
-              <a:rPr lang="zh-CN" altLang="en-US" dirty="0" smtClean="0"/>
-              <a:t>、</a:t>
-            </a:r>
-            <a:r>
-              <a:rPr lang="en-US" altLang="zh-CN" dirty="0" smtClean="0"/>
-              <a:t>data</a:t>
-            </a:r>
-            <a:r>
-              <a:rPr lang="zh-CN" altLang="en-US" dirty="0" smtClean="0"/>
-              <a:t>、</a:t>
-            </a:r>
-            <a:r>
-              <a:rPr lang="en-US" altLang="zh-CN" dirty="0" smtClean="0"/>
-              <a:t>computed</a:t>
-            </a:r>
-            <a:r>
-              <a:rPr lang="zh-CN" altLang="en-US" dirty="0" smtClean="0"/>
-              <a:t>、</a:t>
-            </a:r>
-            <a:r>
-              <a:rPr lang="en-US" altLang="zh-CN" dirty="0" smtClean="0"/>
-              <a:t>methods</a:t>
-            </a:r>
-            <a:r>
-              <a:rPr lang="zh-CN" altLang="en-US" dirty="0" smtClean="0"/>
-              <a:t>、</a:t>
-            </a:r>
-            <a:r>
-              <a:rPr lang="en-US" altLang="zh-CN" dirty="0" smtClean="0"/>
-              <a:t>watch</a:t>
-            </a:r>
-          </a:p>
-          <a:p>
-            <a:r>
-              <a:rPr lang="en-US" altLang="zh-CN" dirty="0"/>
-              <a:t>4</a:t>
-            </a:r>
-            <a:r>
-              <a:rPr lang="zh-CN" altLang="en-US" dirty="0" smtClean="0"/>
-              <a:t>）</a:t>
-            </a:r>
-            <a:r>
-              <a:rPr lang="en-US" altLang="zh-CN" dirty="0" err="1" smtClean="0"/>
-              <a:t>vue</a:t>
-            </a:r>
-            <a:r>
-              <a:rPr lang="zh-CN" altLang="en-US" dirty="0" smtClean="0"/>
-              <a:t>指令</a:t>
-            </a:r>
-            <a:endParaRPr lang="en-US" altLang="zh-CN" dirty="0" smtClean="0"/>
-          </a:p>
-          <a:p>
-            <a:r>
-              <a:rPr lang="en-US" altLang="zh-CN" dirty="0"/>
-              <a:t>5</a:t>
-            </a:r>
-            <a:r>
-              <a:rPr lang="zh-CN" altLang="en-US" dirty="0" smtClean="0"/>
-              <a:t>）</a:t>
-            </a:r>
-            <a:r>
-              <a:rPr lang="en-US" altLang="zh-CN" dirty="0" err="1" smtClean="0"/>
-              <a:t>vue</a:t>
-            </a:r>
-            <a:r>
-              <a:rPr lang="zh-CN" altLang="en-US" dirty="0" smtClean="0"/>
-              <a:t>特殊特性</a:t>
-            </a:r>
-            <a:endParaRPr lang="en-US" altLang="zh-CN" dirty="0" smtClean="0"/>
-          </a:p>
-          <a:p>
-            <a:r>
-              <a:rPr lang="en-US" altLang="zh-CN" dirty="0" smtClean="0"/>
-              <a:t>3</a:t>
-            </a:r>
-            <a:r>
-              <a:rPr lang="zh-CN" altLang="en-US" dirty="0" smtClean="0"/>
-              <a:t>、</a:t>
-            </a:r>
-            <a:r>
-              <a:rPr lang="en-US" altLang="zh-CN" dirty="0" err="1" smtClean="0"/>
-              <a:t>vue</a:t>
-            </a:r>
-            <a:r>
-              <a:rPr lang="zh-CN" altLang="en-US" dirty="0" smtClean="0"/>
-              <a:t>高级</a:t>
-            </a:r>
-            <a:endParaRPr lang="en-US" altLang="zh-CN" dirty="0" smtClean="0"/>
-          </a:p>
-          <a:p>
-            <a:r>
-              <a:rPr lang="en-US" altLang="zh-CN" dirty="0" smtClean="0"/>
-              <a:t>1</a:t>
-            </a:r>
-            <a:r>
-              <a:rPr lang="zh-CN" altLang="en-US" dirty="0" smtClean="0"/>
-              <a:t>）全局配置</a:t>
-            </a:r>
-            <a:endParaRPr lang="en-US" altLang="zh-CN" dirty="0" smtClean="0"/>
-          </a:p>
-          <a:p>
-            <a:r>
-              <a:rPr lang="en-US" altLang="zh-CN" dirty="0" smtClean="0"/>
-              <a:t>2</a:t>
-            </a:r>
-            <a:r>
-              <a:rPr lang="zh-CN" altLang="en-US" dirty="0" smtClean="0"/>
-              <a:t>）全局</a:t>
-            </a:r>
-            <a:r>
-              <a:rPr lang="en-US" altLang="zh-CN" dirty="0" smtClean="0"/>
-              <a:t>API</a:t>
-            </a:r>
-          </a:p>
-          <a:p>
-            <a:r>
-              <a:rPr lang="en-US" altLang="zh-CN" dirty="0" smtClean="0"/>
-              <a:t>3</a:t>
-            </a:r>
-            <a:r>
-              <a:rPr lang="zh-CN" altLang="en-US" dirty="0" smtClean="0"/>
-              <a:t>）实例属性</a:t>
-            </a:r>
-            <a:endParaRPr lang="en-US" altLang="zh-CN" dirty="0" smtClean="0"/>
-          </a:p>
-          <a:p>
-            <a:r>
-              <a:rPr lang="en-US" altLang="zh-CN" dirty="0" smtClean="0"/>
-              <a:t>4</a:t>
-            </a:r>
-            <a:r>
-              <a:rPr lang="zh-CN" altLang="en-US" dirty="0" smtClean="0"/>
-              <a:t>）实例方法：数据</a:t>
-            </a:r>
-            <a:r>
-              <a:rPr lang="en-US" altLang="zh-CN" dirty="0" smtClean="0"/>
-              <a:t>/</a:t>
-            </a:r>
-            <a:r>
-              <a:rPr lang="zh-CN" altLang="en-US" dirty="0" smtClean="0"/>
-              <a:t>事件</a:t>
-            </a:r>
-            <a:r>
-              <a:rPr lang="en-US" altLang="zh-CN" dirty="0" smtClean="0"/>
-              <a:t>/</a:t>
-            </a:r>
-            <a:r>
-              <a:rPr lang="zh-CN" altLang="en-US" dirty="0" smtClean="0"/>
-              <a:t>生命周期</a:t>
-            </a:r>
-            <a:endParaRPr lang="en-US" altLang="zh-CN" dirty="0" smtClean="0"/>
-          </a:p>
-          <a:p>
-            <a:r>
-              <a:rPr lang="en-US" altLang="zh-CN" dirty="0" smtClean="0"/>
-              <a:t>5</a:t>
-            </a:r>
-            <a:r>
-              <a:rPr lang="zh-CN" altLang="en-US" dirty="0" smtClean="0"/>
-              <a:t>）自定义过滤器</a:t>
-            </a:r>
-            <a:endParaRPr lang="zh-CN" altLang="en-US" dirty="0"/>
-          </a:p>
-        </p:txBody>
-      </p:sp>
-      <p:sp>
-        <p:nvSpPr>
-          <p:cNvPr id="2" name="矩形 1"/>
-          <p:cNvSpPr/>
-          <p:nvPr/>
-        </p:nvSpPr>
-        <p:spPr>
-          <a:xfrm>
-            <a:off x="723331" y="2037265"/>
-            <a:ext cx="6096000" cy="1200329"/>
-          </a:xfrm>
-          <a:prstGeom prst="rect">
-            <a:avLst/>
-          </a:prstGeom>
-        </p:spPr>
-        <p:txBody>
-          <a:bodyPr>
-            <a:spAutoFit/>
-          </a:bodyPr>
-          <a:lstStyle/>
-          <a:p>
-            <a:pPr>
-              <a:buFont typeface="Arial" panose="020B0604020202020204" pitchFamily="34" charset="0"/>
-              <a:buChar char="•"/>
-            </a:pPr>
-            <a:r>
-              <a:rPr lang="zh-CN" altLang="en-US" b="0" i="0" dirty="0" smtClean="0">
-                <a:solidFill>
-                  <a:srgbClr val="333333"/>
-                </a:solidFill>
-                <a:effectLst/>
-                <a:latin typeface="-apple-system,BlinkMacSystemFont,Helvetica Neue,PingFang SC,Microsoft YaHei,Source Han Sans SC,Noto Sans CJK SC,WenQuanYi Micro Hei,sans-serif"/>
-              </a:rPr>
-              <a:t>命令式渲染 ： 命令我们的程序去做什么，程序就会跟着你的命令去一步一步执行</a:t>
-            </a:r>
-          </a:p>
-          <a:p>
-            <a:pPr>
-              <a:buFont typeface="Arial" panose="020B0604020202020204" pitchFamily="34" charset="0"/>
-              <a:buChar char="•"/>
-            </a:pPr>
-            <a:r>
-              <a:rPr lang="zh-CN" altLang="en-US" b="0" i="0" dirty="0" smtClean="0">
-                <a:solidFill>
-                  <a:srgbClr val="333333"/>
-                </a:solidFill>
-                <a:effectLst/>
-                <a:latin typeface="-apple-system,BlinkMacSystemFont,Helvetica Neue,PingFang SC,Microsoft YaHei,Source Han Sans SC,Noto Sans CJK SC,WenQuanYi Micro Hei,sans-serif"/>
-              </a:rPr>
-              <a:t>声明式渲染 ： 我们只需要告诉程序我们想要什么效果，其他的交给程序来做。</a:t>
-            </a:r>
-            <a:endParaRPr lang="zh-CN" altLang="en-US" b="0" i="0" dirty="0">
-              <a:solidFill>
-                <a:srgbClr val="333333"/>
-              </a:solidFill>
-              <a:effectLst/>
-              <a:latin typeface="-apple-system,BlinkMacSystemFont,Helvetica Neue,PingFang SC,Microsoft YaHei,Source Han Sans SC,Noto Sans CJK SC,WenQuanYi Micro Hei,sans-serif"/>
-            </a:endParaRPr>
-          </a:p>
-        </p:txBody>
-      </p:sp>
-      <p:sp>
-        <p:nvSpPr>
-          <p:cNvPr id="3" name="矩形 2"/>
-          <p:cNvSpPr/>
-          <p:nvPr/>
-        </p:nvSpPr>
-        <p:spPr>
-          <a:xfrm>
-            <a:off x="723331" y="3596184"/>
-            <a:ext cx="6096000" cy="2862322"/>
-          </a:xfrm>
-          <a:prstGeom prst="rect">
-            <a:avLst/>
-          </a:prstGeom>
-        </p:spPr>
-        <p:txBody>
-          <a:bodyPr>
-            <a:spAutoFit/>
-          </a:bodyPr>
-          <a:lstStyle/>
-          <a:p>
-            <a:r>
-              <a:rPr lang="zh-CN" altLang="en-US" b="0" i="0" dirty="0" smtClean="0">
-                <a:solidFill>
-                  <a:srgbClr val="333333"/>
-                </a:solidFill>
-                <a:effectLst/>
-                <a:latin typeface="微软雅黑" panose="020B0503020204020204" pitchFamily="34" charset="-122"/>
-                <a:ea typeface="微软雅黑" panose="020B0503020204020204" pitchFamily="34" charset="-122"/>
-              </a:rPr>
-              <a:t>渐进式框架：</a:t>
-            </a:r>
-            <a:endParaRPr lang="en-US" altLang="zh-CN" b="0" i="0" dirty="0" smtClean="0">
-              <a:solidFill>
-                <a:srgbClr val="333333"/>
-              </a:solidFill>
-              <a:effectLst/>
-              <a:latin typeface="微软雅黑" panose="020B0503020204020204" pitchFamily="34" charset="-122"/>
-              <a:ea typeface="微软雅黑" panose="020B0503020204020204" pitchFamily="34" charset="-122"/>
-            </a:endParaRPr>
-          </a:p>
-          <a:p>
-            <a:r>
-              <a:rPr lang="zh-CN" altLang="en-US" b="0" i="0" dirty="0" smtClean="0">
-                <a:solidFill>
-                  <a:srgbClr val="333333"/>
-                </a:solidFill>
-                <a:effectLst/>
-                <a:latin typeface="微软雅黑" panose="020B0503020204020204" pitchFamily="34" charset="-122"/>
-                <a:ea typeface="微软雅黑" panose="020B0503020204020204" pitchFamily="34" charset="-122"/>
-              </a:rPr>
-              <a:t>每个框架都不可避免会有自己的一些特点，从而会对使用者有一定的要求，这些要求就是主张，主张有强有弱，它的强势程度会影响在业务开发中的使用方式。</a:t>
-            </a:r>
-            <a:br>
-              <a:rPr lang="zh-CN" altLang="en-US" b="0" i="0" dirty="0" smtClean="0">
-                <a:solidFill>
-                  <a:srgbClr val="333333"/>
-                </a:solidFill>
-                <a:effectLst/>
-                <a:latin typeface="微软雅黑" panose="020B0503020204020204" pitchFamily="34" charset="-122"/>
-                <a:ea typeface="微软雅黑" panose="020B0503020204020204" pitchFamily="34" charset="-122"/>
-              </a:rPr>
-            </a:br>
-            <a:r>
-              <a:rPr lang="zh-CN" altLang="en-US" b="0" i="0" dirty="0" smtClean="0">
-                <a:solidFill>
-                  <a:srgbClr val="333333"/>
-                </a:solidFill>
-                <a:effectLst/>
-                <a:latin typeface="微软雅黑" panose="020B0503020204020204" pitchFamily="34" charset="-122"/>
-                <a:ea typeface="微软雅黑" panose="020B0503020204020204" pitchFamily="34" charset="-122"/>
-              </a:rPr>
-              <a:t>使用</a:t>
-            </a:r>
-            <a:r>
-              <a:rPr lang="en-US" altLang="zh-CN" b="0" i="0" dirty="0" err="1" smtClean="0">
-                <a:solidFill>
-                  <a:srgbClr val="333333"/>
-                </a:solidFill>
-                <a:effectLst/>
-                <a:latin typeface="微软雅黑" panose="020B0503020204020204" pitchFamily="34" charset="-122"/>
-                <a:ea typeface="微软雅黑" panose="020B0503020204020204" pitchFamily="34" charset="-122"/>
-              </a:rPr>
-              <a:t>vue</a:t>
-            </a:r>
-            <a:r>
-              <a:rPr lang="zh-CN" altLang="en-US" b="0" i="0" dirty="0" smtClean="0">
-                <a:solidFill>
-                  <a:srgbClr val="333333"/>
-                </a:solidFill>
-                <a:effectLst/>
-                <a:latin typeface="微软雅黑" panose="020B0503020204020204" pitchFamily="34" charset="-122"/>
-                <a:ea typeface="微软雅黑" panose="020B0503020204020204" pitchFamily="34" charset="-122"/>
-              </a:rPr>
-              <a:t>，你可以在原有大系统的上面，把一两个组件改用它实现，当</a:t>
-            </a:r>
-            <a:r>
-              <a:rPr lang="en-US" altLang="zh-CN" b="0" i="0" dirty="0" err="1" smtClean="0">
-                <a:solidFill>
-                  <a:srgbClr val="333333"/>
-                </a:solidFill>
-                <a:effectLst/>
-                <a:latin typeface="微软雅黑" panose="020B0503020204020204" pitchFamily="34" charset="-122"/>
-                <a:ea typeface="微软雅黑" panose="020B0503020204020204" pitchFamily="34" charset="-122"/>
-              </a:rPr>
-              <a:t>jQuery</a:t>
-            </a:r>
-            <a:r>
-              <a:rPr lang="zh-CN" altLang="en-US" b="0" i="0" dirty="0" smtClean="0">
-                <a:solidFill>
-                  <a:srgbClr val="333333"/>
-                </a:solidFill>
-                <a:effectLst/>
-                <a:latin typeface="微软雅黑" panose="020B0503020204020204" pitchFamily="34" charset="-122"/>
-                <a:ea typeface="微软雅黑" panose="020B0503020204020204" pitchFamily="34" charset="-122"/>
-              </a:rPr>
-              <a:t>用；也可以整个用它全家桶开发，当</a:t>
-            </a:r>
-            <a:r>
-              <a:rPr lang="en-US" altLang="zh-CN" b="0" i="0" dirty="0" smtClean="0">
-                <a:solidFill>
-                  <a:srgbClr val="333333"/>
-                </a:solidFill>
-                <a:effectLst/>
-                <a:latin typeface="微软雅黑" panose="020B0503020204020204" pitchFamily="34" charset="-122"/>
-                <a:ea typeface="微软雅黑" panose="020B0503020204020204" pitchFamily="34" charset="-122"/>
-              </a:rPr>
-              <a:t>Angular</a:t>
-            </a:r>
-            <a:r>
-              <a:rPr lang="zh-CN" altLang="en-US" b="0" i="0" dirty="0" smtClean="0">
-                <a:solidFill>
-                  <a:srgbClr val="333333"/>
-                </a:solidFill>
-                <a:effectLst/>
-                <a:latin typeface="微软雅黑" panose="020B0503020204020204" pitchFamily="34" charset="-122"/>
-                <a:ea typeface="微软雅黑" panose="020B0503020204020204" pitchFamily="34" charset="-122"/>
-              </a:rPr>
-              <a:t>用；</a:t>
-            </a:r>
-            <a:r>
-              <a:rPr lang="zh-CN" altLang="en-US" dirty="0" smtClean="0"/>
-              <a:t/>
-            </a:r>
-            <a:br>
-              <a:rPr lang="zh-CN" altLang="en-US" dirty="0" smtClean="0"/>
-            </a:br>
-            <a:r>
-              <a:rPr lang="zh-CN" altLang="en-US" b="0" i="0" dirty="0" smtClean="0">
-                <a:solidFill>
-                  <a:srgbClr val="333333"/>
-                </a:solidFill>
-                <a:effectLst/>
-                <a:latin typeface="微软雅黑" panose="020B0503020204020204" pitchFamily="34" charset="-122"/>
-                <a:ea typeface="微软雅黑" panose="020B0503020204020204" pitchFamily="34" charset="-122"/>
-              </a:rPr>
-              <a:t>还可以用它的视图，搭配你自己设计的整个下层用。你可以在底层数据逻辑的地方用</a:t>
-            </a:r>
-            <a:r>
-              <a:rPr lang="en-US" altLang="zh-CN" b="0" i="0" dirty="0" smtClean="0">
-                <a:solidFill>
-                  <a:srgbClr val="333333"/>
-                </a:solidFill>
-                <a:effectLst/>
-                <a:latin typeface="微软雅黑" panose="020B0503020204020204" pitchFamily="34" charset="-122"/>
-                <a:ea typeface="微软雅黑" panose="020B0503020204020204" pitchFamily="34" charset="-122"/>
-              </a:rPr>
-              <a:t>OO</a:t>
-            </a:r>
-            <a:r>
-              <a:rPr lang="zh-CN" altLang="en-US" b="0" i="0" dirty="0" smtClean="0">
-                <a:solidFill>
-                  <a:srgbClr val="333333"/>
-                </a:solidFill>
-                <a:effectLst/>
-                <a:latin typeface="微软雅黑" panose="020B0503020204020204" pitchFamily="34" charset="-122"/>
-                <a:ea typeface="微软雅黑" panose="020B0503020204020204" pitchFamily="34" charset="-122"/>
-              </a:rPr>
-              <a:t>和设计模式的那套理念。</a:t>
-            </a:r>
-            <a:r>
-              <a:rPr lang="zh-CN" altLang="en-US" dirty="0" smtClean="0"/>
-              <a:t/>
-            </a:r>
-            <a:br>
-              <a:rPr lang="zh-CN" altLang="en-US" dirty="0" smtClean="0"/>
-            </a:br>
-            <a:r>
-              <a:rPr lang="zh-CN" altLang="en-US" b="0" i="0" dirty="0" smtClean="0">
-                <a:solidFill>
-                  <a:srgbClr val="333333"/>
-                </a:solidFill>
-                <a:effectLst/>
-                <a:latin typeface="微软雅黑" panose="020B0503020204020204" pitchFamily="34" charset="-122"/>
-                <a:ea typeface="微软雅黑" panose="020B0503020204020204" pitchFamily="34" charset="-122"/>
-              </a:rPr>
-              <a:t>也可以函数式，都可以。渐进式可以理解为自由度的表现</a:t>
-            </a:r>
-            <a:endParaRPr lang="zh-CN" altLang="en-US" dirty="0"/>
-          </a:p>
-        </p:txBody>
-      </p:sp>
+      <p:graphicFrame>
+        <p:nvGraphicFramePr>
+          <p:cNvPr id="2" name="表格 1"/>
+          <p:cNvGraphicFramePr>
+            <a:graphicFrameLocks noGrp="1"/>
+          </p:cNvGraphicFramePr>
+          <p:nvPr>
+            <p:extLst>
+              <p:ext uri="{D42A27DB-BD31-4B8C-83A1-F6EECF244321}">
+                <p14:modId xmlns:p14="http://schemas.microsoft.com/office/powerpoint/2010/main" val="1977056096"/>
+              </p:ext>
+            </p:extLst>
+          </p:nvPr>
+        </p:nvGraphicFramePr>
+        <p:xfrm>
+          <a:off x="339678" y="241988"/>
+          <a:ext cx="11370101" cy="3295506"/>
+        </p:xfrm>
+        <a:graphic>
+          <a:graphicData uri="http://schemas.openxmlformats.org/drawingml/2006/table">
+            <a:tbl>
+              <a:tblPr firstRow="1" bandRow="1">
+                <a:tableStyleId>{5C22544A-7EE6-4342-B048-85BDC9FD1C3A}</a:tableStyleId>
+              </a:tblPr>
+              <a:tblGrid>
+                <a:gridCol w="4846471"/>
+                <a:gridCol w="6523630"/>
+              </a:tblGrid>
+              <a:tr h="370840">
+                <a:tc gridSpan="2">
+                  <a:txBody>
+                    <a:bodyPr/>
+                    <a:lstStyle/>
+                    <a:p>
+                      <a:pPr algn="ctr"/>
+                      <a:r>
+                        <a:rPr lang="en-US" altLang="zh-CN" dirty="0" err="1" smtClean="0"/>
+                        <a:t>Vue</a:t>
+                      </a:r>
+                      <a:r>
+                        <a:rPr lang="zh-CN" altLang="en-US" dirty="0" smtClean="0"/>
+                        <a:t>与</a:t>
+                      </a:r>
+                      <a:r>
+                        <a:rPr lang="en-US" altLang="zh-CN" dirty="0" smtClean="0"/>
+                        <a:t>Angular</a:t>
+                      </a:r>
+                      <a:r>
+                        <a:rPr lang="zh-CN" altLang="en-US" dirty="0" smtClean="0"/>
+                        <a:t>比较</a:t>
+                      </a:r>
+                      <a:endParaRPr lang="zh-CN" altLang="en-US" dirty="0"/>
+                    </a:p>
+                  </a:txBody>
+                  <a:tcPr/>
+                </a:tc>
+                <a:tc hMerge="1">
+                  <a:txBody>
+                    <a:bodyPr/>
+                    <a:lstStyle/>
+                    <a:p>
+                      <a:endParaRPr lang="zh-CN" altLang="en-US" dirty="0"/>
+                    </a:p>
+                  </a:txBody>
+                  <a:tcPr/>
+                </a:tc>
+              </a:tr>
+              <a:tr h="370840">
+                <a:tc>
+                  <a:txBody>
+                    <a:bodyPr/>
+                    <a:lstStyle/>
+                    <a:p>
+                      <a:pPr algn="ctr"/>
+                      <a:r>
+                        <a:rPr lang="zh-CN" altLang="en-US" dirty="0" smtClean="0"/>
+                        <a:t>相同点</a:t>
+                      </a:r>
+                      <a:endParaRPr lang="zh-CN" altLang="en-US" dirty="0"/>
+                    </a:p>
+                  </a:txBody>
+                  <a:tcPr/>
+                </a:tc>
+                <a:tc>
+                  <a:txBody>
+                    <a:bodyPr/>
+                    <a:lstStyle/>
+                    <a:p>
+                      <a:pPr algn="ctr"/>
+                      <a:r>
+                        <a:rPr lang="zh-CN" altLang="en-US" dirty="0" smtClean="0"/>
+                        <a:t>不同点</a:t>
+                      </a:r>
+                      <a:endParaRPr lang="zh-CN" altLang="en-US" dirty="0"/>
+                    </a:p>
+                  </a:txBody>
+                  <a:tcPr/>
+                </a:tc>
+              </a:tr>
+              <a:tr h="517580">
+                <a:tc>
+                  <a:txBody>
+                    <a:bodyPr/>
+                    <a:lstStyle/>
+                    <a:p>
+                      <a:r>
+                        <a:rPr lang="zh-CN" altLang="en-US" dirty="0" smtClean="0"/>
+                        <a:t>都支持指令（内置指令和自定义指令）</a:t>
+                      </a:r>
+                      <a:endParaRPr lang="zh-CN" altLang="en-US" dirty="0"/>
+                    </a:p>
+                  </a:txBody>
+                  <a:tcPr/>
+                </a:tc>
+                <a:tc rowSpan="2">
+                  <a:txBody>
+                    <a:bodyPr/>
+                    <a:lstStyle/>
+                    <a:p>
+                      <a:pPr marL="0" indent="0">
+                        <a:buFont typeface="Arial" panose="020B0604020202020204" pitchFamily="34" charset="0"/>
+                        <a:buNone/>
+                      </a:pPr>
+                      <a:r>
+                        <a:rPr lang="zh-CN" altLang="en-US" dirty="0" smtClean="0"/>
+                        <a:t>学习成本问题：</a:t>
+                      </a:r>
+                      <a:endParaRPr lang="en-US" altLang="zh-CN" dirty="0" smtClean="0"/>
+                    </a:p>
+                    <a:p>
+                      <a:pPr marL="285750" indent="-285750">
+                        <a:buFont typeface="Arial" panose="020B0604020202020204" pitchFamily="34" charset="0"/>
+                        <a:buChar char="•"/>
+                      </a:pPr>
+                      <a:r>
+                        <a:rPr lang="en-US" altLang="zh-CN" dirty="0" smtClean="0"/>
+                        <a:t>Angular</a:t>
+                      </a:r>
+                      <a:r>
+                        <a:rPr lang="zh-CN" altLang="en-US" dirty="0" smtClean="0"/>
+                        <a:t>学习成本较高</a:t>
+                      </a:r>
+                      <a:r>
+                        <a:rPr lang="zh-CN" altLang="en-US" dirty="0" smtClean="0"/>
+                        <a:t>，需要学习大量的概念</a:t>
+                      </a:r>
+                      <a:endParaRPr lang="zh-CN" altLang="en-US" dirty="0"/>
+                    </a:p>
+                    <a:p>
+                      <a:pPr marL="285750" indent="-285750">
+                        <a:buFont typeface="Arial" panose="020B0604020202020204" pitchFamily="34" charset="0"/>
+                        <a:buChar char="•"/>
+                      </a:pPr>
+                      <a:r>
+                        <a:rPr lang="en-US" altLang="zh-CN" dirty="0" err="1" smtClean="0"/>
+                        <a:t>Vue</a:t>
+                      </a:r>
+                      <a:r>
+                        <a:rPr lang="zh-CN" altLang="en-US" dirty="0" smtClean="0"/>
+                        <a:t>本身提供的</a:t>
+                      </a:r>
+                      <a:r>
+                        <a:rPr lang="en-US" altLang="zh-CN" dirty="0" smtClean="0"/>
+                        <a:t>API</a:t>
+                      </a:r>
+                      <a:r>
+                        <a:rPr lang="zh-CN" altLang="en-US" dirty="0" smtClean="0"/>
+                        <a:t>都比较简单直观</a:t>
+                      </a:r>
+                      <a:endParaRPr lang="zh-CN" altLang="en-US" dirty="0"/>
+                    </a:p>
+                  </a:txBody>
+                  <a:tcPr/>
+                </a:tc>
+              </a:tr>
+              <a:tr h="573206">
+                <a:tc>
+                  <a:txBody>
+                    <a:bodyPr/>
+                    <a:lstStyle/>
+                    <a:p>
+                      <a:r>
+                        <a:rPr lang="zh-CN" altLang="en-US" dirty="0" smtClean="0"/>
+                        <a:t>都支持过滤器（内置过滤器和自定义过滤器）</a:t>
+                      </a:r>
+                      <a:endParaRPr lang="zh-CN" altLang="en-US" dirty="0"/>
+                    </a:p>
+                  </a:txBody>
+                  <a:tcPr/>
+                </a:tc>
+                <a:tc vMerge="1">
+                  <a:txBody>
+                    <a:bodyPr/>
+                    <a:lstStyle/>
+                    <a:p>
+                      <a:endParaRPr lang="zh-CN" altLang="en-US" dirty="0"/>
+                    </a:p>
+                  </a:txBody>
+                  <a:tcPr/>
+                </a:tc>
+              </a:tr>
+              <a:tr h="722296">
+                <a:tc>
+                  <a:txBody>
+                    <a:bodyPr/>
+                    <a:lstStyle/>
+                    <a:p>
+                      <a:r>
+                        <a:rPr lang="zh-CN" altLang="en-US" dirty="0" smtClean="0"/>
+                        <a:t>都支持数据的双向绑定</a:t>
+                      </a:r>
+                      <a:endParaRPr lang="zh-CN" altLang="en-US" dirty="0"/>
+                    </a:p>
+                  </a:txBody>
+                  <a:tcPr/>
+                </a:tc>
+                <a:tc rowSpan="2">
+                  <a:txBody>
+                    <a:bodyPr/>
+                    <a:lstStyle/>
+                    <a:p>
+                      <a:pPr marL="0" marR="0" indent="0" algn="l" defTabSz="914400" rtl="0" eaLnBrk="1" fontAlgn="auto" latinLnBrk="0" hangingPunct="1">
+                        <a:lnSpc>
+                          <a:spcPct val="100000"/>
+                        </a:lnSpc>
+                        <a:spcBef>
+                          <a:spcPts val="0"/>
+                        </a:spcBef>
+                        <a:spcAft>
+                          <a:spcPts val="0"/>
+                        </a:spcAft>
+                        <a:buClrTx/>
+                        <a:buSzTx/>
+                        <a:buFontTx/>
+                        <a:buNone/>
+                        <a:tabLst/>
+                        <a:defRPr/>
+                      </a:pPr>
+                      <a:r>
+                        <a:rPr lang="zh-CN" altLang="en-US" dirty="0" smtClean="0"/>
+                        <a:t>性能问题：</a:t>
+                      </a:r>
+                      <a:endParaRPr lang="en-US" altLang="zh-CN" dirty="0" smtClean="0"/>
+                    </a:p>
+                    <a:p>
+                      <a:pPr marL="285750" marR="0" indent="-285750" algn="l" defTabSz="914400" rtl="0" eaLnBrk="1" fontAlgn="auto" latinLnBrk="0" hangingPunct="1">
+                        <a:lnSpc>
+                          <a:spcPct val="100000"/>
+                        </a:lnSpc>
+                        <a:spcBef>
+                          <a:spcPts val="0"/>
+                        </a:spcBef>
+                        <a:spcAft>
+                          <a:spcPts val="0"/>
+                        </a:spcAft>
+                        <a:buClrTx/>
+                        <a:buSzTx/>
+                        <a:buFont typeface="Arial" panose="020B0604020202020204" pitchFamily="34" charset="0"/>
+                        <a:buChar char="•"/>
+                        <a:tabLst/>
+                        <a:defRPr/>
+                      </a:pPr>
+                      <a:r>
+                        <a:rPr lang="en-US" altLang="zh-CN" dirty="0" err="1" smtClean="0"/>
+                        <a:t>Angulara</a:t>
+                      </a:r>
+                      <a:r>
+                        <a:rPr lang="zh-CN" altLang="en-US" dirty="0" smtClean="0"/>
+                        <a:t>通过对数据进行脏检查实现双向数据绑定功能，数据监听越多，速度越慢</a:t>
+                      </a:r>
+                      <a:endParaRPr lang="en-US" altLang="zh-CN" dirty="0" smtClean="0"/>
+                    </a:p>
+                    <a:p>
+                      <a:pPr marL="285750" marR="0" indent="-285750" algn="l" defTabSz="914400" rtl="0" eaLnBrk="1" fontAlgn="auto" latinLnBrk="0" hangingPunct="1">
+                        <a:lnSpc>
+                          <a:spcPct val="100000"/>
+                        </a:lnSpc>
+                        <a:spcBef>
+                          <a:spcPts val="0"/>
+                        </a:spcBef>
+                        <a:spcAft>
+                          <a:spcPts val="0"/>
+                        </a:spcAft>
+                        <a:buClrTx/>
+                        <a:buSzTx/>
+                        <a:buFont typeface="Arial" panose="020B0604020202020204" pitchFamily="34" charset="0"/>
+                        <a:buChar char="•"/>
+                        <a:tabLst/>
+                        <a:defRPr/>
+                      </a:pPr>
+                      <a:r>
+                        <a:rPr lang="en-US" altLang="zh-CN" dirty="0" err="1" smtClean="0"/>
+                        <a:t>Vue</a:t>
+                      </a:r>
+                      <a:r>
+                        <a:rPr lang="zh-CN" altLang="en-US" dirty="0" smtClean="0"/>
+                        <a:t>采用基于依赖追踪的观察并且使用异步队列进行更新机制实现双线数据绑定，所有数据都是独立触发的</a:t>
+                      </a:r>
+                    </a:p>
+                  </a:txBody>
+                  <a:tcPr/>
+                </a:tc>
+              </a:tr>
+              <a:tr h="370840">
+                <a:tc>
+                  <a:txBody>
+                    <a:bodyPr/>
+                    <a:lstStyle/>
+                    <a:p>
+                      <a:r>
+                        <a:rPr lang="zh-CN" altLang="en-US" dirty="0" smtClean="0"/>
+                        <a:t>都不支持低端浏览器</a:t>
+                      </a:r>
+                      <a:endParaRPr lang="zh-CN" altLang="en-US" dirty="0"/>
+                    </a:p>
+                  </a:txBody>
+                  <a:tcPr/>
+                </a:tc>
+                <a:tc vMerge="1">
+                  <a:txBody>
+                    <a:bodyPr/>
+                    <a:lstStyle/>
+                    <a:p>
+                      <a:endParaRPr lang="zh-CN" altLang="en-US" dirty="0"/>
+                    </a:p>
+                  </a:txBody>
+                  <a:tcPr/>
+                </a:tc>
+              </a:tr>
+            </a:tbl>
+          </a:graphicData>
+        </a:graphic>
+      </p:graphicFrame>
+      <p:graphicFrame>
+        <p:nvGraphicFramePr>
+          <p:cNvPr id="5" name="表格 4"/>
+          <p:cNvGraphicFramePr>
+            <a:graphicFrameLocks noGrp="1"/>
+          </p:cNvGraphicFramePr>
+          <p:nvPr>
+            <p:extLst>
+              <p:ext uri="{D42A27DB-BD31-4B8C-83A1-F6EECF244321}">
+                <p14:modId xmlns:p14="http://schemas.microsoft.com/office/powerpoint/2010/main" val="286867676"/>
+              </p:ext>
+            </p:extLst>
+          </p:nvPr>
+        </p:nvGraphicFramePr>
+        <p:xfrm>
+          <a:off x="341952" y="3751742"/>
+          <a:ext cx="11370101" cy="2760741"/>
+        </p:xfrm>
+        <a:graphic>
+          <a:graphicData uri="http://schemas.openxmlformats.org/drawingml/2006/table">
+            <a:tbl>
+              <a:tblPr firstRow="1" bandRow="1">
+                <a:tableStyleId>{5C22544A-7EE6-4342-B048-85BDC9FD1C3A}</a:tableStyleId>
+              </a:tblPr>
+              <a:tblGrid>
+                <a:gridCol w="4846471"/>
+                <a:gridCol w="6523630"/>
+              </a:tblGrid>
+              <a:tr h="319826">
+                <a:tc gridSpan="2">
+                  <a:txBody>
+                    <a:bodyPr/>
+                    <a:lstStyle/>
+                    <a:p>
+                      <a:pPr algn="ctr"/>
+                      <a:r>
+                        <a:rPr lang="en-US" altLang="zh-CN" dirty="0" err="1" smtClean="0"/>
+                        <a:t>Vue</a:t>
+                      </a:r>
+                      <a:r>
+                        <a:rPr lang="zh-CN" altLang="en-US" dirty="0" smtClean="0"/>
+                        <a:t>与</a:t>
+                      </a:r>
+                      <a:r>
+                        <a:rPr lang="en-US" altLang="zh-CN" dirty="0" smtClean="0"/>
+                        <a:t>React</a:t>
+                      </a:r>
+                      <a:r>
+                        <a:rPr lang="zh-CN" altLang="en-US" dirty="0" smtClean="0"/>
+                        <a:t>比较</a:t>
+                      </a:r>
+                      <a:endParaRPr lang="zh-CN" altLang="en-US" dirty="0"/>
+                    </a:p>
+                  </a:txBody>
+                  <a:tcPr/>
+                </a:tc>
+                <a:tc hMerge="1">
+                  <a:txBody>
+                    <a:bodyPr/>
+                    <a:lstStyle/>
+                    <a:p>
+                      <a:endParaRPr lang="zh-CN" altLang="en-US" dirty="0"/>
+                    </a:p>
+                  </a:txBody>
+                  <a:tcPr/>
+                </a:tc>
+              </a:tr>
+              <a:tr h="319826">
+                <a:tc>
+                  <a:txBody>
+                    <a:bodyPr/>
+                    <a:lstStyle/>
+                    <a:p>
+                      <a:pPr algn="ctr"/>
+                      <a:r>
+                        <a:rPr lang="zh-CN" altLang="en-US" dirty="0" smtClean="0"/>
+                        <a:t>相同点</a:t>
+                      </a:r>
+                      <a:endParaRPr lang="zh-CN" altLang="en-US" dirty="0"/>
+                    </a:p>
+                  </a:txBody>
+                  <a:tcPr/>
+                </a:tc>
+                <a:tc>
+                  <a:txBody>
+                    <a:bodyPr/>
+                    <a:lstStyle/>
+                    <a:p>
+                      <a:pPr algn="ctr"/>
+                      <a:r>
+                        <a:rPr lang="zh-CN" altLang="en-US" dirty="0" smtClean="0"/>
+                        <a:t>不同点</a:t>
+                      </a:r>
+                      <a:endParaRPr lang="zh-CN" altLang="en-US" dirty="0"/>
+                    </a:p>
+                  </a:txBody>
+                  <a:tcPr/>
+                </a:tc>
+              </a:tr>
+              <a:tr h="446380">
+                <a:tc>
+                  <a:txBody>
+                    <a:bodyPr/>
+                    <a:lstStyle/>
+                    <a:p>
+                      <a:r>
+                        <a:rPr lang="zh-CN" altLang="en-US" dirty="0" smtClean="0"/>
+                        <a:t>中心思想相同：一切都是组件</a:t>
+                      </a:r>
+                      <a:endParaRPr lang="zh-CN" altLang="en-US" dirty="0"/>
+                    </a:p>
+                  </a:txBody>
+                  <a:tcPr/>
+                </a:tc>
+                <a:tc rowSpan="3">
+                  <a:txBody>
+                    <a:bodyPr/>
+                    <a:lstStyle/>
+                    <a:p>
+                      <a:pPr marL="0" indent="0">
+                        <a:buFont typeface="Arial" panose="020B0604020202020204" pitchFamily="34" charset="0"/>
+                        <a:buNone/>
+                      </a:pPr>
+                      <a:r>
+                        <a:rPr lang="zh-CN" altLang="en-US" dirty="0" smtClean="0"/>
+                        <a:t>对</a:t>
+                      </a:r>
+                      <a:r>
+                        <a:rPr lang="en-US" altLang="zh-CN" dirty="0" err="1" smtClean="0"/>
+                        <a:t>VirtualDOM</a:t>
+                      </a:r>
+                      <a:r>
+                        <a:rPr lang="zh-CN" altLang="en-US" dirty="0" smtClean="0"/>
+                        <a:t>的依赖：</a:t>
+                      </a:r>
+                      <a:endParaRPr lang="en-US" altLang="zh-CN" dirty="0" smtClean="0"/>
+                    </a:p>
+                    <a:p>
+                      <a:pPr marL="285750" indent="-285750">
+                        <a:buFont typeface="Arial" panose="020B0604020202020204" pitchFamily="34" charset="0"/>
+                        <a:buChar char="•"/>
+                      </a:pPr>
+                      <a:r>
+                        <a:rPr lang="en-US" altLang="zh-CN" dirty="0" smtClean="0"/>
+                        <a:t>React</a:t>
+                      </a:r>
+                      <a:r>
+                        <a:rPr lang="zh-CN" altLang="en-US" dirty="0" smtClean="0"/>
+                        <a:t>依赖</a:t>
+                      </a:r>
+                      <a:r>
+                        <a:rPr lang="en-US" altLang="zh-CN" dirty="0" err="1" smtClean="0"/>
+                        <a:t>VirtualDOM</a:t>
+                      </a:r>
+                      <a:r>
+                        <a:rPr lang="zh-CN" altLang="en-US" dirty="0" smtClean="0"/>
+                        <a:t>，</a:t>
+                      </a:r>
+                      <a:r>
+                        <a:rPr lang="en-US" altLang="zh-CN" dirty="0" smtClean="0"/>
+                        <a:t>React</a:t>
+                      </a:r>
+                      <a:r>
+                        <a:rPr lang="zh-CN" altLang="en-US" dirty="0" smtClean="0"/>
+                        <a:t>采用的</a:t>
+                      </a:r>
+                      <a:r>
+                        <a:rPr lang="en-US" altLang="zh-CN" dirty="0" err="1" smtClean="0"/>
+                        <a:t>VirtualDOM</a:t>
+                      </a:r>
+                      <a:r>
+                        <a:rPr lang="zh-CN" altLang="en-US" dirty="0" smtClean="0"/>
+                        <a:t>会对渲染出来的结果做脏检查</a:t>
+                      </a:r>
+                      <a:endParaRPr lang="en-US" altLang="zh-CN" dirty="0" smtClean="0"/>
+                    </a:p>
+                    <a:p>
+                      <a:pPr marL="285750" indent="-285750">
+                        <a:buFont typeface="Arial" panose="020B0604020202020204" pitchFamily="34" charset="0"/>
+                        <a:buChar char="•"/>
+                      </a:pPr>
+                      <a:r>
+                        <a:rPr lang="en-US" altLang="zh-CN" dirty="0" err="1" smtClean="0"/>
+                        <a:t>Vue</a:t>
+                      </a:r>
+                      <a:r>
+                        <a:rPr lang="zh-CN" altLang="en-US" dirty="0" smtClean="0"/>
+                        <a:t>使用的是</a:t>
+                      </a:r>
+                      <a:r>
+                        <a:rPr lang="en-US" altLang="zh-CN" dirty="0" smtClean="0"/>
+                        <a:t>DOM</a:t>
+                      </a:r>
+                      <a:r>
+                        <a:rPr lang="zh-CN" altLang="en-US" dirty="0" smtClean="0"/>
+                        <a:t>模板，在模板中提供了指令、过滤器，可以非常方便的操作</a:t>
+                      </a:r>
+                      <a:r>
+                        <a:rPr lang="en-US" altLang="zh-CN" dirty="0" smtClean="0"/>
+                        <a:t>DOM</a:t>
+                      </a:r>
+                    </a:p>
+                  </a:txBody>
+                  <a:tcPr/>
+                </a:tc>
+              </a:tr>
+              <a:tr h="552028">
+                <a:tc>
+                  <a:txBody>
+                    <a:bodyPr/>
+                    <a:lstStyle/>
+                    <a:p>
+                      <a:r>
+                        <a:rPr lang="zh-CN" altLang="en-US" dirty="0" smtClean="0"/>
+                        <a:t>都提供了合理的钩子函数，可以让开发者定制处理需求</a:t>
+                      </a:r>
+                      <a:endParaRPr lang="zh-CN" altLang="en-US" dirty="0"/>
+                    </a:p>
+                  </a:txBody>
+                  <a:tcPr/>
+                </a:tc>
+                <a:tc vMerge="1">
+                  <a:txBody>
+                    <a:bodyPr/>
+                    <a:lstStyle/>
+                    <a:p>
+                      <a:endParaRPr lang="zh-CN" altLang="en-US" dirty="0"/>
+                    </a:p>
+                  </a:txBody>
+                  <a:tcPr/>
+                </a:tc>
+              </a:tr>
+              <a:tr h="942761">
+                <a:tc>
+                  <a:txBody>
+                    <a:bodyPr/>
+                    <a:lstStyle/>
+                    <a:p>
+                      <a:r>
+                        <a:rPr lang="zh-CN" altLang="en-US" dirty="0" smtClean="0"/>
+                        <a:t>都不内置</a:t>
+                      </a:r>
+                      <a:r>
+                        <a:rPr lang="en-US" altLang="zh-CN" dirty="0" err="1" smtClean="0"/>
+                        <a:t>ajax</a:t>
+                      </a:r>
+                      <a:r>
+                        <a:rPr lang="zh-CN" altLang="en-US" dirty="0" smtClean="0"/>
+                        <a:t>、</a:t>
+                      </a:r>
+                      <a:r>
+                        <a:rPr lang="en-US" altLang="zh-CN" dirty="0" smtClean="0"/>
+                        <a:t>router</a:t>
+                      </a:r>
+                      <a:r>
+                        <a:rPr lang="zh-CN" altLang="en-US" dirty="0" smtClean="0"/>
+                        <a:t>等功能到核心包，而是采用插件的方式</a:t>
+                      </a:r>
+                      <a:endParaRPr lang="zh-CN" altLang="en-US" dirty="0"/>
+                    </a:p>
+                  </a:txBody>
+                  <a:tcPr/>
+                </a:tc>
+                <a:tc vMerge="1">
+                  <a:txBody>
+                    <a:bodyPr/>
+                    <a:lstStyle/>
+                    <a:p>
+                      <a:pPr marL="0" marR="0" indent="0" algn="l" defTabSz="914400" rtl="0" eaLnBrk="1" fontAlgn="auto" latinLnBrk="0" hangingPunct="1">
+                        <a:lnSpc>
+                          <a:spcPct val="100000"/>
+                        </a:lnSpc>
+                        <a:spcBef>
+                          <a:spcPts val="0"/>
+                        </a:spcBef>
+                        <a:spcAft>
+                          <a:spcPts val="0"/>
+                        </a:spcAft>
+                        <a:buClrTx/>
+                        <a:buSzTx/>
+                        <a:buFontTx/>
+                        <a:buNone/>
+                        <a:tabLst/>
+                        <a:defRPr/>
+                      </a:pPr>
+                      <a:endParaRPr lang="zh-CN" altLang="en-US" dirty="0" smtClean="0"/>
+                    </a:p>
+                  </a:txBody>
+                  <a:tcPr/>
+                </a:tc>
+              </a:tr>
+            </a:tbl>
+          </a:graphicData>
+        </a:graphic>
+      </p:graphicFrame>
     </p:spTree>
     <p:extLst>
       <p:ext uri="{BB962C8B-B14F-4D97-AF65-F5344CB8AC3E}">
-        <p14:creationId xmlns:p14="http://schemas.microsoft.com/office/powerpoint/2010/main" val="3137779150"/>
+        <p14:creationId xmlns:p14="http://schemas.microsoft.com/office/powerpoint/2010/main" val="237013988"/>
       </p:ext>
     </p:extLst>
   </p:cSld>

--- a/Vue/vue.pptx
+++ b/Vue/vue.pptx
@@ -3119,17 +3119,7 @@
                 <a:effectLst/>
                 <a:latin typeface="-apple-system,BlinkMacSystemFont,Helvetica Neue,PingFang SC,Microsoft YaHei,Source Han Sans SC,Noto Sans CJK SC,WenQuanYi Micro Hei,sans-serif"/>
               </a:rPr>
-              <a:t>命令式</a:t>
-            </a:r>
-            <a:r>
-              <a:rPr lang="zh-CN" altLang="en-US" b="0" i="0" dirty="0" smtClean="0">
-                <a:solidFill>
-                  <a:srgbClr val="333333"/>
-                </a:solidFill>
-                <a:effectLst/>
-                <a:latin typeface="-apple-system,BlinkMacSystemFont,Helvetica Neue,PingFang SC,Microsoft YaHei,Source Han Sans SC,Noto Sans CJK SC,WenQuanYi Micro Hei,sans-serif"/>
-              </a:rPr>
-              <a:t>渲染 ： 命令我们的程序去做什么，程序就会跟着你的命令去一步一步执行</a:t>
+              <a:t>命令式渲染 ： 命令我们的程序去做什么，程序就会跟着你的命令去一步一步执行</a:t>
             </a:r>
           </a:p>
           <a:p>
@@ -3284,27 +3274,7 @@
                 <a:effectLst/>
                 <a:latin typeface="+mn-ea"/>
               </a:rPr>
-              <a:t>用</a:t>
-            </a:r>
-            <a:r>
-              <a:rPr lang="zh-CN" altLang="en-US" i="0" dirty="0" smtClean="0">
-                <a:solidFill>
-                  <a:srgbClr val="333333"/>
-                </a:solidFill>
-                <a:effectLst/>
-                <a:latin typeface="+mn-ea"/>
-              </a:rPr>
-              <a:t>；还</a:t>
-            </a:r>
-            <a:r>
-              <a:rPr lang="zh-CN" altLang="en-US" i="0" dirty="0" smtClean="0">
-                <a:solidFill>
-                  <a:srgbClr val="333333"/>
-                </a:solidFill>
-                <a:effectLst/>
-                <a:latin typeface="+mn-ea"/>
-              </a:rPr>
-              <a:t>可以用它的视图，搭配你自己设计的整个下层用。你可以在底层数据逻辑的地方用</a:t>
+              <a:t>用；还可以用它的视图，搭配你自己设计的整个下层用。你可以在底层数据逻辑的地方用</a:t>
             </a:r>
             <a:r>
               <a:rPr lang="en-US" altLang="zh-CN" i="0" dirty="0" smtClean="0">
@@ -3417,6 +3387,13 @@
   <p:clrMapOvr>
     <a:masterClrMapping/>
   </p:clrMapOvr>
+  <p:timing>
+    <p:tnLst>
+      <p:par>
+        <p:cTn id="1" dur="indefinite" restart="never" nodeType="tmRoot"/>
+      </p:par>
+    </p:tnLst>
+  </p:timing>
 </p:sld>
 </file>
 
@@ -5347,16 +5324,7 @@
                 </a:solidFill>
                 <a:latin typeface="Source Sans Pro"/>
               </a:rPr>
-              <a:t>{{ </a:t>
-            </a:r>
-            <a:r>
-              <a:rPr lang="en-US" altLang="zh-CN" dirty="0" smtClean="0">
-                <a:solidFill>
-                  <a:srgbClr val="34495E"/>
-                </a:solidFill>
-                <a:latin typeface="Source Sans Pro"/>
-              </a:rPr>
-              <a:t>}}</a:t>
+              <a:t>{{ }}</a:t>
             </a:r>
             <a:r>
               <a:rPr lang="zh-CN" altLang="en-US" dirty="0" smtClean="0">
@@ -5426,16 +5394,7 @@
                 </a:solidFill>
                 <a:latin typeface="Source Sans Pro"/>
               </a:rPr>
-              <a:t>标签也接受表达式形式的值，表达式</a:t>
-            </a:r>
-            <a:r>
-              <a:rPr lang="zh-CN" altLang="en-US" dirty="0" smtClean="0">
-                <a:solidFill>
-                  <a:srgbClr val="34495E"/>
-                </a:solidFill>
-                <a:latin typeface="Source Sans Pro"/>
-              </a:rPr>
-              <a:t>由</a:t>
+              <a:t>标签也接受表达式形式的值，表达式由</a:t>
             </a:r>
             <a:r>
               <a:rPr lang="en-US" altLang="zh-CN" dirty="0" err="1" smtClean="0">
@@ -9634,7 +9593,6 @@
               <a:rPr lang="zh-CN" altLang="en-US" dirty="0"/>
               <a:t>处理函数仅响应特定的鼠标按钮</a:t>
             </a:r>
-            <a:endParaRPr lang="zh-CN" altLang="en-US" dirty="0"/>
           </a:p>
         </p:txBody>
       </p:sp>
@@ -9782,7 +9740,6 @@
               <a:rPr lang="zh-CN" altLang="en-US" dirty="0"/>
               <a:t>仅在按下相应按键时才触发鼠标或键盘事件的监听器</a:t>
             </a:r>
-            <a:endParaRPr lang="zh-CN" altLang="en-US" dirty="0"/>
           </a:p>
         </p:txBody>
       </p:sp>
@@ -10250,16 +10207,7 @@
                 </a:solidFill>
                 <a:latin typeface="Source Sans Pro"/>
               </a:rPr>
-              <a:t>表明元素是一个静态节点，只对元素进行一次渲染，渲染之后不管值再怎么变化，使用了此指令的元素节点及其所有的子节点，都会当做静态内容跳过，不会进行值的更新</a:t>
-            </a:r>
-            <a:r>
-              <a:rPr lang="zh-CN" altLang="en-US" dirty="0" smtClean="0">
-                <a:solidFill>
-                  <a:srgbClr val="34495E"/>
-                </a:solidFill>
-                <a:latin typeface="Source Sans Pro"/>
-              </a:rPr>
-              <a:t>。</a:t>
+              <a:t>表明元素是一个静态节点，只对元素进行一次渲染，渲染之后不管值再怎么变化，使用了此指令的元素节点及其所有的子节点，都会当做静态内容跳过，不会进行值的更新。</a:t>
             </a:r>
             <a:endParaRPr lang="zh-CN" altLang="en-US" dirty="0"/>
           </a:p>
@@ -16891,19 +16839,11 @@
             </a:r>
             <a:r>
               <a:rPr lang="zh-CN" altLang="en-US" dirty="0" smtClean="0"/>
-              <a:t>界面的</a:t>
-            </a:r>
-            <a:r>
-              <a:rPr lang="zh-CN" altLang="en-US" dirty="0" smtClean="0"/>
-              <a:t>库，</a:t>
+              <a:t>界面的库，</a:t>
             </a:r>
             <a:r>
               <a:rPr lang="zh-CN" altLang="zh-CN" dirty="0"/>
-              <a:t>非常</a:t>
-            </a:r>
-            <a:r>
-              <a:rPr lang="zh-CN" altLang="zh-CN" dirty="0"/>
-              <a:t>容易与其它库或已有项目整合 </a:t>
+              <a:t>非常容易与其它库或已有项目整合 </a:t>
             </a:r>
           </a:p>
         </p:txBody>
@@ -16982,6 +16922,13 @@
   <p:clrMapOvr>
     <a:masterClrMapping/>
   </p:clrMapOvr>
+  <p:timing>
+    <p:tnLst>
+      <p:par>
+        <p:cTn id="1" dur="indefinite" restart="never" nodeType="tmRoot"/>
+      </p:par>
+    </p:tnLst>
+  </p:timing>
 </p:sld>
 </file>
 
@@ -17011,20 +16958,20 @@
           <p:nvPr>
             <p:extLst>
               <p:ext uri="{D42A27DB-BD31-4B8C-83A1-F6EECF244321}">
-                <p14:modId xmlns:p14="http://schemas.microsoft.com/office/powerpoint/2010/main" val="1977056096"/>
+                <p14:modId xmlns:p14="http://schemas.microsoft.com/office/powerpoint/2010/main" val="3375226849"/>
               </p:ext>
             </p:extLst>
           </p:nvPr>
         </p:nvGraphicFramePr>
         <p:xfrm>
-          <a:off x="339678" y="241988"/>
-          <a:ext cx="11370101" cy="3295506"/>
+          <a:off x="339678" y="387128"/>
+          <a:ext cx="11370101" cy="3119120"/>
         </p:xfrm>
         <a:graphic>
           <a:graphicData uri="http://schemas.openxmlformats.org/drawingml/2006/table">
             <a:tbl>
               <a:tblPr firstRow="1" bandRow="1">
-                <a:tableStyleId>{5C22544A-7EE6-4342-B048-85BDC9FD1C3A}</a:tableStyleId>
+                <a:tableStyleId>{93296810-A885-4BE3-A3E7-6D5BEEA58F35}</a:tableStyleId>
               </a:tblPr>
               <a:tblGrid>
                 <a:gridCol w="4846471"/>
@@ -17056,7 +17003,44 @@
                       <a:endParaRPr lang="zh-CN" altLang="en-US" dirty="0"/>
                     </a:p>
                   </a:txBody>
-                  <a:tcPr/>
+                  <a:tcPr>
+                    <a:lnL w="12700" cap="flat" cmpd="sng" algn="ctr">
+                      <a:solidFill>
+                        <a:schemeClr val="tx1"/>
+                      </a:solidFill>
+                      <a:prstDash val="solid"/>
+                      <a:round/>
+                      <a:headEnd type="none" w="med" len="med"/>
+                      <a:tailEnd type="none" w="med" len="med"/>
+                    </a:lnL>
+                    <a:lnR w="12700" cap="flat" cmpd="sng" algn="ctr">
+                      <a:solidFill>
+                        <a:schemeClr val="tx1"/>
+                      </a:solidFill>
+                      <a:prstDash val="solid"/>
+                      <a:round/>
+                      <a:headEnd type="none" w="med" len="med"/>
+                      <a:tailEnd type="none" w="med" len="med"/>
+                    </a:lnR>
+                    <a:lnT w="12700" cap="flat" cmpd="sng" algn="ctr">
+                      <a:solidFill>
+                        <a:schemeClr val="tx1"/>
+                      </a:solidFill>
+                      <a:prstDash val="solid"/>
+                      <a:round/>
+                      <a:headEnd type="none" w="med" len="med"/>
+                      <a:tailEnd type="none" w="med" len="med"/>
+                    </a:lnT>
+                    <a:lnB w="12700" cap="flat" cmpd="sng" algn="ctr">
+                      <a:solidFill>
+                        <a:schemeClr val="tx1"/>
+                      </a:solidFill>
+                      <a:prstDash val="solid"/>
+                      <a:round/>
+                      <a:headEnd type="none" w="med" len="med"/>
+                      <a:tailEnd type="none" w="med" len="med"/>
+                    </a:lnB>
+                  </a:tcPr>
                 </a:tc>
                 <a:tc hMerge="1">
                   <a:txBody>
@@ -17083,7 +17067,44 @@
                       <a:endParaRPr lang="zh-CN" altLang="en-US" dirty="0"/>
                     </a:p>
                   </a:txBody>
-                  <a:tcPr/>
+                  <a:tcPr>
+                    <a:lnL w="12700" cap="flat" cmpd="sng" algn="ctr">
+                      <a:solidFill>
+                        <a:schemeClr val="tx1"/>
+                      </a:solidFill>
+                      <a:prstDash val="solid"/>
+                      <a:round/>
+                      <a:headEnd type="none" w="med" len="med"/>
+                      <a:tailEnd type="none" w="med" len="med"/>
+                    </a:lnL>
+                    <a:lnR w="12700" cap="flat" cmpd="sng" algn="ctr">
+                      <a:solidFill>
+                        <a:schemeClr val="tx1"/>
+                      </a:solidFill>
+                      <a:prstDash val="solid"/>
+                      <a:round/>
+                      <a:headEnd type="none" w="med" len="med"/>
+                      <a:tailEnd type="none" w="med" len="med"/>
+                    </a:lnR>
+                    <a:lnT w="12700" cap="flat" cmpd="sng" algn="ctr">
+                      <a:solidFill>
+                        <a:schemeClr val="tx1"/>
+                      </a:solidFill>
+                      <a:prstDash val="solid"/>
+                      <a:round/>
+                      <a:headEnd type="none" w="med" len="med"/>
+                      <a:tailEnd type="none" w="med" len="med"/>
+                    </a:lnT>
+                    <a:lnB w="12700" cap="flat" cmpd="sng" algn="ctr">
+                      <a:solidFill>
+                        <a:schemeClr val="tx1"/>
+                      </a:solidFill>
+                      <a:prstDash val="solid"/>
+                      <a:round/>
+                      <a:headEnd type="none" w="med" len="med"/>
+                      <a:tailEnd type="none" w="med" len="med"/>
+                    </a:lnB>
+                  </a:tcPr>
                 </a:tc>
                 <a:tc>
                   <a:txBody>
@@ -17098,10 +17119,47 @@
                       <a:endParaRPr lang="zh-CN" altLang="en-US" dirty="0"/>
                     </a:p>
                   </a:txBody>
-                  <a:tcPr/>
+                  <a:tcPr>
+                    <a:lnL w="12700" cap="flat" cmpd="sng" algn="ctr">
+                      <a:solidFill>
+                        <a:schemeClr val="tx1"/>
+                      </a:solidFill>
+                      <a:prstDash val="solid"/>
+                      <a:round/>
+                      <a:headEnd type="none" w="med" len="med"/>
+                      <a:tailEnd type="none" w="med" len="med"/>
+                    </a:lnL>
+                    <a:lnR w="12700" cap="flat" cmpd="sng" algn="ctr">
+                      <a:solidFill>
+                        <a:schemeClr val="tx1"/>
+                      </a:solidFill>
+                      <a:prstDash val="solid"/>
+                      <a:round/>
+                      <a:headEnd type="none" w="med" len="med"/>
+                      <a:tailEnd type="none" w="med" len="med"/>
+                    </a:lnR>
+                    <a:lnT w="12700" cap="flat" cmpd="sng" algn="ctr">
+                      <a:solidFill>
+                        <a:schemeClr val="tx1"/>
+                      </a:solidFill>
+                      <a:prstDash val="solid"/>
+                      <a:round/>
+                      <a:headEnd type="none" w="med" len="med"/>
+                      <a:tailEnd type="none" w="med" len="med"/>
+                    </a:lnT>
+                    <a:lnB w="12700" cap="flat" cmpd="sng" algn="ctr">
+                      <a:solidFill>
+                        <a:schemeClr val="tx1"/>
+                      </a:solidFill>
+                      <a:prstDash val="solid"/>
+                      <a:round/>
+                      <a:headEnd type="none" w="med" len="med"/>
+                      <a:tailEnd type="none" w="med" len="med"/>
+                    </a:lnB>
+                  </a:tcPr>
                 </a:tc>
               </a:tr>
-              <a:tr h="517580">
+              <a:tr h="496789">
                 <a:tc>
                   <a:txBody>
                     <a:bodyPr/>
@@ -17114,7 +17172,44 @@
                       <a:endParaRPr lang="zh-CN" altLang="en-US" dirty="0"/>
                     </a:p>
                   </a:txBody>
-                  <a:tcPr/>
+                  <a:tcPr anchor="ctr">
+                    <a:lnL w="12700" cap="flat" cmpd="sng" algn="ctr">
+                      <a:solidFill>
+                        <a:schemeClr val="tx1"/>
+                      </a:solidFill>
+                      <a:prstDash val="solid"/>
+                      <a:round/>
+                      <a:headEnd type="none" w="med" len="med"/>
+                      <a:tailEnd type="none" w="med" len="med"/>
+                    </a:lnL>
+                    <a:lnR w="12700" cap="flat" cmpd="sng" algn="ctr">
+                      <a:solidFill>
+                        <a:schemeClr val="tx1"/>
+                      </a:solidFill>
+                      <a:prstDash val="solid"/>
+                      <a:round/>
+                      <a:headEnd type="none" w="med" len="med"/>
+                      <a:tailEnd type="none" w="med" len="med"/>
+                    </a:lnR>
+                    <a:lnT w="12700" cap="flat" cmpd="sng" algn="ctr">
+                      <a:solidFill>
+                        <a:schemeClr val="tx1"/>
+                      </a:solidFill>
+                      <a:prstDash val="solid"/>
+                      <a:round/>
+                      <a:headEnd type="none" w="med" len="med"/>
+                      <a:tailEnd type="none" w="med" len="med"/>
+                    </a:lnT>
+                    <a:lnB w="12700" cap="flat" cmpd="sng" algn="ctr">
+                      <a:solidFill>
+                        <a:schemeClr val="tx1"/>
+                      </a:solidFill>
+                      <a:prstDash val="solid"/>
+                      <a:round/>
+                      <a:headEnd type="none" w="med" len="med"/>
+                      <a:tailEnd type="none" w="med" len="med"/>
+                    </a:lnB>
+                  </a:tcPr>
                 </a:tc>
                 <a:tc rowSpan="2">
                   <a:txBody>
@@ -17142,11 +17237,7 @@
                       </a:r>
                       <a:r>
                         <a:rPr lang="zh-CN" altLang="en-US" dirty="0" smtClean="0"/>
-                        <a:t>学习成本较高</a:t>
-                      </a:r>
-                      <a:r>
-                        <a:rPr lang="zh-CN" altLang="en-US" dirty="0" smtClean="0"/>
-                        <a:t>，需要学习大量的概念</a:t>
+                        <a:t>学习成本较高，需要学习大量的概念</a:t>
                       </a:r>
                       <a:endParaRPr lang="zh-CN" altLang="en-US" dirty="0"/>
                     </a:p>
@@ -17174,10 +17265,47 @@
                       <a:endParaRPr lang="zh-CN" altLang="en-US" dirty="0"/>
                     </a:p>
                   </a:txBody>
-                  <a:tcPr/>
+                  <a:tcPr anchor="ctr">
+                    <a:lnL w="12700" cap="flat" cmpd="sng" algn="ctr">
+                      <a:solidFill>
+                        <a:schemeClr val="tx1"/>
+                      </a:solidFill>
+                      <a:prstDash val="solid"/>
+                      <a:round/>
+                      <a:headEnd type="none" w="med" len="med"/>
+                      <a:tailEnd type="none" w="med" len="med"/>
+                    </a:lnL>
+                    <a:lnR w="12700" cap="flat" cmpd="sng" algn="ctr">
+                      <a:solidFill>
+                        <a:schemeClr val="tx1"/>
+                      </a:solidFill>
+                      <a:prstDash val="solid"/>
+                      <a:round/>
+                      <a:headEnd type="none" w="med" len="med"/>
+                      <a:tailEnd type="none" w="med" len="med"/>
+                    </a:lnR>
+                    <a:lnT w="12700" cap="flat" cmpd="sng" algn="ctr">
+                      <a:solidFill>
+                        <a:schemeClr val="tx1"/>
+                      </a:solidFill>
+                      <a:prstDash val="solid"/>
+                      <a:round/>
+                      <a:headEnd type="none" w="med" len="med"/>
+                      <a:tailEnd type="none" w="med" len="med"/>
+                    </a:lnT>
+                    <a:lnB w="12700" cap="flat" cmpd="sng" algn="ctr">
+                      <a:solidFill>
+                        <a:schemeClr val="tx1"/>
+                      </a:solidFill>
+                      <a:prstDash val="solid"/>
+                      <a:round/>
+                      <a:headEnd type="none" w="med" len="med"/>
+                      <a:tailEnd type="none" w="med" len="med"/>
+                    </a:lnB>
+                  </a:tcPr>
                 </a:tc>
               </a:tr>
-              <a:tr h="573206">
+              <a:tr h="400123">
                 <a:tc>
                   <a:txBody>
                     <a:bodyPr/>
@@ -17190,7 +17318,44 @@
                       <a:endParaRPr lang="zh-CN" altLang="en-US" dirty="0"/>
                     </a:p>
                   </a:txBody>
-                  <a:tcPr/>
+                  <a:tcPr anchor="ctr">
+                    <a:lnL w="12700" cap="flat" cmpd="sng" algn="ctr">
+                      <a:solidFill>
+                        <a:schemeClr val="tx1"/>
+                      </a:solidFill>
+                      <a:prstDash val="solid"/>
+                      <a:round/>
+                      <a:headEnd type="none" w="med" len="med"/>
+                      <a:tailEnd type="none" w="med" len="med"/>
+                    </a:lnL>
+                    <a:lnR w="12700" cap="flat" cmpd="sng" algn="ctr">
+                      <a:solidFill>
+                        <a:schemeClr val="tx1"/>
+                      </a:solidFill>
+                      <a:prstDash val="solid"/>
+                      <a:round/>
+                      <a:headEnd type="none" w="med" len="med"/>
+                      <a:tailEnd type="none" w="med" len="med"/>
+                    </a:lnR>
+                    <a:lnT w="12700" cap="flat" cmpd="sng" algn="ctr">
+                      <a:solidFill>
+                        <a:schemeClr val="tx1"/>
+                      </a:solidFill>
+                      <a:prstDash val="solid"/>
+                      <a:round/>
+                      <a:headEnd type="none" w="med" len="med"/>
+                      <a:tailEnd type="none" w="med" len="med"/>
+                    </a:lnT>
+                    <a:lnB w="12700" cap="flat" cmpd="sng" algn="ctr">
+                      <a:solidFill>
+                        <a:schemeClr val="tx1"/>
+                      </a:solidFill>
+                      <a:prstDash val="solid"/>
+                      <a:round/>
+                      <a:headEnd type="none" w="med" len="med"/>
+                      <a:tailEnd type="none" w="med" len="med"/>
+                    </a:lnB>
+                  </a:tcPr>
                 </a:tc>
                 <a:tc vMerge="1">
                   <a:txBody>
@@ -17216,7 +17381,44 @@
                       <a:endParaRPr lang="zh-CN" altLang="en-US" dirty="0"/>
                     </a:p>
                   </a:txBody>
-                  <a:tcPr/>
+                  <a:tcPr anchor="ctr">
+                    <a:lnL w="12700" cap="flat" cmpd="sng" algn="ctr">
+                      <a:solidFill>
+                        <a:schemeClr val="tx1"/>
+                      </a:solidFill>
+                      <a:prstDash val="solid"/>
+                      <a:round/>
+                      <a:headEnd type="none" w="med" len="med"/>
+                      <a:tailEnd type="none" w="med" len="med"/>
+                    </a:lnL>
+                    <a:lnR w="12700" cap="flat" cmpd="sng" algn="ctr">
+                      <a:solidFill>
+                        <a:schemeClr val="tx1"/>
+                      </a:solidFill>
+                      <a:prstDash val="solid"/>
+                      <a:round/>
+                      <a:headEnd type="none" w="med" len="med"/>
+                      <a:tailEnd type="none" w="med" len="med"/>
+                    </a:lnR>
+                    <a:lnT w="12700" cap="flat" cmpd="sng" algn="ctr">
+                      <a:solidFill>
+                        <a:schemeClr val="tx1"/>
+                      </a:solidFill>
+                      <a:prstDash val="solid"/>
+                      <a:round/>
+                      <a:headEnd type="none" w="med" len="med"/>
+                      <a:tailEnd type="none" w="med" len="med"/>
+                    </a:lnT>
+                    <a:lnB w="12700" cap="flat" cmpd="sng" algn="ctr">
+                      <a:solidFill>
+                        <a:schemeClr val="tx1"/>
+                      </a:solidFill>
+                      <a:prstDash val="solid"/>
+                      <a:round/>
+                      <a:headEnd type="none" w="med" len="med"/>
+                      <a:tailEnd type="none" w="med" len="med"/>
+                    </a:lnB>
+                  </a:tcPr>
                 </a:tc>
                 <a:tc rowSpan="2">
                   <a:txBody>
@@ -17302,7 +17504,44 @@
                       </a:r>
                     </a:p>
                   </a:txBody>
-                  <a:tcPr/>
+                  <a:tcPr anchor="ctr">
+                    <a:lnL w="12700" cap="flat" cmpd="sng" algn="ctr">
+                      <a:solidFill>
+                        <a:schemeClr val="tx1"/>
+                      </a:solidFill>
+                      <a:prstDash val="solid"/>
+                      <a:round/>
+                      <a:headEnd type="none" w="med" len="med"/>
+                      <a:tailEnd type="none" w="med" len="med"/>
+                    </a:lnL>
+                    <a:lnR w="12700" cap="flat" cmpd="sng" algn="ctr">
+                      <a:solidFill>
+                        <a:schemeClr val="tx1"/>
+                      </a:solidFill>
+                      <a:prstDash val="solid"/>
+                      <a:round/>
+                      <a:headEnd type="none" w="med" len="med"/>
+                      <a:tailEnd type="none" w="med" len="med"/>
+                    </a:lnR>
+                    <a:lnT w="12700" cap="flat" cmpd="sng" algn="ctr">
+                      <a:solidFill>
+                        <a:schemeClr val="tx1"/>
+                      </a:solidFill>
+                      <a:prstDash val="solid"/>
+                      <a:round/>
+                      <a:headEnd type="none" w="med" len="med"/>
+                      <a:tailEnd type="none" w="med" len="med"/>
+                    </a:lnT>
+                    <a:lnB w="12700" cap="flat" cmpd="sng" algn="ctr">
+                      <a:solidFill>
+                        <a:schemeClr val="tx1"/>
+                      </a:solidFill>
+                      <a:prstDash val="solid"/>
+                      <a:round/>
+                      <a:headEnd type="none" w="med" len="med"/>
+                      <a:tailEnd type="none" w="med" len="med"/>
+                    </a:lnB>
+                  </a:tcPr>
                 </a:tc>
               </a:tr>
               <a:tr h="370840">
@@ -17318,7 +17557,44 @@
                       <a:endParaRPr lang="zh-CN" altLang="en-US" dirty="0"/>
                     </a:p>
                   </a:txBody>
-                  <a:tcPr/>
+                  <a:tcPr anchor="ctr">
+                    <a:lnL w="12700" cap="flat" cmpd="sng" algn="ctr">
+                      <a:solidFill>
+                        <a:schemeClr val="tx1"/>
+                      </a:solidFill>
+                      <a:prstDash val="solid"/>
+                      <a:round/>
+                      <a:headEnd type="none" w="med" len="med"/>
+                      <a:tailEnd type="none" w="med" len="med"/>
+                    </a:lnL>
+                    <a:lnR w="12700" cap="flat" cmpd="sng" algn="ctr">
+                      <a:solidFill>
+                        <a:schemeClr val="tx1"/>
+                      </a:solidFill>
+                      <a:prstDash val="solid"/>
+                      <a:round/>
+                      <a:headEnd type="none" w="med" len="med"/>
+                      <a:tailEnd type="none" w="med" len="med"/>
+                    </a:lnR>
+                    <a:lnT w="12700" cap="flat" cmpd="sng" algn="ctr">
+                      <a:solidFill>
+                        <a:schemeClr val="tx1"/>
+                      </a:solidFill>
+                      <a:prstDash val="solid"/>
+                      <a:round/>
+                      <a:headEnd type="none" w="med" len="med"/>
+                      <a:tailEnd type="none" w="med" len="med"/>
+                    </a:lnT>
+                    <a:lnB w="12700" cap="flat" cmpd="sng" algn="ctr">
+                      <a:solidFill>
+                        <a:schemeClr val="tx1"/>
+                      </a:solidFill>
+                      <a:prstDash val="solid"/>
+                      <a:round/>
+                      <a:headEnd type="none" w="med" len="med"/>
+                      <a:tailEnd type="none" w="med" len="med"/>
+                    </a:lnB>
+                  </a:tcPr>
                 </a:tc>
                 <a:tc vMerge="1">
                   <a:txBody>
@@ -17344,26 +17620,26 @@
           <p:nvPr>
             <p:extLst>
               <p:ext uri="{D42A27DB-BD31-4B8C-83A1-F6EECF244321}">
-                <p14:modId xmlns:p14="http://schemas.microsoft.com/office/powerpoint/2010/main" val="286867676"/>
+                <p14:modId xmlns:p14="http://schemas.microsoft.com/office/powerpoint/2010/main" val="1112364216"/>
               </p:ext>
             </p:extLst>
           </p:nvPr>
         </p:nvGraphicFramePr>
         <p:xfrm>
-          <a:off x="341952" y="3751742"/>
-          <a:ext cx="11370101" cy="2760741"/>
+          <a:off x="339678" y="3795284"/>
+          <a:ext cx="11370101" cy="2556124"/>
         </p:xfrm>
         <a:graphic>
           <a:graphicData uri="http://schemas.openxmlformats.org/drawingml/2006/table">
             <a:tbl>
               <a:tblPr firstRow="1" bandRow="1">
-                <a:tableStyleId>{5C22544A-7EE6-4342-B048-85BDC9FD1C3A}</a:tableStyleId>
+                <a:tableStyleId>{9DCAF9ED-07DC-4A11-8D7F-57B35C25682E}</a:tableStyleId>
               </a:tblPr>
               <a:tblGrid>
                 <a:gridCol w="4846471"/>
                 <a:gridCol w="6523630"/>
               </a:tblGrid>
-              <a:tr h="319826">
+              <a:tr h="359579">
                 <a:tc gridSpan="2">
                   <a:txBody>
                     <a:bodyPr/>
@@ -17389,7 +17665,44 @@
                       <a:endParaRPr lang="zh-CN" altLang="en-US" dirty="0"/>
                     </a:p>
                   </a:txBody>
-                  <a:tcPr/>
+                  <a:tcPr>
+                    <a:lnL w="12700" cap="flat" cmpd="sng" algn="ctr">
+                      <a:solidFill>
+                        <a:schemeClr val="tx1"/>
+                      </a:solidFill>
+                      <a:prstDash val="solid"/>
+                      <a:round/>
+                      <a:headEnd type="none" w="med" len="med"/>
+                      <a:tailEnd type="none" w="med" len="med"/>
+                    </a:lnL>
+                    <a:lnR w="12700" cap="flat" cmpd="sng" algn="ctr">
+                      <a:solidFill>
+                        <a:schemeClr val="tx1"/>
+                      </a:solidFill>
+                      <a:prstDash val="solid"/>
+                      <a:round/>
+                      <a:headEnd type="none" w="med" len="med"/>
+                      <a:tailEnd type="none" w="med" len="med"/>
+                    </a:lnR>
+                    <a:lnT w="12700" cap="flat" cmpd="sng" algn="ctr">
+                      <a:solidFill>
+                        <a:schemeClr val="tx1"/>
+                      </a:solidFill>
+                      <a:prstDash val="solid"/>
+                      <a:round/>
+                      <a:headEnd type="none" w="med" len="med"/>
+                      <a:tailEnd type="none" w="med" len="med"/>
+                    </a:lnT>
+                    <a:lnB w="12700" cap="flat" cmpd="sng" algn="ctr">
+                      <a:solidFill>
+                        <a:schemeClr val="tx1"/>
+                      </a:solidFill>
+                      <a:prstDash val="solid"/>
+                      <a:round/>
+                      <a:headEnd type="none" w="med" len="med"/>
+                      <a:tailEnd type="none" w="med" len="med"/>
+                    </a:lnB>
+                  </a:tcPr>
                 </a:tc>
                 <a:tc hMerge="1">
                   <a:txBody>
@@ -17402,7 +17715,7 @@
                   <a:tcPr/>
                 </a:tc>
               </a:tr>
-              <a:tr h="319826">
+              <a:tr h="359579">
                 <a:tc>
                   <a:txBody>
                     <a:bodyPr/>
@@ -17416,7 +17729,44 @@
                       <a:endParaRPr lang="zh-CN" altLang="en-US" dirty="0"/>
                     </a:p>
                   </a:txBody>
-                  <a:tcPr/>
+                  <a:tcPr>
+                    <a:lnL w="12700" cap="flat" cmpd="sng" algn="ctr">
+                      <a:solidFill>
+                        <a:schemeClr val="tx1"/>
+                      </a:solidFill>
+                      <a:prstDash val="solid"/>
+                      <a:round/>
+                      <a:headEnd type="none" w="med" len="med"/>
+                      <a:tailEnd type="none" w="med" len="med"/>
+                    </a:lnL>
+                    <a:lnR w="12700" cap="flat" cmpd="sng" algn="ctr">
+                      <a:solidFill>
+                        <a:schemeClr val="tx1"/>
+                      </a:solidFill>
+                      <a:prstDash val="solid"/>
+                      <a:round/>
+                      <a:headEnd type="none" w="med" len="med"/>
+                      <a:tailEnd type="none" w="med" len="med"/>
+                    </a:lnR>
+                    <a:lnT w="12700" cap="flat" cmpd="sng" algn="ctr">
+                      <a:solidFill>
+                        <a:schemeClr val="tx1"/>
+                      </a:solidFill>
+                      <a:prstDash val="solid"/>
+                      <a:round/>
+                      <a:headEnd type="none" w="med" len="med"/>
+                      <a:tailEnd type="none" w="med" len="med"/>
+                    </a:lnT>
+                    <a:lnB w="12700" cap="flat" cmpd="sng" algn="ctr">
+                      <a:solidFill>
+                        <a:schemeClr val="tx1"/>
+                      </a:solidFill>
+                      <a:prstDash val="solid"/>
+                      <a:round/>
+                      <a:headEnd type="none" w="med" len="med"/>
+                      <a:tailEnd type="none" w="med" len="med"/>
+                    </a:lnB>
+                  </a:tcPr>
                 </a:tc>
                 <a:tc>
                   <a:txBody>
@@ -17431,10 +17781,47 @@
                       <a:endParaRPr lang="zh-CN" altLang="en-US" dirty="0"/>
                     </a:p>
                   </a:txBody>
-                  <a:tcPr/>
+                  <a:tcPr>
+                    <a:lnL w="12700" cap="flat" cmpd="sng" algn="ctr">
+                      <a:solidFill>
+                        <a:schemeClr val="tx1"/>
+                      </a:solidFill>
+                      <a:prstDash val="solid"/>
+                      <a:round/>
+                      <a:headEnd type="none" w="med" len="med"/>
+                      <a:tailEnd type="none" w="med" len="med"/>
+                    </a:lnL>
+                    <a:lnR w="12700" cap="flat" cmpd="sng" algn="ctr">
+                      <a:solidFill>
+                        <a:schemeClr val="tx1"/>
+                      </a:solidFill>
+                      <a:prstDash val="solid"/>
+                      <a:round/>
+                      <a:headEnd type="none" w="med" len="med"/>
+                      <a:tailEnd type="none" w="med" len="med"/>
+                    </a:lnR>
+                    <a:lnT w="12700" cap="flat" cmpd="sng" algn="ctr">
+                      <a:solidFill>
+                        <a:schemeClr val="tx1"/>
+                      </a:solidFill>
+                      <a:prstDash val="solid"/>
+                      <a:round/>
+                      <a:headEnd type="none" w="med" len="med"/>
+                      <a:tailEnd type="none" w="med" len="med"/>
+                    </a:lnT>
+                    <a:lnB w="12700" cap="flat" cmpd="sng" algn="ctr">
+                      <a:solidFill>
+                        <a:schemeClr val="tx1"/>
+                      </a:solidFill>
+                      <a:prstDash val="solid"/>
+                      <a:round/>
+                      <a:headEnd type="none" w="med" len="med"/>
+                      <a:tailEnd type="none" w="med" len="med"/>
+                    </a:lnB>
+                  </a:tcPr>
                 </a:tc>
               </a:tr>
-              <a:tr h="446380">
+              <a:tr h="438836">
                 <a:tc>
                   <a:txBody>
                     <a:bodyPr/>
@@ -17447,7 +17834,44 @@
                       <a:endParaRPr lang="zh-CN" altLang="en-US" dirty="0"/>
                     </a:p>
                   </a:txBody>
-                  <a:tcPr/>
+                  <a:tcPr anchor="ctr">
+                    <a:lnL w="12700" cap="flat" cmpd="sng" algn="ctr">
+                      <a:solidFill>
+                        <a:schemeClr val="tx1"/>
+                      </a:solidFill>
+                      <a:prstDash val="solid"/>
+                      <a:round/>
+                      <a:headEnd type="none" w="med" len="med"/>
+                      <a:tailEnd type="none" w="med" len="med"/>
+                    </a:lnL>
+                    <a:lnR w="12700" cap="flat" cmpd="sng" algn="ctr">
+                      <a:solidFill>
+                        <a:schemeClr val="tx1"/>
+                      </a:solidFill>
+                      <a:prstDash val="solid"/>
+                      <a:round/>
+                      <a:headEnd type="none" w="med" len="med"/>
+                      <a:tailEnd type="none" w="med" len="med"/>
+                    </a:lnR>
+                    <a:lnT w="12700" cap="flat" cmpd="sng" algn="ctr">
+                      <a:solidFill>
+                        <a:schemeClr val="tx1"/>
+                      </a:solidFill>
+                      <a:prstDash val="solid"/>
+                      <a:round/>
+                      <a:headEnd type="none" w="med" len="med"/>
+                      <a:tailEnd type="none" w="med" len="med"/>
+                    </a:lnT>
+                    <a:lnB w="12700" cap="flat" cmpd="sng" algn="ctr">
+                      <a:solidFill>
+                        <a:schemeClr val="tx1"/>
+                      </a:solidFill>
+                      <a:prstDash val="solid"/>
+                      <a:round/>
+                      <a:headEnd type="none" w="med" len="med"/>
+                      <a:tailEnd type="none" w="med" len="med"/>
+                    </a:lnB>
+                  </a:tcPr>
                 </a:tc>
                 <a:tc rowSpan="3">
                   <a:txBody>
@@ -17538,10 +17962,47 @@
                       </a:r>
                     </a:p>
                   </a:txBody>
-                  <a:tcPr/>
+                  <a:tcPr anchor="ctr">
+                    <a:lnL w="12700" cap="flat" cmpd="sng" algn="ctr">
+                      <a:solidFill>
+                        <a:schemeClr val="tx1"/>
+                      </a:solidFill>
+                      <a:prstDash val="solid"/>
+                      <a:round/>
+                      <a:headEnd type="none" w="med" len="med"/>
+                      <a:tailEnd type="none" w="med" len="med"/>
+                    </a:lnL>
+                    <a:lnR w="12700" cap="flat" cmpd="sng" algn="ctr">
+                      <a:solidFill>
+                        <a:schemeClr val="tx1"/>
+                      </a:solidFill>
+                      <a:prstDash val="solid"/>
+                      <a:round/>
+                      <a:headEnd type="none" w="med" len="med"/>
+                      <a:tailEnd type="none" w="med" len="med"/>
+                    </a:lnR>
+                    <a:lnT w="12700" cap="flat" cmpd="sng" algn="ctr">
+                      <a:solidFill>
+                        <a:schemeClr val="tx1"/>
+                      </a:solidFill>
+                      <a:prstDash val="solid"/>
+                      <a:round/>
+                      <a:headEnd type="none" w="med" len="med"/>
+                      <a:tailEnd type="none" w="med" len="med"/>
+                    </a:lnT>
+                    <a:lnB w="12700" cap="flat" cmpd="sng" algn="ctr">
+                      <a:solidFill>
+                        <a:schemeClr val="tx1"/>
+                      </a:solidFill>
+                      <a:prstDash val="solid"/>
+                      <a:round/>
+                      <a:headEnd type="none" w="med" len="med"/>
+                      <a:tailEnd type="none" w="med" len="med"/>
+                    </a:lnB>
+                  </a:tcPr>
                 </a:tc>
               </a:tr>
-              <a:tr h="552028">
+              <a:tr h="629263">
                 <a:tc>
                   <a:txBody>
                     <a:bodyPr/>
@@ -17554,7 +18015,44 @@
                       <a:endParaRPr lang="zh-CN" altLang="en-US" dirty="0"/>
                     </a:p>
                   </a:txBody>
-                  <a:tcPr/>
+                  <a:tcPr anchor="ctr">
+                    <a:lnL w="12700" cap="flat" cmpd="sng" algn="ctr">
+                      <a:solidFill>
+                        <a:schemeClr val="tx1"/>
+                      </a:solidFill>
+                      <a:prstDash val="solid"/>
+                      <a:round/>
+                      <a:headEnd type="none" w="med" len="med"/>
+                      <a:tailEnd type="none" w="med" len="med"/>
+                    </a:lnL>
+                    <a:lnR w="12700" cap="flat" cmpd="sng" algn="ctr">
+                      <a:solidFill>
+                        <a:schemeClr val="tx1"/>
+                      </a:solidFill>
+                      <a:prstDash val="solid"/>
+                      <a:round/>
+                      <a:headEnd type="none" w="med" len="med"/>
+                      <a:tailEnd type="none" w="med" len="med"/>
+                    </a:lnR>
+                    <a:lnT w="12700" cap="flat" cmpd="sng" algn="ctr">
+                      <a:solidFill>
+                        <a:schemeClr val="tx1"/>
+                      </a:solidFill>
+                      <a:prstDash val="solid"/>
+                      <a:round/>
+                      <a:headEnd type="none" w="med" len="med"/>
+                      <a:tailEnd type="none" w="med" len="med"/>
+                    </a:lnT>
+                    <a:lnB w="12700" cap="flat" cmpd="sng" algn="ctr">
+                      <a:solidFill>
+                        <a:schemeClr val="tx1"/>
+                      </a:solidFill>
+                      <a:prstDash val="solid"/>
+                      <a:round/>
+                      <a:headEnd type="none" w="med" len="med"/>
+                      <a:tailEnd type="none" w="med" len="med"/>
+                    </a:lnB>
+                  </a:tcPr>
                 </a:tc>
                 <a:tc vMerge="1">
                   <a:txBody>
@@ -17567,7 +18065,7 @@
                   <a:tcPr/>
                 </a:tc>
               </a:tr>
-              <a:tr h="942761">
+              <a:tr h="745688">
                 <a:tc>
                   <a:txBody>
                     <a:bodyPr/>
@@ -17596,7 +18094,44 @@
                       <a:endParaRPr lang="zh-CN" altLang="en-US" dirty="0"/>
                     </a:p>
                   </a:txBody>
-                  <a:tcPr/>
+                  <a:tcPr anchor="ctr">
+                    <a:lnL w="12700" cap="flat" cmpd="sng" algn="ctr">
+                      <a:solidFill>
+                        <a:schemeClr val="tx1"/>
+                      </a:solidFill>
+                      <a:prstDash val="solid"/>
+                      <a:round/>
+                      <a:headEnd type="none" w="med" len="med"/>
+                      <a:tailEnd type="none" w="med" len="med"/>
+                    </a:lnL>
+                    <a:lnR w="12700" cap="flat" cmpd="sng" algn="ctr">
+                      <a:solidFill>
+                        <a:schemeClr val="tx1"/>
+                      </a:solidFill>
+                      <a:prstDash val="solid"/>
+                      <a:round/>
+                      <a:headEnd type="none" w="med" len="med"/>
+                      <a:tailEnd type="none" w="med" len="med"/>
+                    </a:lnR>
+                    <a:lnT w="12700" cap="flat" cmpd="sng" algn="ctr">
+                      <a:solidFill>
+                        <a:schemeClr val="tx1"/>
+                      </a:solidFill>
+                      <a:prstDash val="solid"/>
+                      <a:round/>
+                      <a:headEnd type="none" w="med" len="med"/>
+                      <a:tailEnd type="none" w="med" len="med"/>
+                    </a:lnT>
+                    <a:lnB w="12700" cap="flat" cmpd="sng" algn="ctr">
+                      <a:solidFill>
+                        <a:schemeClr val="tx1"/>
+                      </a:solidFill>
+                      <a:prstDash val="solid"/>
+                      <a:round/>
+                      <a:headEnd type="none" w="med" len="med"/>
+                      <a:tailEnd type="none" w="med" len="med"/>
+                    </a:lnB>
+                  </a:tcPr>
                 </a:tc>
                 <a:tc vMerge="1">
                   <a:txBody>
@@ -17640,6 +18175,13 @@
   <p:clrMapOvr>
     <a:masterClrMapping/>
   </p:clrMapOvr>
+  <p:timing>
+    <p:tnLst>
+      <p:par>
+        <p:cTn id="1" dur="indefinite" restart="never" nodeType="tmRoot"/>
+      </p:par>
+    </p:tnLst>
+  </p:timing>
 </p:sld>
 </file>
 

--- a/Vue/vue.pptx
+++ b/Vue/vue.pptx
@@ -18,17 +18,18 @@
     <p:sldId id="266" r:id="rId12"/>
     <p:sldId id="271" r:id="rId13"/>
     <p:sldId id="267" r:id="rId14"/>
-    <p:sldId id="268" r:id="rId15"/>
-    <p:sldId id="273" r:id="rId16"/>
-    <p:sldId id="274" r:id="rId17"/>
-    <p:sldId id="277" r:id="rId18"/>
-    <p:sldId id="278" r:id="rId19"/>
-    <p:sldId id="275" r:id="rId20"/>
-    <p:sldId id="272" r:id="rId21"/>
-    <p:sldId id="276" r:id="rId22"/>
-    <p:sldId id="269" r:id="rId23"/>
-    <p:sldId id="270" r:id="rId24"/>
-    <p:sldId id="279" r:id="rId25"/>
+    <p:sldId id="281" r:id="rId15"/>
+    <p:sldId id="268" r:id="rId16"/>
+    <p:sldId id="273" r:id="rId17"/>
+    <p:sldId id="274" r:id="rId18"/>
+    <p:sldId id="277" r:id="rId19"/>
+    <p:sldId id="278" r:id="rId20"/>
+    <p:sldId id="275" r:id="rId21"/>
+    <p:sldId id="272" r:id="rId22"/>
+    <p:sldId id="276" r:id="rId23"/>
+    <p:sldId id="269" r:id="rId24"/>
+    <p:sldId id="270" r:id="rId25"/>
+    <p:sldId id="279" r:id="rId26"/>
   </p:sldIdLst>
   <p:sldSz cx="12192000" cy="6858000"/>
   <p:notesSz cx="6858000" cy="9144000"/>
@@ -266,7 +267,7 @@
           <a:p>
             <a:fld id="{4C0C5696-0E3B-44BA-8AF1-B2819B000127}" type="datetimeFigureOut">
               <a:rPr lang="zh-CN" altLang="en-US" smtClean="0"/>
-              <a:t>2018/8/16</a:t>
+              <a:t>2018/8/18</a:t>
             </a:fld>
             <a:endParaRPr lang="zh-CN" altLang="en-US"/>
           </a:p>
@@ -436,7 +437,7 @@
           <a:p>
             <a:fld id="{4C0C5696-0E3B-44BA-8AF1-B2819B000127}" type="datetimeFigureOut">
               <a:rPr lang="zh-CN" altLang="en-US" smtClean="0"/>
-              <a:t>2018/8/16</a:t>
+              <a:t>2018/8/18</a:t>
             </a:fld>
             <a:endParaRPr lang="zh-CN" altLang="en-US"/>
           </a:p>
@@ -616,7 +617,7 @@
           <a:p>
             <a:fld id="{4C0C5696-0E3B-44BA-8AF1-B2819B000127}" type="datetimeFigureOut">
               <a:rPr lang="zh-CN" altLang="en-US" smtClean="0"/>
-              <a:t>2018/8/16</a:t>
+              <a:t>2018/8/18</a:t>
             </a:fld>
             <a:endParaRPr lang="zh-CN" altLang="en-US"/>
           </a:p>
@@ -786,7 +787,7 @@
           <a:p>
             <a:fld id="{4C0C5696-0E3B-44BA-8AF1-B2819B000127}" type="datetimeFigureOut">
               <a:rPr lang="zh-CN" altLang="en-US" smtClean="0"/>
-              <a:t>2018/8/16</a:t>
+              <a:t>2018/8/18</a:t>
             </a:fld>
             <a:endParaRPr lang="zh-CN" altLang="en-US"/>
           </a:p>
@@ -1032,7 +1033,7 @@
           <a:p>
             <a:fld id="{4C0C5696-0E3B-44BA-8AF1-B2819B000127}" type="datetimeFigureOut">
               <a:rPr lang="zh-CN" altLang="en-US" smtClean="0"/>
-              <a:t>2018/8/16</a:t>
+              <a:t>2018/8/18</a:t>
             </a:fld>
             <a:endParaRPr lang="zh-CN" altLang="en-US"/>
           </a:p>
@@ -1264,7 +1265,7 @@
           <a:p>
             <a:fld id="{4C0C5696-0E3B-44BA-8AF1-B2819B000127}" type="datetimeFigureOut">
               <a:rPr lang="zh-CN" altLang="en-US" smtClean="0"/>
-              <a:t>2018/8/16</a:t>
+              <a:t>2018/8/18</a:t>
             </a:fld>
             <a:endParaRPr lang="zh-CN" altLang="en-US"/>
           </a:p>
@@ -1631,7 +1632,7 @@
           <a:p>
             <a:fld id="{4C0C5696-0E3B-44BA-8AF1-B2819B000127}" type="datetimeFigureOut">
               <a:rPr lang="zh-CN" altLang="en-US" smtClean="0"/>
-              <a:t>2018/8/16</a:t>
+              <a:t>2018/8/18</a:t>
             </a:fld>
             <a:endParaRPr lang="zh-CN" altLang="en-US"/>
           </a:p>
@@ -1749,7 +1750,7 @@
           <a:p>
             <a:fld id="{4C0C5696-0E3B-44BA-8AF1-B2819B000127}" type="datetimeFigureOut">
               <a:rPr lang="zh-CN" altLang="en-US" smtClean="0"/>
-              <a:t>2018/8/16</a:t>
+              <a:t>2018/8/18</a:t>
             </a:fld>
             <a:endParaRPr lang="zh-CN" altLang="en-US"/>
           </a:p>
@@ -1844,7 +1845,7 @@
           <a:p>
             <a:fld id="{4C0C5696-0E3B-44BA-8AF1-B2819B000127}" type="datetimeFigureOut">
               <a:rPr lang="zh-CN" altLang="en-US" smtClean="0"/>
-              <a:t>2018/8/16</a:t>
+              <a:t>2018/8/18</a:t>
             </a:fld>
             <a:endParaRPr lang="zh-CN" altLang="en-US"/>
           </a:p>
@@ -2121,7 +2122,7 @@
           <a:p>
             <a:fld id="{4C0C5696-0E3B-44BA-8AF1-B2819B000127}" type="datetimeFigureOut">
               <a:rPr lang="zh-CN" altLang="en-US" smtClean="0"/>
-              <a:t>2018/8/16</a:t>
+              <a:t>2018/8/18</a:t>
             </a:fld>
             <a:endParaRPr lang="zh-CN" altLang="en-US"/>
           </a:p>
@@ -2374,7 +2375,7 @@
           <a:p>
             <a:fld id="{4C0C5696-0E3B-44BA-8AF1-B2819B000127}" type="datetimeFigureOut">
               <a:rPr lang="zh-CN" altLang="en-US" smtClean="0"/>
-              <a:t>2018/8/16</a:t>
+              <a:t>2018/8/18</a:t>
             </a:fld>
             <a:endParaRPr lang="zh-CN" altLang="en-US"/>
           </a:p>
@@ -2587,7 +2588,7 @@
           <a:p>
             <a:fld id="{4C0C5696-0E3B-44BA-8AF1-B2819B000127}" type="datetimeFigureOut">
               <a:rPr lang="zh-CN" altLang="en-US" smtClean="0"/>
-              <a:t>2018/8/16</a:t>
+              <a:t>2018/8/18</a:t>
             </a:fld>
             <a:endParaRPr lang="zh-CN" altLang="en-US"/>
           </a:p>
@@ -3075,7 +3076,7 @@
         </p:nvSpPr>
         <p:spPr>
           <a:xfrm>
-            <a:off x="300249" y="481420"/>
+            <a:off x="300249" y="757192"/>
             <a:ext cx="11655189" cy="923330"/>
           </a:xfrm>
           <a:prstGeom prst="rect">
@@ -3155,7 +3156,7 @@
         </p:nvSpPr>
         <p:spPr>
           <a:xfrm>
-            <a:off x="300249" y="1535372"/>
+            <a:off x="300249" y="1811144"/>
             <a:ext cx="11655189" cy="2031325"/>
           </a:xfrm>
           <a:prstGeom prst="rect">
@@ -3331,7 +3332,7 @@
         </p:nvSpPr>
         <p:spPr>
           <a:xfrm>
-            <a:off x="300249" y="3697319"/>
+            <a:off x="300249" y="3973091"/>
             <a:ext cx="11655189" cy="923330"/>
           </a:xfrm>
           <a:prstGeom prst="rect">
@@ -3374,6 +3375,54 @@
             <a:endParaRPr lang="zh-CN" altLang="en-US" dirty="0">
               <a:latin typeface="+mn-ea"/>
             </a:endParaRPr>
+          </a:p>
+        </p:txBody>
+      </p:sp>
+      <p:sp>
+        <p:nvSpPr>
+          <p:cNvPr id="6" name="矩形 5"/>
+          <p:cNvSpPr/>
+          <p:nvPr/>
+        </p:nvSpPr>
+        <p:spPr>
+          <a:xfrm>
+            <a:off x="99205" y="101007"/>
+            <a:ext cx="2194051" cy="536596"/>
+          </a:xfrm>
+          <a:prstGeom prst="rect">
+            <a:avLst/>
+          </a:prstGeom>
+        </p:spPr>
+        <p:style>
+          <a:lnRef idx="2">
+            <a:schemeClr val="accent1">
+              <a:shade val="50000"/>
+            </a:schemeClr>
+          </a:lnRef>
+          <a:fillRef idx="1">
+            <a:schemeClr val="accent1"/>
+          </a:fillRef>
+          <a:effectRef idx="0">
+            <a:schemeClr val="accent1"/>
+          </a:effectRef>
+          <a:fontRef idx="minor">
+            <a:schemeClr val="lt1"/>
+          </a:fontRef>
+        </p:style>
+        <p:txBody>
+          <a:bodyPr rtlCol="0" anchor="ctr"/>
+          <a:lstStyle/>
+          <a:p>
+            <a:pPr algn="ctr"/>
+            <a:r>
+              <a:rPr lang="en-US" altLang="zh-CN" dirty="0" err="1" smtClean="0"/>
+              <a:t>Vue</a:t>
+            </a:r>
+            <a:r>
+              <a:rPr lang="zh-CN" altLang="en-US" dirty="0" smtClean="0"/>
+              <a:t>简介</a:t>
+            </a:r>
+            <a:endParaRPr lang="en-US" altLang="zh-CN" dirty="0" smtClean="0"/>
           </a:p>
         </p:txBody>
       </p:sp>
@@ -3422,7 +3471,7 @@
         </p:nvSpPr>
         <p:spPr>
           <a:xfrm>
-            <a:off x="250209" y="253453"/>
+            <a:off x="2481337" y="209285"/>
             <a:ext cx="6096000" cy="461665"/>
           </a:xfrm>
           <a:prstGeom prst="rect">
@@ -3472,7 +3521,7 @@
         </p:nvSpPr>
         <p:spPr>
           <a:xfrm>
-            <a:off x="714233" y="2361463"/>
+            <a:off x="714233" y="2593689"/>
             <a:ext cx="3534209" cy="1200329"/>
           </a:xfrm>
           <a:prstGeom prst="rect">
@@ -3625,7 +3674,7 @@
         </p:nvSpPr>
         <p:spPr>
           <a:xfrm>
-            <a:off x="714233" y="3762853"/>
+            <a:off x="714233" y="3995079"/>
             <a:ext cx="3534210" cy="2585323"/>
           </a:xfrm>
           <a:prstGeom prst="rect">
@@ -3878,7 +3927,7 @@
         </p:nvSpPr>
         <p:spPr bwMode="auto">
           <a:xfrm>
-            <a:off x="714233" y="916581"/>
+            <a:off x="714233" y="1148807"/>
             <a:ext cx="6698950" cy="553998"/>
           </a:xfrm>
           <a:prstGeom prst="rect">
@@ -4063,7 +4112,7 @@
         </p:nvSpPr>
         <p:spPr bwMode="auto">
           <a:xfrm>
-            <a:off x="714233" y="1595599"/>
+            <a:off x="714233" y="1827825"/>
             <a:ext cx="6698950" cy="553998"/>
           </a:xfrm>
           <a:prstGeom prst="rect">
@@ -4246,7 +4295,7 @@
         </p:nvSpPr>
         <p:spPr>
           <a:xfrm>
-            <a:off x="4428698" y="2361462"/>
+            <a:off x="4428698" y="2593688"/>
             <a:ext cx="3635029" cy="1200329"/>
           </a:xfrm>
           <a:prstGeom prst="rect">
@@ -4420,7 +4469,7 @@
         </p:nvSpPr>
         <p:spPr>
           <a:xfrm>
-            <a:off x="4428698" y="3769633"/>
+            <a:off x="4428698" y="4001859"/>
             <a:ext cx="3635029" cy="2585323"/>
           </a:xfrm>
           <a:prstGeom prst="rect">
@@ -4672,7 +4721,7 @@
         </p:nvSpPr>
         <p:spPr>
           <a:xfrm>
-            <a:off x="8243982" y="3762852"/>
+            <a:off x="8243982" y="3995078"/>
             <a:ext cx="3595169" cy="2585323"/>
           </a:xfrm>
           <a:prstGeom prst="rect">
@@ -4935,7 +4984,7 @@
         </p:nvSpPr>
         <p:spPr>
           <a:xfrm>
-            <a:off x="8243981" y="2361462"/>
+            <a:off x="8243981" y="2593688"/>
             <a:ext cx="3595169" cy="1200329"/>
           </a:xfrm>
           <a:prstGeom prst="rect">
@@ -5072,6 +5121,54 @@
               <a:latin typeface="微软雅黑" panose="020B0503020204020204" pitchFamily="34" charset="-122"/>
               <a:ea typeface="微软雅黑" panose="020B0503020204020204" pitchFamily="34" charset="-122"/>
             </a:endParaRPr>
+          </a:p>
+        </p:txBody>
+      </p:sp>
+      <p:sp>
+        <p:nvSpPr>
+          <p:cNvPr id="11" name="矩形 10"/>
+          <p:cNvSpPr/>
+          <p:nvPr/>
+        </p:nvSpPr>
+        <p:spPr>
+          <a:xfrm>
+            <a:off x="99205" y="101007"/>
+            <a:ext cx="2194051" cy="536596"/>
+          </a:xfrm>
+          <a:prstGeom prst="rect">
+            <a:avLst/>
+          </a:prstGeom>
+        </p:spPr>
+        <p:style>
+          <a:lnRef idx="2">
+            <a:schemeClr val="accent1">
+              <a:shade val="50000"/>
+            </a:schemeClr>
+          </a:lnRef>
+          <a:fillRef idx="1">
+            <a:schemeClr val="accent1"/>
+          </a:fillRef>
+          <a:effectRef idx="0">
+            <a:schemeClr val="accent1"/>
+          </a:effectRef>
+          <a:fontRef idx="minor">
+            <a:schemeClr val="lt1"/>
+          </a:fontRef>
+        </p:style>
+        <p:txBody>
+          <a:bodyPr rtlCol="0" anchor="ctr"/>
+          <a:lstStyle/>
+          <a:p>
+            <a:pPr algn="ctr"/>
+            <a:r>
+              <a:rPr lang="en-US" altLang="zh-CN" dirty="0" err="1" smtClean="0"/>
+              <a:t>Vue</a:t>
+            </a:r>
+            <a:r>
+              <a:rPr lang="zh-CN" altLang="en-US" dirty="0" smtClean="0"/>
+              <a:t>简介</a:t>
+            </a:r>
+            <a:endParaRPr lang="en-US" altLang="zh-CN" dirty="0" smtClean="0"/>
           </a:p>
         </p:txBody>
       </p:sp>
@@ -5113,7 +5210,7 @@
         </p:nvSpPr>
         <p:spPr>
           <a:xfrm>
-            <a:off x="250209" y="253453"/>
+            <a:off x="250209" y="921109"/>
             <a:ext cx="6096000" cy="369332"/>
           </a:xfrm>
           <a:prstGeom prst="rect">
@@ -5134,7 +5231,17 @@
                 <a:effectLst/>
                 <a:latin typeface="Source Sans Pro"/>
               </a:rPr>
-              <a:t>数据绑定</a:t>
+              <a:t>一、数据</a:t>
+            </a:r>
+            <a:r>
+              <a:rPr lang="zh-CN" altLang="en-US" b="0" i="0" dirty="0" smtClean="0">
+                <a:solidFill>
+                  <a:srgbClr val="34495E"/>
+                </a:solidFill>
+                <a:effectLst/>
+                <a:latin typeface="Source Sans Pro"/>
+              </a:rPr>
+              <a:t>绑定</a:t>
             </a:r>
             <a:endParaRPr lang="zh-CN" altLang="en-US" dirty="0"/>
           </a:p>
@@ -5148,7 +5255,7 @@
         </p:nvSpPr>
         <p:spPr>
           <a:xfrm>
-            <a:off x="250209" y="979059"/>
+            <a:off x="250209" y="1646715"/>
             <a:ext cx="6096000" cy="369332"/>
           </a:xfrm>
           <a:prstGeom prst="rect">
@@ -5191,7 +5298,7 @@
         </p:nvSpPr>
         <p:spPr>
           <a:xfrm>
-            <a:off x="250209" y="2660009"/>
+            <a:off x="250209" y="3327665"/>
             <a:ext cx="6096000" cy="369332"/>
           </a:xfrm>
           <a:prstGeom prst="rect">
@@ -5234,7 +5341,7 @@
         </p:nvSpPr>
         <p:spPr>
           <a:xfrm>
-            <a:off x="250209" y="5132534"/>
+            <a:off x="250209" y="5800190"/>
             <a:ext cx="6096000" cy="369332"/>
           </a:xfrm>
           <a:prstGeom prst="rect">
@@ -5277,7 +5384,7 @@
         </p:nvSpPr>
         <p:spPr>
           <a:xfrm>
-            <a:off x="250208" y="1402857"/>
+            <a:off x="250208" y="2070513"/>
             <a:ext cx="11732525" cy="369332"/>
           </a:xfrm>
           <a:prstGeom prst="rect">
@@ -5365,7 +5472,7 @@
         </p:nvSpPr>
         <p:spPr>
           <a:xfrm>
-            <a:off x="250207" y="3042018"/>
+            <a:off x="250207" y="3709674"/>
             <a:ext cx="11732525" cy="369332"/>
           </a:xfrm>
           <a:prstGeom prst="rect">
@@ -5426,7 +5533,7 @@
         </p:nvSpPr>
         <p:spPr>
           <a:xfrm>
-            <a:off x="250207" y="1771345"/>
+            <a:off x="250207" y="2439001"/>
             <a:ext cx="3531736" cy="369332"/>
           </a:xfrm>
           <a:prstGeom prst="rect">
@@ -5478,7 +5585,7 @@
         </p:nvSpPr>
         <p:spPr>
           <a:xfrm>
-            <a:off x="250207" y="3485928"/>
+            <a:off x="250207" y="4153584"/>
             <a:ext cx="2839239" cy="923330"/>
           </a:xfrm>
           <a:prstGeom prst="rect">
@@ -5585,7 +5692,7 @@
         </p:nvSpPr>
         <p:spPr>
           <a:xfrm>
-            <a:off x="250206" y="5501866"/>
+            <a:off x="250206" y="6169522"/>
             <a:ext cx="11732525" cy="369332"/>
           </a:xfrm>
           <a:prstGeom prst="rect">
@@ -5689,6 +5796,54 @@
               <a:t>上</a:t>
             </a:r>
             <a:endParaRPr lang="zh-CN" altLang="en-US" dirty="0"/>
+          </a:p>
+        </p:txBody>
+      </p:sp>
+      <p:sp>
+        <p:nvSpPr>
+          <p:cNvPr id="12" name="矩形 11"/>
+          <p:cNvSpPr/>
+          <p:nvPr/>
+        </p:nvSpPr>
+        <p:spPr>
+          <a:xfrm>
+            <a:off x="99205" y="101007"/>
+            <a:ext cx="2194051" cy="536596"/>
+          </a:xfrm>
+          <a:prstGeom prst="rect">
+            <a:avLst/>
+          </a:prstGeom>
+        </p:spPr>
+        <p:style>
+          <a:lnRef idx="2">
+            <a:schemeClr val="accent1">
+              <a:shade val="50000"/>
+            </a:schemeClr>
+          </a:lnRef>
+          <a:fillRef idx="1">
+            <a:schemeClr val="accent1"/>
+          </a:fillRef>
+          <a:effectRef idx="0">
+            <a:schemeClr val="accent1"/>
+          </a:effectRef>
+          <a:fontRef idx="minor">
+            <a:schemeClr val="lt1"/>
+          </a:fontRef>
+        </p:style>
+        <p:txBody>
+          <a:bodyPr rtlCol="0" anchor="ctr"/>
+          <a:lstStyle/>
+          <a:p>
+            <a:pPr algn="ctr"/>
+            <a:r>
+              <a:rPr lang="en-US" altLang="zh-CN" dirty="0" err="1" smtClean="0"/>
+              <a:t>Vue</a:t>
+            </a:r>
+            <a:r>
+              <a:rPr lang="zh-CN" altLang="en-US" dirty="0"/>
+              <a:t>使用</a:t>
+            </a:r>
+            <a:endParaRPr lang="en-US" altLang="zh-CN" dirty="0" smtClean="0"/>
           </a:p>
         </p:txBody>
       </p:sp>
@@ -5744,13 +5899,22 @@
           <a:lstStyle/>
           <a:p>
             <a:r>
+              <a:rPr lang="zh-CN" altLang="en-US" dirty="0" smtClean="0">
+                <a:solidFill>
+                  <a:srgbClr val="34495E"/>
+                </a:solidFill>
+                <a:latin typeface="Source Sans Pro"/>
+              </a:rPr>
+              <a:t>二、内部</a:t>
+            </a:r>
+            <a:r>
               <a:rPr lang="zh-CN" altLang="en-US" dirty="0">
                 <a:solidFill>
                   <a:srgbClr val="34495E"/>
                 </a:solidFill>
                 <a:latin typeface="Source Sans Pro"/>
               </a:rPr>
-              <a:t>内部指令</a:t>
+              <a:t>指令</a:t>
             </a:r>
             <a:endParaRPr lang="zh-CN" altLang="en-US" dirty="0"/>
           </a:p>
@@ -6474,7 +6638,7 @@
       </p:grpSpPr>
       <p:sp>
         <p:nvSpPr>
-          <p:cNvPr id="4" name="矩形 3"/>
+          <p:cNvPr id="3" name="矩形 2"/>
           <p:cNvSpPr/>
           <p:nvPr/>
         </p:nvSpPr>
@@ -6494,13 +6658,22 @@
           <a:lstStyle/>
           <a:p>
             <a:r>
+              <a:rPr lang="zh-CN" altLang="en-US" dirty="0" smtClean="0">
+                <a:solidFill>
+                  <a:srgbClr val="34495E"/>
+                </a:solidFill>
+                <a:latin typeface="Source Sans Pro"/>
+              </a:rPr>
+              <a:t>二、内部</a:t>
+            </a:r>
+            <a:r>
               <a:rPr lang="zh-CN" altLang="en-US" dirty="0">
                 <a:solidFill>
                   <a:srgbClr val="34495E"/>
                 </a:solidFill>
                 <a:latin typeface="Source Sans Pro"/>
               </a:rPr>
-              <a:t>内部指令</a:t>
+              <a:t>指令</a:t>
             </a:r>
             <a:endParaRPr lang="zh-CN" altLang="en-US" dirty="0"/>
           </a:p>
@@ -6508,13 +6681,13 @@
       </p:sp>
       <p:sp>
         <p:nvSpPr>
-          <p:cNvPr id="5" name="矩形 4"/>
+          <p:cNvPr id="9" name="矩形 8"/>
           <p:cNvSpPr/>
           <p:nvPr/>
         </p:nvSpPr>
         <p:spPr>
           <a:xfrm>
-            <a:off x="250209" y="622785"/>
+            <a:off x="250209" y="737922"/>
             <a:ext cx="6096000" cy="369332"/>
           </a:xfrm>
           <a:prstGeom prst="rect">
@@ -6534,7 +6707,7 @@
                 </a:solidFill>
                 <a:latin typeface="Source Sans Pro"/>
               </a:rPr>
-              <a:t>3</a:t>
+              <a:t>2</a:t>
             </a:r>
             <a:r>
               <a:rPr lang="zh-CN" altLang="en-US" dirty="0" smtClean="0">
@@ -6546,13 +6719,13 @@
               <a:t>、</a:t>
             </a:r>
             <a:r>
-              <a:rPr lang="en-US" altLang="zh-CN" dirty="0" smtClean="0">
-                <a:solidFill>
-                  <a:srgbClr val="34495E"/>
-                </a:solidFill>
-                <a:latin typeface="Source Sans Pro"/>
-              </a:rPr>
-              <a:t>v-for</a:t>
+              <a:rPr lang="en-US" altLang="zh-CN" dirty="0">
+                <a:solidFill>
+                  <a:srgbClr val="34495E"/>
+                </a:solidFill>
+                <a:latin typeface="Source Sans Pro"/>
+              </a:rPr>
+              <a:t>v-model</a:t>
             </a:r>
             <a:endParaRPr lang="zh-CN" altLang="en-US" dirty="0"/>
           </a:p>
@@ -6560,14 +6733,14 @@
       </p:sp>
       <p:sp>
         <p:nvSpPr>
-          <p:cNvPr id="6" name="矩形 5"/>
+          <p:cNvPr id="10" name="矩形 9"/>
           <p:cNvSpPr/>
           <p:nvPr/>
         </p:nvSpPr>
         <p:spPr>
           <a:xfrm>
-            <a:off x="250209" y="1038283"/>
-            <a:ext cx="11800764" cy="369332"/>
+            <a:off x="250209" y="1142269"/>
+            <a:ext cx="11800764" cy="338554"/>
           </a:xfrm>
           <a:prstGeom prst="rect">
             <a:avLst/>
@@ -6580,21 +6753,207 @@
           <a:lstStyle/>
           <a:p>
             <a:r>
-              <a:rPr lang="zh-CN" altLang="en-US" dirty="0" smtClean="0">
-                <a:solidFill>
-                  <a:srgbClr val="34495E"/>
-                </a:solidFill>
-                <a:latin typeface="Source Sans Pro"/>
-              </a:rPr>
-              <a:t>循环遍历元素集合，并进行操作</a:t>
-            </a:r>
-            <a:endParaRPr lang="zh-CN" altLang="en-US" dirty="0"/>
+              <a:rPr lang="zh-CN" altLang="en-US" sz="1600" dirty="0" smtClean="0">
+                <a:solidFill>
+                  <a:srgbClr val="34495E"/>
+                </a:solidFill>
+                <a:latin typeface="Source Sans Pro"/>
+              </a:rPr>
+              <a:t>用于在</a:t>
+            </a:r>
+            <a:r>
+              <a:rPr lang="en-US" altLang="zh-CN" sz="1600" dirty="0" smtClean="0">
+                <a:solidFill>
+                  <a:srgbClr val="34495E"/>
+                </a:solidFill>
+                <a:latin typeface="Source Sans Pro"/>
+              </a:rPr>
+              <a:t>input</a:t>
+            </a:r>
+            <a:r>
+              <a:rPr lang="zh-CN" altLang="en-US" sz="1600" dirty="0" smtClean="0">
+                <a:solidFill>
+                  <a:srgbClr val="34495E"/>
+                </a:solidFill>
+                <a:latin typeface="Source Sans Pro"/>
+              </a:rPr>
+              <a:t>、</a:t>
+            </a:r>
+            <a:r>
+              <a:rPr lang="en-US" altLang="zh-CN" sz="1600" dirty="0" smtClean="0">
+                <a:solidFill>
+                  <a:srgbClr val="34495E"/>
+                </a:solidFill>
+                <a:latin typeface="Source Sans Pro"/>
+              </a:rPr>
+              <a:t>select</a:t>
+            </a:r>
+            <a:r>
+              <a:rPr lang="zh-CN" altLang="en-US" sz="1600" dirty="0" smtClean="0">
+                <a:solidFill>
+                  <a:srgbClr val="34495E"/>
+                </a:solidFill>
+                <a:latin typeface="Source Sans Pro"/>
+              </a:rPr>
+              <a:t>、</a:t>
+            </a:r>
+            <a:r>
+              <a:rPr lang="en-US" altLang="zh-CN" sz="1600" dirty="0" smtClean="0">
+                <a:solidFill>
+                  <a:srgbClr val="34495E"/>
+                </a:solidFill>
+                <a:latin typeface="Source Sans Pro"/>
+              </a:rPr>
+              <a:t>text</a:t>
+            </a:r>
+            <a:r>
+              <a:rPr lang="zh-CN" altLang="en-US" sz="1600" dirty="0" smtClean="0">
+                <a:solidFill>
+                  <a:srgbClr val="34495E"/>
+                </a:solidFill>
+                <a:latin typeface="Source Sans Pro"/>
+              </a:rPr>
+              <a:t>、</a:t>
+            </a:r>
+            <a:r>
+              <a:rPr lang="en-US" altLang="zh-CN" sz="1600" dirty="0" smtClean="0">
+                <a:solidFill>
+                  <a:srgbClr val="34495E"/>
+                </a:solidFill>
+                <a:latin typeface="Source Sans Pro"/>
+              </a:rPr>
+              <a:t>checkbox</a:t>
+            </a:r>
+            <a:r>
+              <a:rPr lang="zh-CN" altLang="en-US" sz="1600" dirty="0" smtClean="0">
+                <a:solidFill>
+                  <a:srgbClr val="34495E"/>
+                </a:solidFill>
+                <a:latin typeface="Source Sans Pro"/>
+              </a:rPr>
+              <a:t>、</a:t>
+            </a:r>
+            <a:r>
+              <a:rPr lang="en-US" altLang="zh-CN" sz="1600" dirty="0" smtClean="0">
+                <a:solidFill>
+                  <a:srgbClr val="34495E"/>
+                </a:solidFill>
+                <a:latin typeface="Source Sans Pro"/>
+              </a:rPr>
+              <a:t>radio</a:t>
+            </a:r>
+            <a:r>
+              <a:rPr lang="zh-CN" altLang="en-US" sz="1600" dirty="0" smtClean="0">
+                <a:solidFill>
+                  <a:srgbClr val="34495E"/>
+                </a:solidFill>
+                <a:latin typeface="Source Sans Pro"/>
+              </a:rPr>
+              <a:t>等表单控件元素上创建双向数据绑定。</a:t>
+            </a:r>
+            <a:endParaRPr lang="zh-CN" altLang="en-US" sz="1600" dirty="0"/>
+          </a:p>
+        </p:txBody>
+      </p:sp>
+      <p:sp>
+        <p:nvSpPr>
+          <p:cNvPr id="11" name="矩形 10"/>
+          <p:cNvSpPr/>
+          <p:nvPr/>
+        </p:nvSpPr>
+        <p:spPr>
+          <a:xfrm>
+            <a:off x="250209" y="1632737"/>
+            <a:ext cx="11800764" cy="584775"/>
+          </a:xfrm>
+          <a:prstGeom prst="rect">
+            <a:avLst/>
+          </a:prstGeom>
+        </p:spPr>
+        <p:txBody>
+          <a:bodyPr wrap="square">
+            <a:spAutoFit/>
+          </a:bodyPr>
+          <a:lstStyle/>
+          <a:p>
+            <a:r>
+              <a:rPr lang="zh-CN" altLang="en-US" sz="1600" dirty="0" smtClean="0">
+                <a:solidFill>
+                  <a:srgbClr val="0000FF"/>
+                </a:solidFill>
+                <a:latin typeface="Source Sans Pro"/>
+              </a:rPr>
+              <a:t>双向数据绑定</a:t>
+            </a:r>
+            <a:r>
+              <a:rPr lang="zh-CN" altLang="en-US" sz="1600" dirty="0" smtClean="0">
+                <a:solidFill>
+                  <a:srgbClr val="34495E"/>
+                </a:solidFill>
+                <a:latin typeface="Source Sans Pro"/>
+              </a:rPr>
+              <a:t>：</a:t>
+            </a:r>
+            <a:endParaRPr lang="en-US" altLang="zh-CN" sz="1600" dirty="0" smtClean="0">
+              <a:solidFill>
+                <a:srgbClr val="34495E"/>
+              </a:solidFill>
+              <a:latin typeface="Source Sans Pro"/>
+            </a:endParaRPr>
+          </a:p>
+          <a:p>
+            <a:r>
+              <a:rPr lang="en-US" altLang="zh-CN" sz="1600" dirty="0" err="1" smtClean="0">
+                <a:solidFill>
+                  <a:srgbClr val="34495E"/>
+                </a:solidFill>
+                <a:latin typeface="Source Sans Pro"/>
+              </a:rPr>
+              <a:t>js</a:t>
+            </a:r>
+            <a:r>
+              <a:rPr lang="zh-CN" altLang="en-US" sz="1600" dirty="0">
+                <a:solidFill>
+                  <a:srgbClr val="34495E"/>
+                </a:solidFill>
+                <a:latin typeface="Source Sans Pro"/>
+              </a:rPr>
+              <a:t>的</a:t>
+            </a:r>
+            <a:r>
+              <a:rPr lang="zh-CN" altLang="en-US" sz="1600" dirty="0" smtClean="0">
+                <a:solidFill>
+                  <a:srgbClr val="34495E"/>
+                </a:solidFill>
+                <a:latin typeface="Source Sans Pro"/>
+              </a:rPr>
+              <a:t>对象发生变化时，自动显示到页面；页面中的内容发生变化时，自动同步到</a:t>
+            </a:r>
+            <a:r>
+              <a:rPr lang="en-US" altLang="zh-CN" sz="1600" dirty="0" err="1" smtClean="0">
+                <a:solidFill>
+                  <a:srgbClr val="34495E"/>
+                </a:solidFill>
+                <a:latin typeface="Source Sans Pro"/>
+              </a:rPr>
+              <a:t>js</a:t>
+            </a:r>
+            <a:r>
+              <a:rPr lang="zh-CN" altLang="en-US" sz="1600" dirty="0" smtClean="0">
+                <a:solidFill>
+                  <a:srgbClr val="34495E"/>
+                </a:solidFill>
+                <a:latin typeface="Source Sans Pro"/>
+              </a:rPr>
+              <a:t>对象。</a:t>
+            </a:r>
+            <a:endParaRPr lang="zh-CN" altLang="en-US" sz="1600" dirty="0"/>
           </a:p>
         </p:txBody>
       </p:sp>
       <p:pic>
         <p:nvPicPr>
-          <p:cNvPr id="2" name="图片 1"/>
+          <p:cNvPr id="13" name="图片 12"/>
           <p:cNvPicPr>
             <a:picLocks noChangeAspect="1"/>
           </p:cNvPicPr>
@@ -6608,8 +6967,8 @@
         </p:blipFill>
         <p:spPr>
           <a:xfrm>
-            <a:off x="365581" y="1589606"/>
-            <a:ext cx="3473600" cy="1590322"/>
+            <a:off x="250209" y="2369426"/>
+            <a:ext cx="8242100" cy="762880"/>
           </a:xfrm>
           <a:prstGeom prst="rect">
             <a:avLst/>
@@ -6618,7 +6977,7 @@
       </p:pic>
       <p:pic>
         <p:nvPicPr>
-          <p:cNvPr id="7" name="图片 6"/>
+          <p:cNvPr id="15" name="图片 14"/>
           <p:cNvPicPr>
             <a:picLocks noChangeAspect="1"/>
           </p:cNvPicPr>
@@ -6632,8 +6991,8 @@
         </p:blipFill>
         <p:spPr>
           <a:xfrm>
-            <a:off x="5404512" y="1728460"/>
-            <a:ext cx="4540346" cy="2620056"/>
+            <a:off x="8725370" y="842261"/>
+            <a:ext cx="3066296" cy="2637332"/>
           </a:xfrm>
           <a:prstGeom prst="rect">
             <a:avLst/>
@@ -6642,7 +7001,7 @@
       </p:pic>
       <p:pic>
         <p:nvPicPr>
-          <p:cNvPr id="8" name="图片 7"/>
+          <p:cNvPr id="14" name="图片 13"/>
           <p:cNvPicPr>
             <a:picLocks noChangeAspect="1"/>
           </p:cNvPicPr>
@@ -6656,8 +7015,8 @@
         </p:blipFill>
         <p:spPr>
           <a:xfrm>
-            <a:off x="365581" y="3361919"/>
-            <a:ext cx="4416674" cy="1592218"/>
+            <a:off x="250209" y="3193981"/>
+            <a:ext cx="7011575" cy="3567078"/>
           </a:xfrm>
           <a:prstGeom prst="rect">
             <a:avLst/>
@@ -6666,7 +7025,7 @@
       </p:pic>
       <p:pic>
         <p:nvPicPr>
-          <p:cNvPr id="9" name="图片 8"/>
+          <p:cNvPr id="16" name="图片 15"/>
           <p:cNvPicPr>
             <a:picLocks noChangeAspect="1"/>
           </p:cNvPicPr>
@@ -6680,32 +7039,8 @@
         </p:blipFill>
         <p:spPr>
           <a:xfrm>
-            <a:off x="345237" y="5134231"/>
-            <a:ext cx="5059275" cy="1604161"/>
-          </a:xfrm>
-          <a:prstGeom prst="rect">
-            <a:avLst/>
-          </a:prstGeom>
-        </p:spPr>
-      </p:pic>
-      <p:pic>
-        <p:nvPicPr>
-          <p:cNvPr id="10" name="图片 9"/>
-          <p:cNvPicPr>
-            <a:picLocks noChangeAspect="1"/>
-          </p:cNvPicPr>
-          <p:nvPr/>
-        </p:nvPicPr>
-        <p:blipFill>
-          <a:blip r:embed="rId6"/>
-          <a:stretch>
-            <a:fillRect/>
-          </a:stretch>
-        </p:blipFill>
-        <p:spPr>
-          <a:xfrm>
-            <a:off x="6005652" y="4348516"/>
-            <a:ext cx="3263106" cy="2447330"/>
+            <a:off x="7411912" y="3193982"/>
+            <a:ext cx="4598120" cy="3573396"/>
           </a:xfrm>
           <a:prstGeom prst="rect">
             <a:avLst/>
@@ -6715,7 +7050,7 @@
     </p:spTree>
     <p:extLst>
       <p:ext uri="{BB962C8B-B14F-4D97-AF65-F5344CB8AC3E}">
-        <p14:creationId xmlns:p14="http://schemas.microsoft.com/office/powerpoint/2010/main" val="574281491"/>
+        <p14:creationId xmlns:p14="http://schemas.microsoft.com/office/powerpoint/2010/main" val="4031324437"/>
       </p:ext>
     </p:extLst>
   </p:cSld>
@@ -6804,7 +7139,7 @@
                 </a:solidFill>
                 <a:latin typeface="Source Sans Pro"/>
               </a:rPr>
-              <a:t>4</a:t>
+              <a:t>3</a:t>
             </a:r>
             <a:r>
               <a:rPr lang="zh-CN" altLang="en-US" dirty="0" smtClean="0">
@@ -6822,7 +7157,7 @@
                 </a:solidFill>
                 <a:latin typeface="Source Sans Pro"/>
               </a:rPr>
-              <a:t>v-text</a:t>
+              <a:t>v-for</a:t>
             </a:r>
             <a:endParaRPr lang="zh-CN" altLang="en-US" dirty="0"/>
           </a:p>
@@ -6830,21 +7165,21 @@
       </p:sp>
       <p:sp>
         <p:nvSpPr>
-          <p:cNvPr id="11" name="矩形 10"/>
+          <p:cNvPr id="6" name="矩形 5"/>
           <p:cNvSpPr/>
           <p:nvPr/>
         </p:nvSpPr>
         <p:spPr>
           <a:xfrm>
-            <a:off x="250209" y="992117"/>
-            <a:ext cx="6096000" cy="369332"/>
-          </a:xfrm>
-          <a:prstGeom prst="rect">
-            <a:avLst/>
-          </a:prstGeom>
-        </p:spPr>
-        <p:txBody>
-          <a:bodyPr>
+            <a:off x="250209" y="1038283"/>
+            <a:ext cx="11800764" cy="369332"/>
+          </a:xfrm>
+          <a:prstGeom prst="rect">
+            <a:avLst/>
+          </a:prstGeom>
+        </p:spPr>
+        <p:txBody>
+          <a:bodyPr wrap="square">
             <a:spAutoFit/>
           </a:bodyPr>
           <a:lstStyle/>
@@ -6856,25 +7191,7 @@
                 </a:solidFill>
                 <a:latin typeface="Source Sans Pro"/>
               </a:rPr>
-              <a:t>用于更新元素的</a:t>
-            </a:r>
-            <a:r>
-              <a:rPr lang="en-US" altLang="zh-CN" dirty="0" err="1" smtClean="0">
-                <a:solidFill>
-                  <a:srgbClr val="34495E"/>
-                </a:solidFill>
-                <a:latin typeface="Source Sans Pro"/>
-              </a:rPr>
-              <a:t>textContent</a:t>
-            </a:r>
-            <a:r>
-              <a:rPr lang="zh-CN" altLang="en-US" dirty="0" smtClean="0">
-                <a:solidFill>
-                  <a:srgbClr val="34495E"/>
-                </a:solidFill>
-                <a:latin typeface="Source Sans Pro"/>
-              </a:rPr>
-              <a:t>。</a:t>
+              <a:t>循环遍历元素集合，并进行操作</a:t>
             </a:r>
             <a:endParaRPr lang="zh-CN" altLang="en-US" dirty="0"/>
           </a:p>
@@ -6882,7 +7199,7 @@
       </p:sp>
       <p:pic>
         <p:nvPicPr>
-          <p:cNvPr id="12" name="图片 11"/>
+          <p:cNvPr id="2" name="图片 1"/>
           <p:cNvPicPr>
             <a:picLocks noChangeAspect="1"/>
           </p:cNvPicPr>
@@ -6896,8 +7213,8 @@
         </p:blipFill>
         <p:spPr>
           <a:xfrm>
-            <a:off x="250209" y="1397448"/>
-            <a:ext cx="4990531" cy="608601"/>
+            <a:off x="365581" y="1589606"/>
+            <a:ext cx="3473600" cy="1590322"/>
           </a:xfrm>
           <a:prstGeom prst="rect">
             <a:avLst/>
@@ -6906,7 +7223,7 @@
       </p:pic>
       <p:pic>
         <p:nvPicPr>
-          <p:cNvPr id="13" name="图片 12"/>
+          <p:cNvPr id="7" name="图片 6"/>
           <p:cNvPicPr>
             <a:picLocks noChangeAspect="1"/>
           </p:cNvPicPr>
@@ -6920,121 +7237,17 @@
         </p:blipFill>
         <p:spPr>
           <a:xfrm>
-            <a:off x="5368710" y="840123"/>
-            <a:ext cx="6668615" cy="1542301"/>
+            <a:off x="5404512" y="1728460"/>
+            <a:ext cx="4540346" cy="2620056"/>
           </a:xfrm>
           <a:prstGeom prst="rect">
             <a:avLst/>
           </a:prstGeom>
         </p:spPr>
       </p:pic>
-      <p:sp>
-        <p:nvSpPr>
-          <p:cNvPr id="14" name="矩形 13"/>
-          <p:cNvSpPr/>
-          <p:nvPr/>
-        </p:nvSpPr>
-        <p:spPr>
-          <a:xfrm>
-            <a:off x="225187" y="2349752"/>
-            <a:ext cx="6096000" cy="369332"/>
-          </a:xfrm>
-          <a:prstGeom prst="rect">
-            <a:avLst/>
-          </a:prstGeom>
-        </p:spPr>
-        <p:txBody>
-          <a:bodyPr>
-            <a:spAutoFit/>
-          </a:bodyPr>
-          <a:lstStyle/>
-          <a:p>
-            <a:r>
-              <a:rPr lang="en-US" altLang="zh-CN" dirty="0" smtClean="0">
-                <a:solidFill>
-                  <a:srgbClr val="34495E"/>
-                </a:solidFill>
-                <a:latin typeface="Source Sans Pro"/>
-              </a:rPr>
-              <a:t>5</a:t>
-            </a:r>
-            <a:r>
-              <a:rPr lang="zh-CN" altLang="en-US" dirty="0" smtClean="0">
-                <a:solidFill>
-                  <a:srgbClr val="34495E"/>
-                </a:solidFill>
-                <a:latin typeface="Source Sans Pro"/>
-              </a:rPr>
-              <a:t>、</a:t>
-            </a:r>
-            <a:r>
-              <a:rPr lang="en-US" altLang="zh-CN" dirty="0" smtClean="0">
-                <a:solidFill>
-                  <a:srgbClr val="34495E"/>
-                </a:solidFill>
-                <a:latin typeface="Source Sans Pro"/>
-              </a:rPr>
-              <a:t>v-html</a:t>
-            </a:r>
-            <a:endParaRPr lang="zh-CN" altLang="en-US" dirty="0"/>
-          </a:p>
-        </p:txBody>
-      </p:sp>
-      <p:sp>
-        <p:nvSpPr>
-          <p:cNvPr id="15" name="矩形 14"/>
-          <p:cNvSpPr/>
-          <p:nvPr/>
-        </p:nvSpPr>
-        <p:spPr>
-          <a:xfrm>
-            <a:off x="225187" y="2809686"/>
-            <a:ext cx="6096000" cy="369332"/>
-          </a:xfrm>
-          <a:prstGeom prst="rect">
-            <a:avLst/>
-          </a:prstGeom>
-        </p:spPr>
-        <p:txBody>
-          <a:bodyPr>
-            <a:spAutoFit/>
-          </a:bodyPr>
-          <a:lstStyle/>
-          <a:p>
-            <a:r>
-              <a:rPr lang="zh-CN" altLang="en-US" dirty="0" smtClean="0">
-                <a:solidFill>
-                  <a:srgbClr val="34495E"/>
-                </a:solidFill>
-                <a:latin typeface="Source Sans Pro"/>
-              </a:rPr>
-              <a:t>用于更新元素的</a:t>
-            </a:r>
-            <a:r>
-              <a:rPr lang="en-US" altLang="zh-CN" dirty="0" err="1" smtClean="0">
-                <a:solidFill>
-                  <a:srgbClr val="34495E"/>
-                </a:solidFill>
-                <a:latin typeface="Source Sans Pro"/>
-              </a:rPr>
-              <a:t>innerHTML</a:t>
-            </a:r>
-            <a:r>
-              <a:rPr lang="zh-CN" altLang="en-US" dirty="0" smtClean="0">
-                <a:solidFill>
-                  <a:srgbClr val="34495E"/>
-                </a:solidFill>
-                <a:latin typeface="Source Sans Pro"/>
-              </a:rPr>
-              <a:t>。</a:t>
-            </a:r>
-            <a:endParaRPr lang="zh-CN" altLang="en-US" dirty="0"/>
-          </a:p>
-        </p:txBody>
-      </p:sp>
       <p:pic>
         <p:nvPicPr>
-          <p:cNvPr id="16" name="图片 15"/>
+          <p:cNvPr id="8" name="图片 7"/>
           <p:cNvPicPr>
             <a:picLocks noChangeAspect="1"/>
           </p:cNvPicPr>
@@ -7048,8 +7261,8 @@
         </p:blipFill>
         <p:spPr>
           <a:xfrm>
-            <a:off x="250209" y="3363683"/>
-            <a:ext cx="6413086" cy="745707"/>
+            <a:off x="365581" y="3361919"/>
+            <a:ext cx="4416674" cy="1592218"/>
           </a:xfrm>
           <a:prstGeom prst="rect">
             <a:avLst/>
@@ -7058,7 +7271,7 @@
       </p:pic>
       <p:pic>
         <p:nvPicPr>
-          <p:cNvPr id="17" name="图片 16"/>
+          <p:cNvPr id="9" name="图片 8"/>
           <p:cNvPicPr>
             <a:picLocks noChangeAspect="1"/>
           </p:cNvPicPr>
@@ -7072,121 +7285,17 @@
         </p:blipFill>
         <p:spPr>
           <a:xfrm>
-            <a:off x="7371303" y="2809686"/>
-            <a:ext cx="4352124" cy="1622010"/>
+            <a:off x="345237" y="5134231"/>
+            <a:ext cx="5059275" cy="1604161"/>
           </a:xfrm>
           <a:prstGeom prst="rect">
             <a:avLst/>
           </a:prstGeom>
         </p:spPr>
       </p:pic>
-      <p:sp>
-        <p:nvSpPr>
-          <p:cNvPr id="18" name="矩形 17"/>
-          <p:cNvSpPr/>
-          <p:nvPr/>
-        </p:nvSpPr>
-        <p:spPr>
-          <a:xfrm>
-            <a:off x="225187" y="4294055"/>
-            <a:ext cx="6096000" cy="369332"/>
-          </a:xfrm>
-          <a:prstGeom prst="rect">
-            <a:avLst/>
-          </a:prstGeom>
-        </p:spPr>
-        <p:txBody>
-          <a:bodyPr>
-            <a:spAutoFit/>
-          </a:bodyPr>
-          <a:lstStyle/>
-          <a:p>
-            <a:r>
-              <a:rPr lang="en-US" altLang="zh-CN" dirty="0">
-                <a:solidFill>
-                  <a:srgbClr val="34495E"/>
-                </a:solidFill>
-                <a:latin typeface="Source Sans Pro"/>
-              </a:rPr>
-              <a:t>6</a:t>
-            </a:r>
-            <a:r>
-              <a:rPr lang="zh-CN" altLang="en-US" dirty="0" smtClean="0">
-                <a:solidFill>
-                  <a:srgbClr val="34495E"/>
-                </a:solidFill>
-                <a:latin typeface="Source Sans Pro"/>
-              </a:rPr>
-              <a:t>、</a:t>
-            </a:r>
-            <a:r>
-              <a:rPr lang="en-US" altLang="zh-CN" dirty="0" smtClean="0">
-                <a:solidFill>
-                  <a:srgbClr val="34495E"/>
-                </a:solidFill>
-                <a:latin typeface="Source Sans Pro"/>
-              </a:rPr>
-              <a:t>v-bind</a:t>
-            </a:r>
-            <a:endParaRPr lang="zh-CN" altLang="en-US" dirty="0"/>
-          </a:p>
-        </p:txBody>
-      </p:sp>
-      <p:sp>
-        <p:nvSpPr>
-          <p:cNvPr id="19" name="矩形 18"/>
-          <p:cNvSpPr/>
-          <p:nvPr/>
-        </p:nvSpPr>
-        <p:spPr>
-          <a:xfrm>
-            <a:off x="225187" y="4753989"/>
-            <a:ext cx="6096000" cy="369332"/>
-          </a:xfrm>
-          <a:prstGeom prst="rect">
-            <a:avLst/>
-          </a:prstGeom>
-        </p:spPr>
-        <p:txBody>
-          <a:bodyPr>
-            <a:spAutoFit/>
-          </a:bodyPr>
-          <a:lstStyle/>
-          <a:p>
-            <a:r>
-              <a:rPr lang="zh-CN" altLang="en-US" dirty="0" smtClean="0">
-                <a:solidFill>
-                  <a:srgbClr val="34495E"/>
-                </a:solidFill>
-                <a:latin typeface="Source Sans Pro"/>
-              </a:rPr>
-              <a:t>用于将</a:t>
-            </a:r>
-            <a:r>
-              <a:rPr lang="zh-CN" altLang="en-US" dirty="0">
-                <a:solidFill>
-                  <a:srgbClr val="34495E"/>
-                </a:solidFill>
-                <a:latin typeface="Source Sans Pro"/>
-              </a:rPr>
-              <a:t>一</a:t>
-            </a:r>
-            <a:r>
-              <a:rPr lang="zh-CN" altLang="en-US" dirty="0" smtClean="0">
-                <a:solidFill>
-                  <a:srgbClr val="34495E"/>
-                </a:solidFill>
-                <a:latin typeface="Source Sans Pro"/>
-              </a:rPr>
-              <a:t>个或多个元素的属性绑定到表达式。</a:t>
-            </a:r>
-            <a:endParaRPr lang="zh-CN" altLang="en-US" dirty="0"/>
-          </a:p>
-        </p:txBody>
-      </p:sp>
       <p:pic>
         <p:nvPicPr>
-          <p:cNvPr id="21" name="图片 20"/>
+          <p:cNvPr id="10" name="图片 9"/>
           <p:cNvPicPr>
             <a:picLocks noChangeAspect="1"/>
           </p:cNvPicPr>
@@ -7200,137 +7309,24 @@
         </p:blipFill>
         <p:spPr>
           <a:xfrm>
-            <a:off x="199609" y="5637007"/>
-            <a:ext cx="11992392" cy="648711"/>
+            <a:off x="6005652" y="4348516"/>
+            <a:ext cx="3263106" cy="2447330"/>
           </a:xfrm>
           <a:prstGeom prst="rect">
             <a:avLst/>
           </a:prstGeom>
         </p:spPr>
       </p:pic>
-      <p:sp>
-        <p:nvSpPr>
-          <p:cNvPr id="20" name="矩形 19"/>
-          <p:cNvSpPr/>
-          <p:nvPr/>
-        </p:nvSpPr>
-        <p:spPr>
-          <a:xfrm>
-            <a:off x="225187" y="5177073"/>
-            <a:ext cx="6096000" cy="369332"/>
-          </a:xfrm>
-          <a:prstGeom prst="rect">
-            <a:avLst/>
-          </a:prstGeom>
-        </p:spPr>
-        <p:txBody>
-          <a:bodyPr>
-            <a:spAutoFit/>
-          </a:bodyPr>
-          <a:lstStyle/>
-          <a:p>
-            <a:r>
-              <a:rPr lang="en-US" altLang="zh-CN" dirty="0">
-                <a:solidFill>
-                  <a:srgbClr val="34495E"/>
-                </a:solidFill>
-                <a:latin typeface="Source Sans Pro"/>
-              </a:rPr>
-              <a:t>v</a:t>
-            </a:r>
-            <a:r>
-              <a:rPr lang="en-US" altLang="zh-CN" dirty="0" smtClean="0">
-                <a:solidFill>
-                  <a:srgbClr val="34495E"/>
-                </a:solidFill>
-                <a:latin typeface="Source Sans Pro"/>
-              </a:rPr>
-              <a:t>-bind</a:t>
-            </a:r>
-            <a:r>
-              <a:rPr lang="zh-CN" altLang="en-US" dirty="0" smtClean="0">
-                <a:solidFill>
-                  <a:srgbClr val="34495E"/>
-                </a:solidFill>
-                <a:latin typeface="Source Sans Pro"/>
-              </a:rPr>
-              <a:t>的缩写形式是</a:t>
-            </a:r>
-            <a:r>
-              <a:rPr lang="en-US" altLang="zh-CN" dirty="0" smtClean="0">
-                <a:solidFill>
-                  <a:srgbClr val="34495E"/>
-                </a:solidFill>
-                <a:latin typeface="Source Sans Pro"/>
-              </a:rPr>
-              <a:t>:</a:t>
-            </a:r>
-            <a:r>
-              <a:rPr lang="zh-CN" altLang="en-US" dirty="0" smtClean="0">
-                <a:solidFill>
-                  <a:srgbClr val="34495E"/>
-                </a:solidFill>
-                <a:latin typeface="Source Sans Pro"/>
-              </a:rPr>
-              <a:t>，如</a:t>
-            </a:r>
-            <a:r>
-              <a:rPr lang="en-US" altLang="zh-CN" dirty="0" err="1" smtClean="0">
-                <a:solidFill>
-                  <a:srgbClr val="34495E"/>
-                </a:solidFill>
-                <a:latin typeface="Source Sans Pro"/>
-              </a:rPr>
-              <a:t>v-bind:type</a:t>
-            </a:r>
-            <a:r>
-              <a:rPr lang="zh-CN" altLang="en-US" dirty="0" smtClean="0">
-                <a:solidFill>
-                  <a:srgbClr val="34495E"/>
-                </a:solidFill>
-                <a:latin typeface="Source Sans Pro"/>
-              </a:rPr>
-              <a:t>可缩写为</a:t>
-            </a:r>
-            <a:r>
-              <a:rPr lang="en-US" altLang="zh-CN" dirty="0" smtClean="0">
-                <a:solidFill>
-                  <a:srgbClr val="34495E"/>
-                </a:solidFill>
-                <a:latin typeface="Source Sans Pro"/>
-              </a:rPr>
-              <a:t>:type</a:t>
-            </a:r>
-            <a:r>
-              <a:rPr lang="zh-CN" altLang="en-US" dirty="0" smtClean="0">
-                <a:solidFill>
-                  <a:srgbClr val="34495E"/>
-                </a:solidFill>
-                <a:latin typeface="Source Sans Pro"/>
-              </a:rPr>
-              <a:t>。</a:t>
-            </a:r>
-            <a:endParaRPr lang="zh-CN" altLang="en-US" dirty="0"/>
-          </a:p>
-        </p:txBody>
-      </p:sp>
     </p:spTree>
     <p:extLst>
       <p:ext uri="{BB962C8B-B14F-4D97-AF65-F5344CB8AC3E}">
-        <p14:creationId xmlns:p14="http://schemas.microsoft.com/office/powerpoint/2010/main" val="705490441"/>
+        <p14:creationId xmlns:p14="http://schemas.microsoft.com/office/powerpoint/2010/main" val="574281491"/>
       </p:ext>
     </p:extLst>
   </p:cSld>
   <p:clrMapOvr>
     <a:masterClrMapping/>
   </p:clrMapOvr>
-  <p:timing>
-    <p:tnLst>
-      <p:par>
-        <p:cTn id="1" dur="indefinite" restart="never" nodeType="tmRoot"/>
-      </p:par>
-    </p:tnLst>
-  </p:timing>
 </p:sld>
 </file>
 
@@ -7407,13 +7403,13 @@
           <a:lstStyle/>
           <a:p>
             <a:r>
-              <a:rPr lang="en-US" altLang="zh-CN" dirty="0">
-                <a:solidFill>
-                  <a:srgbClr val="34495E"/>
-                </a:solidFill>
-                <a:latin typeface="Source Sans Pro"/>
-              </a:rPr>
-              <a:t>7</a:t>
+              <a:rPr lang="en-US" altLang="zh-CN" dirty="0" smtClean="0">
+                <a:solidFill>
+                  <a:srgbClr val="34495E"/>
+                </a:solidFill>
+                <a:latin typeface="Source Sans Pro"/>
+              </a:rPr>
+              <a:t>4</a:t>
             </a:r>
             <a:r>
               <a:rPr lang="zh-CN" altLang="en-US" dirty="0" smtClean="0">
@@ -7431,7 +7427,7 @@
                 </a:solidFill>
                 <a:latin typeface="Source Sans Pro"/>
               </a:rPr>
-              <a:t>v-on</a:t>
+              <a:t>v-text</a:t>
             </a:r>
             <a:endParaRPr lang="zh-CN" altLang="en-US" dirty="0"/>
           </a:p>
@@ -7439,21 +7435,21 @@
       </p:sp>
       <p:sp>
         <p:nvSpPr>
-          <p:cNvPr id="20" name="矩形 19"/>
+          <p:cNvPr id="11" name="矩形 10"/>
           <p:cNvSpPr/>
           <p:nvPr/>
         </p:nvSpPr>
         <p:spPr>
           <a:xfrm>
             <a:off x="250209" y="992117"/>
-            <a:ext cx="11828060" cy="369332"/>
-          </a:xfrm>
-          <a:prstGeom prst="rect">
-            <a:avLst/>
-          </a:prstGeom>
-        </p:spPr>
-        <p:txBody>
-          <a:bodyPr wrap="square">
+            <a:ext cx="6096000" cy="369332"/>
+          </a:xfrm>
+          <a:prstGeom prst="rect">
+            <a:avLst/>
+          </a:prstGeom>
+        </p:spPr>
+        <p:txBody>
+          <a:bodyPr>
             <a:spAutoFit/>
           </a:bodyPr>
           <a:lstStyle/>
@@ -7465,7 +7461,7 @@
                 </a:solidFill>
                 <a:latin typeface="Source Sans Pro"/>
               </a:rPr>
-              <a:t>用于绑定事件监听器，事件类型由参数指定，表达式可以是一个方法的名字，也可以是一个</a:t>
+              <a:t>用于更新元素的</a:t>
             </a:r>
             <a:r>
               <a:rPr lang="en-US" altLang="zh-CN" dirty="0" err="1" smtClean="0">
@@ -7474,378 +7470,24 @@
                 </a:solidFill>
                 <a:latin typeface="Source Sans Pro"/>
               </a:rPr>
-              <a:t>js</a:t>
-            </a:r>
-            <a:r>
-              <a:rPr lang="zh-CN" altLang="en-US" dirty="0" smtClean="0">
-                <a:solidFill>
-                  <a:srgbClr val="34495E"/>
-                </a:solidFill>
-                <a:latin typeface="Source Sans Pro"/>
-              </a:rPr>
-              <a:t>语句。</a:t>
-            </a:r>
-            <a:endParaRPr lang="zh-CN" altLang="en-US" dirty="0"/>
-          </a:p>
-        </p:txBody>
-      </p:sp>
-      <p:sp>
-        <p:nvSpPr>
-          <p:cNvPr id="14" name="矩形 13"/>
-          <p:cNvSpPr/>
-          <p:nvPr/>
-        </p:nvSpPr>
-        <p:spPr>
-          <a:xfrm>
-            <a:off x="6164240" y="2938120"/>
-            <a:ext cx="5914028" cy="3693319"/>
-          </a:xfrm>
-          <a:prstGeom prst="rect">
-            <a:avLst/>
-          </a:prstGeom>
-        </p:spPr>
-        <p:txBody>
-          <a:bodyPr wrap="square">
-            <a:spAutoFit/>
-          </a:bodyPr>
-          <a:lstStyle/>
-          <a:p>
-            <a:r>
-              <a:rPr lang="zh-CN" altLang="en-US" dirty="0" smtClean="0">
-                <a:solidFill>
-                  <a:srgbClr val="34495E"/>
-                </a:solidFill>
-                <a:latin typeface="Source Sans Pro"/>
-              </a:rPr>
-              <a:t>说明：</a:t>
-            </a:r>
-            <a:endParaRPr lang="en-US" altLang="zh-CN" dirty="0" smtClean="0">
-              <a:solidFill>
-                <a:srgbClr val="34495E"/>
-              </a:solidFill>
-              <a:latin typeface="Source Sans Pro"/>
-            </a:endParaRPr>
-          </a:p>
-          <a:p>
-            <a:pPr marL="285750" indent="-285750">
-              <a:buFont typeface="Arial" panose="020B0604020202020204" pitchFamily="34" charset="0"/>
-              <a:buChar char="•"/>
-            </a:pPr>
-            <a:r>
-              <a:rPr lang="en-US" altLang="zh-CN" dirty="0"/>
-              <a:t>m</a:t>
-            </a:r>
-            <a:r>
-              <a:rPr lang="en-US" altLang="zh-CN" dirty="0" smtClean="0"/>
-              <a:t>ethods</a:t>
-            </a:r>
-            <a:r>
-              <a:rPr lang="zh-CN" altLang="en-US" dirty="0" smtClean="0"/>
-              <a:t>中定义的方法内的</a:t>
-            </a:r>
-            <a:r>
-              <a:rPr lang="en-US" altLang="zh-CN" dirty="0" smtClean="0"/>
-              <a:t>this</a:t>
-            </a:r>
-            <a:r>
-              <a:rPr lang="zh-CN" altLang="en-US" dirty="0" smtClean="0"/>
-              <a:t>始终指向</a:t>
-            </a:r>
-            <a:r>
-              <a:rPr lang="en-US" altLang="zh-CN" dirty="0" err="1" smtClean="0"/>
-              <a:t>Vue</a:t>
-            </a:r>
-            <a:r>
-              <a:rPr lang="zh-CN" altLang="en-US" dirty="0" smtClean="0"/>
-              <a:t>实例，可以在方法中通过</a:t>
-            </a:r>
-            <a:r>
-              <a:rPr lang="en-US" altLang="zh-CN" dirty="0" smtClean="0"/>
-              <a:t>this</a:t>
-            </a:r>
-            <a:r>
-              <a:rPr lang="zh-CN" altLang="en-US" dirty="0" smtClean="0"/>
-              <a:t>访问定义的数据，如</a:t>
-            </a:r>
-            <a:r>
-              <a:rPr lang="en-US" altLang="zh-CN" dirty="0" err="1" smtClean="0"/>
-              <a:t>this.value</a:t>
-            </a:r>
-            <a:endParaRPr lang="en-US" altLang="zh-CN" dirty="0" smtClean="0"/>
-          </a:p>
-          <a:p>
-            <a:pPr marL="285750" indent="-285750">
-              <a:buFont typeface="Arial" panose="020B0604020202020204" pitchFamily="34" charset="0"/>
-              <a:buChar char="•"/>
-            </a:pPr>
-            <a:r>
-              <a:rPr lang="zh-CN" altLang="en-US" dirty="0" smtClean="0"/>
-              <a:t>方法中调用的</a:t>
-            </a:r>
-            <a:r>
-              <a:rPr lang="en-US" altLang="zh-CN" dirty="0" smtClean="0"/>
-              <a:t>event</a:t>
-            </a:r>
-            <a:r>
-              <a:rPr lang="zh-CN" altLang="en-US" dirty="0" smtClean="0"/>
-              <a:t>对象是原生</a:t>
-            </a:r>
-            <a:r>
-              <a:rPr lang="en-US" altLang="zh-CN" dirty="0" smtClean="0"/>
-              <a:t>DOM</a:t>
-            </a:r>
-            <a:r>
-              <a:rPr lang="zh-CN" altLang="en-US" dirty="0" smtClean="0"/>
-              <a:t>事件对象，</a:t>
-            </a:r>
-            <a:r>
-              <a:rPr lang="en-US" altLang="zh-CN" dirty="0" smtClean="0"/>
-              <a:t>event</a:t>
-            </a:r>
-            <a:r>
-              <a:rPr lang="zh-CN" altLang="en-US" dirty="0" smtClean="0"/>
-              <a:t>可以在方法中直接使用</a:t>
-            </a:r>
-            <a:endParaRPr lang="en-US" altLang="zh-CN" dirty="0" smtClean="0"/>
-          </a:p>
-          <a:p>
-            <a:pPr marL="285750" indent="-285750">
-              <a:buFont typeface="Arial" panose="020B0604020202020204" pitchFamily="34" charset="0"/>
-              <a:buChar char="•"/>
-            </a:pPr>
-            <a:r>
-              <a:rPr lang="zh-CN" altLang="en-US" dirty="0">
-                <a:latin typeface="Source Sans Pro"/>
-              </a:rPr>
-              <a:t>在普通元素上使用</a:t>
-            </a:r>
-            <a:r>
-              <a:rPr lang="en-US" altLang="zh-CN" dirty="0">
-                <a:latin typeface="Source Sans Pro"/>
-              </a:rPr>
-              <a:t>v-on</a:t>
-            </a:r>
-            <a:r>
-              <a:rPr lang="zh-CN" altLang="en-US" dirty="0">
-                <a:latin typeface="Source Sans Pro"/>
-              </a:rPr>
-              <a:t>时，只能监听原生</a:t>
-            </a:r>
-            <a:r>
-              <a:rPr lang="en-US" altLang="zh-CN" dirty="0">
-                <a:latin typeface="Source Sans Pro"/>
-              </a:rPr>
-              <a:t>DOM</a:t>
-            </a:r>
-            <a:r>
-              <a:rPr lang="zh-CN" altLang="en-US" dirty="0">
-                <a:latin typeface="Source Sans Pro"/>
-              </a:rPr>
-              <a:t>事件，使用自定义组件时可以监听自定义事件</a:t>
-            </a:r>
-            <a:r>
-              <a:rPr lang="zh-CN" altLang="en-US" dirty="0" smtClean="0">
+              <a:t>textContent</a:t>
+            </a:r>
+            <a:r>
+              <a:rPr lang="zh-CN" altLang="en-US" dirty="0" smtClean="0">
+                <a:solidFill>
+                  <a:srgbClr val="34495E"/>
+                </a:solidFill>
                 <a:latin typeface="Source Sans Pro"/>
               </a:rPr>
               <a:t>。</a:t>
             </a:r>
-            <a:endParaRPr lang="en-US" altLang="zh-CN" dirty="0" smtClean="0">
-              <a:latin typeface="Source Sans Pro"/>
-            </a:endParaRPr>
-          </a:p>
-          <a:p>
-            <a:pPr marL="285750" indent="-285750">
-              <a:buFont typeface="Arial" panose="020B0604020202020204" pitchFamily="34" charset="0"/>
-              <a:buChar char="•"/>
-            </a:pPr>
-            <a:r>
-              <a:rPr lang="zh-CN" altLang="en-US" dirty="0">
-                <a:solidFill>
-                  <a:srgbClr val="34495E"/>
-                </a:solidFill>
-                <a:latin typeface="Source Sans Pro"/>
-              </a:rPr>
-              <a:t>在监听原生</a:t>
-            </a:r>
-            <a:r>
-              <a:rPr lang="en-US" altLang="zh-CN" dirty="0">
-                <a:solidFill>
-                  <a:srgbClr val="34495E"/>
-                </a:solidFill>
-                <a:latin typeface="Source Sans Pro"/>
-              </a:rPr>
-              <a:t>DOM</a:t>
-            </a:r>
-            <a:r>
-              <a:rPr lang="zh-CN" altLang="en-US" dirty="0">
-                <a:solidFill>
-                  <a:srgbClr val="34495E"/>
-                </a:solidFill>
-                <a:latin typeface="Source Sans Pro"/>
-              </a:rPr>
-              <a:t>事件时，如果只定义一个参数，</a:t>
-            </a:r>
-            <a:r>
-              <a:rPr lang="en-US" altLang="zh-CN" dirty="0">
-                <a:solidFill>
-                  <a:srgbClr val="34495E"/>
-                </a:solidFill>
-                <a:latin typeface="Source Sans Pro"/>
-              </a:rPr>
-              <a:t>DOM event</a:t>
-            </a:r>
-            <a:r>
-              <a:rPr lang="zh-CN" altLang="en-US" dirty="0">
-                <a:solidFill>
-                  <a:srgbClr val="34495E"/>
-                </a:solidFill>
-                <a:latin typeface="Source Sans Pro"/>
-              </a:rPr>
-              <a:t>为事件的唯一参数；如果在内联</a:t>
-            </a:r>
-            <a:r>
-              <a:rPr lang="en-US" altLang="zh-CN" dirty="0" err="1">
-                <a:solidFill>
-                  <a:srgbClr val="34495E"/>
-                </a:solidFill>
-                <a:latin typeface="Source Sans Pro"/>
-              </a:rPr>
-              <a:t>js</a:t>
-            </a:r>
-            <a:r>
-              <a:rPr lang="zh-CN" altLang="en-US" dirty="0">
-                <a:solidFill>
-                  <a:srgbClr val="34495E"/>
-                </a:solidFill>
-                <a:latin typeface="Source Sans Pro"/>
-              </a:rPr>
-              <a:t>语句中访问原生</a:t>
-            </a:r>
-            <a:r>
-              <a:rPr lang="en-US" altLang="zh-CN" dirty="0">
-                <a:solidFill>
-                  <a:srgbClr val="34495E"/>
-                </a:solidFill>
-                <a:latin typeface="Source Sans Pro"/>
-              </a:rPr>
-              <a:t>DOM</a:t>
-            </a:r>
-            <a:r>
-              <a:rPr lang="zh-CN" altLang="en-US" dirty="0">
-                <a:solidFill>
-                  <a:srgbClr val="34495E"/>
-                </a:solidFill>
-                <a:latin typeface="Source Sans Pro"/>
-              </a:rPr>
-              <a:t>事件，可以使用</a:t>
-            </a:r>
-            <a:r>
-              <a:rPr lang="en-US" altLang="zh-CN" dirty="0">
-                <a:solidFill>
-                  <a:srgbClr val="34495E"/>
-                </a:solidFill>
-                <a:latin typeface="Source Sans Pro"/>
-              </a:rPr>
-              <a:t>event</a:t>
-            </a:r>
-            <a:r>
-              <a:rPr lang="zh-CN" altLang="en-US" dirty="0">
-                <a:solidFill>
-                  <a:srgbClr val="34495E"/>
-                </a:solidFill>
-                <a:latin typeface="Source Sans Pro"/>
-              </a:rPr>
-              <a:t>传入事件</a:t>
-            </a:r>
-            <a:r>
-              <a:rPr lang="zh-CN" altLang="en-US" dirty="0" smtClean="0">
-                <a:solidFill>
-                  <a:srgbClr val="34495E"/>
-                </a:solidFill>
-                <a:latin typeface="Source Sans Pro"/>
-              </a:rPr>
-              <a:t>。</a:t>
-            </a:r>
-            <a:endParaRPr lang="en-US" altLang="zh-CN" dirty="0" smtClean="0">
-              <a:solidFill>
-                <a:srgbClr val="34495E"/>
-              </a:solidFill>
-              <a:latin typeface="Source Sans Pro"/>
-            </a:endParaRPr>
-          </a:p>
-          <a:p>
-            <a:pPr marL="285750" indent="-285750">
-              <a:buFont typeface="Arial" panose="020B0604020202020204" pitchFamily="34" charset="0"/>
-              <a:buChar char="•"/>
-            </a:pPr>
-            <a:r>
-              <a:rPr lang="zh-CN" altLang="en-US" dirty="0" smtClean="0">
-                <a:solidFill>
-                  <a:srgbClr val="34495E"/>
-                </a:solidFill>
-                <a:latin typeface="Source Sans Pro"/>
-              </a:rPr>
-              <a:t>在</a:t>
-            </a:r>
-            <a:r>
-              <a:rPr lang="en-US" altLang="zh-CN" dirty="0" err="1">
-                <a:solidFill>
-                  <a:srgbClr val="34495E"/>
-                </a:solidFill>
-                <a:latin typeface="Source Sans Pro"/>
-              </a:rPr>
-              <a:t>Javascript</a:t>
-            </a:r>
-            <a:r>
-              <a:rPr lang="zh-CN" altLang="en-US" dirty="0">
-                <a:solidFill>
-                  <a:srgbClr val="34495E"/>
-                </a:solidFill>
-                <a:latin typeface="Source Sans Pro"/>
-              </a:rPr>
-              <a:t>中调用该事件可以使用</a:t>
-            </a:r>
-            <a:r>
-              <a:rPr lang="en-US" altLang="zh-CN" dirty="0">
-                <a:solidFill>
-                  <a:srgbClr val="0000FF"/>
-                </a:solidFill>
-                <a:latin typeface="Source Sans Pro"/>
-              </a:rPr>
-              <a:t>app7.doThis(“</a:t>
-            </a:r>
-            <a:r>
-              <a:rPr lang="en-US" altLang="zh-CN" dirty="0" err="1">
-                <a:solidFill>
-                  <a:srgbClr val="0000FF"/>
-                </a:solidFill>
-                <a:latin typeface="Source Sans Pro"/>
-              </a:rPr>
-              <a:t>abc</a:t>
-            </a:r>
-            <a:r>
-              <a:rPr lang="en-US" altLang="zh-CN" dirty="0">
-                <a:solidFill>
-                  <a:srgbClr val="0000FF"/>
-                </a:solidFill>
-                <a:latin typeface="Source Sans Pro"/>
-              </a:rPr>
-              <a:t>”)</a:t>
-            </a:r>
-            <a:endParaRPr lang="zh-CN" altLang="en-US" dirty="0">
-              <a:solidFill>
-                <a:srgbClr val="0000FF"/>
-              </a:solidFill>
-            </a:endParaRPr>
-          </a:p>
-          <a:p>
             <a:endParaRPr lang="zh-CN" altLang="en-US" dirty="0"/>
           </a:p>
         </p:txBody>
       </p:sp>
       <p:pic>
         <p:nvPicPr>
-          <p:cNvPr id="10" name="图片 9"/>
+          <p:cNvPr id="12" name="图片 11"/>
           <p:cNvPicPr>
             <a:picLocks noChangeAspect="1"/>
           </p:cNvPicPr>
@@ -7859,120 +7501,14 @@
         </p:blipFill>
         <p:spPr>
           <a:xfrm>
-            <a:off x="250208" y="3006506"/>
-            <a:ext cx="5686657" cy="2780143"/>
+            <a:off x="250209" y="1397448"/>
+            <a:ext cx="4990531" cy="608601"/>
           </a:xfrm>
           <a:prstGeom prst="rect">
             <a:avLst/>
           </a:prstGeom>
         </p:spPr>
       </p:pic>
-      <p:sp>
-        <p:nvSpPr>
-          <p:cNvPr id="16" name="矩形 15"/>
-          <p:cNvSpPr/>
-          <p:nvPr/>
-        </p:nvSpPr>
-        <p:spPr>
-          <a:xfrm>
-            <a:off x="250208" y="1381729"/>
-            <a:ext cx="11828060" cy="369332"/>
-          </a:xfrm>
-          <a:prstGeom prst="rect">
-            <a:avLst/>
-          </a:prstGeom>
-        </p:spPr>
-        <p:txBody>
-          <a:bodyPr wrap="square">
-            <a:spAutoFit/>
-          </a:bodyPr>
-          <a:lstStyle/>
-          <a:p>
-            <a:r>
-              <a:rPr lang="en-US" altLang="zh-CN" dirty="0">
-                <a:solidFill>
-                  <a:srgbClr val="34495E"/>
-                </a:solidFill>
-                <a:latin typeface="Source Sans Pro"/>
-              </a:rPr>
-              <a:t>v</a:t>
-            </a:r>
-            <a:r>
-              <a:rPr lang="en-US" altLang="zh-CN" dirty="0" smtClean="0">
-                <a:solidFill>
-                  <a:srgbClr val="34495E"/>
-                </a:solidFill>
-                <a:latin typeface="Source Sans Pro"/>
-              </a:rPr>
-              <a:t>-on</a:t>
-            </a:r>
-            <a:r>
-              <a:rPr lang="zh-CN" altLang="en-US" dirty="0" smtClean="0">
-                <a:solidFill>
-                  <a:srgbClr val="34495E"/>
-                </a:solidFill>
-                <a:latin typeface="Source Sans Pro"/>
-              </a:rPr>
-              <a:t>的缩写形式是</a:t>
-            </a:r>
-            <a:r>
-              <a:rPr lang="en-US" altLang="zh-CN" dirty="0" smtClean="0">
-                <a:solidFill>
-                  <a:srgbClr val="34495E"/>
-                </a:solidFill>
-                <a:latin typeface="Source Sans Pro"/>
-              </a:rPr>
-              <a:t>@</a:t>
-            </a:r>
-            <a:r>
-              <a:rPr lang="zh-CN" altLang="en-US" dirty="0" smtClean="0">
-                <a:solidFill>
-                  <a:srgbClr val="34495E"/>
-                </a:solidFill>
-                <a:latin typeface="Source Sans Pro"/>
-              </a:rPr>
-              <a:t>，如</a:t>
-            </a:r>
-            <a:r>
-              <a:rPr lang="en-US" altLang="zh-CN" dirty="0" err="1" smtClean="0">
-                <a:solidFill>
-                  <a:srgbClr val="34495E"/>
-                </a:solidFill>
-                <a:latin typeface="Source Sans Pro"/>
-              </a:rPr>
-              <a:t>v-on:click</a:t>
-            </a:r>
-            <a:r>
-              <a:rPr lang="zh-CN" altLang="en-US" dirty="0" smtClean="0">
-                <a:solidFill>
-                  <a:srgbClr val="34495E"/>
-                </a:solidFill>
-                <a:latin typeface="Source Sans Pro"/>
-              </a:rPr>
-              <a:t>可缩写为</a:t>
-            </a:r>
-            <a:r>
-              <a:rPr lang="en-US" altLang="zh-CN" dirty="0" smtClean="0">
-                <a:solidFill>
-                  <a:srgbClr val="34495E"/>
-                </a:solidFill>
-                <a:latin typeface="Source Sans Pro"/>
-              </a:rPr>
-              <a:t>@click</a:t>
-            </a:r>
-            <a:r>
-              <a:rPr lang="zh-CN" altLang="en-US" dirty="0" smtClean="0">
-                <a:solidFill>
-                  <a:srgbClr val="34495E"/>
-                </a:solidFill>
-                <a:latin typeface="Source Sans Pro"/>
-              </a:rPr>
-              <a:t>。</a:t>
-            </a:r>
-            <a:endParaRPr lang="zh-CN" altLang="en-US" dirty="0"/>
-          </a:p>
-        </p:txBody>
-      </p:sp>
       <p:pic>
         <p:nvPicPr>
           <p:cNvPr id="13" name="图片 12"/>
@@ -7989,18 +7525,404 @@
         </p:blipFill>
         <p:spPr>
           <a:xfrm>
-            <a:off x="250208" y="1784989"/>
-            <a:ext cx="11909199" cy="1166779"/>
+            <a:off x="5368710" y="840123"/>
+            <a:ext cx="6668615" cy="1542301"/>
           </a:xfrm>
           <a:prstGeom prst="rect">
             <a:avLst/>
           </a:prstGeom>
         </p:spPr>
       </p:pic>
+      <p:sp>
+        <p:nvSpPr>
+          <p:cNvPr id="14" name="矩形 13"/>
+          <p:cNvSpPr/>
+          <p:nvPr/>
+        </p:nvSpPr>
+        <p:spPr>
+          <a:xfrm>
+            <a:off x="225187" y="2349752"/>
+            <a:ext cx="6096000" cy="369332"/>
+          </a:xfrm>
+          <a:prstGeom prst="rect">
+            <a:avLst/>
+          </a:prstGeom>
+        </p:spPr>
+        <p:txBody>
+          <a:bodyPr>
+            <a:spAutoFit/>
+          </a:bodyPr>
+          <a:lstStyle/>
+          <a:p>
+            <a:r>
+              <a:rPr lang="en-US" altLang="zh-CN" dirty="0" smtClean="0">
+                <a:solidFill>
+                  <a:srgbClr val="34495E"/>
+                </a:solidFill>
+                <a:latin typeface="Source Sans Pro"/>
+              </a:rPr>
+              <a:t>5</a:t>
+            </a:r>
+            <a:r>
+              <a:rPr lang="zh-CN" altLang="en-US" dirty="0" smtClean="0">
+                <a:solidFill>
+                  <a:srgbClr val="34495E"/>
+                </a:solidFill>
+                <a:latin typeface="Source Sans Pro"/>
+              </a:rPr>
+              <a:t>、</a:t>
+            </a:r>
+            <a:r>
+              <a:rPr lang="en-US" altLang="zh-CN" dirty="0" smtClean="0">
+                <a:solidFill>
+                  <a:srgbClr val="34495E"/>
+                </a:solidFill>
+                <a:latin typeface="Source Sans Pro"/>
+              </a:rPr>
+              <a:t>v-html</a:t>
+            </a:r>
+            <a:endParaRPr lang="zh-CN" altLang="en-US" dirty="0"/>
+          </a:p>
+        </p:txBody>
+      </p:sp>
+      <p:sp>
+        <p:nvSpPr>
+          <p:cNvPr id="15" name="矩形 14"/>
+          <p:cNvSpPr/>
+          <p:nvPr/>
+        </p:nvSpPr>
+        <p:spPr>
+          <a:xfrm>
+            <a:off x="225187" y="2809686"/>
+            <a:ext cx="6096000" cy="369332"/>
+          </a:xfrm>
+          <a:prstGeom prst="rect">
+            <a:avLst/>
+          </a:prstGeom>
+        </p:spPr>
+        <p:txBody>
+          <a:bodyPr>
+            <a:spAutoFit/>
+          </a:bodyPr>
+          <a:lstStyle/>
+          <a:p>
+            <a:r>
+              <a:rPr lang="zh-CN" altLang="en-US" dirty="0" smtClean="0">
+                <a:solidFill>
+                  <a:srgbClr val="34495E"/>
+                </a:solidFill>
+                <a:latin typeface="Source Sans Pro"/>
+              </a:rPr>
+              <a:t>用于更新元素的</a:t>
+            </a:r>
+            <a:r>
+              <a:rPr lang="en-US" altLang="zh-CN" dirty="0" err="1" smtClean="0">
+                <a:solidFill>
+                  <a:srgbClr val="34495E"/>
+                </a:solidFill>
+                <a:latin typeface="Source Sans Pro"/>
+              </a:rPr>
+              <a:t>innerHTML</a:t>
+            </a:r>
+            <a:r>
+              <a:rPr lang="zh-CN" altLang="en-US" dirty="0" smtClean="0">
+                <a:solidFill>
+                  <a:srgbClr val="34495E"/>
+                </a:solidFill>
+                <a:latin typeface="Source Sans Pro"/>
+              </a:rPr>
+              <a:t>。</a:t>
+            </a:r>
+            <a:endParaRPr lang="zh-CN" altLang="en-US" dirty="0"/>
+          </a:p>
+        </p:txBody>
+      </p:sp>
+      <p:pic>
+        <p:nvPicPr>
+          <p:cNvPr id="16" name="图片 15"/>
+          <p:cNvPicPr>
+            <a:picLocks noChangeAspect="1"/>
+          </p:cNvPicPr>
+          <p:nvPr/>
+        </p:nvPicPr>
+        <p:blipFill>
+          <a:blip r:embed="rId4"/>
+          <a:stretch>
+            <a:fillRect/>
+          </a:stretch>
+        </p:blipFill>
+        <p:spPr>
+          <a:xfrm>
+            <a:off x="250209" y="3363683"/>
+            <a:ext cx="6413086" cy="745707"/>
+          </a:xfrm>
+          <a:prstGeom prst="rect">
+            <a:avLst/>
+          </a:prstGeom>
+        </p:spPr>
+      </p:pic>
+      <p:pic>
+        <p:nvPicPr>
+          <p:cNvPr id="17" name="图片 16"/>
+          <p:cNvPicPr>
+            <a:picLocks noChangeAspect="1"/>
+          </p:cNvPicPr>
+          <p:nvPr/>
+        </p:nvPicPr>
+        <p:blipFill>
+          <a:blip r:embed="rId5"/>
+          <a:stretch>
+            <a:fillRect/>
+          </a:stretch>
+        </p:blipFill>
+        <p:spPr>
+          <a:xfrm>
+            <a:off x="7371303" y="2809686"/>
+            <a:ext cx="4352124" cy="1622010"/>
+          </a:xfrm>
+          <a:prstGeom prst="rect">
+            <a:avLst/>
+          </a:prstGeom>
+        </p:spPr>
+      </p:pic>
+      <p:sp>
+        <p:nvSpPr>
+          <p:cNvPr id="18" name="矩形 17"/>
+          <p:cNvSpPr/>
+          <p:nvPr/>
+        </p:nvSpPr>
+        <p:spPr>
+          <a:xfrm>
+            <a:off x="225187" y="4294055"/>
+            <a:ext cx="6096000" cy="369332"/>
+          </a:xfrm>
+          <a:prstGeom prst="rect">
+            <a:avLst/>
+          </a:prstGeom>
+        </p:spPr>
+        <p:txBody>
+          <a:bodyPr>
+            <a:spAutoFit/>
+          </a:bodyPr>
+          <a:lstStyle/>
+          <a:p>
+            <a:r>
+              <a:rPr lang="en-US" altLang="zh-CN" dirty="0">
+                <a:solidFill>
+                  <a:srgbClr val="34495E"/>
+                </a:solidFill>
+                <a:latin typeface="Source Sans Pro"/>
+              </a:rPr>
+              <a:t>6</a:t>
+            </a:r>
+            <a:r>
+              <a:rPr lang="zh-CN" altLang="en-US" dirty="0" smtClean="0">
+                <a:solidFill>
+                  <a:srgbClr val="34495E"/>
+                </a:solidFill>
+                <a:latin typeface="Source Sans Pro"/>
+              </a:rPr>
+              <a:t>、</a:t>
+            </a:r>
+            <a:r>
+              <a:rPr lang="en-US" altLang="zh-CN" dirty="0" smtClean="0">
+                <a:solidFill>
+                  <a:srgbClr val="34495E"/>
+                </a:solidFill>
+                <a:latin typeface="Source Sans Pro"/>
+              </a:rPr>
+              <a:t>v-bind</a:t>
+            </a:r>
+            <a:endParaRPr lang="zh-CN" altLang="en-US" dirty="0"/>
+          </a:p>
+        </p:txBody>
+      </p:sp>
+      <p:sp>
+        <p:nvSpPr>
+          <p:cNvPr id="19" name="矩形 18"/>
+          <p:cNvSpPr/>
+          <p:nvPr/>
+        </p:nvSpPr>
+        <p:spPr>
+          <a:xfrm>
+            <a:off x="225187" y="4753989"/>
+            <a:ext cx="6096000" cy="369332"/>
+          </a:xfrm>
+          <a:prstGeom prst="rect">
+            <a:avLst/>
+          </a:prstGeom>
+        </p:spPr>
+        <p:txBody>
+          <a:bodyPr>
+            <a:spAutoFit/>
+          </a:bodyPr>
+          <a:lstStyle/>
+          <a:p>
+            <a:r>
+              <a:rPr lang="zh-CN" altLang="en-US" dirty="0" smtClean="0">
+                <a:solidFill>
+                  <a:srgbClr val="34495E"/>
+                </a:solidFill>
+                <a:latin typeface="Source Sans Pro"/>
+              </a:rPr>
+              <a:t>用于将</a:t>
+            </a:r>
+            <a:r>
+              <a:rPr lang="zh-CN" altLang="en-US" dirty="0">
+                <a:solidFill>
+                  <a:srgbClr val="34495E"/>
+                </a:solidFill>
+                <a:latin typeface="Source Sans Pro"/>
+              </a:rPr>
+              <a:t>一</a:t>
+            </a:r>
+            <a:r>
+              <a:rPr lang="zh-CN" altLang="en-US" dirty="0" smtClean="0">
+                <a:solidFill>
+                  <a:srgbClr val="34495E"/>
+                </a:solidFill>
+                <a:latin typeface="Source Sans Pro"/>
+              </a:rPr>
+              <a:t>个或多个元素的属性绑定到表达式。</a:t>
+            </a:r>
+            <a:endParaRPr lang="zh-CN" altLang="en-US" dirty="0"/>
+          </a:p>
+        </p:txBody>
+      </p:sp>
+      <p:pic>
+        <p:nvPicPr>
+          <p:cNvPr id="21" name="图片 20"/>
+          <p:cNvPicPr>
+            <a:picLocks noChangeAspect="1"/>
+          </p:cNvPicPr>
+          <p:nvPr/>
+        </p:nvPicPr>
+        <p:blipFill>
+          <a:blip r:embed="rId6"/>
+          <a:stretch>
+            <a:fillRect/>
+          </a:stretch>
+        </p:blipFill>
+        <p:spPr>
+          <a:xfrm>
+            <a:off x="199609" y="5637007"/>
+            <a:ext cx="11992392" cy="648711"/>
+          </a:xfrm>
+          <a:prstGeom prst="rect">
+            <a:avLst/>
+          </a:prstGeom>
+        </p:spPr>
+      </p:pic>
+      <p:sp>
+        <p:nvSpPr>
+          <p:cNvPr id="20" name="矩形 19"/>
+          <p:cNvSpPr/>
+          <p:nvPr/>
+        </p:nvSpPr>
+        <p:spPr>
+          <a:xfrm>
+            <a:off x="225187" y="5177073"/>
+            <a:ext cx="6096000" cy="369332"/>
+          </a:xfrm>
+          <a:prstGeom prst="rect">
+            <a:avLst/>
+          </a:prstGeom>
+        </p:spPr>
+        <p:txBody>
+          <a:bodyPr>
+            <a:spAutoFit/>
+          </a:bodyPr>
+          <a:lstStyle/>
+          <a:p>
+            <a:r>
+              <a:rPr lang="en-US" altLang="zh-CN" dirty="0">
+                <a:solidFill>
+                  <a:srgbClr val="34495E"/>
+                </a:solidFill>
+                <a:latin typeface="Source Sans Pro"/>
+              </a:rPr>
+              <a:t>v</a:t>
+            </a:r>
+            <a:r>
+              <a:rPr lang="en-US" altLang="zh-CN" dirty="0" smtClean="0">
+                <a:solidFill>
+                  <a:srgbClr val="34495E"/>
+                </a:solidFill>
+                <a:latin typeface="Source Sans Pro"/>
+              </a:rPr>
+              <a:t>-bind</a:t>
+            </a:r>
+            <a:r>
+              <a:rPr lang="zh-CN" altLang="en-US" dirty="0" smtClean="0">
+                <a:solidFill>
+                  <a:srgbClr val="34495E"/>
+                </a:solidFill>
+                <a:latin typeface="Source Sans Pro"/>
+              </a:rPr>
+              <a:t>的缩写形式是</a:t>
+            </a:r>
+            <a:r>
+              <a:rPr lang="en-US" altLang="zh-CN" dirty="0" smtClean="0">
+                <a:solidFill>
+                  <a:srgbClr val="34495E"/>
+                </a:solidFill>
+                <a:latin typeface="Source Sans Pro"/>
+              </a:rPr>
+              <a:t>:</a:t>
+            </a:r>
+            <a:r>
+              <a:rPr lang="zh-CN" altLang="en-US" dirty="0" smtClean="0">
+                <a:solidFill>
+                  <a:srgbClr val="34495E"/>
+                </a:solidFill>
+                <a:latin typeface="Source Sans Pro"/>
+              </a:rPr>
+              <a:t>，如</a:t>
+            </a:r>
+            <a:r>
+              <a:rPr lang="en-US" altLang="zh-CN" dirty="0" err="1" smtClean="0">
+                <a:solidFill>
+                  <a:srgbClr val="34495E"/>
+                </a:solidFill>
+                <a:latin typeface="Source Sans Pro"/>
+              </a:rPr>
+              <a:t>v-bind:type</a:t>
+            </a:r>
+            <a:r>
+              <a:rPr lang="zh-CN" altLang="en-US" dirty="0" smtClean="0">
+                <a:solidFill>
+                  <a:srgbClr val="34495E"/>
+                </a:solidFill>
+                <a:latin typeface="Source Sans Pro"/>
+              </a:rPr>
+              <a:t>可缩写为</a:t>
+            </a:r>
+            <a:r>
+              <a:rPr lang="en-US" altLang="zh-CN" dirty="0" smtClean="0">
+                <a:solidFill>
+                  <a:srgbClr val="34495E"/>
+                </a:solidFill>
+                <a:latin typeface="Source Sans Pro"/>
+              </a:rPr>
+              <a:t>:type</a:t>
+            </a:r>
+            <a:r>
+              <a:rPr lang="zh-CN" altLang="en-US" dirty="0" smtClean="0">
+                <a:solidFill>
+                  <a:srgbClr val="34495E"/>
+                </a:solidFill>
+                <a:latin typeface="Source Sans Pro"/>
+              </a:rPr>
+              <a:t>。</a:t>
+            </a:r>
+            <a:endParaRPr lang="zh-CN" altLang="en-US" dirty="0"/>
+          </a:p>
+        </p:txBody>
+      </p:sp>
     </p:spTree>
     <p:extLst>
       <p:ext uri="{BB962C8B-B14F-4D97-AF65-F5344CB8AC3E}">
-        <p14:creationId xmlns:p14="http://schemas.microsoft.com/office/powerpoint/2010/main" val="2269008404"/>
+        <p14:creationId xmlns:p14="http://schemas.microsoft.com/office/powerpoint/2010/main" val="705490441"/>
       </p:ext>
     </p:extLst>
   </p:cSld>
@@ -8122,14 +8044,14 @@
       </p:sp>
       <p:sp>
         <p:nvSpPr>
-          <p:cNvPr id="24" name="矩形 23"/>
+          <p:cNvPr id="20" name="矩形 19"/>
           <p:cNvSpPr/>
           <p:nvPr/>
         </p:nvSpPr>
         <p:spPr>
           <a:xfrm>
-            <a:off x="250074" y="1018309"/>
-            <a:ext cx="11828060" cy="646331"/>
+            <a:off x="250209" y="992117"/>
+            <a:ext cx="11828060" cy="369332"/>
           </a:xfrm>
           <a:prstGeom prst="rect">
             <a:avLst/>
@@ -8142,93 +8064,393 @@
           <a:lstStyle/>
           <a:p>
             <a:r>
+              <a:rPr lang="zh-CN" altLang="en-US" dirty="0" smtClean="0">
+                <a:solidFill>
+                  <a:srgbClr val="34495E"/>
+                </a:solidFill>
+                <a:latin typeface="Source Sans Pro"/>
+              </a:rPr>
+              <a:t>用于绑定事件监听器，事件类型由参数指定，表达式可以是一个方法的名字，也可以是一个</a:t>
+            </a:r>
+            <a:r>
+              <a:rPr lang="en-US" altLang="zh-CN" dirty="0" err="1" smtClean="0">
+                <a:solidFill>
+                  <a:srgbClr val="34495E"/>
+                </a:solidFill>
+                <a:latin typeface="Source Sans Pro"/>
+              </a:rPr>
+              <a:t>js</a:t>
+            </a:r>
+            <a:r>
+              <a:rPr lang="zh-CN" altLang="en-US" dirty="0" smtClean="0">
+                <a:solidFill>
+                  <a:srgbClr val="34495E"/>
+                </a:solidFill>
+                <a:latin typeface="Source Sans Pro"/>
+              </a:rPr>
+              <a:t>语句。</a:t>
+            </a:r>
+            <a:endParaRPr lang="zh-CN" altLang="en-US" dirty="0"/>
+          </a:p>
+        </p:txBody>
+      </p:sp>
+      <p:sp>
+        <p:nvSpPr>
+          <p:cNvPr id="14" name="矩形 13"/>
+          <p:cNvSpPr/>
+          <p:nvPr/>
+        </p:nvSpPr>
+        <p:spPr>
+          <a:xfrm>
+            <a:off x="6164240" y="2938120"/>
+            <a:ext cx="5914028" cy="3693319"/>
+          </a:xfrm>
+          <a:prstGeom prst="rect">
+            <a:avLst/>
+          </a:prstGeom>
+        </p:spPr>
+        <p:txBody>
+          <a:bodyPr wrap="square">
+            <a:spAutoFit/>
+          </a:bodyPr>
+          <a:lstStyle/>
+          <a:p>
+            <a:r>
+              <a:rPr lang="zh-CN" altLang="en-US" dirty="0" smtClean="0">
+                <a:solidFill>
+                  <a:srgbClr val="34495E"/>
+                </a:solidFill>
+                <a:latin typeface="Source Sans Pro"/>
+              </a:rPr>
+              <a:t>说明：</a:t>
+            </a:r>
+            <a:endParaRPr lang="en-US" altLang="zh-CN" dirty="0" smtClean="0">
+              <a:solidFill>
+                <a:srgbClr val="34495E"/>
+              </a:solidFill>
+              <a:latin typeface="Source Sans Pro"/>
+            </a:endParaRPr>
+          </a:p>
+          <a:p>
+            <a:pPr marL="285750" indent="-285750">
+              <a:buFont typeface="Arial" panose="020B0604020202020204" pitchFamily="34" charset="0"/>
+              <a:buChar char="•"/>
+            </a:pPr>
+            <a:r>
+              <a:rPr lang="en-US" altLang="zh-CN" dirty="0"/>
+              <a:t>m</a:t>
+            </a:r>
+            <a:r>
+              <a:rPr lang="en-US" altLang="zh-CN" dirty="0" smtClean="0"/>
+              <a:t>ethods</a:t>
+            </a:r>
+            <a:r>
+              <a:rPr lang="zh-CN" altLang="en-US" dirty="0" smtClean="0"/>
+              <a:t>中定义的方法内的</a:t>
+            </a:r>
+            <a:r>
+              <a:rPr lang="en-US" altLang="zh-CN" dirty="0" smtClean="0"/>
+              <a:t>this</a:t>
+            </a:r>
+            <a:r>
+              <a:rPr lang="zh-CN" altLang="en-US" dirty="0" smtClean="0"/>
+              <a:t>始终指向</a:t>
+            </a:r>
+            <a:r>
+              <a:rPr lang="en-US" altLang="zh-CN" dirty="0" err="1" smtClean="0"/>
+              <a:t>Vue</a:t>
+            </a:r>
+            <a:r>
+              <a:rPr lang="zh-CN" altLang="en-US" dirty="0" smtClean="0"/>
+              <a:t>实例，可以在方法中通过</a:t>
+            </a:r>
+            <a:r>
+              <a:rPr lang="en-US" altLang="zh-CN" dirty="0" smtClean="0"/>
+              <a:t>this</a:t>
+            </a:r>
+            <a:r>
+              <a:rPr lang="zh-CN" altLang="en-US" dirty="0" smtClean="0"/>
+              <a:t>访问定义的数据，如</a:t>
+            </a:r>
+            <a:r>
+              <a:rPr lang="en-US" altLang="zh-CN" dirty="0" err="1" smtClean="0"/>
+              <a:t>this.value</a:t>
+            </a:r>
+            <a:endParaRPr lang="en-US" altLang="zh-CN" dirty="0" smtClean="0"/>
+          </a:p>
+          <a:p>
+            <a:pPr marL="285750" indent="-285750">
+              <a:buFont typeface="Arial" panose="020B0604020202020204" pitchFamily="34" charset="0"/>
+              <a:buChar char="•"/>
+            </a:pPr>
+            <a:r>
+              <a:rPr lang="zh-CN" altLang="en-US" dirty="0" smtClean="0"/>
+              <a:t>方法中调用的</a:t>
+            </a:r>
+            <a:r>
+              <a:rPr lang="en-US" altLang="zh-CN" dirty="0" smtClean="0"/>
+              <a:t>event</a:t>
+            </a:r>
+            <a:r>
+              <a:rPr lang="zh-CN" altLang="en-US" dirty="0" smtClean="0"/>
+              <a:t>对象是原生</a:t>
+            </a:r>
+            <a:r>
+              <a:rPr lang="en-US" altLang="zh-CN" dirty="0" smtClean="0"/>
+              <a:t>DOM</a:t>
+            </a:r>
+            <a:r>
+              <a:rPr lang="zh-CN" altLang="en-US" dirty="0" smtClean="0"/>
+              <a:t>事件对象，</a:t>
+            </a:r>
+            <a:r>
+              <a:rPr lang="en-US" altLang="zh-CN" dirty="0" smtClean="0"/>
+              <a:t>event</a:t>
+            </a:r>
+            <a:r>
+              <a:rPr lang="zh-CN" altLang="en-US" dirty="0" smtClean="0"/>
+              <a:t>可以在方法中直接使用</a:t>
+            </a:r>
+            <a:endParaRPr lang="en-US" altLang="zh-CN" dirty="0" smtClean="0"/>
+          </a:p>
+          <a:p>
+            <a:pPr marL="285750" indent="-285750">
+              <a:buFont typeface="Arial" panose="020B0604020202020204" pitchFamily="34" charset="0"/>
+              <a:buChar char="•"/>
+            </a:pPr>
+            <a:r>
+              <a:rPr lang="zh-CN" altLang="en-US" dirty="0">
+                <a:latin typeface="Source Sans Pro"/>
+              </a:rPr>
+              <a:t>在普通元素上使用</a:t>
+            </a:r>
+            <a:r>
               <a:rPr lang="en-US" altLang="zh-CN" dirty="0">
-                <a:solidFill>
-                  <a:srgbClr val="34495E"/>
-                </a:solidFill>
-                <a:latin typeface="Source Sans Pro"/>
-              </a:rPr>
-              <a:t>v</a:t>
-            </a:r>
-            <a:r>
-              <a:rPr lang="en-US" altLang="zh-CN" dirty="0" smtClean="0">
-                <a:solidFill>
-                  <a:srgbClr val="34495E"/>
-                </a:solidFill>
-                <a:latin typeface="Source Sans Pro"/>
-              </a:rPr>
-              <a:t>-on</a:t>
-            </a:r>
-            <a:r>
-              <a:rPr lang="zh-CN" altLang="en-US" dirty="0" smtClean="0">
-                <a:solidFill>
-                  <a:srgbClr val="34495E"/>
-                </a:solidFill>
-                <a:latin typeface="Source Sans Pro"/>
-              </a:rPr>
-              <a:t>可以绑定多个不同的事件，如：</a:t>
-            </a:r>
-            <a:r>
-              <a:rPr lang="en-US" altLang="zh-CN" dirty="0" smtClean="0">
-                <a:solidFill>
-                  <a:srgbClr val="34495E"/>
-                </a:solidFill>
-                <a:latin typeface="Source Sans Pro"/>
-              </a:rPr>
-              <a:t>click</a:t>
-            </a:r>
-            <a:r>
-              <a:rPr lang="zh-CN" altLang="en-US" dirty="0" smtClean="0">
-                <a:solidFill>
-                  <a:srgbClr val="34495E"/>
-                </a:solidFill>
-                <a:latin typeface="Source Sans Pro"/>
-              </a:rPr>
-              <a:t>、</a:t>
-            </a:r>
-            <a:r>
-              <a:rPr lang="en-US" altLang="zh-CN" dirty="0" smtClean="0">
-                <a:solidFill>
-                  <a:srgbClr val="34495E"/>
-                </a:solidFill>
-                <a:latin typeface="Source Sans Pro"/>
-              </a:rPr>
-              <a:t>focus</a:t>
-            </a:r>
-            <a:r>
-              <a:rPr lang="zh-CN" altLang="en-US" dirty="0" smtClean="0">
-                <a:solidFill>
-                  <a:srgbClr val="34495E"/>
-                </a:solidFill>
-                <a:latin typeface="Source Sans Pro"/>
-              </a:rPr>
-              <a:t>、</a:t>
-            </a:r>
-            <a:r>
-              <a:rPr lang="en-US" altLang="zh-CN" dirty="0" smtClean="0">
-                <a:solidFill>
-                  <a:srgbClr val="34495E"/>
-                </a:solidFill>
-                <a:latin typeface="Source Sans Pro"/>
-              </a:rPr>
-              <a:t>change</a:t>
-            </a:r>
-            <a:r>
-              <a:rPr lang="zh-CN" altLang="en-US" dirty="0" smtClean="0">
-                <a:solidFill>
-                  <a:srgbClr val="34495E"/>
-                </a:solidFill>
-                <a:latin typeface="Source Sans Pro"/>
-              </a:rPr>
-              <a:t>，但如果绑定多个相同的事件时，只有第一个有效，其他事件无效。</a:t>
-            </a:r>
+                <a:latin typeface="Source Sans Pro"/>
+              </a:rPr>
+              <a:t>v-on</a:t>
+            </a:r>
+            <a:r>
+              <a:rPr lang="zh-CN" altLang="en-US" dirty="0">
+                <a:latin typeface="Source Sans Pro"/>
+              </a:rPr>
+              <a:t>时，只能监听原生</a:t>
+            </a:r>
+            <a:r>
+              <a:rPr lang="en-US" altLang="zh-CN" dirty="0">
+                <a:latin typeface="Source Sans Pro"/>
+              </a:rPr>
+              <a:t>DOM</a:t>
+            </a:r>
+            <a:r>
+              <a:rPr lang="zh-CN" altLang="en-US" dirty="0">
+                <a:latin typeface="Source Sans Pro"/>
+              </a:rPr>
+              <a:t>事件，使用自定义组件时可以监听自定义事件</a:t>
+            </a:r>
+            <a:r>
+              <a:rPr lang="zh-CN" altLang="en-US" dirty="0" smtClean="0">
+                <a:latin typeface="Source Sans Pro"/>
+              </a:rPr>
+              <a:t>。</a:t>
+            </a:r>
+            <a:endParaRPr lang="en-US" altLang="zh-CN" dirty="0" smtClean="0">
+              <a:latin typeface="Source Sans Pro"/>
+            </a:endParaRPr>
+          </a:p>
+          <a:p>
+            <a:pPr marL="285750" indent="-285750">
+              <a:buFont typeface="Arial" panose="020B0604020202020204" pitchFamily="34" charset="0"/>
+              <a:buChar char="•"/>
+            </a:pPr>
+            <a:r>
+              <a:rPr lang="zh-CN" altLang="en-US" dirty="0">
+                <a:solidFill>
+                  <a:srgbClr val="34495E"/>
+                </a:solidFill>
+                <a:latin typeface="Source Sans Pro"/>
+              </a:rPr>
+              <a:t>在监听原生</a:t>
+            </a:r>
+            <a:r>
+              <a:rPr lang="en-US" altLang="zh-CN" dirty="0">
+                <a:solidFill>
+                  <a:srgbClr val="34495E"/>
+                </a:solidFill>
+                <a:latin typeface="Source Sans Pro"/>
+              </a:rPr>
+              <a:t>DOM</a:t>
+            </a:r>
+            <a:r>
+              <a:rPr lang="zh-CN" altLang="en-US" dirty="0">
+                <a:solidFill>
+                  <a:srgbClr val="34495E"/>
+                </a:solidFill>
+                <a:latin typeface="Source Sans Pro"/>
+              </a:rPr>
+              <a:t>事件时，如果只定义一个参数，</a:t>
+            </a:r>
+            <a:r>
+              <a:rPr lang="en-US" altLang="zh-CN" dirty="0">
+                <a:solidFill>
+                  <a:srgbClr val="34495E"/>
+                </a:solidFill>
+                <a:latin typeface="Source Sans Pro"/>
+              </a:rPr>
+              <a:t>DOM event</a:t>
+            </a:r>
+            <a:r>
+              <a:rPr lang="zh-CN" altLang="en-US" dirty="0">
+                <a:solidFill>
+                  <a:srgbClr val="34495E"/>
+                </a:solidFill>
+                <a:latin typeface="Source Sans Pro"/>
+              </a:rPr>
+              <a:t>为事件的唯一参数；如果在内联</a:t>
+            </a:r>
+            <a:r>
+              <a:rPr lang="en-US" altLang="zh-CN" dirty="0" err="1">
+                <a:solidFill>
+                  <a:srgbClr val="34495E"/>
+                </a:solidFill>
+                <a:latin typeface="Source Sans Pro"/>
+              </a:rPr>
+              <a:t>js</a:t>
+            </a:r>
+            <a:r>
+              <a:rPr lang="zh-CN" altLang="en-US" dirty="0">
+                <a:solidFill>
+                  <a:srgbClr val="34495E"/>
+                </a:solidFill>
+                <a:latin typeface="Source Sans Pro"/>
+              </a:rPr>
+              <a:t>语句中访问原生</a:t>
+            </a:r>
+            <a:r>
+              <a:rPr lang="en-US" altLang="zh-CN" dirty="0">
+                <a:solidFill>
+                  <a:srgbClr val="34495E"/>
+                </a:solidFill>
+                <a:latin typeface="Source Sans Pro"/>
+              </a:rPr>
+              <a:t>DOM</a:t>
+            </a:r>
+            <a:r>
+              <a:rPr lang="zh-CN" altLang="en-US" dirty="0">
+                <a:solidFill>
+                  <a:srgbClr val="34495E"/>
+                </a:solidFill>
+                <a:latin typeface="Source Sans Pro"/>
+              </a:rPr>
+              <a:t>事件，可以使用</a:t>
+            </a:r>
+            <a:r>
+              <a:rPr lang="en-US" altLang="zh-CN" dirty="0">
+                <a:solidFill>
+                  <a:srgbClr val="34495E"/>
+                </a:solidFill>
+                <a:latin typeface="Source Sans Pro"/>
+              </a:rPr>
+              <a:t>event</a:t>
+            </a:r>
+            <a:r>
+              <a:rPr lang="zh-CN" altLang="en-US" dirty="0">
+                <a:solidFill>
+                  <a:srgbClr val="34495E"/>
+                </a:solidFill>
+                <a:latin typeface="Source Sans Pro"/>
+              </a:rPr>
+              <a:t>传入事件</a:t>
+            </a:r>
+            <a:r>
+              <a:rPr lang="zh-CN" altLang="en-US" dirty="0" smtClean="0">
+                <a:solidFill>
+                  <a:srgbClr val="34495E"/>
+                </a:solidFill>
+                <a:latin typeface="Source Sans Pro"/>
+              </a:rPr>
+              <a:t>。</a:t>
+            </a:r>
+            <a:endParaRPr lang="en-US" altLang="zh-CN" dirty="0" smtClean="0">
+              <a:solidFill>
+                <a:srgbClr val="34495E"/>
+              </a:solidFill>
+              <a:latin typeface="Source Sans Pro"/>
+            </a:endParaRPr>
+          </a:p>
+          <a:p>
+            <a:pPr marL="285750" indent="-285750">
+              <a:buFont typeface="Arial" panose="020B0604020202020204" pitchFamily="34" charset="0"/>
+              <a:buChar char="•"/>
+            </a:pPr>
+            <a:r>
+              <a:rPr lang="zh-CN" altLang="en-US" dirty="0" smtClean="0">
+                <a:solidFill>
+                  <a:srgbClr val="34495E"/>
+                </a:solidFill>
+                <a:latin typeface="Source Sans Pro"/>
+              </a:rPr>
+              <a:t>在</a:t>
+            </a:r>
+            <a:r>
+              <a:rPr lang="en-US" altLang="zh-CN" dirty="0" err="1">
+                <a:solidFill>
+                  <a:srgbClr val="34495E"/>
+                </a:solidFill>
+                <a:latin typeface="Source Sans Pro"/>
+              </a:rPr>
+              <a:t>Javascript</a:t>
+            </a:r>
+            <a:r>
+              <a:rPr lang="zh-CN" altLang="en-US" dirty="0">
+                <a:solidFill>
+                  <a:srgbClr val="34495E"/>
+                </a:solidFill>
+                <a:latin typeface="Source Sans Pro"/>
+              </a:rPr>
+              <a:t>中调用该事件可以使用</a:t>
+            </a:r>
+            <a:r>
+              <a:rPr lang="en-US" altLang="zh-CN" dirty="0">
+                <a:solidFill>
+                  <a:srgbClr val="0000FF"/>
+                </a:solidFill>
+                <a:latin typeface="Source Sans Pro"/>
+              </a:rPr>
+              <a:t>app7.doThis(“</a:t>
+            </a:r>
+            <a:r>
+              <a:rPr lang="en-US" altLang="zh-CN" dirty="0" err="1">
+                <a:solidFill>
+                  <a:srgbClr val="0000FF"/>
+                </a:solidFill>
+                <a:latin typeface="Source Sans Pro"/>
+              </a:rPr>
+              <a:t>abc</a:t>
+            </a:r>
+            <a:r>
+              <a:rPr lang="en-US" altLang="zh-CN" dirty="0">
+                <a:solidFill>
+                  <a:srgbClr val="0000FF"/>
+                </a:solidFill>
+                <a:latin typeface="Source Sans Pro"/>
+              </a:rPr>
+              <a:t>”)</a:t>
+            </a:r>
+            <a:endParaRPr lang="zh-CN" altLang="en-US" dirty="0">
+              <a:solidFill>
+                <a:srgbClr val="0000FF"/>
+              </a:solidFill>
+            </a:endParaRPr>
+          </a:p>
+          <a:p>
             <a:endParaRPr lang="zh-CN" altLang="en-US" dirty="0"/>
           </a:p>
         </p:txBody>
       </p:sp>
       <p:pic>
         <p:nvPicPr>
-          <p:cNvPr id="6" name="图片 5"/>
+          <p:cNvPr id="10" name="图片 9"/>
           <p:cNvPicPr>
             <a:picLocks noChangeAspect="1"/>
           </p:cNvPicPr>
@@ -8242,8 +8464,8 @@
         </p:blipFill>
         <p:spPr>
           <a:xfrm>
-            <a:off x="250075" y="1787467"/>
-            <a:ext cx="11941926" cy="669737"/>
+            <a:off x="250208" y="3006506"/>
+            <a:ext cx="5686657" cy="2780143"/>
           </a:xfrm>
           <a:prstGeom prst="rect">
             <a:avLst/>
@@ -8252,13 +8474,13 @@
       </p:pic>
       <p:sp>
         <p:nvSpPr>
-          <p:cNvPr id="11" name="矩形 10"/>
+          <p:cNvPr id="16" name="矩形 15"/>
           <p:cNvSpPr/>
           <p:nvPr/>
         </p:nvSpPr>
         <p:spPr>
           <a:xfrm>
-            <a:off x="250074" y="2634621"/>
+            <a:off x="250208" y="1381729"/>
             <a:ext cx="11828060" cy="369332"/>
           </a:xfrm>
           <a:prstGeom prst="rect">
@@ -8272,108 +8494,85 @@
           <a:lstStyle/>
           <a:p>
             <a:r>
-              <a:rPr lang="en-US" altLang="zh-CN" dirty="0" smtClean="0">
-                <a:solidFill>
-                  <a:srgbClr val="34495E"/>
-                </a:solidFill>
-                <a:latin typeface="Source Sans Pro"/>
-              </a:rPr>
-              <a:t>7.1 </a:t>
-            </a:r>
-            <a:r>
-              <a:rPr lang="zh-CN" altLang="en-US" dirty="0" smtClean="0">
-                <a:solidFill>
-                  <a:srgbClr val="34495E"/>
-                </a:solidFill>
-                <a:latin typeface="Source Sans Pro"/>
-              </a:rPr>
-              <a:t>事件修饰符</a:t>
-            </a:r>
-            <a:endParaRPr lang="zh-CN" altLang="en-US" dirty="0"/>
-          </a:p>
-        </p:txBody>
-      </p:sp>
-      <p:sp>
-        <p:nvSpPr>
-          <p:cNvPr id="12" name="矩形 11"/>
-          <p:cNvSpPr/>
-          <p:nvPr/>
-        </p:nvSpPr>
-        <p:spPr>
-          <a:xfrm>
-            <a:off x="250074" y="2996704"/>
-            <a:ext cx="11828060" cy="369332"/>
-          </a:xfrm>
-          <a:prstGeom prst="rect">
-            <a:avLst/>
-          </a:prstGeom>
-        </p:spPr>
-        <p:txBody>
-          <a:bodyPr wrap="square">
-            <a:spAutoFit/>
-          </a:bodyPr>
-          <a:lstStyle/>
-          <a:p>
-            <a:r>
-              <a:rPr lang="zh-CN" altLang="en-US" dirty="0" smtClean="0">
-                <a:solidFill>
-                  <a:srgbClr val="34495E"/>
-                </a:solidFill>
-                <a:latin typeface="Source Sans Pro"/>
-              </a:rPr>
-              <a:t>事件修饰符是以圆点</a:t>
-            </a:r>
-            <a:r>
-              <a:rPr lang="en-US" altLang="zh-CN" dirty="0" smtClean="0">
-                <a:solidFill>
-                  <a:srgbClr val="34495E"/>
-                </a:solidFill>
-                <a:latin typeface="Source Sans Pro"/>
-              </a:rPr>
-              <a:t>(.)</a:t>
-            </a:r>
-            <a:r>
-              <a:rPr lang="zh-CN" altLang="en-US" dirty="0" smtClean="0">
-                <a:solidFill>
-                  <a:srgbClr val="34495E"/>
-                </a:solidFill>
-                <a:latin typeface="Source Sans Pro"/>
-              </a:rPr>
-              <a:t>开始的特殊后缀，用于表示指令应以特殊方式绑定。</a:t>
-            </a:r>
-            <a:endParaRPr lang="zh-CN" altLang="en-US" dirty="0"/>
-          </a:p>
-        </p:txBody>
-      </p:sp>
-      <p:sp>
-        <p:nvSpPr>
-          <p:cNvPr id="13" name="矩形 12"/>
-          <p:cNvSpPr/>
-          <p:nvPr/>
-        </p:nvSpPr>
-        <p:spPr>
-          <a:xfrm>
-            <a:off x="250074" y="3420628"/>
-            <a:ext cx="11828060" cy="369332"/>
-          </a:xfrm>
-          <a:prstGeom prst="rect">
-            <a:avLst/>
-          </a:prstGeom>
-        </p:spPr>
-        <p:txBody>
-          <a:bodyPr wrap="square">
-            <a:spAutoFit/>
-          </a:bodyPr>
-          <a:lstStyle/>
-          <a:p>
-            <a:r>
-              <a:rPr lang="zh-CN" altLang="en-US" dirty="0" smtClean="0">
-                <a:solidFill>
-                  <a:srgbClr val="34495E"/>
-                </a:solidFill>
-                <a:latin typeface="Source Sans Pro"/>
-              </a:rPr>
-              <a:t>事件修饰符可以串联：</a:t>
+              <a:rPr lang="en-US" altLang="zh-CN" dirty="0">
+                <a:solidFill>
+                  <a:srgbClr val="34495E"/>
+                </a:solidFill>
+                <a:latin typeface="Source Sans Pro"/>
+              </a:rPr>
+              <a:t>v</a:t>
+            </a:r>
+            <a:r>
+              <a:rPr lang="en-US" altLang="zh-CN" dirty="0" smtClean="0">
+                <a:solidFill>
+                  <a:srgbClr val="34495E"/>
+                </a:solidFill>
+                <a:latin typeface="Source Sans Pro"/>
+              </a:rPr>
+              <a:t>-on</a:t>
+            </a:r>
+            <a:r>
+              <a:rPr lang="zh-CN" altLang="en-US" dirty="0" smtClean="0">
+                <a:solidFill>
+                  <a:srgbClr val="34495E"/>
+                </a:solidFill>
+                <a:latin typeface="Source Sans Pro"/>
+              </a:rPr>
+              <a:t>的缩写形式是</a:t>
+            </a:r>
+            <a:r>
+              <a:rPr lang="en-US" altLang="zh-CN" dirty="0" smtClean="0">
+                <a:solidFill>
+                  <a:srgbClr val="34495E"/>
+                </a:solidFill>
+                <a:latin typeface="Source Sans Pro"/>
+              </a:rPr>
+              <a:t>@</a:t>
+            </a:r>
+            <a:r>
+              <a:rPr lang="zh-CN" altLang="en-US" dirty="0" smtClean="0">
+                <a:solidFill>
+                  <a:srgbClr val="34495E"/>
+                </a:solidFill>
+                <a:latin typeface="Source Sans Pro"/>
+              </a:rPr>
+              <a:t>，如</a:t>
+            </a:r>
+            <a:r>
+              <a:rPr lang="en-US" altLang="zh-CN" dirty="0" err="1" smtClean="0">
+                <a:solidFill>
+                  <a:srgbClr val="34495E"/>
+                </a:solidFill>
+                <a:latin typeface="Source Sans Pro"/>
+              </a:rPr>
+              <a:t>v-on:click</a:t>
+            </a:r>
+            <a:r>
+              <a:rPr lang="zh-CN" altLang="en-US" dirty="0" smtClean="0">
+                <a:solidFill>
+                  <a:srgbClr val="34495E"/>
+                </a:solidFill>
+                <a:latin typeface="Source Sans Pro"/>
+              </a:rPr>
+              <a:t>可缩写为</a:t>
+            </a:r>
+            <a:r>
+              <a:rPr lang="en-US" altLang="zh-CN" dirty="0" smtClean="0">
+                <a:solidFill>
+                  <a:srgbClr val="34495E"/>
+                </a:solidFill>
+                <a:latin typeface="Source Sans Pro"/>
+              </a:rPr>
+              <a:t>@click</a:t>
+            </a:r>
+            <a:r>
+              <a:rPr lang="zh-CN" altLang="en-US" dirty="0" smtClean="0">
+                <a:solidFill>
+                  <a:srgbClr val="34495E"/>
+                </a:solidFill>
+                <a:latin typeface="Source Sans Pro"/>
+              </a:rPr>
+              <a:t>。</a:t>
             </a:r>
             <a:endParaRPr lang="zh-CN" altLang="en-US" dirty="0"/>
           </a:p>
@@ -8381,7 +8580,7 @@
       </p:sp>
       <p:pic>
         <p:nvPicPr>
-          <p:cNvPr id="7" name="图片 6"/>
+          <p:cNvPr id="13" name="图片 12"/>
           <p:cNvPicPr>
             <a:picLocks noChangeAspect="1"/>
           </p:cNvPicPr>
@@ -8395,282 +8594,8 @@
         </p:blipFill>
         <p:spPr>
           <a:xfrm>
-            <a:off x="2750247" y="3354850"/>
-            <a:ext cx="5644922" cy="466522"/>
-          </a:xfrm>
-          <a:prstGeom prst="rect">
-            <a:avLst/>
-          </a:prstGeom>
-        </p:spPr>
-      </p:pic>
-      <p:sp>
-        <p:nvSpPr>
-          <p:cNvPr id="15" name="矩形 14"/>
-          <p:cNvSpPr/>
-          <p:nvPr/>
-        </p:nvSpPr>
-        <p:spPr>
-          <a:xfrm>
-            <a:off x="250074" y="3875964"/>
-            <a:ext cx="11828060" cy="369332"/>
-          </a:xfrm>
-          <a:prstGeom prst="rect">
-            <a:avLst/>
-          </a:prstGeom>
-        </p:spPr>
-        <p:txBody>
-          <a:bodyPr wrap="square">
-            <a:spAutoFit/>
-          </a:bodyPr>
-          <a:lstStyle/>
-          <a:p>
-            <a:r>
-              <a:rPr lang="zh-CN" altLang="en-US" dirty="0" smtClean="0">
-                <a:solidFill>
-                  <a:srgbClr val="34495E"/>
-                </a:solidFill>
-                <a:latin typeface="Source Sans Pro"/>
-              </a:rPr>
-              <a:t>事件修饰符可以不绑定事件：</a:t>
-            </a:r>
-            <a:endParaRPr lang="zh-CN" altLang="en-US" dirty="0"/>
-          </a:p>
-        </p:txBody>
-      </p:sp>
-      <p:pic>
-        <p:nvPicPr>
-          <p:cNvPr id="8" name="图片 7"/>
-          <p:cNvPicPr>
-            <a:picLocks noChangeAspect="1"/>
-          </p:cNvPicPr>
-          <p:nvPr/>
-        </p:nvPicPr>
-        <p:blipFill>
-          <a:blip r:embed="rId4"/>
-          <a:stretch>
-            <a:fillRect/>
-          </a:stretch>
-        </p:blipFill>
-        <p:spPr>
-          <a:xfrm>
-            <a:off x="3437511" y="3817256"/>
-            <a:ext cx="5324351" cy="453137"/>
-          </a:xfrm>
-          <a:prstGeom prst="rect">
-            <a:avLst/>
-          </a:prstGeom>
-        </p:spPr>
-      </p:pic>
-      <p:sp>
-        <p:nvSpPr>
-          <p:cNvPr id="17" name="矩形 16"/>
-          <p:cNvSpPr/>
-          <p:nvPr/>
-        </p:nvSpPr>
-        <p:spPr>
-          <a:xfrm>
-            <a:off x="250074" y="4356397"/>
-            <a:ext cx="11828060" cy="369332"/>
-          </a:xfrm>
-          <a:prstGeom prst="rect">
-            <a:avLst/>
-          </a:prstGeom>
-        </p:spPr>
-        <p:txBody>
-          <a:bodyPr wrap="square">
-            <a:spAutoFit/>
-          </a:bodyPr>
-          <a:lstStyle/>
-          <a:p>
-            <a:r>
-              <a:rPr lang="en-US" altLang="zh-CN" dirty="0" smtClean="0">
-                <a:solidFill>
-                  <a:srgbClr val="34495E"/>
-                </a:solidFill>
-                <a:latin typeface="Source Sans Pro"/>
-              </a:rPr>
-              <a:t>.stop</a:t>
-            </a:r>
-            <a:r>
-              <a:rPr lang="zh-CN" altLang="en-US" dirty="0" smtClean="0">
-                <a:solidFill>
-                  <a:srgbClr val="34495E"/>
-                </a:solidFill>
-                <a:latin typeface="Source Sans Pro"/>
-              </a:rPr>
-              <a:t>：阻止事件冒泡，在时间上添加</a:t>
-            </a:r>
-            <a:r>
-              <a:rPr lang="en-US" altLang="zh-CN" dirty="0" smtClean="0">
-                <a:solidFill>
-                  <a:srgbClr val="34495E"/>
-                </a:solidFill>
-                <a:latin typeface="Source Sans Pro"/>
-              </a:rPr>
-              <a:t>.stop</a:t>
-            </a:r>
-            <a:r>
-              <a:rPr lang="zh-CN" altLang="en-US" dirty="0" smtClean="0">
-                <a:solidFill>
-                  <a:srgbClr val="34495E"/>
-                </a:solidFill>
-                <a:latin typeface="Source Sans Pro"/>
-              </a:rPr>
-              <a:t>修饰符后，执行完该事件后，后面的事件不再继续执行</a:t>
-            </a:r>
-            <a:endParaRPr lang="zh-CN" altLang="en-US" dirty="0"/>
-          </a:p>
-        </p:txBody>
-      </p:sp>
-      <p:sp>
-        <p:nvSpPr>
-          <p:cNvPr id="14" name="矩形 13"/>
-          <p:cNvSpPr/>
-          <p:nvPr/>
-        </p:nvSpPr>
-        <p:spPr>
-          <a:xfrm>
-            <a:off x="6791362" y="4897828"/>
-            <a:ext cx="5286772" cy="1754326"/>
-          </a:xfrm>
-          <a:prstGeom prst="rect">
-            <a:avLst/>
-          </a:prstGeom>
-        </p:spPr>
-        <p:txBody>
-          <a:bodyPr wrap="square">
-            <a:spAutoFit/>
-          </a:bodyPr>
-          <a:lstStyle/>
-          <a:p>
-            <a:r>
-              <a:rPr lang="zh-CN" altLang="en-US" dirty="0">
-                <a:solidFill>
-                  <a:srgbClr val="34495E"/>
-                </a:solidFill>
-                <a:latin typeface="Source Sans Pro"/>
-              </a:rPr>
-              <a:t>事件冒泡</a:t>
-            </a:r>
-            <a:r>
-              <a:rPr lang="zh-CN" altLang="en-US" dirty="0" smtClean="0">
-                <a:solidFill>
-                  <a:srgbClr val="34495E"/>
-                </a:solidFill>
-                <a:latin typeface="Source Sans Pro"/>
-              </a:rPr>
-              <a:t>：</a:t>
-            </a:r>
-            <a:endParaRPr lang="en-US" altLang="zh-CN" dirty="0" smtClean="0">
-              <a:solidFill>
-                <a:srgbClr val="34495E"/>
-              </a:solidFill>
-              <a:latin typeface="Source Sans Pro"/>
-            </a:endParaRPr>
-          </a:p>
-          <a:p>
-            <a:r>
-              <a:rPr lang="zh-CN" altLang="en-US" dirty="0" smtClean="0">
-                <a:solidFill>
-                  <a:srgbClr val="34495E"/>
-                </a:solidFill>
-                <a:latin typeface="Source Sans Pro"/>
-              </a:rPr>
-              <a:t>如左图，</a:t>
-            </a:r>
-            <a:endParaRPr lang="en-US" altLang="zh-CN" dirty="0" smtClean="0">
-              <a:solidFill>
-                <a:srgbClr val="34495E"/>
-              </a:solidFill>
-              <a:latin typeface="Source Sans Pro"/>
-            </a:endParaRPr>
-          </a:p>
-          <a:p>
-            <a:r>
-              <a:rPr lang="zh-CN" altLang="en-US" dirty="0" smtClean="0">
-                <a:solidFill>
-                  <a:srgbClr val="34495E"/>
-                </a:solidFill>
-                <a:latin typeface="Source Sans Pro"/>
-              </a:rPr>
-              <a:t>点击“测试事件冒泡”时，会先执行</a:t>
-            </a:r>
-            <a:r>
-              <a:rPr lang="en-US" altLang="zh-CN" dirty="0" err="1" smtClean="0">
-                <a:solidFill>
-                  <a:srgbClr val="34495E"/>
-                </a:solidFill>
-                <a:latin typeface="Source Sans Pro"/>
-              </a:rPr>
-              <a:t>doother</a:t>
-            </a:r>
-            <a:r>
-              <a:rPr lang="zh-CN" altLang="en-US" dirty="0" smtClean="0">
-                <a:solidFill>
-                  <a:srgbClr val="34495E"/>
-                </a:solidFill>
-                <a:latin typeface="Source Sans Pro"/>
-              </a:rPr>
-              <a:t>，再执行</a:t>
-            </a:r>
-            <a:r>
-              <a:rPr lang="en-US" altLang="zh-CN" dirty="0" err="1" smtClean="0">
-                <a:solidFill>
-                  <a:srgbClr val="34495E"/>
-                </a:solidFill>
-                <a:latin typeface="Source Sans Pro"/>
-              </a:rPr>
-              <a:t>doThat</a:t>
-            </a:r>
-            <a:r>
-              <a:rPr lang="zh-CN" altLang="en-US" dirty="0" smtClean="0">
-                <a:solidFill>
-                  <a:srgbClr val="34495E"/>
-                </a:solidFill>
-                <a:latin typeface="Source Sans Pro"/>
-              </a:rPr>
-              <a:t>，最后执行</a:t>
-            </a:r>
-            <a:r>
-              <a:rPr lang="en-US" altLang="zh-CN" dirty="0" err="1" smtClean="0">
-                <a:solidFill>
-                  <a:srgbClr val="34495E"/>
-                </a:solidFill>
-                <a:latin typeface="Source Sans Pro"/>
-              </a:rPr>
-              <a:t>doThis</a:t>
-            </a:r>
-            <a:r>
-              <a:rPr lang="zh-CN" altLang="en-US" dirty="0" smtClean="0">
-                <a:solidFill>
-                  <a:srgbClr val="34495E"/>
-                </a:solidFill>
-                <a:latin typeface="Source Sans Pro"/>
-              </a:rPr>
-              <a:t>。这样事件从目标开始，往上执行直到页面的最上一级标签，这称为事件冒泡，也成为事件传播。</a:t>
-            </a:r>
-            <a:endParaRPr lang="zh-CN" altLang="en-US" dirty="0"/>
-          </a:p>
-        </p:txBody>
-      </p:sp>
-      <p:pic>
-        <p:nvPicPr>
-          <p:cNvPr id="16" name="图片 15"/>
-          <p:cNvPicPr>
-            <a:picLocks noChangeAspect="1"/>
-          </p:cNvPicPr>
-          <p:nvPr/>
-        </p:nvPicPr>
-        <p:blipFill>
-          <a:blip r:embed="rId5"/>
-          <a:stretch>
-            <a:fillRect/>
-          </a:stretch>
-        </p:blipFill>
-        <p:spPr>
-          <a:xfrm>
-            <a:off x="250074" y="4836830"/>
-            <a:ext cx="6543322" cy="1318310"/>
+            <a:off x="250208" y="1784989"/>
+            <a:ext cx="11909199" cy="1166779"/>
           </a:xfrm>
           <a:prstGeom prst="rect">
             <a:avLst/>
@@ -8680,7 +8605,7 @@
     </p:spTree>
     <p:extLst>
       <p:ext uri="{BB962C8B-B14F-4D97-AF65-F5344CB8AC3E}">
-        <p14:creationId xmlns:p14="http://schemas.microsoft.com/office/powerpoint/2010/main" val="2554673640"/>
+        <p14:creationId xmlns:p14="http://schemas.microsoft.com/office/powerpoint/2010/main" val="2269008404"/>
       </p:ext>
     </p:extLst>
   </p:cSld>
@@ -8750,14 +8675,66 @@
       </p:sp>
       <p:sp>
         <p:nvSpPr>
-          <p:cNvPr id="11" name="矩形 10"/>
+          <p:cNvPr id="5" name="矩形 4"/>
           <p:cNvSpPr/>
           <p:nvPr/>
         </p:nvSpPr>
         <p:spPr>
           <a:xfrm>
-            <a:off x="250074" y="601103"/>
-            <a:ext cx="11828060" cy="369332"/>
+            <a:off x="250209" y="622785"/>
+            <a:ext cx="6096000" cy="369332"/>
+          </a:xfrm>
+          <a:prstGeom prst="rect">
+            <a:avLst/>
+          </a:prstGeom>
+        </p:spPr>
+        <p:txBody>
+          <a:bodyPr>
+            <a:spAutoFit/>
+          </a:bodyPr>
+          <a:lstStyle/>
+          <a:p>
+            <a:r>
+              <a:rPr lang="en-US" altLang="zh-CN" dirty="0">
+                <a:solidFill>
+                  <a:srgbClr val="34495E"/>
+                </a:solidFill>
+                <a:latin typeface="Source Sans Pro"/>
+              </a:rPr>
+              <a:t>7</a:t>
+            </a:r>
+            <a:r>
+              <a:rPr lang="zh-CN" altLang="en-US" dirty="0" smtClean="0">
+                <a:solidFill>
+                  <a:srgbClr val="34495E"/>
+                </a:solidFill>
+                <a:latin typeface="Source Sans Pro"/>
+              </a:rPr>
+              <a:t>、</a:t>
+            </a:r>
+            <a:r>
+              <a:rPr lang="en-US" altLang="zh-CN" dirty="0" smtClean="0">
+                <a:solidFill>
+                  <a:srgbClr val="34495E"/>
+                </a:solidFill>
+                <a:latin typeface="Source Sans Pro"/>
+              </a:rPr>
+              <a:t>v-on</a:t>
+            </a:r>
+            <a:endParaRPr lang="zh-CN" altLang="en-US" dirty="0"/>
+          </a:p>
+        </p:txBody>
+      </p:sp>
+      <p:sp>
+        <p:nvSpPr>
+          <p:cNvPr id="24" name="矩形 23"/>
+          <p:cNvSpPr/>
+          <p:nvPr/>
+        </p:nvSpPr>
+        <p:spPr>
+          <a:xfrm>
+            <a:off x="250074" y="1018309"/>
+            <a:ext cx="11828060" cy="646331"/>
           </a:xfrm>
           <a:prstGeom prst="rect">
             <a:avLst/>
@@ -8770,83 +8747,31 @@
           <a:lstStyle/>
           <a:p>
             <a:r>
-              <a:rPr lang="en-US" altLang="zh-CN" dirty="0" smtClean="0">
-                <a:solidFill>
-                  <a:srgbClr val="34495E"/>
-                </a:solidFill>
-                <a:latin typeface="Source Sans Pro"/>
-              </a:rPr>
-              <a:t>7.1 </a:t>
-            </a:r>
-            <a:r>
-              <a:rPr lang="zh-CN" altLang="en-US" dirty="0" smtClean="0">
-                <a:solidFill>
-                  <a:srgbClr val="34495E"/>
-                </a:solidFill>
-                <a:latin typeface="Source Sans Pro"/>
-              </a:rPr>
-              <a:t>事件修饰符</a:t>
-            </a:r>
-            <a:endParaRPr lang="zh-CN" altLang="en-US" dirty="0"/>
-          </a:p>
-        </p:txBody>
-      </p:sp>
-      <p:sp>
-        <p:nvSpPr>
-          <p:cNvPr id="16" name="矩形 15"/>
-          <p:cNvSpPr/>
-          <p:nvPr/>
-        </p:nvSpPr>
-        <p:spPr>
-          <a:xfrm>
-            <a:off x="250074" y="970435"/>
-            <a:ext cx="11828060" cy="646331"/>
-          </a:xfrm>
-          <a:prstGeom prst="rect">
-            <a:avLst/>
-          </a:prstGeom>
-        </p:spPr>
-        <p:txBody>
-          <a:bodyPr wrap="square">
-            <a:spAutoFit/>
-          </a:bodyPr>
-          <a:lstStyle/>
-          <a:p>
-            <a:r>
-              <a:rPr lang="en-US" altLang="zh-CN" dirty="0" smtClean="0">
-                <a:solidFill>
-                  <a:srgbClr val="34495E"/>
-                </a:solidFill>
-                <a:latin typeface="Source Sans Pro"/>
-              </a:rPr>
-              <a:t>.prevent</a:t>
-            </a:r>
-            <a:r>
-              <a:rPr lang="zh-CN" altLang="en-US" dirty="0" smtClean="0">
-                <a:solidFill>
-                  <a:srgbClr val="34495E"/>
-                </a:solidFill>
-                <a:latin typeface="Source Sans Pro"/>
-              </a:rPr>
-              <a:t>：取消事件的默认行为。如</a:t>
-            </a:r>
-            <a:r>
-              <a:rPr lang="en-US" altLang="zh-CN" dirty="0" smtClean="0">
-                <a:solidFill>
-                  <a:srgbClr val="34495E"/>
-                </a:solidFill>
-                <a:latin typeface="Source Sans Pro"/>
-              </a:rPr>
-              <a:t>a</a:t>
-            </a:r>
-            <a:r>
-              <a:rPr lang="zh-CN" altLang="en-US" dirty="0" smtClean="0">
-                <a:solidFill>
-                  <a:srgbClr val="34495E"/>
-                </a:solidFill>
-                <a:latin typeface="Source Sans Pro"/>
-              </a:rPr>
-              <a:t>标签的默认事件行为是当</a:t>
+              <a:rPr lang="en-US" altLang="zh-CN" dirty="0">
+                <a:solidFill>
+                  <a:srgbClr val="34495E"/>
+                </a:solidFill>
+                <a:latin typeface="Source Sans Pro"/>
+              </a:rPr>
+              <a:t>v</a:t>
+            </a:r>
+            <a:r>
+              <a:rPr lang="en-US" altLang="zh-CN" dirty="0" smtClean="0">
+                <a:solidFill>
+                  <a:srgbClr val="34495E"/>
+                </a:solidFill>
+                <a:latin typeface="Source Sans Pro"/>
+              </a:rPr>
+              <a:t>-on</a:t>
+            </a:r>
+            <a:r>
+              <a:rPr lang="zh-CN" altLang="en-US" dirty="0" smtClean="0">
+                <a:solidFill>
+                  <a:srgbClr val="34495E"/>
+                </a:solidFill>
+                <a:latin typeface="Source Sans Pro"/>
+              </a:rPr>
+              <a:t>可以绑定多个不同的事件，如：</a:t>
             </a:r>
             <a:r>
               <a:rPr lang="en-US" altLang="zh-CN" dirty="0" smtClean="0">
@@ -8864,43 +8789,43 @@
                 </a:solidFill>
                 <a:latin typeface="Source Sans Pro"/>
               </a:rPr>
-              <a:t>时会跳转页面，再如</a:t>
-            </a:r>
-            <a:r>
-              <a:rPr lang="en-US" altLang="zh-CN" dirty="0" smtClean="0">
-                <a:solidFill>
-                  <a:srgbClr val="34495E"/>
-                </a:solidFill>
-                <a:latin typeface="Source Sans Pro"/>
-              </a:rPr>
-              <a:t>submit</a:t>
-            </a:r>
-            <a:r>
-              <a:rPr lang="zh-CN" altLang="en-US" dirty="0" smtClean="0">
-                <a:solidFill>
-                  <a:srgbClr val="34495E"/>
-                </a:solidFill>
-                <a:latin typeface="Source Sans Pro"/>
-              </a:rPr>
-              <a:t>按钮默认事件是</a:t>
-            </a:r>
-            <a:r>
-              <a:rPr lang="en-US" altLang="zh-CN" dirty="0" smtClean="0">
-                <a:solidFill>
-                  <a:srgbClr val="34495E"/>
-                </a:solidFill>
-                <a:latin typeface="Source Sans Pro"/>
-              </a:rPr>
-              <a:t>click</a:t>
-            </a:r>
-            <a:r>
-              <a:rPr lang="zh-CN" altLang="en-US" dirty="0" smtClean="0">
-                <a:solidFill>
-                  <a:srgbClr val="34495E"/>
-                </a:solidFill>
-                <a:latin typeface="Source Sans Pro"/>
-              </a:rPr>
-              <a:t>时提交表单。</a:t>
+              <a:t>、</a:t>
+            </a:r>
+            <a:r>
+              <a:rPr lang="en-US" altLang="zh-CN" dirty="0" smtClean="0">
+                <a:solidFill>
+                  <a:srgbClr val="34495E"/>
+                </a:solidFill>
+                <a:latin typeface="Source Sans Pro"/>
+              </a:rPr>
+              <a:t>focus</a:t>
+            </a:r>
+            <a:r>
+              <a:rPr lang="zh-CN" altLang="en-US" dirty="0" smtClean="0">
+                <a:solidFill>
+                  <a:srgbClr val="34495E"/>
+                </a:solidFill>
+                <a:latin typeface="Source Sans Pro"/>
+              </a:rPr>
+              <a:t>、</a:t>
+            </a:r>
+            <a:r>
+              <a:rPr lang="en-US" altLang="zh-CN" dirty="0" smtClean="0">
+                <a:solidFill>
+                  <a:srgbClr val="34495E"/>
+                </a:solidFill>
+                <a:latin typeface="Source Sans Pro"/>
+              </a:rPr>
+              <a:t>change</a:t>
+            </a:r>
+            <a:r>
+              <a:rPr lang="zh-CN" altLang="en-US" dirty="0" smtClean="0">
+                <a:solidFill>
+                  <a:srgbClr val="34495E"/>
+                </a:solidFill>
+                <a:latin typeface="Source Sans Pro"/>
+              </a:rPr>
+              <a:t>，但如果绑定多个相同的事件时，只有第一个有效，其他事件无效。</a:t>
             </a:r>
             <a:endParaRPr lang="zh-CN" altLang="en-US" dirty="0"/>
           </a:p>
@@ -8908,7 +8833,7 @@
       </p:sp>
       <p:pic>
         <p:nvPicPr>
-          <p:cNvPr id="2" name="图片 1"/>
+          <p:cNvPr id="6" name="图片 5"/>
           <p:cNvPicPr>
             <a:picLocks noChangeAspect="1"/>
           </p:cNvPicPr>
@@ -8922,8 +8847,8 @@
         </p:blipFill>
         <p:spPr>
           <a:xfrm>
-            <a:off x="250074" y="1570495"/>
-            <a:ext cx="10209485" cy="299244"/>
+            <a:off x="250075" y="1787467"/>
+            <a:ext cx="11941926" cy="669737"/>
           </a:xfrm>
           <a:prstGeom prst="rect">
             <a:avLst/>
@@ -8932,14 +8857,14 @@
       </p:pic>
       <p:sp>
         <p:nvSpPr>
-          <p:cNvPr id="20" name="矩形 19"/>
+          <p:cNvPr id="11" name="矩形 10"/>
           <p:cNvSpPr/>
           <p:nvPr/>
         </p:nvSpPr>
         <p:spPr>
           <a:xfrm>
-            <a:off x="250074" y="1896787"/>
-            <a:ext cx="11828060" cy="646331"/>
+            <a:off x="250074" y="2634621"/>
+            <a:ext cx="11828060" cy="369332"/>
           </a:xfrm>
           <a:prstGeom prst="rect">
             <a:avLst/>
@@ -8958,70 +8883,102 @@
                 </a:solidFill>
                 <a:latin typeface="Source Sans Pro"/>
               </a:rPr>
-              <a:t>.once</a:t>
-            </a:r>
-            <a:r>
-              <a:rPr lang="zh-CN" altLang="en-US" dirty="0" smtClean="0">
-                <a:solidFill>
-                  <a:srgbClr val="34495E"/>
-                </a:solidFill>
-                <a:latin typeface="Source Sans Pro"/>
-              </a:rPr>
-              <a:t>：让事件只触发一次。如文本框的</a:t>
-            </a:r>
-            <a:r>
-              <a:rPr lang="en-US" altLang="zh-CN" dirty="0" smtClean="0">
-                <a:solidFill>
-                  <a:srgbClr val="34495E"/>
-                </a:solidFill>
-                <a:latin typeface="Source Sans Pro"/>
-              </a:rPr>
-              <a:t>focus</a:t>
-            </a:r>
-            <a:r>
-              <a:rPr lang="zh-CN" altLang="en-US" dirty="0" smtClean="0">
-                <a:solidFill>
-                  <a:srgbClr val="34495E"/>
-                </a:solidFill>
-                <a:latin typeface="Source Sans Pro"/>
-              </a:rPr>
-              <a:t>事件，当文本框获取焦点时就一直会循环执行</a:t>
-            </a:r>
-            <a:r>
-              <a:rPr lang="en-US" altLang="zh-CN" dirty="0" smtClean="0">
-                <a:solidFill>
-                  <a:srgbClr val="34495E"/>
-                </a:solidFill>
-                <a:latin typeface="Source Sans Pro"/>
-              </a:rPr>
-              <a:t>focus</a:t>
-            </a:r>
-            <a:r>
-              <a:rPr lang="zh-CN" altLang="en-US" dirty="0" smtClean="0">
-                <a:solidFill>
-                  <a:srgbClr val="34495E"/>
-                </a:solidFill>
-                <a:latin typeface="Source Sans Pro"/>
-              </a:rPr>
-              <a:t>事件，此时可以通过</a:t>
-            </a:r>
-            <a:r>
-              <a:rPr lang="en-US" altLang="zh-CN" dirty="0" smtClean="0">
-                <a:solidFill>
-                  <a:srgbClr val="34495E"/>
-                </a:solidFill>
-                <a:latin typeface="Source Sans Pro"/>
-              </a:rPr>
-              <a:t>once</a:t>
-            </a:r>
-            <a:r>
-              <a:rPr lang="zh-CN" altLang="en-US" dirty="0" smtClean="0">
-                <a:solidFill>
-                  <a:srgbClr val="34495E"/>
-                </a:solidFill>
-                <a:latin typeface="Source Sans Pro"/>
-              </a:rPr>
-              <a:t>只让事件执行一次</a:t>
+              <a:t>7.1 </a:t>
+            </a:r>
+            <a:r>
+              <a:rPr lang="zh-CN" altLang="en-US" dirty="0" smtClean="0">
+                <a:solidFill>
+                  <a:srgbClr val="34495E"/>
+                </a:solidFill>
+                <a:latin typeface="Source Sans Pro"/>
+              </a:rPr>
+              <a:t>事件修饰符</a:t>
+            </a:r>
+            <a:endParaRPr lang="zh-CN" altLang="en-US" dirty="0"/>
+          </a:p>
+        </p:txBody>
+      </p:sp>
+      <p:sp>
+        <p:nvSpPr>
+          <p:cNvPr id="12" name="矩形 11"/>
+          <p:cNvSpPr/>
+          <p:nvPr/>
+        </p:nvSpPr>
+        <p:spPr>
+          <a:xfrm>
+            <a:off x="250074" y="2996704"/>
+            <a:ext cx="11828060" cy="369332"/>
+          </a:xfrm>
+          <a:prstGeom prst="rect">
+            <a:avLst/>
+          </a:prstGeom>
+        </p:spPr>
+        <p:txBody>
+          <a:bodyPr wrap="square">
+            <a:spAutoFit/>
+          </a:bodyPr>
+          <a:lstStyle/>
+          <a:p>
+            <a:r>
+              <a:rPr lang="zh-CN" altLang="en-US" dirty="0" smtClean="0">
+                <a:solidFill>
+                  <a:srgbClr val="34495E"/>
+                </a:solidFill>
+                <a:latin typeface="Source Sans Pro"/>
+              </a:rPr>
+              <a:t>事件修饰符是以圆点</a:t>
+            </a:r>
+            <a:r>
+              <a:rPr lang="en-US" altLang="zh-CN" dirty="0" smtClean="0">
+                <a:solidFill>
+                  <a:srgbClr val="34495E"/>
+                </a:solidFill>
+                <a:latin typeface="Source Sans Pro"/>
+              </a:rPr>
+              <a:t>(.)</a:t>
+            </a:r>
+            <a:r>
+              <a:rPr lang="zh-CN" altLang="en-US" dirty="0" smtClean="0">
+                <a:solidFill>
+                  <a:srgbClr val="34495E"/>
+                </a:solidFill>
+                <a:latin typeface="Source Sans Pro"/>
+              </a:rPr>
+              <a:t>开始的特殊后缀，用于表示指令应以特殊方式绑定。</a:t>
+            </a:r>
+            <a:endParaRPr lang="zh-CN" altLang="en-US" dirty="0"/>
+          </a:p>
+        </p:txBody>
+      </p:sp>
+      <p:sp>
+        <p:nvSpPr>
+          <p:cNvPr id="13" name="矩形 12"/>
+          <p:cNvSpPr/>
+          <p:nvPr/>
+        </p:nvSpPr>
+        <p:spPr>
+          <a:xfrm>
+            <a:off x="250074" y="3420628"/>
+            <a:ext cx="11828060" cy="369332"/>
+          </a:xfrm>
+          <a:prstGeom prst="rect">
+            <a:avLst/>
+          </a:prstGeom>
+        </p:spPr>
+        <p:txBody>
+          <a:bodyPr wrap="square">
+            <a:spAutoFit/>
+          </a:bodyPr>
+          <a:lstStyle/>
+          <a:p>
+            <a:r>
+              <a:rPr lang="zh-CN" altLang="en-US" dirty="0" smtClean="0">
+                <a:solidFill>
+                  <a:srgbClr val="34495E"/>
+                </a:solidFill>
+                <a:latin typeface="Source Sans Pro"/>
+              </a:rPr>
+              <a:t>事件修饰符可以串联：</a:t>
             </a:r>
             <a:endParaRPr lang="zh-CN" altLang="en-US" dirty="0"/>
           </a:p>
@@ -9029,7 +8986,7 @@
       </p:sp>
       <p:pic>
         <p:nvPicPr>
-          <p:cNvPr id="3" name="图片 2"/>
+          <p:cNvPr id="7" name="图片 6"/>
           <p:cNvPicPr>
             <a:picLocks noChangeAspect="1"/>
           </p:cNvPicPr>
@@ -9043,8 +9000,8 @@
         </p:blipFill>
         <p:spPr>
           <a:xfrm>
-            <a:off x="250073" y="2589338"/>
-            <a:ext cx="11691718" cy="310253"/>
+            <a:off x="2750247" y="3354850"/>
+            <a:ext cx="5644922" cy="466522"/>
           </a:xfrm>
           <a:prstGeom prst="rect">
             <a:avLst/>
@@ -9053,13 +9010,13 @@
       </p:pic>
       <p:sp>
         <p:nvSpPr>
-          <p:cNvPr id="22" name="矩形 21"/>
+          <p:cNvPr id="15" name="矩形 14"/>
           <p:cNvSpPr/>
           <p:nvPr/>
         </p:nvSpPr>
         <p:spPr>
           <a:xfrm>
-            <a:off x="250073" y="2914893"/>
+            <a:off x="250074" y="3875964"/>
             <a:ext cx="11828060" cy="369332"/>
           </a:xfrm>
           <a:prstGeom prst="rect">
@@ -9073,37 +9030,52 @@
           <a:lstStyle/>
           <a:p>
             <a:r>
-              <a:rPr lang="en-US" altLang="zh-CN" dirty="0" smtClean="0">
-                <a:solidFill>
-                  <a:srgbClr val="34495E"/>
-                </a:solidFill>
-                <a:latin typeface="Source Sans Pro"/>
-              </a:rPr>
-              <a:t>7.2 </a:t>
-            </a:r>
-            <a:r>
-              <a:rPr lang="zh-CN" altLang="en-US" dirty="0" smtClean="0">
-                <a:solidFill>
-                  <a:srgbClr val="34495E"/>
-                </a:solidFill>
-                <a:latin typeface="Source Sans Pro"/>
-              </a:rPr>
-              <a:t>按键修饰符</a:t>
+              <a:rPr lang="zh-CN" altLang="en-US" dirty="0" smtClean="0">
+                <a:solidFill>
+                  <a:srgbClr val="34495E"/>
+                </a:solidFill>
+                <a:latin typeface="Source Sans Pro"/>
+              </a:rPr>
+              <a:t>事件修饰符可以不绑定事件：</a:t>
             </a:r>
             <a:endParaRPr lang="zh-CN" altLang="en-US" dirty="0"/>
           </a:p>
         </p:txBody>
       </p:sp>
-      <p:sp>
-        <p:nvSpPr>
-          <p:cNvPr id="25" name="矩形 24"/>
+      <p:pic>
+        <p:nvPicPr>
+          <p:cNvPr id="8" name="图片 7"/>
+          <p:cNvPicPr>
+            <a:picLocks noChangeAspect="1"/>
+          </p:cNvPicPr>
+          <p:nvPr/>
+        </p:nvPicPr>
+        <p:blipFill>
+          <a:blip r:embed="rId4"/>
+          <a:stretch>
+            <a:fillRect/>
+          </a:stretch>
+        </p:blipFill>
+        <p:spPr>
+          <a:xfrm>
+            <a:off x="3437511" y="3817256"/>
+            <a:ext cx="5324351" cy="453137"/>
+          </a:xfrm>
+          <a:prstGeom prst="rect">
+            <a:avLst/>
+          </a:prstGeom>
+        </p:spPr>
+      </p:pic>
+      <p:sp>
+        <p:nvSpPr>
+          <p:cNvPr id="17" name="矩形 16"/>
           <p:cNvSpPr/>
           <p:nvPr/>
         </p:nvSpPr>
         <p:spPr>
           <a:xfrm>
-            <a:off x="250073" y="3262717"/>
-            <a:ext cx="11828060" cy="923330"/>
+            <a:off x="250074" y="4356397"/>
+            <a:ext cx="11828060" cy="369332"/>
           </a:xfrm>
           <a:prstGeom prst="rect">
             <a:avLst/>
@@ -9115,234 +9087,56 @@
           </a:bodyPr>
           <a:lstStyle/>
           <a:p>
-            <a:pPr lvl="0" eaLnBrk="0" fontAlgn="base" hangingPunct="0">
-              <a:spcBef>
-                <a:spcPct val="0"/>
-              </a:spcBef>
-              <a:spcAft>
-                <a:spcPct val="0"/>
-              </a:spcAft>
-            </a:pPr>
-            <a:r>
-              <a:rPr lang="zh-CN" altLang="en-US" dirty="0" smtClean="0">
-                <a:solidFill>
-                  <a:srgbClr val="2973B7"/>
-                </a:solidFill>
-                <a:latin typeface="Arial Unicode MS" panose="020B0604020202020204" pitchFamily="34" charset="-122"/>
-                <a:ea typeface="Roboto Mono"/>
-              </a:rPr>
-              <a:t>只在</a:t>
-            </a:r>
-            <a:r>
-              <a:rPr lang="en-US" altLang="zh-CN" dirty="0" err="1" smtClean="0">
-                <a:solidFill>
-                  <a:srgbClr val="2973B7"/>
-                </a:solidFill>
-                <a:latin typeface="Arial Unicode MS" panose="020B0604020202020204" pitchFamily="34" charset="-122"/>
-                <a:ea typeface="Roboto Mono"/>
-              </a:rPr>
-              <a:t>keyCode</a:t>
-            </a:r>
-            <a:r>
-              <a:rPr lang="en-US" altLang="zh-CN" dirty="0" smtClean="0">
-                <a:solidFill>
-                  <a:srgbClr val="2973B7"/>
-                </a:solidFill>
-                <a:latin typeface="Arial Unicode MS" panose="020B0604020202020204" pitchFamily="34" charset="-122"/>
-                <a:ea typeface="Roboto Mono"/>
-              </a:rPr>
-              <a:t>=13</a:t>
-            </a:r>
-            <a:r>
-              <a:rPr lang="zh-CN" altLang="en-US" dirty="0" smtClean="0">
-                <a:solidFill>
-                  <a:srgbClr val="2973B7"/>
-                </a:solidFill>
-                <a:latin typeface="Arial Unicode MS" panose="020B0604020202020204" pitchFamily="34" charset="-122"/>
-                <a:ea typeface="Roboto Mono"/>
-              </a:rPr>
-              <a:t>时执行</a:t>
-            </a:r>
-            <a:r>
-              <a:rPr lang="en-US" altLang="zh-CN" dirty="0" err="1" smtClean="0">
-                <a:solidFill>
-                  <a:srgbClr val="2973B7"/>
-                </a:solidFill>
-                <a:latin typeface="Arial Unicode MS" panose="020B0604020202020204" pitchFamily="34" charset="-122"/>
-                <a:ea typeface="Roboto Mono"/>
-              </a:rPr>
-              <a:t>vm.submit</a:t>
-            </a:r>
-            <a:r>
-              <a:rPr lang="zh-CN" altLang="en-US" dirty="0" smtClean="0">
-                <a:solidFill>
-                  <a:srgbClr val="2973B7"/>
-                </a:solidFill>
-                <a:latin typeface="Arial Unicode MS" panose="020B0604020202020204" pitchFamily="34" charset="-122"/>
-                <a:ea typeface="Roboto Mono"/>
-              </a:rPr>
-              <a:t>事件</a:t>
-            </a:r>
-            <a:endParaRPr lang="en-US" altLang="zh-CN" dirty="0" smtClean="0">
-              <a:solidFill>
-                <a:srgbClr val="2973B7"/>
-              </a:solidFill>
-              <a:latin typeface="Arial Unicode MS" panose="020B0604020202020204" pitchFamily="34" charset="-122"/>
-              <a:ea typeface="Roboto Mono"/>
-            </a:endParaRPr>
-          </a:p>
-          <a:p>
-            <a:pPr lvl="0" eaLnBrk="0" fontAlgn="base" hangingPunct="0">
-              <a:spcBef>
-                <a:spcPct val="0"/>
-              </a:spcBef>
-              <a:spcAft>
-                <a:spcPct val="0"/>
-              </a:spcAft>
-            </a:pPr>
-            <a:r>
-              <a:rPr lang="zh-CN" altLang="zh-CN" dirty="0" smtClean="0">
-                <a:solidFill>
-                  <a:srgbClr val="2973B7"/>
-                </a:solidFill>
-                <a:latin typeface="Arial Unicode MS" panose="020B0604020202020204" pitchFamily="34" charset="-122"/>
-                <a:ea typeface="Roboto Mono"/>
-              </a:rPr>
-              <a:t>&lt;</a:t>
-            </a:r>
-            <a:r>
-              <a:rPr lang="zh-CN" altLang="zh-CN" dirty="0">
-                <a:solidFill>
-                  <a:srgbClr val="2973B7"/>
-                </a:solidFill>
-                <a:latin typeface="Arial Unicode MS" panose="020B0604020202020204" pitchFamily="34" charset="-122"/>
-                <a:ea typeface="Roboto Mono"/>
-              </a:rPr>
-              <a:t>input v-on:keyup.13=</a:t>
-            </a:r>
-            <a:r>
-              <a:rPr lang="zh-CN" altLang="zh-CN" dirty="0">
-                <a:solidFill>
-                  <a:srgbClr val="42B983"/>
-                </a:solidFill>
-                <a:latin typeface="Arial Unicode MS" panose="020B0604020202020204" pitchFamily="34" charset="-122"/>
-                <a:ea typeface="Roboto Mono"/>
-              </a:rPr>
-              <a:t>"submit"</a:t>
-            </a:r>
-            <a:r>
-              <a:rPr lang="zh-CN" altLang="zh-CN" dirty="0">
-                <a:solidFill>
-                  <a:srgbClr val="2973B7"/>
-                </a:solidFill>
-                <a:latin typeface="Arial Unicode MS" panose="020B0604020202020204" pitchFamily="34" charset="-122"/>
-                <a:ea typeface="Roboto Mono"/>
-              </a:rPr>
-              <a:t>&gt;</a:t>
-            </a:r>
-            <a:r>
-              <a:rPr lang="zh-CN" altLang="zh-CN" dirty="0"/>
-              <a:t> </a:t>
-            </a:r>
-            <a:endParaRPr lang="en-US" altLang="zh-CN" dirty="0" smtClean="0"/>
-          </a:p>
-          <a:p>
-            <a:pPr eaLnBrk="0" fontAlgn="base" hangingPunct="0">
-              <a:spcBef>
-                <a:spcPct val="0"/>
-              </a:spcBef>
-              <a:spcAft>
-                <a:spcPct val="0"/>
-              </a:spcAft>
-            </a:pPr>
-            <a:r>
-              <a:rPr lang="zh-CN" altLang="zh-CN" dirty="0">
-                <a:solidFill>
-                  <a:srgbClr val="2973B7"/>
-                </a:solidFill>
-                <a:latin typeface="Arial Unicode MS" panose="020B0604020202020204" pitchFamily="34" charset="-122"/>
-                <a:ea typeface="Roboto Mono"/>
-              </a:rPr>
-              <a:t>&lt;input v-on:keyup</a:t>
-            </a:r>
-            <a:r>
-              <a:rPr lang="zh-CN" altLang="zh-CN" dirty="0" smtClean="0">
-                <a:solidFill>
-                  <a:srgbClr val="2973B7"/>
-                </a:solidFill>
-                <a:latin typeface="Arial Unicode MS" panose="020B0604020202020204" pitchFamily="34" charset="-122"/>
-                <a:ea typeface="Roboto Mono"/>
-              </a:rPr>
-              <a:t>.</a:t>
-            </a:r>
-            <a:r>
-              <a:rPr lang="en-US" altLang="zh-CN" dirty="0" smtClean="0">
-                <a:solidFill>
-                  <a:srgbClr val="2973B7"/>
-                </a:solidFill>
-                <a:latin typeface="Arial Unicode MS" panose="020B0604020202020204" pitchFamily="34" charset="-122"/>
-                <a:ea typeface="Roboto Mono"/>
-              </a:rPr>
-              <a:t>enter</a:t>
-            </a:r>
-            <a:r>
-              <a:rPr lang="zh-CN" altLang="zh-CN" dirty="0" smtClean="0">
-                <a:solidFill>
-                  <a:srgbClr val="2973B7"/>
-                </a:solidFill>
-                <a:latin typeface="Arial Unicode MS" panose="020B0604020202020204" pitchFamily="34" charset="-122"/>
-                <a:ea typeface="Roboto Mono"/>
-              </a:rPr>
-              <a:t>=</a:t>
-            </a:r>
-            <a:r>
-              <a:rPr lang="zh-CN" altLang="zh-CN" dirty="0" smtClean="0">
-                <a:solidFill>
-                  <a:srgbClr val="42B983"/>
-                </a:solidFill>
-                <a:latin typeface="Arial Unicode MS" panose="020B0604020202020204" pitchFamily="34" charset="-122"/>
-                <a:ea typeface="Roboto Mono"/>
-              </a:rPr>
-              <a:t>"</a:t>
-            </a:r>
-            <a:r>
-              <a:rPr lang="zh-CN" altLang="zh-CN" dirty="0">
-                <a:solidFill>
-                  <a:srgbClr val="42B983"/>
-                </a:solidFill>
-                <a:latin typeface="Arial Unicode MS" panose="020B0604020202020204" pitchFamily="34" charset="-122"/>
-                <a:ea typeface="Roboto Mono"/>
-              </a:rPr>
-              <a:t>submit"</a:t>
-            </a:r>
-            <a:r>
-              <a:rPr lang="zh-CN" altLang="zh-CN" dirty="0">
-                <a:solidFill>
-                  <a:srgbClr val="2973B7"/>
-                </a:solidFill>
-                <a:latin typeface="Arial Unicode MS" panose="020B0604020202020204" pitchFamily="34" charset="-122"/>
-                <a:ea typeface="Roboto Mono"/>
-              </a:rPr>
-              <a:t>&gt;</a:t>
-            </a:r>
-            <a:r>
-              <a:rPr lang="zh-CN" altLang="zh-CN" dirty="0"/>
-              <a:t> </a:t>
-            </a:r>
-            <a:endParaRPr lang="en-US" altLang="zh-CN" dirty="0"/>
-          </a:p>
-        </p:txBody>
-      </p:sp>
-      <p:sp>
-        <p:nvSpPr>
-          <p:cNvPr id="26" name="矩形 25"/>
+            <a:r>
+              <a:rPr lang="en-US" altLang="zh-CN" dirty="0" smtClean="0">
+                <a:solidFill>
+                  <a:srgbClr val="34495E"/>
+                </a:solidFill>
+                <a:latin typeface="Source Sans Pro"/>
+              </a:rPr>
+              <a:t>.stop</a:t>
+            </a:r>
+            <a:r>
+              <a:rPr lang="zh-CN" altLang="en-US" dirty="0" smtClean="0">
+                <a:solidFill>
+                  <a:srgbClr val="34495E"/>
+                </a:solidFill>
+                <a:latin typeface="Source Sans Pro"/>
+              </a:rPr>
+              <a:t>：阻止事件冒泡，在时间上添加</a:t>
+            </a:r>
+            <a:r>
+              <a:rPr lang="en-US" altLang="zh-CN" dirty="0" smtClean="0">
+                <a:solidFill>
+                  <a:srgbClr val="34495E"/>
+                </a:solidFill>
+                <a:latin typeface="Source Sans Pro"/>
+              </a:rPr>
+              <a:t>.stop</a:t>
+            </a:r>
+            <a:r>
+              <a:rPr lang="zh-CN" altLang="en-US" dirty="0" smtClean="0">
+                <a:solidFill>
+                  <a:srgbClr val="34495E"/>
+                </a:solidFill>
+                <a:latin typeface="Source Sans Pro"/>
+              </a:rPr>
+              <a:t>修饰符后，执行完该事件后，后面的事件不再继续执行</a:t>
+            </a:r>
+            <a:endParaRPr lang="zh-CN" altLang="en-US" dirty="0"/>
+          </a:p>
+        </p:txBody>
+      </p:sp>
+      <p:sp>
+        <p:nvSpPr>
+          <p:cNvPr id="14" name="矩形 13"/>
           <p:cNvSpPr/>
           <p:nvPr/>
         </p:nvSpPr>
         <p:spPr>
           <a:xfrm>
-            <a:off x="250073" y="4202906"/>
-            <a:ext cx="11828060" cy="369332"/>
+            <a:off x="6791362" y="4897828"/>
+            <a:ext cx="5286772" cy="1754326"/>
           </a:xfrm>
           <a:prstGeom prst="rect">
             <a:avLst/>
@@ -9354,542 +9148,144 @@
           </a:bodyPr>
           <a:lstStyle/>
           <a:p>
-            <a:pPr lvl="0" eaLnBrk="0" fontAlgn="base" hangingPunct="0">
-              <a:spcBef>
-                <a:spcPct val="0"/>
-              </a:spcBef>
-              <a:spcAft>
-                <a:spcPct val="0"/>
-              </a:spcAft>
-            </a:pPr>
-            <a:r>
-              <a:rPr lang="zh-CN" altLang="en-US" dirty="0" smtClean="0">
-                <a:solidFill>
-                  <a:srgbClr val="2973B7"/>
-                </a:solidFill>
-                <a:latin typeface="Arial Unicode MS" panose="020B0604020202020204" pitchFamily="34" charset="-122"/>
-                <a:ea typeface="Roboto Mono"/>
-              </a:rPr>
-              <a:t>按键修饰符有：</a:t>
-            </a:r>
-            <a:r>
-              <a:rPr lang="en-US" altLang="zh-CN" dirty="0" smtClean="0">
-                <a:solidFill>
-                  <a:srgbClr val="2973B7"/>
-                </a:solidFill>
-                <a:latin typeface="Arial Unicode MS" panose="020B0604020202020204" pitchFamily="34" charset="-122"/>
-                <a:ea typeface="Roboto Mono"/>
-              </a:rPr>
-              <a:t>.enter  </a:t>
-            </a:r>
-            <a:r>
-              <a:rPr lang="en-US" altLang="zh-CN" dirty="0" smtClean="0">
-                <a:solidFill>
-                  <a:srgbClr val="FF0000"/>
-                </a:solidFill>
-                <a:latin typeface="Arial Unicode MS" panose="020B0604020202020204" pitchFamily="34" charset="-122"/>
-                <a:ea typeface="Roboto Mono"/>
-              </a:rPr>
-              <a:t>|</a:t>
-            </a:r>
-            <a:r>
-              <a:rPr lang="en-US" altLang="zh-CN" dirty="0" smtClean="0">
-                <a:solidFill>
-                  <a:srgbClr val="2973B7"/>
-                </a:solidFill>
-                <a:latin typeface="Arial Unicode MS" panose="020B0604020202020204" pitchFamily="34" charset="-122"/>
-                <a:ea typeface="Roboto Mono"/>
-              </a:rPr>
-              <a:t>  .tab  </a:t>
-            </a:r>
-            <a:r>
-              <a:rPr lang="en-US" altLang="zh-CN" dirty="0" smtClean="0">
-                <a:solidFill>
-                  <a:srgbClr val="FF0000"/>
-                </a:solidFill>
-                <a:latin typeface="Arial Unicode MS" panose="020B0604020202020204" pitchFamily="34" charset="-122"/>
-                <a:ea typeface="Roboto Mono"/>
-              </a:rPr>
-              <a:t>|</a:t>
-            </a:r>
-            <a:r>
-              <a:rPr lang="en-US" altLang="zh-CN" dirty="0" smtClean="0">
-                <a:solidFill>
-                  <a:srgbClr val="2973B7"/>
-                </a:solidFill>
-                <a:latin typeface="Arial Unicode MS" panose="020B0604020202020204" pitchFamily="34" charset="-122"/>
-                <a:ea typeface="Roboto Mono"/>
-              </a:rPr>
-              <a:t>  .delete  </a:t>
-            </a:r>
-            <a:r>
-              <a:rPr lang="en-US" altLang="zh-CN" dirty="0" smtClean="0">
-                <a:solidFill>
-                  <a:srgbClr val="FF0000"/>
-                </a:solidFill>
-                <a:latin typeface="Arial Unicode MS" panose="020B0604020202020204" pitchFamily="34" charset="-122"/>
-                <a:ea typeface="Roboto Mono"/>
-              </a:rPr>
-              <a:t>|</a:t>
-            </a:r>
-            <a:r>
-              <a:rPr lang="en-US" altLang="zh-CN" dirty="0" smtClean="0">
-                <a:solidFill>
-                  <a:srgbClr val="2973B7"/>
-                </a:solidFill>
-                <a:latin typeface="Arial Unicode MS" panose="020B0604020202020204" pitchFamily="34" charset="-122"/>
-                <a:ea typeface="Roboto Mono"/>
-              </a:rPr>
-              <a:t>  .esc  </a:t>
-            </a:r>
-            <a:r>
-              <a:rPr lang="en-US" altLang="zh-CN" dirty="0" smtClean="0">
-                <a:solidFill>
-                  <a:srgbClr val="FF0000"/>
-                </a:solidFill>
-                <a:latin typeface="Arial Unicode MS" panose="020B0604020202020204" pitchFamily="34" charset="-122"/>
-                <a:ea typeface="Roboto Mono"/>
-              </a:rPr>
-              <a:t>|</a:t>
-            </a:r>
-            <a:r>
-              <a:rPr lang="en-US" altLang="zh-CN" dirty="0" smtClean="0">
-                <a:solidFill>
-                  <a:srgbClr val="2973B7"/>
-                </a:solidFill>
-                <a:latin typeface="Arial Unicode MS" panose="020B0604020202020204" pitchFamily="34" charset="-122"/>
-                <a:ea typeface="Roboto Mono"/>
-              </a:rPr>
-              <a:t>  .space  </a:t>
-            </a:r>
-            <a:r>
-              <a:rPr lang="en-US" altLang="zh-CN" dirty="0" smtClean="0">
-                <a:solidFill>
-                  <a:srgbClr val="FF0000"/>
-                </a:solidFill>
-                <a:latin typeface="Arial Unicode MS" panose="020B0604020202020204" pitchFamily="34" charset="-122"/>
-                <a:ea typeface="Roboto Mono"/>
-              </a:rPr>
-              <a:t>|</a:t>
-            </a:r>
-            <a:r>
-              <a:rPr lang="en-US" altLang="zh-CN" dirty="0" smtClean="0">
-                <a:solidFill>
-                  <a:srgbClr val="2973B7"/>
-                </a:solidFill>
-                <a:latin typeface="Arial Unicode MS" panose="020B0604020202020204" pitchFamily="34" charset="-122"/>
-                <a:ea typeface="Roboto Mono"/>
-              </a:rPr>
-              <a:t>  .up  </a:t>
-            </a:r>
-            <a:r>
-              <a:rPr lang="en-US" altLang="zh-CN" dirty="0" smtClean="0">
-                <a:solidFill>
-                  <a:srgbClr val="FF0000"/>
-                </a:solidFill>
-                <a:latin typeface="Arial Unicode MS" panose="020B0604020202020204" pitchFamily="34" charset="-122"/>
-                <a:ea typeface="Roboto Mono"/>
-              </a:rPr>
-              <a:t>|</a:t>
-            </a:r>
-            <a:r>
-              <a:rPr lang="en-US" altLang="zh-CN" dirty="0" smtClean="0">
-                <a:solidFill>
-                  <a:srgbClr val="2973B7"/>
-                </a:solidFill>
-                <a:latin typeface="Arial Unicode MS" panose="020B0604020202020204" pitchFamily="34" charset="-122"/>
-                <a:ea typeface="Roboto Mono"/>
-              </a:rPr>
-              <a:t>  .down  </a:t>
-            </a:r>
-            <a:r>
-              <a:rPr lang="en-US" altLang="zh-CN" dirty="0" smtClean="0">
-                <a:solidFill>
-                  <a:srgbClr val="FF0000"/>
-                </a:solidFill>
-                <a:latin typeface="Arial Unicode MS" panose="020B0604020202020204" pitchFamily="34" charset="-122"/>
-                <a:ea typeface="Roboto Mono"/>
-              </a:rPr>
-              <a:t>|</a:t>
-            </a:r>
-            <a:r>
-              <a:rPr lang="en-US" altLang="zh-CN" dirty="0" smtClean="0">
-                <a:solidFill>
-                  <a:srgbClr val="2973B7"/>
-                </a:solidFill>
-                <a:latin typeface="Arial Unicode MS" panose="020B0604020202020204" pitchFamily="34" charset="-122"/>
-                <a:ea typeface="Roboto Mono"/>
-              </a:rPr>
-              <a:t>  .left  </a:t>
-            </a:r>
-            <a:r>
-              <a:rPr lang="en-US" altLang="zh-CN" dirty="0" smtClean="0">
-                <a:solidFill>
-                  <a:srgbClr val="FF0000"/>
-                </a:solidFill>
-                <a:latin typeface="Arial Unicode MS" panose="020B0604020202020204" pitchFamily="34" charset="-122"/>
-                <a:ea typeface="Roboto Mono"/>
-              </a:rPr>
-              <a:t>|</a:t>
-            </a:r>
-            <a:r>
-              <a:rPr lang="en-US" altLang="zh-CN" dirty="0" smtClean="0">
-                <a:solidFill>
-                  <a:srgbClr val="2973B7"/>
-                </a:solidFill>
-                <a:latin typeface="Arial Unicode MS" panose="020B0604020202020204" pitchFamily="34" charset="-122"/>
-                <a:ea typeface="Roboto Mono"/>
-              </a:rPr>
-              <a:t>  .right</a:t>
-            </a:r>
-            <a:endParaRPr lang="en-US" altLang="zh-CN" dirty="0"/>
-          </a:p>
-        </p:txBody>
-      </p:sp>
-      <p:sp>
-        <p:nvSpPr>
-          <p:cNvPr id="27" name="矩形 26"/>
-          <p:cNvSpPr/>
-          <p:nvPr/>
-        </p:nvSpPr>
-        <p:spPr>
-          <a:xfrm>
-            <a:off x="250073" y="4681478"/>
-            <a:ext cx="11828060" cy="369332"/>
-          </a:xfrm>
-          <a:prstGeom prst="rect">
-            <a:avLst/>
-          </a:prstGeom>
-        </p:spPr>
-        <p:txBody>
-          <a:bodyPr wrap="square">
-            <a:spAutoFit/>
-          </a:bodyPr>
-          <a:lstStyle/>
-          <a:p>
-            <a:r>
-              <a:rPr lang="en-US" altLang="zh-CN" dirty="0" smtClean="0">
-                <a:solidFill>
-                  <a:srgbClr val="34495E"/>
-                </a:solidFill>
-                <a:latin typeface="Source Sans Pro"/>
-              </a:rPr>
-              <a:t>7.3 </a:t>
-            </a:r>
-            <a:r>
-              <a:rPr lang="zh-CN" altLang="en-US" dirty="0" smtClean="0">
-                <a:solidFill>
-                  <a:srgbClr val="34495E"/>
-                </a:solidFill>
-                <a:latin typeface="Source Sans Pro"/>
-              </a:rPr>
-              <a:t>鼠标按钮修饰符：用于</a:t>
-            </a:r>
-            <a:r>
-              <a:rPr lang="zh-CN" altLang="en-US" dirty="0" smtClean="0"/>
-              <a:t>限制</a:t>
-            </a:r>
-            <a:r>
-              <a:rPr lang="zh-CN" altLang="en-US" dirty="0"/>
-              <a:t>处理函数仅响应特定的鼠标按钮</a:t>
-            </a:r>
-          </a:p>
-        </p:txBody>
-      </p:sp>
-      <p:sp>
-        <p:nvSpPr>
-          <p:cNvPr id="28" name="矩形 27"/>
-          <p:cNvSpPr/>
-          <p:nvPr/>
-        </p:nvSpPr>
-        <p:spPr>
-          <a:xfrm>
-            <a:off x="250073" y="5160050"/>
-            <a:ext cx="11828060" cy="369332"/>
-          </a:xfrm>
-          <a:prstGeom prst="rect">
-            <a:avLst/>
-          </a:prstGeom>
-        </p:spPr>
-        <p:txBody>
-          <a:bodyPr wrap="square">
-            <a:spAutoFit/>
-          </a:bodyPr>
-          <a:lstStyle/>
-          <a:p>
-            <a:pPr lvl="0" eaLnBrk="0" fontAlgn="base" hangingPunct="0">
-              <a:spcBef>
-                <a:spcPct val="0"/>
-              </a:spcBef>
-              <a:spcAft>
-                <a:spcPct val="0"/>
-              </a:spcAft>
-            </a:pPr>
-            <a:r>
-              <a:rPr lang="zh-CN" altLang="en-US" dirty="0" smtClean="0">
-                <a:solidFill>
-                  <a:srgbClr val="2973B7"/>
-                </a:solidFill>
-                <a:latin typeface="Arial Unicode MS" panose="020B0604020202020204" pitchFamily="34" charset="-122"/>
-                <a:ea typeface="Roboto Mono"/>
-              </a:rPr>
-              <a:t>鼠标按钮修饰符有：</a:t>
-            </a:r>
-            <a:r>
-              <a:rPr lang="en-US" altLang="zh-CN" dirty="0" smtClean="0">
-                <a:solidFill>
-                  <a:srgbClr val="2973B7"/>
-                </a:solidFill>
-                <a:latin typeface="Arial Unicode MS" panose="020B0604020202020204" pitchFamily="34" charset="-122"/>
-                <a:ea typeface="Roboto Mono"/>
-              </a:rPr>
-              <a:t>.middle  </a:t>
-            </a:r>
-            <a:r>
-              <a:rPr lang="en-US" altLang="zh-CN" dirty="0" smtClean="0">
-                <a:solidFill>
-                  <a:srgbClr val="FF0000"/>
-                </a:solidFill>
-                <a:latin typeface="Arial Unicode MS" panose="020B0604020202020204" pitchFamily="34" charset="-122"/>
-                <a:ea typeface="Roboto Mono"/>
-              </a:rPr>
-              <a:t>|</a:t>
-            </a:r>
-            <a:r>
-              <a:rPr lang="en-US" altLang="zh-CN" dirty="0" smtClean="0">
-                <a:solidFill>
-                  <a:srgbClr val="2973B7"/>
-                </a:solidFill>
-                <a:latin typeface="Arial Unicode MS" panose="020B0604020202020204" pitchFamily="34" charset="-122"/>
-                <a:ea typeface="Roboto Mono"/>
-              </a:rPr>
-              <a:t>  .left  </a:t>
-            </a:r>
-            <a:r>
-              <a:rPr lang="en-US" altLang="zh-CN" dirty="0" smtClean="0">
-                <a:solidFill>
-                  <a:srgbClr val="FF0000"/>
-                </a:solidFill>
-                <a:latin typeface="Arial Unicode MS" panose="020B0604020202020204" pitchFamily="34" charset="-122"/>
-                <a:ea typeface="Roboto Mono"/>
-              </a:rPr>
-              <a:t>|</a:t>
-            </a:r>
-            <a:r>
-              <a:rPr lang="en-US" altLang="zh-CN" dirty="0" smtClean="0">
-                <a:solidFill>
-                  <a:srgbClr val="2973B7"/>
-                </a:solidFill>
-                <a:latin typeface="Arial Unicode MS" panose="020B0604020202020204" pitchFamily="34" charset="-122"/>
-                <a:ea typeface="Roboto Mono"/>
-              </a:rPr>
-              <a:t>  .right</a:t>
-            </a:r>
-            <a:endParaRPr lang="en-US" altLang="zh-CN" dirty="0"/>
-          </a:p>
-        </p:txBody>
-      </p:sp>
-      <p:sp>
-        <p:nvSpPr>
-          <p:cNvPr id="29" name="矩形 28"/>
-          <p:cNvSpPr/>
-          <p:nvPr/>
-        </p:nvSpPr>
-        <p:spPr>
-          <a:xfrm>
-            <a:off x="250073" y="5638622"/>
-            <a:ext cx="11828060" cy="369332"/>
-          </a:xfrm>
-          <a:prstGeom prst="rect">
-            <a:avLst/>
-          </a:prstGeom>
-        </p:spPr>
-        <p:txBody>
-          <a:bodyPr wrap="square">
-            <a:spAutoFit/>
-          </a:bodyPr>
-          <a:lstStyle/>
-          <a:p>
-            <a:r>
-              <a:rPr lang="en-US" altLang="zh-CN" dirty="0" smtClean="0">
-                <a:solidFill>
-                  <a:srgbClr val="34495E"/>
-                </a:solidFill>
-                <a:latin typeface="Source Sans Pro"/>
-              </a:rPr>
-              <a:t>7.4 </a:t>
-            </a:r>
-            <a:r>
-              <a:rPr lang="zh-CN" altLang="en-US" dirty="0" smtClean="0">
-                <a:solidFill>
-                  <a:srgbClr val="34495E"/>
-                </a:solidFill>
-                <a:latin typeface="Source Sans Pro"/>
-              </a:rPr>
-              <a:t>系统修饰符：用</a:t>
-            </a:r>
-            <a:r>
-              <a:rPr lang="zh-CN" altLang="en-US" dirty="0"/>
-              <a:t>于</a:t>
-            </a:r>
-            <a:r>
-              <a:rPr lang="zh-CN" altLang="en-US" dirty="0" smtClean="0"/>
-              <a:t>实现</a:t>
-            </a:r>
-            <a:r>
-              <a:rPr lang="zh-CN" altLang="en-US" dirty="0"/>
-              <a:t>仅在按下相应按键时才触发鼠标或键盘事件的监听器</a:t>
-            </a:r>
-          </a:p>
-        </p:txBody>
-      </p:sp>
-      <p:sp>
-        <p:nvSpPr>
-          <p:cNvPr id="30" name="矩形 29"/>
-          <p:cNvSpPr/>
-          <p:nvPr/>
-        </p:nvSpPr>
-        <p:spPr>
-          <a:xfrm>
-            <a:off x="250073" y="6117194"/>
-            <a:ext cx="11828060" cy="369332"/>
-          </a:xfrm>
-          <a:prstGeom prst="rect">
-            <a:avLst/>
-          </a:prstGeom>
-        </p:spPr>
-        <p:txBody>
-          <a:bodyPr wrap="square">
-            <a:spAutoFit/>
-          </a:bodyPr>
-          <a:lstStyle/>
-          <a:p>
-            <a:pPr lvl="0" eaLnBrk="0" fontAlgn="base" hangingPunct="0">
-              <a:spcBef>
-                <a:spcPct val="0"/>
-              </a:spcBef>
-              <a:spcAft>
-                <a:spcPct val="0"/>
-              </a:spcAft>
-            </a:pPr>
-            <a:r>
-              <a:rPr lang="zh-CN" altLang="en-US" dirty="0" smtClean="0">
-                <a:solidFill>
-                  <a:srgbClr val="2973B7"/>
-                </a:solidFill>
-                <a:latin typeface="Arial Unicode MS" panose="020B0604020202020204" pitchFamily="34" charset="-122"/>
-                <a:ea typeface="Roboto Mono"/>
-              </a:rPr>
-              <a:t>系统修饰符有：</a:t>
-            </a:r>
-            <a:r>
-              <a:rPr lang="en-US" altLang="zh-CN" dirty="0" smtClean="0">
-                <a:solidFill>
-                  <a:srgbClr val="2973B7"/>
-                </a:solidFill>
-                <a:latin typeface="Arial Unicode MS" panose="020B0604020202020204" pitchFamily="34" charset="-122"/>
-                <a:ea typeface="Roboto Mono"/>
-              </a:rPr>
-              <a:t>.ctrl  </a:t>
-            </a:r>
-            <a:r>
-              <a:rPr lang="en-US" altLang="zh-CN" dirty="0" smtClean="0">
-                <a:solidFill>
-                  <a:srgbClr val="FF0000"/>
-                </a:solidFill>
-                <a:latin typeface="Arial Unicode MS" panose="020B0604020202020204" pitchFamily="34" charset="-122"/>
-                <a:ea typeface="Roboto Mono"/>
-              </a:rPr>
-              <a:t>|</a:t>
-            </a:r>
-            <a:r>
-              <a:rPr lang="en-US" altLang="zh-CN" dirty="0" smtClean="0">
-                <a:solidFill>
-                  <a:srgbClr val="2973B7"/>
-                </a:solidFill>
-                <a:latin typeface="Arial Unicode MS" panose="020B0604020202020204" pitchFamily="34" charset="-122"/>
-                <a:ea typeface="Roboto Mono"/>
-              </a:rPr>
-              <a:t>  .alt  </a:t>
-            </a:r>
-            <a:r>
-              <a:rPr lang="en-US" altLang="zh-CN" dirty="0" smtClean="0">
-                <a:solidFill>
-                  <a:srgbClr val="FF0000"/>
-                </a:solidFill>
-                <a:latin typeface="Arial Unicode MS" panose="020B0604020202020204" pitchFamily="34" charset="-122"/>
-                <a:ea typeface="Roboto Mono"/>
-              </a:rPr>
-              <a:t>|</a:t>
-            </a:r>
-            <a:r>
-              <a:rPr lang="en-US" altLang="zh-CN" dirty="0" smtClean="0">
-                <a:solidFill>
-                  <a:srgbClr val="2973B7"/>
-                </a:solidFill>
-                <a:latin typeface="Arial Unicode MS" panose="020B0604020202020204" pitchFamily="34" charset="-122"/>
-                <a:ea typeface="Roboto Mono"/>
-              </a:rPr>
-              <a:t>  .shift  </a:t>
-            </a:r>
-            <a:r>
-              <a:rPr lang="en-US" altLang="zh-CN" dirty="0" smtClean="0">
-                <a:solidFill>
-                  <a:srgbClr val="FF0000"/>
-                </a:solidFill>
-                <a:latin typeface="Arial Unicode MS" panose="020B0604020202020204" pitchFamily="34" charset="-122"/>
-                <a:ea typeface="Roboto Mono"/>
-              </a:rPr>
-              <a:t>|</a:t>
-            </a:r>
-            <a:r>
-              <a:rPr lang="en-US" altLang="zh-CN" dirty="0" smtClean="0">
-                <a:solidFill>
-                  <a:srgbClr val="2973B7"/>
-                </a:solidFill>
-                <a:latin typeface="Arial Unicode MS" panose="020B0604020202020204" pitchFamily="34" charset="-122"/>
-                <a:ea typeface="Roboto Mono"/>
-              </a:rPr>
-              <a:t>  .meta</a:t>
-            </a:r>
-            <a:r>
-              <a:rPr lang="zh-CN" altLang="en-US" dirty="0" smtClean="0">
-                <a:solidFill>
-                  <a:srgbClr val="2973B7"/>
-                </a:solidFill>
-                <a:latin typeface="Arial Unicode MS" panose="020B0604020202020204" pitchFamily="34" charset="-122"/>
-                <a:ea typeface="Roboto Mono"/>
-              </a:rPr>
-              <a:t>（对应键盘上的</a:t>
-            </a:r>
-            <a:r>
-              <a:rPr lang="en-US" altLang="zh-CN" dirty="0" smtClean="0">
-                <a:solidFill>
-                  <a:srgbClr val="2973B7"/>
-                </a:solidFill>
-                <a:latin typeface="Arial Unicode MS" panose="020B0604020202020204" pitchFamily="34" charset="-122"/>
-                <a:ea typeface="Roboto Mono"/>
-              </a:rPr>
-              <a:t>win</a:t>
-            </a:r>
-            <a:r>
-              <a:rPr lang="zh-CN" altLang="en-US" dirty="0" smtClean="0">
-                <a:solidFill>
-                  <a:srgbClr val="2973B7"/>
-                </a:solidFill>
-                <a:latin typeface="Arial Unicode MS" panose="020B0604020202020204" pitchFamily="34" charset="-122"/>
-                <a:ea typeface="Roboto Mono"/>
-              </a:rPr>
-              <a:t>键）</a:t>
-            </a:r>
-            <a:endParaRPr lang="en-US" altLang="zh-CN" dirty="0"/>
-          </a:p>
-        </p:txBody>
-      </p:sp>
+            <a:r>
+              <a:rPr lang="zh-CN" altLang="en-US" dirty="0">
+                <a:solidFill>
+                  <a:srgbClr val="34495E"/>
+                </a:solidFill>
+                <a:latin typeface="Source Sans Pro"/>
+              </a:rPr>
+              <a:t>事件冒泡</a:t>
+            </a:r>
+            <a:r>
+              <a:rPr lang="zh-CN" altLang="en-US" dirty="0" smtClean="0">
+                <a:solidFill>
+                  <a:srgbClr val="34495E"/>
+                </a:solidFill>
+                <a:latin typeface="Source Sans Pro"/>
+              </a:rPr>
+              <a:t>：</a:t>
+            </a:r>
+            <a:endParaRPr lang="en-US" altLang="zh-CN" dirty="0" smtClean="0">
+              <a:solidFill>
+                <a:srgbClr val="34495E"/>
+              </a:solidFill>
+              <a:latin typeface="Source Sans Pro"/>
+            </a:endParaRPr>
+          </a:p>
+          <a:p>
+            <a:r>
+              <a:rPr lang="zh-CN" altLang="en-US" dirty="0" smtClean="0">
+                <a:solidFill>
+                  <a:srgbClr val="34495E"/>
+                </a:solidFill>
+                <a:latin typeface="Source Sans Pro"/>
+              </a:rPr>
+              <a:t>如左图，</a:t>
+            </a:r>
+            <a:endParaRPr lang="en-US" altLang="zh-CN" dirty="0" smtClean="0">
+              <a:solidFill>
+                <a:srgbClr val="34495E"/>
+              </a:solidFill>
+              <a:latin typeface="Source Sans Pro"/>
+            </a:endParaRPr>
+          </a:p>
+          <a:p>
+            <a:r>
+              <a:rPr lang="zh-CN" altLang="en-US" dirty="0" smtClean="0">
+                <a:solidFill>
+                  <a:srgbClr val="34495E"/>
+                </a:solidFill>
+                <a:latin typeface="Source Sans Pro"/>
+              </a:rPr>
+              <a:t>点击“测试事件冒泡”时，会先执行</a:t>
+            </a:r>
+            <a:r>
+              <a:rPr lang="en-US" altLang="zh-CN" dirty="0" err="1" smtClean="0">
+                <a:solidFill>
+                  <a:srgbClr val="34495E"/>
+                </a:solidFill>
+                <a:latin typeface="Source Sans Pro"/>
+              </a:rPr>
+              <a:t>doother</a:t>
+            </a:r>
+            <a:r>
+              <a:rPr lang="zh-CN" altLang="en-US" dirty="0" smtClean="0">
+                <a:solidFill>
+                  <a:srgbClr val="34495E"/>
+                </a:solidFill>
+                <a:latin typeface="Source Sans Pro"/>
+              </a:rPr>
+              <a:t>，再执行</a:t>
+            </a:r>
+            <a:r>
+              <a:rPr lang="en-US" altLang="zh-CN" dirty="0" err="1" smtClean="0">
+                <a:solidFill>
+                  <a:srgbClr val="34495E"/>
+                </a:solidFill>
+                <a:latin typeface="Source Sans Pro"/>
+              </a:rPr>
+              <a:t>doThat</a:t>
+            </a:r>
+            <a:r>
+              <a:rPr lang="zh-CN" altLang="en-US" dirty="0" smtClean="0">
+                <a:solidFill>
+                  <a:srgbClr val="34495E"/>
+                </a:solidFill>
+                <a:latin typeface="Source Sans Pro"/>
+              </a:rPr>
+              <a:t>，最后执行</a:t>
+            </a:r>
+            <a:r>
+              <a:rPr lang="en-US" altLang="zh-CN" dirty="0" err="1" smtClean="0">
+                <a:solidFill>
+                  <a:srgbClr val="34495E"/>
+                </a:solidFill>
+                <a:latin typeface="Source Sans Pro"/>
+              </a:rPr>
+              <a:t>doThis</a:t>
+            </a:r>
+            <a:r>
+              <a:rPr lang="zh-CN" altLang="en-US" dirty="0" smtClean="0">
+                <a:solidFill>
+                  <a:srgbClr val="34495E"/>
+                </a:solidFill>
+                <a:latin typeface="Source Sans Pro"/>
+              </a:rPr>
+              <a:t>。这样事件从目标开始，往上执行直到页面的最上一级标签，这称为事件冒泡，也成为事件传播。</a:t>
+            </a:r>
+            <a:endParaRPr lang="zh-CN" altLang="en-US" dirty="0"/>
+          </a:p>
+        </p:txBody>
+      </p:sp>
+      <p:pic>
+        <p:nvPicPr>
+          <p:cNvPr id="16" name="图片 15"/>
+          <p:cNvPicPr>
+            <a:picLocks noChangeAspect="1"/>
+          </p:cNvPicPr>
+          <p:nvPr/>
+        </p:nvPicPr>
+        <p:blipFill>
+          <a:blip r:embed="rId5"/>
+          <a:stretch>
+            <a:fillRect/>
+          </a:stretch>
+        </p:blipFill>
+        <p:spPr>
+          <a:xfrm>
+            <a:off x="250074" y="4836830"/>
+            <a:ext cx="6543322" cy="1318310"/>
+          </a:xfrm>
+          <a:prstGeom prst="rect">
+            <a:avLst/>
+          </a:prstGeom>
+        </p:spPr>
+      </p:pic>
     </p:spTree>
     <p:extLst>
       <p:ext uri="{BB962C8B-B14F-4D97-AF65-F5344CB8AC3E}">
-        <p14:creationId xmlns:p14="http://schemas.microsoft.com/office/powerpoint/2010/main" val="2370736750"/>
+        <p14:creationId xmlns:p14="http://schemas.microsoft.com/office/powerpoint/2010/main" val="2554673640"/>
       </p:ext>
     </p:extLst>
   </p:cSld>
@@ -9959,65 +9355,13 @@
       </p:sp>
       <p:sp>
         <p:nvSpPr>
-          <p:cNvPr id="5" name="矩形 4"/>
+          <p:cNvPr id="11" name="矩形 10"/>
           <p:cNvSpPr/>
           <p:nvPr/>
         </p:nvSpPr>
         <p:spPr>
           <a:xfrm>
-            <a:off x="250209" y="622785"/>
-            <a:ext cx="6096000" cy="369332"/>
-          </a:xfrm>
-          <a:prstGeom prst="rect">
-            <a:avLst/>
-          </a:prstGeom>
-        </p:spPr>
-        <p:txBody>
-          <a:bodyPr>
-            <a:spAutoFit/>
-          </a:bodyPr>
-          <a:lstStyle/>
-          <a:p>
-            <a:r>
-              <a:rPr lang="en-US" altLang="zh-CN" dirty="0">
-                <a:solidFill>
-                  <a:srgbClr val="34495E"/>
-                </a:solidFill>
-                <a:latin typeface="Source Sans Pro"/>
-              </a:rPr>
-              <a:t>7</a:t>
-            </a:r>
-            <a:r>
-              <a:rPr lang="zh-CN" altLang="en-US" dirty="0" smtClean="0">
-                <a:solidFill>
-                  <a:srgbClr val="34495E"/>
-                </a:solidFill>
-                <a:latin typeface="Source Sans Pro"/>
-              </a:rPr>
-              <a:t>、</a:t>
-            </a:r>
-            <a:r>
-              <a:rPr lang="en-US" altLang="zh-CN" dirty="0" smtClean="0">
-                <a:solidFill>
-                  <a:srgbClr val="34495E"/>
-                </a:solidFill>
-                <a:latin typeface="Source Sans Pro"/>
-              </a:rPr>
-              <a:t>v-cloak</a:t>
-            </a:r>
-            <a:endParaRPr lang="zh-CN" altLang="en-US" dirty="0"/>
-          </a:p>
-        </p:txBody>
-      </p:sp>
-      <p:sp>
-        <p:nvSpPr>
-          <p:cNvPr id="9" name="矩形 8"/>
-          <p:cNvSpPr/>
-          <p:nvPr/>
-        </p:nvSpPr>
-        <p:spPr>
-          <a:xfrm>
-            <a:off x="250209" y="992117"/>
+            <a:off x="250074" y="601103"/>
             <a:ext cx="11828060" cy="369332"/>
           </a:xfrm>
           <a:prstGeom prst="rect">
@@ -10031,49 +9375,137 @@
           <a:lstStyle/>
           <a:p>
             <a:r>
-              <a:rPr lang="zh-CN" altLang="en-US" dirty="0" smtClean="0">
-                <a:solidFill>
-                  <a:srgbClr val="34495E"/>
-                </a:solidFill>
-                <a:latin typeface="Source Sans Pro"/>
-              </a:rPr>
-              <a:t>这个指令保持在元素上直到关联实例结束编译。当和</a:t>
-            </a:r>
-            <a:r>
-              <a:rPr lang="en-US" altLang="zh-CN" dirty="0">
-                <a:solidFill>
-                  <a:srgbClr val="34495E"/>
-                </a:solidFill>
-                <a:latin typeface="Source Sans Pro"/>
-              </a:rPr>
-              <a:t>CSS</a:t>
-            </a:r>
-            <a:r>
-              <a:rPr lang="zh-CN" altLang="en-US" dirty="0" smtClean="0">
-                <a:solidFill>
-                  <a:srgbClr val="34495E"/>
-                </a:solidFill>
-                <a:latin typeface="Source Sans Pro"/>
-              </a:rPr>
-              <a:t>规则使用时，这个指令可以隐藏未编译的</a:t>
-            </a:r>
-            <a:r>
-              <a:rPr lang="en-US" altLang="zh-CN" dirty="0" smtClean="0">
-                <a:solidFill>
-                  <a:srgbClr val="34495E"/>
-                </a:solidFill>
-                <a:latin typeface="Source Sans Pro"/>
-              </a:rPr>
-              <a:t>Mustache</a:t>
-            </a:r>
-            <a:r>
-              <a:rPr lang="zh-CN" altLang="en-US" dirty="0" smtClean="0">
-                <a:solidFill>
-                  <a:srgbClr val="34495E"/>
-                </a:solidFill>
-                <a:latin typeface="Source Sans Pro"/>
-              </a:rPr>
-              <a:t>标签。</a:t>
+              <a:rPr lang="en-US" altLang="zh-CN" dirty="0" smtClean="0">
+                <a:solidFill>
+                  <a:srgbClr val="34495E"/>
+                </a:solidFill>
+                <a:latin typeface="Source Sans Pro"/>
+              </a:rPr>
+              <a:t>7.1 </a:t>
+            </a:r>
+            <a:r>
+              <a:rPr lang="zh-CN" altLang="en-US" dirty="0" smtClean="0">
+                <a:solidFill>
+                  <a:srgbClr val="34495E"/>
+                </a:solidFill>
+                <a:latin typeface="Source Sans Pro"/>
+              </a:rPr>
+              <a:t>事件修饰符</a:t>
+            </a:r>
+            <a:endParaRPr lang="zh-CN" altLang="en-US" dirty="0"/>
+          </a:p>
+        </p:txBody>
+      </p:sp>
+      <p:sp>
+        <p:nvSpPr>
+          <p:cNvPr id="16" name="矩形 15"/>
+          <p:cNvSpPr/>
+          <p:nvPr/>
+        </p:nvSpPr>
+        <p:spPr>
+          <a:xfrm>
+            <a:off x="250074" y="970435"/>
+            <a:ext cx="11828060" cy="646331"/>
+          </a:xfrm>
+          <a:prstGeom prst="rect">
+            <a:avLst/>
+          </a:prstGeom>
+        </p:spPr>
+        <p:txBody>
+          <a:bodyPr wrap="square">
+            <a:spAutoFit/>
+          </a:bodyPr>
+          <a:lstStyle/>
+          <a:p>
+            <a:r>
+              <a:rPr lang="en-US" altLang="zh-CN" dirty="0" smtClean="0">
+                <a:solidFill>
+                  <a:srgbClr val="34495E"/>
+                </a:solidFill>
+                <a:latin typeface="Source Sans Pro"/>
+              </a:rPr>
+              <a:t>.prevent</a:t>
+            </a:r>
+            <a:r>
+              <a:rPr lang="zh-CN" altLang="en-US" dirty="0" smtClean="0">
+                <a:solidFill>
+                  <a:srgbClr val="34495E"/>
+                </a:solidFill>
+                <a:latin typeface="Source Sans Pro"/>
+              </a:rPr>
+              <a:t>：取消事件的默认行为。如</a:t>
+            </a:r>
+            <a:r>
+              <a:rPr lang="en-US" altLang="zh-CN" dirty="0" smtClean="0">
+                <a:solidFill>
+                  <a:srgbClr val="34495E"/>
+                </a:solidFill>
+                <a:latin typeface="Source Sans Pro"/>
+              </a:rPr>
+              <a:t>a</a:t>
+            </a:r>
+            <a:r>
+              <a:rPr lang="zh-CN" altLang="en-US" dirty="0" smtClean="0">
+                <a:solidFill>
+                  <a:srgbClr val="34495E"/>
+                </a:solidFill>
+                <a:latin typeface="Source Sans Pro"/>
+              </a:rPr>
+              <a:t>标签的默认事件行为是当</a:t>
+            </a:r>
+            <a:r>
+              <a:rPr lang="en-US" altLang="zh-CN" dirty="0" smtClean="0">
+                <a:solidFill>
+                  <a:srgbClr val="34495E"/>
+                </a:solidFill>
+                <a:latin typeface="Source Sans Pro"/>
+              </a:rPr>
+              <a:t>click</a:t>
+            </a:r>
+            <a:r>
+              <a:rPr lang="zh-CN" altLang="en-US" dirty="0" smtClean="0">
+                <a:solidFill>
+                  <a:srgbClr val="34495E"/>
+                </a:solidFill>
+                <a:latin typeface="Source Sans Pro"/>
+              </a:rPr>
+              <a:t>时会跳转页面，再如</a:t>
+            </a:r>
+            <a:r>
+              <a:rPr lang="en-US" altLang="zh-CN" dirty="0" smtClean="0">
+                <a:solidFill>
+                  <a:srgbClr val="34495E"/>
+                </a:solidFill>
+                <a:latin typeface="Source Sans Pro"/>
+              </a:rPr>
+              <a:t>submit</a:t>
+            </a:r>
+            <a:r>
+              <a:rPr lang="zh-CN" altLang="en-US" dirty="0" smtClean="0">
+                <a:solidFill>
+                  <a:srgbClr val="34495E"/>
+                </a:solidFill>
+                <a:latin typeface="Source Sans Pro"/>
+              </a:rPr>
+              <a:t>按钮默认事件是</a:t>
+            </a:r>
+            <a:r>
+              <a:rPr lang="en-US" altLang="zh-CN" dirty="0" smtClean="0">
+                <a:solidFill>
+                  <a:srgbClr val="34495E"/>
+                </a:solidFill>
+                <a:latin typeface="Source Sans Pro"/>
+              </a:rPr>
+              <a:t>click</a:t>
+            </a:r>
+            <a:r>
+              <a:rPr lang="zh-CN" altLang="en-US" dirty="0" smtClean="0">
+                <a:solidFill>
+                  <a:srgbClr val="34495E"/>
+                </a:solidFill>
+                <a:latin typeface="Source Sans Pro"/>
+              </a:rPr>
+              <a:t>时提交表单。</a:t>
             </a:r>
             <a:endParaRPr lang="zh-CN" altLang="en-US" dirty="0"/>
           </a:p>
@@ -10081,7 +9513,7 @@
       </p:sp>
       <p:pic>
         <p:nvPicPr>
-          <p:cNvPr id="6" name="图片 5"/>
+          <p:cNvPr id="2" name="图片 1"/>
           <p:cNvPicPr>
             <a:picLocks noChangeAspect="1"/>
           </p:cNvPicPr>
@@ -10095,17 +9527,114 @@
         </p:blipFill>
         <p:spPr>
           <a:xfrm>
-            <a:off x="430083" y="1403230"/>
-            <a:ext cx="2913618" cy="1319981"/>
+            <a:off x="250074" y="1570495"/>
+            <a:ext cx="10209485" cy="299244"/>
           </a:xfrm>
           <a:prstGeom prst="rect">
             <a:avLst/>
           </a:prstGeom>
         </p:spPr>
       </p:pic>
+      <p:sp>
+        <p:nvSpPr>
+          <p:cNvPr id="20" name="矩形 19"/>
+          <p:cNvSpPr/>
+          <p:nvPr/>
+        </p:nvSpPr>
+        <p:spPr>
+          <a:xfrm>
+            <a:off x="250074" y="1896787"/>
+            <a:ext cx="11828060" cy="646331"/>
+          </a:xfrm>
+          <a:prstGeom prst="rect">
+            <a:avLst/>
+          </a:prstGeom>
+        </p:spPr>
+        <p:txBody>
+          <a:bodyPr wrap="square">
+            <a:spAutoFit/>
+          </a:bodyPr>
+          <a:lstStyle/>
+          <a:p>
+            <a:r>
+              <a:rPr lang="en-US" altLang="zh-CN" dirty="0" smtClean="0">
+                <a:solidFill>
+                  <a:srgbClr val="34495E"/>
+                </a:solidFill>
+                <a:latin typeface="Source Sans Pro"/>
+              </a:rPr>
+              <a:t>.once</a:t>
+            </a:r>
+            <a:r>
+              <a:rPr lang="zh-CN" altLang="en-US" dirty="0" smtClean="0">
+                <a:solidFill>
+                  <a:srgbClr val="34495E"/>
+                </a:solidFill>
+                <a:latin typeface="Source Sans Pro"/>
+              </a:rPr>
+              <a:t>：让事件只触发一次。如文本框的</a:t>
+            </a:r>
+            <a:r>
+              <a:rPr lang="en-US" altLang="zh-CN" dirty="0" smtClean="0">
+                <a:solidFill>
+                  <a:srgbClr val="34495E"/>
+                </a:solidFill>
+                <a:latin typeface="Source Sans Pro"/>
+              </a:rPr>
+              <a:t>focus</a:t>
+            </a:r>
+            <a:r>
+              <a:rPr lang="zh-CN" altLang="en-US" dirty="0" smtClean="0">
+                <a:solidFill>
+                  <a:srgbClr val="34495E"/>
+                </a:solidFill>
+                <a:latin typeface="Source Sans Pro"/>
+              </a:rPr>
+              <a:t>事件，当文本框获取焦点时就一直会循环执行</a:t>
+            </a:r>
+            <a:r>
+              <a:rPr lang="en-US" altLang="zh-CN" dirty="0" smtClean="0">
+                <a:solidFill>
+                  <a:srgbClr val="34495E"/>
+                </a:solidFill>
+                <a:latin typeface="Source Sans Pro"/>
+              </a:rPr>
+              <a:t>focus</a:t>
+            </a:r>
+            <a:r>
+              <a:rPr lang="zh-CN" altLang="en-US" dirty="0" smtClean="0">
+                <a:solidFill>
+                  <a:srgbClr val="34495E"/>
+                </a:solidFill>
+                <a:latin typeface="Source Sans Pro"/>
+              </a:rPr>
+              <a:t>事件，此时可以通过</a:t>
+            </a:r>
+            <a:r>
+              <a:rPr lang="en-US" altLang="zh-CN" dirty="0" smtClean="0">
+                <a:solidFill>
+                  <a:srgbClr val="34495E"/>
+                </a:solidFill>
+                <a:latin typeface="Source Sans Pro"/>
+              </a:rPr>
+              <a:t>once</a:t>
+            </a:r>
+            <a:r>
+              <a:rPr lang="zh-CN" altLang="en-US" dirty="0" smtClean="0">
+                <a:solidFill>
+                  <a:srgbClr val="34495E"/>
+                </a:solidFill>
+                <a:latin typeface="Source Sans Pro"/>
+              </a:rPr>
+              <a:t>只让事件执行一次</a:t>
+            </a:r>
+            <a:endParaRPr lang="zh-CN" altLang="en-US" dirty="0"/>
+          </a:p>
+        </p:txBody>
+      </p:sp>
       <p:pic>
         <p:nvPicPr>
-          <p:cNvPr id="7" name="图片 6"/>
+          <p:cNvPr id="3" name="图片 2"/>
           <p:cNvPicPr>
             <a:picLocks noChangeAspect="1"/>
           </p:cNvPicPr>
@@ -10119,8 +9648,8 @@
         </p:blipFill>
         <p:spPr>
           <a:xfrm>
-            <a:off x="430083" y="2778646"/>
-            <a:ext cx="11550189" cy="1042726"/>
+            <a:off x="250073" y="2589338"/>
+            <a:ext cx="11691718" cy="310253"/>
           </a:xfrm>
           <a:prstGeom prst="rect">
             <a:avLst/>
@@ -10129,66 +9658,14 @@
       </p:pic>
       <p:sp>
         <p:nvSpPr>
-          <p:cNvPr id="12" name="矩形 11"/>
+          <p:cNvPr id="22" name="矩形 21"/>
           <p:cNvSpPr/>
           <p:nvPr/>
         </p:nvSpPr>
         <p:spPr>
           <a:xfrm>
-            <a:off x="250209" y="3975797"/>
-            <a:ext cx="6096000" cy="369332"/>
-          </a:xfrm>
-          <a:prstGeom prst="rect">
-            <a:avLst/>
-          </a:prstGeom>
-        </p:spPr>
-        <p:txBody>
-          <a:bodyPr>
-            <a:spAutoFit/>
-          </a:bodyPr>
-          <a:lstStyle/>
-          <a:p>
-            <a:r>
-              <a:rPr lang="en-US" altLang="zh-CN" dirty="0" smtClean="0">
-                <a:solidFill>
-                  <a:srgbClr val="34495E"/>
-                </a:solidFill>
-                <a:latin typeface="Source Sans Pro"/>
-              </a:rPr>
-              <a:t>8</a:t>
-            </a:r>
-            <a:r>
-              <a:rPr lang="zh-CN" altLang="en-US" dirty="0" smtClean="0">
-                <a:solidFill>
-                  <a:srgbClr val="34495E"/>
-                </a:solidFill>
-                <a:latin typeface="Source Sans Pro"/>
-              </a:rPr>
-              <a:t>、</a:t>
-            </a:r>
-            <a:r>
-              <a:rPr lang="en-US" altLang="zh-CN" dirty="0" smtClean="0">
-                <a:solidFill>
-                  <a:srgbClr val="34495E"/>
-                </a:solidFill>
-                <a:latin typeface="Source Sans Pro"/>
-              </a:rPr>
-              <a:t>v-once</a:t>
-            </a:r>
-            <a:endParaRPr lang="zh-CN" altLang="en-US" dirty="0"/>
-          </a:p>
-        </p:txBody>
-      </p:sp>
-      <p:sp>
-        <p:nvSpPr>
-          <p:cNvPr id="8" name="矩形 7"/>
-          <p:cNvSpPr/>
-          <p:nvPr/>
-        </p:nvSpPr>
-        <p:spPr>
-          <a:xfrm>
-            <a:off x="250209" y="4345129"/>
-            <a:ext cx="11828060" cy="646331"/>
+            <a:off x="250073" y="2914893"/>
+            <a:ext cx="11828060" cy="369332"/>
           </a:xfrm>
           <a:prstGeom prst="rect">
             <a:avLst/>
@@ -10201,70 +9678,823 @@
           <a:lstStyle/>
           <a:p>
             <a:r>
-              <a:rPr lang="zh-CN" altLang="en-US" dirty="0" smtClean="0">
-                <a:solidFill>
-                  <a:srgbClr val="34495E"/>
-                </a:solidFill>
-                <a:latin typeface="Source Sans Pro"/>
-              </a:rPr>
-              <a:t>表明元素是一个静态节点，只对元素进行一次渲染，渲染之后不管值再怎么变化，使用了此指令的元素节点及其所有的子节点，都会当做静态内容跳过，不会进行值的更新。</a:t>
+              <a:rPr lang="en-US" altLang="zh-CN" dirty="0" smtClean="0">
+                <a:solidFill>
+                  <a:srgbClr val="34495E"/>
+                </a:solidFill>
+                <a:latin typeface="Source Sans Pro"/>
+              </a:rPr>
+              <a:t>7.2 </a:t>
+            </a:r>
+            <a:r>
+              <a:rPr lang="zh-CN" altLang="en-US" dirty="0" smtClean="0">
+                <a:solidFill>
+                  <a:srgbClr val="34495E"/>
+                </a:solidFill>
+                <a:latin typeface="Source Sans Pro"/>
+              </a:rPr>
+              <a:t>按键修饰符</a:t>
             </a:r>
             <a:endParaRPr lang="zh-CN" altLang="en-US" dirty="0"/>
           </a:p>
         </p:txBody>
       </p:sp>
-      <p:pic>
-        <p:nvPicPr>
-          <p:cNvPr id="2" name="图片 1"/>
-          <p:cNvPicPr>
-            <a:picLocks noChangeAspect="1"/>
-          </p:cNvPicPr>
-          <p:nvPr/>
-        </p:nvPicPr>
-        <p:blipFill>
-          <a:blip r:embed="rId4"/>
-          <a:stretch>
-            <a:fillRect/>
-          </a:stretch>
-        </p:blipFill>
-        <p:spPr>
-          <a:xfrm>
-            <a:off x="250208" y="5086995"/>
-            <a:ext cx="7534295" cy="1559467"/>
-          </a:xfrm>
-          <a:prstGeom prst="rect">
-            <a:avLst/>
-          </a:prstGeom>
-        </p:spPr>
-      </p:pic>
-      <p:pic>
-        <p:nvPicPr>
-          <p:cNvPr id="3" name="图片 2"/>
-          <p:cNvPicPr>
-            <a:picLocks noChangeAspect="1"/>
-          </p:cNvPicPr>
-          <p:nvPr/>
-        </p:nvPicPr>
-        <p:blipFill>
-          <a:blip r:embed="rId5"/>
-          <a:stretch>
-            <a:fillRect/>
-          </a:stretch>
-        </p:blipFill>
-        <p:spPr>
-          <a:xfrm>
-            <a:off x="8195020" y="5005107"/>
-            <a:ext cx="3132621" cy="1685486"/>
-          </a:xfrm>
-          <a:prstGeom prst="rect">
-            <a:avLst/>
-          </a:prstGeom>
-        </p:spPr>
-      </p:pic>
+      <p:sp>
+        <p:nvSpPr>
+          <p:cNvPr id="25" name="矩形 24"/>
+          <p:cNvSpPr/>
+          <p:nvPr/>
+        </p:nvSpPr>
+        <p:spPr>
+          <a:xfrm>
+            <a:off x="250073" y="3262717"/>
+            <a:ext cx="11828060" cy="923330"/>
+          </a:xfrm>
+          <a:prstGeom prst="rect">
+            <a:avLst/>
+          </a:prstGeom>
+        </p:spPr>
+        <p:txBody>
+          <a:bodyPr wrap="square">
+            <a:spAutoFit/>
+          </a:bodyPr>
+          <a:lstStyle/>
+          <a:p>
+            <a:pPr lvl="0" eaLnBrk="0" fontAlgn="base" hangingPunct="0">
+              <a:spcBef>
+                <a:spcPct val="0"/>
+              </a:spcBef>
+              <a:spcAft>
+                <a:spcPct val="0"/>
+              </a:spcAft>
+            </a:pPr>
+            <a:r>
+              <a:rPr lang="zh-CN" altLang="en-US" dirty="0" smtClean="0">
+                <a:solidFill>
+                  <a:srgbClr val="2973B7"/>
+                </a:solidFill>
+                <a:latin typeface="Arial Unicode MS" panose="020B0604020202020204" pitchFamily="34" charset="-122"/>
+                <a:ea typeface="Roboto Mono"/>
+              </a:rPr>
+              <a:t>只在</a:t>
+            </a:r>
+            <a:r>
+              <a:rPr lang="en-US" altLang="zh-CN" dirty="0" err="1" smtClean="0">
+                <a:solidFill>
+                  <a:srgbClr val="2973B7"/>
+                </a:solidFill>
+                <a:latin typeface="Arial Unicode MS" panose="020B0604020202020204" pitchFamily="34" charset="-122"/>
+                <a:ea typeface="Roboto Mono"/>
+              </a:rPr>
+              <a:t>keyCode</a:t>
+            </a:r>
+            <a:r>
+              <a:rPr lang="en-US" altLang="zh-CN" dirty="0" smtClean="0">
+                <a:solidFill>
+                  <a:srgbClr val="2973B7"/>
+                </a:solidFill>
+                <a:latin typeface="Arial Unicode MS" panose="020B0604020202020204" pitchFamily="34" charset="-122"/>
+                <a:ea typeface="Roboto Mono"/>
+              </a:rPr>
+              <a:t>=13</a:t>
+            </a:r>
+            <a:r>
+              <a:rPr lang="zh-CN" altLang="en-US" dirty="0" smtClean="0">
+                <a:solidFill>
+                  <a:srgbClr val="2973B7"/>
+                </a:solidFill>
+                <a:latin typeface="Arial Unicode MS" panose="020B0604020202020204" pitchFamily="34" charset="-122"/>
+                <a:ea typeface="Roboto Mono"/>
+              </a:rPr>
+              <a:t>时执行</a:t>
+            </a:r>
+            <a:r>
+              <a:rPr lang="en-US" altLang="zh-CN" dirty="0" err="1" smtClean="0">
+                <a:solidFill>
+                  <a:srgbClr val="2973B7"/>
+                </a:solidFill>
+                <a:latin typeface="Arial Unicode MS" panose="020B0604020202020204" pitchFamily="34" charset="-122"/>
+                <a:ea typeface="Roboto Mono"/>
+              </a:rPr>
+              <a:t>vm.submit</a:t>
+            </a:r>
+            <a:r>
+              <a:rPr lang="zh-CN" altLang="en-US" dirty="0" smtClean="0">
+                <a:solidFill>
+                  <a:srgbClr val="2973B7"/>
+                </a:solidFill>
+                <a:latin typeface="Arial Unicode MS" panose="020B0604020202020204" pitchFamily="34" charset="-122"/>
+                <a:ea typeface="Roboto Mono"/>
+              </a:rPr>
+              <a:t>事件</a:t>
+            </a:r>
+            <a:endParaRPr lang="en-US" altLang="zh-CN" dirty="0" smtClean="0">
+              <a:solidFill>
+                <a:srgbClr val="2973B7"/>
+              </a:solidFill>
+              <a:latin typeface="Arial Unicode MS" panose="020B0604020202020204" pitchFamily="34" charset="-122"/>
+              <a:ea typeface="Roboto Mono"/>
+            </a:endParaRPr>
+          </a:p>
+          <a:p>
+            <a:pPr lvl="0" eaLnBrk="0" fontAlgn="base" hangingPunct="0">
+              <a:spcBef>
+                <a:spcPct val="0"/>
+              </a:spcBef>
+              <a:spcAft>
+                <a:spcPct val="0"/>
+              </a:spcAft>
+            </a:pPr>
+            <a:r>
+              <a:rPr lang="zh-CN" altLang="zh-CN" dirty="0" smtClean="0">
+                <a:solidFill>
+                  <a:srgbClr val="2973B7"/>
+                </a:solidFill>
+                <a:latin typeface="Arial Unicode MS" panose="020B0604020202020204" pitchFamily="34" charset="-122"/>
+                <a:ea typeface="Roboto Mono"/>
+              </a:rPr>
+              <a:t>&lt;</a:t>
+            </a:r>
+            <a:r>
+              <a:rPr lang="zh-CN" altLang="zh-CN" dirty="0">
+                <a:solidFill>
+                  <a:srgbClr val="2973B7"/>
+                </a:solidFill>
+                <a:latin typeface="Arial Unicode MS" panose="020B0604020202020204" pitchFamily="34" charset="-122"/>
+                <a:ea typeface="Roboto Mono"/>
+              </a:rPr>
+              <a:t>input v-on:keyup.13=</a:t>
+            </a:r>
+            <a:r>
+              <a:rPr lang="zh-CN" altLang="zh-CN" dirty="0">
+                <a:solidFill>
+                  <a:srgbClr val="42B983"/>
+                </a:solidFill>
+                <a:latin typeface="Arial Unicode MS" panose="020B0604020202020204" pitchFamily="34" charset="-122"/>
+                <a:ea typeface="Roboto Mono"/>
+              </a:rPr>
+              <a:t>"submit"</a:t>
+            </a:r>
+            <a:r>
+              <a:rPr lang="zh-CN" altLang="zh-CN" dirty="0">
+                <a:solidFill>
+                  <a:srgbClr val="2973B7"/>
+                </a:solidFill>
+                <a:latin typeface="Arial Unicode MS" panose="020B0604020202020204" pitchFamily="34" charset="-122"/>
+                <a:ea typeface="Roboto Mono"/>
+              </a:rPr>
+              <a:t>&gt;</a:t>
+            </a:r>
+            <a:r>
+              <a:rPr lang="zh-CN" altLang="zh-CN" dirty="0"/>
+              <a:t> </a:t>
+            </a:r>
+            <a:endParaRPr lang="en-US" altLang="zh-CN" dirty="0" smtClean="0"/>
+          </a:p>
+          <a:p>
+            <a:pPr eaLnBrk="0" fontAlgn="base" hangingPunct="0">
+              <a:spcBef>
+                <a:spcPct val="0"/>
+              </a:spcBef>
+              <a:spcAft>
+                <a:spcPct val="0"/>
+              </a:spcAft>
+            </a:pPr>
+            <a:r>
+              <a:rPr lang="zh-CN" altLang="zh-CN" dirty="0">
+                <a:solidFill>
+                  <a:srgbClr val="2973B7"/>
+                </a:solidFill>
+                <a:latin typeface="Arial Unicode MS" panose="020B0604020202020204" pitchFamily="34" charset="-122"/>
+                <a:ea typeface="Roboto Mono"/>
+              </a:rPr>
+              <a:t>&lt;input v-on:keyup</a:t>
+            </a:r>
+            <a:r>
+              <a:rPr lang="zh-CN" altLang="zh-CN" dirty="0" smtClean="0">
+                <a:solidFill>
+                  <a:srgbClr val="2973B7"/>
+                </a:solidFill>
+                <a:latin typeface="Arial Unicode MS" panose="020B0604020202020204" pitchFamily="34" charset="-122"/>
+                <a:ea typeface="Roboto Mono"/>
+              </a:rPr>
+              <a:t>.</a:t>
+            </a:r>
+            <a:r>
+              <a:rPr lang="en-US" altLang="zh-CN" dirty="0" smtClean="0">
+                <a:solidFill>
+                  <a:srgbClr val="2973B7"/>
+                </a:solidFill>
+                <a:latin typeface="Arial Unicode MS" panose="020B0604020202020204" pitchFamily="34" charset="-122"/>
+                <a:ea typeface="Roboto Mono"/>
+              </a:rPr>
+              <a:t>enter</a:t>
+            </a:r>
+            <a:r>
+              <a:rPr lang="zh-CN" altLang="zh-CN" dirty="0" smtClean="0">
+                <a:solidFill>
+                  <a:srgbClr val="2973B7"/>
+                </a:solidFill>
+                <a:latin typeface="Arial Unicode MS" panose="020B0604020202020204" pitchFamily="34" charset="-122"/>
+                <a:ea typeface="Roboto Mono"/>
+              </a:rPr>
+              <a:t>=</a:t>
+            </a:r>
+            <a:r>
+              <a:rPr lang="zh-CN" altLang="zh-CN" dirty="0" smtClean="0">
+                <a:solidFill>
+                  <a:srgbClr val="42B983"/>
+                </a:solidFill>
+                <a:latin typeface="Arial Unicode MS" panose="020B0604020202020204" pitchFamily="34" charset="-122"/>
+                <a:ea typeface="Roboto Mono"/>
+              </a:rPr>
+              <a:t>"</a:t>
+            </a:r>
+            <a:r>
+              <a:rPr lang="zh-CN" altLang="zh-CN" dirty="0">
+                <a:solidFill>
+                  <a:srgbClr val="42B983"/>
+                </a:solidFill>
+                <a:latin typeface="Arial Unicode MS" panose="020B0604020202020204" pitchFamily="34" charset="-122"/>
+                <a:ea typeface="Roboto Mono"/>
+              </a:rPr>
+              <a:t>submit"</a:t>
+            </a:r>
+            <a:r>
+              <a:rPr lang="zh-CN" altLang="zh-CN" dirty="0">
+                <a:solidFill>
+                  <a:srgbClr val="2973B7"/>
+                </a:solidFill>
+                <a:latin typeface="Arial Unicode MS" panose="020B0604020202020204" pitchFamily="34" charset="-122"/>
+                <a:ea typeface="Roboto Mono"/>
+              </a:rPr>
+              <a:t>&gt;</a:t>
+            </a:r>
+            <a:r>
+              <a:rPr lang="zh-CN" altLang="zh-CN" dirty="0"/>
+              <a:t> </a:t>
+            </a:r>
+            <a:endParaRPr lang="en-US" altLang="zh-CN" dirty="0"/>
+          </a:p>
+        </p:txBody>
+      </p:sp>
+      <p:sp>
+        <p:nvSpPr>
+          <p:cNvPr id="26" name="矩形 25"/>
+          <p:cNvSpPr/>
+          <p:nvPr/>
+        </p:nvSpPr>
+        <p:spPr>
+          <a:xfrm>
+            <a:off x="250073" y="4202906"/>
+            <a:ext cx="11828060" cy="369332"/>
+          </a:xfrm>
+          <a:prstGeom prst="rect">
+            <a:avLst/>
+          </a:prstGeom>
+        </p:spPr>
+        <p:txBody>
+          <a:bodyPr wrap="square">
+            <a:spAutoFit/>
+          </a:bodyPr>
+          <a:lstStyle/>
+          <a:p>
+            <a:pPr lvl="0" eaLnBrk="0" fontAlgn="base" hangingPunct="0">
+              <a:spcBef>
+                <a:spcPct val="0"/>
+              </a:spcBef>
+              <a:spcAft>
+                <a:spcPct val="0"/>
+              </a:spcAft>
+            </a:pPr>
+            <a:r>
+              <a:rPr lang="zh-CN" altLang="en-US" dirty="0" smtClean="0">
+                <a:solidFill>
+                  <a:srgbClr val="2973B7"/>
+                </a:solidFill>
+                <a:latin typeface="Arial Unicode MS" panose="020B0604020202020204" pitchFamily="34" charset="-122"/>
+                <a:ea typeface="Roboto Mono"/>
+              </a:rPr>
+              <a:t>按键修饰符有：</a:t>
+            </a:r>
+            <a:r>
+              <a:rPr lang="en-US" altLang="zh-CN" dirty="0" smtClean="0">
+                <a:solidFill>
+                  <a:srgbClr val="2973B7"/>
+                </a:solidFill>
+                <a:latin typeface="Arial Unicode MS" panose="020B0604020202020204" pitchFamily="34" charset="-122"/>
+                <a:ea typeface="Roboto Mono"/>
+              </a:rPr>
+              <a:t>.enter  </a:t>
+            </a:r>
+            <a:r>
+              <a:rPr lang="en-US" altLang="zh-CN" dirty="0" smtClean="0">
+                <a:solidFill>
+                  <a:srgbClr val="FF0000"/>
+                </a:solidFill>
+                <a:latin typeface="Arial Unicode MS" panose="020B0604020202020204" pitchFamily="34" charset="-122"/>
+                <a:ea typeface="Roboto Mono"/>
+              </a:rPr>
+              <a:t>|</a:t>
+            </a:r>
+            <a:r>
+              <a:rPr lang="en-US" altLang="zh-CN" dirty="0" smtClean="0">
+                <a:solidFill>
+                  <a:srgbClr val="2973B7"/>
+                </a:solidFill>
+                <a:latin typeface="Arial Unicode MS" panose="020B0604020202020204" pitchFamily="34" charset="-122"/>
+                <a:ea typeface="Roboto Mono"/>
+              </a:rPr>
+              <a:t>  .tab  </a:t>
+            </a:r>
+            <a:r>
+              <a:rPr lang="en-US" altLang="zh-CN" dirty="0" smtClean="0">
+                <a:solidFill>
+                  <a:srgbClr val="FF0000"/>
+                </a:solidFill>
+                <a:latin typeface="Arial Unicode MS" panose="020B0604020202020204" pitchFamily="34" charset="-122"/>
+                <a:ea typeface="Roboto Mono"/>
+              </a:rPr>
+              <a:t>|</a:t>
+            </a:r>
+            <a:r>
+              <a:rPr lang="en-US" altLang="zh-CN" dirty="0" smtClean="0">
+                <a:solidFill>
+                  <a:srgbClr val="2973B7"/>
+                </a:solidFill>
+                <a:latin typeface="Arial Unicode MS" panose="020B0604020202020204" pitchFamily="34" charset="-122"/>
+                <a:ea typeface="Roboto Mono"/>
+              </a:rPr>
+              <a:t>  .delete  </a:t>
+            </a:r>
+            <a:r>
+              <a:rPr lang="en-US" altLang="zh-CN" dirty="0" smtClean="0">
+                <a:solidFill>
+                  <a:srgbClr val="FF0000"/>
+                </a:solidFill>
+                <a:latin typeface="Arial Unicode MS" panose="020B0604020202020204" pitchFamily="34" charset="-122"/>
+                <a:ea typeface="Roboto Mono"/>
+              </a:rPr>
+              <a:t>|</a:t>
+            </a:r>
+            <a:r>
+              <a:rPr lang="en-US" altLang="zh-CN" dirty="0" smtClean="0">
+                <a:solidFill>
+                  <a:srgbClr val="2973B7"/>
+                </a:solidFill>
+                <a:latin typeface="Arial Unicode MS" panose="020B0604020202020204" pitchFamily="34" charset="-122"/>
+                <a:ea typeface="Roboto Mono"/>
+              </a:rPr>
+              <a:t>  .esc  </a:t>
+            </a:r>
+            <a:r>
+              <a:rPr lang="en-US" altLang="zh-CN" dirty="0" smtClean="0">
+                <a:solidFill>
+                  <a:srgbClr val="FF0000"/>
+                </a:solidFill>
+                <a:latin typeface="Arial Unicode MS" panose="020B0604020202020204" pitchFamily="34" charset="-122"/>
+                <a:ea typeface="Roboto Mono"/>
+              </a:rPr>
+              <a:t>|</a:t>
+            </a:r>
+            <a:r>
+              <a:rPr lang="en-US" altLang="zh-CN" dirty="0" smtClean="0">
+                <a:solidFill>
+                  <a:srgbClr val="2973B7"/>
+                </a:solidFill>
+                <a:latin typeface="Arial Unicode MS" panose="020B0604020202020204" pitchFamily="34" charset="-122"/>
+                <a:ea typeface="Roboto Mono"/>
+              </a:rPr>
+              <a:t>  .space  </a:t>
+            </a:r>
+            <a:r>
+              <a:rPr lang="en-US" altLang="zh-CN" dirty="0" smtClean="0">
+                <a:solidFill>
+                  <a:srgbClr val="FF0000"/>
+                </a:solidFill>
+                <a:latin typeface="Arial Unicode MS" panose="020B0604020202020204" pitchFamily="34" charset="-122"/>
+                <a:ea typeface="Roboto Mono"/>
+              </a:rPr>
+              <a:t>|</a:t>
+            </a:r>
+            <a:r>
+              <a:rPr lang="en-US" altLang="zh-CN" dirty="0" smtClean="0">
+                <a:solidFill>
+                  <a:srgbClr val="2973B7"/>
+                </a:solidFill>
+                <a:latin typeface="Arial Unicode MS" panose="020B0604020202020204" pitchFamily="34" charset="-122"/>
+                <a:ea typeface="Roboto Mono"/>
+              </a:rPr>
+              <a:t>  .up  </a:t>
+            </a:r>
+            <a:r>
+              <a:rPr lang="en-US" altLang="zh-CN" dirty="0" smtClean="0">
+                <a:solidFill>
+                  <a:srgbClr val="FF0000"/>
+                </a:solidFill>
+                <a:latin typeface="Arial Unicode MS" panose="020B0604020202020204" pitchFamily="34" charset="-122"/>
+                <a:ea typeface="Roboto Mono"/>
+              </a:rPr>
+              <a:t>|</a:t>
+            </a:r>
+            <a:r>
+              <a:rPr lang="en-US" altLang="zh-CN" dirty="0" smtClean="0">
+                <a:solidFill>
+                  <a:srgbClr val="2973B7"/>
+                </a:solidFill>
+                <a:latin typeface="Arial Unicode MS" panose="020B0604020202020204" pitchFamily="34" charset="-122"/>
+                <a:ea typeface="Roboto Mono"/>
+              </a:rPr>
+              <a:t>  .down  </a:t>
+            </a:r>
+            <a:r>
+              <a:rPr lang="en-US" altLang="zh-CN" dirty="0" smtClean="0">
+                <a:solidFill>
+                  <a:srgbClr val="FF0000"/>
+                </a:solidFill>
+                <a:latin typeface="Arial Unicode MS" panose="020B0604020202020204" pitchFamily="34" charset="-122"/>
+                <a:ea typeface="Roboto Mono"/>
+              </a:rPr>
+              <a:t>|</a:t>
+            </a:r>
+            <a:r>
+              <a:rPr lang="en-US" altLang="zh-CN" dirty="0" smtClean="0">
+                <a:solidFill>
+                  <a:srgbClr val="2973B7"/>
+                </a:solidFill>
+                <a:latin typeface="Arial Unicode MS" panose="020B0604020202020204" pitchFamily="34" charset="-122"/>
+                <a:ea typeface="Roboto Mono"/>
+              </a:rPr>
+              <a:t>  .left  </a:t>
+            </a:r>
+            <a:r>
+              <a:rPr lang="en-US" altLang="zh-CN" dirty="0" smtClean="0">
+                <a:solidFill>
+                  <a:srgbClr val="FF0000"/>
+                </a:solidFill>
+                <a:latin typeface="Arial Unicode MS" panose="020B0604020202020204" pitchFamily="34" charset="-122"/>
+                <a:ea typeface="Roboto Mono"/>
+              </a:rPr>
+              <a:t>|</a:t>
+            </a:r>
+            <a:r>
+              <a:rPr lang="en-US" altLang="zh-CN" dirty="0" smtClean="0">
+                <a:solidFill>
+                  <a:srgbClr val="2973B7"/>
+                </a:solidFill>
+                <a:latin typeface="Arial Unicode MS" panose="020B0604020202020204" pitchFamily="34" charset="-122"/>
+                <a:ea typeface="Roboto Mono"/>
+              </a:rPr>
+              <a:t>  .right</a:t>
+            </a:r>
+            <a:endParaRPr lang="en-US" altLang="zh-CN" dirty="0"/>
+          </a:p>
+        </p:txBody>
+      </p:sp>
+      <p:sp>
+        <p:nvSpPr>
+          <p:cNvPr id="27" name="矩形 26"/>
+          <p:cNvSpPr/>
+          <p:nvPr/>
+        </p:nvSpPr>
+        <p:spPr>
+          <a:xfrm>
+            <a:off x="250073" y="4681478"/>
+            <a:ext cx="11828060" cy="369332"/>
+          </a:xfrm>
+          <a:prstGeom prst="rect">
+            <a:avLst/>
+          </a:prstGeom>
+        </p:spPr>
+        <p:txBody>
+          <a:bodyPr wrap="square">
+            <a:spAutoFit/>
+          </a:bodyPr>
+          <a:lstStyle/>
+          <a:p>
+            <a:r>
+              <a:rPr lang="en-US" altLang="zh-CN" dirty="0" smtClean="0">
+                <a:solidFill>
+                  <a:srgbClr val="34495E"/>
+                </a:solidFill>
+                <a:latin typeface="Source Sans Pro"/>
+              </a:rPr>
+              <a:t>7.3 </a:t>
+            </a:r>
+            <a:r>
+              <a:rPr lang="zh-CN" altLang="en-US" dirty="0" smtClean="0">
+                <a:solidFill>
+                  <a:srgbClr val="34495E"/>
+                </a:solidFill>
+                <a:latin typeface="Source Sans Pro"/>
+              </a:rPr>
+              <a:t>鼠标按钮修饰符：用于</a:t>
+            </a:r>
+            <a:r>
+              <a:rPr lang="zh-CN" altLang="en-US" dirty="0" smtClean="0"/>
+              <a:t>限制</a:t>
+            </a:r>
+            <a:r>
+              <a:rPr lang="zh-CN" altLang="en-US" dirty="0"/>
+              <a:t>处理函数仅响应特定的鼠标按钮</a:t>
+            </a:r>
+          </a:p>
+        </p:txBody>
+      </p:sp>
+      <p:sp>
+        <p:nvSpPr>
+          <p:cNvPr id="28" name="矩形 27"/>
+          <p:cNvSpPr/>
+          <p:nvPr/>
+        </p:nvSpPr>
+        <p:spPr>
+          <a:xfrm>
+            <a:off x="250073" y="5160050"/>
+            <a:ext cx="11828060" cy="369332"/>
+          </a:xfrm>
+          <a:prstGeom prst="rect">
+            <a:avLst/>
+          </a:prstGeom>
+        </p:spPr>
+        <p:txBody>
+          <a:bodyPr wrap="square">
+            <a:spAutoFit/>
+          </a:bodyPr>
+          <a:lstStyle/>
+          <a:p>
+            <a:pPr lvl="0" eaLnBrk="0" fontAlgn="base" hangingPunct="0">
+              <a:spcBef>
+                <a:spcPct val="0"/>
+              </a:spcBef>
+              <a:spcAft>
+                <a:spcPct val="0"/>
+              </a:spcAft>
+            </a:pPr>
+            <a:r>
+              <a:rPr lang="zh-CN" altLang="en-US" dirty="0" smtClean="0">
+                <a:solidFill>
+                  <a:srgbClr val="2973B7"/>
+                </a:solidFill>
+                <a:latin typeface="Arial Unicode MS" panose="020B0604020202020204" pitchFamily="34" charset="-122"/>
+                <a:ea typeface="Roboto Mono"/>
+              </a:rPr>
+              <a:t>鼠标按钮修饰符有：</a:t>
+            </a:r>
+            <a:r>
+              <a:rPr lang="en-US" altLang="zh-CN" dirty="0" smtClean="0">
+                <a:solidFill>
+                  <a:srgbClr val="2973B7"/>
+                </a:solidFill>
+                <a:latin typeface="Arial Unicode MS" panose="020B0604020202020204" pitchFamily="34" charset="-122"/>
+                <a:ea typeface="Roboto Mono"/>
+              </a:rPr>
+              <a:t>.middle  </a:t>
+            </a:r>
+            <a:r>
+              <a:rPr lang="en-US" altLang="zh-CN" dirty="0" smtClean="0">
+                <a:solidFill>
+                  <a:srgbClr val="FF0000"/>
+                </a:solidFill>
+                <a:latin typeface="Arial Unicode MS" panose="020B0604020202020204" pitchFamily="34" charset="-122"/>
+                <a:ea typeface="Roboto Mono"/>
+              </a:rPr>
+              <a:t>|</a:t>
+            </a:r>
+            <a:r>
+              <a:rPr lang="en-US" altLang="zh-CN" dirty="0" smtClean="0">
+                <a:solidFill>
+                  <a:srgbClr val="2973B7"/>
+                </a:solidFill>
+                <a:latin typeface="Arial Unicode MS" panose="020B0604020202020204" pitchFamily="34" charset="-122"/>
+                <a:ea typeface="Roboto Mono"/>
+              </a:rPr>
+              <a:t>  .left  </a:t>
+            </a:r>
+            <a:r>
+              <a:rPr lang="en-US" altLang="zh-CN" dirty="0" smtClean="0">
+                <a:solidFill>
+                  <a:srgbClr val="FF0000"/>
+                </a:solidFill>
+                <a:latin typeface="Arial Unicode MS" panose="020B0604020202020204" pitchFamily="34" charset="-122"/>
+                <a:ea typeface="Roboto Mono"/>
+              </a:rPr>
+              <a:t>|</a:t>
+            </a:r>
+            <a:r>
+              <a:rPr lang="en-US" altLang="zh-CN" dirty="0" smtClean="0">
+                <a:solidFill>
+                  <a:srgbClr val="2973B7"/>
+                </a:solidFill>
+                <a:latin typeface="Arial Unicode MS" panose="020B0604020202020204" pitchFamily="34" charset="-122"/>
+                <a:ea typeface="Roboto Mono"/>
+              </a:rPr>
+              <a:t>  .right</a:t>
+            </a:r>
+            <a:endParaRPr lang="en-US" altLang="zh-CN" dirty="0"/>
+          </a:p>
+        </p:txBody>
+      </p:sp>
+      <p:sp>
+        <p:nvSpPr>
+          <p:cNvPr id="29" name="矩形 28"/>
+          <p:cNvSpPr/>
+          <p:nvPr/>
+        </p:nvSpPr>
+        <p:spPr>
+          <a:xfrm>
+            <a:off x="250073" y="5638622"/>
+            <a:ext cx="11828060" cy="369332"/>
+          </a:xfrm>
+          <a:prstGeom prst="rect">
+            <a:avLst/>
+          </a:prstGeom>
+        </p:spPr>
+        <p:txBody>
+          <a:bodyPr wrap="square">
+            <a:spAutoFit/>
+          </a:bodyPr>
+          <a:lstStyle/>
+          <a:p>
+            <a:r>
+              <a:rPr lang="en-US" altLang="zh-CN" dirty="0" smtClean="0">
+                <a:solidFill>
+                  <a:srgbClr val="34495E"/>
+                </a:solidFill>
+                <a:latin typeface="Source Sans Pro"/>
+              </a:rPr>
+              <a:t>7.4 </a:t>
+            </a:r>
+            <a:r>
+              <a:rPr lang="zh-CN" altLang="en-US" dirty="0" smtClean="0">
+                <a:solidFill>
+                  <a:srgbClr val="34495E"/>
+                </a:solidFill>
+                <a:latin typeface="Source Sans Pro"/>
+              </a:rPr>
+              <a:t>系统修饰符：用</a:t>
+            </a:r>
+            <a:r>
+              <a:rPr lang="zh-CN" altLang="en-US" dirty="0"/>
+              <a:t>于</a:t>
+            </a:r>
+            <a:r>
+              <a:rPr lang="zh-CN" altLang="en-US" dirty="0" smtClean="0"/>
+              <a:t>实现</a:t>
+            </a:r>
+            <a:r>
+              <a:rPr lang="zh-CN" altLang="en-US" dirty="0"/>
+              <a:t>仅在按下相应按键时才触发鼠标或键盘事件的监听器</a:t>
+            </a:r>
+          </a:p>
+        </p:txBody>
+      </p:sp>
+      <p:sp>
+        <p:nvSpPr>
+          <p:cNvPr id="30" name="矩形 29"/>
+          <p:cNvSpPr/>
+          <p:nvPr/>
+        </p:nvSpPr>
+        <p:spPr>
+          <a:xfrm>
+            <a:off x="250073" y="6117194"/>
+            <a:ext cx="11828060" cy="369332"/>
+          </a:xfrm>
+          <a:prstGeom prst="rect">
+            <a:avLst/>
+          </a:prstGeom>
+        </p:spPr>
+        <p:txBody>
+          <a:bodyPr wrap="square">
+            <a:spAutoFit/>
+          </a:bodyPr>
+          <a:lstStyle/>
+          <a:p>
+            <a:pPr lvl="0" eaLnBrk="0" fontAlgn="base" hangingPunct="0">
+              <a:spcBef>
+                <a:spcPct val="0"/>
+              </a:spcBef>
+              <a:spcAft>
+                <a:spcPct val="0"/>
+              </a:spcAft>
+            </a:pPr>
+            <a:r>
+              <a:rPr lang="zh-CN" altLang="en-US" dirty="0" smtClean="0">
+                <a:solidFill>
+                  <a:srgbClr val="2973B7"/>
+                </a:solidFill>
+                <a:latin typeface="Arial Unicode MS" panose="020B0604020202020204" pitchFamily="34" charset="-122"/>
+                <a:ea typeface="Roboto Mono"/>
+              </a:rPr>
+              <a:t>系统修饰符有：</a:t>
+            </a:r>
+            <a:r>
+              <a:rPr lang="en-US" altLang="zh-CN" dirty="0" smtClean="0">
+                <a:solidFill>
+                  <a:srgbClr val="2973B7"/>
+                </a:solidFill>
+                <a:latin typeface="Arial Unicode MS" panose="020B0604020202020204" pitchFamily="34" charset="-122"/>
+                <a:ea typeface="Roboto Mono"/>
+              </a:rPr>
+              <a:t>.ctrl  </a:t>
+            </a:r>
+            <a:r>
+              <a:rPr lang="en-US" altLang="zh-CN" dirty="0" smtClean="0">
+                <a:solidFill>
+                  <a:srgbClr val="FF0000"/>
+                </a:solidFill>
+                <a:latin typeface="Arial Unicode MS" panose="020B0604020202020204" pitchFamily="34" charset="-122"/>
+                <a:ea typeface="Roboto Mono"/>
+              </a:rPr>
+              <a:t>|</a:t>
+            </a:r>
+            <a:r>
+              <a:rPr lang="en-US" altLang="zh-CN" dirty="0" smtClean="0">
+                <a:solidFill>
+                  <a:srgbClr val="2973B7"/>
+                </a:solidFill>
+                <a:latin typeface="Arial Unicode MS" panose="020B0604020202020204" pitchFamily="34" charset="-122"/>
+                <a:ea typeface="Roboto Mono"/>
+              </a:rPr>
+              <a:t>  .alt  </a:t>
+            </a:r>
+            <a:r>
+              <a:rPr lang="en-US" altLang="zh-CN" dirty="0" smtClean="0">
+                <a:solidFill>
+                  <a:srgbClr val="FF0000"/>
+                </a:solidFill>
+                <a:latin typeface="Arial Unicode MS" panose="020B0604020202020204" pitchFamily="34" charset="-122"/>
+                <a:ea typeface="Roboto Mono"/>
+              </a:rPr>
+              <a:t>|</a:t>
+            </a:r>
+            <a:r>
+              <a:rPr lang="en-US" altLang="zh-CN" dirty="0" smtClean="0">
+                <a:solidFill>
+                  <a:srgbClr val="2973B7"/>
+                </a:solidFill>
+                <a:latin typeface="Arial Unicode MS" panose="020B0604020202020204" pitchFamily="34" charset="-122"/>
+                <a:ea typeface="Roboto Mono"/>
+              </a:rPr>
+              <a:t>  .shift  </a:t>
+            </a:r>
+            <a:r>
+              <a:rPr lang="en-US" altLang="zh-CN" dirty="0" smtClean="0">
+                <a:solidFill>
+                  <a:srgbClr val="FF0000"/>
+                </a:solidFill>
+                <a:latin typeface="Arial Unicode MS" panose="020B0604020202020204" pitchFamily="34" charset="-122"/>
+                <a:ea typeface="Roboto Mono"/>
+              </a:rPr>
+              <a:t>|</a:t>
+            </a:r>
+            <a:r>
+              <a:rPr lang="en-US" altLang="zh-CN" dirty="0" smtClean="0">
+                <a:solidFill>
+                  <a:srgbClr val="2973B7"/>
+                </a:solidFill>
+                <a:latin typeface="Arial Unicode MS" panose="020B0604020202020204" pitchFamily="34" charset="-122"/>
+                <a:ea typeface="Roboto Mono"/>
+              </a:rPr>
+              <a:t>  .meta</a:t>
+            </a:r>
+            <a:r>
+              <a:rPr lang="zh-CN" altLang="en-US" dirty="0" smtClean="0">
+                <a:solidFill>
+                  <a:srgbClr val="2973B7"/>
+                </a:solidFill>
+                <a:latin typeface="Arial Unicode MS" panose="020B0604020202020204" pitchFamily="34" charset="-122"/>
+                <a:ea typeface="Roboto Mono"/>
+              </a:rPr>
+              <a:t>（对应键盘上的</a:t>
+            </a:r>
+            <a:r>
+              <a:rPr lang="en-US" altLang="zh-CN" dirty="0" smtClean="0">
+                <a:solidFill>
+                  <a:srgbClr val="2973B7"/>
+                </a:solidFill>
+                <a:latin typeface="Arial Unicode MS" panose="020B0604020202020204" pitchFamily="34" charset="-122"/>
+                <a:ea typeface="Roboto Mono"/>
+              </a:rPr>
+              <a:t>win</a:t>
+            </a:r>
+            <a:r>
+              <a:rPr lang="zh-CN" altLang="en-US" dirty="0" smtClean="0">
+                <a:solidFill>
+                  <a:srgbClr val="2973B7"/>
+                </a:solidFill>
+                <a:latin typeface="Arial Unicode MS" panose="020B0604020202020204" pitchFamily="34" charset="-122"/>
+                <a:ea typeface="Roboto Mono"/>
+              </a:rPr>
+              <a:t>键）</a:t>
+            </a:r>
+            <a:endParaRPr lang="en-US" altLang="zh-CN" dirty="0"/>
+          </a:p>
+        </p:txBody>
+      </p:sp>
     </p:spTree>
     <p:extLst>
       <p:ext uri="{BB962C8B-B14F-4D97-AF65-F5344CB8AC3E}">
-        <p14:creationId xmlns:p14="http://schemas.microsoft.com/office/powerpoint/2010/main" val="3650201631"/>
+        <p14:creationId xmlns:p14="http://schemas.microsoft.com/office/powerpoint/2010/main" val="2370736750"/>
       </p:ext>
     </p:extLst>
   </p:cSld>
@@ -11434,7 +11664,7 @@
       </p:grpSpPr>
       <p:sp>
         <p:nvSpPr>
-          <p:cNvPr id="3" name="矩形 2"/>
+          <p:cNvPr id="4" name="矩形 3"/>
           <p:cNvSpPr/>
           <p:nvPr/>
         </p:nvSpPr>
@@ -11454,22 +11684,13 @@
           <a:lstStyle/>
           <a:p>
             <a:r>
-              <a:rPr lang="zh-CN" altLang="en-US" dirty="0" smtClean="0">
-                <a:solidFill>
-                  <a:srgbClr val="34495E"/>
-                </a:solidFill>
-                <a:latin typeface="Source Sans Pro"/>
-              </a:rPr>
-              <a:t>计算</a:t>
-            </a:r>
-            <a:r>
               <a:rPr lang="zh-CN" altLang="en-US" dirty="0">
                 <a:solidFill>
                   <a:srgbClr val="34495E"/>
                 </a:solidFill>
                 <a:latin typeface="Source Sans Pro"/>
               </a:rPr>
-              <a:t>属性</a:t>
+              <a:t>内部指令</a:t>
             </a:r>
             <a:endParaRPr lang="zh-CN" altLang="en-US" dirty="0"/>
           </a:p>
@@ -11477,14 +11698,66 @@
       </p:sp>
       <p:sp>
         <p:nvSpPr>
-          <p:cNvPr id="4" name="矩形 3"/>
+          <p:cNvPr id="5" name="矩形 4"/>
           <p:cNvSpPr/>
           <p:nvPr/>
         </p:nvSpPr>
         <p:spPr>
           <a:xfrm>
-            <a:off x="250208" y="771613"/>
-            <a:ext cx="11749533" cy="369332"/>
+            <a:off x="250209" y="622785"/>
+            <a:ext cx="6096000" cy="369332"/>
+          </a:xfrm>
+          <a:prstGeom prst="rect">
+            <a:avLst/>
+          </a:prstGeom>
+        </p:spPr>
+        <p:txBody>
+          <a:bodyPr>
+            <a:spAutoFit/>
+          </a:bodyPr>
+          <a:lstStyle/>
+          <a:p>
+            <a:r>
+              <a:rPr lang="en-US" altLang="zh-CN" dirty="0">
+                <a:solidFill>
+                  <a:srgbClr val="34495E"/>
+                </a:solidFill>
+                <a:latin typeface="Source Sans Pro"/>
+              </a:rPr>
+              <a:t>7</a:t>
+            </a:r>
+            <a:r>
+              <a:rPr lang="zh-CN" altLang="en-US" dirty="0" smtClean="0">
+                <a:solidFill>
+                  <a:srgbClr val="34495E"/>
+                </a:solidFill>
+                <a:latin typeface="Source Sans Pro"/>
+              </a:rPr>
+              <a:t>、</a:t>
+            </a:r>
+            <a:r>
+              <a:rPr lang="en-US" altLang="zh-CN" dirty="0" smtClean="0">
+                <a:solidFill>
+                  <a:srgbClr val="34495E"/>
+                </a:solidFill>
+                <a:latin typeface="Source Sans Pro"/>
+              </a:rPr>
+              <a:t>v-cloak</a:t>
+            </a:r>
+            <a:endParaRPr lang="zh-CN" altLang="en-US" dirty="0"/>
+          </a:p>
+        </p:txBody>
+      </p:sp>
+      <p:sp>
+        <p:nvSpPr>
+          <p:cNvPr id="9" name="矩形 8"/>
+          <p:cNvSpPr/>
+          <p:nvPr/>
+        </p:nvSpPr>
+        <p:spPr>
+          <a:xfrm>
+            <a:off x="250209" y="992117"/>
+            <a:ext cx="11828060" cy="369332"/>
           </a:xfrm>
           <a:prstGeom prst="rect">
             <a:avLst/>
@@ -11503,25 +11776,43 @@
                 </a:solidFill>
                 <a:latin typeface="Source Sans Pro"/>
               </a:rPr>
-              <a:t>计算属性就是当其依赖的属性值发生变化时，这个属性的值也自动会跟着变化，与之相关的</a:t>
-            </a:r>
-            <a:r>
-              <a:rPr lang="en-US" altLang="zh-CN" dirty="0" smtClean="0">
-                <a:solidFill>
-                  <a:srgbClr val="34495E"/>
-                </a:solidFill>
-                <a:latin typeface="Source Sans Pro"/>
-              </a:rPr>
-              <a:t>DOM</a:t>
-            </a:r>
-            <a:r>
-              <a:rPr lang="zh-CN" altLang="en-US" dirty="0" smtClean="0">
-                <a:solidFill>
-                  <a:srgbClr val="34495E"/>
-                </a:solidFill>
-                <a:latin typeface="Source Sans Pro"/>
-              </a:rPr>
-              <a:t>部分也会自动更新</a:t>
+              <a:t>这个指令保持在元素上直到关联实例结束编译。当和</a:t>
+            </a:r>
+            <a:r>
+              <a:rPr lang="en-US" altLang="zh-CN" dirty="0">
+                <a:solidFill>
+                  <a:srgbClr val="34495E"/>
+                </a:solidFill>
+                <a:latin typeface="Source Sans Pro"/>
+              </a:rPr>
+              <a:t>CSS</a:t>
+            </a:r>
+            <a:r>
+              <a:rPr lang="zh-CN" altLang="en-US" dirty="0" smtClean="0">
+                <a:solidFill>
+                  <a:srgbClr val="34495E"/>
+                </a:solidFill>
+                <a:latin typeface="Source Sans Pro"/>
+              </a:rPr>
+              <a:t>规则使用时，这个指令可以隐藏未编译的</a:t>
+            </a:r>
+            <a:r>
+              <a:rPr lang="en-US" altLang="zh-CN" dirty="0" smtClean="0">
+                <a:solidFill>
+                  <a:srgbClr val="34495E"/>
+                </a:solidFill>
+                <a:latin typeface="Source Sans Pro"/>
+              </a:rPr>
+              <a:t>Mustache</a:t>
+            </a:r>
+            <a:r>
+              <a:rPr lang="zh-CN" altLang="en-US" dirty="0" smtClean="0">
+                <a:solidFill>
+                  <a:srgbClr val="34495E"/>
+                </a:solidFill>
+                <a:latin typeface="Source Sans Pro"/>
+              </a:rPr>
+              <a:t>标签。</a:t>
             </a:r>
             <a:endParaRPr lang="zh-CN" altLang="en-US" dirty="0"/>
           </a:p>
@@ -11529,7 +11820,7 @@
       </p:sp>
       <p:pic>
         <p:nvPicPr>
-          <p:cNvPr id="2" name="图片 1"/>
+          <p:cNvPr id="6" name="图片 5"/>
           <p:cNvPicPr>
             <a:picLocks noChangeAspect="1"/>
           </p:cNvPicPr>
@@ -11543,8 +11834,8 @@
         </p:blipFill>
         <p:spPr>
           <a:xfrm>
-            <a:off x="250208" y="1289773"/>
-            <a:ext cx="7801971" cy="1405761"/>
+            <a:off x="430083" y="1403230"/>
+            <a:ext cx="2913618" cy="1319981"/>
           </a:xfrm>
           <a:prstGeom prst="rect">
             <a:avLst/>
@@ -11553,7 +11844,7 @@
       </p:pic>
       <p:pic>
         <p:nvPicPr>
-          <p:cNvPr id="6" name="图片 5"/>
+          <p:cNvPr id="7" name="图片 6"/>
           <p:cNvPicPr>
             <a:picLocks noChangeAspect="1"/>
           </p:cNvPicPr>
@@ -11567,17 +11858,103 @@
         </p:blipFill>
         <p:spPr>
           <a:xfrm>
-            <a:off x="250208" y="3328128"/>
-            <a:ext cx="5376869" cy="3081555"/>
+            <a:off x="430083" y="2778646"/>
+            <a:ext cx="11550189" cy="1042726"/>
           </a:xfrm>
           <a:prstGeom prst="rect">
             <a:avLst/>
           </a:prstGeom>
         </p:spPr>
       </p:pic>
+      <p:sp>
+        <p:nvSpPr>
+          <p:cNvPr id="12" name="矩形 11"/>
+          <p:cNvSpPr/>
+          <p:nvPr/>
+        </p:nvSpPr>
+        <p:spPr>
+          <a:xfrm>
+            <a:off x="250209" y="3975797"/>
+            <a:ext cx="6096000" cy="369332"/>
+          </a:xfrm>
+          <a:prstGeom prst="rect">
+            <a:avLst/>
+          </a:prstGeom>
+        </p:spPr>
+        <p:txBody>
+          <a:bodyPr>
+            <a:spAutoFit/>
+          </a:bodyPr>
+          <a:lstStyle/>
+          <a:p>
+            <a:r>
+              <a:rPr lang="en-US" altLang="zh-CN" dirty="0" smtClean="0">
+                <a:solidFill>
+                  <a:srgbClr val="34495E"/>
+                </a:solidFill>
+                <a:latin typeface="Source Sans Pro"/>
+              </a:rPr>
+              <a:t>8</a:t>
+            </a:r>
+            <a:r>
+              <a:rPr lang="zh-CN" altLang="en-US" dirty="0" smtClean="0">
+                <a:solidFill>
+                  <a:srgbClr val="34495E"/>
+                </a:solidFill>
+                <a:latin typeface="Source Sans Pro"/>
+              </a:rPr>
+              <a:t>、</a:t>
+            </a:r>
+            <a:r>
+              <a:rPr lang="en-US" altLang="zh-CN" dirty="0" smtClean="0">
+                <a:solidFill>
+                  <a:srgbClr val="34495E"/>
+                </a:solidFill>
+                <a:latin typeface="Source Sans Pro"/>
+              </a:rPr>
+              <a:t>v-once</a:t>
+            </a:r>
+            <a:endParaRPr lang="zh-CN" altLang="en-US" dirty="0"/>
+          </a:p>
+        </p:txBody>
+      </p:sp>
+      <p:sp>
+        <p:nvSpPr>
+          <p:cNvPr id="8" name="矩形 7"/>
+          <p:cNvSpPr/>
+          <p:nvPr/>
+        </p:nvSpPr>
+        <p:spPr>
+          <a:xfrm>
+            <a:off x="250209" y="4345129"/>
+            <a:ext cx="11828060" cy="646331"/>
+          </a:xfrm>
+          <a:prstGeom prst="rect">
+            <a:avLst/>
+          </a:prstGeom>
+        </p:spPr>
+        <p:txBody>
+          <a:bodyPr wrap="square">
+            <a:spAutoFit/>
+          </a:bodyPr>
+          <a:lstStyle/>
+          <a:p>
+            <a:r>
+              <a:rPr lang="zh-CN" altLang="en-US" dirty="0" smtClean="0">
+                <a:solidFill>
+                  <a:srgbClr val="34495E"/>
+                </a:solidFill>
+                <a:latin typeface="Source Sans Pro"/>
+              </a:rPr>
+              <a:t>表明元素是一个静态节点，只对元素进行一次渲染，渲染之后不管值再怎么变化，使用了此指令的元素节点及其所有的子节点，都会当做静态内容跳过，不会进行值的更新。</a:t>
+            </a:r>
+            <a:endParaRPr lang="zh-CN" altLang="en-US" dirty="0"/>
+          </a:p>
+        </p:txBody>
+      </p:sp>
       <p:pic>
         <p:nvPicPr>
-          <p:cNvPr id="7" name="图片 6"/>
+          <p:cNvPr id="2" name="图片 1"/>
           <p:cNvPicPr>
             <a:picLocks noChangeAspect="1"/>
           </p:cNvPicPr>
@@ -11591,158 +11968,42 @@
         </p:blipFill>
         <p:spPr>
           <a:xfrm>
-            <a:off x="5612137" y="3328128"/>
-            <a:ext cx="6382911" cy="3044519"/>
+            <a:off x="250208" y="5086995"/>
+            <a:ext cx="7534295" cy="1559467"/>
           </a:xfrm>
           <a:prstGeom prst="rect">
             <a:avLst/>
           </a:prstGeom>
         </p:spPr>
       </p:pic>
-      <p:sp>
-        <p:nvSpPr>
-          <p:cNvPr id="8" name="矩形 7"/>
-          <p:cNvSpPr/>
-          <p:nvPr/>
-        </p:nvSpPr>
-        <p:spPr>
-          <a:xfrm>
-            <a:off x="245515" y="2936580"/>
-            <a:ext cx="11749533" cy="369332"/>
-          </a:xfrm>
-          <a:prstGeom prst="rect">
-            <a:avLst/>
-          </a:prstGeom>
-        </p:spPr>
-        <p:txBody>
-          <a:bodyPr wrap="square">
-            <a:spAutoFit/>
-          </a:bodyPr>
-          <a:lstStyle/>
-          <a:p>
-            <a:r>
-              <a:rPr lang="zh-CN" altLang="en-US" b="1" dirty="0" smtClean="0">
-                <a:solidFill>
-                  <a:srgbClr val="0000FF"/>
-                </a:solidFill>
-                <a:latin typeface="Source Sans Pro"/>
-              </a:rPr>
-              <a:t>两种写法：</a:t>
-            </a:r>
-            <a:endParaRPr lang="zh-CN" altLang="en-US" b="1" dirty="0">
-              <a:solidFill>
-                <a:srgbClr val="0000FF"/>
-              </a:solidFill>
-            </a:endParaRPr>
-          </a:p>
-        </p:txBody>
-      </p:sp>
-      <p:sp>
-        <p:nvSpPr>
-          <p:cNvPr id="9" name="矩形 8"/>
-          <p:cNvSpPr/>
-          <p:nvPr/>
-        </p:nvSpPr>
-        <p:spPr>
-          <a:xfrm>
-            <a:off x="8394804" y="1320257"/>
-            <a:ext cx="3797196" cy="1477328"/>
-          </a:xfrm>
-          <a:prstGeom prst="rect">
-            <a:avLst/>
-          </a:prstGeom>
-          <a:solidFill>
-            <a:schemeClr val="accent5">
-              <a:lumMod val="20000"/>
-              <a:lumOff val="80000"/>
-            </a:schemeClr>
-          </a:solidFill>
-        </p:spPr>
-        <p:txBody>
-          <a:bodyPr wrap="square">
-            <a:spAutoFit/>
-          </a:bodyPr>
-          <a:lstStyle/>
-          <a:p>
-            <a:r>
-              <a:rPr lang="zh-CN" altLang="en-US" b="1" dirty="0" smtClean="0">
-                <a:solidFill>
-                  <a:srgbClr val="0000FF"/>
-                </a:solidFill>
-                <a:latin typeface="Source Sans Pro"/>
-              </a:rPr>
-              <a:t>计算属性的</a:t>
-            </a:r>
-            <a:r>
-              <a:rPr lang="en-US" altLang="zh-CN" b="1" dirty="0" smtClean="0">
-                <a:solidFill>
-                  <a:srgbClr val="0000FF"/>
-                </a:solidFill>
-                <a:latin typeface="Source Sans Pro"/>
-              </a:rPr>
-              <a:t>get</a:t>
-            </a:r>
-            <a:r>
-              <a:rPr lang="zh-CN" altLang="en-US" b="1" dirty="0" smtClean="0">
-                <a:solidFill>
-                  <a:srgbClr val="0000FF"/>
-                </a:solidFill>
-                <a:latin typeface="Source Sans Pro"/>
-              </a:rPr>
-              <a:t>函数不执行的场景</a:t>
-            </a:r>
-            <a:r>
-              <a:rPr lang="zh-CN" altLang="en-US" dirty="0" smtClean="0">
-                <a:solidFill>
-                  <a:srgbClr val="34495E"/>
-                </a:solidFill>
-                <a:latin typeface="Source Sans Pro"/>
-              </a:rPr>
-              <a:t>：</a:t>
-            </a:r>
-            <a:endParaRPr lang="en-US" altLang="zh-CN" dirty="0" smtClean="0">
-              <a:solidFill>
-                <a:srgbClr val="34495E"/>
-              </a:solidFill>
-              <a:latin typeface="Source Sans Pro"/>
-            </a:endParaRPr>
-          </a:p>
-          <a:p>
-            <a:r>
-              <a:rPr lang="zh-CN" altLang="en-US" dirty="0" smtClean="0">
-                <a:solidFill>
-                  <a:srgbClr val="34495E"/>
-                </a:solidFill>
-                <a:latin typeface="Source Sans Pro"/>
-              </a:rPr>
-              <a:t>当包含计算属性的节点被移除，并且其他地方没有再引用该属性时，当该计算属性依赖的属性发生变化时，不会执行其对应的</a:t>
-            </a:r>
-            <a:r>
-              <a:rPr lang="en-US" altLang="zh-CN" dirty="0" smtClean="0">
-                <a:solidFill>
-                  <a:srgbClr val="34495E"/>
-                </a:solidFill>
-                <a:latin typeface="Source Sans Pro"/>
-              </a:rPr>
-              <a:t>get</a:t>
-            </a:r>
-            <a:r>
-              <a:rPr lang="zh-CN" altLang="en-US" dirty="0" smtClean="0">
-                <a:solidFill>
-                  <a:srgbClr val="34495E"/>
-                </a:solidFill>
-                <a:latin typeface="Source Sans Pro"/>
-              </a:rPr>
-              <a:t>函数</a:t>
-            </a:r>
-            <a:endParaRPr lang="zh-CN" altLang="en-US" dirty="0"/>
-          </a:p>
-        </p:txBody>
-      </p:sp>
+      <p:pic>
+        <p:nvPicPr>
+          <p:cNvPr id="3" name="图片 2"/>
+          <p:cNvPicPr>
+            <a:picLocks noChangeAspect="1"/>
+          </p:cNvPicPr>
+          <p:nvPr/>
+        </p:nvPicPr>
+        <p:blipFill>
+          <a:blip r:embed="rId5"/>
+          <a:stretch>
+            <a:fillRect/>
+          </a:stretch>
+        </p:blipFill>
+        <p:spPr>
+          <a:xfrm>
+            <a:off x="8195020" y="5005107"/>
+            <a:ext cx="3132621" cy="1685486"/>
+          </a:xfrm>
+          <a:prstGeom prst="rect">
+            <a:avLst/>
+          </a:prstGeom>
+        </p:spPr>
+      </p:pic>
     </p:spTree>
     <p:extLst>
       <p:ext uri="{BB962C8B-B14F-4D97-AF65-F5344CB8AC3E}">
-        <p14:creationId xmlns:p14="http://schemas.microsoft.com/office/powerpoint/2010/main" val="2408381565"/>
+        <p14:creationId xmlns:p14="http://schemas.microsoft.com/office/powerpoint/2010/main" val="3650201631"/>
       </p:ext>
     </p:extLst>
   </p:cSld>
@@ -11804,7 +12065,16 @@
                 </a:solidFill>
                 <a:latin typeface="Source Sans Pro"/>
               </a:rPr>
-              <a:t>计算属性的缓存</a:t>
+              <a:t>三、计算</a:t>
+            </a:r>
+            <a:r>
+              <a:rPr lang="zh-CN" altLang="en-US" dirty="0">
+                <a:solidFill>
+                  <a:srgbClr val="34495E"/>
+                </a:solidFill>
+                <a:latin typeface="Source Sans Pro"/>
+              </a:rPr>
+              <a:t>属性</a:t>
             </a:r>
             <a:endParaRPr lang="zh-CN" altLang="en-US" dirty="0"/>
           </a:p>
@@ -11838,185 +12108,25 @@
                 </a:solidFill>
                 <a:latin typeface="Source Sans Pro"/>
               </a:rPr>
-              <a:t>当</a:t>
-            </a:r>
-            <a:r>
-              <a:rPr lang="zh-CN" altLang="en-US" dirty="0">
-                <a:solidFill>
-                  <a:srgbClr val="34495E"/>
-                </a:solidFill>
-                <a:latin typeface="Source Sans Pro"/>
-              </a:rPr>
-              <a:t>计算属性</a:t>
-            </a:r>
-            <a:r>
-              <a:rPr lang="zh-CN" altLang="en-US" dirty="0" smtClean="0">
-                <a:solidFill>
-                  <a:srgbClr val="34495E"/>
-                </a:solidFill>
-                <a:latin typeface="Source Sans Pro"/>
-              </a:rPr>
-              <a:t>依赖的属性值发生变化时，这个属性的值也自动会跟着变化，其实就是会执行</a:t>
-            </a:r>
-            <a:r>
-              <a:rPr lang="en-US" altLang="zh-CN" dirty="0" smtClean="0">
-                <a:solidFill>
-                  <a:srgbClr val="34495E"/>
-                </a:solidFill>
-                <a:latin typeface="Source Sans Pro"/>
-              </a:rPr>
-              <a:t>get</a:t>
-            </a:r>
-            <a:r>
-              <a:rPr lang="zh-CN" altLang="en-US" dirty="0" smtClean="0">
-                <a:solidFill>
-                  <a:srgbClr val="34495E"/>
-                </a:solidFill>
-                <a:latin typeface="Source Sans Pro"/>
-              </a:rPr>
-              <a:t>对应的函数。</a:t>
-            </a:r>
-            <a:endParaRPr lang="zh-CN" altLang="en-US" dirty="0"/>
-          </a:p>
-        </p:txBody>
-      </p:sp>
-      <p:sp>
-        <p:nvSpPr>
-          <p:cNvPr id="7" name="矩形 6"/>
-          <p:cNvSpPr/>
-          <p:nvPr/>
-        </p:nvSpPr>
-        <p:spPr>
-          <a:xfrm>
-            <a:off x="250207" y="1140945"/>
-            <a:ext cx="11941793" cy="646331"/>
-          </a:xfrm>
-          <a:prstGeom prst="rect">
-            <a:avLst/>
-          </a:prstGeom>
-        </p:spPr>
-        <p:txBody>
-          <a:bodyPr wrap="square">
-            <a:spAutoFit/>
-          </a:bodyPr>
-          <a:lstStyle/>
-          <a:p>
-            <a:r>
-              <a:rPr lang="zh-CN" altLang="en-US" dirty="0" smtClean="0">
-                <a:solidFill>
-                  <a:srgbClr val="34495E"/>
-                </a:solidFill>
-                <a:latin typeface="Source Sans Pro"/>
-              </a:rPr>
-              <a:t>这样存在的问题：只有当</a:t>
-            </a:r>
-            <a:r>
-              <a:rPr lang="en-US" altLang="zh-CN" dirty="0" err="1" smtClean="0">
-                <a:solidFill>
-                  <a:srgbClr val="34495E"/>
-                </a:solidFill>
-                <a:latin typeface="Source Sans Pro"/>
-              </a:rPr>
-              <a:t>Vue</a:t>
-            </a:r>
-            <a:r>
-              <a:rPr lang="zh-CN" altLang="en-US" dirty="0" smtClean="0">
-                <a:solidFill>
-                  <a:srgbClr val="34495E"/>
-                </a:solidFill>
-                <a:latin typeface="Source Sans Pro"/>
-              </a:rPr>
-              <a:t>实例中</a:t>
-            </a:r>
-            <a:r>
-              <a:rPr lang="zh-CN" altLang="en-US" b="1" dirty="0" smtClean="0">
-                <a:solidFill>
-                  <a:srgbClr val="FF0000"/>
-                </a:solidFill>
-                <a:latin typeface="Source Sans Pro"/>
-              </a:rPr>
-              <a:t>被观察的数据</a:t>
-            </a:r>
-            <a:r>
-              <a:rPr lang="zh-CN" altLang="en-US" dirty="0" smtClean="0">
-                <a:solidFill>
-                  <a:srgbClr val="34495E"/>
-                </a:solidFill>
-                <a:latin typeface="Source Sans Pro"/>
-              </a:rPr>
-              <a:t>发生变化时才会执行</a:t>
-            </a:r>
-            <a:r>
-              <a:rPr lang="en-US" altLang="zh-CN" dirty="0" smtClean="0">
-                <a:solidFill>
-                  <a:srgbClr val="34495E"/>
-                </a:solidFill>
-                <a:latin typeface="Source Sans Pro"/>
-              </a:rPr>
-              <a:t>get</a:t>
-            </a:r>
-            <a:r>
-              <a:rPr lang="zh-CN" altLang="en-US" dirty="0" smtClean="0">
-                <a:solidFill>
-                  <a:srgbClr val="34495E"/>
-                </a:solidFill>
-                <a:latin typeface="Source Sans Pro"/>
-              </a:rPr>
-              <a:t>函数，而当计算属性依赖</a:t>
-            </a:r>
-            <a:r>
-              <a:rPr lang="zh-CN" altLang="en-US" b="1" dirty="0" smtClean="0">
-                <a:solidFill>
-                  <a:srgbClr val="FF0000"/>
-                </a:solidFill>
-                <a:latin typeface="Source Sans Pro"/>
-              </a:rPr>
-              <a:t>实时的非观察数据</a:t>
-            </a:r>
-            <a:r>
-              <a:rPr lang="zh-CN" altLang="en-US" dirty="0" smtClean="0">
-                <a:solidFill>
-                  <a:srgbClr val="34495E"/>
-                </a:solidFill>
-                <a:latin typeface="Source Sans Pro"/>
-              </a:rPr>
-              <a:t>属性时，在访问该计算属性时其值并没有实时变化，是因为</a:t>
-            </a:r>
-            <a:r>
-              <a:rPr lang="en-US" altLang="zh-CN" dirty="0" err="1" smtClean="0">
-                <a:solidFill>
-                  <a:srgbClr val="34495E"/>
-                </a:solidFill>
-                <a:latin typeface="Source Sans Pro"/>
-              </a:rPr>
-              <a:t>Vue</a:t>
-            </a:r>
-            <a:r>
-              <a:rPr lang="zh-CN" altLang="en-US" dirty="0" smtClean="0">
-                <a:solidFill>
-                  <a:srgbClr val="34495E"/>
-                </a:solidFill>
-                <a:latin typeface="Source Sans Pro"/>
-              </a:rPr>
-              <a:t>使用了缓存。可以</a:t>
-            </a:r>
-            <a:r>
-              <a:rPr lang="zh-CN" altLang="en-US" b="1" dirty="0" smtClean="0">
-                <a:solidFill>
-                  <a:srgbClr val="0000FF"/>
-                </a:solidFill>
-                <a:latin typeface="Source Sans Pro"/>
-              </a:rPr>
-              <a:t>将缓存关闭</a:t>
-            </a:r>
-            <a:r>
-              <a:rPr lang="zh-CN" altLang="en-US" dirty="0" smtClean="0">
-                <a:solidFill>
-                  <a:srgbClr val="34495E"/>
-                </a:solidFill>
-                <a:latin typeface="Source Sans Pro"/>
-              </a:rPr>
-              <a:t>。</a:t>
+              <a:t>计算属性就是当其依赖的属性值发生变化时，这个属性的值也自动会跟着变化，与之相关的</a:t>
+            </a:r>
+            <a:r>
+              <a:rPr lang="en-US" altLang="zh-CN" dirty="0" smtClean="0">
+                <a:solidFill>
+                  <a:srgbClr val="34495E"/>
+                </a:solidFill>
+                <a:latin typeface="Source Sans Pro"/>
+              </a:rPr>
+              <a:t>DOM</a:t>
+            </a:r>
+            <a:r>
+              <a:rPr lang="zh-CN" altLang="en-US" dirty="0" smtClean="0">
+                <a:solidFill>
+                  <a:srgbClr val="34495E"/>
+                </a:solidFill>
+                <a:latin typeface="Source Sans Pro"/>
+              </a:rPr>
+              <a:t>部分也会自动更新</a:t>
             </a:r>
             <a:endParaRPr lang="zh-CN" altLang="en-US" dirty="0"/>
           </a:p>
@@ -12024,7 +12134,7 @@
       </p:sp>
       <p:pic>
         <p:nvPicPr>
-          <p:cNvPr id="8" name="图片 7"/>
+          <p:cNvPr id="2" name="图片 1"/>
           <p:cNvPicPr>
             <a:picLocks noChangeAspect="1"/>
           </p:cNvPicPr>
@@ -12038,22 +12148,17 @@
         </p:blipFill>
         <p:spPr>
           <a:xfrm>
-            <a:off x="250206" y="1746332"/>
-            <a:ext cx="6096003" cy="1267704"/>
-          </a:xfrm>
-          <a:prstGeom prst="rect">
-            <a:avLst/>
-          </a:prstGeom>
-          <a:ln>
-            <a:solidFill>
-              <a:srgbClr val="FF0000"/>
-            </a:solidFill>
-          </a:ln>
+            <a:off x="250208" y="1289773"/>
+            <a:ext cx="7801971" cy="1405761"/>
+          </a:xfrm>
+          <a:prstGeom prst="rect">
+            <a:avLst/>
+          </a:prstGeom>
         </p:spPr>
       </p:pic>
       <p:pic>
         <p:nvPicPr>
-          <p:cNvPr id="10" name="图片 9"/>
+          <p:cNvPr id="6" name="图片 5"/>
           <p:cNvPicPr>
             <a:picLocks noChangeAspect="1"/>
           </p:cNvPicPr>
@@ -12067,22 +12172,17 @@
         </p:blipFill>
         <p:spPr>
           <a:xfrm>
-            <a:off x="250204" y="3054980"/>
-            <a:ext cx="5531617" cy="3765559"/>
-          </a:xfrm>
-          <a:prstGeom prst="rect">
-            <a:avLst/>
-          </a:prstGeom>
-          <a:ln>
-            <a:solidFill>
-              <a:srgbClr val="0000FF"/>
-            </a:solidFill>
-          </a:ln>
+            <a:off x="250208" y="3328128"/>
+            <a:ext cx="5376869" cy="3081555"/>
+          </a:xfrm>
+          <a:prstGeom prst="rect">
+            <a:avLst/>
+          </a:prstGeom>
         </p:spPr>
       </p:pic>
       <p:pic>
         <p:nvPicPr>
-          <p:cNvPr id="11" name="图片 10"/>
+          <p:cNvPr id="7" name="图片 6"/>
           <p:cNvPicPr>
             <a:picLocks noChangeAspect="1"/>
           </p:cNvPicPr>
@@ -12096,23 +12196,158 @@
         </p:blipFill>
         <p:spPr>
           <a:xfrm>
-            <a:off x="6147583" y="3054980"/>
-            <a:ext cx="5572215" cy="3765559"/>
-          </a:xfrm>
-          <a:prstGeom prst="rect">
-            <a:avLst/>
-          </a:prstGeom>
-          <a:ln>
-            <a:solidFill>
-              <a:srgbClr val="0000FF"/>
-            </a:solidFill>
-          </a:ln>
+            <a:off x="5612137" y="3328128"/>
+            <a:ext cx="6382911" cy="3044519"/>
+          </a:xfrm>
+          <a:prstGeom prst="rect">
+            <a:avLst/>
+          </a:prstGeom>
         </p:spPr>
       </p:pic>
+      <p:sp>
+        <p:nvSpPr>
+          <p:cNvPr id="8" name="矩形 7"/>
+          <p:cNvSpPr/>
+          <p:nvPr/>
+        </p:nvSpPr>
+        <p:spPr>
+          <a:xfrm>
+            <a:off x="245515" y="2936580"/>
+            <a:ext cx="11749533" cy="369332"/>
+          </a:xfrm>
+          <a:prstGeom prst="rect">
+            <a:avLst/>
+          </a:prstGeom>
+        </p:spPr>
+        <p:txBody>
+          <a:bodyPr wrap="square">
+            <a:spAutoFit/>
+          </a:bodyPr>
+          <a:lstStyle/>
+          <a:p>
+            <a:r>
+              <a:rPr lang="zh-CN" altLang="en-US" b="1" dirty="0" smtClean="0">
+                <a:solidFill>
+                  <a:srgbClr val="0000FF"/>
+                </a:solidFill>
+                <a:latin typeface="Source Sans Pro"/>
+              </a:rPr>
+              <a:t>两种写法：</a:t>
+            </a:r>
+            <a:endParaRPr lang="zh-CN" altLang="en-US" b="1" dirty="0">
+              <a:solidFill>
+                <a:srgbClr val="0000FF"/>
+              </a:solidFill>
+            </a:endParaRPr>
+          </a:p>
+        </p:txBody>
+      </p:sp>
+      <p:sp>
+        <p:nvSpPr>
+          <p:cNvPr id="9" name="矩形 8"/>
+          <p:cNvSpPr/>
+          <p:nvPr/>
+        </p:nvSpPr>
+        <p:spPr>
+          <a:xfrm>
+            <a:off x="8394804" y="1320257"/>
+            <a:ext cx="3797196" cy="1477328"/>
+          </a:xfrm>
+          <a:prstGeom prst="rect">
+            <a:avLst/>
+          </a:prstGeom>
+          <a:solidFill>
+            <a:schemeClr val="accent5">
+              <a:lumMod val="20000"/>
+              <a:lumOff val="80000"/>
+            </a:schemeClr>
+          </a:solidFill>
+        </p:spPr>
+        <p:txBody>
+          <a:bodyPr wrap="square">
+            <a:spAutoFit/>
+          </a:bodyPr>
+          <a:lstStyle/>
+          <a:p>
+            <a:r>
+              <a:rPr lang="zh-CN" altLang="en-US" b="1" dirty="0" smtClean="0">
+                <a:solidFill>
+                  <a:srgbClr val="0000FF"/>
+                </a:solidFill>
+                <a:latin typeface="Source Sans Pro"/>
+              </a:rPr>
+              <a:t>计算属性的</a:t>
+            </a:r>
+            <a:r>
+              <a:rPr lang="en-US" altLang="zh-CN" b="1" dirty="0" smtClean="0">
+                <a:solidFill>
+                  <a:srgbClr val="0000FF"/>
+                </a:solidFill>
+                <a:latin typeface="Source Sans Pro"/>
+              </a:rPr>
+              <a:t>get</a:t>
+            </a:r>
+            <a:r>
+              <a:rPr lang="zh-CN" altLang="en-US" b="1" dirty="0" smtClean="0">
+                <a:solidFill>
+                  <a:srgbClr val="0000FF"/>
+                </a:solidFill>
+                <a:latin typeface="Source Sans Pro"/>
+              </a:rPr>
+              <a:t>函数不执行的场景</a:t>
+            </a:r>
+            <a:r>
+              <a:rPr lang="zh-CN" altLang="en-US" dirty="0" smtClean="0">
+                <a:solidFill>
+                  <a:srgbClr val="34495E"/>
+                </a:solidFill>
+                <a:latin typeface="Source Sans Pro"/>
+              </a:rPr>
+              <a:t>：</a:t>
+            </a:r>
+            <a:endParaRPr lang="en-US" altLang="zh-CN" dirty="0" smtClean="0">
+              <a:solidFill>
+                <a:srgbClr val="34495E"/>
+              </a:solidFill>
+              <a:latin typeface="Source Sans Pro"/>
+            </a:endParaRPr>
+          </a:p>
+          <a:p>
+            <a:r>
+              <a:rPr lang="zh-CN" altLang="en-US" dirty="0" smtClean="0">
+                <a:solidFill>
+                  <a:srgbClr val="34495E"/>
+                </a:solidFill>
+                <a:latin typeface="Source Sans Pro"/>
+              </a:rPr>
+              <a:t>当包含计算属性的节点被移除，并且其他地方没有再引用该属性时，当该计算属性依赖的属性发生变化时，不会执行其对应的</a:t>
+            </a:r>
+            <a:r>
+              <a:rPr lang="en-US" altLang="zh-CN" dirty="0" smtClean="0">
+                <a:solidFill>
+                  <a:srgbClr val="34495E"/>
+                </a:solidFill>
+                <a:latin typeface="Source Sans Pro"/>
+              </a:rPr>
+              <a:t>get</a:t>
+            </a:r>
+            <a:r>
+              <a:rPr lang="zh-CN" altLang="en-US" dirty="0" smtClean="0">
+                <a:solidFill>
+                  <a:srgbClr val="34495E"/>
+                </a:solidFill>
+                <a:latin typeface="Source Sans Pro"/>
+              </a:rPr>
+              <a:t>函数</a:t>
+            </a:r>
+            <a:endParaRPr lang="zh-CN" altLang="en-US" dirty="0"/>
+          </a:p>
+        </p:txBody>
+      </p:sp>
     </p:spTree>
     <p:extLst>
       <p:ext uri="{BB962C8B-B14F-4D97-AF65-F5344CB8AC3E}">
-        <p14:creationId xmlns:p14="http://schemas.microsoft.com/office/powerpoint/2010/main" val="2340528050"/>
+        <p14:creationId xmlns:p14="http://schemas.microsoft.com/office/powerpoint/2010/main" val="2408381565"/>
       </p:ext>
     </p:extLst>
   </p:cSld>
@@ -12168,22 +12403,225 @@
           <a:lstStyle/>
           <a:p>
             <a:r>
+              <a:rPr lang="zh-CN" altLang="en-US" dirty="0" smtClean="0">
+                <a:solidFill>
+                  <a:srgbClr val="34495E"/>
+                </a:solidFill>
+                <a:latin typeface="Source Sans Pro"/>
+              </a:rPr>
+              <a:t>计算属性的缓存</a:t>
+            </a:r>
+            <a:endParaRPr lang="zh-CN" altLang="en-US" dirty="0"/>
+          </a:p>
+        </p:txBody>
+      </p:sp>
+      <p:sp>
+        <p:nvSpPr>
+          <p:cNvPr id="4" name="矩形 3"/>
+          <p:cNvSpPr/>
+          <p:nvPr/>
+        </p:nvSpPr>
+        <p:spPr>
+          <a:xfrm>
+            <a:off x="250208" y="771613"/>
+            <a:ext cx="11749533" cy="369332"/>
+          </a:xfrm>
+          <a:prstGeom prst="rect">
+            <a:avLst/>
+          </a:prstGeom>
+        </p:spPr>
+        <p:txBody>
+          <a:bodyPr wrap="square">
+            <a:spAutoFit/>
+          </a:bodyPr>
+          <a:lstStyle/>
+          <a:p>
+            <a:r>
+              <a:rPr lang="zh-CN" altLang="en-US" dirty="0" smtClean="0">
+                <a:solidFill>
+                  <a:srgbClr val="34495E"/>
+                </a:solidFill>
+                <a:latin typeface="Source Sans Pro"/>
+              </a:rPr>
+              <a:t>当</a:t>
+            </a:r>
+            <a:r>
               <a:rPr lang="zh-CN" altLang="en-US" dirty="0">
                 <a:solidFill>
                   <a:srgbClr val="34495E"/>
                 </a:solidFill>
                 <a:latin typeface="Source Sans Pro"/>
               </a:rPr>
-              <a:t>表单</a:t>
-            </a:r>
-            <a:r>
-              <a:rPr lang="zh-CN" altLang="en-US" dirty="0" smtClean="0">
-                <a:solidFill>
-                  <a:srgbClr val="34495E"/>
-                </a:solidFill>
-                <a:latin typeface="Source Sans Pro"/>
-              </a:rPr>
-              <a:t>控件绑定</a:t>
+              <a:t>计算属性</a:t>
+            </a:r>
+            <a:r>
+              <a:rPr lang="zh-CN" altLang="en-US" dirty="0" smtClean="0">
+                <a:solidFill>
+                  <a:srgbClr val="34495E"/>
+                </a:solidFill>
+                <a:latin typeface="Source Sans Pro"/>
+              </a:rPr>
+              <a:t>依赖的属性值发生变化时，这个属性的值也自动会跟着变化，其实就是会执行</a:t>
+            </a:r>
+            <a:r>
+              <a:rPr lang="en-US" altLang="zh-CN" dirty="0" smtClean="0">
+                <a:solidFill>
+                  <a:srgbClr val="34495E"/>
+                </a:solidFill>
+                <a:latin typeface="Source Sans Pro"/>
+              </a:rPr>
+              <a:t>get</a:t>
+            </a:r>
+            <a:r>
+              <a:rPr lang="zh-CN" altLang="en-US" dirty="0" smtClean="0">
+                <a:solidFill>
+                  <a:srgbClr val="34495E"/>
+                </a:solidFill>
+                <a:latin typeface="Source Sans Pro"/>
+              </a:rPr>
+              <a:t>对应的函数。</a:t>
+            </a:r>
+            <a:endParaRPr lang="zh-CN" altLang="en-US" dirty="0"/>
+          </a:p>
+        </p:txBody>
+      </p:sp>
+      <p:sp>
+        <p:nvSpPr>
+          <p:cNvPr id="7" name="矩形 6"/>
+          <p:cNvSpPr/>
+          <p:nvPr/>
+        </p:nvSpPr>
+        <p:spPr>
+          <a:xfrm>
+            <a:off x="250207" y="1140945"/>
+            <a:ext cx="11941793" cy="646331"/>
+          </a:xfrm>
+          <a:prstGeom prst="rect">
+            <a:avLst/>
+          </a:prstGeom>
+        </p:spPr>
+        <p:txBody>
+          <a:bodyPr wrap="square">
+            <a:spAutoFit/>
+          </a:bodyPr>
+          <a:lstStyle/>
+          <a:p>
+            <a:r>
+              <a:rPr lang="zh-CN" altLang="en-US" dirty="0" smtClean="0">
+                <a:solidFill>
+                  <a:srgbClr val="34495E"/>
+                </a:solidFill>
+                <a:latin typeface="Source Sans Pro"/>
+              </a:rPr>
+              <a:t>这样存在的问题：只有当</a:t>
+            </a:r>
+            <a:r>
+              <a:rPr lang="en-US" altLang="zh-CN" dirty="0" err="1" smtClean="0">
+                <a:solidFill>
+                  <a:srgbClr val="34495E"/>
+                </a:solidFill>
+                <a:latin typeface="Source Sans Pro"/>
+              </a:rPr>
+              <a:t>Vue</a:t>
+            </a:r>
+            <a:r>
+              <a:rPr lang="zh-CN" altLang="en-US" dirty="0" smtClean="0">
+                <a:solidFill>
+                  <a:srgbClr val="34495E"/>
+                </a:solidFill>
+                <a:latin typeface="Source Sans Pro"/>
+              </a:rPr>
+              <a:t>实例中</a:t>
+            </a:r>
+            <a:r>
+              <a:rPr lang="zh-CN" altLang="en-US" b="1" dirty="0" smtClean="0">
+                <a:solidFill>
+                  <a:srgbClr val="FF0000"/>
+                </a:solidFill>
+                <a:latin typeface="Source Sans Pro"/>
+              </a:rPr>
+              <a:t>被观察的数据</a:t>
+            </a:r>
+            <a:r>
+              <a:rPr lang="zh-CN" altLang="en-US" dirty="0" smtClean="0">
+                <a:solidFill>
+                  <a:srgbClr val="34495E"/>
+                </a:solidFill>
+                <a:latin typeface="Source Sans Pro"/>
+              </a:rPr>
+              <a:t>发生变化时才会执行</a:t>
+            </a:r>
+            <a:r>
+              <a:rPr lang="en-US" altLang="zh-CN" dirty="0" smtClean="0">
+                <a:solidFill>
+                  <a:srgbClr val="34495E"/>
+                </a:solidFill>
+                <a:latin typeface="Source Sans Pro"/>
+              </a:rPr>
+              <a:t>get</a:t>
+            </a:r>
+            <a:r>
+              <a:rPr lang="zh-CN" altLang="en-US" dirty="0" smtClean="0">
+                <a:solidFill>
+                  <a:srgbClr val="34495E"/>
+                </a:solidFill>
+                <a:latin typeface="Source Sans Pro"/>
+              </a:rPr>
+              <a:t>函数，而当计算属性依赖</a:t>
+            </a:r>
+            <a:r>
+              <a:rPr lang="zh-CN" altLang="en-US" b="1" dirty="0" smtClean="0">
+                <a:solidFill>
+                  <a:srgbClr val="FF0000"/>
+                </a:solidFill>
+                <a:latin typeface="Source Sans Pro"/>
+              </a:rPr>
+              <a:t>实时的非观察数据</a:t>
+            </a:r>
+            <a:r>
+              <a:rPr lang="zh-CN" altLang="en-US" dirty="0" smtClean="0">
+                <a:solidFill>
+                  <a:srgbClr val="34495E"/>
+                </a:solidFill>
+                <a:latin typeface="Source Sans Pro"/>
+              </a:rPr>
+              <a:t>属性时，在访问该计算属性时其值并没有实时变化，是因为</a:t>
+            </a:r>
+            <a:r>
+              <a:rPr lang="en-US" altLang="zh-CN" dirty="0" err="1" smtClean="0">
+                <a:solidFill>
+                  <a:srgbClr val="34495E"/>
+                </a:solidFill>
+                <a:latin typeface="Source Sans Pro"/>
+              </a:rPr>
+              <a:t>Vue</a:t>
+            </a:r>
+            <a:r>
+              <a:rPr lang="zh-CN" altLang="en-US" dirty="0" smtClean="0">
+                <a:solidFill>
+                  <a:srgbClr val="34495E"/>
+                </a:solidFill>
+                <a:latin typeface="Source Sans Pro"/>
+              </a:rPr>
+              <a:t>使用了缓存。可以</a:t>
+            </a:r>
+            <a:r>
+              <a:rPr lang="zh-CN" altLang="en-US" b="1" dirty="0" smtClean="0">
+                <a:solidFill>
+                  <a:srgbClr val="0000FF"/>
+                </a:solidFill>
+                <a:latin typeface="Source Sans Pro"/>
+              </a:rPr>
+              <a:t>将缓存关闭</a:t>
+            </a:r>
+            <a:r>
+              <a:rPr lang="zh-CN" altLang="en-US" dirty="0" smtClean="0">
+                <a:solidFill>
+                  <a:srgbClr val="34495E"/>
+                </a:solidFill>
+                <a:latin typeface="Source Sans Pro"/>
+              </a:rPr>
+              <a:t>。</a:t>
             </a:r>
             <a:endParaRPr lang="zh-CN" altLang="en-US" dirty="0"/>
           </a:p>
@@ -12191,7 +12629,7 @@
       </p:sp>
       <p:pic>
         <p:nvPicPr>
-          <p:cNvPr id="5" name="图片 4"/>
+          <p:cNvPr id="8" name="图片 7"/>
           <p:cNvPicPr>
             <a:picLocks noChangeAspect="1"/>
           </p:cNvPicPr>
@@ -12205,17 +12643,22 @@
         </p:blipFill>
         <p:spPr>
           <a:xfrm>
-            <a:off x="250209" y="1045867"/>
-            <a:ext cx="7011575" cy="3567078"/>
-          </a:xfrm>
-          <a:prstGeom prst="rect">
-            <a:avLst/>
-          </a:prstGeom>
+            <a:off x="250206" y="1746332"/>
+            <a:ext cx="6096003" cy="1267704"/>
+          </a:xfrm>
+          <a:prstGeom prst="rect">
+            <a:avLst/>
+          </a:prstGeom>
+          <a:ln>
+            <a:solidFill>
+              <a:srgbClr val="FF0000"/>
+            </a:solidFill>
+          </a:ln>
         </p:spPr>
       </p:pic>
       <p:pic>
         <p:nvPicPr>
-          <p:cNvPr id="6" name="图片 5"/>
+          <p:cNvPr id="10" name="图片 9"/>
           <p:cNvPicPr>
             <a:picLocks noChangeAspect="1"/>
           </p:cNvPicPr>
@@ -12229,18 +12672,52 @@
         </p:blipFill>
         <p:spPr>
           <a:xfrm>
-            <a:off x="7411912" y="1045868"/>
-            <a:ext cx="4598120" cy="3573396"/>
-          </a:xfrm>
-          <a:prstGeom prst="rect">
-            <a:avLst/>
-          </a:prstGeom>
+            <a:off x="250204" y="3054980"/>
+            <a:ext cx="5531617" cy="3765559"/>
+          </a:xfrm>
+          <a:prstGeom prst="rect">
+            <a:avLst/>
+          </a:prstGeom>
+          <a:ln>
+            <a:solidFill>
+              <a:srgbClr val="0000FF"/>
+            </a:solidFill>
+          </a:ln>
+        </p:spPr>
+      </p:pic>
+      <p:pic>
+        <p:nvPicPr>
+          <p:cNvPr id="11" name="图片 10"/>
+          <p:cNvPicPr>
+            <a:picLocks noChangeAspect="1"/>
+          </p:cNvPicPr>
+          <p:nvPr/>
+        </p:nvPicPr>
+        <p:blipFill>
+          <a:blip r:embed="rId4"/>
+          <a:stretch>
+            <a:fillRect/>
+          </a:stretch>
+        </p:blipFill>
+        <p:spPr>
+          <a:xfrm>
+            <a:off x="6147583" y="3054980"/>
+            <a:ext cx="5572215" cy="3765559"/>
+          </a:xfrm>
+          <a:prstGeom prst="rect">
+            <a:avLst/>
+          </a:prstGeom>
+          <a:ln>
+            <a:solidFill>
+              <a:srgbClr val="0000FF"/>
+            </a:solidFill>
+          </a:ln>
         </p:spPr>
       </p:pic>
     </p:spTree>
     <p:extLst>
       <p:ext uri="{BB962C8B-B14F-4D97-AF65-F5344CB8AC3E}">
-        <p14:creationId xmlns:p14="http://schemas.microsoft.com/office/powerpoint/2010/main" val="2142607455"/>
+        <p14:creationId xmlns:p14="http://schemas.microsoft.com/office/powerpoint/2010/main" val="2340528050"/>
       </p:ext>
     </p:extLst>
   </p:cSld>
@@ -12296,13 +12773,141 @@
           <a:lstStyle/>
           <a:p>
             <a:r>
-              <a:rPr lang="zh-CN" altLang="en-US" dirty="0" smtClean="0">
-                <a:solidFill>
-                  <a:srgbClr val="34495E"/>
-                </a:solidFill>
-                <a:latin typeface="Source Sans Pro"/>
-              </a:rPr>
-              <a:t>过滤器</a:t>
+              <a:rPr lang="zh-CN" altLang="en-US" dirty="0">
+                <a:solidFill>
+                  <a:srgbClr val="34495E"/>
+                </a:solidFill>
+                <a:latin typeface="Source Sans Pro"/>
+              </a:rPr>
+              <a:t>表单</a:t>
+            </a:r>
+            <a:r>
+              <a:rPr lang="zh-CN" altLang="en-US" dirty="0" smtClean="0">
+                <a:solidFill>
+                  <a:srgbClr val="34495E"/>
+                </a:solidFill>
+                <a:latin typeface="Source Sans Pro"/>
+              </a:rPr>
+              <a:t>控件绑定</a:t>
+            </a:r>
+            <a:endParaRPr lang="zh-CN" altLang="en-US" dirty="0"/>
+          </a:p>
+        </p:txBody>
+      </p:sp>
+      <p:pic>
+        <p:nvPicPr>
+          <p:cNvPr id="5" name="图片 4"/>
+          <p:cNvPicPr>
+            <a:picLocks noChangeAspect="1"/>
+          </p:cNvPicPr>
+          <p:nvPr/>
+        </p:nvPicPr>
+        <p:blipFill>
+          <a:blip r:embed="rId2"/>
+          <a:stretch>
+            <a:fillRect/>
+          </a:stretch>
+        </p:blipFill>
+        <p:spPr>
+          <a:xfrm>
+            <a:off x="250209" y="1045867"/>
+            <a:ext cx="7011575" cy="3567078"/>
+          </a:xfrm>
+          <a:prstGeom prst="rect">
+            <a:avLst/>
+          </a:prstGeom>
+        </p:spPr>
+      </p:pic>
+      <p:pic>
+        <p:nvPicPr>
+          <p:cNvPr id="6" name="图片 5"/>
+          <p:cNvPicPr>
+            <a:picLocks noChangeAspect="1"/>
+          </p:cNvPicPr>
+          <p:nvPr/>
+        </p:nvPicPr>
+        <p:blipFill>
+          <a:blip r:embed="rId3"/>
+          <a:stretch>
+            <a:fillRect/>
+          </a:stretch>
+        </p:blipFill>
+        <p:spPr>
+          <a:xfrm>
+            <a:off x="7411912" y="1045868"/>
+            <a:ext cx="4598120" cy="3573396"/>
+          </a:xfrm>
+          <a:prstGeom prst="rect">
+            <a:avLst/>
+          </a:prstGeom>
+        </p:spPr>
+      </p:pic>
+    </p:spTree>
+    <p:extLst>
+      <p:ext uri="{BB962C8B-B14F-4D97-AF65-F5344CB8AC3E}">
+        <p14:creationId xmlns:p14="http://schemas.microsoft.com/office/powerpoint/2010/main" val="2142607455"/>
+      </p:ext>
+    </p:extLst>
+  </p:cSld>
+  <p:clrMapOvr>
+    <a:masterClrMapping/>
+  </p:clrMapOvr>
+  <p:timing>
+    <p:tnLst>
+      <p:par>
+        <p:cTn id="1" dur="indefinite" restart="never" nodeType="tmRoot"/>
+      </p:par>
+    </p:tnLst>
+  </p:timing>
+</p:sld>
+</file>
+
+<file path=ppt/slides/slide24.xml><?xml version="1.0" encoding="utf-8"?>
+<p:sld xmlns:a="http://schemas.openxmlformats.org/drawingml/2006/main" xmlns:r="http://schemas.openxmlformats.org/officeDocument/2006/relationships" xmlns:p="http://schemas.openxmlformats.org/presentationml/2006/main">
+  <p:cSld>
+    <p:spTree>
+      <p:nvGrpSpPr>
+        <p:cNvPr id="1" name=""/>
+        <p:cNvGrpSpPr/>
+        <p:nvPr/>
+      </p:nvGrpSpPr>
+      <p:grpSpPr>
+        <a:xfrm>
+          <a:off x="0" y="0"/>
+          <a:ext cx="0" cy="0"/>
+          <a:chOff x="0" y="0"/>
+          <a:chExt cx="0" cy="0"/>
+        </a:xfrm>
+      </p:grpSpPr>
+      <p:sp>
+        <p:nvSpPr>
+          <p:cNvPr id="3" name="矩形 2"/>
+          <p:cNvSpPr/>
+          <p:nvPr/>
+        </p:nvSpPr>
+        <p:spPr>
+          <a:xfrm>
+            <a:off x="250209" y="253453"/>
+            <a:ext cx="6096000" cy="369332"/>
+          </a:xfrm>
+          <a:prstGeom prst="rect">
+            <a:avLst/>
+          </a:prstGeom>
+        </p:spPr>
+        <p:txBody>
+          <a:bodyPr>
+            <a:spAutoFit/>
+          </a:bodyPr>
+          <a:lstStyle/>
+          <a:p>
+            <a:r>
+              <a:rPr lang="zh-CN" altLang="en-US" dirty="0" smtClean="0">
+                <a:solidFill>
+                  <a:srgbClr val="34495E"/>
+                </a:solidFill>
+                <a:latin typeface="Source Sans Pro"/>
+              </a:rPr>
+              <a:t>四、过滤器</a:t>
             </a:r>
             <a:endParaRPr lang="zh-CN" altLang="en-US" dirty="0"/>
           </a:p>
@@ -12439,7 +13044,7 @@
 </p:sld>
 </file>
 
-<file path=ppt/slides/slide24.xml><?xml version="1.0" encoding="utf-8"?>
+<file path=ppt/slides/slide25.xml><?xml version="1.0" encoding="utf-8"?>
 <p:sld xmlns:a="http://schemas.openxmlformats.org/drawingml/2006/main" xmlns:r="http://schemas.openxmlformats.org/officeDocument/2006/relationships" xmlns:p="http://schemas.openxmlformats.org/presentationml/2006/main">
   <p:cSld>
     <p:spTree>
@@ -16787,7 +17392,7 @@
         </p:nvSpPr>
         <p:spPr>
           <a:xfrm>
-            <a:off x="178174" y="464955"/>
+            <a:off x="178174" y="769755"/>
             <a:ext cx="12013826" cy="646331"/>
           </a:xfrm>
           <a:prstGeom prst="rect">
@@ -16856,7 +17461,7 @@
         </p:nvSpPr>
         <p:spPr>
           <a:xfrm>
-            <a:off x="178174" y="1111286"/>
+            <a:off x="178174" y="1416086"/>
             <a:ext cx="12013826" cy="369332"/>
           </a:xfrm>
           <a:prstGeom prst="rect">
@@ -16886,7 +17491,7 @@
         </p:nvSpPr>
         <p:spPr>
           <a:xfrm>
-            <a:off x="178174" y="1572951"/>
+            <a:off x="178174" y="1877751"/>
             <a:ext cx="12013826" cy="369332"/>
           </a:xfrm>
           <a:prstGeom prst="rect">
@@ -16909,6 +17514,54 @@
               <a:t>模式框架解决的痛点问题</a:t>
             </a:r>
             <a:endParaRPr lang="zh-CN" altLang="zh-CN" dirty="0"/>
+          </a:p>
+        </p:txBody>
+      </p:sp>
+      <p:sp>
+        <p:nvSpPr>
+          <p:cNvPr id="7" name="矩形 6"/>
+          <p:cNvSpPr/>
+          <p:nvPr/>
+        </p:nvSpPr>
+        <p:spPr>
+          <a:xfrm>
+            <a:off x="99205" y="101007"/>
+            <a:ext cx="2194051" cy="536596"/>
+          </a:xfrm>
+          <a:prstGeom prst="rect">
+            <a:avLst/>
+          </a:prstGeom>
+        </p:spPr>
+        <p:style>
+          <a:lnRef idx="2">
+            <a:schemeClr val="accent1">
+              <a:shade val="50000"/>
+            </a:schemeClr>
+          </a:lnRef>
+          <a:fillRef idx="1">
+            <a:schemeClr val="accent1"/>
+          </a:fillRef>
+          <a:effectRef idx="0">
+            <a:schemeClr val="accent1"/>
+          </a:effectRef>
+          <a:fontRef idx="minor">
+            <a:schemeClr val="lt1"/>
+          </a:fontRef>
+        </p:style>
+        <p:txBody>
+          <a:bodyPr rtlCol="0" anchor="ctr"/>
+          <a:lstStyle/>
+          <a:p>
+            <a:pPr algn="ctr"/>
+            <a:r>
+              <a:rPr lang="en-US" altLang="zh-CN" dirty="0" err="1" smtClean="0"/>
+              <a:t>Vue</a:t>
+            </a:r>
+            <a:r>
+              <a:rPr lang="zh-CN" altLang="en-US" dirty="0" smtClean="0"/>
+              <a:t>简介</a:t>
+            </a:r>
+            <a:endParaRPr lang="en-US" altLang="zh-CN" dirty="0" smtClean="0"/>
           </a:p>
         </p:txBody>
       </p:sp>
@@ -16958,13 +17611,13 @@
           <p:nvPr>
             <p:extLst>
               <p:ext uri="{D42A27DB-BD31-4B8C-83A1-F6EECF244321}">
-                <p14:modId xmlns:p14="http://schemas.microsoft.com/office/powerpoint/2010/main" val="3375226849"/>
+                <p14:modId xmlns:p14="http://schemas.microsoft.com/office/powerpoint/2010/main" val="589131342"/>
               </p:ext>
             </p:extLst>
           </p:nvPr>
         </p:nvGraphicFramePr>
         <p:xfrm>
-          <a:off x="339678" y="387128"/>
+          <a:off x="339678" y="779016"/>
           <a:ext cx="11370101" cy="3119120"/>
         </p:xfrm>
         <a:graphic>
@@ -17620,13 +18273,13 @@
           <p:nvPr>
             <p:extLst>
               <p:ext uri="{D42A27DB-BD31-4B8C-83A1-F6EECF244321}">
-                <p14:modId xmlns:p14="http://schemas.microsoft.com/office/powerpoint/2010/main" val="1112364216"/>
+                <p14:modId xmlns:p14="http://schemas.microsoft.com/office/powerpoint/2010/main" val="2603186457"/>
               </p:ext>
             </p:extLst>
           </p:nvPr>
         </p:nvGraphicFramePr>
         <p:xfrm>
-          <a:off x="339678" y="3795284"/>
+          <a:off x="339678" y="4187172"/>
           <a:ext cx="11370101" cy="2556124"/>
         </p:xfrm>
         <a:graphic>
@@ -18165,6 +18818,54 @@
           </a:graphicData>
         </a:graphic>
       </p:graphicFrame>
+      <p:sp>
+        <p:nvSpPr>
+          <p:cNvPr id="4" name="矩形 3"/>
+          <p:cNvSpPr/>
+          <p:nvPr/>
+        </p:nvSpPr>
+        <p:spPr>
+          <a:xfrm>
+            <a:off x="99205" y="101007"/>
+            <a:ext cx="2194051" cy="536596"/>
+          </a:xfrm>
+          <a:prstGeom prst="rect">
+            <a:avLst/>
+          </a:prstGeom>
+        </p:spPr>
+        <p:style>
+          <a:lnRef idx="2">
+            <a:schemeClr val="accent1">
+              <a:shade val="50000"/>
+            </a:schemeClr>
+          </a:lnRef>
+          <a:fillRef idx="1">
+            <a:schemeClr val="accent1"/>
+          </a:fillRef>
+          <a:effectRef idx="0">
+            <a:schemeClr val="accent1"/>
+          </a:effectRef>
+          <a:fontRef idx="minor">
+            <a:schemeClr val="lt1"/>
+          </a:fontRef>
+        </p:style>
+        <p:txBody>
+          <a:bodyPr rtlCol="0" anchor="ctr"/>
+          <a:lstStyle/>
+          <a:p>
+            <a:pPr algn="ctr"/>
+            <a:r>
+              <a:rPr lang="en-US" altLang="zh-CN" dirty="0" err="1" smtClean="0"/>
+              <a:t>Vue</a:t>
+            </a:r>
+            <a:r>
+              <a:rPr lang="zh-CN" altLang="en-US" dirty="0" smtClean="0"/>
+              <a:t>简介</a:t>
+            </a:r>
+            <a:endParaRPr lang="en-US" altLang="zh-CN" dirty="0" smtClean="0"/>
+          </a:p>
+        </p:txBody>
+      </p:sp>
     </p:spTree>
     <p:extLst>
       <p:ext uri="{BB962C8B-B14F-4D97-AF65-F5344CB8AC3E}">
